--- a/1st/[ModernCpp]1st.pptx
+++ b/1st/[ModernCpp]1st.pptx
@@ -8467,7 +8467,7 @@
             <p:ph sz="half" idx="2"/>
             <p:extLst>
               <p:ext uri="{D42A27DB-BD31-4B8C-83A1-F6EECF244321}">
-                <p14:modId xmlns:p14="http://schemas.microsoft.com/office/powerpoint/2010/main" val="1377679377"/>
+                <p14:modId xmlns:p14="http://schemas.microsoft.com/office/powerpoint/2010/main" val="3381252424"/>
               </p:ext>
             </p:extLst>
           </p:nvPr>
@@ -8665,7 +8665,7 @@
                         <a:t> </a:t>
                       </a:r>
                       <a:r>
-                        <a:rPr lang="en-US" altLang="ko-KR" sz="1600" b="0" baseline="0" dirty="0">
+                        <a:rPr lang="en-US" altLang="ko-KR" sz="1600" b="0" baseline="0">
                           <a:solidFill>
                             <a:schemeClr val="tx1">
                               <a:lumMod val="85000"/>
@@ -8675,33 +8675,7 @@
                           <a:latin typeface="맑은 고딕" panose="020B0503020000020004" pitchFamily="50" charset="-127"/>
                           <a:ea typeface="맑은 고딕" panose="020B0503020000020004" pitchFamily="50" charset="-127"/>
                         </a:rPr>
-                        <a:t>Deep Learning, </a:t>
-                      </a:r>
-                      <a:r>
-                        <a:rPr lang="en-US" altLang="ko-KR" sz="1600" b="0" baseline="0" dirty="0" err="1">
-                          <a:solidFill>
-                            <a:schemeClr val="tx1">
-                              <a:lumMod val="85000"/>
-                              <a:lumOff val="15000"/>
-                            </a:schemeClr>
-                          </a:solidFill>
-                          <a:latin typeface="맑은 고딕" panose="020B0503020000020004" pitchFamily="50" charset="-127"/>
-                          <a:ea typeface="맑은 고딕" panose="020B0503020000020004" pitchFamily="50" charset="-127"/>
-                        </a:rPr>
-                        <a:t>MFC</a:t>
-                      </a:r>
-                      <a:r>
-                        <a:rPr lang="en-US" altLang="ko-KR" sz="1600" b="0" baseline="0" dirty="0">
-                          <a:solidFill>
-                            <a:schemeClr val="tx1">
-                              <a:lumMod val="85000"/>
-                              <a:lumOff val="15000"/>
-                            </a:schemeClr>
-                          </a:solidFill>
-                          <a:latin typeface="맑은 고딕" panose="020B0503020000020004" pitchFamily="50" charset="-127"/>
-                          <a:ea typeface="맑은 고딕" panose="020B0503020000020004" pitchFamily="50" charset="-127"/>
-                        </a:rPr>
-                        <a:t>)</a:t>
+                        <a:t>Deep Learning)</a:t>
                       </a:r>
                       <a:endParaRPr lang="en-US" sz="1600" b="0" baseline="0" dirty="0">
                         <a:solidFill>
@@ -10214,12 +10188,12 @@
 </file>
 
 <file path=customXml/item1.xml><?xml version="1.0" encoding="utf-8"?>
-<?mso-contentType ?>
-<FormTemplates xmlns="http://schemas.microsoft.com/sharepoint/v3/contenttype/forms">
-  <Display>DocumentLibraryForm</Display>
-  <Edit>DocumentLibraryForm</Edit>
-  <New>DocumentLibraryForm</New>
-</FormTemplates>
+<p:properties xmlns:p="http://schemas.microsoft.com/office/2006/metadata/properties" xmlns:xsi="http://www.w3.org/2001/XMLSchema-instance" xmlns:pc="http://schemas.microsoft.com/office/infopath/2007/PartnerControls">
+  <documentManagement>
+    <Status xmlns="71af3243-3dd4-4a8d-8c0d-dd76da1f02a5">Not started</Status>
+    <MediaServiceKeyPoints xmlns="71af3243-3dd4-4a8d-8c0d-dd76da1f02a5" xsi:nil="true"/>
+  </documentManagement>
+</p:properties>
 </file>
 
 <file path=customXml/item2.xml><?xml version="1.0" encoding="utf-8"?>
@@ -10444,18 +10418,20 @@
 </file>
 
 <file path=customXml/item3.xml><?xml version="1.0" encoding="utf-8"?>
-<p:properties xmlns:p="http://schemas.microsoft.com/office/2006/metadata/properties" xmlns:xsi="http://www.w3.org/2001/XMLSchema-instance" xmlns:pc="http://schemas.microsoft.com/office/infopath/2007/PartnerControls">
-  <documentManagement>
-    <Status xmlns="71af3243-3dd4-4a8d-8c0d-dd76da1f02a5">Not started</Status>
-    <MediaServiceKeyPoints xmlns="71af3243-3dd4-4a8d-8c0d-dd76da1f02a5" xsi:nil="true"/>
-  </documentManagement>
-</p:properties>
+<?mso-contentType ?>
+<FormTemplates xmlns="http://schemas.microsoft.com/sharepoint/v3/contenttype/forms">
+  <Display>DocumentLibraryForm</Display>
+  <Edit>DocumentLibraryForm</Edit>
+  <New>DocumentLibraryForm</New>
+</FormTemplates>
 </file>
 
 <file path=customXml/itemProps1.xml><?xml version="1.0" encoding="utf-8"?>
-<ds:datastoreItem xmlns:ds="http://schemas.openxmlformats.org/officeDocument/2006/customXml" ds:itemID="{8435A0B9-5F49-415F-9BEE-591FDACE98D1}">
+<ds:datastoreItem xmlns:ds="http://schemas.openxmlformats.org/officeDocument/2006/customXml" ds:itemID="{ADC43B05-D266-4257-98DE-FF9D8CEDAE76}">
   <ds:schemaRefs>
-    <ds:schemaRef ds:uri="http://schemas.microsoft.com/sharepoint/v3/contenttype/forms"/>
+    <ds:schemaRef ds:uri="http://schemas.microsoft.com/office/2006/metadata/properties"/>
+    <ds:schemaRef ds:uri="http://schemas.microsoft.com/office/infopath/2007/PartnerControls"/>
+    <ds:schemaRef ds:uri="71af3243-3dd4-4a8d-8c0d-dd76da1f02a5"/>
   </ds:schemaRefs>
 </ds:datastoreItem>
 </file>
@@ -10480,11 +10456,9 @@
 </file>
 
 <file path=customXml/itemProps3.xml><?xml version="1.0" encoding="utf-8"?>
-<ds:datastoreItem xmlns:ds="http://schemas.openxmlformats.org/officeDocument/2006/customXml" ds:itemID="{ADC43B05-D266-4257-98DE-FF9D8CEDAE76}">
+<ds:datastoreItem xmlns:ds="http://schemas.openxmlformats.org/officeDocument/2006/customXml" ds:itemID="{8435A0B9-5F49-415F-9BEE-591FDACE98D1}">
   <ds:schemaRefs>
-    <ds:schemaRef ds:uri="http://schemas.microsoft.com/office/2006/metadata/properties"/>
-    <ds:schemaRef ds:uri="http://schemas.microsoft.com/office/infopath/2007/PartnerControls"/>
-    <ds:schemaRef ds:uri="71af3243-3dd4-4a8d-8c0d-dd76da1f02a5"/>
+    <ds:schemaRef ds:uri="http://schemas.microsoft.com/sharepoint/v3/contenttype/forms"/>
   </ds:schemaRefs>
 </ds:datastoreItem>
 </file>
--- a/1st/[ModernCpp]1st.pptx
+++ b/1st/[ModernCpp]1st.pptx
@@ -5,15 +5,19 @@
     <p:sldMasterId id="2147483685" r:id="rId4"/>
   </p:sldMasterIdLst>
   <p:notesMasterIdLst>
-    <p:notesMasterId r:id="rId8"/>
+    <p:notesMasterId r:id="rId12"/>
   </p:notesMasterIdLst>
   <p:handoutMasterIdLst>
-    <p:handoutMasterId r:id="rId9"/>
+    <p:handoutMasterId r:id="rId13"/>
   </p:handoutMasterIdLst>
   <p:sldIdLst>
     <p:sldId id="338" r:id="rId5"/>
     <p:sldId id="340" r:id="rId6"/>
-    <p:sldId id="263" r:id="rId7"/>
+    <p:sldId id="341" r:id="rId7"/>
+    <p:sldId id="342" r:id="rId8"/>
+    <p:sldId id="343" r:id="rId9"/>
+    <p:sldId id="344" r:id="rId10"/>
+    <p:sldId id="345" r:id="rId11"/>
   </p:sldIdLst>
   <p:sldSz cx="12192000" cy="6858000"/>
   <p:notesSz cx="6858000" cy="9144000"/>
@@ -225,7 +229,7 @@
                 <a:latin typeface="맑은 고딕" panose="020B0503020000020004" pitchFamily="50" charset="-127"/>
                 <a:ea typeface="맑은 고딕" panose="020B0503020000020004" pitchFamily="50" charset="-127"/>
               </a:rPr>
-              <a:t>2021-04-29</a:t>
+              <a:t>2021-05-03</a:t>
             </a:fld>
             <a:endParaRPr lang="ko-KR" altLang="en-US" noProof="1">
               <a:latin typeface="맑은 고딕" panose="020B0503020000020004" pitchFamily="50" charset="-127"/>
@@ -423,7 +427,7 @@
           <a:p>
             <a:fld id="{E1FD49E4-4598-4E6D-A4E7-609CDCD382BA}" type="datetime1">
               <a:rPr lang="ko-KR" altLang="en-US" noProof="1" smtClean="0"/>
-              <a:t>2021-04-29</a:t>
+              <a:t>2021-05-03</a:t>
             </a:fld>
             <a:endParaRPr lang="ko-KR" altLang="en-US" noProof="1"/>
           </a:p>
@@ -907,7 +911,375 @@
     </p:spTree>
     <p:extLst>
       <p:ext uri="{BB962C8B-B14F-4D97-AF65-F5344CB8AC3E}">
-        <p14:creationId xmlns:p14="http://schemas.microsoft.com/office/powerpoint/2010/main" val="423243887"/>
+        <p14:creationId xmlns:p14="http://schemas.microsoft.com/office/powerpoint/2010/main" val="3616040664"/>
+      </p:ext>
+    </p:extLst>
+  </p:cSld>
+  <p:clrMapOvr>
+    <a:masterClrMapping/>
+  </p:clrMapOvr>
+</p:notes>
+</file>
+
+<file path=ppt/notesSlides/notesSlide4.xml><?xml version="1.0" encoding="utf-8"?>
+<p:notes xmlns:a="http://schemas.openxmlformats.org/drawingml/2006/main" xmlns:r="http://schemas.openxmlformats.org/officeDocument/2006/relationships" xmlns:p="http://schemas.openxmlformats.org/presentationml/2006/main">
+  <p:cSld>
+    <p:spTree>
+      <p:nvGrpSpPr>
+        <p:cNvPr id="1" name=""/>
+        <p:cNvGrpSpPr/>
+        <p:nvPr/>
+      </p:nvGrpSpPr>
+      <p:grpSpPr>
+        <a:xfrm>
+          <a:off x="0" y="0"/>
+          <a:ext cx="0" cy="0"/>
+          <a:chOff x="0" y="0"/>
+          <a:chExt cx="0" cy="0"/>
+        </a:xfrm>
+      </p:grpSpPr>
+      <p:sp>
+        <p:nvSpPr>
+          <p:cNvPr id="2" name="슬라이드 이미지 개체 틀 1"/>
+          <p:cNvSpPr>
+            <a:spLocks noGrp="1" noRot="1" noChangeAspect="1"/>
+          </p:cNvSpPr>
+          <p:nvPr>
+            <p:ph type="sldImg"/>
+          </p:nvPr>
+        </p:nvSpPr>
+        <p:spPr/>
+      </p:sp>
+      <p:sp>
+        <p:nvSpPr>
+          <p:cNvPr id="3" name="슬라이드 노트 개체 틀 2"/>
+          <p:cNvSpPr>
+            <a:spLocks noGrp="1"/>
+          </p:cNvSpPr>
+          <p:nvPr>
+            <p:ph type="body" idx="1"/>
+          </p:nvPr>
+        </p:nvSpPr>
+        <p:spPr/>
+        <p:txBody>
+          <a:bodyPr rtlCol="0"/>
+          <a:lstStyle/>
+          <a:p>
+            <a:pPr rtl="0"/>
+            <a:endParaRPr lang="ko-KR" altLang="en-US" noProof="1">
+              <a:ea typeface="맑은 고딕" panose="020B0503020000020004" pitchFamily="50" charset="-127"/>
+            </a:endParaRPr>
+          </a:p>
+        </p:txBody>
+      </p:sp>
+      <p:sp>
+        <p:nvSpPr>
+          <p:cNvPr id="4" name="슬라이드 번호 개체 틀 3"/>
+          <p:cNvSpPr>
+            <a:spLocks noGrp="1"/>
+          </p:cNvSpPr>
+          <p:nvPr>
+            <p:ph type="sldNum" sz="quarter" idx="5"/>
+          </p:nvPr>
+        </p:nvSpPr>
+        <p:spPr/>
+        <p:txBody>
+          <a:bodyPr rtlCol="0"/>
+          <a:lstStyle/>
+          <a:p>
+            <a:pPr rtl="0"/>
+            <a:fld id="{0F8442E7-1E35-4707-8504-AE37222ED57D}" type="slidenum">
+              <a:rPr lang="en-US" altLang="ko-KR" noProof="1" smtClean="0">
+                <a:ea typeface="맑은 고딕" panose="020B0503020000020004" pitchFamily="50" charset="-127"/>
+              </a:rPr>
+              <a:t>4</a:t>
+            </a:fld>
+            <a:endParaRPr lang="ko-KR" altLang="en-US" noProof="1">
+              <a:ea typeface="맑은 고딕" panose="020B0503020000020004" pitchFamily="50" charset="-127"/>
+            </a:endParaRPr>
+          </a:p>
+        </p:txBody>
+      </p:sp>
+    </p:spTree>
+    <p:extLst>
+      <p:ext uri="{BB962C8B-B14F-4D97-AF65-F5344CB8AC3E}">
+        <p14:creationId xmlns:p14="http://schemas.microsoft.com/office/powerpoint/2010/main" val="1007231697"/>
+      </p:ext>
+    </p:extLst>
+  </p:cSld>
+  <p:clrMapOvr>
+    <a:masterClrMapping/>
+  </p:clrMapOvr>
+</p:notes>
+</file>
+
+<file path=ppt/notesSlides/notesSlide5.xml><?xml version="1.0" encoding="utf-8"?>
+<p:notes xmlns:a="http://schemas.openxmlformats.org/drawingml/2006/main" xmlns:r="http://schemas.openxmlformats.org/officeDocument/2006/relationships" xmlns:p="http://schemas.openxmlformats.org/presentationml/2006/main">
+  <p:cSld>
+    <p:spTree>
+      <p:nvGrpSpPr>
+        <p:cNvPr id="1" name=""/>
+        <p:cNvGrpSpPr/>
+        <p:nvPr/>
+      </p:nvGrpSpPr>
+      <p:grpSpPr>
+        <a:xfrm>
+          <a:off x="0" y="0"/>
+          <a:ext cx="0" cy="0"/>
+          <a:chOff x="0" y="0"/>
+          <a:chExt cx="0" cy="0"/>
+        </a:xfrm>
+      </p:grpSpPr>
+      <p:sp>
+        <p:nvSpPr>
+          <p:cNvPr id="2" name="슬라이드 이미지 개체 틀 1"/>
+          <p:cNvSpPr>
+            <a:spLocks noGrp="1" noRot="1" noChangeAspect="1"/>
+          </p:cNvSpPr>
+          <p:nvPr>
+            <p:ph type="sldImg"/>
+          </p:nvPr>
+        </p:nvSpPr>
+        <p:spPr/>
+      </p:sp>
+      <p:sp>
+        <p:nvSpPr>
+          <p:cNvPr id="3" name="슬라이드 노트 개체 틀 2"/>
+          <p:cNvSpPr>
+            <a:spLocks noGrp="1"/>
+          </p:cNvSpPr>
+          <p:nvPr>
+            <p:ph type="body" idx="1"/>
+          </p:nvPr>
+        </p:nvSpPr>
+        <p:spPr/>
+        <p:txBody>
+          <a:bodyPr rtlCol="0"/>
+          <a:lstStyle/>
+          <a:p>
+            <a:pPr rtl="0"/>
+            <a:endParaRPr lang="ko-KR" altLang="en-US" noProof="1">
+              <a:ea typeface="맑은 고딕" panose="020B0503020000020004" pitchFamily="50" charset="-127"/>
+            </a:endParaRPr>
+          </a:p>
+        </p:txBody>
+      </p:sp>
+      <p:sp>
+        <p:nvSpPr>
+          <p:cNvPr id="4" name="슬라이드 번호 개체 틀 3"/>
+          <p:cNvSpPr>
+            <a:spLocks noGrp="1"/>
+          </p:cNvSpPr>
+          <p:nvPr>
+            <p:ph type="sldNum" sz="quarter" idx="5"/>
+          </p:nvPr>
+        </p:nvSpPr>
+        <p:spPr/>
+        <p:txBody>
+          <a:bodyPr rtlCol="0"/>
+          <a:lstStyle/>
+          <a:p>
+            <a:pPr rtl="0"/>
+            <a:fld id="{0F8442E7-1E35-4707-8504-AE37222ED57D}" type="slidenum">
+              <a:rPr lang="en-US" altLang="ko-KR" noProof="1" smtClean="0">
+                <a:ea typeface="맑은 고딕" panose="020B0503020000020004" pitchFamily="50" charset="-127"/>
+              </a:rPr>
+              <a:t>5</a:t>
+            </a:fld>
+            <a:endParaRPr lang="ko-KR" altLang="en-US" noProof="1">
+              <a:ea typeface="맑은 고딕" panose="020B0503020000020004" pitchFamily="50" charset="-127"/>
+            </a:endParaRPr>
+          </a:p>
+        </p:txBody>
+      </p:sp>
+    </p:spTree>
+    <p:extLst>
+      <p:ext uri="{BB962C8B-B14F-4D97-AF65-F5344CB8AC3E}">
+        <p14:creationId xmlns:p14="http://schemas.microsoft.com/office/powerpoint/2010/main" val="2535632439"/>
+      </p:ext>
+    </p:extLst>
+  </p:cSld>
+  <p:clrMapOvr>
+    <a:masterClrMapping/>
+  </p:clrMapOvr>
+</p:notes>
+</file>
+
+<file path=ppt/notesSlides/notesSlide6.xml><?xml version="1.0" encoding="utf-8"?>
+<p:notes xmlns:a="http://schemas.openxmlformats.org/drawingml/2006/main" xmlns:r="http://schemas.openxmlformats.org/officeDocument/2006/relationships" xmlns:p="http://schemas.openxmlformats.org/presentationml/2006/main">
+  <p:cSld>
+    <p:spTree>
+      <p:nvGrpSpPr>
+        <p:cNvPr id="1" name=""/>
+        <p:cNvGrpSpPr/>
+        <p:nvPr/>
+      </p:nvGrpSpPr>
+      <p:grpSpPr>
+        <a:xfrm>
+          <a:off x="0" y="0"/>
+          <a:ext cx="0" cy="0"/>
+          <a:chOff x="0" y="0"/>
+          <a:chExt cx="0" cy="0"/>
+        </a:xfrm>
+      </p:grpSpPr>
+      <p:sp>
+        <p:nvSpPr>
+          <p:cNvPr id="2" name="슬라이드 이미지 개체 틀 1"/>
+          <p:cNvSpPr>
+            <a:spLocks noGrp="1" noRot="1" noChangeAspect="1"/>
+          </p:cNvSpPr>
+          <p:nvPr>
+            <p:ph type="sldImg"/>
+          </p:nvPr>
+        </p:nvSpPr>
+        <p:spPr/>
+      </p:sp>
+      <p:sp>
+        <p:nvSpPr>
+          <p:cNvPr id="3" name="슬라이드 노트 개체 틀 2"/>
+          <p:cNvSpPr>
+            <a:spLocks noGrp="1"/>
+          </p:cNvSpPr>
+          <p:nvPr>
+            <p:ph type="body" idx="1"/>
+          </p:nvPr>
+        </p:nvSpPr>
+        <p:spPr/>
+        <p:txBody>
+          <a:bodyPr rtlCol="0"/>
+          <a:lstStyle/>
+          <a:p>
+            <a:pPr rtl="0"/>
+            <a:endParaRPr lang="ko-KR" altLang="en-US" noProof="1">
+              <a:ea typeface="맑은 고딕" panose="020B0503020000020004" pitchFamily="50" charset="-127"/>
+            </a:endParaRPr>
+          </a:p>
+        </p:txBody>
+      </p:sp>
+      <p:sp>
+        <p:nvSpPr>
+          <p:cNvPr id="4" name="슬라이드 번호 개체 틀 3"/>
+          <p:cNvSpPr>
+            <a:spLocks noGrp="1"/>
+          </p:cNvSpPr>
+          <p:nvPr>
+            <p:ph type="sldNum" sz="quarter" idx="5"/>
+          </p:nvPr>
+        </p:nvSpPr>
+        <p:spPr/>
+        <p:txBody>
+          <a:bodyPr rtlCol="0"/>
+          <a:lstStyle/>
+          <a:p>
+            <a:pPr rtl="0"/>
+            <a:fld id="{0F8442E7-1E35-4707-8504-AE37222ED57D}" type="slidenum">
+              <a:rPr lang="en-US" altLang="ko-KR" noProof="1" smtClean="0">
+                <a:ea typeface="맑은 고딕" panose="020B0503020000020004" pitchFamily="50" charset="-127"/>
+              </a:rPr>
+              <a:t>6</a:t>
+            </a:fld>
+            <a:endParaRPr lang="ko-KR" altLang="en-US" noProof="1">
+              <a:ea typeface="맑은 고딕" panose="020B0503020000020004" pitchFamily="50" charset="-127"/>
+            </a:endParaRPr>
+          </a:p>
+        </p:txBody>
+      </p:sp>
+    </p:spTree>
+    <p:extLst>
+      <p:ext uri="{BB962C8B-B14F-4D97-AF65-F5344CB8AC3E}">
+        <p14:creationId xmlns:p14="http://schemas.microsoft.com/office/powerpoint/2010/main" val="3140477363"/>
+      </p:ext>
+    </p:extLst>
+  </p:cSld>
+  <p:clrMapOvr>
+    <a:masterClrMapping/>
+  </p:clrMapOvr>
+</p:notes>
+</file>
+
+<file path=ppt/notesSlides/notesSlide7.xml><?xml version="1.0" encoding="utf-8"?>
+<p:notes xmlns:a="http://schemas.openxmlformats.org/drawingml/2006/main" xmlns:r="http://schemas.openxmlformats.org/officeDocument/2006/relationships" xmlns:p="http://schemas.openxmlformats.org/presentationml/2006/main">
+  <p:cSld>
+    <p:spTree>
+      <p:nvGrpSpPr>
+        <p:cNvPr id="1" name=""/>
+        <p:cNvGrpSpPr/>
+        <p:nvPr/>
+      </p:nvGrpSpPr>
+      <p:grpSpPr>
+        <a:xfrm>
+          <a:off x="0" y="0"/>
+          <a:ext cx="0" cy="0"/>
+          <a:chOff x="0" y="0"/>
+          <a:chExt cx="0" cy="0"/>
+        </a:xfrm>
+      </p:grpSpPr>
+      <p:sp>
+        <p:nvSpPr>
+          <p:cNvPr id="2" name="슬라이드 이미지 개체 틀 1"/>
+          <p:cNvSpPr>
+            <a:spLocks noGrp="1" noRot="1" noChangeAspect="1"/>
+          </p:cNvSpPr>
+          <p:nvPr>
+            <p:ph type="sldImg"/>
+          </p:nvPr>
+        </p:nvSpPr>
+        <p:spPr/>
+      </p:sp>
+      <p:sp>
+        <p:nvSpPr>
+          <p:cNvPr id="3" name="슬라이드 노트 개체 틀 2"/>
+          <p:cNvSpPr>
+            <a:spLocks noGrp="1"/>
+          </p:cNvSpPr>
+          <p:nvPr>
+            <p:ph type="body" idx="1"/>
+          </p:nvPr>
+        </p:nvSpPr>
+        <p:spPr/>
+        <p:txBody>
+          <a:bodyPr rtlCol="0"/>
+          <a:lstStyle/>
+          <a:p>
+            <a:pPr rtl="0"/>
+            <a:endParaRPr lang="ko-KR" altLang="en-US" noProof="1">
+              <a:ea typeface="맑은 고딕" panose="020B0503020000020004" pitchFamily="50" charset="-127"/>
+            </a:endParaRPr>
+          </a:p>
+        </p:txBody>
+      </p:sp>
+      <p:sp>
+        <p:nvSpPr>
+          <p:cNvPr id="4" name="슬라이드 번호 개체 틀 3"/>
+          <p:cNvSpPr>
+            <a:spLocks noGrp="1"/>
+          </p:cNvSpPr>
+          <p:nvPr>
+            <p:ph type="sldNum" sz="quarter" idx="5"/>
+          </p:nvPr>
+        </p:nvSpPr>
+        <p:spPr/>
+        <p:txBody>
+          <a:bodyPr rtlCol="0"/>
+          <a:lstStyle/>
+          <a:p>
+            <a:pPr rtl="0"/>
+            <a:fld id="{0F8442E7-1E35-4707-8504-AE37222ED57D}" type="slidenum">
+              <a:rPr lang="en-US" altLang="ko-KR" noProof="1" smtClean="0">
+                <a:ea typeface="맑은 고딕" panose="020B0503020000020004" pitchFamily="50" charset="-127"/>
+              </a:rPr>
+              <a:t>7</a:t>
+            </a:fld>
+            <a:endParaRPr lang="ko-KR" altLang="en-US" noProof="1">
+              <a:ea typeface="맑은 고딕" panose="020B0503020000020004" pitchFamily="50" charset="-127"/>
+            </a:endParaRPr>
+          </a:p>
+        </p:txBody>
+      </p:sp>
+    </p:spTree>
+    <p:extLst>
+      <p:ext uri="{BB962C8B-B14F-4D97-AF65-F5344CB8AC3E}">
+        <p14:creationId xmlns:p14="http://schemas.microsoft.com/office/powerpoint/2010/main" val="807668549"/>
       </p:ext>
     </p:extLst>
   </p:cSld>
@@ -1163,7 +1535,7 @@
           <a:p>
             <a:fld id="{0B54A9C8-BA70-4B48-95E6-45E856F36760}" type="datetime1">
               <a:rPr lang="ko-KR" altLang="en-US" noProof="1" smtClean="0"/>
-              <a:t>2021-04-29</a:t>
+              <a:t>2021-05-03</a:t>
             </a:fld>
             <a:endParaRPr lang="ko-KR" altLang="en-US" noProof="1"/>
           </a:p>
@@ -1342,7 +1714,7 @@
           <a:p>
             <a:fld id="{938A1676-6EC2-44D1-A2DF-86C4DC62DF04}" type="datetime1">
               <a:rPr lang="ko-KR" altLang="en-US" noProof="1" smtClean="0"/>
-              <a:t>2021-04-29</a:t>
+              <a:t>2021-05-03</a:t>
             </a:fld>
             <a:endParaRPr lang="ko-KR" altLang="en-US" noProof="1"/>
           </a:p>
@@ -1819,7 +2191,7 @@
           <a:p>
             <a:fld id="{9B7F9021-0BB2-460F-937F-BCBDB2AC1996}" type="datetime1">
               <a:rPr lang="ko-KR" altLang="en-US" noProof="1" smtClean="0"/>
-              <a:t>2021-04-29</a:t>
+              <a:t>2021-05-03</a:t>
             </a:fld>
             <a:endParaRPr lang="ko-KR" altLang="en-US" noProof="1"/>
           </a:p>
@@ -2349,7 +2721,7 @@
           <a:p>
             <a:fld id="{FF634A02-0D94-4530-89BB-D2D454250511}" type="datetime1">
               <a:rPr lang="ko-KR" altLang="en-US" noProof="1" smtClean="0"/>
-              <a:t>2021-04-29</a:t>
+              <a:t>2021-05-03</a:t>
             </a:fld>
             <a:endParaRPr lang="ko-KR" altLang="en-US" noProof="1"/>
           </a:p>
@@ -2862,7 +3234,7 @@
             <a:pPr rtl="0"/>
             <a:fld id="{FA171D24-B9F8-4062-BF5C-53936FCAA97C}" type="datetime1">
               <a:rPr lang="ko-KR" altLang="en-US" noProof="1" smtClean="0"/>
-              <a:t>2021-04-29</a:t>
+              <a:t>2021-05-03</a:t>
             </a:fld>
             <a:endParaRPr lang="ko-KR" altLang="en-US" noProof="1"/>
           </a:p>
@@ -3111,7 +3483,7 @@
           <a:p>
             <a:fld id="{335F7840-18EC-4C69-BD04-F06CF802B6A4}" type="datetime1">
               <a:rPr lang="ko-KR" altLang="en-US" noProof="1" smtClean="0"/>
-              <a:t>2021-04-29</a:t>
+              <a:t>2021-05-03</a:t>
             </a:fld>
             <a:endParaRPr lang="ko-KR" altLang="en-US" noProof="1"/>
           </a:p>
@@ -3894,7 +4266,7 @@
           <a:p>
             <a:fld id="{F4AD115A-45C9-40C1-A582-B0BD24482304}" type="datetime1">
               <a:rPr lang="ko-KR" altLang="en-US" noProof="1" smtClean="0"/>
-              <a:t>2021-04-29</a:t>
+              <a:t>2021-05-03</a:t>
             </a:fld>
             <a:endParaRPr lang="ko-KR" altLang="en-US" noProof="1"/>
           </a:p>
@@ -4283,7 +4655,7 @@
           <a:p>
             <a:fld id="{B2479F49-6E7A-454B-84ED-9681F655C86B}" type="datetime1">
               <a:rPr lang="ko-KR" altLang="en-US" noProof="1" smtClean="0"/>
-              <a:t>2021-04-29</a:t>
+              <a:t>2021-05-03</a:t>
             </a:fld>
             <a:endParaRPr lang="ko-KR" altLang="en-US" noProof="1"/>
           </a:p>
@@ -4922,7 +5294,7 @@
           <a:p>
             <a:fld id="{122D1E9F-E6A0-49D1-8DEF-C6B1B027799D}" type="datetime1">
               <a:rPr lang="ko-KR" altLang="en-US" noProof="1" smtClean="0"/>
-              <a:t>2021-04-29</a:t>
+              <a:t>2021-05-03</a:t>
             </a:fld>
             <a:endParaRPr lang="ko-KR" altLang="en-US" noProof="1"/>
           </a:p>
@@ -5320,7 +5692,7 @@
           <a:p>
             <a:fld id="{5F451D80-7668-4748-B8EA-A22A4A431D43}" type="datetime1">
               <a:rPr lang="ko-KR" altLang="en-US" noProof="1" smtClean="0"/>
-              <a:t>2021-04-29</a:t>
+              <a:t>2021-05-03</a:t>
             </a:fld>
             <a:endParaRPr lang="ko-KR" altLang="en-US" noProof="1"/>
           </a:p>
@@ -5756,7 +6128,7 @@
           <a:p>
             <a:fld id="{F2946A5D-DE14-4244-B0F2-802DE334AAD0}" type="datetime1">
               <a:rPr lang="ko-KR" altLang="en-US" noProof="1" smtClean="0"/>
-              <a:t>2021-04-29</a:t>
+              <a:t>2021-05-03</a:t>
             </a:fld>
             <a:endParaRPr lang="ko-KR" altLang="en-US" noProof="1"/>
           </a:p>
@@ -6111,7 +6483,7 @@
           <a:p>
             <a:fld id="{51BD6E70-7DF4-4FDB-8095-7C5D5BD44452}" type="datetime1">
               <a:rPr lang="ko-KR" altLang="en-US" noProof="1" smtClean="0"/>
-              <a:t>2021-04-29</a:t>
+              <a:t>2021-05-03</a:t>
             </a:fld>
             <a:endParaRPr lang="ko-KR" altLang="en-US" noProof="1"/>
           </a:p>
@@ -6663,7 +7035,7 @@
           <a:p>
             <a:fld id="{396E87A6-9E32-4D89-B930-5FFC15180104}" type="datetime1">
               <a:rPr lang="ko-KR" altLang="en-US" noProof="1" smtClean="0"/>
-              <a:t>2021-04-29</a:t>
+              <a:t>2021-05-03</a:t>
             </a:fld>
             <a:endParaRPr lang="ko-KR" altLang="en-US" noProof="1"/>
           </a:p>
@@ -6990,7 +7362,7 @@
           <a:p>
             <a:fld id="{50CBE6E2-341C-40E0-A2FA-072549F49128}" type="datetime1">
               <a:rPr lang="ko-KR" altLang="en-US" noProof="1" smtClean="0"/>
-              <a:t>2021-04-29</a:t>
+              <a:t>2021-05-03</a:t>
             </a:fld>
             <a:endParaRPr lang="ko-KR" altLang="en-US" noProof="1"/>
           </a:p>
@@ -7199,7 +7571,7 @@
           <a:p>
             <a:fld id="{880BD98A-63B9-4719-840D-A81076C1799E}" type="datetime1">
               <a:rPr lang="ko-KR" altLang="en-US" noProof="1" smtClean="0"/>
-              <a:t>2021-04-29</a:t>
+              <a:t>2021-05-03</a:t>
             </a:fld>
             <a:endParaRPr lang="ko-KR" altLang="en-US" noProof="1"/>
           </a:p>
@@ -7436,7 +7808,7 @@
           <a:p>
             <a:fld id="{2DD75E35-6548-4B07-93E8-54893E945DC7}" type="datetime1">
               <a:rPr lang="ko-KR" altLang="en-US" noProof="1" smtClean="0"/>
-              <a:t>2021-04-29</a:t>
+              <a:t>2021-05-03</a:t>
             </a:fld>
             <a:endParaRPr lang="ko-KR" altLang="en-US" noProof="1"/>
           </a:p>
@@ -7911,7 +8283,7 @@
           <a:p>
             <a:fld id="{64163D32-71D9-452E-B996-1BBCCC0ADD0C}" type="datetime1">
               <a:rPr lang="ko-KR" altLang="en-US" noProof="1" smtClean="0"/>
-              <a:t>2021-04-29</a:t>
+              <a:t>2021-05-03</a:t>
             </a:fld>
             <a:endParaRPr lang="ko-KR" altLang="en-US" noProof="1"/>
           </a:p>
@@ -8416,8 +8788,89 @@
               <a:rPr lang="ko-KR" altLang="en-US" noProof="1">
                 <a:ea typeface="맑은 고딕" panose="020B0503020000020004" pitchFamily="50" charset="-127"/>
               </a:rPr>
-              <a:t>기초</a:t>
-            </a:r>
+              <a:t>변수</a:t>
+            </a:r>
+            <a:endParaRPr lang="en-US" altLang="ko-KR" noProof="1">
+              <a:ea typeface="맑은 고딕" panose="020B0503020000020004" pitchFamily="50" charset="-127"/>
+            </a:endParaRPr>
+          </a:p>
+          <a:p>
+            <a:pPr rtl="0"/>
+            <a:endParaRPr lang="en-US" altLang="ko-KR" noProof="1"/>
+          </a:p>
+          <a:p>
+            <a:pPr rtl="0"/>
+            <a:r>
+              <a:rPr lang="ko-KR" altLang="en-US" noProof="1"/>
+              <a:t>연산자 우선순위</a:t>
+            </a:r>
+            <a:endParaRPr lang="en-US" altLang="ko-KR" noProof="1"/>
+          </a:p>
+          <a:p>
+            <a:pPr rtl="0"/>
+            <a:endParaRPr lang="en-US" altLang="ko-KR" noProof="1">
+              <a:ea typeface="맑은 고딕" panose="020B0503020000020004" pitchFamily="50" charset="-127"/>
+            </a:endParaRPr>
+          </a:p>
+          <a:p>
+            <a:pPr rtl="0"/>
+            <a:r>
+              <a:rPr lang="ko-KR" altLang="en-US" noProof="1"/>
+              <a:t>범위 기반 </a:t>
+            </a:r>
+            <a:r>
+              <a:rPr lang="en-US" altLang="ko-KR" noProof="1"/>
+              <a:t>for </a:t>
+            </a:r>
+            <a:r>
+              <a:rPr lang="ko-KR" altLang="en-US" noProof="1"/>
+              <a:t>문</a:t>
+            </a:r>
+            <a:endParaRPr lang="en-US" altLang="ko-KR" noProof="1"/>
+          </a:p>
+          <a:p>
+            <a:pPr rtl="0"/>
+            <a:endParaRPr lang="en-US" altLang="ko-KR" noProof="1">
+              <a:ea typeface="맑은 고딕" panose="020B0503020000020004" pitchFamily="50" charset="-127"/>
+            </a:endParaRPr>
+          </a:p>
+          <a:p>
+            <a:pPr rtl="0"/>
+            <a:r>
+              <a:rPr lang="ko-KR" altLang="en-US" noProof="1"/>
+              <a:t>함수 오버로딩</a:t>
+            </a:r>
+            <a:endParaRPr lang="en-US" altLang="ko-KR" noProof="1"/>
+          </a:p>
+          <a:p>
+            <a:pPr rtl="0"/>
+            <a:endParaRPr lang="en-US" altLang="ko-KR" noProof="1">
+              <a:ea typeface="맑은 고딕" panose="020B0503020000020004" pitchFamily="50" charset="-127"/>
+            </a:endParaRPr>
+          </a:p>
+          <a:p>
+            <a:pPr rtl="0"/>
+            <a:r>
+              <a:rPr lang="ko-KR" altLang="en-US" noProof="1"/>
+              <a:t>오류 처리</a:t>
+            </a:r>
+            <a:r>
+              <a:rPr lang="en-US" altLang="ko-KR" noProof="1"/>
+              <a:t>(assert, throw, try-catch)</a:t>
+            </a:r>
+            <a:endParaRPr lang="en-US" altLang="ko-KR" noProof="1">
+              <a:ea typeface="맑은 고딕" panose="020B0503020000020004" pitchFamily="50" charset="-127"/>
+            </a:endParaRPr>
+          </a:p>
+          <a:p>
+            <a:pPr rtl="0"/>
+            <a:endParaRPr lang="en-US" altLang="ko-KR" noProof="1"/>
+          </a:p>
+          <a:p>
+            <a:pPr rtl="0"/>
+            <a:endParaRPr lang="ko-KR" altLang="en-US" noProof="1">
+              <a:ea typeface="맑은 고딕" panose="020B0503020000020004" pitchFamily="50" charset="-127"/>
+            </a:endParaRPr>
           </a:p>
         </p:txBody>
       </p:sp>
@@ -8451,843 +8904,6 @@
           <a:chExt cx="0" cy="0"/>
         </a:xfrm>
       </p:grpSpPr>
-      <p:graphicFrame>
-        <p:nvGraphicFramePr>
-          <p:cNvPr id="21" name="표 4">
-            <a:extLst>
-              <a:ext uri="{FF2B5EF4-FFF2-40B4-BE49-F238E27FC236}">
-                <a16:creationId xmlns:a16="http://schemas.microsoft.com/office/drawing/2014/main" id="{4E2A0199-4670-2940-AB7E-F5CEB06DD52C}"/>
-              </a:ext>
-            </a:extLst>
-          </p:cNvPr>
-          <p:cNvGraphicFramePr>
-            <a:graphicFrameLocks noGrp="1"/>
-          </p:cNvGraphicFramePr>
-          <p:nvPr>
-            <p:ph sz="half" idx="2"/>
-            <p:extLst>
-              <p:ext uri="{D42A27DB-BD31-4B8C-83A1-F6EECF244321}">
-                <p14:modId xmlns:p14="http://schemas.microsoft.com/office/powerpoint/2010/main" val="3381252424"/>
-              </p:ext>
-            </p:extLst>
-          </p:nvPr>
-        </p:nvGraphicFramePr>
-        <p:xfrm>
-          <a:off x="581192" y="1382351"/>
-          <a:ext cx="11202544" cy="5398100"/>
-        </p:xfrm>
-        <a:graphic>
-          <a:graphicData uri="http://schemas.openxmlformats.org/drawingml/2006/table">
-            <a:tbl>
-              <a:tblPr firstRow="1" bandRow="1">
-                <a:tableStyleId>{9D7B26C5-4107-4FEC-AEDC-1716B250A1EF}</a:tableStyleId>
-              </a:tblPr>
-              <a:tblGrid>
-                <a:gridCol w="2188459">
-                  <a:extLst>
-                    <a:ext uri="{9D8B030D-6E8A-4147-A177-3AD203B41FA5}">
-                      <a16:colId xmlns:a16="http://schemas.microsoft.com/office/drawing/2014/main" val="2735970128"/>
-                    </a:ext>
-                  </a:extLst>
-                </a:gridCol>
-                <a:gridCol w="9014085">
-                  <a:extLst>
-                    <a:ext uri="{9D8B030D-6E8A-4147-A177-3AD203B41FA5}">
-                      <a16:colId xmlns:a16="http://schemas.microsoft.com/office/drawing/2014/main" val="2321077816"/>
-                    </a:ext>
-                  </a:extLst>
-                </a:gridCol>
-              </a:tblGrid>
-              <a:tr h="818162">
-                <a:tc>
-                  <a:txBody>
-                    <a:bodyPr/>
-                    <a:lstStyle/>
-                    <a:p>
-                      <a:pPr algn="ctr" rtl="0"/>
-                      <a:endParaRPr lang="en-US" sz="1600" b="0" baseline="0" dirty="0">
-                        <a:solidFill>
-                          <a:srgbClr val="FFFFFF"/>
-                        </a:solidFill>
-                        <a:latin typeface="맑은 고딕" panose="020B0503020000020004" pitchFamily="50" charset="-127"/>
-                        <a:ea typeface="맑은 고딕" panose="020B0503020000020004" pitchFamily="50" charset="-127"/>
-                      </a:endParaRPr>
-                    </a:p>
-                  </a:txBody>
-                  <a:tcPr marL="341945" marR="205167" marT="205167" marB="205167" anchor="ctr"/>
-                </a:tc>
-                <a:tc>
-                  <a:txBody>
-                    <a:bodyPr/>
-                    <a:lstStyle/>
-                    <a:p>
-                      <a:pPr algn="ctr" rtl="0"/>
-                      <a:r>
-                        <a:rPr lang="ko-KR" altLang="en-US" sz="1600" b="0" cap="none" spc="0" baseline="0" dirty="0">
-                          <a:latin typeface="맑은 고딕" panose="020B0503020000020004" pitchFamily="50" charset="-127"/>
-                          <a:ea typeface="맑은 고딕" panose="020B0503020000020004" pitchFamily="50" charset="-127"/>
-                        </a:rPr>
-                        <a:t>내용</a:t>
-                      </a:r>
-                    </a:p>
-                  </a:txBody>
-                  <a:tcPr marL="341945" marR="205167" marT="205167" marB="205167" anchor="ctr"/>
-                </a:tc>
-                <a:extLst>
-                  <a:ext uri="{0D108BD9-81ED-4DB2-BD59-A6C34878D82A}">
-                    <a16:rowId xmlns:a16="http://schemas.microsoft.com/office/drawing/2014/main" val="115124067"/>
-                  </a:ext>
-                </a:extLst>
-              </a:tr>
-              <a:tr h="844858">
-                <a:tc>
-                  <a:txBody>
-                    <a:bodyPr/>
-                    <a:lstStyle/>
-                    <a:p>
-                      <a:pPr algn="ctr" rtl="0"/>
-                      <a:r>
-                        <a:rPr lang="ko-KR" altLang="en-US" sz="1600" b="0" cap="none" spc="0" baseline="0" dirty="0">
-                          <a:solidFill>
-                            <a:schemeClr val="tx1">
-                              <a:lumMod val="85000"/>
-                              <a:lumOff val="15000"/>
-                            </a:schemeClr>
-                          </a:solidFill>
-                          <a:latin typeface="맑은 고딕" panose="020B0503020000020004" pitchFamily="50" charset="-127"/>
-                          <a:ea typeface="맑은 고딕" panose="020B0503020000020004" pitchFamily="50" charset="-127"/>
-                        </a:rPr>
-                        <a:t>주제</a:t>
-                      </a:r>
-                      <a:endParaRPr lang="en-US" sz="1600" b="0" baseline="0" dirty="0">
-                        <a:solidFill>
-                          <a:schemeClr val="tx1">
-                            <a:lumMod val="85000"/>
-                            <a:lumOff val="15000"/>
-                          </a:schemeClr>
-                        </a:solidFill>
-                        <a:latin typeface="맑은 고딕" panose="020B0503020000020004" pitchFamily="50" charset="-127"/>
-                        <a:ea typeface="맑은 고딕" panose="020B0503020000020004" pitchFamily="50" charset="-127"/>
-                      </a:endParaRPr>
-                    </a:p>
-                  </a:txBody>
-                  <a:tcPr marL="341945" marR="205167" marT="205167" marB="205167" anchor="ctr">
-                    <a:solidFill>
-                      <a:schemeClr val="tx2">
-                        <a:lumMod val="20000"/>
-                        <a:lumOff val="80000"/>
-                        <a:alpha val="20000"/>
-                      </a:schemeClr>
-                    </a:solidFill>
-                  </a:tcPr>
-                </a:tc>
-                <a:tc>
-                  <a:txBody>
-                    <a:bodyPr/>
-                    <a:lstStyle/>
-                    <a:p>
-                      <a:pPr algn="ctr" rtl="0"/>
-                      <a:r>
-                        <a:rPr lang="ko-KR" altLang="en-US" sz="1600" b="0" baseline="0" dirty="0">
-                          <a:solidFill>
-                            <a:schemeClr val="tx1">
-                              <a:lumMod val="85000"/>
-                              <a:lumOff val="15000"/>
-                            </a:schemeClr>
-                          </a:solidFill>
-                          <a:latin typeface="맑은 고딕" panose="020B0503020000020004" pitchFamily="50" charset="-127"/>
-                          <a:ea typeface="맑은 고딕" panose="020B0503020000020004" pitchFamily="50" charset="-127"/>
-                        </a:rPr>
-                        <a:t>자유 주제</a:t>
-                      </a:r>
-                      <a:br>
-                        <a:rPr lang="en-US" altLang="ko-KR" sz="1600" b="0" baseline="0" dirty="0">
-                          <a:solidFill>
-                            <a:schemeClr val="tx1">
-                              <a:lumMod val="85000"/>
-                              <a:lumOff val="15000"/>
-                            </a:schemeClr>
-                          </a:solidFill>
-                          <a:latin typeface="맑은 고딕" panose="020B0503020000020004" pitchFamily="50" charset="-127"/>
-                          <a:ea typeface="맑은 고딕" panose="020B0503020000020004" pitchFamily="50" charset="-127"/>
-                        </a:rPr>
-                      </a:br>
-                      <a:r>
-                        <a:rPr lang="en-US" altLang="ko-KR" sz="1600" b="0" baseline="0" dirty="0">
-                          <a:solidFill>
-                            <a:schemeClr val="tx1">
-                              <a:lumMod val="85000"/>
-                              <a:lumOff val="15000"/>
-                            </a:schemeClr>
-                          </a:solidFill>
-                          <a:latin typeface="맑은 고딕" panose="020B0503020000020004" pitchFamily="50" charset="-127"/>
-                          <a:ea typeface="맑은 고딕" panose="020B0503020000020004" pitchFamily="50" charset="-127"/>
-                        </a:rPr>
-                        <a:t>(ex. C++, Modern C++, Python, Image</a:t>
-                      </a:r>
-                      <a:r>
-                        <a:rPr lang="ko-KR" altLang="en-US" sz="1600" b="0" baseline="0" dirty="0">
-                          <a:solidFill>
-                            <a:schemeClr val="tx1">
-                              <a:lumMod val="85000"/>
-                              <a:lumOff val="15000"/>
-                            </a:schemeClr>
-                          </a:solidFill>
-                          <a:latin typeface="맑은 고딕" panose="020B0503020000020004" pitchFamily="50" charset="-127"/>
-                          <a:ea typeface="맑은 고딕" panose="020B0503020000020004" pitchFamily="50" charset="-127"/>
-                        </a:rPr>
-                        <a:t> </a:t>
-                      </a:r>
-                      <a:r>
-                        <a:rPr lang="en-US" altLang="ko-KR" sz="1600" b="0" baseline="0" dirty="0">
-                          <a:solidFill>
-                            <a:schemeClr val="tx1">
-                              <a:lumMod val="85000"/>
-                              <a:lumOff val="15000"/>
-                            </a:schemeClr>
-                          </a:solidFill>
-                          <a:latin typeface="맑은 고딕" panose="020B0503020000020004" pitchFamily="50" charset="-127"/>
-                          <a:ea typeface="맑은 고딕" panose="020B0503020000020004" pitchFamily="50" charset="-127"/>
-                        </a:rPr>
-                        <a:t>Processing,</a:t>
-                      </a:r>
-                      <a:r>
-                        <a:rPr lang="ko-KR" altLang="en-US" sz="1600" b="0" baseline="0" dirty="0">
-                          <a:solidFill>
-                            <a:schemeClr val="tx1">
-                              <a:lumMod val="85000"/>
-                              <a:lumOff val="15000"/>
-                            </a:schemeClr>
-                          </a:solidFill>
-                          <a:latin typeface="맑은 고딕" panose="020B0503020000020004" pitchFamily="50" charset="-127"/>
-                          <a:ea typeface="맑은 고딕" panose="020B0503020000020004" pitchFamily="50" charset="-127"/>
-                        </a:rPr>
-                        <a:t> </a:t>
-                      </a:r>
-                      <a:r>
-                        <a:rPr lang="en-US" altLang="ko-KR" sz="1600" b="0" baseline="0">
-                          <a:solidFill>
-                            <a:schemeClr val="tx1">
-                              <a:lumMod val="85000"/>
-                              <a:lumOff val="15000"/>
-                            </a:schemeClr>
-                          </a:solidFill>
-                          <a:latin typeface="맑은 고딕" panose="020B0503020000020004" pitchFamily="50" charset="-127"/>
-                          <a:ea typeface="맑은 고딕" panose="020B0503020000020004" pitchFamily="50" charset="-127"/>
-                        </a:rPr>
-                        <a:t>Deep Learning)</a:t>
-                      </a:r>
-                      <a:endParaRPr lang="en-US" sz="1600" b="0" baseline="0" dirty="0">
-                        <a:solidFill>
-                          <a:schemeClr val="tx1">
-                            <a:lumMod val="85000"/>
-                            <a:lumOff val="15000"/>
-                          </a:schemeClr>
-                        </a:solidFill>
-                        <a:latin typeface="맑은 고딕" panose="020B0503020000020004" pitchFamily="50" charset="-127"/>
-                        <a:ea typeface="맑은 고딕" panose="020B0503020000020004" pitchFamily="50" charset="-127"/>
-                      </a:endParaRPr>
-                    </a:p>
-                  </a:txBody>
-                  <a:tcPr marL="341945" marR="205167" marT="205167" marB="205167" anchor="ctr">
-                    <a:solidFill>
-                      <a:schemeClr val="tx2">
-                        <a:lumMod val="20000"/>
-                        <a:lumOff val="80000"/>
-                        <a:alpha val="20000"/>
-                      </a:schemeClr>
-                    </a:solidFill>
-                  </a:tcPr>
-                </a:tc>
-                <a:extLst>
-                  <a:ext uri="{0D108BD9-81ED-4DB2-BD59-A6C34878D82A}">
-                    <a16:rowId xmlns:a16="http://schemas.microsoft.com/office/drawing/2014/main" val="2489144560"/>
-                  </a:ext>
-                </a:extLst>
-              </a:tr>
-              <a:tr h="729143">
-                <a:tc>
-                  <a:txBody>
-                    <a:bodyPr/>
-                    <a:lstStyle/>
-                    <a:p>
-                      <a:pPr algn="ctr" rtl="0"/>
-                      <a:r>
-                        <a:rPr lang="ko-KR" altLang="en-US" sz="1600" b="0" cap="none" spc="0" baseline="0" dirty="0">
-                          <a:solidFill>
-                            <a:schemeClr val="tx1">
-                              <a:lumMod val="85000"/>
-                              <a:lumOff val="15000"/>
-                            </a:schemeClr>
-                          </a:solidFill>
-                          <a:latin typeface="맑은 고딕" panose="020B0503020000020004" pitchFamily="50" charset="-127"/>
-                          <a:ea typeface="맑은 고딕" panose="020B0503020000020004" pitchFamily="50" charset="-127"/>
-                        </a:rPr>
-                        <a:t>방식</a:t>
-                      </a:r>
-                      <a:endParaRPr lang="en-US" sz="1600" b="0" baseline="0" dirty="0">
-                        <a:solidFill>
-                          <a:schemeClr val="tx1">
-                            <a:lumMod val="85000"/>
-                            <a:lumOff val="15000"/>
-                          </a:schemeClr>
-                        </a:solidFill>
-                        <a:latin typeface="맑은 고딕" panose="020B0503020000020004" pitchFamily="50" charset="-127"/>
-                        <a:ea typeface="맑은 고딕" panose="020B0503020000020004" pitchFamily="50" charset="-127"/>
-                      </a:endParaRPr>
-                    </a:p>
-                  </a:txBody>
-                  <a:tcPr marL="341945" marR="205167" marT="205167" marB="205167" anchor="ctr"/>
-                </a:tc>
-                <a:tc>
-                  <a:txBody>
-                    <a:bodyPr/>
-                    <a:lstStyle/>
-                    <a:p>
-                      <a:pPr algn="ctr" rtl="0"/>
-                      <a:r>
-                        <a:rPr lang="ko-KR" altLang="en-US" sz="1600" b="0" baseline="0" dirty="0">
-                          <a:solidFill>
-                            <a:schemeClr val="tx1">
-                              <a:lumMod val="85000"/>
-                              <a:lumOff val="15000"/>
-                            </a:schemeClr>
-                          </a:solidFill>
-                          <a:latin typeface="맑은 고딕" panose="020B0503020000020004" pitchFamily="50" charset="-127"/>
-                          <a:ea typeface="맑은 고딕" panose="020B0503020000020004" pitchFamily="50" charset="-127"/>
-                        </a:rPr>
-                        <a:t>각자 하나의 주제를 선정하여 공부하고 </a:t>
-                      </a:r>
-                      <a:r>
-                        <a:rPr lang="en-US" altLang="ko-KR" sz="1600" b="0" baseline="0" dirty="0">
-                          <a:solidFill>
-                            <a:schemeClr val="tx1">
-                              <a:lumMod val="85000"/>
-                              <a:lumOff val="15000"/>
-                            </a:schemeClr>
-                          </a:solidFill>
-                          <a:latin typeface="맑은 고딕" panose="020B0503020000020004" pitchFamily="50" charset="-127"/>
-                          <a:ea typeface="맑은 고딕" panose="020B0503020000020004" pitchFamily="50" charset="-127"/>
-                        </a:rPr>
-                        <a:t>ppt </a:t>
-                      </a:r>
-                      <a:r>
-                        <a:rPr lang="ko-KR" altLang="en-US" sz="1600" b="0" baseline="0" dirty="0">
-                          <a:solidFill>
-                            <a:schemeClr val="tx1">
-                              <a:lumMod val="85000"/>
-                              <a:lumOff val="15000"/>
-                            </a:schemeClr>
-                          </a:solidFill>
-                          <a:latin typeface="맑은 고딕" panose="020B0503020000020004" pitchFamily="50" charset="-127"/>
-                          <a:ea typeface="맑은 고딕" panose="020B0503020000020004" pitchFamily="50" charset="-127"/>
-                        </a:rPr>
-                        <a:t>작성하여 발표</a:t>
-                      </a:r>
-                      <a:endParaRPr lang="en-US" sz="1600" b="0" baseline="0" dirty="0">
-                        <a:solidFill>
-                          <a:schemeClr val="tx1">
-                            <a:lumMod val="85000"/>
-                            <a:lumOff val="15000"/>
-                          </a:schemeClr>
-                        </a:solidFill>
-                        <a:latin typeface="맑은 고딕" panose="020B0503020000020004" pitchFamily="50" charset="-127"/>
-                        <a:ea typeface="맑은 고딕" panose="020B0503020000020004" pitchFamily="50" charset="-127"/>
-                      </a:endParaRPr>
-                    </a:p>
-                  </a:txBody>
-                  <a:tcPr marL="341945" marR="205167" marT="205167" marB="205167" anchor="ctr"/>
-                </a:tc>
-                <a:extLst>
-                  <a:ext uri="{0D108BD9-81ED-4DB2-BD59-A6C34878D82A}">
-                    <a16:rowId xmlns:a16="http://schemas.microsoft.com/office/drawing/2014/main" val="1547803828"/>
-                  </a:ext>
-                </a:extLst>
-              </a:tr>
-              <a:tr h="1183412">
-                <a:tc>
-                  <a:txBody>
-                    <a:bodyPr/>
-                    <a:lstStyle/>
-                    <a:p>
-                      <a:pPr algn="ctr" rtl="0"/>
-                      <a:r>
-                        <a:rPr lang="ko-KR" altLang="en-US" sz="1600" b="0" baseline="0" dirty="0">
-                          <a:solidFill>
-                            <a:schemeClr val="tx1">
-                              <a:lumMod val="85000"/>
-                              <a:lumOff val="15000"/>
-                            </a:schemeClr>
-                          </a:solidFill>
-                          <a:latin typeface="맑은 고딕" panose="020B0503020000020004" pitchFamily="50" charset="-127"/>
-                          <a:ea typeface="맑은 고딕" panose="020B0503020000020004" pitchFamily="50" charset="-127"/>
-                        </a:rPr>
-                        <a:t>진행 예시</a:t>
-                      </a:r>
-                      <a:endParaRPr lang="en-US" sz="1600" b="0" baseline="0" dirty="0">
-                        <a:solidFill>
-                          <a:schemeClr val="tx1">
-                            <a:lumMod val="85000"/>
-                            <a:lumOff val="15000"/>
-                          </a:schemeClr>
-                        </a:solidFill>
-                        <a:latin typeface="맑은 고딕" panose="020B0503020000020004" pitchFamily="50" charset="-127"/>
-                        <a:ea typeface="맑은 고딕" panose="020B0503020000020004" pitchFamily="50" charset="-127"/>
-                      </a:endParaRPr>
-                    </a:p>
-                  </a:txBody>
-                  <a:tcPr marL="341945" marR="205167" marT="205167" marB="205167" anchor="ctr">
-                    <a:solidFill>
-                      <a:schemeClr val="tx2">
-                        <a:lumMod val="20000"/>
-                        <a:lumOff val="80000"/>
-                        <a:alpha val="20000"/>
-                      </a:schemeClr>
-                    </a:solidFill>
-                  </a:tcPr>
-                </a:tc>
-                <a:tc>
-                  <a:txBody>
-                    <a:bodyPr/>
-                    <a:lstStyle/>
-                    <a:p>
-                      <a:pPr marL="285750" indent="-285750" algn="l" rtl="0">
-                        <a:lnSpc>
-                          <a:spcPts val="2300"/>
-                        </a:lnSpc>
-                        <a:buFontTx/>
-                        <a:buChar char="-"/>
-                      </a:pPr>
-                      <a:r>
-                        <a:rPr lang="ko-KR" altLang="en-US" sz="1600" b="0" baseline="0" dirty="0">
-                          <a:solidFill>
-                            <a:schemeClr val="tx1">
-                              <a:lumMod val="85000"/>
-                              <a:lumOff val="15000"/>
-                            </a:schemeClr>
-                          </a:solidFill>
-                          <a:latin typeface="맑은 고딕" panose="020B0503020000020004" pitchFamily="50" charset="-127"/>
-                          <a:ea typeface="맑은 고딕" panose="020B0503020000020004" pitchFamily="50" charset="-127"/>
-                        </a:rPr>
-                        <a:t>교재를 읽고 공부하고 진행했던 내용 </a:t>
-                      </a:r>
-                      <a:r>
-                        <a:rPr lang="en-US" altLang="ko-KR" sz="1600" b="0" baseline="0" dirty="0">
-                          <a:solidFill>
-                            <a:schemeClr val="tx1">
-                              <a:lumMod val="85000"/>
-                              <a:lumOff val="15000"/>
-                            </a:schemeClr>
-                          </a:solidFill>
-                          <a:latin typeface="맑은 고딕" panose="020B0503020000020004" pitchFamily="50" charset="-127"/>
-                          <a:ea typeface="맑은 고딕" panose="020B0503020000020004" pitchFamily="50" charset="-127"/>
-                        </a:rPr>
-                        <a:t>ppt </a:t>
-                      </a:r>
-                      <a:r>
-                        <a:rPr lang="ko-KR" altLang="en-US" sz="1600" b="0" baseline="0" dirty="0">
-                          <a:solidFill>
-                            <a:schemeClr val="tx1">
-                              <a:lumMod val="85000"/>
-                              <a:lumOff val="15000"/>
-                            </a:schemeClr>
-                          </a:solidFill>
-                          <a:latin typeface="맑은 고딕" panose="020B0503020000020004" pitchFamily="50" charset="-127"/>
-                          <a:ea typeface="맑은 고딕" panose="020B0503020000020004" pitchFamily="50" charset="-127"/>
-                        </a:rPr>
-                        <a:t>작성하여 발표</a:t>
-                      </a:r>
-                      <a:r>
-                        <a:rPr lang="en-US" altLang="ko-KR" sz="1600" b="0" baseline="0" dirty="0">
-                          <a:solidFill>
-                            <a:schemeClr val="tx1">
-                              <a:lumMod val="85000"/>
-                              <a:lumOff val="15000"/>
-                            </a:schemeClr>
-                          </a:solidFill>
-                          <a:latin typeface="맑은 고딕" panose="020B0503020000020004" pitchFamily="50" charset="-127"/>
-                          <a:ea typeface="맑은 고딕" panose="020B0503020000020004" pitchFamily="50" charset="-127"/>
-                        </a:rPr>
-                        <a:t>. </a:t>
-                      </a:r>
-                      <a:r>
-                        <a:rPr lang="ko-KR" altLang="en-US" sz="1600" b="0" baseline="0" dirty="0">
-                          <a:solidFill>
-                            <a:schemeClr val="tx1">
-                              <a:lumMod val="85000"/>
-                              <a:lumOff val="15000"/>
-                            </a:schemeClr>
-                          </a:solidFill>
-                          <a:latin typeface="맑은 고딕" panose="020B0503020000020004" pitchFamily="50" charset="-127"/>
-                          <a:ea typeface="맑은 고딕" panose="020B0503020000020004" pitchFamily="50" charset="-127"/>
-                        </a:rPr>
-                        <a:t>교재에 있는 프로젝트 개발</a:t>
-                      </a:r>
-                      <a:endParaRPr lang="en-US" altLang="ko-KR" sz="1600" b="0" baseline="0" dirty="0">
-                        <a:solidFill>
-                          <a:schemeClr val="tx1">
-                            <a:lumMod val="85000"/>
-                            <a:lumOff val="15000"/>
-                          </a:schemeClr>
-                        </a:solidFill>
-                        <a:latin typeface="맑은 고딕" panose="020B0503020000020004" pitchFamily="50" charset="-127"/>
-                        <a:ea typeface="맑은 고딕" panose="020B0503020000020004" pitchFamily="50" charset="-127"/>
-                      </a:endParaRPr>
-                    </a:p>
-                    <a:p>
-                      <a:pPr marL="285750" indent="-285750" algn="l" rtl="0">
-                        <a:lnSpc>
-                          <a:spcPts val="2300"/>
-                        </a:lnSpc>
-                        <a:buFontTx/>
-                        <a:buChar char="-"/>
-                      </a:pPr>
-                      <a:r>
-                        <a:rPr lang="ko-KR" altLang="en-US" sz="1600" b="0" baseline="0" dirty="0">
-                          <a:solidFill>
-                            <a:schemeClr val="tx1">
-                              <a:lumMod val="85000"/>
-                              <a:lumOff val="15000"/>
-                            </a:schemeClr>
-                          </a:solidFill>
-                          <a:latin typeface="맑은 고딕" panose="020B0503020000020004" pitchFamily="50" charset="-127"/>
-                          <a:ea typeface="맑은 고딕" panose="020B0503020000020004" pitchFamily="50" charset="-127"/>
-                        </a:rPr>
-                        <a:t>공통된 주제를 몇가지 선정하여 동일한 교재로 진행했던 내용 발표 및 프로젝트 개발</a:t>
-                      </a:r>
-                      <a:endParaRPr lang="en-US" altLang="ko-KR" sz="1600" b="0" baseline="0" dirty="0">
-                        <a:solidFill>
-                          <a:schemeClr val="tx1">
-                            <a:lumMod val="85000"/>
-                            <a:lumOff val="15000"/>
-                          </a:schemeClr>
-                        </a:solidFill>
-                        <a:latin typeface="맑은 고딕" panose="020B0503020000020004" pitchFamily="50" charset="-127"/>
-                        <a:ea typeface="맑은 고딕" panose="020B0503020000020004" pitchFamily="50" charset="-127"/>
-                      </a:endParaRPr>
-                    </a:p>
-                    <a:p>
-                      <a:pPr marL="285750" indent="-285750" algn="l" rtl="0">
-                        <a:lnSpc>
-                          <a:spcPts val="2300"/>
-                        </a:lnSpc>
-                        <a:buFontTx/>
-                        <a:buChar char="-"/>
-                      </a:pPr>
-                      <a:r>
-                        <a:rPr lang="ko-KR" altLang="en-US" sz="1600" b="0" baseline="0" dirty="0">
-                          <a:solidFill>
-                            <a:schemeClr val="tx1">
-                              <a:lumMod val="85000"/>
-                              <a:lumOff val="15000"/>
-                            </a:schemeClr>
-                          </a:solidFill>
-                          <a:latin typeface="맑은 고딕" panose="020B0503020000020004" pitchFamily="50" charset="-127"/>
-                          <a:ea typeface="맑은 고딕" panose="020B0503020000020004" pitchFamily="50" charset="-127"/>
-                        </a:rPr>
-                        <a:t>코딩테스트 문제 풀이 발표</a:t>
-                      </a:r>
-                      <a:endParaRPr lang="en-US" altLang="ko-KR" sz="1600" b="0" baseline="0" dirty="0">
-                        <a:solidFill>
-                          <a:schemeClr val="tx1">
-                            <a:lumMod val="85000"/>
-                            <a:lumOff val="15000"/>
-                          </a:schemeClr>
-                        </a:solidFill>
-                        <a:latin typeface="맑은 고딕" panose="020B0503020000020004" pitchFamily="50" charset="-127"/>
-                        <a:ea typeface="맑은 고딕" panose="020B0503020000020004" pitchFamily="50" charset="-127"/>
-                      </a:endParaRPr>
-                    </a:p>
-                  </a:txBody>
-                  <a:tcPr marL="341945" marR="205167" marT="205167" marB="205167" anchor="ctr">
-                    <a:solidFill>
-                      <a:schemeClr val="tx2">
-                        <a:lumMod val="20000"/>
-                        <a:lumOff val="80000"/>
-                        <a:alpha val="20000"/>
-                      </a:schemeClr>
-                    </a:solidFill>
-                  </a:tcPr>
-                </a:tc>
-                <a:extLst>
-                  <a:ext uri="{0D108BD9-81ED-4DB2-BD59-A6C34878D82A}">
-                    <a16:rowId xmlns:a16="http://schemas.microsoft.com/office/drawing/2014/main" val="2830089437"/>
-                  </a:ext>
-                </a:extLst>
-              </a:tr>
-              <a:tr h="729143">
-                <a:tc>
-                  <a:txBody>
-                    <a:bodyPr/>
-                    <a:lstStyle/>
-                    <a:p>
-                      <a:pPr algn="ctr" rtl="0"/>
-                      <a:r>
-                        <a:rPr lang="en-US" sz="1600" b="0" baseline="0" dirty="0">
-                          <a:solidFill>
-                            <a:schemeClr val="tx1">
-                              <a:lumMod val="85000"/>
-                              <a:lumOff val="15000"/>
-                            </a:schemeClr>
-                          </a:solidFill>
-                          <a:latin typeface="맑은 고딕" panose="020B0503020000020004" pitchFamily="50" charset="-127"/>
-                          <a:ea typeface="맑은 고딕" panose="020B0503020000020004" pitchFamily="50" charset="-127"/>
-                        </a:rPr>
-                        <a:t>Schedule</a:t>
-                      </a:r>
-                    </a:p>
-                  </a:txBody>
-                  <a:tcPr marL="341945" marR="205167" marT="205167" marB="205167" anchor="ctr">
-                    <a:noFill/>
-                  </a:tcPr>
-                </a:tc>
-                <a:tc>
-                  <a:txBody>
-                    <a:bodyPr/>
-                    <a:lstStyle/>
-                    <a:p>
-                      <a:pPr algn="ctr" rtl="0"/>
-                      <a:r>
-                        <a:rPr lang="ko-KR" altLang="en-US" sz="1600" b="0" baseline="0" dirty="0">
-                          <a:solidFill>
-                            <a:schemeClr val="tx1">
-                              <a:lumMod val="85000"/>
-                              <a:lumOff val="15000"/>
-                            </a:schemeClr>
-                          </a:solidFill>
-                          <a:latin typeface="맑은 고딕" panose="020B0503020000020004" pitchFamily="50" charset="-127"/>
-                          <a:ea typeface="맑은 고딕" panose="020B0503020000020004" pitchFamily="50" charset="-127"/>
-                        </a:rPr>
-                        <a:t>주 </a:t>
-                      </a:r>
-                      <a:r>
-                        <a:rPr lang="en-US" altLang="ko-KR" sz="1600" b="0" baseline="0" dirty="0">
-                          <a:solidFill>
-                            <a:schemeClr val="tx1">
-                              <a:lumMod val="85000"/>
-                              <a:lumOff val="15000"/>
-                            </a:schemeClr>
-                          </a:solidFill>
-                          <a:latin typeface="맑은 고딕" panose="020B0503020000020004" pitchFamily="50" charset="-127"/>
-                          <a:ea typeface="맑은 고딕" panose="020B0503020000020004" pitchFamily="50" charset="-127"/>
-                        </a:rPr>
-                        <a:t>1</a:t>
-                      </a:r>
-                      <a:r>
-                        <a:rPr lang="ko-KR" altLang="en-US" sz="1600" b="0" baseline="0" dirty="0">
-                          <a:solidFill>
-                            <a:schemeClr val="tx1">
-                              <a:lumMod val="85000"/>
-                              <a:lumOff val="15000"/>
-                            </a:schemeClr>
-                          </a:solidFill>
-                          <a:latin typeface="맑은 고딕" panose="020B0503020000020004" pitchFamily="50" charset="-127"/>
-                          <a:ea typeface="맑은 고딕" panose="020B0503020000020004" pitchFamily="50" charset="-127"/>
-                        </a:rPr>
-                        <a:t>회 </a:t>
-                      </a:r>
-                      <a:r>
-                        <a:rPr lang="en-US" altLang="ko-KR" sz="1600" b="0" baseline="0" dirty="0">
-                          <a:solidFill>
-                            <a:schemeClr val="tx1">
-                              <a:lumMod val="85000"/>
-                              <a:lumOff val="15000"/>
-                            </a:schemeClr>
-                          </a:solidFill>
-                          <a:latin typeface="맑은 고딕" panose="020B0503020000020004" pitchFamily="50" charset="-127"/>
-                          <a:ea typeface="맑은 고딕" panose="020B0503020000020004" pitchFamily="50" charset="-127"/>
-                        </a:rPr>
-                        <a:t>2~3</a:t>
-                      </a:r>
-                      <a:r>
-                        <a:rPr lang="ko-KR" altLang="en-US" sz="1600" b="0" baseline="0" dirty="0">
-                          <a:solidFill>
-                            <a:schemeClr val="tx1">
-                              <a:lumMod val="85000"/>
-                              <a:lumOff val="15000"/>
-                            </a:schemeClr>
-                          </a:solidFill>
-                          <a:latin typeface="맑은 고딕" panose="020B0503020000020004" pitchFamily="50" charset="-127"/>
-                          <a:ea typeface="맑은 고딕" panose="020B0503020000020004" pitchFamily="50" charset="-127"/>
-                        </a:rPr>
-                        <a:t>명씩 발표</a:t>
-                      </a:r>
-                      <a:endParaRPr lang="en-US" sz="1600" b="0" baseline="0" dirty="0">
-                        <a:solidFill>
-                          <a:schemeClr val="tx1">
-                            <a:lumMod val="85000"/>
-                            <a:lumOff val="15000"/>
-                          </a:schemeClr>
-                        </a:solidFill>
-                        <a:latin typeface="맑은 고딕" panose="020B0503020000020004" pitchFamily="50" charset="-127"/>
-                        <a:ea typeface="맑은 고딕" panose="020B0503020000020004" pitchFamily="50" charset="-127"/>
-                      </a:endParaRPr>
-                    </a:p>
-                  </a:txBody>
-                  <a:tcPr marL="341945" marR="205167" marT="205167" marB="205167" anchor="ctr">
-                    <a:noFill/>
-                  </a:tcPr>
-                </a:tc>
-                <a:extLst>
-                  <a:ext uri="{0D108BD9-81ED-4DB2-BD59-A6C34878D82A}">
-                    <a16:rowId xmlns:a16="http://schemas.microsoft.com/office/drawing/2014/main" val="1192134177"/>
-                  </a:ext>
-                </a:extLst>
-              </a:tr>
-              <a:tr h="908602">
-                <a:tc>
-                  <a:txBody>
-                    <a:bodyPr/>
-                    <a:lstStyle/>
-                    <a:p>
-                      <a:pPr marL="0" algn="ctr" defTabSz="457200" rtl="0" eaLnBrk="1" latinLnBrk="1" hangingPunct="1"/>
-                      <a:r>
-                        <a:rPr lang="ko-KR" altLang="en-US" sz="1600" b="0" kern="1200" baseline="0" dirty="0">
-                          <a:solidFill>
-                            <a:schemeClr val="tx1">
-                              <a:lumMod val="85000"/>
-                              <a:lumOff val="15000"/>
-                            </a:schemeClr>
-                          </a:solidFill>
-                          <a:latin typeface="맑은 고딕" panose="020B0503020000020004" pitchFamily="50" charset="-127"/>
-                          <a:ea typeface="맑은 고딕" panose="020B0503020000020004" pitchFamily="50" charset="-127"/>
-                          <a:cs typeface="+mn-cs"/>
-                        </a:rPr>
-                        <a:t>주의사항</a:t>
-                      </a:r>
-                      <a:endParaRPr lang="en-US" sz="1600" b="0" kern="1200" baseline="0" dirty="0">
-                        <a:solidFill>
-                          <a:schemeClr val="tx1">
-                            <a:lumMod val="85000"/>
-                            <a:lumOff val="15000"/>
-                          </a:schemeClr>
-                        </a:solidFill>
-                        <a:latin typeface="맑은 고딕" panose="020B0503020000020004" pitchFamily="50" charset="-127"/>
-                        <a:ea typeface="맑은 고딕" panose="020B0503020000020004" pitchFamily="50" charset="-127"/>
-                        <a:cs typeface="+mn-cs"/>
-                      </a:endParaRPr>
-                    </a:p>
-                  </a:txBody>
-                  <a:tcPr marL="341945" marR="205167" marT="205167" marB="205167" anchor="ctr">
-                    <a:solidFill>
-                      <a:schemeClr val="tx2">
-                        <a:lumMod val="20000"/>
-                        <a:lumOff val="80000"/>
-                        <a:alpha val="20000"/>
-                      </a:schemeClr>
-                    </a:solidFill>
-                  </a:tcPr>
-                </a:tc>
-                <a:tc>
-                  <a:txBody>
-                    <a:bodyPr/>
-                    <a:lstStyle/>
-                    <a:p>
-                      <a:pPr algn="l" rtl="0">
-                        <a:lnSpc>
-                          <a:spcPts val="2300"/>
-                        </a:lnSpc>
-                      </a:pPr>
-                      <a:r>
-                        <a:rPr lang="ko-KR" altLang="en-US" sz="1600" b="0" baseline="0" dirty="0">
-                          <a:solidFill>
-                            <a:schemeClr val="tx1">
-                              <a:lumMod val="85000"/>
-                              <a:lumOff val="15000"/>
-                            </a:schemeClr>
-                          </a:solidFill>
-                          <a:latin typeface="맑은 고딕" panose="020B0503020000020004" pitchFamily="50" charset="-127"/>
-                          <a:ea typeface="맑은 고딕" panose="020B0503020000020004" pitchFamily="50" charset="-127"/>
-                        </a:rPr>
-                        <a:t>언제까지나 이 모임의 목적은 </a:t>
-                      </a:r>
-                      <a:r>
-                        <a:rPr lang="en-US" altLang="ko-KR" sz="1600" b="0" baseline="0" dirty="0">
-                          <a:solidFill>
-                            <a:schemeClr val="tx1">
-                              <a:lumMod val="85000"/>
-                              <a:lumOff val="15000"/>
-                            </a:schemeClr>
-                          </a:solidFill>
-                          <a:latin typeface="맑은 고딕" panose="020B0503020000020004" pitchFamily="50" charset="-127"/>
-                          <a:ea typeface="맑은 고딕" panose="020B0503020000020004" pitchFamily="50" charset="-127"/>
-                        </a:rPr>
-                        <a:t>“</a:t>
-                      </a:r>
-                      <a:r>
-                        <a:rPr lang="ko-KR" altLang="en-US" sz="1600" b="0" baseline="0" dirty="0">
-                          <a:solidFill>
-                            <a:schemeClr val="tx1">
-                              <a:lumMod val="85000"/>
-                              <a:lumOff val="15000"/>
-                            </a:schemeClr>
-                          </a:solidFill>
-                          <a:latin typeface="맑은 고딕" panose="020B0503020000020004" pitchFamily="50" charset="-127"/>
-                          <a:ea typeface="맑은 고딕" panose="020B0503020000020004" pitchFamily="50" charset="-127"/>
-                        </a:rPr>
-                        <a:t>개발자</a:t>
-                      </a:r>
-                      <a:r>
-                        <a:rPr lang="en-US" altLang="ko-KR" sz="1600" b="0" baseline="0" dirty="0">
-                          <a:solidFill>
-                            <a:schemeClr val="tx1">
-                              <a:lumMod val="85000"/>
-                              <a:lumOff val="15000"/>
-                            </a:schemeClr>
-                          </a:solidFill>
-                          <a:latin typeface="맑은 고딕" panose="020B0503020000020004" pitchFamily="50" charset="-127"/>
-                          <a:ea typeface="맑은 고딕" panose="020B0503020000020004" pitchFamily="50" charset="-127"/>
-                        </a:rPr>
-                        <a:t>”</a:t>
-                      </a:r>
-                      <a:r>
-                        <a:rPr lang="ko-KR" altLang="en-US" sz="1600" b="0" baseline="0" dirty="0">
-                          <a:solidFill>
-                            <a:schemeClr val="tx1">
-                              <a:lumMod val="85000"/>
-                              <a:lumOff val="15000"/>
-                            </a:schemeClr>
-                          </a:solidFill>
-                          <a:latin typeface="맑은 고딕" panose="020B0503020000020004" pitchFamily="50" charset="-127"/>
-                          <a:ea typeface="맑은 고딕" panose="020B0503020000020004" pitchFamily="50" charset="-127"/>
-                        </a:rPr>
-                        <a:t>로서 역량을 늘리기 위함을 항상 인지해주시기 바라며 공부를 시작한 것만으로도 충분히 발전이 있을 것이라 믿습니다</a:t>
-                      </a:r>
-                      <a:r>
-                        <a:rPr lang="en-US" altLang="ko-KR" sz="1600" b="0" baseline="0" dirty="0">
-                          <a:solidFill>
-                            <a:schemeClr val="tx1">
-                              <a:lumMod val="85000"/>
-                              <a:lumOff val="15000"/>
-                            </a:schemeClr>
-                          </a:solidFill>
-                          <a:latin typeface="맑은 고딕" panose="020B0503020000020004" pitchFamily="50" charset="-127"/>
-                          <a:ea typeface="맑은 고딕" panose="020B0503020000020004" pitchFamily="50" charset="-127"/>
-                        </a:rPr>
-                        <a:t>.</a:t>
-                      </a:r>
-                    </a:p>
-                  </a:txBody>
-                  <a:tcPr marL="341945" marR="205167" marT="205167" marB="205167" anchor="ctr">
-                    <a:solidFill>
-                      <a:schemeClr val="tx2">
-                        <a:lumMod val="20000"/>
-                        <a:lumOff val="80000"/>
-                        <a:alpha val="20000"/>
-                      </a:schemeClr>
-                    </a:solidFill>
-                  </a:tcPr>
-                </a:tc>
-                <a:extLst>
-                  <a:ext uri="{0D108BD9-81ED-4DB2-BD59-A6C34878D82A}">
-                    <a16:rowId xmlns:a16="http://schemas.microsoft.com/office/drawing/2014/main" val="1774029162"/>
-                  </a:ext>
-                </a:extLst>
-              </a:tr>
-            </a:tbl>
-          </a:graphicData>
-        </a:graphic>
-      </p:graphicFrame>
       <p:sp>
         <p:nvSpPr>
           <p:cNvPr id="2" name="제목 1">
@@ -9311,18 +8927,5001 @@
           <a:p>
             <a:pPr rtl="0"/>
             <a:r>
+              <a:rPr lang="ko-KR" altLang="en-US" noProof="1"/>
+              <a:t>변수</a:t>
+            </a:r>
+            <a:endParaRPr lang="ko-KR" altLang="en-US" noProof="1">
+              <a:ea typeface="맑은 고딕" panose="020B0503020000020004" pitchFamily="50" charset="-127"/>
+            </a:endParaRPr>
+          </a:p>
+        </p:txBody>
+      </p:sp>
+      <p:graphicFrame>
+        <p:nvGraphicFramePr>
+          <p:cNvPr id="5" name="표 5">
+            <a:extLst>
+              <a:ext uri="{FF2B5EF4-FFF2-40B4-BE49-F238E27FC236}">
+                <a16:creationId xmlns:a16="http://schemas.microsoft.com/office/drawing/2014/main" id="{E555FAA2-927E-440D-9351-E0089821D8E9}"/>
+              </a:ext>
+            </a:extLst>
+          </p:cNvPr>
+          <p:cNvGraphicFramePr>
+            <a:graphicFrameLocks noGrp="1"/>
+          </p:cNvGraphicFramePr>
+          <p:nvPr>
+            <p:ph sz="half" idx="2"/>
+            <p:extLst>
+              <p:ext uri="{D42A27DB-BD31-4B8C-83A1-F6EECF244321}">
+                <p14:modId xmlns:p14="http://schemas.microsoft.com/office/powerpoint/2010/main" val="3262495067"/>
+              </p:ext>
+            </p:extLst>
+          </p:nvPr>
+        </p:nvGraphicFramePr>
+        <p:xfrm>
+          <a:off x="627952" y="1294088"/>
+          <a:ext cx="10982856" cy="4907302"/>
+        </p:xfrm>
+        <a:graphic>
+          <a:graphicData uri="http://schemas.openxmlformats.org/drawingml/2006/table">
+            <a:tbl>
+              <a:tblPr firstRow="1" bandRow="1">
+                <a:tableStyleId>{9D7B26C5-4107-4FEC-AEDC-1716B250A1EF}</a:tableStyleId>
+              </a:tblPr>
+              <a:tblGrid>
+                <a:gridCol w="5491428">
+                  <a:extLst>
+                    <a:ext uri="{9D8B030D-6E8A-4147-A177-3AD203B41FA5}">
+                      <a16:colId xmlns:a16="http://schemas.microsoft.com/office/drawing/2014/main" val="3834579009"/>
+                    </a:ext>
+                  </a:extLst>
+                </a:gridCol>
+                <a:gridCol w="5491428">
+                  <a:extLst>
+                    <a:ext uri="{9D8B030D-6E8A-4147-A177-3AD203B41FA5}">
+                      <a16:colId xmlns:a16="http://schemas.microsoft.com/office/drawing/2014/main" val="437723274"/>
+                    </a:ext>
+                  </a:extLst>
+                </a:gridCol>
+              </a:tblGrid>
+              <a:tr h="250641">
+                <a:tc>
+                  <a:txBody>
+                    <a:bodyPr/>
+                    <a:lstStyle/>
+                    <a:p>
+                      <a:pPr algn="ctr" latinLnBrk="1"/>
+                      <a:endParaRPr lang="ko-KR" altLang="en-US" sz="1600">
+                        <a:latin typeface="맑은 고딕" panose="020B0503020000020004" pitchFamily="50" charset="-127"/>
+                        <a:ea typeface="맑은 고딕" panose="020B0503020000020004" pitchFamily="50" charset="-127"/>
+                      </a:endParaRPr>
+                    </a:p>
+                  </a:txBody>
+                  <a:tcPr/>
+                </a:tc>
+                <a:tc>
+                  <a:txBody>
+                    <a:bodyPr/>
+                    <a:lstStyle/>
+                    <a:p>
+                      <a:pPr algn="ctr" latinLnBrk="1"/>
+                      <a:r>
+                        <a:rPr lang="ko-KR" altLang="en-US" sz="1600">
+                          <a:latin typeface="맑은 고딕" panose="020B0503020000020004" pitchFamily="50" charset="-127"/>
+                          <a:ea typeface="맑은 고딕" panose="020B0503020000020004" pitchFamily="50" charset="-127"/>
+                        </a:rPr>
+                        <a:t>내용</a:t>
+                      </a:r>
+                    </a:p>
+                  </a:txBody>
+                  <a:tcPr/>
+                </a:tc>
+                <a:extLst>
+                  <a:ext uri="{0D108BD9-81ED-4DB2-BD59-A6C34878D82A}">
+                    <a16:rowId xmlns:a16="http://schemas.microsoft.com/office/drawing/2014/main" val="2833281659"/>
+                  </a:ext>
+                </a:extLst>
+              </a:tr>
+              <a:tr h="491347">
+                <a:tc>
+                  <a:txBody>
+                    <a:bodyPr/>
+                    <a:lstStyle/>
+                    <a:p>
+                      <a:pPr algn="ctr" rtl="0">
+                        <a:lnSpc>
+                          <a:spcPct val="150000"/>
+                        </a:lnSpc>
+                      </a:pPr>
+                      <a:r>
+                        <a:rPr lang="en-US" sz="1400" b="1" cap="none" spc="0" baseline="0">
+                          <a:solidFill>
+                            <a:schemeClr val="tx1">
+                              <a:lumMod val="85000"/>
+                              <a:lumOff val="15000"/>
+                            </a:schemeClr>
+                          </a:solidFill>
+                          <a:latin typeface="맑은 고딕" panose="020B0503020000020004" pitchFamily="50" charset="-127"/>
+                          <a:ea typeface="맑은 고딕" panose="020B0503020000020004" pitchFamily="50" charset="-127"/>
+                        </a:rPr>
+                        <a:t>const</a:t>
+                      </a:r>
+                      <a:endParaRPr lang="en-US" sz="1400" b="1" baseline="0">
+                        <a:solidFill>
+                          <a:schemeClr val="tx1">
+                            <a:lumMod val="85000"/>
+                            <a:lumOff val="15000"/>
+                          </a:schemeClr>
+                        </a:solidFill>
+                        <a:latin typeface="맑은 고딕" panose="020B0503020000020004" pitchFamily="50" charset="-127"/>
+                        <a:ea typeface="맑은 고딕" panose="020B0503020000020004" pitchFamily="50" charset="-127"/>
+                      </a:endParaRPr>
+                    </a:p>
+                  </a:txBody>
+                  <a:tcPr marL="180000" marR="72000" marT="72000" marB="72000" anchor="ctr"/>
+                </a:tc>
+                <a:tc>
+                  <a:txBody>
+                    <a:bodyPr/>
+                    <a:lstStyle/>
+                    <a:p>
+                      <a:pPr algn="l" rtl="0">
+                        <a:lnSpc>
+                          <a:spcPct val="150000"/>
+                        </a:lnSpc>
+                      </a:pPr>
+                      <a:r>
+                        <a:rPr lang="ko-KR" altLang="en-US" sz="1200" b="0" kern="1200" baseline="0">
+                          <a:solidFill>
+                            <a:schemeClr val="tx1">
+                              <a:lumMod val="85000"/>
+                              <a:lumOff val="15000"/>
+                            </a:schemeClr>
+                          </a:solidFill>
+                          <a:latin typeface="맑은 고딕" panose="020B0503020000020004" pitchFamily="50" charset="-127"/>
+                          <a:ea typeface="맑은 고딕" panose="020B0503020000020004" pitchFamily="50" charset="-127"/>
+                          <a:cs typeface="+mn-cs"/>
+                        </a:rPr>
+                        <a:t>불변 속성의 변수</a:t>
+                      </a:r>
+                      <a:endParaRPr lang="en-US" altLang="ko-KR" sz="1200" b="0" kern="1200" baseline="0">
+                        <a:solidFill>
+                          <a:schemeClr val="tx1">
+                            <a:lumMod val="85000"/>
+                            <a:lumOff val="15000"/>
+                          </a:schemeClr>
+                        </a:solidFill>
+                        <a:latin typeface="맑은 고딕" panose="020B0503020000020004" pitchFamily="50" charset="-127"/>
+                        <a:ea typeface="맑은 고딕" panose="020B0503020000020004" pitchFamily="50" charset="-127"/>
+                        <a:cs typeface="+mn-cs"/>
+                      </a:endParaRPr>
+                    </a:p>
+                    <a:p>
+                      <a:pPr algn="l" rtl="0">
+                        <a:lnSpc>
+                          <a:spcPct val="150000"/>
+                        </a:lnSpc>
+                      </a:pPr>
+                      <a:r>
+                        <a:rPr lang="en-US" sz="1200" b="0" kern="1200" baseline="0">
+                          <a:solidFill>
+                            <a:schemeClr val="tx1">
+                              <a:lumMod val="85000"/>
+                              <a:lumOff val="15000"/>
+                            </a:schemeClr>
+                          </a:solidFill>
+                          <a:latin typeface="맑은 고딕" panose="020B0503020000020004" pitchFamily="50" charset="-127"/>
+                          <a:ea typeface="맑은 고딕" panose="020B0503020000020004" pitchFamily="50" charset="-127"/>
+                          <a:cs typeface="+mn-cs"/>
+                        </a:rPr>
+                        <a:t>const float pi = 3.141595;</a:t>
+                      </a:r>
+                    </a:p>
+                  </a:txBody>
+                  <a:tcPr marL="180000" marR="72000" marT="72000" marB="72000" anchor="ctr"/>
+                </a:tc>
+                <a:extLst>
+                  <a:ext uri="{0D108BD9-81ED-4DB2-BD59-A6C34878D82A}">
+                    <a16:rowId xmlns:a16="http://schemas.microsoft.com/office/drawing/2014/main" val="1945068800"/>
+                  </a:ext>
+                </a:extLst>
+              </a:tr>
+              <a:tr h="696417">
+                <a:tc>
+                  <a:txBody>
+                    <a:bodyPr/>
+                    <a:lstStyle/>
+                    <a:p>
+                      <a:pPr algn="ctr" rtl="0">
+                        <a:lnSpc>
+                          <a:spcPct val="150000"/>
+                        </a:lnSpc>
+                      </a:pPr>
+                      <a:r>
+                        <a:rPr lang="en-US" sz="1400" b="1" baseline="0">
+                          <a:solidFill>
+                            <a:schemeClr val="tx1">
+                              <a:lumMod val="85000"/>
+                              <a:lumOff val="15000"/>
+                            </a:schemeClr>
+                          </a:solidFill>
+                          <a:latin typeface="맑은 고딕" panose="020B0503020000020004" pitchFamily="50" charset="-127"/>
+                          <a:ea typeface="맑은 고딕" panose="020B0503020000020004" pitchFamily="50" charset="-127"/>
+                        </a:rPr>
+                        <a:t>auto</a:t>
+                      </a:r>
+                    </a:p>
+                  </a:txBody>
+                  <a:tcPr marL="180000" marR="72000" marT="72000" marB="72000" anchor="ctr"/>
+                </a:tc>
+                <a:tc>
+                  <a:txBody>
+                    <a:bodyPr/>
+                    <a:lstStyle/>
+                    <a:p>
+                      <a:pPr algn="l" rtl="0">
+                        <a:lnSpc>
+                          <a:spcPct val="150000"/>
+                        </a:lnSpc>
+                      </a:pPr>
+                      <a:r>
+                        <a:rPr lang="en-US" sz="1200" b="0" baseline="0">
+                          <a:solidFill>
+                            <a:schemeClr val="tx1">
+                              <a:lumMod val="85000"/>
+                              <a:lumOff val="15000"/>
+                            </a:schemeClr>
+                          </a:solidFill>
+                          <a:latin typeface="맑은 고딕" panose="020B0503020000020004" pitchFamily="50" charset="-127"/>
+                          <a:ea typeface="맑은 고딕" panose="020B0503020000020004" pitchFamily="50" charset="-127"/>
+                        </a:rPr>
+                        <a:t>auto x = 1; ( x </a:t>
+                      </a:r>
+                      <a:r>
+                        <a:rPr lang="ko-KR" altLang="en-US" sz="1200" b="0" baseline="0">
+                          <a:solidFill>
+                            <a:schemeClr val="tx1">
+                              <a:lumMod val="85000"/>
+                              <a:lumOff val="15000"/>
+                            </a:schemeClr>
+                          </a:solidFill>
+                          <a:latin typeface="맑은 고딕" panose="020B0503020000020004" pitchFamily="50" charset="-127"/>
+                          <a:ea typeface="맑은 고딕" panose="020B0503020000020004" pitchFamily="50" charset="-127"/>
+                        </a:rPr>
+                        <a:t>는 </a:t>
+                      </a:r>
+                      <a:r>
+                        <a:rPr lang="en-US" altLang="ko-KR" sz="1200" b="0" baseline="0">
+                          <a:solidFill>
+                            <a:schemeClr val="tx1">
+                              <a:lumMod val="85000"/>
+                              <a:lumOff val="15000"/>
+                            </a:schemeClr>
+                          </a:solidFill>
+                          <a:latin typeface="맑은 고딕" panose="020B0503020000020004" pitchFamily="50" charset="-127"/>
+                          <a:ea typeface="맑은 고딕" panose="020B0503020000020004" pitchFamily="50" charset="-127"/>
+                        </a:rPr>
+                        <a:t>int type)</a:t>
+                      </a:r>
+                    </a:p>
+                    <a:p>
+                      <a:pPr algn="l" rtl="0">
+                        <a:lnSpc>
+                          <a:spcPct val="150000"/>
+                        </a:lnSpc>
+                      </a:pPr>
+                      <a:r>
+                        <a:rPr lang="en-US" altLang="ko-KR" sz="1200" b="0" baseline="0">
+                          <a:solidFill>
+                            <a:schemeClr val="tx1">
+                              <a:lumMod val="85000"/>
+                              <a:lumOff val="15000"/>
+                            </a:schemeClr>
+                          </a:solidFill>
+                          <a:latin typeface="맑은 고딕" panose="020B0503020000020004" pitchFamily="50" charset="-127"/>
+                          <a:ea typeface="맑은 고딕" panose="020B0503020000020004" pitchFamily="50" charset="-127"/>
+                        </a:rPr>
+                        <a:t>auto y = 1.0; ( y</a:t>
+                      </a:r>
+                      <a:r>
+                        <a:rPr lang="ko-KR" altLang="en-US" sz="1200" b="0" baseline="0">
+                          <a:solidFill>
+                            <a:schemeClr val="tx1">
+                              <a:lumMod val="85000"/>
+                              <a:lumOff val="15000"/>
+                            </a:schemeClr>
+                          </a:solidFill>
+                          <a:latin typeface="맑은 고딕" panose="020B0503020000020004" pitchFamily="50" charset="-127"/>
+                          <a:ea typeface="맑은 고딕" panose="020B0503020000020004" pitchFamily="50" charset="-127"/>
+                        </a:rPr>
+                        <a:t>는 </a:t>
+                      </a:r>
+                      <a:r>
+                        <a:rPr lang="en-US" altLang="ko-KR" sz="1200" b="0" baseline="0">
+                          <a:solidFill>
+                            <a:schemeClr val="tx1">
+                              <a:lumMod val="85000"/>
+                              <a:lumOff val="15000"/>
+                            </a:schemeClr>
+                          </a:solidFill>
+                          <a:latin typeface="맑은 고딕" panose="020B0503020000020004" pitchFamily="50" charset="-127"/>
+                          <a:ea typeface="맑은 고딕" panose="020B0503020000020004" pitchFamily="50" charset="-127"/>
+                        </a:rPr>
+                        <a:t>double type)</a:t>
+                      </a:r>
+                    </a:p>
+                    <a:p>
+                      <a:pPr algn="l" rtl="0">
+                        <a:lnSpc>
+                          <a:spcPct val="150000"/>
+                        </a:lnSpc>
+                      </a:pPr>
+                      <a:r>
+                        <a:rPr lang="en-US" altLang="ko-KR" sz="1200" b="0" baseline="0">
+                          <a:solidFill>
+                            <a:schemeClr val="tx1">
+                              <a:lumMod val="85000"/>
+                              <a:lumOff val="15000"/>
+                            </a:schemeClr>
+                          </a:solidFill>
+                          <a:latin typeface="맑은 고딕" panose="020B0503020000020004" pitchFamily="50" charset="-127"/>
+                          <a:ea typeface="맑은 고딕" panose="020B0503020000020004" pitchFamily="50" charset="-127"/>
+                        </a:rPr>
+                        <a:t>auto z = x + y; ( z </a:t>
+                      </a:r>
+                      <a:r>
+                        <a:rPr lang="ko-KR" altLang="en-US" sz="1200" b="0" baseline="0">
+                          <a:solidFill>
+                            <a:schemeClr val="tx1">
+                              <a:lumMod val="85000"/>
+                              <a:lumOff val="15000"/>
+                            </a:schemeClr>
+                          </a:solidFill>
+                          <a:latin typeface="맑은 고딕" panose="020B0503020000020004" pitchFamily="50" charset="-127"/>
+                          <a:ea typeface="맑은 고딕" panose="020B0503020000020004" pitchFamily="50" charset="-127"/>
+                        </a:rPr>
+                        <a:t>는 </a:t>
+                      </a:r>
+                      <a:r>
+                        <a:rPr lang="en-US" altLang="ko-KR" sz="1200" b="0" baseline="0">
+                          <a:solidFill>
+                            <a:schemeClr val="tx1">
+                              <a:lumMod val="85000"/>
+                              <a:lumOff val="15000"/>
+                            </a:schemeClr>
+                          </a:solidFill>
+                          <a:latin typeface="맑은 고딕" panose="020B0503020000020004" pitchFamily="50" charset="-127"/>
+                          <a:ea typeface="맑은 고딕" panose="020B0503020000020004" pitchFamily="50" charset="-127"/>
+                        </a:rPr>
+                        <a:t>double type </a:t>
+                      </a:r>
+                      <a:r>
+                        <a:rPr lang="ko-KR" altLang="en-US" sz="1200" b="0" baseline="0">
+                          <a:solidFill>
+                            <a:schemeClr val="tx1">
+                              <a:lumMod val="85000"/>
+                              <a:lumOff val="15000"/>
+                            </a:schemeClr>
+                          </a:solidFill>
+                          <a:latin typeface="맑은 고딕" panose="020B0503020000020004" pitchFamily="50" charset="-127"/>
+                          <a:ea typeface="맑은 고딕" panose="020B0503020000020004" pitchFamily="50" charset="-127"/>
+                        </a:rPr>
+                        <a:t>으로 추론 가능</a:t>
+                      </a:r>
+                      <a:r>
+                        <a:rPr lang="en-US" altLang="ko-KR" sz="1200" b="0" baseline="0">
+                          <a:solidFill>
+                            <a:schemeClr val="tx1">
+                              <a:lumMod val="85000"/>
+                              <a:lumOff val="15000"/>
+                            </a:schemeClr>
+                          </a:solidFill>
+                          <a:latin typeface="맑은 고딕" panose="020B0503020000020004" pitchFamily="50" charset="-127"/>
+                          <a:ea typeface="맑은 고딕" panose="020B0503020000020004" pitchFamily="50" charset="-127"/>
+                        </a:rPr>
+                        <a:t>)</a:t>
+                      </a:r>
+                    </a:p>
+                  </a:txBody>
+                  <a:tcPr marL="180000" marR="72000" marT="72000" marB="72000" anchor="ctr"/>
+                </a:tc>
+                <a:extLst>
+                  <a:ext uri="{0D108BD9-81ED-4DB2-BD59-A6C34878D82A}">
+                    <a16:rowId xmlns:a16="http://schemas.microsoft.com/office/drawing/2014/main" val="3905963717"/>
+                  </a:ext>
+                </a:extLst>
+              </a:tr>
+              <a:tr h="491347">
+                <a:tc>
+                  <a:txBody>
+                    <a:bodyPr/>
+                    <a:lstStyle/>
+                    <a:p>
+                      <a:pPr algn="ctr" rtl="0">
+                        <a:lnSpc>
+                          <a:spcPct val="150000"/>
+                        </a:lnSpc>
+                      </a:pPr>
+                      <a:r>
+                        <a:rPr lang="en-US" sz="1400" b="1" baseline="0">
+                          <a:solidFill>
+                            <a:schemeClr val="tx1">
+                              <a:lumMod val="85000"/>
+                              <a:lumOff val="15000"/>
+                            </a:schemeClr>
+                          </a:solidFill>
+                          <a:latin typeface="맑은 고딕" panose="020B0503020000020004" pitchFamily="50" charset="-127"/>
+                          <a:ea typeface="맑은 고딕" panose="020B0503020000020004" pitchFamily="50" charset="-127"/>
+                        </a:rPr>
+                        <a:t>8</a:t>
+                      </a:r>
+                      <a:r>
+                        <a:rPr lang="ko-KR" altLang="en-US" sz="1400" b="1" baseline="0">
+                          <a:solidFill>
+                            <a:schemeClr val="tx1">
+                              <a:lumMod val="85000"/>
+                              <a:lumOff val="15000"/>
+                            </a:schemeClr>
+                          </a:solidFill>
+                          <a:latin typeface="맑은 고딕" panose="020B0503020000020004" pitchFamily="50" charset="-127"/>
+                          <a:ea typeface="맑은 고딕" panose="020B0503020000020004" pitchFamily="50" charset="-127"/>
+                        </a:rPr>
+                        <a:t>진수</a:t>
+                      </a:r>
+                      <a:endParaRPr lang="en-US" sz="1400" b="1" baseline="0">
+                        <a:solidFill>
+                          <a:schemeClr val="tx1">
+                            <a:lumMod val="85000"/>
+                            <a:lumOff val="15000"/>
+                          </a:schemeClr>
+                        </a:solidFill>
+                        <a:latin typeface="맑은 고딕" panose="020B0503020000020004" pitchFamily="50" charset="-127"/>
+                        <a:ea typeface="맑은 고딕" panose="020B0503020000020004" pitchFamily="50" charset="-127"/>
+                      </a:endParaRPr>
+                    </a:p>
+                  </a:txBody>
+                  <a:tcPr marL="180000" marR="72000" marT="72000" marB="72000" anchor="ctr"/>
+                </a:tc>
+                <a:tc>
+                  <a:txBody>
+                    <a:bodyPr/>
+                    <a:lstStyle/>
+                    <a:p>
+                      <a:pPr algn="l" rtl="0">
+                        <a:lnSpc>
+                          <a:spcPct val="150000"/>
+                        </a:lnSpc>
+                      </a:pPr>
+                      <a:r>
+                        <a:rPr lang="en-US" sz="1200" b="0" kern="1200" baseline="0">
+                          <a:solidFill>
+                            <a:schemeClr val="tx1">
+                              <a:lumMod val="85000"/>
+                              <a:lumOff val="15000"/>
+                            </a:schemeClr>
+                          </a:solidFill>
+                          <a:latin typeface="맑은 고딕" panose="020B0503020000020004" pitchFamily="50" charset="-127"/>
+                          <a:ea typeface="맑은 고딕" panose="020B0503020000020004" pitchFamily="50" charset="-127"/>
+                          <a:cs typeface="+mn-cs"/>
+                        </a:rPr>
+                        <a:t>0</a:t>
+                      </a:r>
+                      <a:r>
+                        <a:rPr lang="ko-KR" altLang="en-US" sz="1200" b="0" kern="1200" baseline="0">
+                          <a:solidFill>
+                            <a:schemeClr val="tx1">
+                              <a:lumMod val="85000"/>
+                              <a:lumOff val="15000"/>
+                            </a:schemeClr>
+                          </a:solidFill>
+                          <a:latin typeface="맑은 고딕" panose="020B0503020000020004" pitchFamily="50" charset="-127"/>
+                          <a:ea typeface="맑은 고딕" panose="020B0503020000020004" pitchFamily="50" charset="-127"/>
+                          <a:cs typeface="+mn-cs"/>
+                        </a:rPr>
+                        <a:t>으로 시작하는 정수</a:t>
+                      </a:r>
+                      <a:br>
+                        <a:rPr lang="en-US" altLang="ko-KR" sz="1200" b="0" kern="1200" baseline="0">
+                          <a:solidFill>
+                            <a:schemeClr val="tx1">
+                              <a:lumMod val="85000"/>
+                              <a:lumOff val="15000"/>
+                            </a:schemeClr>
+                          </a:solidFill>
+                          <a:latin typeface="맑은 고딕" panose="020B0503020000020004" pitchFamily="50" charset="-127"/>
+                          <a:ea typeface="맑은 고딕" panose="020B0503020000020004" pitchFamily="50" charset="-127"/>
+                          <a:cs typeface="+mn-cs"/>
+                        </a:rPr>
+                      </a:br>
+                      <a:r>
+                        <a:rPr lang="en-US" altLang="ko-KR" sz="1200" b="0" kern="1200" baseline="0">
+                          <a:solidFill>
+                            <a:schemeClr val="tx1">
+                              <a:lumMod val="85000"/>
+                              <a:lumOff val="15000"/>
+                            </a:schemeClr>
+                          </a:solidFill>
+                          <a:latin typeface="맑은 고딕" panose="020B0503020000020004" pitchFamily="50" charset="-127"/>
+                          <a:ea typeface="맑은 고딕" panose="020B0503020000020004" pitchFamily="50" charset="-127"/>
+                          <a:cs typeface="+mn-cs"/>
+                        </a:rPr>
+                        <a:t>int o1 = 042; </a:t>
+                      </a:r>
+                      <a:r>
+                        <a:rPr lang="en-US" altLang="ko-KR" sz="1200" b="0" kern="1200" baseline="0">
+                          <a:solidFill>
+                            <a:srgbClr val="179933"/>
+                          </a:solidFill>
+                          <a:latin typeface="맑은 고딕" panose="020B0503020000020004" pitchFamily="50" charset="-127"/>
+                          <a:ea typeface="맑은 고딕" panose="020B0503020000020004" pitchFamily="50" charset="-127"/>
+                          <a:cs typeface="+mn-cs"/>
+                        </a:rPr>
+                        <a:t>// int o1 = 34</a:t>
+                      </a:r>
+                      <a:endParaRPr lang="en-US" sz="1200" b="0" kern="1200" baseline="0">
+                        <a:solidFill>
+                          <a:srgbClr val="179933"/>
+                        </a:solidFill>
+                        <a:latin typeface="맑은 고딕" panose="020B0503020000020004" pitchFamily="50" charset="-127"/>
+                        <a:ea typeface="맑은 고딕" panose="020B0503020000020004" pitchFamily="50" charset="-127"/>
+                        <a:cs typeface="+mn-cs"/>
+                      </a:endParaRPr>
+                    </a:p>
+                  </a:txBody>
+                  <a:tcPr marL="180000" marR="72000" marT="72000" marB="72000" anchor="ctr"/>
+                </a:tc>
+                <a:extLst>
+                  <a:ext uri="{0D108BD9-81ED-4DB2-BD59-A6C34878D82A}">
+                    <a16:rowId xmlns:a16="http://schemas.microsoft.com/office/drawing/2014/main" val="2165565380"/>
+                  </a:ext>
+                </a:extLst>
+              </a:tr>
+              <a:tr h="316089">
+                <a:tc>
+                  <a:txBody>
+                    <a:bodyPr/>
+                    <a:lstStyle/>
+                    <a:p>
+                      <a:pPr algn="ctr" rtl="0">
+                        <a:lnSpc>
+                          <a:spcPct val="150000"/>
+                        </a:lnSpc>
+                      </a:pPr>
+                      <a:r>
+                        <a:rPr lang="en-US" sz="1400" b="1" baseline="0">
+                          <a:solidFill>
+                            <a:schemeClr val="tx1">
+                              <a:lumMod val="85000"/>
+                              <a:lumOff val="15000"/>
+                            </a:schemeClr>
+                          </a:solidFill>
+                          <a:latin typeface="맑은 고딕" panose="020B0503020000020004" pitchFamily="50" charset="-127"/>
+                          <a:ea typeface="맑은 고딕" panose="020B0503020000020004" pitchFamily="50" charset="-127"/>
+                        </a:rPr>
+                        <a:t>16</a:t>
+                      </a:r>
+                      <a:r>
+                        <a:rPr lang="ko-KR" altLang="en-US" sz="1400" b="1" baseline="0">
+                          <a:solidFill>
+                            <a:schemeClr val="tx1">
+                              <a:lumMod val="85000"/>
+                              <a:lumOff val="15000"/>
+                            </a:schemeClr>
+                          </a:solidFill>
+                          <a:latin typeface="맑은 고딕" panose="020B0503020000020004" pitchFamily="50" charset="-127"/>
+                          <a:ea typeface="맑은 고딕" panose="020B0503020000020004" pitchFamily="50" charset="-127"/>
+                        </a:rPr>
+                        <a:t>진수</a:t>
+                      </a:r>
+                      <a:endParaRPr lang="en-US" sz="1400" b="1" baseline="0">
+                        <a:solidFill>
+                          <a:schemeClr val="tx1">
+                            <a:lumMod val="85000"/>
+                            <a:lumOff val="15000"/>
+                          </a:schemeClr>
+                        </a:solidFill>
+                        <a:latin typeface="맑은 고딕" panose="020B0503020000020004" pitchFamily="50" charset="-127"/>
+                        <a:ea typeface="맑은 고딕" panose="020B0503020000020004" pitchFamily="50" charset="-127"/>
+                      </a:endParaRPr>
+                    </a:p>
+                  </a:txBody>
+                  <a:tcPr marL="180000" marR="72000" marT="72000" marB="72000" anchor="ctr"/>
+                </a:tc>
+                <a:tc>
+                  <a:txBody>
+                    <a:bodyPr/>
+                    <a:lstStyle/>
+                    <a:p>
+                      <a:pPr algn="l" rtl="0">
+                        <a:lnSpc>
+                          <a:spcPct val="150000"/>
+                        </a:lnSpc>
+                      </a:pPr>
+                      <a:r>
+                        <a:rPr lang="en-US" sz="1200" b="0" kern="1200" baseline="0">
+                          <a:solidFill>
+                            <a:schemeClr val="tx1">
+                              <a:lumMod val="85000"/>
+                              <a:lumOff val="15000"/>
+                            </a:schemeClr>
+                          </a:solidFill>
+                          <a:latin typeface="맑은 고딕" panose="020B0503020000020004" pitchFamily="50" charset="-127"/>
+                          <a:ea typeface="맑은 고딕" panose="020B0503020000020004" pitchFamily="50" charset="-127"/>
+                          <a:cs typeface="+mn-cs"/>
+                        </a:rPr>
+                        <a:t>int h1 = 0x42; </a:t>
+                      </a:r>
+                      <a:r>
+                        <a:rPr lang="en-US" sz="1200" b="0" kern="1200" baseline="0">
+                          <a:solidFill>
+                            <a:srgbClr val="179933"/>
+                          </a:solidFill>
+                          <a:latin typeface="맑은 고딕" panose="020B0503020000020004" pitchFamily="50" charset="-127"/>
+                          <a:ea typeface="맑은 고딕" panose="020B0503020000020004" pitchFamily="50" charset="-127"/>
+                          <a:cs typeface="+mn-cs"/>
+                        </a:rPr>
+                        <a:t>// int h1 = 66</a:t>
+                      </a:r>
+                    </a:p>
+                  </a:txBody>
+                  <a:tcPr marL="180000" marR="72000" marT="72000" marB="72000" anchor="ctr"/>
+                </a:tc>
+                <a:extLst>
+                  <a:ext uri="{0D108BD9-81ED-4DB2-BD59-A6C34878D82A}">
+                    <a16:rowId xmlns:a16="http://schemas.microsoft.com/office/drawing/2014/main" val="1345443118"/>
+                  </a:ext>
+                </a:extLst>
+              </a:tr>
+              <a:tr h="316089">
+                <a:tc>
+                  <a:txBody>
+                    <a:bodyPr/>
+                    <a:lstStyle/>
+                    <a:p>
+                      <a:pPr algn="ctr" rtl="0">
+                        <a:lnSpc>
+                          <a:spcPct val="150000"/>
+                        </a:lnSpc>
+                      </a:pPr>
+                      <a:r>
+                        <a:rPr lang="en-US" sz="1400" b="1" baseline="0">
+                          <a:solidFill>
+                            <a:schemeClr val="tx1">
+                              <a:lumMod val="85000"/>
+                              <a:lumOff val="15000"/>
+                            </a:schemeClr>
+                          </a:solidFill>
+                          <a:latin typeface="맑은 고딕" panose="020B0503020000020004" pitchFamily="50" charset="-127"/>
+                          <a:ea typeface="맑은 고딕" panose="020B0503020000020004" pitchFamily="50" charset="-127"/>
+                        </a:rPr>
+                        <a:t>2</a:t>
+                      </a:r>
+                      <a:r>
+                        <a:rPr lang="ko-KR" altLang="en-US" sz="1400" b="1" baseline="0">
+                          <a:solidFill>
+                            <a:schemeClr val="tx1">
+                              <a:lumMod val="85000"/>
+                              <a:lumOff val="15000"/>
+                            </a:schemeClr>
+                          </a:solidFill>
+                          <a:latin typeface="맑은 고딕" panose="020B0503020000020004" pitchFamily="50" charset="-127"/>
+                          <a:ea typeface="맑은 고딕" panose="020B0503020000020004" pitchFamily="50" charset="-127"/>
+                        </a:rPr>
+                        <a:t>진수</a:t>
+                      </a:r>
+                      <a:endParaRPr lang="en-US" sz="1400" b="1" baseline="0">
+                        <a:solidFill>
+                          <a:schemeClr val="tx1">
+                            <a:lumMod val="85000"/>
+                            <a:lumOff val="15000"/>
+                          </a:schemeClr>
+                        </a:solidFill>
+                        <a:latin typeface="맑은 고딕" panose="020B0503020000020004" pitchFamily="50" charset="-127"/>
+                        <a:ea typeface="맑은 고딕" panose="020B0503020000020004" pitchFamily="50" charset="-127"/>
+                      </a:endParaRPr>
+                    </a:p>
+                  </a:txBody>
+                  <a:tcPr marL="180000" marR="72000" marT="72000" marB="72000" anchor="ctr"/>
+                </a:tc>
+                <a:tc>
+                  <a:txBody>
+                    <a:bodyPr/>
+                    <a:lstStyle/>
+                    <a:p>
+                      <a:pPr algn="l" rtl="0">
+                        <a:lnSpc>
+                          <a:spcPct val="150000"/>
+                        </a:lnSpc>
+                      </a:pPr>
+                      <a:r>
+                        <a:rPr lang="en-US" sz="1200" b="0" kern="1200" baseline="0" dirty="0">
+                          <a:solidFill>
+                            <a:schemeClr val="tx1"/>
+                          </a:solidFill>
+                          <a:latin typeface="맑은 고딕" panose="020B0503020000020004" pitchFamily="50" charset="-127"/>
+                          <a:ea typeface="맑은 고딕" panose="020B0503020000020004" pitchFamily="50" charset="-127"/>
+                          <a:cs typeface="+mn-cs"/>
+                        </a:rPr>
+                        <a:t>int b1 = 0b11111010; </a:t>
+                      </a:r>
+                      <a:r>
+                        <a:rPr lang="en-US" sz="1200" b="0" kern="1200" baseline="0" dirty="0">
+                          <a:solidFill>
+                            <a:srgbClr val="179933"/>
+                          </a:solidFill>
+                          <a:latin typeface="맑은 고딕" panose="020B0503020000020004" pitchFamily="50" charset="-127"/>
+                          <a:ea typeface="맑은 고딕" panose="020B0503020000020004" pitchFamily="50" charset="-127"/>
+                          <a:cs typeface="+mn-cs"/>
+                        </a:rPr>
+                        <a:t>// int b1 = 250. C</a:t>
+                      </a:r>
+                      <a:r>
+                        <a:rPr lang="en-US" altLang="ko-KR" sz="1200" b="0" kern="1200" baseline="0" dirty="0">
+                          <a:solidFill>
+                            <a:srgbClr val="179933"/>
+                          </a:solidFill>
+                          <a:latin typeface="맑은 고딕" panose="020B0503020000020004" pitchFamily="50" charset="-127"/>
+                          <a:ea typeface="맑은 고딕" panose="020B0503020000020004" pitchFamily="50" charset="-127"/>
+                          <a:cs typeface="+mn-cs"/>
+                        </a:rPr>
+                        <a:t>++11</a:t>
+                      </a:r>
+                      <a:endParaRPr lang="en-US" sz="1200" b="0" kern="1200" baseline="0" dirty="0">
+                        <a:solidFill>
+                          <a:srgbClr val="179933"/>
+                        </a:solidFill>
+                        <a:latin typeface="맑은 고딕" panose="020B0503020000020004" pitchFamily="50" charset="-127"/>
+                        <a:ea typeface="맑은 고딕" panose="020B0503020000020004" pitchFamily="50" charset="-127"/>
+                        <a:cs typeface="+mn-cs"/>
+                      </a:endParaRPr>
+                    </a:p>
+                  </a:txBody>
+                  <a:tcPr marL="180000" marR="72000" marT="72000" marB="72000" anchor="ctr"/>
+                </a:tc>
+                <a:extLst>
+                  <a:ext uri="{0D108BD9-81ED-4DB2-BD59-A6C34878D82A}">
+                    <a16:rowId xmlns:a16="http://schemas.microsoft.com/office/drawing/2014/main" val="1146427357"/>
+                  </a:ext>
+                </a:extLst>
+              </a:tr>
+              <a:tr h="1106556">
+                <a:tc>
+                  <a:txBody>
+                    <a:bodyPr/>
+                    <a:lstStyle/>
+                    <a:p>
+                      <a:pPr algn="ctr" rtl="0">
+                        <a:lnSpc>
+                          <a:spcPct val="150000"/>
+                        </a:lnSpc>
+                      </a:pPr>
+                      <a:r>
+                        <a:rPr lang="ko-KR" altLang="en-US" sz="1400" b="1" baseline="0">
+                          <a:solidFill>
+                            <a:schemeClr val="tx1">
+                              <a:lumMod val="85000"/>
+                              <a:lumOff val="15000"/>
+                            </a:schemeClr>
+                          </a:solidFill>
+                          <a:latin typeface="맑은 고딕" panose="020B0503020000020004" pitchFamily="50" charset="-127"/>
+                          <a:ea typeface="맑은 고딕" panose="020B0503020000020004" pitchFamily="50" charset="-127"/>
+                        </a:rPr>
+                        <a:t>축소</a:t>
+                      </a:r>
+                      <a:endParaRPr lang="en-US" sz="1400" b="1" baseline="0">
+                        <a:solidFill>
+                          <a:schemeClr val="tx1">
+                            <a:lumMod val="85000"/>
+                            <a:lumOff val="15000"/>
+                          </a:schemeClr>
+                        </a:solidFill>
+                        <a:latin typeface="맑은 고딕" panose="020B0503020000020004" pitchFamily="50" charset="-127"/>
+                        <a:ea typeface="맑은 고딕" panose="020B0503020000020004" pitchFamily="50" charset="-127"/>
+                      </a:endParaRPr>
+                    </a:p>
+                  </a:txBody>
+                  <a:tcPr marL="180000" marR="72000" marT="72000" marB="72000" anchor="ctr"/>
+                </a:tc>
+                <a:tc>
+                  <a:txBody>
+                    <a:bodyPr/>
+                    <a:lstStyle/>
+                    <a:p>
+                      <a:pPr algn="l" rtl="0">
+                        <a:lnSpc>
+                          <a:spcPct val="150000"/>
+                        </a:lnSpc>
+                      </a:pPr>
+                      <a:r>
+                        <a:rPr lang="en-US" sz="1200" b="0" kern="1200" baseline="0" dirty="0">
+                          <a:solidFill>
+                            <a:schemeClr val="tx1"/>
+                          </a:solidFill>
+                          <a:latin typeface="맑은 고딕" panose="020B0503020000020004" pitchFamily="50" charset="-127"/>
+                          <a:ea typeface="맑은 고딕" panose="020B0503020000020004" pitchFamily="50" charset="-127"/>
+                          <a:cs typeface="+mn-cs"/>
+                        </a:rPr>
+                        <a:t>int i1 = 3.14; </a:t>
+                      </a:r>
+                      <a:r>
+                        <a:rPr lang="en-US" sz="1200" b="0" kern="1200" baseline="0" dirty="0">
+                          <a:solidFill>
+                            <a:srgbClr val="179933"/>
+                          </a:solidFill>
+                          <a:latin typeface="맑은 고딕" panose="020B0503020000020004" pitchFamily="50" charset="-127"/>
+                          <a:ea typeface="맑은 고딕" panose="020B0503020000020004" pitchFamily="50" charset="-127"/>
+                          <a:cs typeface="+mn-cs"/>
+                        </a:rPr>
+                        <a:t>//</a:t>
+                      </a:r>
+                      <a:r>
+                        <a:rPr lang="ko-KR" altLang="en-US" sz="1200" b="0" kern="1200" baseline="0" dirty="0">
+                          <a:solidFill>
+                            <a:srgbClr val="179933"/>
+                          </a:solidFill>
+                          <a:latin typeface="맑은 고딕" panose="020B0503020000020004" pitchFamily="50" charset="-127"/>
+                          <a:ea typeface="맑은 고딕" panose="020B0503020000020004" pitchFamily="50" charset="-127"/>
+                          <a:cs typeface="+mn-cs"/>
+                        </a:rPr>
+                        <a:t>축소하지만 컴파일 된다</a:t>
+                      </a:r>
+                      <a:r>
+                        <a:rPr lang="en-US" altLang="ko-KR" sz="1200" b="0" kern="1200" baseline="0" dirty="0">
+                          <a:solidFill>
+                            <a:srgbClr val="179933"/>
+                          </a:solidFill>
+                          <a:latin typeface="맑은 고딕" panose="020B0503020000020004" pitchFamily="50" charset="-127"/>
+                          <a:ea typeface="맑은 고딕" panose="020B0503020000020004" pitchFamily="50" charset="-127"/>
+                          <a:cs typeface="+mn-cs"/>
+                        </a:rPr>
+                        <a:t>.</a:t>
+                      </a:r>
+                    </a:p>
+                    <a:p>
+                      <a:pPr algn="l" rtl="0">
+                        <a:lnSpc>
+                          <a:spcPct val="150000"/>
+                        </a:lnSpc>
+                      </a:pPr>
+                      <a:r>
+                        <a:rPr lang="en-US" sz="1200" b="0" kern="1200" baseline="0" dirty="0">
+                          <a:solidFill>
+                            <a:schemeClr val="tx1"/>
+                          </a:solidFill>
+                          <a:latin typeface="맑은 고딕" panose="020B0503020000020004" pitchFamily="50" charset="-127"/>
+                          <a:ea typeface="맑은 고딕" panose="020B0503020000020004" pitchFamily="50" charset="-127"/>
+                          <a:cs typeface="+mn-cs"/>
+                        </a:rPr>
+                        <a:t>int i1n = { 3.14 }; </a:t>
+                      </a:r>
+                      <a:r>
+                        <a:rPr lang="en-US" sz="1200" b="0" kern="1200" baseline="0" dirty="0">
+                          <a:solidFill>
+                            <a:srgbClr val="179933"/>
+                          </a:solidFill>
+                          <a:latin typeface="맑은 고딕" panose="020B0503020000020004" pitchFamily="50" charset="-127"/>
+                          <a:ea typeface="맑은 고딕" panose="020B0503020000020004" pitchFamily="50" charset="-127"/>
+                          <a:cs typeface="+mn-cs"/>
+                        </a:rPr>
+                        <a:t>//</a:t>
+                      </a:r>
+                      <a:r>
+                        <a:rPr lang="ko-KR" altLang="en-US" sz="1200" b="0" kern="1200" baseline="0" dirty="0">
+                          <a:solidFill>
+                            <a:srgbClr val="179933"/>
+                          </a:solidFill>
+                          <a:latin typeface="맑은 고딕" panose="020B0503020000020004" pitchFamily="50" charset="-127"/>
+                          <a:ea typeface="맑은 고딕" panose="020B0503020000020004" pitchFamily="50" charset="-127"/>
+                          <a:cs typeface="+mn-cs"/>
+                        </a:rPr>
+                        <a:t>축소 오류</a:t>
+                      </a:r>
+                      <a:r>
+                        <a:rPr lang="en-US" altLang="ko-KR" sz="1200" b="0" kern="1200" baseline="0" dirty="0">
+                          <a:solidFill>
+                            <a:srgbClr val="179933"/>
+                          </a:solidFill>
+                          <a:latin typeface="맑은 고딕" panose="020B0503020000020004" pitchFamily="50" charset="-127"/>
+                          <a:ea typeface="맑은 고딕" panose="020B0503020000020004" pitchFamily="50" charset="-127"/>
+                          <a:cs typeface="+mn-cs"/>
+                        </a:rPr>
+                        <a:t>. </a:t>
+                      </a:r>
+                      <a:r>
+                        <a:rPr lang="ko-KR" altLang="en-US" sz="1200" b="0" kern="1200" baseline="0" dirty="0">
+                          <a:solidFill>
+                            <a:srgbClr val="179933"/>
+                          </a:solidFill>
+                          <a:latin typeface="맑은 고딕" panose="020B0503020000020004" pitchFamily="50" charset="-127"/>
+                          <a:ea typeface="맑은 고딕" panose="020B0503020000020004" pitchFamily="50" charset="-127"/>
+                          <a:cs typeface="+mn-cs"/>
+                        </a:rPr>
+                        <a:t>컴파일 오류</a:t>
+                      </a:r>
+                      <a:r>
+                        <a:rPr lang="en-US" altLang="ko-KR" sz="1200" b="0" kern="1200" baseline="0" dirty="0">
+                          <a:solidFill>
+                            <a:srgbClr val="179933"/>
+                          </a:solidFill>
+                          <a:latin typeface="맑은 고딕" panose="020B0503020000020004" pitchFamily="50" charset="-127"/>
+                          <a:ea typeface="맑은 고딕" panose="020B0503020000020004" pitchFamily="50" charset="-127"/>
+                          <a:cs typeface="+mn-cs"/>
+                        </a:rPr>
+                        <a:t>. C++11</a:t>
+                      </a:r>
+                    </a:p>
+                    <a:p>
+                      <a:pPr algn="l" rtl="0">
+                        <a:lnSpc>
+                          <a:spcPct val="150000"/>
+                        </a:lnSpc>
+                      </a:pPr>
+                      <a:endParaRPr lang="en-US" sz="1200" b="0" kern="1200" baseline="0" dirty="0">
+                        <a:solidFill>
+                          <a:schemeClr val="tx1"/>
+                        </a:solidFill>
+                        <a:latin typeface="맑은 고딕" panose="020B0503020000020004" pitchFamily="50" charset="-127"/>
+                        <a:ea typeface="맑은 고딕" panose="020B0503020000020004" pitchFamily="50" charset="-127"/>
+                        <a:cs typeface="+mn-cs"/>
+                      </a:endParaRPr>
+                    </a:p>
+                    <a:p>
+                      <a:pPr algn="l" rtl="0">
+                        <a:lnSpc>
+                          <a:spcPct val="150000"/>
+                        </a:lnSpc>
+                      </a:pPr>
+                      <a:r>
+                        <a:rPr lang="en-US" sz="1200" b="0" kern="1200" baseline="0" dirty="0">
+                          <a:solidFill>
+                            <a:schemeClr val="tx1"/>
+                          </a:solidFill>
+                          <a:latin typeface="맑은 고딕" panose="020B0503020000020004" pitchFamily="50" charset="-127"/>
+                          <a:ea typeface="맑은 고딕" panose="020B0503020000020004" pitchFamily="50" charset="-127"/>
+                          <a:cs typeface="+mn-cs"/>
+                        </a:rPr>
+                        <a:t>unsigned u2 = -3; </a:t>
+                      </a:r>
+                      <a:r>
+                        <a:rPr lang="en-US" sz="1200" b="0" kern="1200" baseline="0" dirty="0">
+                          <a:solidFill>
+                            <a:srgbClr val="179933"/>
+                          </a:solidFill>
+                          <a:latin typeface="맑은 고딕" panose="020B0503020000020004" pitchFamily="50" charset="-127"/>
+                          <a:ea typeface="맑은 고딕" panose="020B0503020000020004" pitchFamily="50" charset="-127"/>
+                          <a:cs typeface="+mn-cs"/>
+                        </a:rPr>
+                        <a:t>//</a:t>
+                      </a:r>
+                      <a:r>
+                        <a:rPr lang="ko-KR" altLang="en-US" sz="1200" b="0" kern="1200" baseline="0" dirty="0">
+                          <a:solidFill>
+                            <a:srgbClr val="179933"/>
+                          </a:solidFill>
+                          <a:latin typeface="맑은 고딕" panose="020B0503020000020004" pitchFamily="50" charset="-127"/>
+                          <a:ea typeface="맑은 고딕" panose="020B0503020000020004" pitchFamily="50" charset="-127"/>
+                          <a:cs typeface="+mn-cs"/>
+                        </a:rPr>
+                        <a:t>축소하지만 컴파일 된다</a:t>
+                      </a:r>
+                      <a:r>
+                        <a:rPr lang="en-US" altLang="ko-KR" sz="1200" b="0" kern="1200" baseline="0" dirty="0">
+                          <a:solidFill>
+                            <a:srgbClr val="179933"/>
+                          </a:solidFill>
+                          <a:latin typeface="맑은 고딕" panose="020B0503020000020004" pitchFamily="50" charset="-127"/>
+                          <a:ea typeface="맑은 고딕" panose="020B0503020000020004" pitchFamily="50" charset="-127"/>
+                          <a:cs typeface="+mn-cs"/>
+                        </a:rPr>
+                        <a:t>.</a:t>
+                      </a:r>
+                    </a:p>
+                    <a:p>
+                      <a:pPr algn="l" rtl="0">
+                        <a:lnSpc>
+                          <a:spcPct val="150000"/>
+                        </a:lnSpc>
+                      </a:pPr>
+                      <a:r>
+                        <a:rPr lang="en-US" sz="1200" b="0" kern="1200" baseline="0" dirty="0">
+                          <a:solidFill>
+                            <a:schemeClr val="tx1"/>
+                          </a:solidFill>
+                          <a:latin typeface="맑은 고딕" panose="020B0503020000020004" pitchFamily="50" charset="-127"/>
+                          <a:ea typeface="맑은 고딕" panose="020B0503020000020004" pitchFamily="50" charset="-127"/>
+                          <a:cs typeface="+mn-cs"/>
+                        </a:rPr>
+                        <a:t>unsigned u2n = { -3 }; </a:t>
+                      </a:r>
+                      <a:r>
+                        <a:rPr lang="en-US" sz="1200" b="0" kern="1200" baseline="0" dirty="0">
+                          <a:solidFill>
+                            <a:srgbClr val="179933"/>
+                          </a:solidFill>
+                          <a:latin typeface="맑은 고딕" panose="020B0503020000020004" pitchFamily="50" charset="-127"/>
+                          <a:ea typeface="맑은 고딕" panose="020B0503020000020004" pitchFamily="50" charset="-127"/>
+                          <a:cs typeface="+mn-cs"/>
+                        </a:rPr>
+                        <a:t>//</a:t>
+                      </a:r>
+                      <a:r>
+                        <a:rPr lang="ko-KR" altLang="en-US" sz="1200" b="0" kern="1200" baseline="0" dirty="0">
+                          <a:solidFill>
+                            <a:srgbClr val="179933"/>
+                          </a:solidFill>
+                          <a:latin typeface="맑은 고딕" panose="020B0503020000020004" pitchFamily="50" charset="-127"/>
+                          <a:ea typeface="맑은 고딕" panose="020B0503020000020004" pitchFamily="50" charset="-127"/>
+                          <a:cs typeface="+mn-cs"/>
+                        </a:rPr>
+                        <a:t>축소 오류</a:t>
+                      </a:r>
+                      <a:r>
+                        <a:rPr lang="en-US" altLang="ko-KR" sz="1200" b="0" kern="1200" baseline="0" dirty="0">
+                          <a:solidFill>
+                            <a:srgbClr val="179933"/>
+                          </a:solidFill>
+                          <a:latin typeface="맑은 고딕" panose="020B0503020000020004" pitchFamily="50" charset="-127"/>
+                          <a:ea typeface="맑은 고딕" panose="020B0503020000020004" pitchFamily="50" charset="-127"/>
+                          <a:cs typeface="+mn-cs"/>
+                        </a:rPr>
+                        <a:t>. </a:t>
+                      </a:r>
+                      <a:r>
+                        <a:rPr lang="ko-KR" altLang="en-US" sz="1200" b="0" kern="1200" baseline="0" dirty="0">
+                          <a:solidFill>
+                            <a:srgbClr val="179933"/>
+                          </a:solidFill>
+                          <a:latin typeface="맑은 고딕" panose="020B0503020000020004" pitchFamily="50" charset="-127"/>
+                          <a:ea typeface="맑은 고딕" panose="020B0503020000020004" pitchFamily="50" charset="-127"/>
+                          <a:cs typeface="+mn-cs"/>
+                        </a:rPr>
+                        <a:t>컴파일 오류</a:t>
+                      </a:r>
+                      <a:r>
+                        <a:rPr lang="en-US" altLang="ko-KR" sz="1200" b="0" kern="1200" baseline="0" dirty="0">
+                          <a:solidFill>
+                            <a:srgbClr val="179933"/>
+                          </a:solidFill>
+                          <a:latin typeface="맑은 고딕" panose="020B0503020000020004" pitchFamily="50" charset="-127"/>
+                          <a:ea typeface="맑은 고딕" panose="020B0503020000020004" pitchFamily="50" charset="-127"/>
+                          <a:cs typeface="+mn-cs"/>
+                        </a:rPr>
+                        <a:t>.</a:t>
+                      </a:r>
+                      <a:r>
+                        <a:rPr lang="ko-KR" altLang="en-US" sz="1200" b="0" kern="1200" baseline="0" dirty="0">
+                          <a:solidFill>
+                            <a:srgbClr val="179933"/>
+                          </a:solidFill>
+                          <a:latin typeface="맑은 고딕" panose="020B0503020000020004" pitchFamily="50" charset="-127"/>
+                          <a:ea typeface="맑은 고딕" panose="020B0503020000020004" pitchFamily="50" charset="-127"/>
+                          <a:cs typeface="+mn-cs"/>
+                        </a:rPr>
+                        <a:t> </a:t>
+                      </a:r>
+                      <a:r>
+                        <a:rPr lang="en-US" altLang="ko-KR" sz="1200" b="0" kern="1200" baseline="0" dirty="0">
+                          <a:solidFill>
+                            <a:srgbClr val="179933"/>
+                          </a:solidFill>
+                          <a:latin typeface="맑은 고딕" panose="020B0503020000020004" pitchFamily="50" charset="-127"/>
+                          <a:ea typeface="맑은 고딕" panose="020B0503020000020004" pitchFamily="50" charset="-127"/>
+                          <a:cs typeface="+mn-cs"/>
+                        </a:rPr>
+                        <a:t>C++11</a:t>
+                      </a:r>
+                      <a:endParaRPr lang="en-US" sz="1200" b="0" kern="1200" baseline="0" dirty="0">
+                        <a:solidFill>
+                          <a:srgbClr val="179933"/>
+                        </a:solidFill>
+                        <a:latin typeface="맑은 고딕" panose="020B0503020000020004" pitchFamily="50" charset="-127"/>
+                        <a:ea typeface="맑은 고딕" panose="020B0503020000020004" pitchFamily="50" charset="-127"/>
+                        <a:cs typeface="+mn-cs"/>
+                      </a:endParaRPr>
+                    </a:p>
+                  </a:txBody>
+                  <a:tcPr marL="180000" marR="72000" marT="72000" marB="72000" anchor="ctr"/>
+                </a:tc>
+                <a:extLst>
+                  <a:ext uri="{0D108BD9-81ED-4DB2-BD59-A6C34878D82A}">
+                    <a16:rowId xmlns:a16="http://schemas.microsoft.com/office/drawing/2014/main" val="1723173881"/>
+                  </a:ext>
+                </a:extLst>
+              </a:tr>
+            </a:tbl>
+          </a:graphicData>
+        </a:graphic>
+      </p:graphicFrame>
+    </p:spTree>
+    <p:extLst>
+      <p:ext uri="{BB962C8B-B14F-4D97-AF65-F5344CB8AC3E}">
+        <p14:creationId xmlns:p14="http://schemas.microsoft.com/office/powerpoint/2010/main" val="2982013708"/>
+      </p:ext>
+    </p:extLst>
+  </p:cSld>
+  <p:clrMapOvr>
+    <a:masterClrMapping/>
+  </p:clrMapOvr>
+</p:sld>
+</file>
+
+<file path=ppt/slides/slide4.xml><?xml version="1.0" encoding="utf-8"?>
+<p:sld xmlns:a="http://schemas.openxmlformats.org/drawingml/2006/main" xmlns:r="http://schemas.openxmlformats.org/officeDocument/2006/relationships" xmlns:p="http://schemas.openxmlformats.org/presentationml/2006/main">
+  <p:cSld>
+    <p:spTree>
+      <p:nvGrpSpPr>
+        <p:cNvPr id="1" name=""/>
+        <p:cNvGrpSpPr/>
+        <p:nvPr/>
+      </p:nvGrpSpPr>
+      <p:grpSpPr>
+        <a:xfrm>
+          <a:off x="0" y="0"/>
+          <a:ext cx="0" cy="0"/>
+          <a:chOff x="0" y="0"/>
+          <a:chExt cx="0" cy="0"/>
+        </a:xfrm>
+      </p:grpSpPr>
+      <p:sp>
+        <p:nvSpPr>
+          <p:cNvPr id="2" name="제목 1">
+            <a:extLst>
+              <a:ext uri="{FF2B5EF4-FFF2-40B4-BE49-F238E27FC236}">
+                <a16:creationId xmlns:a16="http://schemas.microsoft.com/office/drawing/2014/main" id="{6F204F3F-D196-428C-AE74-238938FD8008}"/>
+              </a:ext>
+            </a:extLst>
+          </p:cNvPr>
+          <p:cNvSpPr>
+            <a:spLocks noGrp="1"/>
+          </p:cNvSpPr>
+          <p:nvPr>
+            <p:ph type="title"/>
+          </p:nvPr>
+        </p:nvSpPr>
+        <p:spPr/>
+        <p:txBody>
+          <a:bodyPr rtlCol="0"/>
+          <a:lstStyle/>
+          <a:p>
+            <a:pPr rtl="0"/>
+            <a:r>
               <a:rPr lang="ko-KR" altLang="en-US" noProof="1">
                 <a:ea typeface="맑은 고딕" panose="020B0503020000020004" pitchFamily="50" charset="-127"/>
               </a:rPr>
-              <a:t>운영 방식</a:t>
-            </a:r>
-          </a:p>
-        </p:txBody>
-      </p:sp>
+              <a:t>연산자 우선순위</a:t>
+            </a:r>
+          </a:p>
+        </p:txBody>
+      </p:sp>
+      <p:graphicFrame>
+        <p:nvGraphicFramePr>
+          <p:cNvPr id="7" name="표 7">
+            <a:extLst>
+              <a:ext uri="{FF2B5EF4-FFF2-40B4-BE49-F238E27FC236}">
+                <a16:creationId xmlns:a16="http://schemas.microsoft.com/office/drawing/2014/main" id="{E6967D3B-51D6-4B8B-853F-3AB9FE0D5C94}"/>
+              </a:ext>
+            </a:extLst>
+          </p:cNvPr>
+          <p:cNvGraphicFramePr>
+            <a:graphicFrameLocks noGrp="1"/>
+          </p:cNvGraphicFramePr>
+          <p:nvPr>
+            <p:ph sz="half" idx="2"/>
+            <p:extLst>
+              <p:ext uri="{D42A27DB-BD31-4B8C-83A1-F6EECF244321}">
+                <p14:modId xmlns:p14="http://schemas.microsoft.com/office/powerpoint/2010/main" val="2270397684"/>
+              </p:ext>
+            </p:extLst>
+          </p:nvPr>
+        </p:nvGraphicFramePr>
+        <p:xfrm>
+          <a:off x="576616" y="1268111"/>
+          <a:ext cx="11264636" cy="5356369"/>
+        </p:xfrm>
+        <a:graphic>
+          <a:graphicData uri="http://schemas.openxmlformats.org/drawingml/2006/table">
+            <a:tbl>
+              <a:tblPr firstRow="1" bandRow="1">
+                <a:tableStyleId>{9D7B26C5-4107-4FEC-AEDC-1716B250A1EF}</a:tableStyleId>
+              </a:tblPr>
+              <a:tblGrid>
+                <a:gridCol w="2816159">
+                  <a:extLst>
+                    <a:ext uri="{9D8B030D-6E8A-4147-A177-3AD203B41FA5}">
+                      <a16:colId xmlns:a16="http://schemas.microsoft.com/office/drawing/2014/main" val="4007340417"/>
+                    </a:ext>
+                  </a:extLst>
+                </a:gridCol>
+                <a:gridCol w="2816159">
+                  <a:extLst>
+                    <a:ext uri="{9D8B030D-6E8A-4147-A177-3AD203B41FA5}">
+                      <a16:colId xmlns:a16="http://schemas.microsoft.com/office/drawing/2014/main" val="2467626424"/>
+                    </a:ext>
+                  </a:extLst>
+                </a:gridCol>
+                <a:gridCol w="2816159">
+                  <a:extLst>
+                    <a:ext uri="{9D8B030D-6E8A-4147-A177-3AD203B41FA5}">
+                      <a16:colId xmlns:a16="http://schemas.microsoft.com/office/drawing/2014/main" val="1478959773"/>
+                    </a:ext>
+                  </a:extLst>
+                </a:gridCol>
+                <a:gridCol w="2816159">
+                  <a:extLst>
+                    <a:ext uri="{9D8B030D-6E8A-4147-A177-3AD203B41FA5}">
+                      <a16:colId xmlns:a16="http://schemas.microsoft.com/office/drawing/2014/main" val="1714295147"/>
+                    </a:ext>
+                  </a:extLst>
+                </a:gridCol>
+              </a:tblGrid>
+              <a:tr h="449089">
+                <a:tc gridSpan="4">
+                  <a:txBody>
+                    <a:bodyPr/>
+                    <a:lstStyle/>
+                    <a:p>
+                      <a:pPr algn="ctr" latinLnBrk="1"/>
+                      <a:r>
+                        <a:rPr lang="ko-KR" altLang="en-US">
+                          <a:latin typeface="맑은 고딕" panose="020B0503020000020004" pitchFamily="50" charset="-127"/>
+                          <a:ea typeface="맑은 고딕" panose="020B0503020000020004" pitchFamily="50" charset="-127"/>
+                        </a:rPr>
+                        <a:t>연산자 우선순위</a:t>
+                      </a:r>
+                    </a:p>
+                  </a:txBody>
+                  <a:tcPr marT="0" marB="0" anchor="ctr"/>
+                </a:tc>
+                <a:tc hMerge="1">
+                  <a:txBody>
+                    <a:bodyPr/>
+                    <a:lstStyle/>
+                    <a:p>
+                      <a:pPr latinLnBrk="1"/>
+                      <a:endParaRPr lang="ko-KR" altLang="en-US" dirty="0"/>
+                    </a:p>
+                  </a:txBody>
+                  <a:tcPr/>
+                </a:tc>
+                <a:tc hMerge="1">
+                  <a:txBody>
+                    <a:bodyPr/>
+                    <a:lstStyle/>
+                    <a:p>
+                      <a:pPr latinLnBrk="1"/>
+                      <a:endParaRPr lang="ko-KR" altLang="en-US" dirty="0"/>
+                    </a:p>
+                  </a:txBody>
+                  <a:tcPr/>
+                </a:tc>
+                <a:tc hMerge="1">
+                  <a:txBody>
+                    <a:bodyPr/>
+                    <a:lstStyle/>
+                    <a:p>
+                      <a:pPr latinLnBrk="1"/>
+                      <a:endParaRPr lang="ko-KR" altLang="en-US" dirty="0"/>
+                    </a:p>
+                  </a:txBody>
+                  <a:tcPr/>
+                </a:tc>
+                <a:extLst>
+                  <a:ext uri="{0D108BD9-81ED-4DB2-BD59-A6C34878D82A}">
+                    <a16:rowId xmlns:a16="http://schemas.microsoft.com/office/drawing/2014/main" val="309665782"/>
+                  </a:ext>
+                </a:extLst>
+              </a:tr>
+              <a:tr h="205832">
+                <a:tc>
+                  <a:txBody>
+                    <a:bodyPr/>
+                    <a:lstStyle/>
+                    <a:p>
+                      <a:pPr algn="l" latinLnBrk="1"/>
+                      <a:r>
+                        <a:rPr lang="en-US" altLang="ko-KR" sz="1400">
+                          <a:latin typeface="맑은 고딕" panose="020B0503020000020004" pitchFamily="50" charset="-127"/>
+                          <a:ea typeface="맑은 고딕" panose="020B0503020000020004" pitchFamily="50" charset="-127"/>
+                        </a:rPr>
+                        <a:t>class::member</a:t>
+                      </a:r>
+                      <a:endParaRPr lang="ko-KR" altLang="en-US" sz="1400">
+                        <a:latin typeface="맑은 고딕" panose="020B0503020000020004" pitchFamily="50" charset="-127"/>
+                        <a:ea typeface="맑은 고딕" panose="020B0503020000020004" pitchFamily="50" charset="-127"/>
+                      </a:endParaRPr>
+                    </a:p>
+                  </a:txBody>
+                  <a:tcPr marT="0" marB="0"/>
+                </a:tc>
+                <a:tc>
+                  <a:txBody>
+                    <a:bodyPr/>
+                    <a:lstStyle/>
+                    <a:p>
+                      <a:pPr algn="l" latinLnBrk="1"/>
+                      <a:r>
+                        <a:rPr lang="en-US" altLang="ko-KR" sz="1400" err="1">
+                          <a:latin typeface="맑은 고딕" panose="020B0503020000020004" pitchFamily="50" charset="-127"/>
+                          <a:ea typeface="맑은 고딕" panose="020B0503020000020004" pitchFamily="50" charset="-127"/>
+                        </a:rPr>
+                        <a:t>nspace</a:t>
+                      </a:r>
+                      <a:r>
+                        <a:rPr lang="en-US" altLang="ko-KR" sz="1400">
+                          <a:latin typeface="맑은 고딕" panose="020B0503020000020004" pitchFamily="50" charset="-127"/>
+                          <a:ea typeface="맑은 고딕" panose="020B0503020000020004" pitchFamily="50" charset="-127"/>
+                        </a:rPr>
+                        <a:t>::member</a:t>
+                      </a:r>
+                      <a:endParaRPr lang="ko-KR" altLang="en-US" sz="1400">
+                        <a:latin typeface="맑은 고딕" panose="020B0503020000020004" pitchFamily="50" charset="-127"/>
+                        <a:ea typeface="맑은 고딕" panose="020B0503020000020004" pitchFamily="50" charset="-127"/>
+                      </a:endParaRPr>
+                    </a:p>
+                  </a:txBody>
+                  <a:tcPr marT="0" marB="0"/>
+                </a:tc>
+                <a:tc>
+                  <a:txBody>
+                    <a:bodyPr/>
+                    <a:lstStyle/>
+                    <a:p>
+                      <a:pPr algn="l" latinLnBrk="1"/>
+                      <a:r>
+                        <a:rPr lang="en-US" altLang="ko-KR" sz="1400">
+                          <a:latin typeface="맑은 고딕" panose="020B0503020000020004" pitchFamily="50" charset="-127"/>
+                          <a:ea typeface="맑은 고딕" panose="020B0503020000020004" pitchFamily="50" charset="-127"/>
+                        </a:rPr>
+                        <a:t>::name</a:t>
+                      </a:r>
+                      <a:endParaRPr lang="ko-KR" altLang="en-US" sz="1400">
+                        <a:latin typeface="맑은 고딕" panose="020B0503020000020004" pitchFamily="50" charset="-127"/>
+                        <a:ea typeface="맑은 고딕" panose="020B0503020000020004" pitchFamily="50" charset="-127"/>
+                      </a:endParaRPr>
+                    </a:p>
+                  </a:txBody>
+                  <a:tcPr marT="0" marB="0"/>
+                </a:tc>
+                <a:tc>
+                  <a:txBody>
+                    <a:bodyPr/>
+                    <a:lstStyle/>
+                    <a:p>
+                      <a:pPr algn="l" latinLnBrk="1"/>
+                      <a:r>
+                        <a:rPr lang="en-US" altLang="ko-KR" sz="1400">
+                          <a:latin typeface="맑은 고딕" panose="020B0503020000020004" pitchFamily="50" charset="-127"/>
+                          <a:ea typeface="맑은 고딕" panose="020B0503020000020004" pitchFamily="50" charset="-127"/>
+                        </a:rPr>
+                        <a:t>::qualified-name</a:t>
+                      </a:r>
+                      <a:endParaRPr lang="ko-KR" altLang="en-US" sz="1400">
+                        <a:latin typeface="맑은 고딕" panose="020B0503020000020004" pitchFamily="50" charset="-127"/>
+                        <a:ea typeface="맑은 고딕" panose="020B0503020000020004" pitchFamily="50" charset="-127"/>
+                      </a:endParaRPr>
+                    </a:p>
+                  </a:txBody>
+                  <a:tcPr marT="0" marB="0"/>
+                </a:tc>
+                <a:extLst>
+                  <a:ext uri="{0D108BD9-81ED-4DB2-BD59-A6C34878D82A}">
+                    <a16:rowId xmlns:a16="http://schemas.microsoft.com/office/drawing/2014/main" val="3270629324"/>
+                  </a:ext>
+                </a:extLst>
+              </a:tr>
+              <a:tr h="617497">
+                <a:tc>
+                  <a:txBody>
+                    <a:bodyPr/>
+                    <a:lstStyle/>
+                    <a:p>
+                      <a:pPr algn="l" latinLnBrk="1"/>
+                      <a:r>
+                        <a:rPr lang="en-US" altLang="ko-KR" sz="1400" err="1">
+                          <a:latin typeface="맑은 고딕" panose="020B0503020000020004" pitchFamily="50" charset="-127"/>
+                          <a:ea typeface="맑은 고딕" panose="020B0503020000020004" pitchFamily="50" charset="-127"/>
+                        </a:rPr>
+                        <a:t>object.member</a:t>
+                      </a:r>
+                      <a:endParaRPr lang="en-US" altLang="ko-KR" sz="1400">
+                        <a:latin typeface="맑은 고딕" panose="020B0503020000020004" pitchFamily="50" charset="-127"/>
+                        <a:ea typeface="맑은 고딕" panose="020B0503020000020004" pitchFamily="50" charset="-127"/>
+                      </a:endParaRPr>
+                    </a:p>
+                    <a:p>
+                      <a:pPr algn="l" latinLnBrk="1"/>
+                      <a:r>
+                        <a:rPr lang="en-US" altLang="ko-KR" sz="1400">
+                          <a:latin typeface="맑은 고딕" panose="020B0503020000020004" pitchFamily="50" charset="-127"/>
+                          <a:ea typeface="맑은 고딕" panose="020B0503020000020004" pitchFamily="50" charset="-127"/>
+                        </a:rPr>
+                        <a:t>type(expr list)</a:t>
+                      </a:r>
+                    </a:p>
+                    <a:p>
+                      <a:pPr algn="l" latinLnBrk="1"/>
+                      <a:r>
+                        <a:rPr lang="en-US" altLang="ko-KR" sz="1400">
+                          <a:latin typeface="맑은 고딕" panose="020B0503020000020004" pitchFamily="50" charset="-127"/>
+                          <a:ea typeface="맑은 고딕" panose="020B0503020000020004" pitchFamily="50" charset="-127"/>
+                        </a:rPr>
+                        <a:t>*_cast&lt;type&gt;(expr)</a:t>
+                      </a:r>
+                      <a:endParaRPr lang="ko-KR" altLang="en-US" sz="1400">
+                        <a:latin typeface="맑은 고딕" panose="020B0503020000020004" pitchFamily="50" charset="-127"/>
+                        <a:ea typeface="맑은 고딕" panose="020B0503020000020004" pitchFamily="50" charset="-127"/>
+                      </a:endParaRPr>
+                    </a:p>
+                  </a:txBody>
+                  <a:tcPr marT="0" marB="0"/>
+                </a:tc>
+                <a:tc>
+                  <a:txBody>
+                    <a:bodyPr/>
+                    <a:lstStyle/>
+                    <a:p>
+                      <a:pPr algn="l" latinLnBrk="1"/>
+                      <a:r>
+                        <a:rPr lang="en-US" altLang="ko-KR" sz="1400">
+                          <a:latin typeface="맑은 고딕" panose="020B0503020000020004" pitchFamily="50" charset="-127"/>
+                          <a:ea typeface="맑은 고딕" panose="020B0503020000020004" pitchFamily="50" charset="-127"/>
+                        </a:rPr>
+                        <a:t>pointer-&gt;member</a:t>
+                      </a:r>
+                    </a:p>
+                    <a:p>
+                      <a:pPr algn="l" latinLnBrk="1"/>
+                      <a:r>
+                        <a:rPr lang="en-US" altLang="ko-KR" sz="1400" err="1">
+                          <a:latin typeface="맑은 고딕" panose="020B0503020000020004" pitchFamily="50" charset="-127"/>
+                          <a:ea typeface="맑은 고딕" panose="020B0503020000020004" pitchFamily="50" charset="-127"/>
+                        </a:rPr>
+                        <a:t>lvalue</a:t>
+                      </a:r>
+                      <a:r>
+                        <a:rPr lang="en-US" altLang="ko-KR" sz="1400">
+                          <a:latin typeface="맑은 고딕" panose="020B0503020000020004" pitchFamily="50" charset="-127"/>
+                          <a:ea typeface="맑은 고딕" panose="020B0503020000020004" pitchFamily="50" charset="-127"/>
+                        </a:rPr>
+                        <a:t>++</a:t>
+                      </a:r>
+                      <a:endParaRPr lang="ko-KR" altLang="en-US" sz="1400">
+                        <a:latin typeface="맑은 고딕" panose="020B0503020000020004" pitchFamily="50" charset="-127"/>
+                        <a:ea typeface="맑은 고딕" panose="020B0503020000020004" pitchFamily="50" charset="-127"/>
+                      </a:endParaRPr>
+                    </a:p>
+                  </a:txBody>
+                  <a:tcPr marT="0" marB="0"/>
+                </a:tc>
+                <a:tc>
+                  <a:txBody>
+                    <a:bodyPr/>
+                    <a:lstStyle/>
+                    <a:p>
+                      <a:pPr algn="l" latinLnBrk="1"/>
+                      <a:r>
+                        <a:rPr lang="en-US" altLang="ko-KR" sz="1400">
+                          <a:latin typeface="맑은 고딕" panose="020B0503020000020004" pitchFamily="50" charset="-127"/>
+                          <a:ea typeface="맑은 고딕" panose="020B0503020000020004" pitchFamily="50" charset="-127"/>
+                        </a:rPr>
+                        <a:t>expr[expr]</a:t>
+                      </a:r>
+                    </a:p>
+                    <a:p>
+                      <a:pPr algn="l" latinLnBrk="1"/>
+                      <a:r>
+                        <a:rPr lang="en-US" altLang="ko-KR" sz="1400" err="1">
+                          <a:latin typeface="맑은 고딕" panose="020B0503020000020004" pitchFamily="50" charset="-127"/>
+                          <a:ea typeface="맑은 고딕" panose="020B0503020000020004" pitchFamily="50" charset="-127"/>
+                        </a:rPr>
+                        <a:t>lvalue</a:t>
+                      </a:r>
+                      <a:r>
+                        <a:rPr lang="en-US" altLang="ko-KR" sz="1400">
+                          <a:latin typeface="맑은 고딕" panose="020B0503020000020004" pitchFamily="50" charset="-127"/>
+                          <a:ea typeface="맑은 고딕" panose="020B0503020000020004" pitchFamily="50" charset="-127"/>
+                        </a:rPr>
+                        <a:t>--</a:t>
+                      </a:r>
+                      <a:endParaRPr lang="ko-KR" altLang="en-US" sz="1400">
+                        <a:latin typeface="맑은 고딕" panose="020B0503020000020004" pitchFamily="50" charset="-127"/>
+                        <a:ea typeface="맑은 고딕" panose="020B0503020000020004" pitchFamily="50" charset="-127"/>
+                      </a:endParaRPr>
+                    </a:p>
+                  </a:txBody>
+                  <a:tcPr marT="0" marB="0"/>
+                </a:tc>
+                <a:tc>
+                  <a:txBody>
+                    <a:bodyPr/>
+                    <a:lstStyle/>
+                    <a:p>
+                      <a:pPr algn="l" latinLnBrk="1"/>
+                      <a:r>
+                        <a:rPr lang="en-US" altLang="ko-KR" sz="1400">
+                          <a:latin typeface="맑은 고딕" panose="020B0503020000020004" pitchFamily="50" charset="-127"/>
+                          <a:ea typeface="맑은 고딕" panose="020B0503020000020004" pitchFamily="50" charset="-127"/>
+                        </a:rPr>
+                        <a:t>expr(expr list)</a:t>
+                      </a:r>
+                    </a:p>
+                    <a:p>
+                      <a:pPr algn="l" latinLnBrk="1"/>
+                      <a:r>
+                        <a:rPr lang="en-US" altLang="ko-KR" sz="1400" err="1">
+                          <a:latin typeface="맑은 고딕" panose="020B0503020000020004" pitchFamily="50" charset="-127"/>
+                          <a:ea typeface="맑은 고딕" panose="020B0503020000020004" pitchFamily="50" charset="-127"/>
+                        </a:rPr>
+                        <a:t>typeid</a:t>
+                      </a:r>
+                      <a:r>
+                        <a:rPr lang="en-US" altLang="ko-KR" sz="1400">
+                          <a:latin typeface="맑은 고딕" panose="020B0503020000020004" pitchFamily="50" charset="-127"/>
+                          <a:ea typeface="맑은 고딕" panose="020B0503020000020004" pitchFamily="50" charset="-127"/>
+                        </a:rPr>
+                        <a:t>(type/expr)</a:t>
+                      </a:r>
+                      <a:endParaRPr lang="ko-KR" altLang="en-US" sz="1400">
+                        <a:latin typeface="맑은 고딕" panose="020B0503020000020004" pitchFamily="50" charset="-127"/>
+                        <a:ea typeface="맑은 고딕" panose="020B0503020000020004" pitchFamily="50" charset="-127"/>
+                      </a:endParaRPr>
+                    </a:p>
+                  </a:txBody>
+                  <a:tcPr marT="0" marB="0"/>
+                </a:tc>
+                <a:extLst>
+                  <a:ext uri="{0D108BD9-81ED-4DB2-BD59-A6C34878D82A}">
+                    <a16:rowId xmlns:a16="http://schemas.microsoft.com/office/drawing/2014/main" val="3213250256"/>
+                  </a:ext>
+                </a:extLst>
+              </a:tr>
+              <a:tr h="823330">
+                <a:tc>
+                  <a:txBody>
+                    <a:bodyPr/>
+                    <a:lstStyle/>
+                    <a:p>
+                      <a:pPr algn="l" latinLnBrk="1"/>
+                      <a:r>
+                        <a:rPr lang="en-US" altLang="ko-KR" sz="1400" err="1">
+                          <a:latin typeface="맑은 고딕" panose="020B0503020000020004" pitchFamily="50" charset="-127"/>
+                          <a:ea typeface="맑은 고딕" panose="020B0503020000020004" pitchFamily="50" charset="-127"/>
+                        </a:rPr>
+                        <a:t>sizeof</a:t>
+                      </a:r>
+                      <a:r>
+                        <a:rPr lang="en-US" altLang="ko-KR" sz="1400">
+                          <a:latin typeface="맑은 고딕" panose="020B0503020000020004" pitchFamily="50" charset="-127"/>
+                          <a:ea typeface="맑은 고딕" panose="020B0503020000020004" pitchFamily="50" charset="-127"/>
+                        </a:rPr>
+                        <a:t> expr</a:t>
+                      </a:r>
+                    </a:p>
+                    <a:p>
+                      <a:pPr algn="l" latinLnBrk="1"/>
+                      <a:r>
+                        <a:rPr lang="en-US" altLang="ko-KR" sz="1400">
+                          <a:latin typeface="맑은 고딕" panose="020B0503020000020004" pitchFamily="50" charset="-127"/>
+                          <a:ea typeface="맑은 고딕" panose="020B0503020000020004" pitchFamily="50" charset="-127"/>
+                        </a:rPr>
+                        <a:t>++</a:t>
+                      </a:r>
+                      <a:r>
+                        <a:rPr lang="en-US" altLang="ko-KR" sz="1400" err="1">
+                          <a:latin typeface="맑은 고딕" panose="020B0503020000020004" pitchFamily="50" charset="-127"/>
+                          <a:ea typeface="맑은 고딕" panose="020B0503020000020004" pitchFamily="50" charset="-127"/>
+                        </a:rPr>
+                        <a:t>lvalue</a:t>
+                      </a:r>
+                      <a:endParaRPr lang="en-US" altLang="ko-KR" sz="1400">
+                        <a:latin typeface="맑은 고딕" panose="020B0503020000020004" pitchFamily="50" charset="-127"/>
+                        <a:ea typeface="맑은 고딕" panose="020B0503020000020004" pitchFamily="50" charset="-127"/>
+                      </a:endParaRPr>
+                    </a:p>
+                    <a:p>
+                      <a:pPr algn="l" latinLnBrk="1"/>
+                      <a:r>
+                        <a:rPr lang="en-US" altLang="ko-KR" sz="1400">
+                          <a:latin typeface="맑은 고딕" panose="020B0503020000020004" pitchFamily="50" charset="-127"/>
+                          <a:ea typeface="맑은 고딕" panose="020B0503020000020004" pitchFamily="50" charset="-127"/>
+                        </a:rPr>
+                        <a:t>-expr</a:t>
+                      </a:r>
+                    </a:p>
+                    <a:p>
+                      <a:pPr algn="l" latinLnBrk="1"/>
+                      <a:r>
+                        <a:rPr lang="en-US" altLang="ko-KR" sz="1400">
+                          <a:latin typeface="맑은 고딕" panose="020B0503020000020004" pitchFamily="50" charset="-127"/>
+                          <a:ea typeface="맑은 고딕" panose="020B0503020000020004" pitchFamily="50" charset="-127"/>
+                        </a:rPr>
+                        <a:t>new ... type ...</a:t>
+                      </a:r>
+                      <a:endParaRPr lang="ko-KR" altLang="en-US" sz="1400">
+                        <a:latin typeface="맑은 고딕" panose="020B0503020000020004" pitchFamily="50" charset="-127"/>
+                        <a:ea typeface="맑은 고딕" panose="020B0503020000020004" pitchFamily="50" charset="-127"/>
+                      </a:endParaRPr>
+                    </a:p>
+                  </a:txBody>
+                  <a:tcPr marT="0" marB="0"/>
+                </a:tc>
+                <a:tc>
+                  <a:txBody>
+                    <a:bodyPr/>
+                    <a:lstStyle/>
+                    <a:p>
+                      <a:pPr algn="l" latinLnBrk="1"/>
+                      <a:r>
+                        <a:rPr lang="en-US" altLang="ko-KR" sz="1400" err="1">
+                          <a:latin typeface="맑은 고딕" panose="020B0503020000020004" pitchFamily="50" charset="-127"/>
+                          <a:ea typeface="맑은 고딕" panose="020B0503020000020004" pitchFamily="50" charset="-127"/>
+                        </a:rPr>
+                        <a:t>sizeof</a:t>
+                      </a:r>
+                      <a:r>
+                        <a:rPr lang="en-US" altLang="ko-KR" sz="1400">
+                          <a:latin typeface="맑은 고딕" panose="020B0503020000020004" pitchFamily="50" charset="-127"/>
+                          <a:ea typeface="맑은 고딕" panose="020B0503020000020004" pitchFamily="50" charset="-127"/>
+                        </a:rPr>
+                        <a:t>(type)</a:t>
+                      </a:r>
+                    </a:p>
+                    <a:p>
+                      <a:pPr algn="l" latinLnBrk="1"/>
+                      <a:r>
+                        <a:rPr lang="en-US" altLang="ko-KR" sz="1400">
+                          <a:latin typeface="맑은 고딕" panose="020B0503020000020004" pitchFamily="50" charset="-127"/>
+                          <a:ea typeface="맑은 고딕" panose="020B0503020000020004" pitchFamily="50" charset="-127"/>
+                        </a:rPr>
+                        <a:t>--</a:t>
+                      </a:r>
+                      <a:r>
+                        <a:rPr lang="en-US" altLang="ko-KR" sz="1400" err="1">
+                          <a:latin typeface="맑은 고딕" panose="020B0503020000020004" pitchFamily="50" charset="-127"/>
+                          <a:ea typeface="맑은 고딕" panose="020B0503020000020004" pitchFamily="50" charset="-127"/>
+                        </a:rPr>
+                        <a:t>lvalue</a:t>
+                      </a:r>
+                      <a:endParaRPr lang="en-US" altLang="ko-KR" sz="1400">
+                        <a:latin typeface="맑은 고딕" panose="020B0503020000020004" pitchFamily="50" charset="-127"/>
+                        <a:ea typeface="맑은 고딕" panose="020B0503020000020004" pitchFamily="50" charset="-127"/>
+                      </a:endParaRPr>
+                    </a:p>
+                    <a:p>
+                      <a:pPr algn="l" latinLnBrk="1"/>
+                      <a:r>
+                        <a:rPr lang="en-US" altLang="ko-KR" sz="1400">
+                          <a:latin typeface="맑은 고딕" panose="020B0503020000020004" pitchFamily="50" charset="-127"/>
+                          <a:ea typeface="맑은 고딕" panose="020B0503020000020004" pitchFamily="50" charset="-127"/>
+                        </a:rPr>
+                        <a:t>+expr</a:t>
+                      </a:r>
+                    </a:p>
+                    <a:p>
+                      <a:pPr algn="l" latinLnBrk="1"/>
+                      <a:r>
+                        <a:rPr lang="en-US" altLang="ko-KR" sz="1400">
+                          <a:latin typeface="맑은 고딕" panose="020B0503020000020004" pitchFamily="50" charset="-127"/>
+                          <a:ea typeface="맑은 고딕" panose="020B0503020000020004" pitchFamily="50" charset="-127"/>
+                        </a:rPr>
+                        <a:t>delete [] opt pointer</a:t>
+                      </a:r>
+                      <a:endParaRPr lang="ko-KR" altLang="en-US" sz="1400">
+                        <a:latin typeface="맑은 고딕" panose="020B0503020000020004" pitchFamily="50" charset="-127"/>
+                        <a:ea typeface="맑은 고딕" panose="020B0503020000020004" pitchFamily="50" charset="-127"/>
+                      </a:endParaRPr>
+                    </a:p>
+                  </a:txBody>
+                  <a:tcPr marT="0" marB="0"/>
+                </a:tc>
+                <a:tc>
+                  <a:txBody>
+                    <a:bodyPr/>
+                    <a:lstStyle/>
+                    <a:p>
+                      <a:pPr algn="l" latinLnBrk="1"/>
+                      <a:r>
+                        <a:rPr lang="en-US" altLang="ko-KR" sz="1400" err="1">
+                          <a:latin typeface="맑은 고딕" panose="020B0503020000020004" pitchFamily="50" charset="-127"/>
+                          <a:ea typeface="맑은 고딕" panose="020B0503020000020004" pitchFamily="50" charset="-127"/>
+                        </a:rPr>
+                        <a:t>sizeof</a:t>
+                      </a:r>
+                      <a:r>
+                        <a:rPr lang="en-US" altLang="ko-KR" sz="1400">
+                          <a:latin typeface="맑은 고딕" panose="020B0503020000020004" pitchFamily="50" charset="-127"/>
+                          <a:ea typeface="맑은 고딕" panose="020B0503020000020004" pitchFamily="50" charset="-127"/>
+                        </a:rPr>
+                        <a:t>...(pack)</a:t>
+                      </a:r>
+                    </a:p>
+                    <a:p>
+                      <a:pPr algn="l" latinLnBrk="1"/>
+                      <a:r>
+                        <a:rPr lang="en-US" altLang="ko-KR" sz="1400">
+                          <a:latin typeface="맑은 고딕" panose="020B0503020000020004" pitchFamily="50" charset="-127"/>
+                          <a:ea typeface="맑은 고딕" panose="020B0503020000020004" pitchFamily="50" charset="-127"/>
+                        </a:rPr>
+                        <a:t>~expr</a:t>
+                      </a:r>
+                    </a:p>
+                    <a:p>
+                      <a:pPr algn="l" latinLnBrk="1"/>
+                      <a:r>
+                        <a:rPr lang="en-US" altLang="ko-KR" sz="1400">
+                          <a:latin typeface="맑은 고딕" panose="020B0503020000020004" pitchFamily="50" charset="-127"/>
+                          <a:ea typeface="맑은 고딕" panose="020B0503020000020004" pitchFamily="50" charset="-127"/>
+                        </a:rPr>
+                        <a:t>&amp;</a:t>
+                      </a:r>
+                      <a:r>
+                        <a:rPr lang="en-US" altLang="ko-KR" sz="1400" err="1">
+                          <a:latin typeface="맑은 고딕" panose="020B0503020000020004" pitchFamily="50" charset="-127"/>
+                          <a:ea typeface="맑은 고딕" panose="020B0503020000020004" pitchFamily="50" charset="-127"/>
+                        </a:rPr>
+                        <a:t>lvalue</a:t>
+                      </a:r>
+                      <a:endParaRPr lang="en-US" altLang="ko-KR" sz="1400">
+                        <a:latin typeface="맑은 고딕" panose="020B0503020000020004" pitchFamily="50" charset="-127"/>
+                        <a:ea typeface="맑은 고딕" panose="020B0503020000020004" pitchFamily="50" charset="-127"/>
+                      </a:endParaRPr>
+                    </a:p>
+                    <a:p>
+                      <a:pPr algn="l" latinLnBrk="1"/>
+                      <a:r>
+                        <a:rPr lang="en-US" altLang="ko-KR" sz="1400">
+                          <a:latin typeface="맑은 고딕" panose="020B0503020000020004" pitchFamily="50" charset="-127"/>
+                          <a:ea typeface="맑은 고딕" panose="020B0503020000020004" pitchFamily="50" charset="-127"/>
+                        </a:rPr>
+                        <a:t>(type) expr</a:t>
+                      </a:r>
+                      <a:endParaRPr lang="ko-KR" altLang="en-US" sz="1400">
+                        <a:latin typeface="맑은 고딕" panose="020B0503020000020004" pitchFamily="50" charset="-127"/>
+                        <a:ea typeface="맑은 고딕" panose="020B0503020000020004" pitchFamily="50" charset="-127"/>
+                      </a:endParaRPr>
+                    </a:p>
+                  </a:txBody>
+                  <a:tcPr marT="0" marB="0"/>
+                </a:tc>
+                <a:tc>
+                  <a:txBody>
+                    <a:bodyPr/>
+                    <a:lstStyle/>
+                    <a:p>
+                      <a:pPr algn="l" latinLnBrk="1"/>
+                      <a:r>
+                        <a:rPr lang="en-US" altLang="ko-KR" sz="1400" err="1">
+                          <a:latin typeface="맑은 고딕" panose="020B0503020000020004" pitchFamily="50" charset="-127"/>
+                          <a:ea typeface="맑은 고딕" panose="020B0503020000020004" pitchFamily="50" charset="-127"/>
+                        </a:rPr>
+                        <a:t>alignof</a:t>
+                      </a:r>
+                      <a:r>
+                        <a:rPr lang="en-US" altLang="ko-KR" sz="1400">
+                          <a:latin typeface="맑은 고딕" panose="020B0503020000020004" pitchFamily="50" charset="-127"/>
+                          <a:ea typeface="맑은 고딕" panose="020B0503020000020004" pitchFamily="50" charset="-127"/>
+                        </a:rPr>
+                        <a:t>(type/expr)</a:t>
+                      </a:r>
+                    </a:p>
+                    <a:p>
+                      <a:pPr algn="l" latinLnBrk="1"/>
+                      <a:r>
+                        <a:rPr lang="en-US" altLang="ko-KR" sz="1400">
+                          <a:latin typeface="맑은 고딕" panose="020B0503020000020004" pitchFamily="50" charset="-127"/>
+                          <a:ea typeface="맑은 고딕" panose="020B0503020000020004" pitchFamily="50" charset="-127"/>
+                        </a:rPr>
+                        <a:t>!expr</a:t>
+                      </a:r>
+                    </a:p>
+                    <a:p>
+                      <a:pPr algn="l" latinLnBrk="1"/>
+                      <a:r>
+                        <a:rPr lang="en-US" altLang="ko-KR" sz="1400">
+                          <a:latin typeface="맑은 고딕" panose="020B0503020000020004" pitchFamily="50" charset="-127"/>
+                          <a:ea typeface="맑은 고딕" panose="020B0503020000020004" pitchFamily="50" charset="-127"/>
+                        </a:rPr>
+                        <a:t>*expr</a:t>
+                      </a:r>
+                    </a:p>
+                  </a:txBody>
+                  <a:tcPr marT="0" marB="0"/>
+                </a:tc>
+                <a:extLst>
+                  <a:ext uri="{0D108BD9-81ED-4DB2-BD59-A6C34878D82A}">
+                    <a16:rowId xmlns:a16="http://schemas.microsoft.com/office/drawing/2014/main" val="1832891447"/>
+                  </a:ext>
+                </a:extLst>
+              </a:tr>
+              <a:tr h="205832">
+                <a:tc>
+                  <a:txBody>
+                    <a:bodyPr/>
+                    <a:lstStyle/>
+                    <a:p>
+                      <a:pPr algn="l" latinLnBrk="1"/>
+                      <a:r>
+                        <a:rPr lang="en-US" altLang="ko-KR" sz="1400">
+                          <a:latin typeface="맑은 고딕" panose="020B0503020000020004" pitchFamily="50" charset="-127"/>
+                          <a:ea typeface="맑은 고딕" panose="020B0503020000020004" pitchFamily="50" charset="-127"/>
+                        </a:rPr>
+                        <a:t>object.*member </a:t>
+                      </a:r>
+                      <a:r>
+                        <a:rPr lang="en-US" altLang="ko-KR" sz="1400" err="1">
+                          <a:latin typeface="맑은 고딕" panose="020B0503020000020004" pitchFamily="50" charset="-127"/>
+                          <a:ea typeface="맑은 고딕" panose="020B0503020000020004" pitchFamily="50" charset="-127"/>
+                        </a:rPr>
+                        <a:t>ptr</a:t>
+                      </a:r>
+                      <a:endParaRPr lang="ko-KR" altLang="en-US" sz="1400">
+                        <a:latin typeface="맑은 고딕" panose="020B0503020000020004" pitchFamily="50" charset="-127"/>
+                        <a:ea typeface="맑은 고딕" panose="020B0503020000020004" pitchFamily="50" charset="-127"/>
+                      </a:endParaRPr>
+                    </a:p>
+                  </a:txBody>
+                  <a:tcPr marT="0" marB="0"/>
+                </a:tc>
+                <a:tc>
+                  <a:txBody>
+                    <a:bodyPr/>
+                    <a:lstStyle/>
+                    <a:p>
+                      <a:pPr algn="l" latinLnBrk="1"/>
+                      <a:r>
+                        <a:rPr lang="en-US" altLang="ko-KR" sz="1400">
+                          <a:latin typeface="맑은 고딕" panose="020B0503020000020004" pitchFamily="50" charset="-127"/>
+                          <a:ea typeface="맑은 고딕" panose="020B0503020000020004" pitchFamily="50" charset="-127"/>
+                        </a:rPr>
+                        <a:t>pointer-&gt;*member </a:t>
+                      </a:r>
+                      <a:r>
+                        <a:rPr lang="en-US" altLang="ko-KR" sz="1400" err="1">
+                          <a:latin typeface="맑은 고딕" panose="020B0503020000020004" pitchFamily="50" charset="-127"/>
+                          <a:ea typeface="맑은 고딕" panose="020B0503020000020004" pitchFamily="50" charset="-127"/>
+                        </a:rPr>
+                        <a:t>ptr</a:t>
+                      </a:r>
+                      <a:endParaRPr lang="en-US" altLang="ko-KR" sz="1400">
+                        <a:latin typeface="맑은 고딕" panose="020B0503020000020004" pitchFamily="50" charset="-127"/>
+                        <a:ea typeface="맑은 고딕" panose="020B0503020000020004" pitchFamily="50" charset="-127"/>
+                      </a:endParaRPr>
+                    </a:p>
+                  </a:txBody>
+                  <a:tcPr marT="0" marB="0"/>
+                </a:tc>
+                <a:tc>
+                  <a:txBody>
+                    <a:bodyPr/>
+                    <a:lstStyle/>
+                    <a:p>
+                      <a:pPr algn="l" latinLnBrk="1"/>
+                      <a:endParaRPr lang="ko-KR" altLang="en-US" sz="1400">
+                        <a:latin typeface="맑은 고딕" panose="020B0503020000020004" pitchFamily="50" charset="-127"/>
+                        <a:ea typeface="맑은 고딕" panose="020B0503020000020004" pitchFamily="50" charset="-127"/>
+                      </a:endParaRPr>
+                    </a:p>
+                  </a:txBody>
+                  <a:tcPr marT="0" marB="0"/>
+                </a:tc>
+                <a:tc>
+                  <a:txBody>
+                    <a:bodyPr/>
+                    <a:lstStyle/>
+                    <a:p>
+                      <a:pPr algn="l" latinLnBrk="1"/>
+                      <a:endParaRPr lang="ko-KR" altLang="en-US" sz="1400">
+                        <a:latin typeface="맑은 고딕" panose="020B0503020000020004" pitchFamily="50" charset="-127"/>
+                        <a:ea typeface="맑은 고딕" panose="020B0503020000020004" pitchFamily="50" charset="-127"/>
+                      </a:endParaRPr>
+                    </a:p>
+                  </a:txBody>
+                  <a:tcPr marT="0" marB="0"/>
+                </a:tc>
+                <a:extLst>
+                  <a:ext uri="{0D108BD9-81ED-4DB2-BD59-A6C34878D82A}">
+                    <a16:rowId xmlns:a16="http://schemas.microsoft.com/office/drawing/2014/main" val="3635080449"/>
+                  </a:ext>
+                </a:extLst>
+              </a:tr>
+              <a:tr h="205832">
+                <a:tc>
+                  <a:txBody>
+                    <a:bodyPr/>
+                    <a:lstStyle/>
+                    <a:p>
+                      <a:pPr algn="l" latinLnBrk="1"/>
+                      <a:r>
+                        <a:rPr lang="en-US" altLang="ko-KR" sz="1400">
+                          <a:latin typeface="맑은 고딕" panose="020B0503020000020004" pitchFamily="50" charset="-127"/>
+                          <a:ea typeface="맑은 고딕" panose="020B0503020000020004" pitchFamily="50" charset="-127"/>
+                        </a:rPr>
+                        <a:t>expr * expr</a:t>
+                      </a:r>
+                      <a:endParaRPr lang="ko-KR" altLang="en-US" sz="1400">
+                        <a:latin typeface="맑은 고딕" panose="020B0503020000020004" pitchFamily="50" charset="-127"/>
+                        <a:ea typeface="맑은 고딕" panose="020B0503020000020004" pitchFamily="50" charset="-127"/>
+                      </a:endParaRPr>
+                    </a:p>
+                  </a:txBody>
+                  <a:tcPr marT="0" marB="0"/>
+                </a:tc>
+                <a:tc>
+                  <a:txBody>
+                    <a:bodyPr/>
+                    <a:lstStyle/>
+                    <a:p>
+                      <a:pPr algn="l" latinLnBrk="1"/>
+                      <a:r>
+                        <a:rPr lang="en-US" altLang="ko-KR" sz="1400">
+                          <a:latin typeface="맑은 고딕" panose="020B0503020000020004" pitchFamily="50" charset="-127"/>
+                          <a:ea typeface="맑은 고딕" panose="020B0503020000020004" pitchFamily="50" charset="-127"/>
+                        </a:rPr>
+                        <a:t>expr / expr</a:t>
+                      </a:r>
+                      <a:endParaRPr lang="ko-KR" altLang="en-US" sz="1400">
+                        <a:latin typeface="맑은 고딕" panose="020B0503020000020004" pitchFamily="50" charset="-127"/>
+                        <a:ea typeface="맑은 고딕" panose="020B0503020000020004" pitchFamily="50" charset="-127"/>
+                      </a:endParaRPr>
+                    </a:p>
+                  </a:txBody>
+                  <a:tcPr marT="0" marB="0"/>
+                </a:tc>
+                <a:tc>
+                  <a:txBody>
+                    <a:bodyPr/>
+                    <a:lstStyle/>
+                    <a:p>
+                      <a:pPr algn="l" latinLnBrk="1"/>
+                      <a:r>
+                        <a:rPr lang="en-US" altLang="ko-KR" sz="1400">
+                          <a:latin typeface="맑은 고딕" panose="020B0503020000020004" pitchFamily="50" charset="-127"/>
+                          <a:ea typeface="맑은 고딕" panose="020B0503020000020004" pitchFamily="50" charset="-127"/>
+                        </a:rPr>
+                        <a:t>expr % expr</a:t>
+                      </a:r>
+                      <a:endParaRPr lang="ko-KR" altLang="en-US" sz="1400">
+                        <a:latin typeface="맑은 고딕" panose="020B0503020000020004" pitchFamily="50" charset="-127"/>
+                        <a:ea typeface="맑은 고딕" panose="020B0503020000020004" pitchFamily="50" charset="-127"/>
+                      </a:endParaRPr>
+                    </a:p>
+                  </a:txBody>
+                  <a:tcPr marT="0" marB="0"/>
+                </a:tc>
+                <a:tc>
+                  <a:txBody>
+                    <a:bodyPr/>
+                    <a:lstStyle/>
+                    <a:p>
+                      <a:pPr algn="l" latinLnBrk="1"/>
+                      <a:endParaRPr lang="ko-KR" altLang="en-US" sz="1400">
+                        <a:latin typeface="맑은 고딕" panose="020B0503020000020004" pitchFamily="50" charset="-127"/>
+                        <a:ea typeface="맑은 고딕" panose="020B0503020000020004" pitchFamily="50" charset="-127"/>
+                      </a:endParaRPr>
+                    </a:p>
+                  </a:txBody>
+                  <a:tcPr marT="0" marB="0"/>
+                </a:tc>
+                <a:extLst>
+                  <a:ext uri="{0D108BD9-81ED-4DB2-BD59-A6C34878D82A}">
+                    <a16:rowId xmlns:a16="http://schemas.microsoft.com/office/drawing/2014/main" val="2239251096"/>
+                  </a:ext>
+                </a:extLst>
+              </a:tr>
+              <a:tr h="205832">
+                <a:tc>
+                  <a:txBody>
+                    <a:bodyPr/>
+                    <a:lstStyle/>
+                    <a:p>
+                      <a:pPr algn="l" latinLnBrk="1"/>
+                      <a:r>
+                        <a:rPr lang="en-US" altLang="ko-KR" sz="1400">
+                          <a:latin typeface="맑은 고딕" panose="020B0503020000020004" pitchFamily="50" charset="-127"/>
+                          <a:ea typeface="맑은 고딕" panose="020B0503020000020004" pitchFamily="50" charset="-127"/>
+                        </a:rPr>
+                        <a:t>expr+ expr</a:t>
+                      </a:r>
+                      <a:endParaRPr lang="ko-KR" altLang="en-US" sz="1400">
+                        <a:latin typeface="맑은 고딕" panose="020B0503020000020004" pitchFamily="50" charset="-127"/>
+                        <a:ea typeface="맑은 고딕" panose="020B0503020000020004" pitchFamily="50" charset="-127"/>
+                      </a:endParaRPr>
+                    </a:p>
+                  </a:txBody>
+                  <a:tcPr marT="0" marB="0"/>
+                </a:tc>
+                <a:tc>
+                  <a:txBody>
+                    <a:bodyPr/>
+                    <a:lstStyle/>
+                    <a:p>
+                      <a:pPr algn="l" latinLnBrk="1"/>
+                      <a:r>
+                        <a:rPr lang="en-US" altLang="ko-KR" sz="1400">
+                          <a:latin typeface="맑은 고딕" panose="020B0503020000020004" pitchFamily="50" charset="-127"/>
+                          <a:ea typeface="맑은 고딕" panose="020B0503020000020004" pitchFamily="50" charset="-127"/>
+                        </a:rPr>
+                        <a:t>expr - expr</a:t>
+                      </a:r>
+                      <a:endParaRPr lang="ko-KR" altLang="en-US" sz="1400">
+                        <a:latin typeface="맑은 고딕" panose="020B0503020000020004" pitchFamily="50" charset="-127"/>
+                        <a:ea typeface="맑은 고딕" panose="020B0503020000020004" pitchFamily="50" charset="-127"/>
+                      </a:endParaRPr>
+                    </a:p>
+                  </a:txBody>
+                  <a:tcPr marT="0" marB="0"/>
+                </a:tc>
+                <a:tc>
+                  <a:txBody>
+                    <a:bodyPr/>
+                    <a:lstStyle/>
+                    <a:p>
+                      <a:pPr algn="l" latinLnBrk="1"/>
+                      <a:endParaRPr lang="ko-KR" altLang="en-US" sz="1400">
+                        <a:latin typeface="맑은 고딕" panose="020B0503020000020004" pitchFamily="50" charset="-127"/>
+                        <a:ea typeface="맑은 고딕" panose="020B0503020000020004" pitchFamily="50" charset="-127"/>
+                      </a:endParaRPr>
+                    </a:p>
+                  </a:txBody>
+                  <a:tcPr marT="0" marB="0"/>
+                </a:tc>
+                <a:tc>
+                  <a:txBody>
+                    <a:bodyPr/>
+                    <a:lstStyle/>
+                    <a:p>
+                      <a:pPr algn="l" latinLnBrk="1"/>
+                      <a:endParaRPr lang="ko-KR" altLang="en-US" sz="1400">
+                        <a:latin typeface="맑은 고딕" panose="020B0503020000020004" pitchFamily="50" charset="-127"/>
+                        <a:ea typeface="맑은 고딕" panose="020B0503020000020004" pitchFamily="50" charset="-127"/>
+                      </a:endParaRPr>
+                    </a:p>
+                  </a:txBody>
+                  <a:tcPr marT="0" marB="0"/>
+                </a:tc>
+                <a:extLst>
+                  <a:ext uri="{0D108BD9-81ED-4DB2-BD59-A6C34878D82A}">
+                    <a16:rowId xmlns:a16="http://schemas.microsoft.com/office/drawing/2014/main" val="63699936"/>
+                  </a:ext>
+                </a:extLst>
+              </a:tr>
+              <a:tr h="205832">
+                <a:tc>
+                  <a:txBody>
+                    <a:bodyPr/>
+                    <a:lstStyle/>
+                    <a:p>
+                      <a:pPr algn="l" latinLnBrk="1"/>
+                      <a:r>
+                        <a:rPr lang="en-US" altLang="ko-KR" sz="1400">
+                          <a:latin typeface="맑은 고딕" panose="020B0503020000020004" pitchFamily="50" charset="-127"/>
+                          <a:ea typeface="맑은 고딕" panose="020B0503020000020004" pitchFamily="50" charset="-127"/>
+                        </a:rPr>
+                        <a:t>expr &lt;&lt; expr</a:t>
+                      </a:r>
+                      <a:endParaRPr lang="ko-KR" altLang="en-US" sz="1400">
+                        <a:latin typeface="맑은 고딕" panose="020B0503020000020004" pitchFamily="50" charset="-127"/>
+                        <a:ea typeface="맑은 고딕" panose="020B0503020000020004" pitchFamily="50" charset="-127"/>
+                      </a:endParaRPr>
+                    </a:p>
+                  </a:txBody>
+                  <a:tcPr marT="0" marB="0"/>
+                </a:tc>
+                <a:tc>
+                  <a:txBody>
+                    <a:bodyPr/>
+                    <a:lstStyle/>
+                    <a:p>
+                      <a:pPr algn="l" latinLnBrk="1"/>
+                      <a:r>
+                        <a:rPr lang="en-US" altLang="ko-KR" sz="1400">
+                          <a:latin typeface="맑은 고딕" panose="020B0503020000020004" pitchFamily="50" charset="-127"/>
+                          <a:ea typeface="맑은 고딕" panose="020B0503020000020004" pitchFamily="50" charset="-127"/>
+                        </a:rPr>
+                        <a:t>expr &gt;&gt; expr</a:t>
+                      </a:r>
+                      <a:endParaRPr lang="ko-KR" altLang="en-US" sz="1400">
+                        <a:latin typeface="맑은 고딕" panose="020B0503020000020004" pitchFamily="50" charset="-127"/>
+                        <a:ea typeface="맑은 고딕" panose="020B0503020000020004" pitchFamily="50" charset="-127"/>
+                      </a:endParaRPr>
+                    </a:p>
+                  </a:txBody>
+                  <a:tcPr marT="0" marB="0"/>
+                </a:tc>
+                <a:tc>
+                  <a:txBody>
+                    <a:bodyPr/>
+                    <a:lstStyle/>
+                    <a:p>
+                      <a:pPr algn="l" latinLnBrk="1"/>
+                      <a:endParaRPr lang="ko-KR" altLang="en-US" sz="1400">
+                        <a:latin typeface="맑은 고딕" panose="020B0503020000020004" pitchFamily="50" charset="-127"/>
+                        <a:ea typeface="맑은 고딕" panose="020B0503020000020004" pitchFamily="50" charset="-127"/>
+                      </a:endParaRPr>
+                    </a:p>
+                  </a:txBody>
+                  <a:tcPr marT="0" marB="0"/>
+                </a:tc>
+                <a:tc>
+                  <a:txBody>
+                    <a:bodyPr/>
+                    <a:lstStyle/>
+                    <a:p>
+                      <a:pPr algn="l" latinLnBrk="1"/>
+                      <a:endParaRPr lang="ko-KR" altLang="en-US" sz="1400">
+                        <a:latin typeface="맑은 고딕" panose="020B0503020000020004" pitchFamily="50" charset="-127"/>
+                        <a:ea typeface="맑은 고딕" panose="020B0503020000020004" pitchFamily="50" charset="-127"/>
+                      </a:endParaRPr>
+                    </a:p>
+                  </a:txBody>
+                  <a:tcPr marT="0" marB="0"/>
+                </a:tc>
+                <a:extLst>
+                  <a:ext uri="{0D108BD9-81ED-4DB2-BD59-A6C34878D82A}">
+                    <a16:rowId xmlns:a16="http://schemas.microsoft.com/office/drawing/2014/main" val="2361169902"/>
+                  </a:ext>
+                </a:extLst>
+              </a:tr>
+              <a:tr h="205832">
+                <a:tc>
+                  <a:txBody>
+                    <a:bodyPr/>
+                    <a:lstStyle/>
+                    <a:p>
+                      <a:pPr algn="l" latinLnBrk="1"/>
+                      <a:r>
+                        <a:rPr lang="en-US" altLang="ko-KR" sz="1400">
+                          <a:latin typeface="맑은 고딕" panose="020B0503020000020004" pitchFamily="50" charset="-127"/>
+                          <a:ea typeface="맑은 고딕" panose="020B0503020000020004" pitchFamily="50" charset="-127"/>
+                        </a:rPr>
+                        <a:t>expr &lt; expr</a:t>
+                      </a:r>
+                      <a:endParaRPr lang="ko-KR" altLang="en-US" sz="1400">
+                        <a:latin typeface="맑은 고딕" panose="020B0503020000020004" pitchFamily="50" charset="-127"/>
+                        <a:ea typeface="맑은 고딕" panose="020B0503020000020004" pitchFamily="50" charset="-127"/>
+                      </a:endParaRPr>
+                    </a:p>
+                  </a:txBody>
+                  <a:tcPr marT="0" marB="0"/>
+                </a:tc>
+                <a:tc>
+                  <a:txBody>
+                    <a:bodyPr/>
+                    <a:lstStyle/>
+                    <a:p>
+                      <a:pPr algn="l" latinLnBrk="1"/>
+                      <a:r>
+                        <a:rPr lang="en-US" altLang="ko-KR" sz="1400">
+                          <a:latin typeface="맑은 고딕" panose="020B0503020000020004" pitchFamily="50" charset="-127"/>
+                          <a:ea typeface="맑은 고딕" panose="020B0503020000020004" pitchFamily="50" charset="-127"/>
+                        </a:rPr>
+                        <a:t>expr &lt;= expr</a:t>
+                      </a:r>
+                      <a:endParaRPr lang="ko-KR" altLang="en-US" sz="1400">
+                        <a:latin typeface="맑은 고딕" panose="020B0503020000020004" pitchFamily="50" charset="-127"/>
+                        <a:ea typeface="맑은 고딕" panose="020B0503020000020004" pitchFamily="50" charset="-127"/>
+                      </a:endParaRPr>
+                    </a:p>
+                  </a:txBody>
+                  <a:tcPr marT="0" marB="0"/>
+                </a:tc>
+                <a:tc>
+                  <a:txBody>
+                    <a:bodyPr/>
+                    <a:lstStyle/>
+                    <a:p>
+                      <a:pPr algn="l" latinLnBrk="1"/>
+                      <a:r>
+                        <a:rPr lang="en-US" altLang="ko-KR" sz="1400">
+                          <a:latin typeface="맑은 고딕" panose="020B0503020000020004" pitchFamily="50" charset="-127"/>
+                          <a:ea typeface="맑은 고딕" panose="020B0503020000020004" pitchFamily="50" charset="-127"/>
+                        </a:rPr>
+                        <a:t>expr &gt; expr</a:t>
+                      </a:r>
+                      <a:endParaRPr lang="ko-KR" altLang="en-US" sz="1400">
+                        <a:latin typeface="맑은 고딕" panose="020B0503020000020004" pitchFamily="50" charset="-127"/>
+                        <a:ea typeface="맑은 고딕" panose="020B0503020000020004" pitchFamily="50" charset="-127"/>
+                      </a:endParaRPr>
+                    </a:p>
+                  </a:txBody>
+                  <a:tcPr marT="0" marB="0"/>
+                </a:tc>
+                <a:tc>
+                  <a:txBody>
+                    <a:bodyPr/>
+                    <a:lstStyle/>
+                    <a:p>
+                      <a:pPr algn="l" latinLnBrk="1"/>
+                      <a:r>
+                        <a:rPr lang="en-US" altLang="ko-KR" sz="1400">
+                          <a:latin typeface="맑은 고딕" panose="020B0503020000020004" pitchFamily="50" charset="-127"/>
+                          <a:ea typeface="맑은 고딕" panose="020B0503020000020004" pitchFamily="50" charset="-127"/>
+                        </a:rPr>
+                        <a:t>expr &gt;= expr</a:t>
+                      </a:r>
+                      <a:endParaRPr lang="ko-KR" altLang="en-US" sz="1400">
+                        <a:latin typeface="맑은 고딕" panose="020B0503020000020004" pitchFamily="50" charset="-127"/>
+                        <a:ea typeface="맑은 고딕" panose="020B0503020000020004" pitchFamily="50" charset="-127"/>
+                      </a:endParaRPr>
+                    </a:p>
+                  </a:txBody>
+                  <a:tcPr marT="0" marB="0"/>
+                </a:tc>
+                <a:extLst>
+                  <a:ext uri="{0D108BD9-81ED-4DB2-BD59-A6C34878D82A}">
+                    <a16:rowId xmlns:a16="http://schemas.microsoft.com/office/drawing/2014/main" val="3681935204"/>
+                  </a:ext>
+                </a:extLst>
+              </a:tr>
+              <a:tr h="205832">
+                <a:tc>
+                  <a:txBody>
+                    <a:bodyPr/>
+                    <a:lstStyle/>
+                    <a:p>
+                      <a:pPr algn="l" latinLnBrk="1"/>
+                      <a:r>
+                        <a:rPr lang="en-US" altLang="ko-KR" sz="1400">
+                          <a:latin typeface="맑은 고딕" panose="020B0503020000020004" pitchFamily="50" charset="-127"/>
+                          <a:ea typeface="맑은 고딕" panose="020B0503020000020004" pitchFamily="50" charset="-127"/>
+                        </a:rPr>
+                        <a:t>expr == expr</a:t>
+                      </a:r>
+                      <a:endParaRPr lang="ko-KR" altLang="en-US" sz="1400">
+                        <a:latin typeface="맑은 고딕" panose="020B0503020000020004" pitchFamily="50" charset="-127"/>
+                        <a:ea typeface="맑은 고딕" panose="020B0503020000020004" pitchFamily="50" charset="-127"/>
+                      </a:endParaRPr>
+                    </a:p>
+                  </a:txBody>
+                  <a:tcPr marT="0" marB="0"/>
+                </a:tc>
+                <a:tc>
+                  <a:txBody>
+                    <a:bodyPr/>
+                    <a:lstStyle/>
+                    <a:p>
+                      <a:pPr algn="l" latinLnBrk="1"/>
+                      <a:r>
+                        <a:rPr lang="en-US" altLang="ko-KR" sz="1400">
+                          <a:latin typeface="맑은 고딕" panose="020B0503020000020004" pitchFamily="50" charset="-127"/>
+                          <a:ea typeface="맑은 고딕" panose="020B0503020000020004" pitchFamily="50" charset="-127"/>
+                        </a:rPr>
+                        <a:t>expr != expr</a:t>
+                      </a:r>
+                      <a:endParaRPr lang="ko-KR" altLang="en-US" sz="1400">
+                        <a:latin typeface="맑은 고딕" panose="020B0503020000020004" pitchFamily="50" charset="-127"/>
+                        <a:ea typeface="맑은 고딕" panose="020B0503020000020004" pitchFamily="50" charset="-127"/>
+                      </a:endParaRPr>
+                    </a:p>
+                  </a:txBody>
+                  <a:tcPr marT="0" marB="0"/>
+                </a:tc>
+                <a:tc>
+                  <a:txBody>
+                    <a:bodyPr/>
+                    <a:lstStyle/>
+                    <a:p>
+                      <a:pPr algn="l" latinLnBrk="1"/>
+                      <a:endParaRPr lang="ko-KR" altLang="en-US" sz="1400">
+                        <a:latin typeface="맑은 고딕" panose="020B0503020000020004" pitchFamily="50" charset="-127"/>
+                        <a:ea typeface="맑은 고딕" panose="020B0503020000020004" pitchFamily="50" charset="-127"/>
+                      </a:endParaRPr>
+                    </a:p>
+                  </a:txBody>
+                  <a:tcPr marT="0" marB="0"/>
+                </a:tc>
+                <a:tc>
+                  <a:txBody>
+                    <a:bodyPr/>
+                    <a:lstStyle/>
+                    <a:p>
+                      <a:pPr algn="l" latinLnBrk="1"/>
+                      <a:endParaRPr lang="ko-KR" altLang="en-US" sz="1400">
+                        <a:latin typeface="맑은 고딕" panose="020B0503020000020004" pitchFamily="50" charset="-127"/>
+                        <a:ea typeface="맑은 고딕" panose="020B0503020000020004" pitchFamily="50" charset="-127"/>
+                      </a:endParaRPr>
+                    </a:p>
+                  </a:txBody>
+                  <a:tcPr marT="0" marB="0"/>
+                </a:tc>
+                <a:extLst>
+                  <a:ext uri="{0D108BD9-81ED-4DB2-BD59-A6C34878D82A}">
+                    <a16:rowId xmlns:a16="http://schemas.microsoft.com/office/drawing/2014/main" val="1013544025"/>
+                  </a:ext>
+                </a:extLst>
+              </a:tr>
+              <a:tr h="205832">
+                <a:tc>
+                  <a:txBody>
+                    <a:bodyPr/>
+                    <a:lstStyle/>
+                    <a:p>
+                      <a:pPr algn="l" latinLnBrk="1"/>
+                      <a:r>
+                        <a:rPr lang="en-US" altLang="ko-KR" sz="1400">
+                          <a:latin typeface="맑은 고딕" panose="020B0503020000020004" pitchFamily="50" charset="-127"/>
+                          <a:ea typeface="맑은 고딕" panose="020B0503020000020004" pitchFamily="50" charset="-127"/>
+                        </a:rPr>
+                        <a:t>expr &amp; expr</a:t>
+                      </a:r>
+                      <a:endParaRPr lang="ko-KR" altLang="en-US" sz="1400">
+                        <a:latin typeface="맑은 고딕" panose="020B0503020000020004" pitchFamily="50" charset="-127"/>
+                        <a:ea typeface="맑은 고딕" panose="020B0503020000020004" pitchFamily="50" charset="-127"/>
+                      </a:endParaRPr>
+                    </a:p>
+                  </a:txBody>
+                  <a:tcPr marT="0" marB="0"/>
+                </a:tc>
+                <a:tc>
+                  <a:txBody>
+                    <a:bodyPr/>
+                    <a:lstStyle/>
+                    <a:p>
+                      <a:pPr algn="l" latinLnBrk="1"/>
+                      <a:endParaRPr lang="ko-KR" altLang="en-US" sz="1400">
+                        <a:latin typeface="맑은 고딕" panose="020B0503020000020004" pitchFamily="50" charset="-127"/>
+                        <a:ea typeface="맑은 고딕" panose="020B0503020000020004" pitchFamily="50" charset="-127"/>
+                      </a:endParaRPr>
+                    </a:p>
+                  </a:txBody>
+                  <a:tcPr marT="0" marB="0"/>
+                </a:tc>
+                <a:tc>
+                  <a:txBody>
+                    <a:bodyPr/>
+                    <a:lstStyle/>
+                    <a:p>
+                      <a:pPr algn="l" latinLnBrk="1"/>
+                      <a:endParaRPr lang="ko-KR" altLang="en-US" sz="1400">
+                        <a:latin typeface="맑은 고딕" panose="020B0503020000020004" pitchFamily="50" charset="-127"/>
+                        <a:ea typeface="맑은 고딕" panose="020B0503020000020004" pitchFamily="50" charset="-127"/>
+                      </a:endParaRPr>
+                    </a:p>
+                  </a:txBody>
+                  <a:tcPr marT="0" marB="0"/>
+                </a:tc>
+                <a:tc>
+                  <a:txBody>
+                    <a:bodyPr/>
+                    <a:lstStyle/>
+                    <a:p>
+                      <a:pPr algn="l" latinLnBrk="1"/>
+                      <a:endParaRPr lang="ko-KR" altLang="en-US" sz="1400">
+                        <a:latin typeface="맑은 고딕" panose="020B0503020000020004" pitchFamily="50" charset="-127"/>
+                        <a:ea typeface="맑은 고딕" panose="020B0503020000020004" pitchFamily="50" charset="-127"/>
+                      </a:endParaRPr>
+                    </a:p>
+                  </a:txBody>
+                  <a:tcPr marT="0" marB="0"/>
+                </a:tc>
+                <a:extLst>
+                  <a:ext uri="{0D108BD9-81ED-4DB2-BD59-A6C34878D82A}">
+                    <a16:rowId xmlns:a16="http://schemas.microsoft.com/office/drawing/2014/main" val="2678499261"/>
+                  </a:ext>
+                </a:extLst>
+              </a:tr>
+              <a:tr h="205832">
+                <a:tc>
+                  <a:txBody>
+                    <a:bodyPr/>
+                    <a:lstStyle/>
+                    <a:p>
+                      <a:pPr algn="l" latinLnBrk="1"/>
+                      <a:r>
+                        <a:rPr lang="en-US" altLang="ko-KR" sz="1400">
+                          <a:latin typeface="맑은 고딕" panose="020B0503020000020004" pitchFamily="50" charset="-127"/>
+                          <a:ea typeface="맑은 고딕" panose="020B0503020000020004" pitchFamily="50" charset="-127"/>
+                        </a:rPr>
+                        <a:t>expr ^ expr</a:t>
+                      </a:r>
+                      <a:endParaRPr lang="ko-KR" altLang="en-US" sz="1400">
+                        <a:latin typeface="맑은 고딕" panose="020B0503020000020004" pitchFamily="50" charset="-127"/>
+                        <a:ea typeface="맑은 고딕" panose="020B0503020000020004" pitchFamily="50" charset="-127"/>
+                      </a:endParaRPr>
+                    </a:p>
+                  </a:txBody>
+                  <a:tcPr marT="0" marB="0"/>
+                </a:tc>
+                <a:tc>
+                  <a:txBody>
+                    <a:bodyPr/>
+                    <a:lstStyle/>
+                    <a:p>
+                      <a:pPr algn="l" latinLnBrk="1"/>
+                      <a:endParaRPr lang="ko-KR" altLang="en-US" sz="1400">
+                        <a:latin typeface="맑은 고딕" panose="020B0503020000020004" pitchFamily="50" charset="-127"/>
+                        <a:ea typeface="맑은 고딕" panose="020B0503020000020004" pitchFamily="50" charset="-127"/>
+                      </a:endParaRPr>
+                    </a:p>
+                  </a:txBody>
+                  <a:tcPr marT="0" marB="0"/>
+                </a:tc>
+                <a:tc>
+                  <a:txBody>
+                    <a:bodyPr/>
+                    <a:lstStyle/>
+                    <a:p>
+                      <a:pPr algn="l" latinLnBrk="1"/>
+                      <a:endParaRPr lang="ko-KR" altLang="en-US" sz="1400">
+                        <a:latin typeface="맑은 고딕" panose="020B0503020000020004" pitchFamily="50" charset="-127"/>
+                        <a:ea typeface="맑은 고딕" panose="020B0503020000020004" pitchFamily="50" charset="-127"/>
+                      </a:endParaRPr>
+                    </a:p>
+                  </a:txBody>
+                  <a:tcPr marT="0" marB="0"/>
+                </a:tc>
+                <a:tc>
+                  <a:txBody>
+                    <a:bodyPr/>
+                    <a:lstStyle/>
+                    <a:p>
+                      <a:pPr algn="l" latinLnBrk="1"/>
+                      <a:endParaRPr lang="ko-KR" altLang="en-US" sz="1400">
+                        <a:latin typeface="맑은 고딕" panose="020B0503020000020004" pitchFamily="50" charset="-127"/>
+                        <a:ea typeface="맑은 고딕" panose="020B0503020000020004" pitchFamily="50" charset="-127"/>
+                      </a:endParaRPr>
+                    </a:p>
+                  </a:txBody>
+                  <a:tcPr marT="0" marB="0"/>
+                </a:tc>
+                <a:extLst>
+                  <a:ext uri="{0D108BD9-81ED-4DB2-BD59-A6C34878D82A}">
+                    <a16:rowId xmlns:a16="http://schemas.microsoft.com/office/drawing/2014/main" val="959826673"/>
+                  </a:ext>
+                </a:extLst>
+              </a:tr>
+              <a:tr h="205832">
+                <a:tc>
+                  <a:txBody>
+                    <a:bodyPr/>
+                    <a:lstStyle/>
+                    <a:p>
+                      <a:pPr algn="l" latinLnBrk="1"/>
+                      <a:r>
+                        <a:rPr lang="en-US" altLang="ko-KR" sz="1400">
+                          <a:latin typeface="맑은 고딕" panose="020B0503020000020004" pitchFamily="50" charset="-127"/>
+                          <a:ea typeface="맑은 고딕" panose="020B0503020000020004" pitchFamily="50" charset="-127"/>
+                        </a:rPr>
+                        <a:t>expr | expr</a:t>
+                      </a:r>
+                      <a:endParaRPr lang="ko-KR" altLang="en-US" sz="1400">
+                        <a:latin typeface="맑은 고딕" panose="020B0503020000020004" pitchFamily="50" charset="-127"/>
+                        <a:ea typeface="맑은 고딕" panose="020B0503020000020004" pitchFamily="50" charset="-127"/>
+                      </a:endParaRPr>
+                    </a:p>
+                  </a:txBody>
+                  <a:tcPr marT="0" marB="0"/>
+                </a:tc>
+                <a:tc>
+                  <a:txBody>
+                    <a:bodyPr/>
+                    <a:lstStyle/>
+                    <a:p>
+                      <a:pPr algn="l" latinLnBrk="1"/>
+                      <a:endParaRPr lang="ko-KR" altLang="en-US" sz="1400">
+                        <a:latin typeface="맑은 고딕" panose="020B0503020000020004" pitchFamily="50" charset="-127"/>
+                        <a:ea typeface="맑은 고딕" panose="020B0503020000020004" pitchFamily="50" charset="-127"/>
+                      </a:endParaRPr>
+                    </a:p>
+                  </a:txBody>
+                  <a:tcPr marT="0" marB="0"/>
+                </a:tc>
+                <a:tc>
+                  <a:txBody>
+                    <a:bodyPr/>
+                    <a:lstStyle/>
+                    <a:p>
+                      <a:pPr algn="l" latinLnBrk="1"/>
+                      <a:endParaRPr lang="ko-KR" altLang="en-US" sz="1400">
+                        <a:latin typeface="맑은 고딕" panose="020B0503020000020004" pitchFamily="50" charset="-127"/>
+                        <a:ea typeface="맑은 고딕" panose="020B0503020000020004" pitchFamily="50" charset="-127"/>
+                      </a:endParaRPr>
+                    </a:p>
+                  </a:txBody>
+                  <a:tcPr marT="0" marB="0"/>
+                </a:tc>
+                <a:tc>
+                  <a:txBody>
+                    <a:bodyPr/>
+                    <a:lstStyle/>
+                    <a:p>
+                      <a:pPr algn="l" latinLnBrk="1"/>
+                      <a:endParaRPr lang="ko-KR" altLang="en-US" sz="1400">
+                        <a:latin typeface="맑은 고딕" panose="020B0503020000020004" pitchFamily="50" charset="-127"/>
+                        <a:ea typeface="맑은 고딕" panose="020B0503020000020004" pitchFamily="50" charset="-127"/>
+                      </a:endParaRPr>
+                    </a:p>
+                  </a:txBody>
+                  <a:tcPr marT="0" marB="0"/>
+                </a:tc>
+                <a:extLst>
+                  <a:ext uri="{0D108BD9-81ED-4DB2-BD59-A6C34878D82A}">
+                    <a16:rowId xmlns:a16="http://schemas.microsoft.com/office/drawing/2014/main" val="757098042"/>
+                  </a:ext>
+                </a:extLst>
+              </a:tr>
+              <a:tr h="205832">
+                <a:tc>
+                  <a:txBody>
+                    <a:bodyPr/>
+                    <a:lstStyle/>
+                    <a:p>
+                      <a:pPr algn="l" latinLnBrk="1"/>
+                      <a:r>
+                        <a:rPr lang="en-US" altLang="ko-KR" sz="1400">
+                          <a:latin typeface="맑은 고딕" panose="020B0503020000020004" pitchFamily="50" charset="-127"/>
+                          <a:ea typeface="맑은 고딕" panose="020B0503020000020004" pitchFamily="50" charset="-127"/>
+                        </a:rPr>
+                        <a:t>expr &amp;&amp; expr</a:t>
+                      </a:r>
+                      <a:endParaRPr lang="ko-KR" altLang="en-US" sz="1400">
+                        <a:latin typeface="맑은 고딕" panose="020B0503020000020004" pitchFamily="50" charset="-127"/>
+                        <a:ea typeface="맑은 고딕" panose="020B0503020000020004" pitchFamily="50" charset="-127"/>
+                      </a:endParaRPr>
+                    </a:p>
+                  </a:txBody>
+                  <a:tcPr marT="0" marB="0"/>
+                </a:tc>
+                <a:tc>
+                  <a:txBody>
+                    <a:bodyPr/>
+                    <a:lstStyle/>
+                    <a:p>
+                      <a:pPr algn="l" latinLnBrk="1"/>
+                      <a:endParaRPr lang="ko-KR" altLang="en-US" sz="1400">
+                        <a:latin typeface="맑은 고딕" panose="020B0503020000020004" pitchFamily="50" charset="-127"/>
+                        <a:ea typeface="맑은 고딕" panose="020B0503020000020004" pitchFamily="50" charset="-127"/>
+                      </a:endParaRPr>
+                    </a:p>
+                  </a:txBody>
+                  <a:tcPr marT="0" marB="0"/>
+                </a:tc>
+                <a:tc>
+                  <a:txBody>
+                    <a:bodyPr/>
+                    <a:lstStyle/>
+                    <a:p>
+                      <a:pPr algn="l" latinLnBrk="1"/>
+                      <a:endParaRPr lang="ko-KR" altLang="en-US" sz="1400">
+                        <a:latin typeface="맑은 고딕" panose="020B0503020000020004" pitchFamily="50" charset="-127"/>
+                        <a:ea typeface="맑은 고딕" panose="020B0503020000020004" pitchFamily="50" charset="-127"/>
+                      </a:endParaRPr>
+                    </a:p>
+                  </a:txBody>
+                  <a:tcPr marT="0" marB="0"/>
+                </a:tc>
+                <a:tc>
+                  <a:txBody>
+                    <a:bodyPr/>
+                    <a:lstStyle/>
+                    <a:p>
+                      <a:pPr algn="l" latinLnBrk="1"/>
+                      <a:endParaRPr lang="ko-KR" altLang="en-US" sz="1400">
+                        <a:latin typeface="맑은 고딕" panose="020B0503020000020004" pitchFamily="50" charset="-127"/>
+                        <a:ea typeface="맑은 고딕" panose="020B0503020000020004" pitchFamily="50" charset="-127"/>
+                      </a:endParaRPr>
+                    </a:p>
+                  </a:txBody>
+                  <a:tcPr marT="0" marB="0"/>
+                </a:tc>
+                <a:extLst>
+                  <a:ext uri="{0D108BD9-81ED-4DB2-BD59-A6C34878D82A}">
+                    <a16:rowId xmlns:a16="http://schemas.microsoft.com/office/drawing/2014/main" val="1429207915"/>
+                  </a:ext>
+                </a:extLst>
+              </a:tr>
+              <a:tr h="205832">
+                <a:tc>
+                  <a:txBody>
+                    <a:bodyPr/>
+                    <a:lstStyle/>
+                    <a:p>
+                      <a:pPr algn="l" latinLnBrk="1"/>
+                      <a:r>
+                        <a:rPr lang="en-US" altLang="ko-KR" sz="1400">
+                          <a:latin typeface="맑은 고딕" panose="020B0503020000020004" pitchFamily="50" charset="-127"/>
+                          <a:ea typeface="맑은 고딕" panose="020B0503020000020004" pitchFamily="50" charset="-127"/>
+                        </a:rPr>
+                        <a:t>expr || expr</a:t>
+                      </a:r>
+                      <a:endParaRPr lang="ko-KR" altLang="en-US" sz="1400">
+                        <a:latin typeface="맑은 고딕" panose="020B0503020000020004" pitchFamily="50" charset="-127"/>
+                        <a:ea typeface="맑은 고딕" panose="020B0503020000020004" pitchFamily="50" charset="-127"/>
+                      </a:endParaRPr>
+                    </a:p>
+                  </a:txBody>
+                  <a:tcPr marT="0" marB="0"/>
+                </a:tc>
+                <a:tc>
+                  <a:txBody>
+                    <a:bodyPr/>
+                    <a:lstStyle/>
+                    <a:p>
+                      <a:pPr algn="l" latinLnBrk="1"/>
+                      <a:endParaRPr lang="ko-KR" altLang="en-US" sz="1400">
+                        <a:latin typeface="맑은 고딕" panose="020B0503020000020004" pitchFamily="50" charset="-127"/>
+                        <a:ea typeface="맑은 고딕" panose="020B0503020000020004" pitchFamily="50" charset="-127"/>
+                      </a:endParaRPr>
+                    </a:p>
+                  </a:txBody>
+                  <a:tcPr marT="0" marB="0"/>
+                </a:tc>
+                <a:tc>
+                  <a:txBody>
+                    <a:bodyPr/>
+                    <a:lstStyle/>
+                    <a:p>
+                      <a:pPr algn="l" latinLnBrk="1"/>
+                      <a:endParaRPr lang="ko-KR" altLang="en-US" sz="1400">
+                        <a:latin typeface="맑은 고딕" panose="020B0503020000020004" pitchFamily="50" charset="-127"/>
+                        <a:ea typeface="맑은 고딕" panose="020B0503020000020004" pitchFamily="50" charset="-127"/>
+                      </a:endParaRPr>
+                    </a:p>
+                  </a:txBody>
+                  <a:tcPr marT="0" marB="0"/>
+                </a:tc>
+                <a:tc>
+                  <a:txBody>
+                    <a:bodyPr/>
+                    <a:lstStyle/>
+                    <a:p>
+                      <a:pPr algn="l" latinLnBrk="1"/>
+                      <a:endParaRPr lang="ko-KR" altLang="en-US" sz="1400">
+                        <a:latin typeface="맑은 고딕" panose="020B0503020000020004" pitchFamily="50" charset="-127"/>
+                        <a:ea typeface="맑은 고딕" panose="020B0503020000020004" pitchFamily="50" charset="-127"/>
+                      </a:endParaRPr>
+                    </a:p>
+                  </a:txBody>
+                  <a:tcPr marT="0" marB="0"/>
+                </a:tc>
+                <a:extLst>
+                  <a:ext uri="{0D108BD9-81ED-4DB2-BD59-A6C34878D82A}">
+                    <a16:rowId xmlns:a16="http://schemas.microsoft.com/office/drawing/2014/main" val="941814486"/>
+                  </a:ext>
+                </a:extLst>
+              </a:tr>
+              <a:tr h="205832">
+                <a:tc>
+                  <a:txBody>
+                    <a:bodyPr/>
+                    <a:lstStyle/>
+                    <a:p>
+                      <a:pPr algn="l" latinLnBrk="1"/>
+                      <a:r>
+                        <a:rPr lang="en-US" altLang="ko-KR" sz="1400">
+                          <a:latin typeface="맑은 고딕" panose="020B0503020000020004" pitchFamily="50" charset="-127"/>
+                          <a:ea typeface="맑은 고딕" panose="020B0503020000020004" pitchFamily="50" charset="-127"/>
+                        </a:rPr>
+                        <a:t>expr ? expr : expr</a:t>
+                      </a:r>
+                      <a:endParaRPr lang="ko-KR" altLang="en-US" sz="1400">
+                        <a:latin typeface="맑은 고딕" panose="020B0503020000020004" pitchFamily="50" charset="-127"/>
+                        <a:ea typeface="맑은 고딕" panose="020B0503020000020004" pitchFamily="50" charset="-127"/>
+                      </a:endParaRPr>
+                    </a:p>
+                  </a:txBody>
+                  <a:tcPr marT="0" marB="0"/>
+                </a:tc>
+                <a:tc>
+                  <a:txBody>
+                    <a:bodyPr/>
+                    <a:lstStyle/>
+                    <a:p>
+                      <a:pPr algn="l" latinLnBrk="1"/>
+                      <a:endParaRPr lang="ko-KR" altLang="en-US" sz="1400">
+                        <a:latin typeface="맑은 고딕" panose="020B0503020000020004" pitchFamily="50" charset="-127"/>
+                        <a:ea typeface="맑은 고딕" panose="020B0503020000020004" pitchFamily="50" charset="-127"/>
+                      </a:endParaRPr>
+                    </a:p>
+                  </a:txBody>
+                  <a:tcPr marT="0" marB="0"/>
+                </a:tc>
+                <a:tc>
+                  <a:txBody>
+                    <a:bodyPr/>
+                    <a:lstStyle/>
+                    <a:p>
+                      <a:pPr algn="l" latinLnBrk="1"/>
+                      <a:endParaRPr lang="ko-KR" altLang="en-US" sz="1400">
+                        <a:latin typeface="맑은 고딕" panose="020B0503020000020004" pitchFamily="50" charset="-127"/>
+                        <a:ea typeface="맑은 고딕" panose="020B0503020000020004" pitchFamily="50" charset="-127"/>
+                      </a:endParaRPr>
+                    </a:p>
+                  </a:txBody>
+                  <a:tcPr marT="0" marB="0"/>
+                </a:tc>
+                <a:tc>
+                  <a:txBody>
+                    <a:bodyPr/>
+                    <a:lstStyle/>
+                    <a:p>
+                      <a:pPr algn="l" latinLnBrk="1"/>
+                      <a:endParaRPr lang="ko-KR" altLang="en-US" sz="1400">
+                        <a:latin typeface="맑은 고딕" panose="020B0503020000020004" pitchFamily="50" charset="-127"/>
+                        <a:ea typeface="맑은 고딕" panose="020B0503020000020004" pitchFamily="50" charset="-127"/>
+                      </a:endParaRPr>
+                    </a:p>
+                  </a:txBody>
+                  <a:tcPr marT="0" marB="0"/>
+                </a:tc>
+                <a:extLst>
+                  <a:ext uri="{0D108BD9-81ED-4DB2-BD59-A6C34878D82A}">
+                    <a16:rowId xmlns:a16="http://schemas.microsoft.com/office/drawing/2014/main" val="1622286863"/>
+                  </a:ext>
+                </a:extLst>
+              </a:tr>
+              <a:tr h="205832">
+                <a:tc>
+                  <a:txBody>
+                    <a:bodyPr/>
+                    <a:lstStyle/>
+                    <a:p>
+                      <a:pPr algn="l" latinLnBrk="1"/>
+                      <a:r>
+                        <a:rPr lang="en-US" altLang="ko-KR" sz="1400" err="1">
+                          <a:latin typeface="맑은 고딕" panose="020B0503020000020004" pitchFamily="50" charset="-127"/>
+                          <a:ea typeface="맑은 고딕" panose="020B0503020000020004" pitchFamily="50" charset="-127"/>
+                        </a:rPr>
+                        <a:t>lvalue</a:t>
+                      </a:r>
+                      <a:r>
+                        <a:rPr lang="en-US" altLang="ko-KR" sz="1400">
+                          <a:latin typeface="맑은 고딕" panose="020B0503020000020004" pitchFamily="50" charset="-127"/>
+                          <a:ea typeface="맑은 고딕" panose="020B0503020000020004" pitchFamily="50" charset="-127"/>
+                        </a:rPr>
+                        <a:t> = expr</a:t>
+                      </a:r>
+                      <a:endParaRPr lang="ko-KR" altLang="en-US" sz="1400">
+                        <a:latin typeface="맑은 고딕" panose="020B0503020000020004" pitchFamily="50" charset="-127"/>
+                        <a:ea typeface="맑은 고딕" panose="020B0503020000020004" pitchFamily="50" charset="-127"/>
+                      </a:endParaRPr>
+                    </a:p>
+                  </a:txBody>
+                  <a:tcPr marT="0" marB="0"/>
+                </a:tc>
+                <a:tc>
+                  <a:txBody>
+                    <a:bodyPr/>
+                    <a:lstStyle/>
+                    <a:p>
+                      <a:pPr algn="l" latinLnBrk="1"/>
+                      <a:r>
+                        <a:rPr lang="en-US" altLang="ko-KR" sz="1400" err="1">
+                          <a:latin typeface="맑은 고딕" panose="020B0503020000020004" pitchFamily="50" charset="-127"/>
+                          <a:ea typeface="맑은 고딕" panose="020B0503020000020004" pitchFamily="50" charset="-127"/>
+                        </a:rPr>
+                        <a:t>lvalue</a:t>
+                      </a:r>
+                      <a:r>
+                        <a:rPr lang="en-US" altLang="ko-KR" sz="1400">
+                          <a:latin typeface="맑은 고딕" panose="020B0503020000020004" pitchFamily="50" charset="-127"/>
+                          <a:ea typeface="맑은 고딕" panose="020B0503020000020004" pitchFamily="50" charset="-127"/>
+                        </a:rPr>
+                        <a:t> @= expr</a:t>
+                      </a:r>
+                      <a:endParaRPr lang="ko-KR" altLang="en-US" sz="1400">
+                        <a:latin typeface="맑은 고딕" panose="020B0503020000020004" pitchFamily="50" charset="-127"/>
+                        <a:ea typeface="맑은 고딕" panose="020B0503020000020004" pitchFamily="50" charset="-127"/>
+                      </a:endParaRPr>
+                    </a:p>
+                  </a:txBody>
+                  <a:tcPr marT="0" marB="0"/>
+                </a:tc>
+                <a:tc>
+                  <a:txBody>
+                    <a:bodyPr/>
+                    <a:lstStyle/>
+                    <a:p>
+                      <a:pPr algn="l" latinLnBrk="1"/>
+                      <a:endParaRPr lang="ko-KR" altLang="en-US" sz="1400">
+                        <a:latin typeface="맑은 고딕" panose="020B0503020000020004" pitchFamily="50" charset="-127"/>
+                        <a:ea typeface="맑은 고딕" panose="020B0503020000020004" pitchFamily="50" charset="-127"/>
+                      </a:endParaRPr>
+                    </a:p>
+                  </a:txBody>
+                  <a:tcPr marT="0" marB="0"/>
+                </a:tc>
+                <a:tc>
+                  <a:txBody>
+                    <a:bodyPr/>
+                    <a:lstStyle/>
+                    <a:p>
+                      <a:pPr algn="l" latinLnBrk="1"/>
+                      <a:endParaRPr lang="ko-KR" altLang="en-US" sz="1400">
+                        <a:latin typeface="맑은 고딕" panose="020B0503020000020004" pitchFamily="50" charset="-127"/>
+                        <a:ea typeface="맑은 고딕" panose="020B0503020000020004" pitchFamily="50" charset="-127"/>
+                      </a:endParaRPr>
+                    </a:p>
+                  </a:txBody>
+                  <a:tcPr marT="0" marB="0"/>
+                </a:tc>
+                <a:extLst>
+                  <a:ext uri="{0D108BD9-81ED-4DB2-BD59-A6C34878D82A}">
+                    <a16:rowId xmlns:a16="http://schemas.microsoft.com/office/drawing/2014/main" val="967072575"/>
+                  </a:ext>
+                </a:extLst>
+              </a:tr>
+              <a:tr h="205832">
+                <a:tc>
+                  <a:txBody>
+                    <a:bodyPr/>
+                    <a:lstStyle/>
+                    <a:p>
+                      <a:pPr algn="l" latinLnBrk="1"/>
+                      <a:r>
+                        <a:rPr lang="en-US" altLang="ko-KR" sz="1400">
+                          <a:latin typeface="맑은 고딕" panose="020B0503020000020004" pitchFamily="50" charset="-127"/>
+                          <a:ea typeface="맑은 고딕" panose="020B0503020000020004" pitchFamily="50" charset="-127"/>
+                        </a:rPr>
+                        <a:t>throw expr</a:t>
+                      </a:r>
+                      <a:endParaRPr lang="ko-KR" altLang="en-US" sz="1400">
+                        <a:latin typeface="맑은 고딕" panose="020B0503020000020004" pitchFamily="50" charset="-127"/>
+                        <a:ea typeface="맑은 고딕" panose="020B0503020000020004" pitchFamily="50" charset="-127"/>
+                      </a:endParaRPr>
+                    </a:p>
+                  </a:txBody>
+                  <a:tcPr marT="0" marB="0"/>
+                </a:tc>
+                <a:tc>
+                  <a:txBody>
+                    <a:bodyPr/>
+                    <a:lstStyle/>
+                    <a:p>
+                      <a:pPr algn="l" latinLnBrk="1"/>
+                      <a:endParaRPr lang="ko-KR" altLang="en-US" sz="1400">
+                        <a:latin typeface="맑은 고딕" panose="020B0503020000020004" pitchFamily="50" charset="-127"/>
+                        <a:ea typeface="맑은 고딕" panose="020B0503020000020004" pitchFamily="50" charset="-127"/>
+                      </a:endParaRPr>
+                    </a:p>
+                  </a:txBody>
+                  <a:tcPr marT="0" marB="0"/>
+                </a:tc>
+                <a:tc>
+                  <a:txBody>
+                    <a:bodyPr/>
+                    <a:lstStyle/>
+                    <a:p>
+                      <a:pPr algn="l" latinLnBrk="1"/>
+                      <a:endParaRPr lang="ko-KR" altLang="en-US" sz="1400">
+                        <a:latin typeface="맑은 고딕" panose="020B0503020000020004" pitchFamily="50" charset="-127"/>
+                        <a:ea typeface="맑은 고딕" panose="020B0503020000020004" pitchFamily="50" charset="-127"/>
+                      </a:endParaRPr>
+                    </a:p>
+                  </a:txBody>
+                  <a:tcPr marT="0" marB="0"/>
+                </a:tc>
+                <a:tc>
+                  <a:txBody>
+                    <a:bodyPr/>
+                    <a:lstStyle/>
+                    <a:p>
+                      <a:pPr algn="l" latinLnBrk="1"/>
+                      <a:endParaRPr lang="ko-KR" altLang="en-US" sz="1400">
+                        <a:latin typeface="맑은 고딕" panose="020B0503020000020004" pitchFamily="50" charset="-127"/>
+                        <a:ea typeface="맑은 고딕" panose="020B0503020000020004" pitchFamily="50" charset="-127"/>
+                      </a:endParaRPr>
+                    </a:p>
+                  </a:txBody>
+                  <a:tcPr marT="0" marB="0"/>
+                </a:tc>
+                <a:extLst>
+                  <a:ext uri="{0D108BD9-81ED-4DB2-BD59-A6C34878D82A}">
+                    <a16:rowId xmlns:a16="http://schemas.microsoft.com/office/drawing/2014/main" val="2305630140"/>
+                  </a:ext>
+                </a:extLst>
+              </a:tr>
+              <a:tr h="205832">
+                <a:tc>
+                  <a:txBody>
+                    <a:bodyPr/>
+                    <a:lstStyle/>
+                    <a:p>
+                      <a:pPr algn="l" latinLnBrk="1"/>
+                      <a:r>
+                        <a:rPr lang="en-US" altLang="ko-KR" sz="1400">
+                          <a:latin typeface="맑은 고딕" panose="020B0503020000020004" pitchFamily="50" charset="-127"/>
+                          <a:ea typeface="맑은 고딕" panose="020B0503020000020004" pitchFamily="50" charset="-127"/>
+                        </a:rPr>
+                        <a:t>expr, expr</a:t>
+                      </a:r>
+                      <a:endParaRPr lang="ko-KR" altLang="en-US" sz="1400">
+                        <a:latin typeface="맑은 고딕" panose="020B0503020000020004" pitchFamily="50" charset="-127"/>
+                        <a:ea typeface="맑은 고딕" panose="020B0503020000020004" pitchFamily="50" charset="-127"/>
+                      </a:endParaRPr>
+                    </a:p>
+                  </a:txBody>
+                  <a:tcPr marT="0" marB="0"/>
+                </a:tc>
+                <a:tc>
+                  <a:txBody>
+                    <a:bodyPr/>
+                    <a:lstStyle/>
+                    <a:p>
+                      <a:pPr algn="l" latinLnBrk="1"/>
+                      <a:endParaRPr lang="ko-KR" altLang="en-US" sz="1400">
+                        <a:latin typeface="맑은 고딕" panose="020B0503020000020004" pitchFamily="50" charset="-127"/>
+                        <a:ea typeface="맑은 고딕" panose="020B0503020000020004" pitchFamily="50" charset="-127"/>
+                      </a:endParaRPr>
+                    </a:p>
+                  </a:txBody>
+                  <a:tcPr marT="0" marB="0"/>
+                </a:tc>
+                <a:tc>
+                  <a:txBody>
+                    <a:bodyPr/>
+                    <a:lstStyle/>
+                    <a:p>
+                      <a:pPr algn="l" latinLnBrk="1"/>
+                      <a:endParaRPr lang="ko-KR" altLang="en-US" sz="1400">
+                        <a:latin typeface="맑은 고딕" panose="020B0503020000020004" pitchFamily="50" charset="-127"/>
+                        <a:ea typeface="맑은 고딕" panose="020B0503020000020004" pitchFamily="50" charset="-127"/>
+                      </a:endParaRPr>
+                    </a:p>
+                  </a:txBody>
+                  <a:tcPr marT="0" marB="0"/>
+                </a:tc>
+                <a:tc>
+                  <a:txBody>
+                    <a:bodyPr/>
+                    <a:lstStyle/>
+                    <a:p>
+                      <a:pPr algn="l" latinLnBrk="1"/>
+                      <a:endParaRPr lang="ko-KR" altLang="en-US" sz="1400">
+                        <a:latin typeface="맑은 고딕" panose="020B0503020000020004" pitchFamily="50" charset="-127"/>
+                        <a:ea typeface="맑은 고딕" panose="020B0503020000020004" pitchFamily="50" charset="-127"/>
+                      </a:endParaRPr>
+                    </a:p>
+                  </a:txBody>
+                  <a:tcPr marT="0" marB="0"/>
+                </a:tc>
+                <a:extLst>
+                  <a:ext uri="{0D108BD9-81ED-4DB2-BD59-A6C34878D82A}">
+                    <a16:rowId xmlns:a16="http://schemas.microsoft.com/office/drawing/2014/main" val="261531992"/>
+                  </a:ext>
+                </a:extLst>
+              </a:tr>
+            </a:tbl>
+          </a:graphicData>
+        </a:graphic>
+      </p:graphicFrame>
     </p:spTree>
     <p:extLst>
       <p:ext uri="{BB962C8B-B14F-4D97-AF65-F5344CB8AC3E}">
-        <p14:creationId xmlns:p14="http://schemas.microsoft.com/office/powerpoint/2010/main" val="585127906"/>
+        <p14:creationId xmlns:p14="http://schemas.microsoft.com/office/powerpoint/2010/main" val="1077944681"/>
+      </p:ext>
+    </p:extLst>
+  </p:cSld>
+  <p:clrMapOvr>
+    <a:masterClrMapping/>
+  </p:clrMapOvr>
+</p:sld>
+</file>
+
+<file path=ppt/slides/slide5.xml><?xml version="1.0" encoding="utf-8"?>
+<p:sld xmlns:a="http://schemas.openxmlformats.org/drawingml/2006/main" xmlns:r="http://schemas.openxmlformats.org/officeDocument/2006/relationships" xmlns:p="http://schemas.openxmlformats.org/presentationml/2006/main">
+  <p:cSld>
+    <p:spTree>
+      <p:nvGrpSpPr>
+        <p:cNvPr id="1" name=""/>
+        <p:cNvGrpSpPr/>
+        <p:nvPr/>
+      </p:nvGrpSpPr>
+      <p:grpSpPr>
+        <a:xfrm>
+          <a:off x="0" y="0"/>
+          <a:ext cx="0" cy="0"/>
+          <a:chOff x="0" y="0"/>
+          <a:chExt cx="0" cy="0"/>
+        </a:xfrm>
+      </p:grpSpPr>
+      <p:sp>
+        <p:nvSpPr>
+          <p:cNvPr id="2" name="제목 1">
+            <a:extLst>
+              <a:ext uri="{FF2B5EF4-FFF2-40B4-BE49-F238E27FC236}">
+                <a16:creationId xmlns:a16="http://schemas.microsoft.com/office/drawing/2014/main" id="{6F204F3F-D196-428C-AE74-238938FD8008}"/>
+              </a:ext>
+            </a:extLst>
+          </p:cNvPr>
+          <p:cNvSpPr>
+            <a:spLocks noGrp="1"/>
+          </p:cNvSpPr>
+          <p:nvPr>
+            <p:ph type="title"/>
+          </p:nvPr>
+        </p:nvSpPr>
+        <p:spPr/>
+        <p:txBody>
+          <a:bodyPr rtlCol="0"/>
+          <a:lstStyle/>
+          <a:p>
+            <a:pPr rtl="0"/>
+            <a:r>
+              <a:rPr lang="ko-KR" altLang="en-US" noProof="1"/>
+              <a:t>범위 기반 </a:t>
+            </a:r>
+            <a:r>
+              <a:rPr lang="en-US" altLang="ko-KR" noProof="1"/>
+              <a:t>for </a:t>
+            </a:r>
+            <a:r>
+              <a:rPr lang="ko-KR" altLang="en-US" noProof="1"/>
+              <a:t>문</a:t>
+            </a:r>
+          </a:p>
+        </p:txBody>
+      </p:sp>
+      <p:sp>
+        <p:nvSpPr>
+          <p:cNvPr id="4" name="내용 개체 틀 3">
+            <a:extLst>
+              <a:ext uri="{FF2B5EF4-FFF2-40B4-BE49-F238E27FC236}">
+                <a16:creationId xmlns:a16="http://schemas.microsoft.com/office/drawing/2014/main" id="{8B16DF77-4F0C-4B96-8E8A-AB71C1498C5E}"/>
+              </a:ext>
+            </a:extLst>
+          </p:cNvPr>
+          <p:cNvSpPr>
+            <a:spLocks noGrp="1"/>
+          </p:cNvSpPr>
+          <p:nvPr>
+            <p:ph sz="half" idx="2"/>
+          </p:nvPr>
+        </p:nvSpPr>
+        <p:spPr>
+          <a:xfrm>
+            <a:off x="581191" y="1688321"/>
+            <a:ext cx="10979765" cy="4467523"/>
+          </a:xfrm>
+        </p:spPr>
+        <p:txBody>
+          <a:bodyPr/>
+          <a:lstStyle/>
+          <a:p>
+            <a:pPr>
+              <a:lnSpc>
+                <a:spcPct val="150000"/>
+              </a:lnSpc>
+            </a:pPr>
+            <a:r>
+              <a:rPr lang="en-US" altLang="ko-KR" dirty="0"/>
+              <a:t>C++11</a:t>
+            </a:r>
+            <a:r>
+              <a:rPr lang="ko-KR" altLang="en-US" dirty="0"/>
+              <a:t>에는 범위 기반 </a:t>
+            </a:r>
+            <a:r>
+              <a:rPr lang="en-US" altLang="ko-KR" dirty="0"/>
+              <a:t>for </a:t>
+            </a:r>
+            <a:r>
+              <a:rPr lang="ko-KR" altLang="en-US" dirty="0"/>
+              <a:t>문이라고 새로운 문법이 추가</a:t>
+            </a:r>
+            <a:r>
+              <a:rPr lang="en-US" altLang="ko-KR" dirty="0"/>
+              <a:t>. </a:t>
+            </a:r>
+            <a:r>
+              <a:rPr lang="ko-KR" altLang="en-US" dirty="0"/>
+              <a:t>좀 더 간결하게 표현 가능</a:t>
+            </a:r>
+            <a:r>
+              <a:rPr lang="en-US" altLang="ko-KR" dirty="0"/>
+              <a:t>.</a:t>
+            </a:r>
+            <a:br>
+              <a:rPr lang="en-US" altLang="ko-KR" dirty="0"/>
+            </a:br>
+            <a:br>
+              <a:rPr lang="en-US" altLang="ko-KR" dirty="0"/>
+            </a:br>
+            <a:r>
+              <a:rPr lang="en-US" altLang="ko-KR" sz="1600" dirty="0"/>
+              <a:t>int primes[] = { 1, 2, 3, 4, 5, 6, 7, 8, 9, 10 };</a:t>
+            </a:r>
+            <a:br>
+              <a:rPr lang="en-US" altLang="ko-KR" sz="1600" dirty="0"/>
+            </a:br>
+            <a:r>
+              <a:rPr lang="en-US" altLang="ko-KR" sz="1600" dirty="0"/>
+              <a:t>for( int </a:t>
+            </a:r>
+            <a:r>
+              <a:rPr lang="en-US" altLang="ko-KR" sz="1600" dirty="0" err="1"/>
+              <a:t>i</a:t>
+            </a:r>
+            <a:r>
+              <a:rPr lang="en-US" altLang="ko-KR" sz="1600" dirty="0"/>
+              <a:t> : primes )</a:t>
+            </a:r>
+            <a:br>
+              <a:rPr lang="en-US" altLang="ko-KR" sz="1600" dirty="0"/>
+            </a:br>
+            <a:r>
+              <a:rPr lang="en-US" altLang="ko-KR" sz="1600" dirty="0"/>
+              <a:t>	std::</a:t>
+            </a:r>
+            <a:r>
+              <a:rPr lang="en-US" altLang="ko-KR" sz="1600" dirty="0" err="1"/>
+              <a:t>cout</a:t>
+            </a:r>
+            <a:r>
+              <a:rPr lang="en-US" altLang="ko-KR" sz="1600" dirty="0"/>
+              <a:t> &lt;&lt; </a:t>
+            </a:r>
+            <a:r>
+              <a:rPr lang="en-US" altLang="ko-KR" sz="1600" dirty="0" err="1"/>
+              <a:t>i</a:t>
+            </a:r>
+            <a:r>
+              <a:rPr lang="en-US" altLang="ko-KR" sz="1600" dirty="0"/>
+              <a:t> &lt;&lt; “ “;</a:t>
+            </a:r>
+            <a:endParaRPr lang="en-US" altLang="ko-KR" dirty="0"/>
+          </a:p>
+        </p:txBody>
+      </p:sp>
+    </p:spTree>
+    <p:extLst>
+      <p:ext uri="{BB962C8B-B14F-4D97-AF65-F5344CB8AC3E}">
+        <p14:creationId xmlns:p14="http://schemas.microsoft.com/office/powerpoint/2010/main" val="4124228449"/>
+      </p:ext>
+    </p:extLst>
+  </p:cSld>
+  <p:clrMapOvr>
+    <a:masterClrMapping/>
+  </p:clrMapOvr>
+</p:sld>
+</file>
+
+<file path=ppt/slides/slide6.xml><?xml version="1.0" encoding="utf-8"?>
+<p:sld xmlns:a="http://schemas.openxmlformats.org/drawingml/2006/main" xmlns:r="http://schemas.openxmlformats.org/officeDocument/2006/relationships" xmlns:p="http://schemas.openxmlformats.org/presentationml/2006/main">
+  <p:cSld>
+    <p:spTree>
+      <p:nvGrpSpPr>
+        <p:cNvPr id="1" name=""/>
+        <p:cNvGrpSpPr/>
+        <p:nvPr/>
+      </p:nvGrpSpPr>
+      <p:grpSpPr>
+        <a:xfrm>
+          <a:off x="0" y="0"/>
+          <a:ext cx="0" cy="0"/>
+          <a:chOff x="0" y="0"/>
+          <a:chExt cx="0" cy="0"/>
+        </a:xfrm>
+      </p:grpSpPr>
+      <p:sp>
+        <p:nvSpPr>
+          <p:cNvPr id="2" name="제목 1">
+            <a:extLst>
+              <a:ext uri="{FF2B5EF4-FFF2-40B4-BE49-F238E27FC236}">
+                <a16:creationId xmlns:a16="http://schemas.microsoft.com/office/drawing/2014/main" id="{6F204F3F-D196-428C-AE74-238938FD8008}"/>
+              </a:ext>
+            </a:extLst>
+          </p:cNvPr>
+          <p:cNvSpPr>
+            <a:spLocks noGrp="1"/>
+          </p:cNvSpPr>
+          <p:nvPr>
+            <p:ph type="title"/>
+          </p:nvPr>
+        </p:nvSpPr>
+        <p:spPr/>
+        <p:txBody>
+          <a:bodyPr rtlCol="0"/>
+          <a:lstStyle/>
+          <a:p>
+            <a:pPr rtl="0"/>
+            <a:r>
+              <a:rPr lang="ko-KR" altLang="en-US" noProof="1"/>
+              <a:t>오버로딩</a:t>
+            </a:r>
+            <a:r>
+              <a:rPr lang="en-US" altLang="ko-KR" noProof="1"/>
+              <a:t>(Function overloading)</a:t>
+            </a:r>
+            <a:endParaRPr lang="ko-KR" altLang="en-US" noProof="1">
+              <a:ea typeface="맑은 고딕" panose="020B0503020000020004" pitchFamily="50" charset="-127"/>
+            </a:endParaRPr>
+          </a:p>
+        </p:txBody>
+      </p:sp>
+      <p:sp>
+        <p:nvSpPr>
+          <p:cNvPr id="4" name="내용 개체 틀 3">
+            <a:extLst>
+              <a:ext uri="{FF2B5EF4-FFF2-40B4-BE49-F238E27FC236}">
+                <a16:creationId xmlns:a16="http://schemas.microsoft.com/office/drawing/2014/main" id="{8B16DF77-4F0C-4B96-8E8A-AB71C1498C5E}"/>
+              </a:ext>
+            </a:extLst>
+          </p:cNvPr>
+          <p:cNvSpPr>
+            <a:spLocks noGrp="1"/>
+          </p:cNvSpPr>
+          <p:nvPr>
+            <p:ph sz="half" idx="2"/>
+          </p:nvPr>
+        </p:nvSpPr>
+        <p:spPr>
+          <a:xfrm>
+            <a:off x="581191" y="1688321"/>
+            <a:ext cx="10979765" cy="4467523"/>
+          </a:xfrm>
+        </p:spPr>
+        <p:txBody>
+          <a:bodyPr>
+            <a:normAutofit/>
+          </a:bodyPr>
+          <a:lstStyle/>
+          <a:p>
+            <a:r>
+              <a:rPr lang="ko-KR" altLang="en-US" dirty="0"/>
+              <a:t>매개변수 선언이 충분히 다르면 함수 이름을 공유할 수 있다</a:t>
+            </a:r>
+            <a:br>
+              <a:rPr lang="en-US" altLang="ko-KR" dirty="0"/>
+            </a:br>
+            <a:br>
+              <a:rPr lang="en-US" altLang="ko-KR" dirty="0"/>
+            </a:br>
+            <a:r>
+              <a:rPr lang="en-US" altLang="ko-KR" sz="1400" dirty="0"/>
+              <a:t>int divide(int a, int b)	{</a:t>
+            </a:r>
+            <a:br>
+              <a:rPr lang="en-US" altLang="ko-KR" sz="1400" dirty="0"/>
+            </a:br>
+            <a:r>
+              <a:rPr lang="en-US" altLang="ko-KR" sz="1400" dirty="0"/>
+              <a:t>	return a / b;</a:t>
+            </a:r>
+            <a:br>
+              <a:rPr lang="en-US" altLang="ko-KR" sz="1400" dirty="0"/>
+            </a:br>
+            <a:r>
+              <a:rPr lang="en-US" altLang="ko-KR" sz="1400" dirty="0"/>
+              <a:t>}</a:t>
+            </a:r>
+            <a:br>
+              <a:rPr lang="en-US" altLang="ko-KR" sz="1400" dirty="0"/>
+            </a:br>
+            <a:br>
+              <a:rPr lang="en-US" altLang="ko-KR" sz="1400" dirty="0"/>
+            </a:br>
+            <a:r>
+              <a:rPr lang="en-US" altLang="ko-KR" sz="1400" dirty="0"/>
+              <a:t>float divide(float a, float b)	{</a:t>
+            </a:r>
+            <a:br>
+              <a:rPr lang="en-US" altLang="ko-KR" sz="1400" dirty="0"/>
+            </a:br>
+            <a:r>
+              <a:rPr lang="en-US" altLang="ko-KR" sz="1400" dirty="0"/>
+              <a:t>	return a / b;</a:t>
+            </a:r>
+            <a:br>
+              <a:rPr lang="en-US" altLang="ko-KR" sz="1400" dirty="0"/>
+            </a:br>
+            <a:r>
+              <a:rPr lang="en-US" altLang="ko-KR" sz="1400" dirty="0"/>
+              <a:t>}</a:t>
+            </a:r>
+          </a:p>
+          <a:p>
+            <a:endParaRPr lang="en-US" altLang="ko-KR" sz="1400" dirty="0"/>
+          </a:p>
+          <a:p>
+            <a:r>
+              <a:rPr lang="ko-KR" altLang="en-US" sz="1400" dirty="0"/>
+              <a:t>오버로딩 </a:t>
+            </a:r>
+            <a:r>
+              <a:rPr lang="en-US" altLang="ko-KR" sz="1400" dirty="0">
+                <a:solidFill>
+                  <a:srgbClr val="FF0000"/>
+                </a:solidFill>
+              </a:rPr>
+              <a:t>Error</a:t>
+            </a:r>
+            <a:br>
+              <a:rPr lang="en-US" altLang="ko-KR" sz="1400" dirty="0"/>
+            </a:br>
+            <a:r>
+              <a:rPr lang="en-US" altLang="ko-KR" sz="1400" dirty="0"/>
+              <a:t>void</a:t>
+            </a:r>
+            <a:r>
+              <a:rPr lang="ko-KR" altLang="en-US" sz="1400" dirty="0"/>
+              <a:t> </a:t>
+            </a:r>
+            <a:r>
+              <a:rPr lang="en-US" altLang="ko-KR" sz="1400" dirty="0"/>
+              <a:t>f( int x )	{	}</a:t>
+            </a:r>
+            <a:br>
+              <a:rPr lang="en-US" altLang="ko-KR" sz="1400" dirty="0"/>
+            </a:br>
+            <a:r>
+              <a:rPr lang="en-US" altLang="ko-KR" sz="1400" dirty="0"/>
+              <a:t>void f( int y ){	}	</a:t>
+            </a:r>
+            <a:r>
+              <a:rPr lang="en-US" altLang="ko-KR" sz="1400" dirty="0">
+                <a:solidFill>
+                  <a:srgbClr val="179933"/>
+                </a:solidFill>
+              </a:rPr>
+              <a:t>//</a:t>
+            </a:r>
+            <a:r>
+              <a:rPr lang="ko-KR" altLang="en-US" sz="1400" dirty="0">
+                <a:solidFill>
+                  <a:srgbClr val="179933"/>
+                </a:solidFill>
+              </a:rPr>
+              <a:t>재정의 </a:t>
+            </a:r>
+            <a:r>
+              <a:rPr lang="en-US" altLang="ko-KR" sz="1400" dirty="0">
+                <a:solidFill>
+                  <a:srgbClr val="179933"/>
+                </a:solidFill>
+              </a:rPr>
+              <a:t>: </a:t>
+            </a:r>
+            <a:r>
+              <a:rPr lang="ko-KR" altLang="en-US" sz="1400" dirty="0">
+                <a:solidFill>
+                  <a:srgbClr val="179933"/>
+                </a:solidFill>
+              </a:rPr>
+              <a:t>인수 이름만 다르다</a:t>
+            </a:r>
+            <a:br>
+              <a:rPr lang="en-US" altLang="ko-KR" sz="1400" dirty="0"/>
+            </a:br>
+            <a:r>
+              <a:rPr lang="en-US" altLang="ko-KR" sz="1400" dirty="0"/>
+              <a:t>long f( int x ){	}	</a:t>
+            </a:r>
+            <a:r>
+              <a:rPr lang="en-US" altLang="ko-KR" sz="1400" dirty="0">
+                <a:solidFill>
+                  <a:srgbClr val="179933"/>
+                </a:solidFill>
+              </a:rPr>
+              <a:t>//</a:t>
+            </a:r>
+            <a:r>
+              <a:rPr lang="ko-KR" altLang="en-US" sz="1400" dirty="0">
+                <a:solidFill>
+                  <a:srgbClr val="179933"/>
+                </a:solidFill>
+              </a:rPr>
+              <a:t>재정의 </a:t>
+            </a:r>
+            <a:r>
+              <a:rPr lang="en-US" altLang="ko-KR" sz="1400" dirty="0">
+                <a:solidFill>
+                  <a:srgbClr val="179933"/>
+                </a:solidFill>
+              </a:rPr>
+              <a:t>: </a:t>
+            </a:r>
+            <a:r>
+              <a:rPr lang="ko-KR" altLang="en-US" sz="1400" dirty="0">
+                <a:solidFill>
+                  <a:srgbClr val="179933"/>
+                </a:solidFill>
+              </a:rPr>
+              <a:t>리턴 타입만 다르다</a:t>
+            </a:r>
+            <a:endParaRPr lang="en-US" altLang="ko-KR" sz="1400" dirty="0">
+              <a:solidFill>
+                <a:srgbClr val="179933"/>
+              </a:solidFill>
+            </a:endParaRPr>
+          </a:p>
+          <a:p>
+            <a:pPr marL="0" indent="0">
+              <a:lnSpc>
+                <a:spcPct val="150000"/>
+              </a:lnSpc>
+              <a:buNone/>
+            </a:pPr>
+            <a:br>
+              <a:rPr lang="en-US" altLang="ko-KR" dirty="0"/>
+            </a:br>
+            <a:endParaRPr lang="en-US" altLang="ko-KR" dirty="0"/>
+          </a:p>
+        </p:txBody>
+      </p:sp>
+    </p:spTree>
+    <p:extLst>
+      <p:ext uri="{BB962C8B-B14F-4D97-AF65-F5344CB8AC3E}">
+        <p14:creationId xmlns:p14="http://schemas.microsoft.com/office/powerpoint/2010/main" val="602967599"/>
+      </p:ext>
+    </p:extLst>
+  </p:cSld>
+  <p:clrMapOvr>
+    <a:masterClrMapping/>
+  </p:clrMapOvr>
+</p:sld>
+</file>
+
+<file path=ppt/slides/slide7.xml><?xml version="1.0" encoding="utf-8"?>
+<p:sld xmlns:a="http://schemas.openxmlformats.org/drawingml/2006/main" xmlns:r="http://schemas.openxmlformats.org/officeDocument/2006/relationships" xmlns:p="http://schemas.openxmlformats.org/presentationml/2006/main">
+  <p:cSld>
+    <p:spTree>
+      <p:nvGrpSpPr>
+        <p:cNvPr id="1" name=""/>
+        <p:cNvGrpSpPr/>
+        <p:nvPr/>
+      </p:nvGrpSpPr>
+      <p:grpSpPr>
+        <a:xfrm>
+          <a:off x="0" y="0"/>
+          <a:ext cx="0" cy="0"/>
+          <a:chOff x="0" y="0"/>
+          <a:chExt cx="0" cy="0"/>
+        </a:xfrm>
+      </p:grpSpPr>
+      <p:sp>
+        <p:nvSpPr>
+          <p:cNvPr id="2" name="제목 1">
+            <a:extLst>
+              <a:ext uri="{FF2B5EF4-FFF2-40B4-BE49-F238E27FC236}">
+                <a16:creationId xmlns:a16="http://schemas.microsoft.com/office/drawing/2014/main" id="{6F204F3F-D196-428C-AE74-238938FD8008}"/>
+              </a:ext>
+            </a:extLst>
+          </p:cNvPr>
+          <p:cNvSpPr>
+            <a:spLocks noGrp="1"/>
+          </p:cNvSpPr>
+          <p:nvPr>
+            <p:ph type="title"/>
+          </p:nvPr>
+        </p:nvSpPr>
+        <p:spPr/>
+        <p:txBody>
+          <a:bodyPr rtlCol="0"/>
+          <a:lstStyle/>
+          <a:p>
+            <a:pPr rtl="0"/>
+            <a:r>
+              <a:rPr lang="ko-KR" altLang="en-US" noProof="1"/>
+              <a:t>변수</a:t>
+            </a:r>
+            <a:endParaRPr lang="ko-KR" altLang="en-US" noProof="1">
+              <a:ea typeface="맑은 고딕" panose="020B0503020000020004" pitchFamily="50" charset="-127"/>
+            </a:endParaRPr>
+          </a:p>
+        </p:txBody>
+      </p:sp>
+      <p:graphicFrame>
+        <p:nvGraphicFramePr>
+          <p:cNvPr id="5" name="표 5">
+            <a:extLst>
+              <a:ext uri="{FF2B5EF4-FFF2-40B4-BE49-F238E27FC236}">
+                <a16:creationId xmlns:a16="http://schemas.microsoft.com/office/drawing/2014/main" id="{E555FAA2-927E-440D-9351-E0089821D8E9}"/>
+              </a:ext>
+            </a:extLst>
+          </p:cNvPr>
+          <p:cNvGraphicFramePr>
+            <a:graphicFrameLocks noGrp="1"/>
+          </p:cNvGraphicFramePr>
+          <p:nvPr>
+            <p:ph sz="half" idx="2"/>
+            <p:extLst>
+              <p:ext uri="{D42A27DB-BD31-4B8C-83A1-F6EECF244321}">
+                <p14:modId xmlns:p14="http://schemas.microsoft.com/office/powerpoint/2010/main" val="2514176571"/>
+              </p:ext>
+            </p:extLst>
+          </p:nvPr>
+        </p:nvGraphicFramePr>
+        <p:xfrm>
+          <a:off x="627952" y="1294089"/>
+          <a:ext cx="10982856" cy="5230214"/>
+        </p:xfrm>
+        <a:graphic>
+          <a:graphicData uri="http://schemas.openxmlformats.org/drawingml/2006/table">
+            <a:tbl>
+              <a:tblPr firstRow="1" bandRow="1">
+                <a:tableStyleId>{9D7B26C5-4107-4FEC-AEDC-1716B250A1EF}</a:tableStyleId>
+              </a:tblPr>
+              <a:tblGrid>
+                <a:gridCol w="5491428">
+                  <a:extLst>
+                    <a:ext uri="{9D8B030D-6E8A-4147-A177-3AD203B41FA5}">
+                      <a16:colId xmlns:a16="http://schemas.microsoft.com/office/drawing/2014/main" val="3834579009"/>
+                    </a:ext>
+                  </a:extLst>
+                </a:gridCol>
+                <a:gridCol w="5491428">
+                  <a:extLst>
+                    <a:ext uri="{9D8B030D-6E8A-4147-A177-3AD203B41FA5}">
+                      <a16:colId xmlns:a16="http://schemas.microsoft.com/office/drawing/2014/main" val="437723274"/>
+                    </a:ext>
+                  </a:extLst>
+                </a:gridCol>
+              </a:tblGrid>
+              <a:tr h="272126">
+                <a:tc>
+                  <a:txBody>
+                    <a:bodyPr/>
+                    <a:lstStyle/>
+                    <a:p>
+                      <a:pPr algn="ctr" latinLnBrk="1"/>
+                      <a:endParaRPr lang="ko-KR" altLang="en-US" sz="1600">
+                        <a:latin typeface="맑은 고딕" panose="020B0503020000020004" pitchFamily="50" charset="-127"/>
+                        <a:ea typeface="맑은 고딕" panose="020B0503020000020004" pitchFamily="50" charset="-127"/>
+                      </a:endParaRPr>
+                    </a:p>
+                  </a:txBody>
+                  <a:tcPr/>
+                </a:tc>
+                <a:tc>
+                  <a:txBody>
+                    <a:bodyPr/>
+                    <a:lstStyle/>
+                    <a:p>
+                      <a:pPr algn="ctr" latinLnBrk="1"/>
+                      <a:r>
+                        <a:rPr lang="ko-KR" altLang="en-US" sz="1600" dirty="0">
+                          <a:latin typeface="맑은 고딕" panose="020B0503020000020004" pitchFamily="50" charset="-127"/>
+                          <a:ea typeface="맑은 고딕" panose="020B0503020000020004" pitchFamily="50" charset="-127"/>
+                        </a:rPr>
+                        <a:t>내용</a:t>
+                      </a:r>
+                    </a:p>
+                  </a:txBody>
+                  <a:tcPr/>
+                </a:tc>
+                <a:extLst>
+                  <a:ext uri="{0D108BD9-81ED-4DB2-BD59-A6C34878D82A}">
+                    <a16:rowId xmlns:a16="http://schemas.microsoft.com/office/drawing/2014/main" val="2833281659"/>
+                  </a:ext>
+                </a:extLst>
+              </a:tr>
+              <a:tr h="1198280">
+                <a:tc>
+                  <a:txBody>
+                    <a:bodyPr/>
+                    <a:lstStyle/>
+                    <a:p>
+                      <a:pPr algn="ctr" rtl="0">
+                        <a:lnSpc>
+                          <a:spcPct val="150000"/>
+                        </a:lnSpc>
+                      </a:pPr>
+                      <a:r>
+                        <a:rPr lang="en-US" sz="1400" b="1" cap="none" spc="0" baseline="0" dirty="0">
+                          <a:solidFill>
+                            <a:schemeClr val="tx1">
+                              <a:lumMod val="85000"/>
+                              <a:lumOff val="15000"/>
+                            </a:schemeClr>
+                          </a:solidFill>
+                          <a:latin typeface="맑은 고딕" panose="020B0503020000020004" pitchFamily="50" charset="-127"/>
+                          <a:ea typeface="맑은 고딕" panose="020B0503020000020004" pitchFamily="50" charset="-127"/>
+                        </a:rPr>
+                        <a:t>assert</a:t>
+                      </a:r>
+                    </a:p>
+                    <a:p>
+                      <a:pPr algn="ctr" rtl="0">
+                        <a:lnSpc>
+                          <a:spcPct val="150000"/>
+                        </a:lnSpc>
+                      </a:pPr>
+                      <a:r>
+                        <a:rPr lang="en-US" altLang="ko-KR" sz="1400" b="1" cap="none" spc="0" baseline="0" dirty="0">
+                          <a:solidFill>
+                            <a:schemeClr val="tx1">
+                              <a:lumMod val="85000"/>
+                              <a:lumOff val="15000"/>
+                            </a:schemeClr>
+                          </a:solidFill>
+                          <a:latin typeface="맑은 고딕" panose="020B0503020000020004" pitchFamily="50" charset="-127"/>
+                          <a:ea typeface="맑은 고딕" panose="020B0503020000020004" pitchFamily="50" charset="-127"/>
+                        </a:rPr>
+                        <a:t>: </a:t>
+                      </a:r>
+                      <a:r>
+                        <a:rPr lang="ko-KR" altLang="en-US" sz="1400" b="1" cap="none" spc="0" baseline="0" dirty="0">
+                          <a:solidFill>
+                            <a:schemeClr val="tx1">
+                              <a:lumMod val="85000"/>
+                              <a:lumOff val="15000"/>
+                            </a:schemeClr>
+                          </a:solidFill>
+                          <a:latin typeface="맑은 고딕" panose="020B0503020000020004" pitchFamily="50" charset="-127"/>
+                          <a:ea typeface="맑은 고딕" panose="020B0503020000020004" pitchFamily="50" charset="-127"/>
+                        </a:rPr>
+                        <a:t>프로그래밍 오류를 감지</a:t>
+                      </a:r>
+                      <a:r>
+                        <a:rPr lang="en-US" altLang="ko-KR" sz="1400" b="1" cap="none" spc="0" baseline="0" dirty="0">
+                          <a:solidFill>
+                            <a:schemeClr val="tx1">
+                              <a:lumMod val="85000"/>
+                              <a:lumOff val="15000"/>
+                            </a:schemeClr>
+                          </a:solidFill>
+                          <a:latin typeface="맑은 고딕" panose="020B0503020000020004" pitchFamily="50" charset="-127"/>
+                          <a:ea typeface="맑은 고딕" panose="020B0503020000020004" pitchFamily="50" charset="-127"/>
+                        </a:rPr>
+                        <a:t>.</a:t>
+                      </a:r>
+                    </a:p>
+                    <a:p>
+                      <a:pPr algn="ctr" rtl="0">
+                        <a:lnSpc>
+                          <a:spcPct val="150000"/>
+                        </a:lnSpc>
+                      </a:pPr>
+                      <a:r>
+                        <a:rPr lang="en-US" sz="1400" b="1" cap="none" spc="0" baseline="0" dirty="0">
+                          <a:solidFill>
+                            <a:schemeClr val="tx1">
+                              <a:lumMod val="85000"/>
+                              <a:lumOff val="15000"/>
+                            </a:schemeClr>
+                          </a:solidFill>
+                          <a:latin typeface="맑은 고딕" panose="020B0503020000020004" pitchFamily="50" charset="-127"/>
+                          <a:ea typeface="맑은 고딕" panose="020B0503020000020004" pitchFamily="50" charset="-127"/>
+                        </a:rPr>
+                        <a:t>assert</a:t>
+                      </a:r>
+                      <a:r>
+                        <a:rPr lang="ko-KR" altLang="en-US" sz="1400" b="1" cap="none" spc="0" baseline="0" dirty="0">
+                          <a:solidFill>
+                            <a:schemeClr val="tx1">
+                              <a:lumMod val="85000"/>
+                              <a:lumOff val="15000"/>
+                            </a:schemeClr>
+                          </a:solidFill>
+                          <a:latin typeface="맑은 고딕" panose="020B0503020000020004" pitchFamily="50" charset="-127"/>
+                          <a:ea typeface="맑은 고딕" panose="020B0503020000020004" pitchFamily="50" charset="-127"/>
+                        </a:rPr>
+                        <a:t>의 결과가 </a:t>
+                      </a:r>
+                      <a:r>
+                        <a:rPr lang="en-US" altLang="ko-KR" sz="1400" b="1" cap="none" spc="0" baseline="0" dirty="0">
+                          <a:solidFill>
+                            <a:schemeClr val="tx1">
+                              <a:lumMod val="85000"/>
+                              <a:lumOff val="15000"/>
+                            </a:schemeClr>
+                          </a:solidFill>
+                          <a:latin typeface="맑은 고딕" panose="020B0503020000020004" pitchFamily="50" charset="-127"/>
+                          <a:ea typeface="맑은 고딕" panose="020B0503020000020004" pitchFamily="50" charset="-127"/>
+                        </a:rPr>
+                        <a:t>false</a:t>
+                      </a:r>
+                      <a:r>
+                        <a:rPr lang="ko-KR" altLang="en-US" sz="1400" b="1" cap="none" spc="0" baseline="0" dirty="0">
+                          <a:solidFill>
+                            <a:schemeClr val="tx1">
+                              <a:lumMod val="85000"/>
+                              <a:lumOff val="15000"/>
+                            </a:schemeClr>
+                          </a:solidFill>
+                          <a:latin typeface="맑은 고딕" panose="020B0503020000020004" pitchFamily="50" charset="-127"/>
+                          <a:ea typeface="맑은 고딕" panose="020B0503020000020004" pitchFamily="50" charset="-127"/>
+                        </a:rPr>
+                        <a:t>라면 오류 출력</a:t>
+                      </a:r>
+                      <a:endParaRPr lang="en-US" sz="1400" b="1" baseline="0" dirty="0">
+                        <a:solidFill>
+                          <a:schemeClr val="tx1">
+                            <a:lumMod val="85000"/>
+                            <a:lumOff val="15000"/>
+                          </a:schemeClr>
+                        </a:solidFill>
+                        <a:latin typeface="맑은 고딕" panose="020B0503020000020004" pitchFamily="50" charset="-127"/>
+                        <a:ea typeface="맑은 고딕" panose="020B0503020000020004" pitchFamily="50" charset="-127"/>
+                      </a:endParaRPr>
+                    </a:p>
+                  </a:txBody>
+                  <a:tcPr marL="180000" marR="72000" marT="72000" marB="72000" anchor="ctr"/>
+                </a:tc>
+                <a:tc>
+                  <a:txBody>
+                    <a:bodyPr/>
+                    <a:lstStyle/>
+                    <a:p>
+                      <a:pPr algn="l" rtl="0">
+                        <a:lnSpc>
+                          <a:spcPct val="150000"/>
+                        </a:lnSpc>
+                      </a:pPr>
+                      <a:r>
+                        <a:rPr lang="en-US" altLang="ko-KR" sz="900" b="0" kern="1200" baseline="0" dirty="0">
+                          <a:solidFill>
+                            <a:schemeClr val="tx1">
+                              <a:lumMod val="85000"/>
+                              <a:lumOff val="15000"/>
+                            </a:schemeClr>
+                          </a:solidFill>
+                          <a:latin typeface="맑은 고딕" panose="020B0503020000020004" pitchFamily="50" charset="-127"/>
+                          <a:ea typeface="맑은 고딕" panose="020B0503020000020004" pitchFamily="50" charset="-127"/>
+                          <a:cs typeface="+mn-cs"/>
+                        </a:rPr>
+                        <a:t>#include &lt;</a:t>
+                      </a:r>
+                      <a:r>
+                        <a:rPr lang="en-US" altLang="ko-KR" sz="900" b="0" kern="1200" baseline="0" dirty="0" err="1">
+                          <a:solidFill>
+                            <a:schemeClr val="tx1">
+                              <a:lumMod val="85000"/>
+                              <a:lumOff val="15000"/>
+                            </a:schemeClr>
+                          </a:solidFill>
+                          <a:latin typeface="맑은 고딕" panose="020B0503020000020004" pitchFamily="50" charset="-127"/>
+                          <a:ea typeface="맑은 고딕" panose="020B0503020000020004" pitchFamily="50" charset="-127"/>
+                          <a:cs typeface="+mn-cs"/>
+                        </a:rPr>
+                        <a:t>cassert</a:t>
+                      </a:r>
+                      <a:r>
+                        <a:rPr lang="en-US" altLang="ko-KR" sz="900" b="0" kern="1200" baseline="0" dirty="0">
+                          <a:solidFill>
+                            <a:schemeClr val="tx1">
+                              <a:lumMod val="85000"/>
+                              <a:lumOff val="15000"/>
+                            </a:schemeClr>
+                          </a:solidFill>
+                          <a:latin typeface="맑은 고딕" panose="020B0503020000020004" pitchFamily="50" charset="-127"/>
+                          <a:ea typeface="맑은 고딕" panose="020B0503020000020004" pitchFamily="50" charset="-127"/>
+                          <a:cs typeface="+mn-cs"/>
+                        </a:rPr>
+                        <a:t>&gt;</a:t>
+                      </a:r>
+                    </a:p>
+                    <a:p>
+                      <a:pPr algn="l" rtl="0">
+                        <a:lnSpc>
+                          <a:spcPct val="150000"/>
+                        </a:lnSpc>
+                      </a:pPr>
+                      <a:r>
+                        <a:rPr lang="en-US" sz="900" b="0" kern="1200" baseline="0" dirty="0">
+                          <a:solidFill>
+                            <a:schemeClr val="tx1">
+                              <a:lumMod val="85000"/>
+                              <a:lumOff val="15000"/>
+                            </a:schemeClr>
+                          </a:solidFill>
+                          <a:latin typeface="맑은 고딕" panose="020B0503020000020004" pitchFamily="50" charset="-127"/>
+                          <a:ea typeface="맑은 고딕" panose="020B0503020000020004" pitchFamily="50" charset="-127"/>
+                          <a:cs typeface="+mn-cs"/>
+                        </a:rPr>
+                        <a:t>double </a:t>
+                      </a:r>
+                      <a:r>
+                        <a:rPr lang="en-US" sz="900" b="0" kern="1200" baseline="0" dirty="0" err="1">
+                          <a:solidFill>
+                            <a:schemeClr val="tx1">
+                              <a:lumMod val="85000"/>
+                              <a:lumOff val="15000"/>
+                            </a:schemeClr>
+                          </a:solidFill>
+                          <a:latin typeface="맑은 고딕" panose="020B0503020000020004" pitchFamily="50" charset="-127"/>
+                          <a:ea typeface="맑은 고딕" panose="020B0503020000020004" pitchFamily="50" charset="-127"/>
+                          <a:cs typeface="+mn-cs"/>
+                        </a:rPr>
+                        <a:t>square_root</a:t>
+                      </a:r>
+                      <a:r>
+                        <a:rPr lang="en-US" sz="900" b="0" kern="1200" baseline="0" dirty="0">
+                          <a:solidFill>
+                            <a:schemeClr val="tx1">
+                              <a:lumMod val="85000"/>
+                              <a:lumOff val="15000"/>
+                            </a:schemeClr>
+                          </a:solidFill>
+                          <a:latin typeface="맑은 고딕" panose="020B0503020000020004" pitchFamily="50" charset="-127"/>
+                          <a:ea typeface="맑은 고딕" panose="020B0503020000020004" pitchFamily="50" charset="-127"/>
+                          <a:cs typeface="+mn-cs"/>
+                        </a:rPr>
+                        <a:t>(double x)</a:t>
+                      </a:r>
+                    </a:p>
+                    <a:p>
+                      <a:pPr algn="l" rtl="0">
+                        <a:lnSpc>
+                          <a:spcPct val="150000"/>
+                        </a:lnSpc>
+                      </a:pPr>
+                      <a:r>
+                        <a:rPr lang="en-US" sz="900" b="0" kern="1200" baseline="0" dirty="0">
+                          <a:solidFill>
+                            <a:schemeClr val="tx1">
+                              <a:lumMod val="85000"/>
+                              <a:lumOff val="15000"/>
+                            </a:schemeClr>
+                          </a:solidFill>
+                          <a:latin typeface="맑은 고딕" panose="020B0503020000020004" pitchFamily="50" charset="-127"/>
+                          <a:ea typeface="맑은 고딕" panose="020B0503020000020004" pitchFamily="50" charset="-127"/>
+                          <a:cs typeface="+mn-cs"/>
+                        </a:rPr>
+                        <a:t>{</a:t>
+                      </a:r>
+                    </a:p>
+                    <a:p>
+                      <a:pPr algn="l" rtl="0">
+                        <a:lnSpc>
+                          <a:spcPct val="150000"/>
+                        </a:lnSpc>
+                      </a:pPr>
+                      <a:r>
+                        <a:rPr lang="en-US" sz="900" b="0" kern="1200" baseline="0" dirty="0">
+                          <a:solidFill>
+                            <a:schemeClr val="tx1">
+                              <a:lumMod val="85000"/>
+                              <a:lumOff val="15000"/>
+                            </a:schemeClr>
+                          </a:solidFill>
+                          <a:latin typeface="맑은 고딕" panose="020B0503020000020004" pitchFamily="50" charset="-127"/>
+                          <a:ea typeface="맑은 고딕" panose="020B0503020000020004" pitchFamily="50" charset="-127"/>
+                          <a:cs typeface="+mn-cs"/>
+                        </a:rPr>
+                        <a:t>	</a:t>
+                      </a:r>
+                      <a:r>
+                        <a:rPr lang="en-US" sz="900" b="0" kern="1200" baseline="0" dirty="0" err="1">
+                          <a:solidFill>
+                            <a:schemeClr val="tx1">
+                              <a:lumMod val="85000"/>
+                              <a:lumOff val="15000"/>
+                            </a:schemeClr>
+                          </a:solidFill>
+                          <a:latin typeface="맑은 고딕" panose="020B0503020000020004" pitchFamily="50" charset="-127"/>
+                          <a:ea typeface="맑은 고딕" panose="020B0503020000020004" pitchFamily="50" charset="-127"/>
+                          <a:cs typeface="+mn-cs"/>
+                        </a:rPr>
+                        <a:t>check_somehow</a:t>
+                      </a:r>
+                      <a:r>
+                        <a:rPr lang="en-US" sz="900" b="0" kern="1200" baseline="0" dirty="0">
+                          <a:solidFill>
+                            <a:schemeClr val="tx1">
+                              <a:lumMod val="85000"/>
+                              <a:lumOff val="15000"/>
+                            </a:schemeClr>
+                          </a:solidFill>
+                          <a:latin typeface="맑은 고딕" panose="020B0503020000020004" pitchFamily="50" charset="-127"/>
+                          <a:ea typeface="맑은 고딕" panose="020B0503020000020004" pitchFamily="50" charset="-127"/>
+                          <a:cs typeface="+mn-cs"/>
+                        </a:rPr>
+                        <a:t>( x &gt;= 0 );</a:t>
+                      </a:r>
+                      <a:br>
+                        <a:rPr lang="en-US" sz="900" b="0" kern="1200" baseline="0" dirty="0">
+                          <a:solidFill>
+                            <a:schemeClr val="tx1">
+                              <a:lumMod val="85000"/>
+                              <a:lumOff val="15000"/>
+                            </a:schemeClr>
+                          </a:solidFill>
+                          <a:latin typeface="맑은 고딕" panose="020B0503020000020004" pitchFamily="50" charset="-127"/>
+                          <a:ea typeface="맑은 고딕" panose="020B0503020000020004" pitchFamily="50" charset="-127"/>
+                          <a:cs typeface="+mn-cs"/>
+                        </a:rPr>
+                      </a:br>
+                      <a:r>
+                        <a:rPr lang="en-US" sz="900" b="0" kern="1200" baseline="0" dirty="0">
+                          <a:solidFill>
+                            <a:schemeClr val="tx1">
+                              <a:lumMod val="85000"/>
+                              <a:lumOff val="15000"/>
+                            </a:schemeClr>
+                          </a:solidFill>
+                          <a:latin typeface="맑은 고딕" panose="020B0503020000020004" pitchFamily="50" charset="-127"/>
+                          <a:ea typeface="맑은 고딕" panose="020B0503020000020004" pitchFamily="50" charset="-127"/>
+                          <a:cs typeface="+mn-cs"/>
+                        </a:rPr>
+                        <a:t>	assert( result &gt;= 0.0 );</a:t>
+                      </a:r>
+                      <a:br>
+                        <a:rPr lang="en-US" sz="900" b="0" kern="1200" baseline="0" dirty="0">
+                          <a:solidFill>
+                            <a:schemeClr val="tx1">
+                              <a:lumMod val="85000"/>
+                              <a:lumOff val="15000"/>
+                            </a:schemeClr>
+                          </a:solidFill>
+                          <a:latin typeface="맑은 고딕" panose="020B0503020000020004" pitchFamily="50" charset="-127"/>
+                          <a:ea typeface="맑은 고딕" panose="020B0503020000020004" pitchFamily="50" charset="-127"/>
+                          <a:cs typeface="+mn-cs"/>
+                        </a:rPr>
+                      </a:br>
+                      <a:r>
+                        <a:rPr lang="en-US" sz="900" b="0" kern="1200" baseline="0" dirty="0">
+                          <a:solidFill>
+                            <a:schemeClr val="tx1">
+                              <a:lumMod val="85000"/>
+                              <a:lumOff val="15000"/>
+                            </a:schemeClr>
+                          </a:solidFill>
+                          <a:latin typeface="맑은 고딕" panose="020B0503020000020004" pitchFamily="50" charset="-127"/>
+                          <a:ea typeface="맑은 고딕" panose="020B0503020000020004" pitchFamily="50" charset="-127"/>
+                          <a:cs typeface="+mn-cs"/>
+                        </a:rPr>
+                        <a:t>}</a:t>
+                      </a:r>
+                    </a:p>
+                  </a:txBody>
+                  <a:tcPr marL="180000" marR="72000" marT="36000" marB="36000" anchor="ctr"/>
+                </a:tc>
+                <a:extLst>
+                  <a:ext uri="{0D108BD9-81ED-4DB2-BD59-A6C34878D82A}">
+                    <a16:rowId xmlns:a16="http://schemas.microsoft.com/office/drawing/2014/main" val="1945068800"/>
+                  </a:ext>
+                </a:extLst>
+              </a:tr>
+              <a:tr h="1402374">
+                <a:tc>
+                  <a:txBody>
+                    <a:bodyPr/>
+                    <a:lstStyle/>
+                    <a:p>
+                      <a:pPr algn="ctr" rtl="0">
+                        <a:lnSpc>
+                          <a:spcPct val="150000"/>
+                        </a:lnSpc>
+                      </a:pPr>
+                      <a:r>
+                        <a:rPr lang="en-US" sz="1400" b="1" baseline="0" dirty="0">
+                          <a:solidFill>
+                            <a:schemeClr val="tx1">
+                              <a:lumMod val="85000"/>
+                              <a:lumOff val="15000"/>
+                            </a:schemeClr>
+                          </a:solidFill>
+                          <a:latin typeface="맑은 고딕" panose="020B0503020000020004" pitchFamily="50" charset="-127"/>
+                          <a:ea typeface="맑은 고딕" panose="020B0503020000020004" pitchFamily="50" charset="-127"/>
+                        </a:rPr>
+                        <a:t>throw</a:t>
+                      </a:r>
+                      <a:br>
+                        <a:rPr lang="en-US" sz="1400" b="1" baseline="0" dirty="0">
+                          <a:solidFill>
+                            <a:schemeClr val="tx1">
+                              <a:lumMod val="85000"/>
+                              <a:lumOff val="15000"/>
+                            </a:schemeClr>
+                          </a:solidFill>
+                          <a:latin typeface="맑은 고딕" panose="020B0503020000020004" pitchFamily="50" charset="-127"/>
+                          <a:ea typeface="맑은 고딕" panose="020B0503020000020004" pitchFamily="50" charset="-127"/>
+                        </a:rPr>
+                      </a:br>
+                      <a:r>
+                        <a:rPr lang="en-US" sz="1400" b="1" baseline="0" dirty="0">
+                          <a:solidFill>
+                            <a:schemeClr val="tx1">
+                              <a:lumMod val="85000"/>
+                              <a:lumOff val="15000"/>
+                            </a:schemeClr>
+                          </a:solidFill>
+                          <a:latin typeface="맑은 고딕" panose="020B0503020000020004" pitchFamily="50" charset="-127"/>
+                          <a:ea typeface="맑은 고딕" panose="020B0503020000020004" pitchFamily="50" charset="-127"/>
+                        </a:rPr>
+                        <a:t>: </a:t>
+                      </a:r>
+                      <a:r>
+                        <a:rPr lang="ko-KR" altLang="en-US" sz="1400" b="1" baseline="0" dirty="0">
+                          <a:solidFill>
+                            <a:schemeClr val="tx1">
+                              <a:lumMod val="85000"/>
+                              <a:lumOff val="15000"/>
+                            </a:schemeClr>
+                          </a:solidFill>
+                          <a:latin typeface="맑은 고딕" panose="020B0503020000020004" pitchFamily="50" charset="-127"/>
+                          <a:ea typeface="맑은 고딕" panose="020B0503020000020004" pitchFamily="50" charset="-127"/>
+                        </a:rPr>
+                        <a:t>예외처리 중 하나</a:t>
+                      </a:r>
+                      <a:r>
+                        <a:rPr lang="en-US" altLang="ko-KR" sz="1400" b="1" baseline="0" dirty="0">
+                          <a:solidFill>
+                            <a:schemeClr val="tx1">
+                              <a:lumMod val="85000"/>
+                              <a:lumOff val="15000"/>
+                            </a:schemeClr>
+                          </a:solidFill>
+                          <a:latin typeface="맑은 고딕" panose="020B0503020000020004" pitchFamily="50" charset="-127"/>
+                          <a:ea typeface="맑은 고딕" panose="020B0503020000020004" pitchFamily="50" charset="-127"/>
+                        </a:rPr>
+                        <a:t>.</a:t>
+                      </a:r>
+                      <a:endParaRPr lang="en-US" sz="1400" b="1" baseline="0" dirty="0">
+                        <a:solidFill>
+                          <a:schemeClr val="tx1">
+                            <a:lumMod val="85000"/>
+                            <a:lumOff val="15000"/>
+                          </a:schemeClr>
+                        </a:solidFill>
+                        <a:latin typeface="맑은 고딕" panose="020B0503020000020004" pitchFamily="50" charset="-127"/>
+                        <a:ea typeface="맑은 고딕" panose="020B0503020000020004" pitchFamily="50" charset="-127"/>
+                      </a:endParaRPr>
+                    </a:p>
+                  </a:txBody>
+                  <a:tcPr marL="180000" marR="72000" marT="72000" marB="72000" anchor="ctr"/>
+                </a:tc>
+                <a:tc>
+                  <a:txBody>
+                    <a:bodyPr/>
+                    <a:lstStyle/>
+                    <a:p>
+                      <a:pPr algn="l" rtl="0">
+                        <a:lnSpc>
+                          <a:spcPct val="150000"/>
+                        </a:lnSpc>
+                      </a:pPr>
+                      <a:r>
+                        <a:rPr lang="en-US" sz="900" b="0" baseline="0" dirty="0">
+                          <a:solidFill>
+                            <a:schemeClr val="tx1">
+                              <a:lumMod val="85000"/>
+                              <a:lumOff val="15000"/>
+                            </a:schemeClr>
+                          </a:solidFill>
+                          <a:latin typeface="맑은 고딕" panose="020B0503020000020004" pitchFamily="50" charset="-127"/>
+                          <a:ea typeface="맑은 고딕" panose="020B0503020000020004" pitchFamily="50" charset="-127"/>
+                        </a:rPr>
+                        <a:t>struct </a:t>
+                      </a:r>
+                      <a:r>
+                        <a:rPr lang="en-US" sz="900" b="0" baseline="0" dirty="0" err="1">
+                          <a:solidFill>
+                            <a:schemeClr val="tx1">
+                              <a:lumMod val="85000"/>
+                              <a:lumOff val="15000"/>
+                            </a:schemeClr>
+                          </a:solidFill>
+                          <a:latin typeface="맑은 고딕" panose="020B0503020000020004" pitchFamily="50" charset="-127"/>
+                          <a:ea typeface="맑은 고딕" panose="020B0503020000020004" pitchFamily="50" charset="-127"/>
+                        </a:rPr>
+                        <a:t>cannot_open_file</a:t>
+                      </a:r>
+                      <a:r>
+                        <a:rPr lang="en-US" sz="900" b="0" baseline="0" dirty="0">
+                          <a:solidFill>
+                            <a:schemeClr val="tx1">
+                              <a:lumMod val="85000"/>
+                              <a:lumOff val="15000"/>
+                            </a:schemeClr>
+                          </a:solidFill>
+                          <a:latin typeface="맑은 고딕" panose="020B0503020000020004" pitchFamily="50" charset="-127"/>
+                          <a:ea typeface="맑은 고딕" panose="020B0503020000020004" pitchFamily="50" charset="-127"/>
+                        </a:rPr>
+                        <a:t> { };</a:t>
+                      </a:r>
+                    </a:p>
+                    <a:p>
+                      <a:pPr algn="l" rtl="0">
+                        <a:lnSpc>
+                          <a:spcPct val="150000"/>
+                        </a:lnSpc>
+                      </a:pPr>
+                      <a:r>
+                        <a:rPr lang="en-US" altLang="ko-KR" sz="900" b="0" baseline="0" dirty="0">
+                          <a:solidFill>
+                            <a:schemeClr val="tx1">
+                              <a:lumMod val="85000"/>
+                              <a:lumOff val="15000"/>
+                            </a:schemeClr>
+                          </a:solidFill>
+                          <a:latin typeface="맑은 고딕" panose="020B0503020000020004" pitchFamily="50" charset="-127"/>
+                          <a:ea typeface="맑은 고딕" panose="020B0503020000020004" pitchFamily="50" charset="-127"/>
+                        </a:rPr>
+                        <a:t>void </a:t>
+                      </a:r>
+                      <a:r>
+                        <a:rPr lang="en-US" altLang="ko-KR" sz="900" b="0" baseline="0" dirty="0" err="1">
+                          <a:solidFill>
+                            <a:schemeClr val="tx1">
+                              <a:lumMod val="85000"/>
+                              <a:lumOff val="15000"/>
+                            </a:schemeClr>
+                          </a:solidFill>
+                          <a:latin typeface="맑은 고딕" panose="020B0503020000020004" pitchFamily="50" charset="-127"/>
+                          <a:ea typeface="맑은 고딕" panose="020B0503020000020004" pitchFamily="50" charset="-127"/>
+                        </a:rPr>
+                        <a:t>read_matrix_file</a:t>
+                      </a:r>
+                      <a:r>
+                        <a:rPr lang="en-US" altLang="ko-KR" sz="900" b="0" baseline="0" dirty="0">
+                          <a:solidFill>
+                            <a:schemeClr val="tx1">
+                              <a:lumMod val="85000"/>
+                              <a:lumOff val="15000"/>
+                            </a:schemeClr>
+                          </a:solidFill>
+                          <a:latin typeface="맑은 고딕" panose="020B0503020000020004" pitchFamily="50" charset="-127"/>
+                          <a:ea typeface="맑은 고딕" panose="020B0503020000020004" pitchFamily="50" charset="-127"/>
+                        </a:rPr>
+                        <a:t>(string </a:t>
+                      </a:r>
+                      <a:r>
+                        <a:rPr lang="en-US" altLang="ko-KR" sz="900" b="0" baseline="0" dirty="0" err="1">
+                          <a:solidFill>
+                            <a:schemeClr val="tx1">
+                              <a:lumMod val="85000"/>
+                              <a:lumOff val="15000"/>
+                            </a:schemeClr>
+                          </a:solidFill>
+                          <a:latin typeface="맑은 고딕" panose="020B0503020000020004" pitchFamily="50" charset="-127"/>
+                          <a:ea typeface="맑은 고딕" panose="020B0503020000020004" pitchFamily="50" charset="-127"/>
+                        </a:rPr>
+                        <a:t>fname</a:t>
+                      </a:r>
+                      <a:r>
+                        <a:rPr lang="en-US" altLang="ko-KR" sz="900" b="0" baseline="0" dirty="0">
+                          <a:solidFill>
+                            <a:schemeClr val="tx1">
+                              <a:lumMod val="85000"/>
+                              <a:lumOff val="15000"/>
+                            </a:schemeClr>
+                          </a:solidFill>
+                          <a:latin typeface="맑은 고딕" panose="020B0503020000020004" pitchFamily="50" charset="-127"/>
+                          <a:ea typeface="맑은 고딕" panose="020B0503020000020004" pitchFamily="50" charset="-127"/>
+                        </a:rPr>
+                        <a:t>)</a:t>
+                      </a:r>
+                    </a:p>
+                    <a:p>
+                      <a:pPr algn="l" rtl="0">
+                        <a:lnSpc>
+                          <a:spcPct val="150000"/>
+                        </a:lnSpc>
+                      </a:pPr>
+                      <a:r>
+                        <a:rPr lang="en-US" altLang="ko-KR" sz="900" b="0" baseline="0" dirty="0">
+                          <a:solidFill>
+                            <a:schemeClr val="tx1">
+                              <a:lumMod val="85000"/>
+                              <a:lumOff val="15000"/>
+                            </a:schemeClr>
+                          </a:solidFill>
+                          <a:latin typeface="맑은 고딕" panose="020B0503020000020004" pitchFamily="50" charset="-127"/>
+                          <a:ea typeface="맑은 고딕" panose="020B0503020000020004" pitchFamily="50" charset="-127"/>
+                        </a:rPr>
+                        <a:t>{</a:t>
+                      </a:r>
+                    </a:p>
+                    <a:p>
+                      <a:pPr algn="l" rtl="0">
+                        <a:lnSpc>
+                          <a:spcPct val="150000"/>
+                        </a:lnSpc>
+                      </a:pPr>
+                      <a:r>
+                        <a:rPr lang="en-US" altLang="ko-KR" sz="900" b="0" baseline="0" dirty="0">
+                          <a:solidFill>
+                            <a:schemeClr val="tx1">
+                              <a:lumMod val="85000"/>
+                              <a:lumOff val="15000"/>
+                            </a:schemeClr>
+                          </a:solidFill>
+                          <a:latin typeface="맑은 고딕" panose="020B0503020000020004" pitchFamily="50" charset="-127"/>
+                          <a:ea typeface="맑은 고딕" panose="020B0503020000020004" pitchFamily="50" charset="-127"/>
+                        </a:rPr>
+                        <a:t>	</a:t>
+                      </a:r>
+                      <a:r>
+                        <a:rPr lang="en-US" altLang="ko-KR" sz="900" b="0" baseline="0" dirty="0" err="1">
+                          <a:solidFill>
+                            <a:schemeClr val="tx1">
+                              <a:lumMod val="85000"/>
+                              <a:lumOff val="15000"/>
+                            </a:schemeClr>
+                          </a:solidFill>
+                          <a:latin typeface="맑은 고딕" panose="020B0503020000020004" pitchFamily="50" charset="-127"/>
+                          <a:ea typeface="맑은 고딕" panose="020B0503020000020004" pitchFamily="50" charset="-127"/>
+                        </a:rPr>
+                        <a:t>fstream</a:t>
+                      </a:r>
+                      <a:r>
+                        <a:rPr lang="en-US" altLang="ko-KR" sz="900" b="0" baseline="0" dirty="0">
+                          <a:solidFill>
+                            <a:schemeClr val="tx1">
+                              <a:lumMod val="85000"/>
+                              <a:lumOff val="15000"/>
+                            </a:schemeClr>
+                          </a:solidFill>
+                          <a:latin typeface="맑은 고딕" panose="020B0503020000020004" pitchFamily="50" charset="-127"/>
+                          <a:ea typeface="맑은 고딕" panose="020B0503020000020004" pitchFamily="50" charset="-127"/>
+                        </a:rPr>
+                        <a:t> f(</a:t>
+                      </a:r>
+                      <a:r>
+                        <a:rPr lang="en-US" altLang="ko-KR" sz="900" b="0" baseline="0" dirty="0" err="1">
+                          <a:solidFill>
+                            <a:schemeClr val="tx1">
+                              <a:lumMod val="85000"/>
+                              <a:lumOff val="15000"/>
+                            </a:schemeClr>
+                          </a:solidFill>
+                          <a:latin typeface="맑은 고딕" panose="020B0503020000020004" pitchFamily="50" charset="-127"/>
+                          <a:ea typeface="맑은 고딕" panose="020B0503020000020004" pitchFamily="50" charset="-127"/>
+                        </a:rPr>
+                        <a:t>fname</a:t>
+                      </a:r>
+                      <a:r>
+                        <a:rPr lang="en-US" altLang="ko-KR" sz="900" b="0" baseline="0" dirty="0">
+                          <a:solidFill>
+                            <a:schemeClr val="tx1">
+                              <a:lumMod val="85000"/>
+                              <a:lumOff val="15000"/>
+                            </a:schemeClr>
+                          </a:solidFill>
+                          <a:latin typeface="맑은 고딕" panose="020B0503020000020004" pitchFamily="50" charset="-127"/>
+                          <a:ea typeface="맑은 고딕" panose="020B0503020000020004" pitchFamily="50" charset="-127"/>
+                        </a:rPr>
+                        <a:t>);</a:t>
+                      </a:r>
+                    </a:p>
+                    <a:p>
+                      <a:pPr algn="l" rtl="0">
+                        <a:lnSpc>
+                          <a:spcPct val="150000"/>
+                        </a:lnSpc>
+                      </a:pPr>
+                      <a:r>
+                        <a:rPr lang="en-US" altLang="ko-KR" sz="900" b="0" baseline="0" dirty="0">
+                          <a:solidFill>
+                            <a:schemeClr val="tx1">
+                              <a:lumMod val="85000"/>
+                              <a:lumOff val="15000"/>
+                            </a:schemeClr>
+                          </a:solidFill>
+                          <a:latin typeface="맑은 고딕" panose="020B0503020000020004" pitchFamily="50" charset="-127"/>
+                          <a:ea typeface="맑은 고딕" panose="020B0503020000020004" pitchFamily="50" charset="-127"/>
+                        </a:rPr>
+                        <a:t>	if(!</a:t>
+                      </a:r>
+                      <a:r>
+                        <a:rPr lang="en-US" altLang="ko-KR" sz="900" b="0" baseline="0" dirty="0" err="1">
+                          <a:solidFill>
+                            <a:schemeClr val="tx1">
+                              <a:lumMod val="85000"/>
+                              <a:lumOff val="15000"/>
+                            </a:schemeClr>
+                          </a:solidFill>
+                          <a:latin typeface="맑은 고딕" panose="020B0503020000020004" pitchFamily="50" charset="-127"/>
+                          <a:ea typeface="맑은 고딕" panose="020B0503020000020004" pitchFamily="50" charset="-127"/>
+                        </a:rPr>
+                        <a:t>f.is_open</a:t>
+                      </a:r>
+                      <a:r>
+                        <a:rPr lang="en-US" altLang="ko-KR" sz="900" b="0" baseline="0" dirty="0">
+                          <a:solidFill>
+                            <a:schemeClr val="tx1">
+                              <a:lumMod val="85000"/>
+                              <a:lumOff val="15000"/>
+                            </a:schemeClr>
+                          </a:solidFill>
+                          <a:latin typeface="맑은 고딕" panose="020B0503020000020004" pitchFamily="50" charset="-127"/>
+                          <a:ea typeface="맑은 고딕" panose="020B0503020000020004" pitchFamily="50" charset="-127"/>
+                        </a:rPr>
+                        <a:t>())</a:t>
+                      </a:r>
+                      <a:br>
+                        <a:rPr lang="en-US" altLang="ko-KR" sz="900" b="0" baseline="0" dirty="0">
+                          <a:solidFill>
+                            <a:schemeClr val="tx1">
+                              <a:lumMod val="85000"/>
+                              <a:lumOff val="15000"/>
+                            </a:schemeClr>
+                          </a:solidFill>
+                          <a:latin typeface="맑은 고딕" panose="020B0503020000020004" pitchFamily="50" charset="-127"/>
+                          <a:ea typeface="맑은 고딕" panose="020B0503020000020004" pitchFamily="50" charset="-127"/>
+                        </a:rPr>
+                      </a:br>
+                      <a:r>
+                        <a:rPr lang="en-US" altLang="ko-KR" sz="900" b="0" baseline="0" dirty="0">
+                          <a:solidFill>
+                            <a:schemeClr val="tx1">
+                              <a:lumMod val="85000"/>
+                              <a:lumOff val="15000"/>
+                            </a:schemeClr>
+                          </a:solidFill>
+                          <a:latin typeface="맑은 고딕" panose="020B0503020000020004" pitchFamily="50" charset="-127"/>
+                          <a:ea typeface="맑은 고딕" panose="020B0503020000020004" pitchFamily="50" charset="-127"/>
+                        </a:rPr>
+                        <a:t>	  throw </a:t>
+                      </a:r>
+                      <a:r>
+                        <a:rPr lang="en-US" altLang="ko-KR" sz="900" b="0" baseline="0" dirty="0" err="1">
+                          <a:solidFill>
+                            <a:schemeClr val="tx1">
+                              <a:lumMod val="85000"/>
+                              <a:lumOff val="15000"/>
+                            </a:schemeClr>
+                          </a:solidFill>
+                          <a:latin typeface="맑은 고딕" panose="020B0503020000020004" pitchFamily="50" charset="-127"/>
+                          <a:ea typeface="맑은 고딕" panose="020B0503020000020004" pitchFamily="50" charset="-127"/>
+                        </a:rPr>
+                        <a:t>cannot_open_file</a:t>
+                      </a:r>
+                      <a:r>
+                        <a:rPr lang="en-US" altLang="ko-KR" sz="900" b="0" baseline="0" dirty="0">
+                          <a:solidFill>
+                            <a:schemeClr val="tx1">
+                              <a:lumMod val="85000"/>
+                              <a:lumOff val="15000"/>
+                            </a:schemeClr>
+                          </a:solidFill>
+                          <a:latin typeface="맑은 고딕" panose="020B0503020000020004" pitchFamily="50" charset="-127"/>
+                          <a:ea typeface="맑은 고딕" panose="020B0503020000020004" pitchFamily="50" charset="-127"/>
+                        </a:rPr>
+                        <a:t>{};</a:t>
+                      </a:r>
+                      <a:br>
+                        <a:rPr lang="en-US" altLang="ko-KR" sz="900" b="0" baseline="0" dirty="0">
+                          <a:solidFill>
+                            <a:schemeClr val="tx1">
+                              <a:lumMod val="85000"/>
+                              <a:lumOff val="15000"/>
+                            </a:schemeClr>
+                          </a:solidFill>
+                          <a:latin typeface="맑은 고딕" panose="020B0503020000020004" pitchFamily="50" charset="-127"/>
+                          <a:ea typeface="맑은 고딕" panose="020B0503020000020004" pitchFamily="50" charset="-127"/>
+                        </a:rPr>
+                      </a:br>
+                      <a:r>
+                        <a:rPr lang="en-US" altLang="ko-KR" sz="900" b="0" baseline="0" dirty="0">
+                          <a:solidFill>
+                            <a:schemeClr val="tx1">
+                              <a:lumMod val="85000"/>
+                              <a:lumOff val="15000"/>
+                            </a:schemeClr>
+                          </a:solidFill>
+                          <a:latin typeface="맑은 고딕" panose="020B0503020000020004" pitchFamily="50" charset="-127"/>
+                          <a:ea typeface="맑은 고딕" panose="020B0503020000020004" pitchFamily="50" charset="-127"/>
+                        </a:rPr>
+                        <a:t>}	</a:t>
+                      </a:r>
+                    </a:p>
+                  </a:txBody>
+                  <a:tcPr marL="180000" marR="72000" marT="36000" marB="36000" anchor="ctr"/>
+                </a:tc>
+                <a:extLst>
+                  <a:ext uri="{0D108BD9-81ED-4DB2-BD59-A6C34878D82A}">
+                    <a16:rowId xmlns:a16="http://schemas.microsoft.com/office/drawing/2014/main" val="3905963717"/>
+                  </a:ext>
+                </a:extLst>
+              </a:tr>
+              <a:tr h="2040942">
+                <a:tc>
+                  <a:txBody>
+                    <a:bodyPr/>
+                    <a:lstStyle/>
+                    <a:p>
+                      <a:pPr algn="ctr" rtl="0">
+                        <a:lnSpc>
+                          <a:spcPct val="150000"/>
+                        </a:lnSpc>
+                      </a:pPr>
+                      <a:r>
+                        <a:rPr lang="en-US" sz="1400" b="1" baseline="0" dirty="0">
+                          <a:solidFill>
+                            <a:schemeClr val="tx1">
+                              <a:lumMod val="85000"/>
+                              <a:lumOff val="15000"/>
+                            </a:schemeClr>
+                          </a:solidFill>
+                          <a:latin typeface="맑은 고딕" panose="020B0503020000020004" pitchFamily="50" charset="-127"/>
+                          <a:ea typeface="맑은 고딕" panose="020B0503020000020004" pitchFamily="50" charset="-127"/>
+                        </a:rPr>
+                        <a:t>try-catch</a:t>
+                      </a:r>
+                      <a:br>
+                        <a:rPr lang="en-US" sz="1400" b="1" baseline="0" dirty="0">
+                          <a:solidFill>
+                            <a:schemeClr val="tx1">
+                              <a:lumMod val="85000"/>
+                              <a:lumOff val="15000"/>
+                            </a:schemeClr>
+                          </a:solidFill>
+                          <a:latin typeface="맑은 고딕" panose="020B0503020000020004" pitchFamily="50" charset="-127"/>
+                          <a:ea typeface="맑은 고딕" panose="020B0503020000020004" pitchFamily="50" charset="-127"/>
+                        </a:rPr>
+                      </a:br>
+                      <a:r>
+                        <a:rPr lang="en-US" sz="1400" b="1" baseline="0" dirty="0">
+                          <a:solidFill>
+                            <a:schemeClr val="tx1">
+                              <a:lumMod val="85000"/>
+                              <a:lumOff val="15000"/>
+                            </a:schemeClr>
+                          </a:solidFill>
+                          <a:latin typeface="맑은 고딕" panose="020B0503020000020004" pitchFamily="50" charset="-127"/>
+                          <a:ea typeface="맑은 고딕" panose="020B0503020000020004" pitchFamily="50" charset="-127"/>
+                        </a:rPr>
+                        <a:t>: try </a:t>
+                      </a:r>
+                      <a:r>
+                        <a:rPr lang="ko-KR" altLang="en-US" sz="1400" b="1" baseline="0" dirty="0">
+                          <a:solidFill>
+                            <a:schemeClr val="tx1">
+                              <a:lumMod val="85000"/>
+                              <a:lumOff val="15000"/>
+                            </a:schemeClr>
+                          </a:solidFill>
+                          <a:latin typeface="맑은 고딕" panose="020B0503020000020004" pitchFamily="50" charset="-127"/>
+                          <a:ea typeface="맑은 고딕" panose="020B0503020000020004" pitchFamily="50" charset="-127"/>
+                        </a:rPr>
+                        <a:t>구문 안에서 예외가 발생하면 </a:t>
+                      </a:r>
+                      <a:r>
+                        <a:rPr lang="en-US" altLang="ko-KR" sz="1400" b="1" baseline="0" dirty="0">
+                          <a:solidFill>
+                            <a:schemeClr val="tx1">
+                              <a:lumMod val="85000"/>
+                              <a:lumOff val="15000"/>
+                            </a:schemeClr>
+                          </a:solidFill>
+                          <a:latin typeface="맑은 고딕" panose="020B0503020000020004" pitchFamily="50" charset="-127"/>
+                          <a:ea typeface="맑은 고딕" panose="020B0503020000020004" pitchFamily="50" charset="-127"/>
+                        </a:rPr>
+                        <a:t>catch </a:t>
+                      </a:r>
+                      <a:r>
+                        <a:rPr lang="ko-KR" altLang="en-US" sz="1400" b="1" baseline="0" dirty="0">
+                          <a:solidFill>
+                            <a:schemeClr val="tx1">
+                              <a:lumMod val="85000"/>
+                              <a:lumOff val="15000"/>
+                            </a:schemeClr>
+                          </a:solidFill>
+                          <a:latin typeface="맑은 고딕" panose="020B0503020000020004" pitchFamily="50" charset="-127"/>
+                          <a:ea typeface="맑은 고딕" panose="020B0503020000020004" pitchFamily="50" charset="-127"/>
+                        </a:rPr>
+                        <a:t>구문 안에서 처리</a:t>
+                      </a:r>
+                      <a:endParaRPr lang="en-US" sz="1400" b="1" baseline="0" dirty="0">
+                        <a:solidFill>
+                          <a:schemeClr val="tx1">
+                            <a:lumMod val="85000"/>
+                            <a:lumOff val="15000"/>
+                          </a:schemeClr>
+                        </a:solidFill>
+                        <a:latin typeface="맑은 고딕" panose="020B0503020000020004" pitchFamily="50" charset="-127"/>
+                        <a:ea typeface="맑은 고딕" panose="020B0503020000020004" pitchFamily="50" charset="-127"/>
+                      </a:endParaRPr>
+                    </a:p>
+                  </a:txBody>
+                  <a:tcPr marL="180000" marR="72000" marT="72000" marB="72000" anchor="ctr"/>
+                </a:tc>
+                <a:tc>
+                  <a:txBody>
+                    <a:bodyPr/>
+                    <a:lstStyle/>
+                    <a:p>
+                      <a:r>
+                        <a:rPr lang="en-US" altLang="ko-KR" sz="900" b="0" kern="1200" baseline="0" dirty="0">
+                          <a:solidFill>
+                            <a:schemeClr val="tx1">
+                              <a:lumMod val="85000"/>
+                              <a:lumOff val="15000"/>
+                            </a:schemeClr>
+                          </a:solidFill>
+                          <a:latin typeface="맑은 고딕" panose="020B0503020000020004" pitchFamily="50" charset="-127"/>
+                          <a:ea typeface="맑은 고딕" panose="020B0503020000020004" pitchFamily="50" charset="-127"/>
+                          <a:cs typeface="+mn-cs"/>
+                        </a:rPr>
+                        <a:t>string </a:t>
+                      </a:r>
+                      <a:r>
+                        <a:rPr lang="en-US" altLang="ko-KR" sz="900" b="0" kern="1200" baseline="0" dirty="0" err="1">
+                          <a:solidFill>
+                            <a:schemeClr val="tx1">
+                              <a:lumMod val="85000"/>
+                              <a:lumOff val="15000"/>
+                            </a:schemeClr>
+                          </a:solidFill>
+                          <a:latin typeface="맑은 고딕" panose="020B0503020000020004" pitchFamily="50" charset="-127"/>
+                          <a:ea typeface="맑은 고딕" panose="020B0503020000020004" pitchFamily="50" charset="-127"/>
+                          <a:cs typeface="+mn-cs"/>
+                        </a:rPr>
+                        <a:t>fname</a:t>
+                      </a:r>
+                      <a:r>
+                        <a:rPr lang="en-US" altLang="ko-KR" sz="900" b="0" kern="1200" baseline="0" dirty="0">
+                          <a:solidFill>
+                            <a:schemeClr val="tx1">
+                              <a:lumMod val="85000"/>
+                              <a:lumOff val="15000"/>
+                            </a:schemeClr>
+                          </a:solidFill>
+                          <a:latin typeface="맑은 고딕" panose="020B0503020000020004" pitchFamily="50" charset="-127"/>
+                          <a:ea typeface="맑은 고딕" panose="020B0503020000020004" pitchFamily="50" charset="-127"/>
+                          <a:cs typeface="+mn-cs"/>
+                        </a:rPr>
+                        <a:t>;</a:t>
+                      </a:r>
+                    </a:p>
+                    <a:p>
+                      <a:r>
+                        <a:rPr lang="en-US" altLang="ko-KR" sz="900" b="0" kern="1200" baseline="0" dirty="0" err="1">
+                          <a:solidFill>
+                            <a:schemeClr val="tx1">
+                              <a:lumMod val="85000"/>
+                              <a:lumOff val="15000"/>
+                            </a:schemeClr>
+                          </a:solidFill>
+                          <a:latin typeface="맑은 고딕" panose="020B0503020000020004" pitchFamily="50" charset="-127"/>
+                          <a:ea typeface="맑은 고딕" panose="020B0503020000020004" pitchFamily="50" charset="-127"/>
+                          <a:cs typeface="+mn-cs"/>
+                        </a:rPr>
+                        <a:t>cout</a:t>
+                      </a:r>
+                      <a:r>
+                        <a:rPr lang="en-US" altLang="ko-KR" sz="900" b="0" kern="1200" baseline="0" dirty="0">
+                          <a:solidFill>
+                            <a:schemeClr val="tx1">
+                              <a:lumMod val="85000"/>
+                              <a:lumOff val="15000"/>
+                            </a:schemeClr>
+                          </a:solidFill>
+                          <a:latin typeface="맑은 고딕" panose="020B0503020000020004" pitchFamily="50" charset="-127"/>
+                          <a:ea typeface="맑은 고딕" panose="020B0503020000020004" pitchFamily="50" charset="-127"/>
+                          <a:cs typeface="+mn-cs"/>
+                        </a:rPr>
+                        <a:t> &lt;&lt; "Please enter the file name: ";</a:t>
+                      </a:r>
+                    </a:p>
+                    <a:p>
+                      <a:r>
+                        <a:rPr lang="en-US" altLang="ko-KR" sz="900" b="0" kern="1200" baseline="0" dirty="0" err="1">
+                          <a:solidFill>
+                            <a:schemeClr val="tx1">
+                              <a:lumMod val="85000"/>
+                              <a:lumOff val="15000"/>
+                            </a:schemeClr>
+                          </a:solidFill>
+                          <a:latin typeface="맑은 고딕" panose="020B0503020000020004" pitchFamily="50" charset="-127"/>
+                          <a:ea typeface="맑은 고딕" panose="020B0503020000020004" pitchFamily="50" charset="-127"/>
+                          <a:cs typeface="+mn-cs"/>
+                        </a:rPr>
+                        <a:t>cin</a:t>
+                      </a:r>
+                      <a:r>
+                        <a:rPr lang="en-US" altLang="ko-KR" sz="900" b="0" kern="1200" baseline="0" dirty="0">
+                          <a:solidFill>
+                            <a:schemeClr val="tx1">
+                              <a:lumMod val="85000"/>
+                              <a:lumOff val="15000"/>
+                            </a:schemeClr>
+                          </a:solidFill>
+                          <a:latin typeface="맑은 고딕" panose="020B0503020000020004" pitchFamily="50" charset="-127"/>
+                          <a:ea typeface="맑은 고딕" panose="020B0503020000020004" pitchFamily="50" charset="-127"/>
+                          <a:cs typeface="+mn-cs"/>
+                        </a:rPr>
+                        <a:t> &gt;&gt; </a:t>
+                      </a:r>
+                      <a:r>
+                        <a:rPr lang="en-US" altLang="ko-KR" sz="900" b="0" kern="1200" baseline="0" dirty="0" err="1">
+                          <a:solidFill>
+                            <a:schemeClr val="tx1">
+                              <a:lumMod val="85000"/>
+                              <a:lumOff val="15000"/>
+                            </a:schemeClr>
+                          </a:solidFill>
+                          <a:latin typeface="맑은 고딕" panose="020B0503020000020004" pitchFamily="50" charset="-127"/>
+                          <a:ea typeface="맑은 고딕" panose="020B0503020000020004" pitchFamily="50" charset="-127"/>
+                          <a:cs typeface="+mn-cs"/>
+                        </a:rPr>
+                        <a:t>fname</a:t>
+                      </a:r>
+                      <a:r>
+                        <a:rPr lang="en-US" altLang="ko-KR" sz="900" b="0" kern="1200" baseline="0" dirty="0">
+                          <a:solidFill>
+                            <a:schemeClr val="tx1">
+                              <a:lumMod val="85000"/>
+                              <a:lumOff val="15000"/>
+                            </a:schemeClr>
+                          </a:solidFill>
+                          <a:latin typeface="맑은 고딕" panose="020B0503020000020004" pitchFamily="50" charset="-127"/>
+                          <a:ea typeface="맑은 고딕" panose="020B0503020000020004" pitchFamily="50" charset="-127"/>
+                          <a:cs typeface="+mn-cs"/>
+                        </a:rPr>
+                        <a:t>;</a:t>
+                      </a:r>
+                    </a:p>
+                    <a:p>
+                      <a:endParaRPr lang="ko-KR" altLang="en-US" sz="900" b="0" kern="1200" baseline="0" dirty="0">
+                        <a:solidFill>
+                          <a:schemeClr val="tx1">
+                            <a:lumMod val="85000"/>
+                            <a:lumOff val="15000"/>
+                          </a:schemeClr>
+                        </a:solidFill>
+                        <a:latin typeface="맑은 고딕" panose="020B0503020000020004" pitchFamily="50" charset="-127"/>
+                        <a:ea typeface="맑은 고딕" panose="020B0503020000020004" pitchFamily="50" charset="-127"/>
+                        <a:cs typeface="+mn-cs"/>
+                      </a:endParaRPr>
+                    </a:p>
+                    <a:p>
+                      <a:r>
+                        <a:rPr lang="en-US" altLang="ko-KR" sz="900" b="0" kern="1200" baseline="0" dirty="0">
+                          <a:solidFill>
+                            <a:schemeClr val="tx1">
+                              <a:lumMod val="85000"/>
+                              <a:lumOff val="15000"/>
+                            </a:schemeClr>
+                          </a:solidFill>
+                          <a:latin typeface="맑은 고딕" panose="020B0503020000020004" pitchFamily="50" charset="-127"/>
+                          <a:ea typeface="맑은 고딕" panose="020B0503020000020004" pitchFamily="50" charset="-127"/>
+                          <a:cs typeface="+mn-cs"/>
+                        </a:rPr>
+                        <a:t>try {</a:t>
+                      </a:r>
+                    </a:p>
+                    <a:p>
+                      <a:r>
+                        <a:rPr lang="en-US" altLang="ko-KR" sz="900" b="0" kern="1200" baseline="0" dirty="0">
+                          <a:solidFill>
+                            <a:schemeClr val="tx1">
+                              <a:lumMod val="85000"/>
+                              <a:lumOff val="15000"/>
+                            </a:schemeClr>
+                          </a:solidFill>
+                          <a:latin typeface="맑은 고딕" panose="020B0503020000020004" pitchFamily="50" charset="-127"/>
+                          <a:ea typeface="맑은 고딕" panose="020B0503020000020004" pitchFamily="50" charset="-127"/>
+                          <a:cs typeface="+mn-cs"/>
+                        </a:rPr>
+                        <a:t>	</a:t>
+                      </a:r>
+                      <a:r>
+                        <a:rPr lang="en-US" altLang="ko-KR" sz="900" b="0" kern="1200" baseline="0" dirty="0" err="1">
+                          <a:solidFill>
+                            <a:schemeClr val="tx1">
+                              <a:lumMod val="85000"/>
+                              <a:lumOff val="15000"/>
+                            </a:schemeClr>
+                          </a:solidFill>
+                          <a:latin typeface="맑은 고딕" panose="020B0503020000020004" pitchFamily="50" charset="-127"/>
+                          <a:ea typeface="맑은 고딕" panose="020B0503020000020004" pitchFamily="50" charset="-127"/>
+                          <a:cs typeface="+mn-cs"/>
+                        </a:rPr>
+                        <a:t>read_matrix_file</a:t>
+                      </a:r>
+                      <a:r>
+                        <a:rPr lang="en-US" altLang="ko-KR" sz="900" b="0" kern="1200" baseline="0" dirty="0">
+                          <a:solidFill>
+                            <a:schemeClr val="tx1">
+                              <a:lumMod val="85000"/>
+                              <a:lumOff val="15000"/>
+                            </a:schemeClr>
+                          </a:solidFill>
+                          <a:latin typeface="맑은 고딕" panose="020B0503020000020004" pitchFamily="50" charset="-127"/>
+                          <a:ea typeface="맑은 고딕" panose="020B0503020000020004" pitchFamily="50" charset="-127"/>
+                          <a:cs typeface="+mn-cs"/>
+                        </a:rPr>
+                        <a:t>(</a:t>
+                      </a:r>
+                      <a:r>
+                        <a:rPr lang="en-US" altLang="ko-KR" sz="900" b="0" kern="1200" baseline="0" dirty="0" err="1">
+                          <a:solidFill>
+                            <a:schemeClr val="tx1">
+                              <a:lumMod val="85000"/>
+                              <a:lumOff val="15000"/>
+                            </a:schemeClr>
+                          </a:solidFill>
+                          <a:latin typeface="맑은 고딕" panose="020B0503020000020004" pitchFamily="50" charset="-127"/>
+                          <a:ea typeface="맑은 고딕" panose="020B0503020000020004" pitchFamily="50" charset="-127"/>
+                          <a:cs typeface="+mn-cs"/>
+                        </a:rPr>
+                        <a:t>fname</a:t>
+                      </a:r>
+                      <a:r>
+                        <a:rPr lang="en-US" altLang="ko-KR" sz="900" b="0" kern="1200" baseline="0" dirty="0">
+                          <a:solidFill>
+                            <a:schemeClr val="tx1">
+                              <a:lumMod val="85000"/>
+                              <a:lumOff val="15000"/>
+                            </a:schemeClr>
+                          </a:solidFill>
+                          <a:latin typeface="맑은 고딕" panose="020B0503020000020004" pitchFamily="50" charset="-127"/>
+                          <a:ea typeface="맑은 고딕" panose="020B0503020000020004" pitchFamily="50" charset="-127"/>
+                          <a:cs typeface="+mn-cs"/>
+                        </a:rPr>
+                        <a:t>);</a:t>
+                      </a:r>
+                    </a:p>
+                    <a:p>
+                      <a:r>
+                        <a:rPr lang="en-US" altLang="ko-KR" sz="900" b="0" kern="1200" baseline="0" dirty="0">
+                          <a:solidFill>
+                            <a:schemeClr val="tx1">
+                              <a:lumMod val="85000"/>
+                              <a:lumOff val="15000"/>
+                            </a:schemeClr>
+                          </a:solidFill>
+                          <a:latin typeface="맑은 고딕" panose="020B0503020000020004" pitchFamily="50" charset="-127"/>
+                          <a:ea typeface="맑은 고딕" panose="020B0503020000020004" pitchFamily="50" charset="-127"/>
+                          <a:cs typeface="+mn-cs"/>
+                        </a:rPr>
+                        <a:t>}</a:t>
+                      </a:r>
+                    </a:p>
+                    <a:p>
+                      <a:r>
+                        <a:rPr lang="en-US" altLang="ko-KR" sz="900" b="0" kern="1200" baseline="0" dirty="0">
+                          <a:solidFill>
+                            <a:schemeClr val="tx1">
+                              <a:lumMod val="85000"/>
+                              <a:lumOff val="15000"/>
+                            </a:schemeClr>
+                          </a:solidFill>
+                          <a:latin typeface="맑은 고딕" panose="020B0503020000020004" pitchFamily="50" charset="-127"/>
+                          <a:ea typeface="맑은 고딕" panose="020B0503020000020004" pitchFamily="50" charset="-127"/>
+                          <a:cs typeface="+mn-cs"/>
+                        </a:rPr>
+                        <a:t>catch (</a:t>
+                      </a:r>
+                      <a:r>
+                        <a:rPr lang="en-US" altLang="ko-KR" sz="900" b="0" kern="1200" baseline="0" dirty="0" err="1">
+                          <a:solidFill>
+                            <a:schemeClr val="tx1">
+                              <a:lumMod val="85000"/>
+                              <a:lumOff val="15000"/>
+                            </a:schemeClr>
+                          </a:solidFill>
+                          <a:latin typeface="맑은 고딕" panose="020B0503020000020004" pitchFamily="50" charset="-127"/>
+                          <a:ea typeface="맑은 고딕" panose="020B0503020000020004" pitchFamily="50" charset="-127"/>
+                          <a:cs typeface="+mn-cs"/>
+                        </a:rPr>
+                        <a:t>cannot_open_file</a:t>
+                      </a:r>
+                      <a:r>
+                        <a:rPr lang="en-US" altLang="ko-KR" sz="900" b="0" kern="1200" baseline="0" dirty="0">
+                          <a:solidFill>
+                            <a:schemeClr val="tx1">
+                              <a:lumMod val="85000"/>
+                              <a:lumOff val="15000"/>
+                            </a:schemeClr>
+                          </a:solidFill>
+                          <a:latin typeface="맑은 고딕" panose="020B0503020000020004" pitchFamily="50" charset="-127"/>
+                          <a:ea typeface="맑은 고딕" panose="020B0503020000020004" pitchFamily="50" charset="-127"/>
+                          <a:cs typeface="+mn-cs"/>
+                        </a:rPr>
+                        <a:t>&amp; e)</a:t>
+                      </a:r>
+                    </a:p>
+                    <a:p>
+                      <a:r>
+                        <a:rPr lang="en-US" altLang="ko-KR" sz="900" b="0" kern="1200" baseline="0" dirty="0">
+                          <a:solidFill>
+                            <a:schemeClr val="tx1">
+                              <a:lumMod val="85000"/>
+                              <a:lumOff val="15000"/>
+                            </a:schemeClr>
+                          </a:solidFill>
+                          <a:latin typeface="맑은 고딕" panose="020B0503020000020004" pitchFamily="50" charset="-127"/>
+                          <a:ea typeface="맑은 고딕" panose="020B0503020000020004" pitchFamily="50" charset="-127"/>
+                          <a:cs typeface="+mn-cs"/>
+                        </a:rPr>
+                        <a:t>{</a:t>
+                      </a:r>
+                    </a:p>
+                    <a:p>
+                      <a:r>
+                        <a:rPr lang="en-US" altLang="ko-KR" sz="900" b="0" kern="1200" baseline="0" dirty="0">
+                          <a:solidFill>
+                            <a:schemeClr val="tx1">
+                              <a:lumMod val="85000"/>
+                              <a:lumOff val="15000"/>
+                            </a:schemeClr>
+                          </a:solidFill>
+                          <a:latin typeface="맑은 고딕" panose="020B0503020000020004" pitchFamily="50" charset="-127"/>
+                          <a:ea typeface="맑은 고딕" panose="020B0503020000020004" pitchFamily="50" charset="-127"/>
+                          <a:cs typeface="+mn-cs"/>
+                        </a:rPr>
+                        <a:t>	</a:t>
+                      </a:r>
+                      <a:r>
+                        <a:rPr lang="en-US" altLang="ko-KR" sz="900" b="0" kern="1200" baseline="0" dirty="0" err="1">
+                          <a:solidFill>
+                            <a:schemeClr val="tx1">
+                              <a:lumMod val="85000"/>
+                              <a:lumOff val="15000"/>
+                            </a:schemeClr>
+                          </a:solidFill>
+                          <a:latin typeface="맑은 고딕" panose="020B0503020000020004" pitchFamily="50" charset="-127"/>
+                          <a:ea typeface="맑은 고딕" panose="020B0503020000020004" pitchFamily="50" charset="-127"/>
+                          <a:cs typeface="+mn-cs"/>
+                        </a:rPr>
+                        <a:t>cout</a:t>
+                      </a:r>
+                      <a:r>
+                        <a:rPr lang="en-US" altLang="ko-KR" sz="900" b="0" kern="1200" baseline="0" dirty="0">
+                          <a:solidFill>
+                            <a:schemeClr val="tx1">
+                              <a:lumMod val="85000"/>
+                              <a:lumOff val="15000"/>
+                            </a:schemeClr>
+                          </a:solidFill>
+                          <a:latin typeface="맑은 고딕" panose="020B0503020000020004" pitchFamily="50" charset="-127"/>
+                          <a:ea typeface="맑은 고딕" panose="020B0503020000020004" pitchFamily="50" charset="-127"/>
+                          <a:cs typeface="+mn-cs"/>
+                        </a:rPr>
+                        <a:t> &lt;&lt; "Could not open file. Try another one!\n";</a:t>
+                      </a:r>
+                    </a:p>
+                    <a:p>
+                      <a:r>
+                        <a:rPr lang="en-US" altLang="ko-KR" sz="900" b="0" kern="1200" baseline="0" dirty="0">
+                          <a:solidFill>
+                            <a:schemeClr val="tx1">
+                              <a:lumMod val="85000"/>
+                              <a:lumOff val="15000"/>
+                            </a:schemeClr>
+                          </a:solidFill>
+                          <a:latin typeface="맑은 고딕" panose="020B0503020000020004" pitchFamily="50" charset="-127"/>
+                          <a:ea typeface="맑은 고딕" panose="020B0503020000020004" pitchFamily="50" charset="-127"/>
+                          <a:cs typeface="+mn-cs"/>
+                        </a:rPr>
+                        <a:t>}</a:t>
+                      </a:r>
+                    </a:p>
+                    <a:p>
+                      <a:r>
+                        <a:rPr lang="en-US" altLang="ko-KR" sz="900" b="0" kern="1200" baseline="0" dirty="0">
+                          <a:solidFill>
+                            <a:schemeClr val="tx1">
+                              <a:lumMod val="85000"/>
+                              <a:lumOff val="15000"/>
+                            </a:schemeClr>
+                          </a:solidFill>
+                          <a:latin typeface="맑은 고딕" panose="020B0503020000020004" pitchFamily="50" charset="-127"/>
+                          <a:ea typeface="맑은 고딕" panose="020B0503020000020004" pitchFamily="50" charset="-127"/>
+                          <a:cs typeface="+mn-cs"/>
+                        </a:rPr>
+                        <a:t>catch (...)	</a:t>
+                      </a:r>
+                      <a:r>
+                        <a:rPr lang="en-US" altLang="ko-KR" sz="900" b="0" kern="1200" baseline="0" dirty="0">
+                          <a:solidFill>
+                            <a:srgbClr val="179933"/>
+                          </a:solidFill>
+                          <a:latin typeface="맑은 고딕" panose="020B0503020000020004" pitchFamily="50" charset="-127"/>
+                          <a:ea typeface="맑은 고딕" panose="020B0503020000020004" pitchFamily="50" charset="-127"/>
+                          <a:cs typeface="+mn-cs"/>
+                        </a:rPr>
+                        <a:t>// </a:t>
+                      </a:r>
+                      <a:r>
+                        <a:rPr lang="ko-KR" altLang="en-US" sz="900" b="0" kern="1200" baseline="0" dirty="0">
+                          <a:solidFill>
+                            <a:srgbClr val="179933"/>
+                          </a:solidFill>
+                          <a:latin typeface="맑은 고딕" panose="020B0503020000020004" pitchFamily="50" charset="-127"/>
+                          <a:ea typeface="맑은 고딕" panose="020B0503020000020004" pitchFamily="50" charset="-127"/>
+                          <a:cs typeface="+mn-cs"/>
+                        </a:rPr>
+                        <a:t>다른 모든 예외들을 처리</a:t>
+                      </a:r>
+                      <a:endParaRPr lang="en-US" altLang="ko-KR" sz="900" b="0" kern="1200" baseline="0" dirty="0">
+                        <a:solidFill>
+                          <a:srgbClr val="179933"/>
+                        </a:solidFill>
+                        <a:latin typeface="맑은 고딕" panose="020B0503020000020004" pitchFamily="50" charset="-127"/>
+                        <a:ea typeface="맑은 고딕" panose="020B0503020000020004" pitchFamily="50" charset="-127"/>
+                        <a:cs typeface="+mn-cs"/>
+                      </a:endParaRPr>
+                    </a:p>
+                    <a:p>
+                      <a:r>
+                        <a:rPr lang="en-US" altLang="ko-KR" sz="900" b="0" kern="1200" baseline="0" dirty="0">
+                          <a:solidFill>
+                            <a:schemeClr val="tx1">
+                              <a:lumMod val="85000"/>
+                              <a:lumOff val="15000"/>
+                            </a:schemeClr>
+                          </a:solidFill>
+                          <a:latin typeface="맑은 고딕" panose="020B0503020000020004" pitchFamily="50" charset="-127"/>
+                          <a:ea typeface="맑은 고딕" panose="020B0503020000020004" pitchFamily="50" charset="-127"/>
+                          <a:cs typeface="+mn-cs"/>
+                        </a:rPr>
+                        <a:t>{</a:t>
+                      </a:r>
+                    </a:p>
+                    <a:p>
+                      <a:r>
+                        <a:rPr lang="en-US" altLang="ko-KR" sz="900" b="0" kern="1200" baseline="0" dirty="0">
+                          <a:solidFill>
+                            <a:schemeClr val="tx1">
+                              <a:lumMod val="85000"/>
+                              <a:lumOff val="15000"/>
+                            </a:schemeClr>
+                          </a:solidFill>
+                          <a:latin typeface="맑은 고딕" panose="020B0503020000020004" pitchFamily="50" charset="-127"/>
+                          <a:ea typeface="맑은 고딕" panose="020B0503020000020004" pitchFamily="50" charset="-127"/>
+                          <a:cs typeface="+mn-cs"/>
+                        </a:rPr>
+                        <a:t>	</a:t>
+                      </a:r>
+                      <a:r>
+                        <a:rPr lang="en-US" altLang="ko-KR" sz="900" b="0" kern="1200" baseline="0" dirty="0" err="1">
+                          <a:solidFill>
+                            <a:schemeClr val="tx1">
+                              <a:lumMod val="85000"/>
+                              <a:lumOff val="15000"/>
+                            </a:schemeClr>
+                          </a:solidFill>
+                          <a:latin typeface="맑은 고딕" panose="020B0503020000020004" pitchFamily="50" charset="-127"/>
+                          <a:ea typeface="맑은 고딕" panose="020B0503020000020004" pitchFamily="50" charset="-127"/>
+                          <a:cs typeface="+mn-cs"/>
+                        </a:rPr>
+                        <a:t>cout</a:t>
+                      </a:r>
+                      <a:r>
+                        <a:rPr lang="en-US" altLang="ko-KR" sz="900" b="0" kern="1200" baseline="0" dirty="0">
+                          <a:solidFill>
+                            <a:schemeClr val="tx1">
+                              <a:lumMod val="85000"/>
+                              <a:lumOff val="15000"/>
+                            </a:schemeClr>
+                          </a:solidFill>
+                          <a:latin typeface="맑은 고딕" panose="020B0503020000020004" pitchFamily="50" charset="-127"/>
+                          <a:ea typeface="맑은 고딕" panose="020B0503020000020004" pitchFamily="50" charset="-127"/>
+                          <a:cs typeface="+mn-cs"/>
+                        </a:rPr>
+                        <a:t> &lt;&lt; "Something is fishy here. Try another file!\n";</a:t>
+                      </a:r>
+                    </a:p>
+                    <a:p>
+                      <a:r>
+                        <a:rPr lang="en-US" altLang="ko-KR" sz="900" b="0" kern="1200" baseline="0" dirty="0">
+                          <a:solidFill>
+                            <a:schemeClr val="tx1">
+                              <a:lumMod val="85000"/>
+                              <a:lumOff val="15000"/>
+                            </a:schemeClr>
+                          </a:solidFill>
+                          <a:latin typeface="맑은 고딕" panose="020B0503020000020004" pitchFamily="50" charset="-127"/>
+                          <a:ea typeface="맑은 고딕" panose="020B0503020000020004" pitchFamily="50" charset="-127"/>
+                          <a:cs typeface="+mn-cs"/>
+                        </a:rPr>
+                        <a:t>}</a:t>
+                      </a:r>
+                      <a:endParaRPr lang="en-US" sz="900" b="0" kern="1200" baseline="0" dirty="0">
+                        <a:solidFill>
+                          <a:schemeClr val="tx1">
+                            <a:lumMod val="85000"/>
+                            <a:lumOff val="15000"/>
+                          </a:schemeClr>
+                        </a:solidFill>
+                        <a:latin typeface="맑은 고딕" panose="020B0503020000020004" pitchFamily="50" charset="-127"/>
+                        <a:ea typeface="맑은 고딕" panose="020B0503020000020004" pitchFamily="50" charset="-127"/>
+                        <a:cs typeface="+mn-cs"/>
+                      </a:endParaRPr>
+                    </a:p>
+                  </a:txBody>
+                  <a:tcPr marL="180000" marR="72000" marT="36000" marB="36000" anchor="ctr"/>
+                </a:tc>
+                <a:extLst>
+                  <a:ext uri="{0D108BD9-81ED-4DB2-BD59-A6C34878D82A}">
+                    <a16:rowId xmlns:a16="http://schemas.microsoft.com/office/drawing/2014/main" val="2165565380"/>
+                  </a:ext>
+                </a:extLst>
+              </a:tr>
+            </a:tbl>
+          </a:graphicData>
+        </a:graphic>
+      </p:graphicFrame>
+    </p:spTree>
+    <p:extLst>
+      <p:ext uri="{BB962C8B-B14F-4D97-AF65-F5344CB8AC3E}">
+        <p14:creationId xmlns:p14="http://schemas.microsoft.com/office/powerpoint/2010/main" val="2547597892"/>
       </p:ext>
     </p:extLst>
   </p:cSld>
@@ -10188,12 +14787,12 @@
 </file>
 
 <file path=customXml/item1.xml><?xml version="1.0" encoding="utf-8"?>
-<p:properties xmlns:p="http://schemas.microsoft.com/office/2006/metadata/properties" xmlns:xsi="http://www.w3.org/2001/XMLSchema-instance" xmlns:pc="http://schemas.microsoft.com/office/infopath/2007/PartnerControls">
-  <documentManagement>
-    <Status xmlns="71af3243-3dd4-4a8d-8c0d-dd76da1f02a5">Not started</Status>
-    <MediaServiceKeyPoints xmlns="71af3243-3dd4-4a8d-8c0d-dd76da1f02a5" xsi:nil="true"/>
-  </documentManagement>
-</p:properties>
+<?mso-contentType ?>
+<FormTemplates xmlns="http://schemas.microsoft.com/sharepoint/v3/contenttype/forms">
+  <Display>DocumentLibraryForm</Display>
+  <Edit>DocumentLibraryForm</Edit>
+  <New>DocumentLibraryForm</New>
+</FormTemplates>
 </file>
 
 <file path=customXml/item2.xml><?xml version="1.0" encoding="utf-8"?>
@@ -10418,20 +15017,18 @@
 </file>
 
 <file path=customXml/item3.xml><?xml version="1.0" encoding="utf-8"?>
-<?mso-contentType ?>
-<FormTemplates xmlns="http://schemas.microsoft.com/sharepoint/v3/contenttype/forms">
-  <Display>DocumentLibraryForm</Display>
-  <Edit>DocumentLibraryForm</Edit>
-  <New>DocumentLibraryForm</New>
-</FormTemplates>
+<p:properties xmlns:p="http://schemas.microsoft.com/office/2006/metadata/properties" xmlns:xsi="http://www.w3.org/2001/XMLSchema-instance" xmlns:pc="http://schemas.microsoft.com/office/infopath/2007/PartnerControls">
+  <documentManagement>
+    <Status xmlns="71af3243-3dd4-4a8d-8c0d-dd76da1f02a5">Not started</Status>
+    <MediaServiceKeyPoints xmlns="71af3243-3dd4-4a8d-8c0d-dd76da1f02a5" xsi:nil="true"/>
+  </documentManagement>
+</p:properties>
 </file>
 
 <file path=customXml/itemProps1.xml><?xml version="1.0" encoding="utf-8"?>
-<ds:datastoreItem xmlns:ds="http://schemas.openxmlformats.org/officeDocument/2006/customXml" ds:itemID="{ADC43B05-D266-4257-98DE-FF9D8CEDAE76}">
+<ds:datastoreItem xmlns:ds="http://schemas.openxmlformats.org/officeDocument/2006/customXml" ds:itemID="{8435A0B9-5F49-415F-9BEE-591FDACE98D1}">
   <ds:schemaRefs>
-    <ds:schemaRef ds:uri="http://schemas.microsoft.com/office/2006/metadata/properties"/>
-    <ds:schemaRef ds:uri="http://schemas.microsoft.com/office/infopath/2007/PartnerControls"/>
-    <ds:schemaRef ds:uri="71af3243-3dd4-4a8d-8c0d-dd76da1f02a5"/>
+    <ds:schemaRef ds:uri="http://schemas.microsoft.com/sharepoint/v3/contenttype/forms"/>
   </ds:schemaRefs>
 </ds:datastoreItem>
 </file>
@@ -10456,9 +15053,11 @@
 </file>
 
 <file path=customXml/itemProps3.xml><?xml version="1.0" encoding="utf-8"?>
-<ds:datastoreItem xmlns:ds="http://schemas.openxmlformats.org/officeDocument/2006/customXml" ds:itemID="{8435A0B9-5F49-415F-9BEE-591FDACE98D1}">
+<ds:datastoreItem xmlns:ds="http://schemas.openxmlformats.org/officeDocument/2006/customXml" ds:itemID="{ADC43B05-D266-4257-98DE-FF9D8CEDAE76}">
   <ds:schemaRefs>
-    <ds:schemaRef ds:uri="http://schemas.microsoft.com/sharepoint/v3/contenttype/forms"/>
+    <ds:schemaRef ds:uri="http://schemas.microsoft.com/office/2006/metadata/properties"/>
+    <ds:schemaRef ds:uri="http://schemas.microsoft.com/office/infopath/2007/PartnerControls"/>
+    <ds:schemaRef ds:uri="71af3243-3dd4-4a8d-8c0d-dd76da1f02a5"/>
   </ds:schemaRefs>
 </ds:datastoreItem>
 </file>
--- a/1st/[ModernCpp]1st.pptx
+++ b/1st/[ModernCpp]1st.pptx
@@ -5,10 +5,10 @@
     <p:sldMasterId id="2147483685" r:id="rId4"/>
   </p:sldMasterIdLst>
   <p:notesMasterIdLst>
-    <p:notesMasterId r:id="rId12"/>
+    <p:notesMasterId r:id="rId15"/>
   </p:notesMasterIdLst>
   <p:handoutMasterIdLst>
-    <p:handoutMasterId r:id="rId13"/>
+    <p:handoutMasterId r:id="rId16"/>
   </p:handoutMasterIdLst>
   <p:sldIdLst>
     <p:sldId id="338" r:id="rId5"/>
@@ -18,6 +18,9 @@
     <p:sldId id="343" r:id="rId9"/>
     <p:sldId id="344" r:id="rId10"/>
     <p:sldId id="345" r:id="rId11"/>
+    <p:sldId id="346" r:id="rId12"/>
+    <p:sldId id="347" r:id="rId13"/>
+    <p:sldId id="348" r:id="rId14"/>
   </p:sldIdLst>
   <p:sldSz cx="12192000" cy="6858000"/>
   <p:notesSz cx="6858000" cy="9144000"/>
@@ -229,7 +232,7 @@
                 <a:latin typeface="맑은 고딕" panose="020B0503020000020004" pitchFamily="50" charset="-127"/>
                 <a:ea typeface="맑은 고딕" panose="020B0503020000020004" pitchFamily="50" charset="-127"/>
               </a:rPr>
-              <a:t>2021-05-03</a:t>
+              <a:t>2021-05-23</a:t>
             </a:fld>
             <a:endParaRPr lang="ko-KR" altLang="en-US" noProof="1">
               <a:latin typeface="맑은 고딕" panose="020B0503020000020004" pitchFamily="50" charset="-127"/>
@@ -427,7 +430,7 @@
           <a:p>
             <a:fld id="{E1FD49E4-4598-4E6D-A4E7-609CDCD382BA}" type="datetime1">
               <a:rPr lang="ko-KR" altLang="en-US" noProof="1" smtClean="0"/>
-              <a:t>2021-05-03</a:t>
+              <a:t>2021-05-23</a:t>
             </a:fld>
             <a:endParaRPr lang="ko-KR" altLang="en-US" noProof="1"/>
           </a:p>
@@ -738,6 +741,98 @@
 </p:notes>
 </file>
 
+<file path=ppt/notesSlides/notesSlide10.xml><?xml version="1.0" encoding="utf-8"?>
+<p:notes xmlns:a="http://schemas.openxmlformats.org/drawingml/2006/main" xmlns:r="http://schemas.openxmlformats.org/officeDocument/2006/relationships" xmlns:p="http://schemas.openxmlformats.org/presentationml/2006/main">
+  <p:cSld>
+    <p:spTree>
+      <p:nvGrpSpPr>
+        <p:cNvPr id="1" name=""/>
+        <p:cNvGrpSpPr/>
+        <p:nvPr/>
+      </p:nvGrpSpPr>
+      <p:grpSpPr>
+        <a:xfrm>
+          <a:off x="0" y="0"/>
+          <a:ext cx="0" cy="0"/>
+          <a:chOff x="0" y="0"/>
+          <a:chExt cx="0" cy="0"/>
+        </a:xfrm>
+      </p:grpSpPr>
+      <p:sp>
+        <p:nvSpPr>
+          <p:cNvPr id="2" name="슬라이드 이미지 개체 틀 1"/>
+          <p:cNvSpPr>
+            <a:spLocks noGrp="1" noRot="1" noChangeAspect="1"/>
+          </p:cNvSpPr>
+          <p:nvPr>
+            <p:ph type="sldImg"/>
+          </p:nvPr>
+        </p:nvSpPr>
+        <p:spPr/>
+      </p:sp>
+      <p:sp>
+        <p:nvSpPr>
+          <p:cNvPr id="3" name="슬라이드 노트 개체 틀 2"/>
+          <p:cNvSpPr>
+            <a:spLocks noGrp="1"/>
+          </p:cNvSpPr>
+          <p:nvPr>
+            <p:ph type="body" idx="1"/>
+          </p:nvPr>
+        </p:nvSpPr>
+        <p:spPr/>
+        <p:txBody>
+          <a:bodyPr rtlCol="0"/>
+          <a:lstStyle/>
+          <a:p>
+            <a:pPr rtl="0"/>
+            <a:endParaRPr lang="ko-KR" altLang="en-US" noProof="1">
+              <a:ea typeface="맑은 고딕" panose="020B0503020000020004" pitchFamily="50" charset="-127"/>
+            </a:endParaRPr>
+          </a:p>
+        </p:txBody>
+      </p:sp>
+      <p:sp>
+        <p:nvSpPr>
+          <p:cNvPr id="4" name="슬라이드 번호 개체 틀 3"/>
+          <p:cNvSpPr>
+            <a:spLocks noGrp="1"/>
+          </p:cNvSpPr>
+          <p:nvPr>
+            <p:ph type="sldNum" sz="quarter" idx="5"/>
+          </p:nvPr>
+        </p:nvSpPr>
+        <p:spPr/>
+        <p:txBody>
+          <a:bodyPr rtlCol="0"/>
+          <a:lstStyle/>
+          <a:p>
+            <a:pPr rtl="0"/>
+            <a:fld id="{0F8442E7-1E35-4707-8504-AE37222ED57D}" type="slidenum">
+              <a:rPr lang="en-US" altLang="ko-KR" noProof="1" smtClean="0">
+                <a:ea typeface="맑은 고딕" panose="020B0503020000020004" pitchFamily="50" charset="-127"/>
+              </a:rPr>
+              <a:t>10</a:t>
+            </a:fld>
+            <a:endParaRPr lang="ko-KR" altLang="en-US" noProof="1">
+              <a:ea typeface="맑은 고딕" panose="020B0503020000020004" pitchFamily="50" charset="-127"/>
+            </a:endParaRPr>
+          </a:p>
+        </p:txBody>
+      </p:sp>
+    </p:spTree>
+    <p:extLst>
+      <p:ext uri="{BB962C8B-B14F-4D97-AF65-F5344CB8AC3E}">
+        <p14:creationId xmlns:p14="http://schemas.microsoft.com/office/powerpoint/2010/main" val="916052171"/>
+      </p:ext>
+    </p:extLst>
+  </p:cSld>
+  <p:clrMapOvr>
+    <a:masterClrMapping/>
+  </p:clrMapOvr>
+</p:notes>
+</file>
+
 <file path=ppt/notesSlides/notesSlide2.xml><?xml version="1.0" encoding="utf-8"?>
 <p:notes xmlns:a="http://schemas.openxmlformats.org/drawingml/2006/main" xmlns:r="http://schemas.openxmlformats.org/officeDocument/2006/relationships" xmlns:p="http://schemas.openxmlformats.org/presentationml/2006/main">
   <p:cSld>
@@ -1280,6 +1375,190 @@
     <p:extLst>
       <p:ext uri="{BB962C8B-B14F-4D97-AF65-F5344CB8AC3E}">
         <p14:creationId xmlns:p14="http://schemas.microsoft.com/office/powerpoint/2010/main" val="807668549"/>
+      </p:ext>
+    </p:extLst>
+  </p:cSld>
+  <p:clrMapOvr>
+    <a:masterClrMapping/>
+  </p:clrMapOvr>
+</p:notes>
+</file>
+
+<file path=ppt/notesSlides/notesSlide8.xml><?xml version="1.0" encoding="utf-8"?>
+<p:notes xmlns:a="http://schemas.openxmlformats.org/drawingml/2006/main" xmlns:r="http://schemas.openxmlformats.org/officeDocument/2006/relationships" xmlns:p="http://schemas.openxmlformats.org/presentationml/2006/main">
+  <p:cSld>
+    <p:spTree>
+      <p:nvGrpSpPr>
+        <p:cNvPr id="1" name=""/>
+        <p:cNvGrpSpPr/>
+        <p:nvPr/>
+      </p:nvGrpSpPr>
+      <p:grpSpPr>
+        <a:xfrm>
+          <a:off x="0" y="0"/>
+          <a:ext cx="0" cy="0"/>
+          <a:chOff x="0" y="0"/>
+          <a:chExt cx="0" cy="0"/>
+        </a:xfrm>
+      </p:grpSpPr>
+      <p:sp>
+        <p:nvSpPr>
+          <p:cNvPr id="2" name="슬라이드 이미지 개체 틀 1"/>
+          <p:cNvSpPr>
+            <a:spLocks noGrp="1" noRot="1" noChangeAspect="1"/>
+          </p:cNvSpPr>
+          <p:nvPr>
+            <p:ph type="sldImg"/>
+          </p:nvPr>
+        </p:nvSpPr>
+        <p:spPr/>
+      </p:sp>
+      <p:sp>
+        <p:nvSpPr>
+          <p:cNvPr id="3" name="슬라이드 노트 개체 틀 2"/>
+          <p:cNvSpPr>
+            <a:spLocks noGrp="1"/>
+          </p:cNvSpPr>
+          <p:nvPr>
+            <p:ph type="body" idx="1"/>
+          </p:nvPr>
+        </p:nvSpPr>
+        <p:spPr/>
+        <p:txBody>
+          <a:bodyPr rtlCol="0"/>
+          <a:lstStyle/>
+          <a:p>
+            <a:pPr rtl="0"/>
+            <a:endParaRPr lang="ko-KR" altLang="en-US" noProof="1">
+              <a:ea typeface="맑은 고딕" panose="020B0503020000020004" pitchFamily="50" charset="-127"/>
+            </a:endParaRPr>
+          </a:p>
+        </p:txBody>
+      </p:sp>
+      <p:sp>
+        <p:nvSpPr>
+          <p:cNvPr id="4" name="슬라이드 번호 개체 틀 3"/>
+          <p:cNvSpPr>
+            <a:spLocks noGrp="1"/>
+          </p:cNvSpPr>
+          <p:nvPr>
+            <p:ph type="sldNum" sz="quarter" idx="5"/>
+          </p:nvPr>
+        </p:nvSpPr>
+        <p:spPr/>
+        <p:txBody>
+          <a:bodyPr rtlCol="0"/>
+          <a:lstStyle/>
+          <a:p>
+            <a:pPr rtl="0"/>
+            <a:fld id="{0F8442E7-1E35-4707-8504-AE37222ED57D}" type="slidenum">
+              <a:rPr lang="en-US" altLang="ko-KR" noProof="1" smtClean="0">
+                <a:ea typeface="맑은 고딕" panose="020B0503020000020004" pitchFamily="50" charset="-127"/>
+              </a:rPr>
+              <a:t>8</a:t>
+            </a:fld>
+            <a:endParaRPr lang="ko-KR" altLang="en-US" noProof="1">
+              <a:ea typeface="맑은 고딕" panose="020B0503020000020004" pitchFamily="50" charset="-127"/>
+            </a:endParaRPr>
+          </a:p>
+        </p:txBody>
+      </p:sp>
+    </p:spTree>
+    <p:extLst>
+      <p:ext uri="{BB962C8B-B14F-4D97-AF65-F5344CB8AC3E}">
+        <p14:creationId xmlns:p14="http://schemas.microsoft.com/office/powerpoint/2010/main" val="4211634322"/>
+      </p:ext>
+    </p:extLst>
+  </p:cSld>
+  <p:clrMapOvr>
+    <a:masterClrMapping/>
+  </p:clrMapOvr>
+</p:notes>
+</file>
+
+<file path=ppt/notesSlides/notesSlide9.xml><?xml version="1.0" encoding="utf-8"?>
+<p:notes xmlns:a="http://schemas.openxmlformats.org/drawingml/2006/main" xmlns:r="http://schemas.openxmlformats.org/officeDocument/2006/relationships" xmlns:p="http://schemas.openxmlformats.org/presentationml/2006/main">
+  <p:cSld>
+    <p:spTree>
+      <p:nvGrpSpPr>
+        <p:cNvPr id="1" name=""/>
+        <p:cNvGrpSpPr/>
+        <p:nvPr/>
+      </p:nvGrpSpPr>
+      <p:grpSpPr>
+        <a:xfrm>
+          <a:off x="0" y="0"/>
+          <a:ext cx="0" cy="0"/>
+          <a:chOff x="0" y="0"/>
+          <a:chExt cx="0" cy="0"/>
+        </a:xfrm>
+      </p:grpSpPr>
+      <p:sp>
+        <p:nvSpPr>
+          <p:cNvPr id="2" name="슬라이드 이미지 개체 틀 1"/>
+          <p:cNvSpPr>
+            <a:spLocks noGrp="1" noRot="1" noChangeAspect="1"/>
+          </p:cNvSpPr>
+          <p:nvPr>
+            <p:ph type="sldImg"/>
+          </p:nvPr>
+        </p:nvSpPr>
+        <p:spPr/>
+      </p:sp>
+      <p:sp>
+        <p:nvSpPr>
+          <p:cNvPr id="3" name="슬라이드 노트 개체 틀 2"/>
+          <p:cNvSpPr>
+            <a:spLocks noGrp="1"/>
+          </p:cNvSpPr>
+          <p:nvPr>
+            <p:ph type="body" idx="1"/>
+          </p:nvPr>
+        </p:nvSpPr>
+        <p:spPr/>
+        <p:txBody>
+          <a:bodyPr rtlCol="0"/>
+          <a:lstStyle/>
+          <a:p>
+            <a:pPr rtl="0"/>
+            <a:endParaRPr lang="ko-KR" altLang="en-US" noProof="1">
+              <a:ea typeface="맑은 고딕" panose="020B0503020000020004" pitchFamily="50" charset="-127"/>
+            </a:endParaRPr>
+          </a:p>
+        </p:txBody>
+      </p:sp>
+      <p:sp>
+        <p:nvSpPr>
+          <p:cNvPr id="4" name="슬라이드 번호 개체 틀 3"/>
+          <p:cNvSpPr>
+            <a:spLocks noGrp="1"/>
+          </p:cNvSpPr>
+          <p:nvPr>
+            <p:ph type="sldNum" sz="quarter" idx="5"/>
+          </p:nvPr>
+        </p:nvSpPr>
+        <p:spPr/>
+        <p:txBody>
+          <a:bodyPr rtlCol="0"/>
+          <a:lstStyle/>
+          <a:p>
+            <a:pPr rtl="0"/>
+            <a:fld id="{0F8442E7-1E35-4707-8504-AE37222ED57D}" type="slidenum">
+              <a:rPr lang="en-US" altLang="ko-KR" noProof="1" smtClean="0">
+                <a:ea typeface="맑은 고딕" panose="020B0503020000020004" pitchFamily="50" charset="-127"/>
+              </a:rPr>
+              <a:t>9</a:t>
+            </a:fld>
+            <a:endParaRPr lang="ko-KR" altLang="en-US" noProof="1">
+              <a:ea typeface="맑은 고딕" panose="020B0503020000020004" pitchFamily="50" charset="-127"/>
+            </a:endParaRPr>
+          </a:p>
+        </p:txBody>
+      </p:sp>
+    </p:spTree>
+    <p:extLst>
+      <p:ext uri="{BB962C8B-B14F-4D97-AF65-F5344CB8AC3E}">
+        <p14:creationId xmlns:p14="http://schemas.microsoft.com/office/powerpoint/2010/main" val="300610503"/>
       </p:ext>
     </p:extLst>
   </p:cSld>
@@ -1535,7 +1814,7 @@
           <a:p>
             <a:fld id="{0B54A9C8-BA70-4B48-95E6-45E856F36760}" type="datetime1">
               <a:rPr lang="ko-KR" altLang="en-US" noProof="1" smtClean="0"/>
-              <a:t>2021-05-03</a:t>
+              <a:t>2021-05-23</a:t>
             </a:fld>
             <a:endParaRPr lang="ko-KR" altLang="en-US" noProof="1"/>
           </a:p>
@@ -1714,7 +1993,7 @@
           <a:p>
             <a:fld id="{938A1676-6EC2-44D1-A2DF-86C4DC62DF04}" type="datetime1">
               <a:rPr lang="ko-KR" altLang="en-US" noProof="1" smtClean="0"/>
-              <a:t>2021-05-03</a:t>
+              <a:t>2021-05-23</a:t>
             </a:fld>
             <a:endParaRPr lang="ko-KR" altLang="en-US" noProof="1"/>
           </a:p>
@@ -2191,7 +2470,7 @@
           <a:p>
             <a:fld id="{9B7F9021-0BB2-460F-937F-BCBDB2AC1996}" type="datetime1">
               <a:rPr lang="ko-KR" altLang="en-US" noProof="1" smtClean="0"/>
-              <a:t>2021-05-03</a:t>
+              <a:t>2021-05-23</a:t>
             </a:fld>
             <a:endParaRPr lang="ko-KR" altLang="en-US" noProof="1"/>
           </a:p>
@@ -2721,7 +3000,7 @@
           <a:p>
             <a:fld id="{FF634A02-0D94-4530-89BB-D2D454250511}" type="datetime1">
               <a:rPr lang="ko-KR" altLang="en-US" noProof="1" smtClean="0"/>
-              <a:t>2021-05-03</a:t>
+              <a:t>2021-05-23</a:t>
             </a:fld>
             <a:endParaRPr lang="ko-KR" altLang="en-US" noProof="1"/>
           </a:p>
@@ -3234,7 +3513,7 @@
             <a:pPr rtl="0"/>
             <a:fld id="{FA171D24-B9F8-4062-BF5C-53936FCAA97C}" type="datetime1">
               <a:rPr lang="ko-KR" altLang="en-US" noProof="1" smtClean="0"/>
-              <a:t>2021-05-03</a:t>
+              <a:t>2021-05-23</a:t>
             </a:fld>
             <a:endParaRPr lang="ko-KR" altLang="en-US" noProof="1"/>
           </a:p>
@@ -3483,7 +3762,7 @@
           <a:p>
             <a:fld id="{335F7840-18EC-4C69-BD04-F06CF802B6A4}" type="datetime1">
               <a:rPr lang="ko-KR" altLang="en-US" noProof="1" smtClean="0"/>
-              <a:t>2021-05-03</a:t>
+              <a:t>2021-05-23</a:t>
             </a:fld>
             <a:endParaRPr lang="ko-KR" altLang="en-US" noProof="1"/>
           </a:p>
@@ -4266,7 +4545,7 @@
           <a:p>
             <a:fld id="{F4AD115A-45C9-40C1-A582-B0BD24482304}" type="datetime1">
               <a:rPr lang="ko-KR" altLang="en-US" noProof="1" smtClean="0"/>
-              <a:t>2021-05-03</a:t>
+              <a:t>2021-05-23</a:t>
             </a:fld>
             <a:endParaRPr lang="ko-KR" altLang="en-US" noProof="1"/>
           </a:p>
@@ -4655,7 +4934,7 @@
           <a:p>
             <a:fld id="{B2479F49-6E7A-454B-84ED-9681F655C86B}" type="datetime1">
               <a:rPr lang="ko-KR" altLang="en-US" noProof="1" smtClean="0"/>
-              <a:t>2021-05-03</a:t>
+              <a:t>2021-05-23</a:t>
             </a:fld>
             <a:endParaRPr lang="ko-KR" altLang="en-US" noProof="1"/>
           </a:p>
@@ -5294,7 +5573,7 @@
           <a:p>
             <a:fld id="{122D1E9F-E6A0-49D1-8DEF-C6B1B027799D}" type="datetime1">
               <a:rPr lang="ko-KR" altLang="en-US" noProof="1" smtClean="0"/>
-              <a:t>2021-05-03</a:t>
+              <a:t>2021-05-23</a:t>
             </a:fld>
             <a:endParaRPr lang="ko-KR" altLang="en-US" noProof="1"/>
           </a:p>
@@ -5692,7 +5971,7 @@
           <a:p>
             <a:fld id="{5F451D80-7668-4748-B8EA-A22A4A431D43}" type="datetime1">
               <a:rPr lang="ko-KR" altLang="en-US" noProof="1" smtClean="0"/>
-              <a:t>2021-05-03</a:t>
+              <a:t>2021-05-23</a:t>
             </a:fld>
             <a:endParaRPr lang="ko-KR" altLang="en-US" noProof="1"/>
           </a:p>
@@ -6128,7 +6407,7 @@
           <a:p>
             <a:fld id="{F2946A5D-DE14-4244-B0F2-802DE334AAD0}" type="datetime1">
               <a:rPr lang="ko-KR" altLang="en-US" noProof="1" smtClean="0"/>
-              <a:t>2021-05-03</a:t>
+              <a:t>2021-05-23</a:t>
             </a:fld>
             <a:endParaRPr lang="ko-KR" altLang="en-US" noProof="1"/>
           </a:p>
@@ -6483,7 +6762,7 @@
           <a:p>
             <a:fld id="{51BD6E70-7DF4-4FDB-8095-7C5D5BD44452}" type="datetime1">
               <a:rPr lang="ko-KR" altLang="en-US" noProof="1" smtClean="0"/>
-              <a:t>2021-05-03</a:t>
+              <a:t>2021-05-23</a:t>
             </a:fld>
             <a:endParaRPr lang="ko-KR" altLang="en-US" noProof="1"/>
           </a:p>
@@ -7035,7 +7314,7 @@
           <a:p>
             <a:fld id="{396E87A6-9E32-4D89-B930-5FFC15180104}" type="datetime1">
               <a:rPr lang="ko-KR" altLang="en-US" noProof="1" smtClean="0"/>
-              <a:t>2021-05-03</a:t>
+              <a:t>2021-05-23</a:t>
             </a:fld>
             <a:endParaRPr lang="ko-KR" altLang="en-US" noProof="1"/>
           </a:p>
@@ -7362,7 +7641,7 @@
           <a:p>
             <a:fld id="{50CBE6E2-341C-40E0-A2FA-072549F49128}" type="datetime1">
               <a:rPr lang="ko-KR" altLang="en-US" noProof="1" smtClean="0"/>
-              <a:t>2021-05-03</a:t>
+              <a:t>2021-05-23</a:t>
             </a:fld>
             <a:endParaRPr lang="ko-KR" altLang="en-US" noProof="1"/>
           </a:p>
@@ -7571,7 +7850,7 @@
           <a:p>
             <a:fld id="{880BD98A-63B9-4719-840D-A81076C1799E}" type="datetime1">
               <a:rPr lang="ko-KR" altLang="en-US" noProof="1" smtClean="0"/>
-              <a:t>2021-05-03</a:t>
+              <a:t>2021-05-23</a:t>
             </a:fld>
             <a:endParaRPr lang="ko-KR" altLang="en-US" noProof="1"/>
           </a:p>
@@ -7808,7 +8087,7 @@
           <a:p>
             <a:fld id="{2DD75E35-6548-4B07-93E8-54893E945DC7}" type="datetime1">
               <a:rPr lang="ko-KR" altLang="en-US" noProof="1" smtClean="0"/>
-              <a:t>2021-05-03</a:t>
+              <a:t>2021-05-23</a:t>
             </a:fld>
             <a:endParaRPr lang="ko-KR" altLang="en-US" noProof="1"/>
           </a:p>
@@ -8283,7 +8562,7 @@
           <a:p>
             <a:fld id="{64163D32-71D9-452E-B996-1BBCCC0ADD0C}" type="datetime1">
               <a:rPr lang="ko-KR" altLang="en-US" noProof="1" smtClean="0"/>
-              <a:t>2021-05-03</a:t>
+              <a:t>2021-05-23</a:t>
             </a:fld>
             <a:endParaRPr lang="ko-KR" altLang="en-US" noProof="1"/>
           </a:p>
@@ -8714,6 +8993,1245 @@
 </p:sld>
 </file>
 
+<file path=ppt/slides/slide10.xml><?xml version="1.0" encoding="utf-8"?>
+<p:sld xmlns:a="http://schemas.openxmlformats.org/drawingml/2006/main" xmlns:r="http://schemas.openxmlformats.org/officeDocument/2006/relationships" xmlns:p="http://schemas.openxmlformats.org/presentationml/2006/main">
+  <p:cSld>
+    <p:spTree>
+      <p:nvGrpSpPr>
+        <p:cNvPr id="1" name=""/>
+        <p:cNvGrpSpPr/>
+        <p:nvPr/>
+      </p:nvGrpSpPr>
+      <p:grpSpPr>
+        <a:xfrm>
+          <a:off x="0" y="0"/>
+          <a:ext cx="0" cy="0"/>
+          <a:chOff x="0" y="0"/>
+          <a:chExt cx="0" cy="0"/>
+        </a:xfrm>
+      </p:grpSpPr>
+      <p:sp>
+        <p:nvSpPr>
+          <p:cNvPr id="2" name="제목 1">
+            <a:extLst>
+              <a:ext uri="{FF2B5EF4-FFF2-40B4-BE49-F238E27FC236}">
+                <a16:creationId xmlns:a16="http://schemas.microsoft.com/office/drawing/2014/main" id="{6F204F3F-D196-428C-AE74-238938FD8008}"/>
+              </a:ext>
+            </a:extLst>
+          </p:cNvPr>
+          <p:cNvSpPr>
+            <a:spLocks noGrp="1"/>
+          </p:cNvSpPr>
+          <p:nvPr>
+            <p:ph type="title"/>
+          </p:nvPr>
+        </p:nvSpPr>
+        <p:spPr/>
+        <p:txBody>
+          <a:bodyPr rtlCol="0"/>
+          <a:lstStyle/>
+          <a:p>
+            <a:pPr rtl="0"/>
+            <a:r>
+              <a:rPr lang="ko-KR" altLang="en-US" noProof="1"/>
+              <a:t>표준 입출력</a:t>
+            </a:r>
+            <a:r>
+              <a:rPr lang="en-US" altLang="ko-KR" noProof="1"/>
+              <a:t>(</a:t>
+            </a:r>
+            <a:r>
+              <a:rPr lang="ko-KR" altLang="en-US" noProof="1"/>
+              <a:t>서식 지정</a:t>
+            </a:r>
+            <a:r>
+              <a:rPr lang="en-US" altLang="ko-KR" noProof="1"/>
+              <a:t>)</a:t>
+            </a:r>
+            <a:endParaRPr lang="ko-KR" altLang="en-US" noProof="1">
+              <a:ea typeface="맑은 고딕" panose="020B0503020000020004" pitchFamily="50" charset="-127"/>
+            </a:endParaRPr>
+          </a:p>
+        </p:txBody>
+      </p:sp>
+      <p:sp>
+        <p:nvSpPr>
+          <p:cNvPr id="4" name="내용 개체 틀 3">
+            <a:extLst>
+              <a:ext uri="{FF2B5EF4-FFF2-40B4-BE49-F238E27FC236}">
+                <a16:creationId xmlns:a16="http://schemas.microsoft.com/office/drawing/2014/main" id="{96CE665F-14BA-4497-89D9-62FF51142EB8}"/>
+              </a:ext>
+            </a:extLst>
+          </p:cNvPr>
+          <p:cNvSpPr txBox="1">
+            <a:spLocks/>
+          </p:cNvSpPr>
+          <p:nvPr/>
+        </p:nvSpPr>
+        <p:spPr>
+          <a:xfrm>
+            <a:off x="581191" y="3216166"/>
+            <a:ext cx="10979765" cy="2939678"/>
+          </a:xfrm>
+          <a:prstGeom prst="rect">
+            <a:avLst/>
+          </a:prstGeom>
+        </p:spPr>
+        <p:txBody>
+          <a:bodyPr vert="horz" lIns="91440" tIns="45720" rIns="91440" bIns="45720" rtlCol="0" anchor="t">
+            <a:normAutofit/>
+          </a:bodyPr>
+          <a:lstStyle>
+            <a:lvl1pPr marL="306000" indent="-306000" algn="l" defTabSz="457200" rtl="0" eaLnBrk="1" latinLnBrk="1" hangingPunct="1">
+              <a:spcBef>
+                <a:spcPct val="20000"/>
+              </a:spcBef>
+              <a:spcAft>
+                <a:spcPts val="600"/>
+              </a:spcAft>
+              <a:buClr>
+                <a:schemeClr val="accent1"/>
+              </a:buClr>
+              <a:buSzPct val="92000"/>
+              <a:buFont typeface="Wingdings 2" panose="05020102010507070707" pitchFamily="18" charset="2"/>
+              <a:buChar char=""/>
+              <a:defRPr sz="1800" kern="1200" baseline="0">
+                <a:solidFill>
+                  <a:schemeClr val="tx1">
+                    <a:lumMod val="75000"/>
+                    <a:lumOff val="25000"/>
+                  </a:schemeClr>
+                </a:solidFill>
+                <a:latin typeface="맑은 고딕" panose="020B0503020000020004" pitchFamily="50" charset="-127"/>
+                <a:ea typeface="맑은 고딕" panose="020B0503020000020004" pitchFamily="50" charset="-127"/>
+                <a:cs typeface="+mn-cs"/>
+              </a:defRPr>
+            </a:lvl1pPr>
+            <a:lvl2pPr marL="630000" eaLnBrk="1" latinLnBrk="1" hangingPunct="1">
+              <a:buClr>
+                <a:schemeClr val="accent1"/>
+              </a:buClr>
+              <a:buSzPct val="92000"/>
+              <a:buFont typeface="Wingdings 2" panose="05020102010507070707" pitchFamily="18" charset="2"/>
+              <a:buChar char=""/>
+              <a:defRPr baseline="0">
+                <a:latin typeface="맑은 고딕" panose="020B0503020000020004" pitchFamily="50" charset="-127"/>
+                <a:ea typeface="맑은 고딕" panose="020B0503020000020004" pitchFamily="50" charset="-127"/>
+              </a:defRPr>
+            </a:lvl2pPr>
+            <a:lvl3pPr marL="900000" eaLnBrk="1" latinLnBrk="1" hangingPunct="1">
+              <a:buClr>
+                <a:schemeClr val="accent1"/>
+              </a:buClr>
+              <a:buSzPct val="92000"/>
+              <a:buFont typeface="Wingdings 2" panose="05020102010507070707" pitchFamily="18" charset="2"/>
+              <a:buChar char=""/>
+              <a:defRPr baseline="0">
+                <a:latin typeface="맑은 고딕" panose="020B0503020000020004" pitchFamily="50" charset="-127"/>
+                <a:ea typeface="맑은 고딕" panose="020B0503020000020004" pitchFamily="50" charset="-127"/>
+              </a:defRPr>
+            </a:lvl3pPr>
+            <a:lvl4pPr marL="1242000" eaLnBrk="1" latinLnBrk="1" hangingPunct="1">
+              <a:buClr>
+                <a:schemeClr val="accent1"/>
+              </a:buClr>
+              <a:buSzPct val="92000"/>
+              <a:buFont typeface="Wingdings 2" panose="05020102010507070707" pitchFamily="18" charset="2"/>
+              <a:buChar char=""/>
+              <a:defRPr baseline="0">
+                <a:latin typeface="맑은 고딕" panose="020B0503020000020004" pitchFamily="50" charset="-127"/>
+                <a:ea typeface="맑은 고딕" panose="020B0503020000020004" pitchFamily="50" charset="-127"/>
+              </a:defRPr>
+            </a:lvl4pPr>
+            <a:lvl5pPr marL="1602000" eaLnBrk="1" latinLnBrk="1" hangingPunct="1">
+              <a:buClr>
+                <a:schemeClr val="accent1"/>
+              </a:buClr>
+              <a:buSzPct val="92000"/>
+              <a:buFont typeface="Wingdings 2" panose="05020102010507070707" pitchFamily="18" charset="2"/>
+              <a:buChar char=""/>
+              <a:defRPr baseline="0">
+                <a:latin typeface="맑은 고딕" panose="020B0503020000020004" pitchFamily="50" charset="-127"/>
+                <a:ea typeface="맑은 고딕" panose="020B0503020000020004" pitchFamily="50" charset="-127"/>
+              </a:defRPr>
+            </a:lvl5pPr>
+          </a:lstStyle>
+          <a:p>
+            <a:pPr marL="0" indent="0">
+              <a:lnSpc>
+                <a:spcPct val="150000"/>
+              </a:lnSpc>
+              <a:buFont typeface="Wingdings 2" panose="05020102010507070707" pitchFamily="18" charset="2"/>
+              <a:buNone/>
+            </a:pPr>
+            <a:br>
+              <a:rPr lang="en-US" altLang="ko-KR" dirty="0"/>
+            </a:br>
+            <a:endParaRPr lang="en-US" altLang="ko-KR" dirty="0"/>
+          </a:p>
+        </p:txBody>
+      </p:sp>
+      <p:sp>
+        <p:nvSpPr>
+          <p:cNvPr id="13" name="내용 개체 틀 3">
+            <a:extLst>
+              <a:ext uri="{FF2B5EF4-FFF2-40B4-BE49-F238E27FC236}">
+                <a16:creationId xmlns:a16="http://schemas.microsoft.com/office/drawing/2014/main" id="{7BC142BD-59D9-496E-9CD1-A13E229BEEE9}"/>
+              </a:ext>
+            </a:extLst>
+          </p:cNvPr>
+          <p:cNvSpPr txBox="1">
+            <a:spLocks/>
+          </p:cNvSpPr>
+          <p:nvPr/>
+        </p:nvSpPr>
+        <p:spPr>
+          <a:xfrm>
+            <a:off x="581191" y="1688321"/>
+            <a:ext cx="10979765" cy="4467523"/>
+          </a:xfrm>
+          <a:prstGeom prst="rect">
+            <a:avLst/>
+          </a:prstGeom>
+        </p:spPr>
+        <p:txBody>
+          <a:bodyPr vert="horz" lIns="91440" tIns="45720" rIns="91440" bIns="45720" rtlCol="0" anchor="t">
+            <a:normAutofit/>
+          </a:bodyPr>
+          <a:lstStyle>
+            <a:lvl1pPr marL="306000" indent="-306000" algn="l" defTabSz="457200" rtl="0" eaLnBrk="1" latinLnBrk="1" hangingPunct="1">
+              <a:spcBef>
+                <a:spcPct val="20000"/>
+              </a:spcBef>
+              <a:spcAft>
+                <a:spcPts val="600"/>
+              </a:spcAft>
+              <a:buClr>
+                <a:schemeClr val="accent1"/>
+              </a:buClr>
+              <a:buSzPct val="92000"/>
+              <a:buFont typeface="Wingdings 2" panose="05020102010507070707" pitchFamily="18" charset="2"/>
+              <a:buChar char=""/>
+              <a:defRPr sz="1800" kern="1200" baseline="0">
+                <a:solidFill>
+                  <a:schemeClr val="tx1">
+                    <a:lumMod val="75000"/>
+                    <a:lumOff val="25000"/>
+                  </a:schemeClr>
+                </a:solidFill>
+                <a:latin typeface="맑은 고딕" panose="020B0503020000020004" pitchFamily="50" charset="-127"/>
+                <a:ea typeface="맑은 고딕" panose="020B0503020000020004" pitchFamily="50" charset="-127"/>
+                <a:cs typeface="+mn-cs"/>
+              </a:defRPr>
+            </a:lvl1pPr>
+            <a:lvl2pPr marL="630000" eaLnBrk="1" latinLnBrk="1" hangingPunct="1">
+              <a:buClr>
+                <a:schemeClr val="accent1"/>
+              </a:buClr>
+              <a:buSzPct val="92000"/>
+              <a:buFont typeface="Wingdings 2" panose="05020102010507070707" pitchFamily="18" charset="2"/>
+              <a:buChar char=""/>
+              <a:defRPr baseline="0">
+                <a:latin typeface="맑은 고딕" panose="020B0503020000020004" pitchFamily="50" charset="-127"/>
+                <a:ea typeface="맑은 고딕" panose="020B0503020000020004" pitchFamily="50" charset="-127"/>
+              </a:defRPr>
+            </a:lvl2pPr>
+            <a:lvl3pPr marL="900000" eaLnBrk="1" latinLnBrk="1" hangingPunct="1">
+              <a:buClr>
+                <a:schemeClr val="accent1"/>
+              </a:buClr>
+              <a:buSzPct val="92000"/>
+              <a:buFont typeface="Wingdings 2" panose="05020102010507070707" pitchFamily="18" charset="2"/>
+              <a:buChar char=""/>
+              <a:defRPr baseline="0">
+                <a:latin typeface="맑은 고딕" panose="020B0503020000020004" pitchFamily="50" charset="-127"/>
+                <a:ea typeface="맑은 고딕" panose="020B0503020000020004" pitchFamily="50" charset="-127"/>
+              </a:defRPr>
+            </a:lvl3pPr>
+            <a:lvl4pPr marL="1242000" eaLnBrk="1" latinLnBrk="1" hangingPunct="1">
+              <a:buClr>
+                <a:schemeClr val="accent1"/>
+              </a:buClr>
+              <a:buSzPct val="92000"/>
+              <a:buFont typeface="Wingdings 2" panose="05020102010507070707" pitchFamily="18" charset="2"/>
+              <a:buChar char=""/>
+              <a:defRPr baseline="0">
+                <a:latin typeface="맑은 고딕" panose="020B0503020000020004" pitchFamily="50" charset="-127"/>
+                <a:ea typeface="맑은 고딕" panose="020B0503020000020004" pitchFamily="50" charset="-127"/>
+              </a:defRPr>
+            </a:lvl4pPr>
+            <a:lvl5pPr marL="1602000" eaLnBrk="1" latinLnBrk="1" hangingPunct="1">
+              <a:buClr>
+                <a:schemeClr val="accent1"/>
+              </a:buClr>
+              <a:buSzPct val="92000"/>
+              <a:buFont typeface="Wingdings 2" panose="05020102010507070707" pitchFamily="18" charset="2"/>
+              <a:buChar char=""/>
+              <a:defRPr baseline="0">
+                <a:latin typeface="맑은 고딕" panose="020B0503020000020004" pitchFamily="50" charset="-127"/>
+                <a:ea typeface="맑은 고딕" panose="020B0503020000020004" pitchFamily="50" charset="-127"/>
+              </a:defRPr>
+            </a:lvl5pPr>
+          </a:lstStyle>
+          <a:p>
+            <a:r>
+              <a:rPr lang="ko-KR" altLang="en-US" sz="1400" dirty="0">
+                <a:latin typeface="Malgun Gothic Semilight" panose="020B0503020000020004" pitchFamily="34" charset="-127"/>
+                <a:ea typeface="Malgun Gothic Semilight" panose="020B0503020000020004" pitchFamily="34" charset="-127"/>
+                <a:cs typeface="Malgun Gothic Semilight" panose="020B0503020000020004" pitchFamily="34" charset="-127"/>
+              </a:rPr>
+              <a:t>진수</a:t>
+            </a:r>
+            <a:endParaRPr lang="en-US" altLang="ko-KR" sz="1400" dirty="0">
+              <a:latin typeface="Malgun Gothic Semilight" panose="020B0503020000020004" pitchFamily="34" charset="-127"/>
+              <a:ea typeface="Malgun Gothic Semilight" panose="020B0503020000020004" pitchFamily="34" charset="-127"/>
+              <a:cs typeface="Malgun Gothic Semilight" panose="020B0503020000020004" pitchFamily="34" charset="-127"/>
+            </a:endParaRPr>
+          </a:p>
+          <a:p>
+            <a:pPr marL="324000" lvl="1">
+              <a:buNone/>
+            </a:pPr>
+            <a:r>
+              <a:rPr lang="en-US" altLang="ko-KR" sz="1300" dirty="0" err="1">
+                <a:solidFill>
+                  <a:srgbClr val="000000"/>
+                </a:solidFill>
+                <a:latin typeface="Malgun Gothic Semilight" panose="020B0503020000020004" pitchFamily="34" charset="-127"/>
+                <a:ea typeface="Malgun Gothic Semilight" panose="020B0503020000020004" pitchFamily="34" charset="-127"/>
+                <a:cs typeface="Malgun Gothic Semilight" panose="020B0503020000020004" pitchFamily="34" charset="-127"/>
+              </a:rPr>
+              <a:t>cout</a:t>
+            </a:r>
+            <a:r>
+              <a:rPr lang="en-US" altLang="ko-KR" sz="1300" dirty="0">
+                <a:solidFill>
+                  <a:srgbClr val="000000"/>
+                </a:solidFill>
+                <a:latin typeface="Malgun Gothic Semilight" panose="020B0503020000020004" pitchFamily="34" charset="-127"/>
+                <a:ea typeface="Malgun Gothic Semilight" panose="020B0503020000020004" pitchFamily="34" charset="-127"/>
+                <a:cs typeface="Malgun Gothic Semilight" panose="020B0503020000020004" pitchFamily="34" charset="-127"/>
+              </a:rPr>
+              <a:t> </a:t>
+            </a:r>
+            <a:r>
+              <a:rPr lang="en-US" altLang="ko-KR" sz="1300" dirty="0">
+                <a:solidFill>
+                  <a:srgbClr val="008080"/>
+                </a:solidFill>
+                <a:latin typeface="Malgun Gothic Semilight" panose="020B0503020000020004" pitchFamily="34" charset="-127"/>
+                <a:ea typeface="Malgun Gothic Semilight" panose="020B0503020000020004" pitchFamily="34" charset="-127"/>
+                <a:cs typeface="Malgun Gothic Semilight" panose="020B0503020000020004" pitchFamily="34" charset="-127"/>
+              </a:rPr>
+              <a:t>&lt;&lt;</a:t>
+            </a:r>
+            <a:r>
+              <a:rPr lang="en-US" altLang="ko-KR" sz="1300" dirty="0">
+                <a:solidFill>
+                  <a:srgbClr val="000000"/>
+                </a:solidFill>
+                <a:latin typeface="Malgun Gothic Semilight" panose="020B0503020000020004" pitchFamily="34" charset="-127"/>
+                <a:ea typeface="Malgun Gothic Semilight" panose="020B0503020000020004" pitchFamily="34" charset="-127"/>
+                <a:cs typeface="Malgun Gothic Semilight" panose="020B0503020000020004" pitchFamily="34" charset="-127"/>
+              </a:rPr>
+              <a:t> </a:t>
+            </a:r>
+            <a:r>
+              <a:rPr lang="en-US" altLang="ko-KR" sz="1300" dirty="0">
+                <a:solidFill>
+                  <a:srgbClr val="A31515"/>
+                </a:solidFill>
+                <a:latin typeface="Malgun Gothic Semilight" panose="020B0503020000020004" pitchFamily="34" charset="-127"/>
+                <a:ea typeface="Malgun Gothic Semilight" panose="020B0503020000020004" pitchFamily="34" charset="-127"/>
+                <a:cs typeface="Malgun Gothic Semilight" panose="020B0503020000020004" pitchFamily="34" charset="-127"/>
+              </a:rPr>
+              <a:t>"63 octal is "</a:t>
+            </a:r>
+            <a:r>
+              <a:rPr lang="en-US" altLang="ko-KR" sz="1300" dirty="0">
+                <a:solidFill>
+                  <a:srgbClr val="000000"/>
+                </a:solidFill>
+                <a:latin typeface="Malgun Gothic Semilight" panose="020B0503020000020004" pitchFamily="34" charset="-127"/>
+                <a:ea typeface="Malgun Gothic Semilight" panose="020B0503020000020004" pitchFamily="34" charset="-127"/>
+                <a:cs typeface="Malgun Gothic Semilight" panose="020B0503020000020004" pitchFamily="34" charset="-127"/>
+              </a:rPr>
+              <a:t> </a:t>
+            </a:r>
+            <a:r>
+              <a:rPr lang="en-US" altLang="ko-KR" sz="1300" dirty="0">
+                <a:solidFill>
+                  <a:srgbClr val="008080"/>
+                </a:solidFill>
+                <a:latin typeface="Malgun Gothic Semilight" panose="020B0503020000020004" pitchFamily="34" charset="-127"/>
+                <a:ea typeface="Malgun Gothic Semilight" panose="020B0503020000020004" pitchFamily="34" charset="-127"/>
+                <a:cs typeface="Malgun Gothic Semilight" panose="020B0503020000020004" pitchFamily="34" charset="-127"/>
+              </a:rPr>
+              <a:t>&lt;&lt;</a:t>
+            </a:r>
+            <a:r>
+              <a:rPr lang="en-US" altLang="ko-KR" sz="1300" dirty="0">
+                <a:solidFill>
+                  <a:srgbClr val="000000"/>
+                </a:solidFill>
+                <a:latin typeface="Malgun Gothic Semilight" panose="020B0503020000020004" pitchFamily="34" charset="-127"/>
+                <a:ea typeface="Malgun Gothic Semilight" panose="020B0503020000020004" pitchFamily="34" charset="-127"/>
+                <a:cs typeface="Malgun Gothic Semilight" panose="020B0503020000020004" pitchFamily="34" charset="-127"/>
+              </a:rPr>
+              <a:t> oct </a:t>
+            </a:r>
+            <a:r>
+              <a:rPr lang="en-US" altLang="ko-KR" sz="1300" dirty="0">
+                <a:solidFill>
+                  <a:srgbClr val="008080"/>
+                </a:solidFill>
+                <a:latin typeface="Malgun Gothic Semilight" panose="020B0503020000020004" pitchFamily="34" charset="-127"/>
+                <a:ea typeface="Malgun Gothic Semilight" panose="020B0503020000020004" pitchFamily="34" charset="-127"/>
+                <a:cs typeface="Malgun Gothic Semilight" panose="020B0503020000020004" pitchFamily="34" charset="-127"/>
+              </a:rPr>
+              <a:t>&lt;&lt;</a:t>
+            </a:r>
+            <a:r>
+              <a:rPr lang="en-US" altLang="ko-KR" sz="1300" dirty="0">
+                <a:solidFill>
+                  <a:srgbClr val="000000"/>
+                </a:solidFill>
+                <a:latin typeface="Malgun Gothic Semilight" panose="020B0503020000020004" pitchFamily="34" charset="-127"/>
+                <a:ea typeface="Malgun Gothic Semilight" panose="020B0503020000020004" pitchFamily="34" charset="-127"/>
+                <a:cs typeface="Malgun Gothic Semilight" panose="020B0503020000020004" pitchFamily="34" charset="-127"/>
+              </a:rPr>
+              <a:t> 63 </a:t>
+            </a:r>
+            <a:r>
+              <a:rPr lang="en-US" altLang="ko-KR" sz="1300" dirty="0">
+                <a:solidFill>
+                  <a:srgbClr val="008080"/>
+                </a:solidFill>
+                <a:latin typeface="Malgun Gothic Semilight" panose="020B0503020000020004" pitchFamily="34" charset="-127"/>
+                <a:ea typeface="Malgun Gothic Semilight" panose="020B0503020000020004" pitchFamily="34" charset="-127"/>
+                <a:cs typeface="Malgun Gothic Semilight" panose="020B0503020000020004" pitchFamily="34" charset="-127"/>
+              </a:rPr>
+              <a:t>&lt;&lt;</a:t>
+            </a:r>
+            <a:r>
+              <a:rPr lang="en-US" altLang="ko-KR" sz="1300" dirty="0">
+                <a:solidFill>
+                  <a:srgbClr val="000000"/>
+                </a:solidFill>
+                <a:latin typeface="Malgun Gothic Semilight" panose="020B0503020000020004" pitchFamily="34" charset="-127"/>
+                <a:ea typeface="Malgun Gothic Semilight" panose="020B0503020000020004" pitchFamily="34" charset="-127"/>
+                <a:cs typeface="Malgun Gothic Semilight" panose="020B0503020000020004" pitchFamily="34" charset="-127"/>
+              </a:rPr>
+              <a:t> </a:t>
+            </a:r>
+            <a:r>
+              <a:rPr lang="en-US" altLang="ko-KR" sz="1300" dirty="0">
+                <a:solidFill>
+                  <a:srgbClr val="A31515"/>
+                </a:solidFill>
+                <a:latin typeface="Malgun Gothic Semilight" panose="020B0503020000020004" pitchFamily="34" charset="-127"/>
+                <a:ea typeface="Malgun Gothic Semilight" panose="020B0503020000020004" pitchFamily="34" charset="-127"/>
+                <a:cs typeface="Malgun Gothic Semilight" panose="020B0503020000020004" pitchFamily="34" charset="-127"/>
+              </a:rPr>
+              <a:t>'\n’</a:t>
+            </a:r>
+            <a:r>
+              <a:rPr lang="en-US" altLang="ko-KR" sz="1300" dirty="0">
+                <a:solidFill>
+                  <a:srgbClr val="000000"/>
+                </a:solidFill>
+                <a:latin typeface="Malgun Gothic Semilight" panose="020B0503020000020004" pitchFamily="34" charset="-127"/>
+                <a:ea typeface="Malgun Gothic Semilight" panose="020B0503020000020004" pitchFamily="34" charset="-127"/>
+                <a:cs typeface="Malgun Gothic Semilight" panose="020B0503020000020004" pitchFamily="34" charset="-127"/>
+              </a:rPr>
+              <a:t>;	</a:t>
+            </a:r>
+            <a:r>
+              <a:rPr lang="en-US" altLang="ko-KR" sz="1300" dirty="0">
+                <a:solidFill>
+                  <a:srgbClr val="008000"/>
+                </a:solidFill>
+                <a:latin typeface="Malgun Gothic Semilight" panose="020B0503020000020004" pitchFamily="34" charset="-127"/>
+                <a:ea typeface="Malgun Gothic Semilight" panose="020B0503020000020004" pitchFamily="34" charset="-127"/>
+                <a:cs typeface="Malgun Gothic Semilight" panose="020B0503020000020004" pitchFamily="34" charset="-127"/>
+              </a:rPr>
+              <a:t>//63 octal is 77</a:t>
+            </a:r>
+            <a:endParaRPr lang="en-US" altLang="ko-KR" sz="1300" dirty="0">
+              <a:solidFill>
+                <a:srgbClr val="000000"/>
+              </a:solidFill>
+              <a:latin typeface="Malgun Gothic Semilight" panose="020B0503020000020004" pitchFamily="34" charset="-127"/>
+              <a:ea typeface="Malgun Gothic Semilight" panose="020B0503020000020004" pitchFamily="34" charset="-127"/>
+              <a:cs typeface="Malgun Gothic Semilight" panose="020B0503020000020004" pitchFamily="34" charset="-127"/>
+            </a:endParaRPr>
+          </a:p>
+          <a:p>
+            <a:pPr marL="324000" lvl="1">
+              <a:buNone/>
+            </a:pPr>
+            <a:r>
+              <a:rPr lang="en-US" altLang="ko-KR" sz="1300" dirty="0" err="1">
+                <a:solidFill>
+                  <a:srgbClr val="000000"/>
+                </a:solidFill>
+                <a:latin typeface="Malgun Gothic Semilight" panose="020B0503020000020004" pitchFamily="34" charset="-127"/>
+                <a:ea typeface="Malgun Gothic Semilight" panose="020B0503020000020004" pitchFamily="34" charset="-127"/>
+                <a:cs typeface="Malgun Gothic Semilight" panose="020B0503020000020004" pitchFamily="34" charset="-127"/>
+              </a:rPr>
+              <a:t>cout</a:t>
+            </a:r>
+            <a:r>
+              <a:rPr lang="en-US" altLang="ko-KR" sz="1300" dirty="0">
+                <a:solidFill>
+                  <a:srgbClr val="000000"/>
+                </a:solidFill>
+                <a:latin typeface="Malgun Gothic Semilight" panose="020B0503020000020004" pitchFamily="34" charset="-127"/>
+                <a:ea typeface="Malgun Gothic Semilight" panose="020B0503020000020004" pitchFamily="34" charset="-127"/>
+                <a:cs typeface="Malgun Gothic Semilight" panose="020B0503020000020004" pitchFamily="34" charset="-127"/>
+              </a:rPr>
+              <a:t> </a:t>
+            </a:r>
+            <a:r>
+              <a:rPr lang="en-US" altLang="ko-KR" sz="1300" dirty="0">
+                <a:solidFill>
+                  <a:srgbClr val="008080"/>
+                </a:solidFill>
+                <a:latin typeface="Malgun Gothic Semilight" panose="020B0503020000020004" pitchFamily="34" charset="-127"/>
+                <a:ea typeface="Malgun Gothic Semilight" panose="020B0503020000020004" pitchFamily="34" charset="-127"/>
+                <a:cs typeface="Malgun Gothic Semilight" panose="020B0503020000020004" pitchFamily="34" charset="-127"/>
+              </a:rPr>
+              <a:t>&lt;&lt;</a:t>
+            </a:r>
+            <a:r>
+              <a:rPr lang="en-US" altLang="ko-KR" sz="1300" dirty="0">
+                <a:solidFill>
+                  <a:srgbClr val="000000"/>
+                </a:solidFill>
+                <a:latin typeface="Malgun Gothic Semilight" panose="020B0503020000020004" pitchFamily="34" charset="-127"/>
+                <a:ea typeface="Malgun Gothic Semilight" panose="020B0503020000020004" pitchFamily="34" charset="-127"/>
+                <a:cs typeface="Malgun Gothic Semilight" panose="020B0503020000020004" pitchFamily="34" charset="-127"/>
+              </a:rPr>
+              <a:t> </a:t>
+            </a:r>
+            <a:r>
+              <a:rPr lang="en-US" altLang="ko-KR" sz="1300" dirty="0">
+                <a:solidFill>
+                  <a:srgbClr val="A31515"/>
+                </a:solidFill>
+                <a:latin typeface="Malgun Gothic Semilight" panose="020B0503020000020004" pitchFamily="34" charset="-127"/>
+                <a:ea typeface="Malgun Gothic Semilight" panose="020B0503020000020004" pitchFamily="34" charset="-127"/>
+                <a:cs typeface="Malgun Gothic Semilight" panose="020B0503020000020004" pitchFamily="34" charset="-127"/>
+              </a:rPr>
+              <a:t>"63 hex is "</a:t>
+            </a:r>
+            <a:r>
+              <a:rPr lang="en-US" altLang="ko-KR" sz="1300" dirty="0">
+                <a:solidFill>
+                  <a:srgbClr val="000000"/>
+                </a:solidFill>
+                <a:latin typeface="Malgun Gothic Semilight" panose="020B0503020000020004" pitchFamily="34" charset="-127"/>
+                <a:ea typeface="Malgun Gothic Semilight" panose="020B0503020000020004" pitchFamily="34" charset="-127"/>
+                <a:cs typeface="Malgun Gothic Semilight" panose="020B0503020000020004" pitchFamily="34" charset="-127"/>
+              </a:rPr>
+              <a:t> </a:t>
+            </a:r>
+            <a:r>
+              <a:rPr lang="en-US" altLang="ko-KR" sz="1300" dirty="0">
+                <a:solidFill>
+                  <a:srgbClr val="008080"/>
+                </a:solidFill>
+                <a:latin typeface="Malgun Gothic Semilight" panose="020B0503020000020004" pitchFamily="34" charset="-127"/>
+                <a:ea typeface="Malgun Gothic Semilight" panose="020B0503020000020004" pitchFamily="34" charset="-127"/>
+                <a:cs typeface="Malgun Gothic Semilight" panose="020B0503020000020004" pitchFamily="34" charset="-127"/>
+              </a:rPr>
+              <a:t>&lt;&lt;</a:t>
+            </a:r>
+            <a:r>
+              <a:rPr lang="en-US" altLang="ko-KR" sz="1300" dirty="0">
+                <a:solidFill>
+                  <a:srgbClr val="000000"/>
+                </a:solidFill>
+                <a:latin typeface="Malgun Gothic Semilight" panose="020B0503020000020004" pitchFamily="34" charset="-127"/>
+                <a:ea typeface="Malgun Gothic Semilight" panose="020B0503020000020004" pitchFamily="34" charset="-127"/>
+                <a:cs typeface="Malgun Gothic Semilight" panose="020B0503020000020004" pitchFamily="34" charset="-127"/>
+              </a:rPr>
+              <a:t> hex </a:t>
+            </a:r>
+            <a:r>
+              <a:rPr lang="en-US" altLang="ko-KR" sz="1300" dirty="0">
+                <a:solidFill>
+                  <a:srgbClr val="008080"/>
+                </a:solidFill>
+                <a:latin typeface="Malgun Gothic Semilight" panose="020B0503020000020004" pitchFamily="34" charset="-127"/>
+                <a:ea typeface="Malgun Gothic Semilight" panose="020B0503020000020004" pitchFamily="34" charset="-127"/>
+                <a:cs typeface="Malgun Gothic Semilight" panose="020B0503020000020004" pitchFamily="34" charset="-127"/>
+              </a:rPr>
+              <a:t>&lt;&lt;</a:t>
+            </a:r>
+            <a:r>
+              <a:rPr lang="en-US" altLang="ko-KR" sz="1300" dirty="0">
+                <a:solidFill>
+                  <a:srgbClr val="000000"/>
+                </a:solidFill>
+                <a:latin typeface="Malgun Gothic Semilight" panose="020B0503020000020004" pitchFamily="34" charset="-127"/>
+                <a:ea typeface="Malgun Gothic Semilight" panose="020B0503020000020004" pitchFamily="34" charset="-127"/>
+                <a:cs typeface="Malgun Gothic Semilight" panose="020B0503020000020004" pitchFamily="34" charset="-127"/>
+              </a:rPr>
+              <a:t> 63 </a:t>
+            </a:r>
+            <a:r>
+              <a:rPr lang="en-US" altLang="ko-KR" sz="1300" dirty="0">
+                <a:solidFill>
+                  <a:srgbClr val="008080"/>
+                </a:solidFill>
+                <a:latin typeface="Malgun Gothic Semilight" panose="020B0503020000020004" pitchFamily="34" charset="-127"/>
+                <a:ea typeface="Malgun Gothic Semilight" panose="020B0503020000020004" pitchFamily="34" charset="-127"/>
+                <a:cs typeface="Malgun Gothic Semilight" panose="020B0503020000020004" pitchFamily="34" charset="-127"/>
+              </a:rPr>
+              <a:t>&lt;&lt;</a:t>
+            </a:r>
+            <a:r>
+              <a:rPr lang="en-US" altLang="ko-KR" sz="1300" dirty="0">
+                <a:solidFill>
+                  <a:srgbClr val="000000"/>
+                </a:solidFill>
+                <a:latin typeface="Malgun Gothic Semilight" panose="020B0503020000020004" pitchFamily="34" charset="-127"/>
+                <a:ea typeface="Malgun Gothic Semilight" panose="020B0503020000020004" pitchFamily="34" charset="-127"/>
+                <a:cs typeface="Malgun Gothic Semilight" panose="020B0503020000020004" pitchFamily="34" charset="-127"/>
+              </a:rPr>
+              <a:t> </a:t>
+            </a:r>
+            <a:r>
+              <a:rPr lang="en-US" altLang="ko-KR" sz="1300" dirty="0">
+                <a:solidFill>
+                  <a:srgbClr val="A31515"/>
+                </a:solidFill>
+                <a:latin typeface="Malgun Gothic Semilight" panose="020B0503020000020004" pitchFamily="34" charset="-127"/>
+                <a:ea typeface="Malgun Gothic Semilight" panose="020B0503020000020004" pitchFamily="34" charset="-127"/>
+                <a:cs typeface="Malgun Gothic Semilight" panose="020B0503020000020004" pitchFamily="34" charset="-127"/>
+              </a:rPr>
+              <a:t>'\n’</a:t>
+            </a:r>
+            <a:r>
+              <a:rPr lang="en-US" altLang="ko-KR" sz="1300" dirty="0">
+                <a:solidFill>
+                  <a:srgbClr val="000000"/>
+                </a:solidFill>
+                <a:latin typeface="Malgun Gothic Semilight" panose="020B0503020000020004" pitchFamily="34" charset="-127"/>
+                <a:ea typeface="Malgun Gothic Semilight" panose="020B0503020000020004" pitchFamily="34" charset="-127"/>
+                <a:cs typeface="Malgun Gothic Semilight" panose="020B0503020000020004" pitchFamily="34" charset="-127"/>
+              </a:rPr>
+              <a:t>;	</a:t>
+            </a:r>
+            <a:r>
+              <a:rPr lang="en-US" altLang="ko-KR" sz="1300" dirty="0">
+                <a:solidFill>
+                  <a:srgbClr val="008000"/>
+                </a:solidFill>
+                <a:latin typeface="Malgun Gothic Semilight" panose="020B0503020000020004" pitchFamily="34" charset="-127"/>
+                <a:ea typeface="Malgun Gothic Semilight" panose="020B0503020000020004" pitchFamily="34" charset="-127"/>
+                <a:cs typeface="Malgun Gothic Semilight" panose="020B0503020000020004" pitchFamily="34" charset="-127"/>
+              </a:rPr>
+              <a:t>//63 hex is 3f</a:t>
+            </a:r>
+            <a:endParaRPr lang="en-US" altLang="ko-KR" sz="1300" dirty="0">
+              <a:solidFill>
+                <a:srgbClr val="000000"/>
+              </a:solidFill>
+              <a:latin typeface="Malgun Gothic Semilight" panose="020B0503020000020004" pitchFamily="34" charset="-127"/>
+              <a:ea typeface="Malgun Gothic Semilight" panose="020B0503020000020004" pitchFamily="34" charset="-127"/>
+              <a:cs typeface="Malgun Gothic Semilight" panose="020B0503020000020004" pitchFamily="34" charset="-127"/>
+            </a:endParaRPr>
+          </a:p>
+          <a:p>
+            <a:pPr marL="324000" lvl="1">
+              <a:buNone/>
+            </a:pPr>
+            <a:r>
+              <a:rPr lang="en-US" altLang="ko-KR" sz="1300" dirty="0" err="1">
+                <a:solidFill>
+                  <a:srgbClr val="000000"/>
+                </a:solidFill>
+                <a:latin typeface="Malgun Gothic Semilight" panose="020B0503020000020004" pitchFamily="34" charset="-127"/>
+                <a:ea typeface="Malgun Gothic Semilight" panose="020B0503020000020004" pitchFamily="34" charset="-127"/>
+                <a:cs typeface="Malgun Gothic Semilight" panose="020B0503020000020004" pitchFamily="34" charset="-127"/>
+              </a:rPr>
+              <a:t>cout</a:t>
+            </a:r>
+            <a:r>
+              <a:rPr lang="en-US" altLang="ko-KR" sz="1300" dirty="0">
+                <a:solidFill>
+                  <a:srgbClr val="000000"/>
+                </a:solidFill>
+                <a:latin typeface="Malgun Gothic Semilight" panose="020B0503020000020004" pitchFamily="34" charset="-127"/>
+                <a:ea typeface="Malgun Gothic Semilight" panose="020B0503020000020004" pitchFamily="34" charset="-127"/>
+                <a:cs typeface="Malgun Gothic Semilight" panose="020B0503020000020004" pitchFamily="34" charset="-127"/>
+              </a:rPr>
+              <a:t> </a:t>
+            </a:r>
+            <a:r>
+              <a:rPr lang="en-US" altLang="ko-KR" sz="1300" dirty="0">
+                <a:solidFill>
+                  <a:srgbClr val="008080"/>
+                </a:solidFill>
+                <a:latin typeface="Malgun Gothic Semilight" panose="020B0503020000020004" pitchFamily="34" charset="-127"/>
+                <a:ea typeface="Malgun Gothic Semilight" panose="020B0503020000020004" pitchFamily="34" charset="-127"/>
+                <a:cs typeface="Malgun Gothic Semilight" panose="020B0503020000020004" pitchFamily="34" charset="-127"/>
+              </a:rPr>
+              <a:t>&lt;&lt;</a:t>
+            </a:r>
+            <a:r>
+              <a:rPr lang="en-US" altLang="ko-KR" sz="1300" dirty="0">
+                <a:solidFill>
+                  <a:srgbClr val="000000"/>
+                </a:solidFill>
+                <a:latin typeface="Malgun Gothic Semilight" panose="020B0503020000020004" pitchFamily="34" charset="-127"/>
+                <a:ea typeface="Malgun Gothic Semilight" panose="020B0503020000020004" pitchFamily="34" charset="-127"/>
+                <a:cs typeface="Malgun Gothic Semilight" panose="020B0503020000020004" pitchFamily="34" charset="-127"/>
+              </a:rPr>
+              <a:t> </a:t>
+            </a:r>
+            <a:r>
+              <a:rPr lang="en-US" altLang="ko-KR" sz="1300" dirty="0">
+                <a:solidFill>
+                  <a:srgbClr val="A31515"/>
+                </a:solidFill>
+                <a:latin typeface="Malgun Gothic Semilight" panose="020B0503020000020004" pitchFamily="34" charset="-127"/>
+                <a:ea typeface="Malgun Gothic Semilight" panose="020B0503020000020004" pitchFamily="34" charset="-127"/>
+                <a:cs typeface="Malgun Gothic Semilight" panose="020B0503020000020004" pitchFamily="34" charset="-127"/>
+              </a:rPr>
+              <a:t>"63 decimal is "</a:t>
+            </a:r>
+            <a:r>
+              <a:rPr lang="en-US" altLang="ko-KR" sz="1300" dirty="0">
+                <a:solidFill>
+                  <a:srgbClr val="000000"/>
+                </a:solidFill>
+                <a:latin typeface="Malgun Gothic Semilight" panose="020B0503020000020004" pitchFamily="34" charset="-127"/>
+                <a:ea typeface="Malgun Gothic Semilight" panose="020B0503020000020004" pitchFamily="34" charset="-127"/>
+                <a:cs typeface="Malgun Gothic Semilight" panose="020B0503020000020004" pitchFamily="34" charset="-127"/>
+              </a:rPr>
+              <a:t> </a:t>
+            </a:r>
+            <a:r>
+              <a:rPr lang="en-US" altLang="ko-KR" sz="1300" dirty="0">
+                <a:solidFill>
+                  <a:srgbClr val="008080"/>
+                </a:solidFill>
+                <a:latin typeface="Malgun Gothic Semilight" panose="020B0503020000020004" pitchFamily="34" charset="-127"/>
+                <a:ea typeface="Malgun Gothic Semilight" panose="020B0503020000020004" pitchFamily="34" charset="-127"/>
+                <a:cs typeface="Malgun Gothic Semilight" panose="020B0503020000020004" pitchFamily="34" charset="-127"/>
+              </a:rPr>
+              <a:t>&lt;&lt;</a:t>
+            </a:r>
+            <a:r>
+              <a:rPr lang="en-US" altLang="ko-KR" sz="1300" dirty="0">
+                <a:solidFill>
+                  <a:srgbClr val="000000"/>
+                </a:solidFill>
+                <a:latin typeface="Malgun Gothic Semilight" panose="020B0503020000020004" pitchFamily="34" charset="-127"/>
+                <a:ea typeface="Malgun Gothic Semilight" panose="020B0503020000020004" pitchFamily="34" charset="-127"/>
+                <a:cs typeface="Malgun Gothic Semilight" panose="020B0503020000020004" pitchFamily="34" charset="-127"/>
+              </a:rPr>
+              <a:t> dec </a:t>
+            </a:r>
+            <a:r>
+              <a:rPr lang="en-US" altLang="ko-KR" sz="1300" dirty="0">
+                <a:solidFill>
+                  <a:srgbClr val="008080"/>
+                </a:solidFill>
+                <a:latin typeface="Malgun Gothic Semilight" panose="020B0503020000020004" pitchFamily="34" charset="-127"/>
+                <a:ea typeface="Malgun Gothic Semilight" panose="020B0503020000020004" pitchFamily="34" charset="-127"/>
+                <a:cs typeface="Malgun Gothic Semilight" panose="020B0503020000020004" pitchFamily="34" charset="-127"/>
+              </a:rPr>
+              <a:t>&lt;&lt;</a:t>
+            </a:r>
+            <a:r>
+              <a:rPr lang="en-US" altLang="ko-KR" sz="1300" dirty="0">
+                <a:solidFill>
+                  <a:srgbClr val="000000"/>
+                </a:solidFill>
+                <a:latin typeface="Malgun Gothic Semilight" panose="020B0503020000020004" pitchFamily="34" charset="-127"/>
+                <a:ea typeface="Malgun Gothic Semilight" panose="020B0503020000020004" pitchFamily="34" charset="-127"/>
+                <a:cs typeface="Malgun Gothic Semilight" panose="020B0503020000020004" pitchFamily="34" charset="-127"/>
+              </a:rPr>
+              <a:t> 63 </a:t>
+            </a:r>
+            <a:r>
+              <a:rPr lang="en-US" altLang="ko-KR" sz="1300" dirty="0">
+                <a:solidFill>
+                  <a:srgbClr val="008080"/>
+                </a:solidFill>
+                <a:latin typeface="Malgun Gothic Semilight" panose="020B0503020000020004" pitchFamily="34" charset="-127"/>
+                <a:ea typeface="Malgun Gothic Semilight" panose="020B0503020000020004" pitchFamily="34" charset="-127"/>
+                <a:cs typeface="Malgun Gothic Semilight" panose="020B0503020000020004" pitchFamily="34" charset="-127"/>
+              </a:rPr>
+              <a:t>&lt;&lt;</a:t>
+            </a:r>
+            <a:r>
+              <a:rPr lang="en-US" altLang="ko-KR" sz="1300" dirty="0">
+                <a:solidFill>
+                  <a:srgbClr val="000000"/>
+                </a:solidFill>
+                <a:latin typeface="Malgun Gothic Semilight" panose="020B0503020000020004" pitchFamily="34" charset="-127"/>
+                <a:ea typeface="Malgun Gothic Semilight" panose="020B0503020000020004" pitchFamily="34" charset="-127"/>
+                <a:cs typeface="Malgun Gothic Semilight" panose="020B0503020000020004" pitchFamily="34" charset="-127"/>
+              </a:rPr>
+              <a:t> </a:t>
+            </a:r>
+            <a:r>
+              <a:rPr lang="en-US" altLang="ko-KR" sz="1300" dirty="0">
+                <a:solidFill>
+                  <a:srgbClr val="A31515"/>
+                </a:solidFill>
+                <a:latin typeface="Malgun Gothic Semilight" panose="020B0503020000020004" pitchFamily="34" charset="-127"/>
+                <a:ea typeface="Malgun Gothic Semilight" panose="020B0503020000020004" pitchFamily="34" charset="-127"/>
+                <a:cs typeface="Malgun Gothic Semilight" panose="020B0503020000020004" pitchFamily="34" charset="-127"/>
+              </a:rPr>
+              <a:t>'\n’</a:t>
+            </a:r>
+            <a:r>
+              <a:rPr lang="en-US" altLang="ko-KR" sz="1300" dirty="0">
+                <a:solidFill>
+                  <a:srgbClr val="000000"/>
+                </a:solidFill>
+                <a:latin typeface="Malgun Gothic Semilight" panose="020B0503020000020004" pitchFamily="34" charset="-127"/>
+                <a:ea typeface="Malgun Gothic Semilight" panose="020B0503020000020004" pitchFamily="34" charset="-127"/>
+                <a:cs typeface="Malgun Gothic Semilight" panose="020B0503020000020004" pitchFamily="34" charset="-127"/>
+              </a:rPr>
+              <a:t>;	</a:t>
+            </a:r>
+            <a:r>
+              <a:rPr lang="en-US" altLang="ko-KR" sz="1300" dirty="0">
+                <a:solidFill>
+                  <a:srgbClr val="008000"/>
+                </a:solidFill>
+                <a:latin typeface="Malgun Gothic Semilight" panose="020B0503020000020004" pitchFamily="34" charset="-127"/>
+                <a:ea typeface="Malgun Gothic Semilight" panose="020B0503020000020004" pitchFamily="34" charset="-127"/>
+                <a:cs typeface="Malgun Gothic Semilight" panose="020B0503020000020004" pitchFamily="34" charset="-127"/>
+              </a:rPr>
+              <a:t>//63 decimal is + 63</a:t>
+            </a:r>
+            <a:br>
+              <a:rPr lang="en-US" altLang="ko-KR" sz="1300" dirty="0">
+                <a:solidFill>
+                  <a:srgbClr val="008000"/>
+                </a:solidFill>
+                <a:latin typeface="Malgun Gothic Semilight" panose="020B0503020000020004" pitchFamily="34" charset="-127"/>
+                <a:ea typeface="Malgun Gothic Semilight" panose="020B0503020000020004" pitchFamily="34" charset="-127"/>
+                <a:cs typeface="Malgun Gothic Semilight" panose="020B0503020000020004" pitchFamily="34" charset="-127"/>
+              </a:rPr>
+            </a:br>
+            <a:endParaRPr lang="en-US" altLang="ko-KR" dirty="0">
+              <a:solidFill>
+                <a:schemeClr val="tx1">
+                  <a:lumMod val="75000"/>
+                  <a:lumOff val="25000"/>
+                </a:schemeClr>
+              </a:solidFill>
+              <a:latin typeface="Malgun Gothic Semilight" panose="020B0503020000020004" pitchFamily="34" charset="-127"/>
+              <a:ea typeface="Malgun Gothic Semilight" panose="020B0503020000020004" pitchFamily="34" charset="-127"/>
+              <a:cs typeface="Malgun Gothic Semilight" panose="020B0503020000020004" pitchFamily="34" charset="-127"/>
+            </a:endParaRPr>
+          </a:p>
+          <a:p>
+            <a:r>
+              <a:rPr lang="en-US" altLang="ko-KR" sz="1400" dirty="0">
+                <a:solidFill>
+                  <a:schemeClr val="tx1">
+                    <a:lumMod val="75000"/>
+                    <a:lumOff val="25000"/>
+                  </a:schemeClr>
+                </a:solidFill>
+                <a:latin typeface="Malgun Gothic Semilight" panose="020B0503020000020004" pitchFamily="34" charset="-127"/>
+                <a:ea typeface="Malgun Gothic Semilight" panose="020B0503020000020004" pitchFamily="34" charset="-127"/>
+                <a:cs typeface="Malgun Gothic Semilight" panose="020B0503020000020004" pitchFamily="34" charset="-127"/>
+              </a:rPr>
+              <a:t>BOOL</a:t>
+            </a:r>
+          </a:p>
+          <a:p>
+            <a:pPr marL="324000" lvl="1">
+              <a:buNone/>
+            </a:pPr>
+            <a:r>
+              <a:rPr lang="en-US" altLang="ko-KR" sz="1300" dirty="0" err="1">
+                <a:solidFill>
+                  <a:srgbClr val="000000"/>
+                </a:solidFill>
+                <a:latin typeface="Malgun Gothic Semilight" panose="020B0502040204020203" pitchFamily="50" charset="-127"/>
+                <a:ea typeface="Malgun Gothic Semilight" panose="020B0502040204020203" pitchFamily="50" charset="-127"/>
+                <a:cs typeface="Malgun Gothic Semilight" panose="020B0502040204020203" pitchFamily="50" charset="-127"/>
+              </a:rPr>
+              <a:t>cout</a:t>
+            </a:r>
+            <a:r>
+              <a:rPr lang="en-US" altLang="ko-KR" sz="1300" dirty="0">
+                <a:solidFill>
+                  <a:srgbClr val="000000"/>
+                </a:solidFill>
+                <a:latin typeface="Malgun Gothic Semilight" panose="020B0502040204020203" pitchFamily="50" charset="-127"/>
+                <a:ea typeface="Malgun Gothic Semilight" panose="020B0502040204020203" pitchFamily="50" charset="-127"/>
+                <a:cs typeface="Malgun Gothic Semilight" panose="020B0502040204020203" pitchFamily="50" charset="-127"/>
+              </a:rPr>
+              <a:t> </a:t>
+            </a:r>
+            <a:r>
+              <a:rPr lang="en-US" altLang="ko-KR" sz="1300" dirty="0">
+                <a:solidFill>
+                  <a:srgbClr val="008080"/>
+                </a:solidFill>
+                <a:latin typeface="Malgun Gothic Semilight" panose="020B0502040204020203" pitchFamily="50" charset="-127"/>
+                <a:ea typeface="Malgun Gothic Semilight" panose="020B0502040204020203" pitchFamily="50" charset="-127"/>
+                <a:cs typeface="Malgun Gothic Semilight" panose="020B0502040204020203" pitchFamily="50" charset="-127"/>
+              </a:rPr>
+              <a:t>&lt;&lt;</a:t>
+            </a:r>
+            <a:r>
+              <a:rPr lang="en-US" altLang="ko-KR" sz="1300" dirty="0">
+                <a:solidFill>
+                  <a:srgbClr val="000000"/>
+                </a:solidFill>
+                <a:latin typeface="Malgun Gothic Semilight" panose="020B0502040204020203" pitchFamily="50" charset="-127"/>
+                <a:ea typeface="Malgun Gothic Semilight" panose="020B0502040204020203" pitchFamily="50" charset="-127"/>
+                <a:cs typeface="Malgun Gothic Semilight" panose="020B0502040204020203" pitchFamily="50" charset="-127"/>
+              </a:rPr>
+              <a:t> </a:t>
+            </a:r>
+            <a:r>
+              <a:rPr lang="en-US" altLang="ko-KR" sz="1300" dirty="0">
+                <a:solidFill>
+                  <a:srgbClr val="A31515"/>
+                </a:solidFill>
+                <a:latin typeface="Malgun Gothic Semilight" panose="020B0502040204020203" pitchFamily="50" charset="-127"/>
+                <a:ea typeface="Malgun Gothic Semilight" panose="020B0502040204020203" pitchFamily="50" charset="-127"/>
+                <a:cs typeface="Malgun Gothic Semilight" panose="020B0502040204020203" pitchFamily="50" charset="-127"/>
+              </a:rPr>
+              <a:t>"pi &lt; 3 is "</a:t>
+            </a:r>
+            <a:r>
+              <a:rPr lang="en-US" altLang="ko-KR" sz="1300" dirty="0">
+                <a:solidFill>
+                  <a:srgbClr val="000000"/>
+                </a:solidFill>
+                <a:latin typeface="Malgun Gothic Semilight" panose="020B0502040204020203" pitchFamily="50" charset="-127"/>
+                <a:ea typeface="Malgun Gothic Semilight" panose="020B0502040204020203" pitchFamily="50" charset="-127"/>
+                <a:cs typeface="Malgun Gothic Semilight" panose="020B0502040204020203" pitchFamily="50" charset="-127"/>
+              </a:rPr>
+              <a:t> </a:t>
+            </a:r>
+            <a:r>
+              <a:rPr lang="en-US" altLang="ko-KR" sz="1300" dirty="0">
+                <a:solidFill>
+                  <a:srgbClr val="008080"/>
+                </a:solidFill>
+                <a:latin typeface="Malgun Gothic Semilight" panose="020B0502040204020203" pitchFamily="50" charset="-127"/>
+                <a:ea typeface="Malgun Gothic Semilight" panose="020B0502040204020203" pitchFamily="50" charset="-127"/>
+                <a:cs typeface="Malgun Gothic Semilight" panose="020B0502040204020203" pitchFamily="50" charset="-127"/>
+              </a:rPr>
+              <a:t>&lt;&lt;</a:t>
+            </a:r>
+            <a:r>
+              <a:rPr lang="en-US" altLang="ko-KR" sz="1300" dirty="0">
+                <a:solidFill>
+                  <a:srgbClr val="000000"/>
+                </a:solidFill>
+                <a:latin typeface="Malgun Gothic Semilight" panose="020B0502040204020203" pitchFamily="50" charset="-127"/>
+                <a:ea typeface="Malgun Gothic Semilight" panose="020B0502040204020203" pitchFamily="50" charset="-127"/>
+                <a:cs typeface="Malgun Gothic Semilight" panose="020B0502040204020203" pitchFamily="50" charset="-127"/>
+              </a:rPr>
+              <a:t> (pi &lt; 3) </a:t>
+            </a:r>
+            <a:r>
+              <a:rPr lang="en-US" altLang="ko-KR" sz="1300" dirty="0">
+                <a:solidFill>
+                  <a:srgbClr val="008080"/>
+                </a:solidFill>
+                <a:latin typeface="Malgun Gothic Semilight" panose="020B0502040204020203" pitchFamily="50" charset="-127"/>
+                <a:ea typeface="Malgun Gothic Semilight" panose="020B0502040204020203" pitchFamily="50" charset="-127"/>
+                <a:cs typeface="Malgun Gothic Semilight" panose="020B0502040204020203" pitchFamily="50" charset="-127"/>
+              </a:rPr>
+              <a:t>&lt;&lt;</a:t>
+            </a:r>
+            <a:r>
+              <a:rPr lang="en-US" altLang="ko-KR" sz="1300" dirty="0">
+                <a:solidFill>
+                  <a:srgbClr val="000000"/>
+                </a:solidFill>
+                <a:latin typeface="Malgun Gothic Semilight" panose="020B0502040204020203" pitchFamily="50" charset="-127"/>
+                <a:ea typeface="Malgun Gothic Semilight" panose="020B0502040204020203" pitchFamily="50" charset="-127"/>
+                <a:cs typeface="Malgun Gothic Semilight" panose="020B0502040204020203" pitchFamily="50" charset="-127"/>
+              </a:rPr>
+              <a:t> </a:t>
+            </a:r>
+            <a:r>
+              <a:rPr lang="en-US" altLang="ko-KR" sz="1300" dirty="0">
+                <a:solidFill>
+                  <a:srgbClr val="A31515"/>
+                </a:solidFill>
+                <a:latin typeface="Malgun Gothic Semilight" panose="020B0502040204020203" pitchFamily="50" charset="-127"/>
+                <a:ea typeface="Malgun Gothic Semilight" panose="020B0502040204020203" pitchFamily="50" charset="-127"/>
+                <a:cs typeface="Malgun Gothic Semilight" panose="020B0502040204020203" pitchFamily="50" charset="-127"/>
+              </a:rPr>
+              <a:t>'\n’</a:t>
+            </a:r>
+            <a:r>
+              <a:rPr lang="en-US" altLang="ko-KR" sz="1300" dirty="0">
+                <a:solidFill>
+                  <a:srgbClr val="000000"/>
+                </a:solidFill>
+                <a:latin typeface="Malgun Gothic Semilight" panose="020B0502040204020203" pitchFamily="50" charset="-127"/>
+                <a:ea typeface="Malgun Gothic Semilight" panose="020B0502040204020203" pitchFamily="50" charset="-127"/>
+                <a:cs typeface="Malgun Gothic Semilight" panose="020B0502040204020203" pitchFamily="50" charset="-127"/>
+              </a:rPr>
+              <a:t>;	</a:t>
+            </a:r>
+            <a:r>
+              <a:rPr lang="en-US" altLang="ko-KR" sz="1300" dirty="0">
+                <a:solidFill>
+                  <a:srgbClr val="008000"/>
+                </a:solidFill>
+                <a:latin typeface="Malgun Gothic Semilight" panose="020B0502040204020203" pitchFamily="50" charset="-127"/>
+                <a:ea typeface="Malgun Gothic Semilight" panose="020B0502040204020203" pitchFamily="50" charset="-127"/>
+                <a:cs typeface="Malgun Gothic Semilight" panose="020B0502040204020203" pitchFamily="50" charset="-127"/>
+              </a:rPr>
+              <a:t>//pi &lt; 3 is +0</a:t>
+            </a:r>
+            <a:endParaRPr lang="en-US" altLang="ko-KR" sz="1300" dirty="0">
+              <a:solidFill>
+                <a:srgbClr val="000000"/>
+              </a:solidFill>
+              <a:latin typeface="Malgun Gothic Semilight" panose="020B0502040204020203" pitchFamily="50" charset="-127"/>
+              <a:ea typeface="Malgun Gothic Semilight" panose="020B0502040204020203" pitchFamily="50" charset="-127"/>
+              <a:cs typeface="Malgun Gothic Semilight" panose="020B0502040204020203" pitchFamily="50" charset="-127"/>
+            </a:endParaRPr>
+          </a:p>
+          <a:p>
+            <a:pPr marL="324000" lvl="1">
+              <a:buNone/>
+            </a:pPr>
+            <a:r>
+              <a:rPr lang="en-US" altLang="ko-KR" sz="1300" dirty="0" err="1">
+                <a:solidFill>
+                  <a:srgbClr val="000000"/>
+                </a:solidFill>
+                <a:latin typeface="Malgun Gothic Semilight" panose="020B0502040204020203" pitchFamily="50" charset="-127"/>
+                <a:ea typeface="Malgun Gothic Semilight" panose="020B0502040204020203" pitchFamily="50" charset="-127"/>
+                <a:cs typeface="Malgun Gothic Semilight" panose="020B0502040204020203" pitchFamily="50" charset="-127"/>
+              </a:rPr>
+              <a:t>cout</a:t>
+            </a:r>
+            <a:r>
+              <a:rPr lang="en-US" altLang="ko-KR" sz="1300" dirty="0">
+                <a:solidFill>
+                  <a:srgbClr val="000000"/>
+                </a:solidFill>
+                <a:latin typeface="Malgun Gothic Semilight" panose="020B0502040204020203" pitchFamily="50" charset="-127"/>
+                <a:ea typeface="Malgun Gothic Semilight" panose="020B0502040204020203" pitchFamily="50" charset="-127"/>
+                <a:cs typeface="Malgun Gothic Semilight" panose="020B0502040204020203" pitchFamily="50" charset="-127"/>
+              </a:rPr>
+              <a:t> </a:t>
+            </a:r>
+            <a:r>
+              <a:rPr lang="en-US" altLang="ko-KR" sz="1300" dirty="0">
+                <a:solidFill>
+                  <a:srgbClr val="008080"/>
+                </a:solidFill>
+                <a:latin typeface="Malgun Gothic Semilight" panose="020B0502040204020203" pitchFamily="50" charset="-127"/>
+                <a:ea typeface="Malgun Gothic Semilight" panose="020B0502040204020203" pitchFamily="50" charset="-127"/>
+                <a:cs typeface="Malgun Gothic Semilight" panose="020B0502040204020203" pitchFamily="50" charset="-127"/>
+              </a:rPr>
+              <a:t>&lt;&lt;</a:t>
+            </a:r>
+            <a:r>
+              <a:rPr lang="en-US" altLang="ko-KR" sz="1300" dirty="0">
+                <a:solidFill>
+                  <a:srgbClr val="000000"/>
+                </a:solidFill>
+                <a:latin typeface="Malgun Gothic Semilight" panose="020B0502040204020203" pitchFamily="50" charset="-127"/>
+                <a:ea typeface="Malgun Gothic Semilight" panose="020B0502040204020203" pitchFamily="50" charset="-127"/>
+                <a:cs typeface="Malgun Gothic Semilight" panose="020B0502040204020203" pitchFamily="50" charset="-127"/>
+              </a:rPr>
+              <a:t> </a:t>
+            </a:r>
+            <a:r>
+              <a:rPr lang="en-US" altLang="ko-KR" sz="1300" dirty="0">
+                <a:solidFill>
+                  <a:srgbClr val="A31515"/>
+                </a:solidFill>
+                <a:latin typeface="Malgun Gothic Semilight" panose="020B0502040204020203" pitchFamily="50" charset="-127"/>
+                <a:ea typeface="Malgun Gothic Semilight" panose="020B0502040204020203" pitchFamily="50" charset="-127"/>
+                <a:cs typeface="Malgun Gothic Semilight" panose="020B0502040204020203" pitchFamily="50" charset="-127"/>
+              </a:rPr>
+              <a:t>"pi &lt; 3 is "</a:t>
+            </a:r>
+            <a:r>
+              <a:rPr lang="en-US" altLang="ko-KR" sz="1300" dirty="0">
+                <a:solidFill>
+                  <a:srgbClr val="000000"/>
+                </a:solidFill>
+                <a:latin typeface="Malgun Gothic Semilight" panose="020B0502040204020203" pitchFamily="50" charset="-127"/>
+                <a:ea typeface="Malgun Gothic Semilight" panose="020B0502040204020203" pitchFamily="50" charset="-127"/>
+                <a:cs typeface="Malgun Gothic Semilight" panose="020B0502040204020203" pitchFamily="50" charset="-127"/>
+              </a:rPr>
+              <a:t> </a:t>
+            </a:r>
+            <a:r>
+              <a:rPr lang="en-US" altLang="ko-KR" sz="1300" dirty="0">
+                <a:solidFill>
+                  <a:srgbClr val="008080"/>
+                </a:solidFill>
+                <a:latin typeface="Malgun Gothic Semilight" panose="020B0502040204020203" pitchFamily="50" charset="-127"/>
+                <a:ea typeface="Malgun Gothic Semilight" panose="020B0502040204020203" pitchFamily="50" charset="-127"/>
+                <a:cs typeface="Malgun Gothic Semilight" panose="020B0502040204020203" pitchFamily="50" charset="-127"/>
+              </a:rPr>
+              <a:t>&lt;&lt;</a:t>
+            </a:r>
+            <a:r>
+              <a:rPr lang="en-US" altLang="ko-KR" sz="1300" dirty="0">
+                <a:solidFill>
+                  <a:srgbClr val="000000"/>
+                </a:solidFill>
+                <a:latin typeface="Malgun Gothic Semilight" panose="020B0502040204020203" pitchFamily="50" charset="-127"/>
+                <a:ea typeface="Malgun Gothic Semilight" panose="020B0502040204020203" pitchFamily="50" charset="-127"/>
+                <a:cs typeface="Malgun Gothic Semilight" panose="020B0502040204020203" pitchFamily="50" charset="-127"/>
+              </a:rPr>
+              <a:t> </a:t>
+            </a:r>
+            <a:r>
+              <a:rPr lang="en-US" altLang="ko-KR" sz="1300" dirty="0" err="1">
+                <a:solidFill>
+                  <a:srgbClr val="000000"/>
+                </a:solidFill>
+                <a:latin typeface="Malgun Gothic Semilight" panose="020B0502040204020203" pitchFamily="50" charset="-127"/>
+                <a:ea typeface="Malgun Gothic Semilight" panose="020B0502040204020203" pitchFamily="50" charset="-127"/>
+                <a:cs typeface="Malgun Gothic Semilight" panose="020B0502040204020203" pitchFamily="50" charset="-127"/>
+              </a:rPr>
+              <a:t>boolalpha</a:t>
+            </a:r>
+            <a:r>
+              <a:rPr lang="en-US" altLang="ko-KR" sz="1300" dirty="0">
+                <a:solidFill>
+                  <a:srgbClr val="000000"/>
+                </a:solidFill>
+                <a:latin typeface="Malgun Gothic Semilight" panose="020B0502040204020203" pitchFamily="50" charset="-127"/>
+                <a:ea typeface="Malgun Gothic Semilight" panose="020B0502040204020203" pitchFamily="50" charset="-127"/>
+                <a:cs typeface="Malgun Gothic Semilight" panose="020B0502040204020203" pitchFamily="50" charset="-127"/>
+              </a:rPr>
+              <a:t> </a:t>
+            </a:r>
+            <a:r>
+              <a:rPr lang="en-US" altLang="ko-KR" sz="1300" dirty="0">
+                <a:solidFill>
+                  <a:srgbClr val="008080"/>
+                </a:solidFill>
+                <a:latin typeface="Malgun Gothic Semilight" panose="020B0502040204020203" pitchFamily="50" charset="-127"/>
+                <a:ea typeface="Malgun Gothic Semilight" panose="020B0502040204020203" pitchFamily="50" charset="-127"/>
+                <a:cs typeface="Malgun Gothic Semilight" panose="020B0502040204020203" pitchFamily="50" charset="-127"/>
+              </a:rPr>
+              <a:t>&lt;&lt;</a:t>
+            </a:r>
+            <a:r>
+              <a:rPr lang="en-US" altLang="ko-KR" sz="1300" dirty="0">
+                <a:solidFill>
+                  <a:srgbClr val="000000"/>
+                </a:solidFill>
+                <a:latin typeface="Malgun Gothic Semilight" panose="020B0502040204020203" pitchFamily="50" charset="-127"/>
+                <a:ea typeface="Malgun Gothic Semilight" panose="020B0502040204020203" pitchFamily="50" charset="-127"/>
+                <a:cs typeface="Malgun Gothic Semilight" panose="020B0502040204020203" pitchFamily="50" charset="-127"/>
+              </a:rPr>
+              <a:t> (pi &lt; 3) </a:t>
+            </a:r>
+            <a:r>
+              <a:rPr lang="en-US" altLang="ko-KR" sz="1300" dirty="0">
+                <a:solidFill>
+                  <a:srgbClr val="008080"/>
+                </a:solidFill>
+                <a:latin typeface="Malgun Gothic Semilight" panose="020B0502040204020203" pitchFamily="50" charset="-127"/>
+                <a:ea typeface="Malgun Gothic Semilight" panose="020B0502040204020203" pitchFamily="50" charset="-127"/>
+                <a:cs typeface="Malgun Gothic Semilight" panose="020B0502040204020203" pitchFamily="50" charset="-127"/>
+              </a:rPr>
+              <a:t>&lt;&lt;</a:t>
+            </a:r>
+            <a:r>
+              <a:rPr lang="en-US" altLang="ko-KR" sz="1300" dirty="0">
+                <a:solidFill>
+                  <a:srgbClr val="000000"/>
+                </a:solidFill>
+                <a:latin typeface="Malgun Gothic Semilight" panose="020B0502040204020203" pitchFamily="50" charset="-127"/>
+                <a:ea typeface="Malgun Gothic Semilight" panose="020B0502040204020203" pitchFamily="50" charset="-127"/>
+                <a:cs typeface="Malgun Gothic Semilight" panose="020B0502040204020203" pitchFamily="50" charset="-127"/>
+              </a:rPr>
+              <a:t> </a:t>
+            </a:r>
+            <a:r>
+              <a:rPr lang="en-US" altLang="ko-KR" sz="1300" dirty="0">
+                <a:solidFill>
+                  <a:srgbClr val="A31515"/>
+                </a:solidFill>
+                <a:latin typeface="Malgun Gothic Semilight" panose="020B0502040204020203" pitchFamily="50" charset="-127"/>
+                <a:ea typeface="Malgun Gothic Semilight" panose="020B0502040204020203" pitchFamily="50" charset="-127"/>
+                <a:cs typeface="Malgun Gothic Semilight" panose="020B0502040204020203" pitchFamily="50" charset="-127"/>
+              </a:rPr>
+              <a:t>'\n’</a:t>
+            </a:r>
+            <a:r>
+              <a:rPr lang="en-US" altLang="ko-KR" sz="1300" dirty="0">
+                <a:solidFill>
+                  <a:srgbClr val="000000"/>
+                </a:solidFill>
+                <a:latin typeface="Malgun Gothic Semilight" panose="020B0502040204020203" pitchFamily="50" charset="-127"/>
+                <a:ea typeface="Malgun Gothic Semilight" panose="020B0502040204020203" pitchFamily="50" charset="-127"/>
+                <a:cs typeface="Malgun Gothic Semilight" panose="020B0502040204020203" pitchFamily="50" charset="-127"/>
+              </a:rPr>
+              <a:t>;	</a:t>
+            </a:r>
+            <a:r>
+              <a:rPr lang="en-US" altLang="ko-KR" sz="1300" dirty="0">
+                <a:solidFill>
+                  <a:srgbClr val="008000"/>
+                </a:solidFill>
+                <a:latin typeface="Malgun Gothic Semilight" panose="020B0502040204020203" pitchFamily="50" charset="-127"/>
+                <a:ea typeface="Malgun Gothic Semilight" panose="020B0502040204020203" pitchFamily="50" charset="-127"/>
+                <a:cs typeface="Malgun Gothic Semilight" panose="020B0502040204020203" pitchFamily="50" charset="-127"/>
+              </a:rPr>
+              <a:t>//pi &lt; 3 is false</a:t>
+            </a:r>
+            <a:endParaRPr lang="en-US" altLang="ko-KR" sz="1300" dirty="0">
+              <a:solidFill>
+                <a:schemeClr val="tx1">
+                  <a:lumMod val="75000"/>
+                  <a:lumOff val="25000"/>
+                </a:schemeClr>
+              </a:solidFill>
+              <a:latin typeface="Malgun Gothic Semilight" panose="020B0502040204020203" pitchFamily="50" charset="-127"/>
+              <a:ea typeface="Malgun Gothic Semilight" panose="020B0502040204020203" pitchFamily="50" charset="-127"/>
+              <a:cs typeface="Malgun Gothic Semilight" panose="020B0502040204020203" pitchFamily="50" charset="-127"/>
+            </a:endParaRPr>
+          </a:p>
+          <a:p>
+            <a:endParaRPr lang="en-US" altLang="ko-KR" sz="1800" dirty="0">
+              <a:latin typeface="Malgun Gothic Semilight" panose="020B0503020000020004" pitchFamily="34" charset="-127"/>
+              <a:ea typeface="Malgun Gothic Semilight" panose="020B0503020000020004" pitchFamily="34" charset="-127"/>
+              <a:cs typeface="Malgun Gothic Semilight" panose="020B0503020000020004" pitchFamily="34" charset="-127"/>
+            </a:endParaRPr>
+          </a:p>
+        </p:txBody>
+      </p:sp>
+    </p:spTree>
+    <p:extLst>
+      <p:ext uri="{BB962C8B-B14F-4D97-AF65-F5344CB8AC3E}">
+        <p14:creationId xmlns:p14="http://schemas.microsoft.com/office/powerpoint/2010/main" val="3134998671"/>
+      </p:ext>
+    </p:extLst>
+  </p:cSld>
+  <p:clrMapOvr>
+    <a:masterClrMapping/>
+  </p:clrMapOvr>
+</p:sld>
+</file>
+
 <file path=ppt/slides/slide2.xml><?xml version="1.0" encoding="utf-8"?>
 <p:sld xmlns:a="http://schemas.openxmlformats.org/drawingml/2006/main" xmlns:r="http://schemas.openxmlformats.org/officeDocument/2006/relationships" xmlns:p="http://schemas.openxmlformats.org/presentationml/2006/main">
   <p:cSld>
@@ -8857,6 +10375,19 @@
             <a:r>
               <a:rPr lang="en-US" altLang="ko-KR" noProof="1"/>
               <a:t>(assert, throw, try-catch)</a:t>
+            </a:r>
+          </a:p>
+          <a:p>
+            <a:pPr rtl="0"/>
+            <a:endParaRPr lang="en-US" altLang="ko-KR" noProof="1">
+              <a:ea typeface="맑은 고딕" panose="020B0503020000020004" pitchFamily="50" charset="-127"/>
+            </a:endParaRPr>
+          </a:p>
+          <a:p>
+            <a:pPr rtl="0"/>
+            <a:r>
+              <a:rPr lang="ko-KR" altLang="en-US" noProof="1"/>
+              <a:t>표준 입출력</a:t>
             </a:r>
             <a:endParaRPr lang="en-US" altLang="ko-KR" noProof="1">
               <a:ea typeface="맑은 고딕" panose="020B0503020000020004" pitchFamily="50" charset="-127"/>
@@ -9695,7 +11226,7 @@
                         </a:lnSpc>
                       </a:pPr>
                       <a:r>
-                        <a:rPr lang="ko-KR" altLang="en-US" sz="1400" b="1" baseline="0">
+                        <a:rPr lang="ko-KR" altLang="en-US" sz="1400" b="1" baseline="0" dirty="0">
                           <a:solidFill>
                             <a:schemeClr val="tx1">
                               <a:lumMod val="85000"/>
@@ -9707,7 +11238,7 @@
                         </a:rPr>
                         <a:t>축소</a:t>
                       </a:r>
-                      <a:endParaRPr lang="en-US" sz="1400" b="1" baseline="0">
+                      <a:endParaRPr lang="en-US" sz="1400" b="1" baseline="0" dirty="0">
                         <a:solidFill>
                           <a:schemeClr val="tx1">
                             <a:lumMod val="85000"/>
@@ -12391,12 +13922,11 @@
           <a:p>
             <a:pPr rtl="0"/>
             <a:r>
-              <a:rPr lang="ko-KR" altLang="en-US" noProof="1"/>
-              <a:t>변수</a:t>
-            </a:r>
-            <a:endParaRPr lang="ko-KR" altLang="en-US" noProof="1">
-              <a:ea typeface="맑은 고딕" panose="020B0503020000020004" pitchFamily="50" charset="-127"/>
-            </a:endParaRPr>
+              <a:rPr lang="ko-KR" altLang="en-US" noProof="1">
+                <a:ea typeface="맑은 고딕" panose="020B0503020000020004" pitchFamily="50" charset="-127"/>
+              </a:rPr>
+              <a:t>오류처리</a:t>
+            </a:r>
           </a:p>
         </p:txBody>
       </p:sp>
@@ -13922,6 +15452,2842 @@
     <p:extLst>
       <p:ext uri="{BB962C8B-B14F-4D97-AF65-F5344CB8AC3E}">
         <p14:creationId xmlns:p14="http://schemas.microsoft.com/office/powerpoint/2010/main" val="2547597892"/>
+      </p:ext>
+    </p:extLst>
+  </p:cSld>
+  <p:clrMapOvr>
+    <a:masterClrMapping/>
+  </p:clrMapOvr>
+</p:sld>
+</file>
+
+<file path=ppt/slides/slide8.xml><?xml version="1.0" encoding="utf-8"?>
+<p:sld xmlns:a="http://schemas.openxmlformats.org/drawingml/2006/main" xmlns:r="http://schemas.openxmlformats.org/officeDocument/2006/relationships" xmlns:p="http://schemas.openxmlformats.org/presentationml/2006/main">
+  <p:cSld>
+    <p:spTree>
+      <p:nvGrpSpPr>
+        <p:cNvPr id="1" name=""/>
+        <p:cNvGrpSpPr/>
+        <p:nvPr/>
+      </p:nvGrpSpPr>
+      <p:grpSpPr>
+        <a:xfrm>
+          <a:off x="0" y="0"/>
+          <a:ext cx="0" cy="0"/>
+          <a:chOff x="0" y="0"/>
+          <a:chExt cx="0" cy="0"/>
+        </a:xfrm>
+      </p:grpSpPr>
+      <p:sp>
+        <p:nvSpPr>
+          <p:cNvPr id="2" name="제목 1">
+            <a:extLst>
+              <a:ext uri="{FF2B5EF4-FFF2-40B4-BE49-F238E27FC236}">
+                <a16:creationId xmlns:a16="http://schemas.microsoft.com/office/drawing/2014/main" id="{6F204F3F-D196-428C-AE74-238938FD8008}"/>
+              </a:ext>
+            </a:extLst>
+          </p:cNvPr>
+          <p:cNvSpPr>
+            <a:spLocks noGrp="1"/>
+          </p:cNvSpPr>
+          <p:nvPr>
+            <p:ph type="title"/>
+          </p:nvPr>
+        </p:nvSpPr>
+        <p:spPr/>
+        <p:txBody>
+          <a:bodyPr rtlCol="0"/>
+          <a:lstStyle/>
+          <a:p>
+            <a:pPr rtl="0"/>
+            <a:r>
+              <a:rPr lang="ko-KR" altLang="en-US" noProof="1">
+                <a:ea typeface="맑은 고딕" panose="020B0503020000020004" pitchFamily="50" charset="-127"/>
+              </a:rPr>
+              <a:t>표준 입출력</a:t>
+            </a:r>
+            <a:r>
+              <a:rPr lang="en-US" altLang="ko-KR" noProof="1">
+                <a:ea typeface="맑은 고딕" panose="020B0503020000020004" pitchFamily="50" charset="-127"/>
+              </a:rPr>
+              <a:t>(</a:t>
+            </a:r>
+            <a:r>
+              <a:rPr lang="ko-KR" altLang="en-US" noProof="1">
+                <a:ea typeface="맑은 고딕" panose="020B0503020000020004" pitchFamily="50" charset="-127"/>
+              </a:rPr>
+              <a:t>파일 입출력</a:t>
+            </a:r>
+            <a:r>
+              <a:rPr lang="en-US" altLang="ko-KR" noProof="1">
+                <a:ea typeface="맑은 고딕" panose="020B0503020000020004" pitchFamily="50" charset="-127"/>
+              </a:rPr>
+              <a:t>)</a:t>
+            </a:r>
+            <a:endParaRPr lang="ko-KR" altLang="en-US" noProof="1">
+              <a:ea typeface="맑은 고딕" panose="020B0503020000020004" pitchFamily="50" charset="-127"/>
+            </a:endParaRPr>
+          </a:p>
+        </p:txBody>
+      </p:sp>
+      <p:graphicFrame>
+        <p:nvGraphicFramePr>
+          <p:cNvPr id="5" name="표 5">
+            <a:extLst>
+              <a:ext uri="{FF2B5EF4-FFF2-40B4-BE49-F238E27FC236}">
+                <a16:creationId xmlns:a16="http://schemas.microsoft.com/office/drawing/2014/main" id="{E555FAA2-927E-440D-9351-E0089821D8E9}"/>
+              </a:ext>
+            </a:extLst>
+          </p:cNvPr>
+          <p:cNvGraphicFramePr>
+            <a:graphicFrameLocks noGrp="1"/>
+          </p:cNvGraphicFramePr>
+          <p:nvPr>
+            <p:ph sz="half" idx="2"/>
+            <p:extLst>
+              <p:ext uri="{D42A27DB-BD31-4B8C-83A1-F6EECF244321}">
+                <p14:modId xmlns:p14="http://schemas.microsoft.com/office/powerpoint/2010/main" val="3637250000"/>
+              </p:ext>
+            </p:extLst>
+          </p:nvPr>
+        </p:nvGraphicFramePr>
+        <p:xfrm>
+          <a:off x="627952" y="1294088"/>
+          <a:ext cx="10982856" cy="1603767"/>
+        </p:xfrm>
+        <a:graphic>
+          <a:graphicData uri="http://schemas.openxmlformats.org/drawingml/2006/table">
+            <a:tbl>
+              <a:tblPr firstRow="1" bandRow="1">
+                <a:tableStyleId>{9D7B26C5-4107-4FEC-AEDC-1716B250A1EF}</a:tableStyleId>
+              </a:tblPr>
+              <a:tblGrid>
+                <a:gridCol w="5491428">
+                  <a:extLst>
+                    <a:ext uri="{9D8B030D-6E8A-4147-A177-3AD203B41FA5}">
+                      <a16:colId xmlns:a16="http://schemas.microsoft.com/office/drawing/2014/main" val="3834579009"/>
+                    </a:ext>
+                  </a:extLst>
+                </a:gridCol>
+                <a:gridCol w="5491428">
+                  <a:extLst>
+                    <a:ext uri="{9D8B030D-6E8A-4147-A177-3AD203B41FA5}">
+                      <a16:colId xmlns:a16="http://schemas.microsoft.com/office/drawing/2014/main" val="437723274"/>
+                    </a:ext>
+                  </a:extLst>
+                </a:gridCol>
+              </a:tblGrid>
+              <a:tr h="144629">
+                <a:tc>
+                  <a:txBody>
+                    <a:bodyPr/>
+                    <a:lstStyle/>
+                    <a:p>
+                      <a:pPr algn="ctr" latinLnBrk="1"/>
+                      <a:endParaRPr lang="ko-KR" altLang="en-US" sz="1600" dirty="0">
+                        <a:latin typeface="맑은 고딕" panose="020B0503020000020004" pitchFamily="50" charset="-127"/>
+                        <a:ea typeface="맑은 고딕" panose="020B0503020000020004" pitchFamily="50" charset="-127"/>
+                      </a:endParaRPr>
+                    </a:p>
+                  </a:txBody>
+                  <a:tcPr/>
+                </a:tc>
+                <a:tc>
+                  <a:txBody>
+                    <a:bodyPr/>
+                    <a:lstStyle/>
+                    <a:p>
+                      <a:pPr algn="ctr" latinLnBrk="1"/>
+                      <a:r>
+                        <a:rPr lang="ko-KR" altLang="en-US" sz="1600">
+                          <a:latin typeface="맑은 고딕" panose="020B0503020000020004" pitchFamily="50" charset="-127"/>
+                          <a:ea typeface="맑은 고딕" panose="020B0503020000020004" pitchFamily="50" charset="-127"/>
+                        </a:rPr>
+                        <a:t>내용</a:t>
+                      </a:r>
+                    </a:p>
+                  </a:txBody>
+                  <a:tcPr/>
+                </a:tc>
+                <a:extLst>
+                  <a:ext uri="{0D108BD9-81ED-4DB2-BD59-A6C34878D82A}">
+                    <a16:rowId xmlns:a16="http://schemas.microsoft.com/office/drawing/2014/main" val="2833281659"/>
+                  </a:ext>
+                </a:extLst>
+              </a:tr>
+              <a:tr h="211951">
+                <a:tc>
+                  <a:txBody>
+                    <a:bodyPr/>
+                    <a:lstStyle/>
+                    <a:p>
+                      <a:pPr algn="ctr" rtl="0">
+                        <a:lnSpc>
+                          <a:spcPct val="150000"/>
+                        </a:lnSpc>
+                      </a:pPr>
+                      <a:r>
+                        <a:rPr lang="en-US" sz="1400" b="1" cap="none" spc="0" baseline="0" dirty="0" err="1">
+                          <a:solidFill>
+                            <a:schemeClr val="tx1">
+                              <a:lumMod val="85000"/>
+                              <a:lumOff val="15000"/>
+                            </a:schemeClr>
+                          </a:solidFill>
+                          <a:latin typeface="맑은 고딕" panose="020B0503020000020004" pitchFamily="50" charset="-127"/>
+                          <a:ea typeface="맑은 고딕" panose="020B0503020000020004" pitchFamily="50" charset="-127"/>
+                        </a:rPr>
+                        <a:t>ofstream</a:t>
+                      </a:r>
+                      <a:endParaRPr lang="en-US" sz="1400" b="1" baseline="0" dirty="0">
+                        <a:solidFill>
+                          <a:schemeClr val="tx1">
+                            <a:lumMod val="85000"/>
+                            <a:lumOff val="15000"/>
+                          </a:schemeClr>
+                        </a:solidFill>
+                        <a:latin typeface="맑은 고딕" panose="020B0503020000020004" pitchFamily="50" charset="-127"/>
+                        <a:ea typeface="맑은 고딕" panose="020B0503020000020004" pitchFamily="50" charset="-127"/>
+                      </a:endParaRPr>
+                    </a:p>
+                  </a:txBody>
+                  <a:tcPr marL="180000" marR="72000" marT="72000" marB="72000" anchor="ctr"/>
+                </a:tc>
+                <a:tc>
+                  <a:txBody>
+                    <a:bodyPr/>
+                    <a:lstStyle/>
+                    <a:p>
+                      <a:pPr algn="l" rtl="0">
+                        <a:lnSpc>
+                          <a:spcPct val="150000"/>
+                        </a:lnSpc>
+                      </a:pPr>
+                      <a:r>
+                        <a:rPr lang="ko-KR" altLang="en-US" sz="1200" b="0" kern="1200" baseline="0" dirty="0">
+                          <a:solidFill>
+                            <a:schemeClr val="tx1">
+                              <a:lumMod val="85000"/>
+                              <a:lumOff val="15000"/>
+                            </a:schemeClr>
+                          </a:solidFill>
+                          <a:latin typeface="맑은 고딕" panose="020B0503020000020004" pitchFamily="50" charset="-127"/>
+                          <a:ea typeface="맑은 고딕" panose="020B0503020000020004" pitchFamily="50" charset="-127"/>
+                          <a:cs typeface="+mn-cs"/>
+                        </a:rPr>
+                        <a:t>파일에 쓰기</a:t>
+                      </a:r>
+                      <a:endParaRPr lang="en-US" sz="1200" b="0" kern="1200" baseline="0" dirty="0">
+                        <a:solidFill>
+                          <a:schemeClr val="tx1">
+                            <a:lumMod val="85000"/>
+                            <a:lumOff val="15000"/>
+                          </a:schemeClr>
+                        </a:solidFill>
+                        <a:latin typeface="맑은 고딕" panose="020B0503020000020004" pitchFamily="50" charset="-127"/>
+                        <a:ea typeface="맑은 고딕" panose="020B0503020000020004" pitchFamily="50" charset="-127"/>
+                        <a:cs typeface="+mn-cs"/>
+                      </a:endParaRPr>
+                    </a:p>
+                  </a:txBody>
+                  <a:tcPr marL="180000" marR="72000" marT="72000" marB="72000" anchor="ctr"/>
+                </a:tc>
+                <a:extLst>
+                  <a:ext uri="{0D108BD9-81ED-4DB2-BD59-A6C34878D82A}">
+                    <a16:rowId xmlns:a16="http://schemas.microsoft.com/office/drawing/2014/main" val="1945068800"/>
+                  </a:ext>
+                </a:extLst>
+              </a:tr>
+              <a:tr h="300411">
+                <a:tc>
+                  <a:txBody>
+                    <a:bodyPr/>
+                    <a:lstStyle/>
+                    <a:p>
+                      <a:pPr algn="ctr" rtl="0">
+                        <a:lnSpc>
+                          <a:spcPct val="150000"/>
+                        </a:lnSpc>
+                      </a:pPr>
+                      <a:r>
+                        <a:rPr lang="en-US" sz="1400" b="1" baseline="0" dirty="0" err="1">
+                          <a:solidFill>
+                            <a:schemeClr val="tx1">
+                              <a:lumMod val="85000"/>
+                              <a:lumOff val="15000"/>
+                            </a:schemeClr>
+                          </a:solidFill>
+                          <a:latin typeface="맑은 고딕" panose="020B0503020000020004" pitchFamily="50" charset="-127"/>
+                          <a:ea typeface="맑은 고딕" panose="020B0503020000020004" pitchFamily="50" charset="-127"/>
+                        </a:rPr>
+                        <a:t>ifstream</a:t>
+                      </a:r>
+                      <a:endParaRPr lang="en-US" sz="1400" b="1" baseline="0" dirty="0">
+                        <a:solidFill>
+                          <a:schemeClr val="tx1">
+                            <a:lumMod val="85000"/>
+                            <a:lumOff val="15000"/>
+                          </a:schemeClr>
+                        </a:solidFill>
+                        <a:latin typeface="맑은 고딕" panose="020B0503020000020004" pitchFamily="50" charset="-127"/>
+                        <a:ea typeface="맑은 고딕" panose="020B0503020000020004" pitchFamily="50" charset="-127"/>
+                      </a:endParaRPr>
+                    </a:p>
+                  </a:txBody>
+                  <a:tcPr marL="180000" marR="72000" marT="72000" marB="72000" anchor="ctr"/>
+                </a:tc>
+                <a:tc>
+                  <a:txBody>
+                    <a:bodyPr/>
+                    <a:lstStyle/>
+                    <a:p>
+                      <a:pPr algn="l" rtl="0">
+                        <a:lnSpc>
+                          <a:spcPct val="150000"/>
+                        </a:lnSpc>
+                      </a:pPr>
+                      <a:r>
+                        <a:rPr lang="ko-KR" altLang="en-US" sz="1200" b="0" baseline="0" dirty="0">
+                          <a:solidFill>
+                            <a:schemeClr val="tx1">
+                              <a:lumMod val="85000"/>
+                              <a:lumOff val="15000"/>
+                            </a:schemeClr>
+                          </a:solidFill>
+                          <a:latin typeface="맑은 고딕" panose="020B0503020000020004" pitchFamily="50" charset="-127"/>
+                          <a:ea typeface="맑은 고딕" panose="020B0503020000020004" pitchFamily="50" charset="-127"/>
+                        </a:rPr>
+                        <a:t>파일로부터 읽기</a:t>
+                      </a:r>
+                      <a:endParaRPr lang="en-US" altLang="ko-KR" sz="1200" b="0" baseline="0" dirty="0">
+                        <a:solidFill>
+                          <a:schemeClr val="tx1">
+                            <a:lumMod val="85000"/>
+                            <a:lumOff val="15000"/>
+                          </a:schemeClr>
+                        </a:solidFill>
+                        <a:latin typeface="맑은 고딕" panose="020B0503020000020004" pitchFamily="50" charset="-127"/>
+                        <a:ea typeface="맑은 고딕" panose="020B0503020000020004" pitchFamily="50" charset="-127"/>
+                      </a:endParaRPr>
+                    </a:p>
+                  </a:txBody>
+                  <a:tcPr marL="180000" marR="72000" marT="72000" marB="72000" anchor="ctr"/>
+                </a:tc>
+                <a:extLst>
+                  <a:ext uri="{0D108BD9-81ED-4DB2-BD59-A6C34878D82A}">
+                    <a16:rowId xmlns:a16="http://schemas.microsoft.com/office/drawing/2014/main" val="3905963717"/>
+                  </a:ext>
+                </a:extLst>
+              </a:tr>
+              <a:tr h="211951">
+                <a:tc>
+                  <a:txBody>
+                    <a:bodyPr/>
+                    <a:lstStyle/>
+                    <a:p>
+                      <a:pPr algn="ctr" rtl="0">
+                        <a:lnSpc>
+                          <a:spcPct val="150000"/>
+                        </a:lnSpc>
+                      </a:pPr>
+                      <a:r>
+                        <a:rPr lang="en-US" sz="1400" b="1" baseline="0" dirty="0" err="1">
+                          <a:solidFill>
+                            <a:schemeClr val="tx1">
+                              <a:lumMod val="85000"/>
+                              <a:lumOff val="15000"/>
+                            </a:schemeClr>
+                          </a:solidFill>
+                          <a:latin typeface="맑은 고딕" panose="020B0503020000020004" pitchFamily="50" charset="-127"/>
+                          <a:ea typeface="맑은 고딕" panose="020B0503020000020004" pitchFamily="50" charset="-127"/>
+                        </a:rPr>
+                        <a:t>fstream</a:t>
+                      </a:r>
+                      <a:endParaRPr lang="en-US" sz="1400" b="1" baseline="0" dirty="0">
+                        <a:solidFill>
+                          <a:schemeClr val="tx1">
+                            <a:lumMod val="85000"/>
+                            <a:lumOff val="15000"/>
+                          </a:schemeClr>
+                        </a:solidFill>
+                        <a:latin typeface="맑은 고딕" panose="020B0503020000020004" pitchFamily="50" charset="-127"/>
+                        <a:ea typeface="맑은 고딕" panose="020B0503020000020004" pitchFamily="50" charset="-127"/>
+                      </a:endParaRPr>
+                    </a:p>
+                  </a:txBody>
+                  <a:tcPr marL="180000" marR="72000" marT="72000" marB="72000" anchor="ctr"/>
+                </a:tc>
+                <a:tc>
+                  <a:txBody>
+                    <a:bodyPr/>
+                    <a:lstStyle/>
+                    <a:p>
+                      <a:pPr algn="l" rtl="0">
+                        <a:lnSpc>
+                          <a:spcPct val="150000"/>
+                        </a:lnSpc>
+                      </a:pPr>
+                      <a:r>
+                        <a:rPr lang="ko-KR" altLang="en-US" sz="1200" b="0" kern="1200" baseline="0" dirty="0">
+                          <a:solidFill>
+                            <a:schemeClr val="tx1">
+                              <a:lumMod val="85000"/>
+                              <a:lumOff val="15000"/>
+                            </a:schemeClr>
+                          </a:solidFill>
+                          <a:latin typeface="맑은 고딕" panose="020B0503020000020004" pitchFamily="50" charset="-127"/>
+                          <a:ea typeface="맑은 고딕" panose="020B0503020000020004" pitchFamily="50" charset="-127"/>
+                          <a:cs typeface="+mn-cs"/>
+                        </a:rPr>
+                        <a:t>파일 읽기 및 쓰기 모두</a:t>
+                      </a:r>
+                      <a:endParaRPr lang="en-US" sz="1200" b="0" kern="1200" baseline="0" dirty="0">
+                        <a:solidFill>
+                          <a:srgbClr val="179933"/>
+                        </a:solidFill>
+                        <a:latin typeface="맑은 고딕" panose="020B0503020000020004" pitchFamily="50" charset="-127"/>
+                        <a:ea typeface="맑은 고딕" panose="020B0503020000020004" pitchFamily="50" charset="-127"/>
+                        <a:cs typeface="+mn-cs"/>
+                      </a:endParaRPr>
+                    </a:p>
+                  </a:txBody>
+                  <a:tcPr marL="180000" marR="72000" marT="72000" marB="72000" anchor="ctr"/>
+                </a:tc>
+                <a:extLst>
+                  <a:ext uri="{0D108BD9-81ED-4DB2-BD59-A6C34878D82A}">
+                    <a16:rowId xmlns:a16="http://schemas.microsoft.com/office/drawing/2014/main" val="2165565380"/>
+                  </a:ext>
+                </a:extLst>
+              </a:tr>
+            </a:tbl>
+          </a:graphicData>
+        </a:graphic>
+      </p:graphicFrame>
+      <p:sp>
+        <p:nvSpPr>
+          <p:cNvPr id="4" name="내용 개체 틀 3">
+            <a:extLst>
+              <a:ext uri="{FF2B5EF4-FFF2-40B4-BE49-F238E27FC236}">
+                <a16:creationId xmlns:a16="http://schemas.microsoft.com/office/drawing/2014/main" id="{96CE665F-14BA-4497-89D9-62FF51142EB8}"/>
+              </a:ext>
+            </a:extLst>
+          </p:cNvPr>
+          <p:cNvSpPr txBox="1">
+            <a:spLocks/>
+          </p:cNvSpPr>
+          <p:nvPr/>
+        </p:nvSpPr>
+        <p:spPr>
+          <a:xfrm>
+            <a:off x="581191" y="3216166"/>
+            <a:ext cx="10979765" cy="2939678"/>
+          </a:xfrm>
+          <a:prstGeom prst="rect">
+            <a:avLst/>
+          </a:prstGeom>
+        </p:spPr>
+        <p:txBody>
+          <a:bodyPr vert="horz" lIns="91440" tIns="45720" rIns="91440" bIns="45720" rtlCol="0" anchor="t">
+            <a:normAutofit/>
+          </a:bodyPr>
+          <a:lstStyle>
+            <a:lvl1pPr marL="306000" indent="-306000" algn="l" defTabSz="457200" rtl="0" eaLnBrk="1" latinLnBrk="1" hangingPunct="1">
+              <a:spcBef>
+                <a:spcPct val="20000"/>
+              </a:spcBef>
+              <a:spcAft>
+                <a:spcPts val="600"/>
+              </a:spcAft>
+              <a:buClr>
+                <a:schemeClr val="accent1"/>
+              </a:buClr>
+              <a:buSzPct val="92000"/>
+              <a:buFont typeface="Wingdings 2" panose="05020102010507070707" pitchFamily="18" charset="2"/>
+              <a:buChar char=""/>
+              <a:defRPr sz="1800" kern="1200" baseline="0">
+                <a:solidFill>
+                  <a:schemeClr val="tx1">
+                    <a:lumMod val="75000"/>
+                    <a:lumOff val="25000"/>
+                  </a:schemeClr>
+                </a:solidFill>
+                <a:latin typeface="맑은 고딕" panose="020B0503020000020004" pitchFamily="50" charset="-127"/>
+                <a:ea typeface="맑은 고딕" panose="020B0503020000020004" pitchFamily="50" charset="-127"/>
+                <a:cs typeface="+mn-cs"/>
+              </a:defRPr>
+            </a:lvl1pPr>
+            <a:lvl2pPr marL="630000" eaLnBrk="1" latinLnBrk="1" hangingPunct="1">
+              <a:buClr>
+                <a:schemeClr val="accent1"/>
+              </a:buClr>
+              <a:buSzPct val="92000"/>
+              <a:buFont typeface="Wingdings 2" panose="05020102010507070707" pitchFamily="18" charset="2"/>
+              <a:buChar char=""/>
+              <a:defRPr baseline="0">
+                <a:latin typeface="맑은 고딕" panose="020B0503020000020004" pitchFamily="50" charset="-127"/>
+                <a:ea typeface="맑은 고딕" panose="020B0503020000020004" pitchFamily="50" charset="-127"/>
+              </a:defRPr>
+            </a:lvl2pPr>
+            <a:lvl3pPr marL="900000" eaLnBrk="1" latinLnBrk="1" hangingPunct="1">
+              <a:buClr>
+                <a:schemeClr val="accent1"/>
+              </a:buClr>
+              <a:buSzPct val="92000"/>
+              <a:buFont typeface="Wingdings 2" panose="05020102010507070707" pitchFamily="18" charset="2"/>
+              <a:buChar char=""/>
+              <a:defRPr baseline="0">
+                <a:latin typeface="맑은 고딕" panose="020B0503020000020004" pitchFamily="50" charset="-127"/>
+                <a:ea typeface="맑은 고딕" panose="020B0503020000020004" pitchFamily="50" charset="-127"/>
+              </a:defRPr>
+            </a:lvl3pPr>
+            <a:lvl4pPr marL="1242000" eaLnBrk="1" latinLnBrk="1" hangingPunct="1">
+              <a:buClr>
+                <a:schemeClr val="accent1"/>
+              </a:buClr>
+              <a:buSzPct val="92000"/>
+              <a:buFont typeface="Wingdings 2" panose="05020102010507070707" pitchFamily="18" charset="2"/>
+              <a:buChar char=""/>
+              <a:defRPr baseline="0">
+                <a:latin typeface="맑은 고딕" panose="020B0503020000020004" pitchFamily="50" charset="-127"/>
+                <a:ea typeface="맑은 고딕" panose="020B0503020000020004" pitchFamily="50" charset="-127"/>
+              </a:defRPr>
+            </a:lvl4pPr>
+            <a:lvl5pPr marL="1602000" eaLnBrk="1" latinLnBrk="1" hangingPunct="1">
+              <a:buClr>
+                <a:schemeClr val="accent1"/>
+              </a:buClr>
+              <a:buSzPct val="92000"/>
+              <a:buFont typeface="Wingdings 2" panose="05020102010507070707" pitchFamily="18" charset="2"/>
+              <a:buChar char=""/>
+              <a:defRPr baseline="0">
+                <a:latin typeface="맑은 고딕" panose="020B0503020000020004" pitchFamily="50" charset="-127"/>
+                <a:ea typeface="맑은 고딕" panose="020B0503020000020004" pitchFamily="50" charset="-127"/>
+              </a:defRPr>
+            </a:lvl5pPr>
+          </a:lstStyle>
+          <a:p>
+            <a:pPr marL="0" indent="0">
+              <a:lnSpc>
+                <a:spcPct val="150000"/>
+              </a:lnSpc>
+              <a:buFont typeface="Wingdings 2" panose="05020102010507070707" pitchFamily="18" charset="2"/>
+              <a:buNone/>
+            </a:pPr>
+            <a:br>
+              <a:rPr lang="en-US" altLang="ko-KR" dirty="0"/>
+            </a:br>
+            <a:endParaRPr lang="en-US" altLang="ko-KR" dirty="0"/>
+          </a:p>
+        </p:txBody>
+      </p:sp>
+      <p:sp>
+        <p:nvSpPr>
+          <p:cNvPr id="6" name="TextBox 5">
+            <a:extLst>
+              <a:ext uri="{FF2B5EF4-FFF2-40B4-BE49-F238E27FC236}">
+                <a16:creationId xmlns:a16="http://schemas.microsoft.com/office/drawing/2014/main" id="{2FDE191E-D397-4104-A408-DA2A594D8A4E}"/>
+              </a:ext>
+            </a:extLst>
+          </p:cNvPr>
+          <p:cNvSpPr txBox="1"/>
+          <p:nvPr/>
+        </p:nvSpPr>
+        <p:spPr>
+          <a:xfrm>
+            <a:off x="627951" y="3047669"/>
+            <a:ext cx="4889979" cy="3539430"/>
+          </a:xfrm>
+          <a:prstGeom prst="rect">
+            <a:avLst/>
+          </a:prstGeom>
+          <a:noFill/>
+        </p:spPr>
+        <p:txBody>
+          <a:bodyPr wrap="square">
+            <a:spAutoFit/>
+          </a:bodyPr>
+          <a:lstStyle/>
+          <a:p>
+            <a:r>
+              <a:rPr lang="en-US" altLang="ko-KR" sz="1400" dirty="0">
+                <a:solidFill>
+                  <a:srgbClr val="008000"/>
+                </a:solidFill>
+                <a:latin typeface="돋움체" panose="020B0609000101010101" pitchFamily="49" charset="-127"/>
+                <a:ea typeface="돋움체" panose="020B0609000101010101" pitchFamily="49" charset="-127"/>
+              </a:rPr>
+              <a:t>//</a:t>
+            </a:r>
+            <a:r>
+              <a:rPr lang="en-US" altLang="ko-KR" sz="1400" dirty="0" err="1">
+                <a:solidFill>
+                  <a:srgbClr val="008000"/>
+                </a:solidFill>
+                <a:latin typeface="돋움체" panose="020B0609000101010101" pitchFamily="49" charset="-127"/>
+                <a:ea typeface="돋움체" panose="020B0609000101010101" pitchFamily="49" charset="-127"/>
+              </a:rPr>
+              <a:t>Wirte</a:t>
+            </a:r>
+            <a:r>
+              <a:rPr lang="en-US" altLang="ko-KR" sz="1400" dirty="0">
+                <a:solidFill>
+                  <a:srgbClr val="008000"/>
+                </a:solidFill>
+                <a:latin typeface="돋움체" panose="020B0609000101010101" pitchFamily="49" charset="-127"/>
+                <a:ea typeface="돋움체" panose="020B0609000101010101" pitchFamily="49" charset="-127"/>
+              </a:rPr>
+              <a:t> File Example</a:t>
+            </a:r>
+            <a:endParaRPr lang="en-US" altLang="ko-KR" sz="1400" dirty="0">
+              <a:solidFill>
+                <a:srgbClr val="000000"/>
+              </a:solidFill>
+              <a:latin typeface="돋움체" panose="020B0609000101010101" pitchFamily="49" charset="-127"/>
+              <a:ea typeface="돋움체" panose="020B0609000101010101" pitchFamily="49" charset="-127"/>
+            </a:endParaRPr>
+          </a:p>
+          <a:p>
+            <a:r>
+              <a:rPr lang="en-US" altLang="ko-KR" sz="1400" dirty="0">
+                <a:solidFill>
+                  <a:srgbClr val="0000FF"/>
+                </a:solidFill>
+                <a:latin typeface="돋움체" panose="020B0609000101010101" pitchFamily="49" charset="-127"/>
+                <a:ea typeface="돋움체" panose="020B0609000101010101" pitchFamily="49" charset="-127"/>
+              </a:rPr>
+              <a:t>void</a:t>
+            </a:r>
+            <a:r>
+              <a:rPr lang="en-US" altLang="ko-KR" sz="1400" dirty="0">
+                <a:solidFill>
+                  <a:srgbClr val="000000"/>
+                </a:solidFill>
+                <a:latin typeface="돋움체" panose="020B0609000101010101" pitchFamily="49" charset="-127"/>
+                <a:ea typeface="돋움체" panose="020B0609000101010101" pitchFamily="49" charset="-127"/>
+              </a:rPr>
+              <a:t> </a:t>
+            </a:r>
+            <a:r>
+              <a:rPr lang="en-US" altLang="ko-KR" sz="1400" dirty="0" err="1">
+                <a:solidFill>
+                  <a:srgbClr val="000000"/>
+                </a:solidFill>
+                <a:latin typeface="돋움체" panose="020B0609000101010101" pitchFamily="49" charset="-127"/>
+                <a:ea typeface="돋움체" panose="020B0609000101010101" pitchFamily="49" charset="-127"/>
+              </a:rPr>
+              <a:t>write_squares_fille</a:t>
+            </a:r>
+            <a:r>
+              <a:rPr lang="en-US" altLang="ko-KR" sz="1400" dirty="0">
+                <a:solidFill>
+                  <a:srgbClr val="000000"/>
+                </a:solidFill>
+                <a:latin typeface="돋움체" panose="020B0609000101010101" pitchFamily="49" charset="-127"/>
+                <a:ea typeface="돋움체" panose="020B0609000101010101" pitchFamily="49" charset="-127"/>
+              </a:rPr>
+              <a:t>()</a:t>
+            </a:r>
+          </a:p>
+          <a:p>
+            <a:r>
+              <a:rPr lang="en-US" altLang="ko-KR" sz="1400" dirty="0">
+                <a:solidFill>
+                  <a:srgbClr val="000000"/>
+                </a:solidFill>
+                <a:latin typeface="돋움체" panose="020B0609000101010101" pitchFamily="49" charset="-127"/>
+                <a:ea typeface="돋움체" panose="020B0609000101010101" pitchFamily="49" charset="-127"/>
+              </a:rPr>
+              <a:t>{</a:t>
+            </a:r>
+          </a:p>
+          <a:p>
+            <a:r>
+              <a:rPr lang="en-US" altLang="ko-KR" sz="1400" dirty="0">
+                <a:solidFill>
+                  <a:srgbClr val="008000"/>
+                </a:solidFill>
+                <a:latin typeface="돋움체" panose="020B0609000101010101" pitchFamily="49" charset="-127"/>
+                <a:ea typeface="돋움체" panose="020B0609000101010101" pitchFamily="49" charset="-127"/>
+              </a:rPr>
+              <a:t>//</a:t>
+            </a:r>
+            <a:r>
+              <a:rPr lang="ko-KR" altLang="en-US" sz="1400" dirty="0">
+                <a:solidFill>
+                  <a:srgbClr val="008000"/>
+                </a:solidFill>
+                <a:latin typeface="돋움체" panose="020B0609000101010101" pitchFamily="49" charset="-127"/>
+                <a:ea typeface="돋움체" panose="020B0609000101010101" pitchFamily="49" charset="-127"/>
+              </a:rPr>
+              <a:t>파일 출력</a:t>
+            </a:r>
+            <a:endParaRPr lang="ko-KR" altLang="en-US" sz="1400" dirty="0">
+              <a:solidFill>
+                <a:srgbClr val="000000"/>
+              </a:solidFill>
+              <a:latin typeface="돋움체" panose="020B0609000101010101" pitchFamily="49" charset="-127"/>
+              <a:ea typeface="돋움체" panose="020B0609000101010101" pitchFamily="49" charset="-127"/>
+            </a:endParaRPr>
+          </a:p>
+          <a:p>
+            <a:r>
+              <a:rPr lang="en-US" altLang="ko-KR" sz="1400" dirty="0">
+                <a:solidFill>
+                  <a:srgbClr val="008000"/>
+                </a:solidFill>
+                <a:latin typeface="돋움체" panose="020B0609000101010101" pitchFamily="49" charset="-127"/>
+                <a:ea typeface="돋움체" panose="020B0609000101010101" pitchFamily="49" charset="-127"/>
+              </a:rPr>
+              <a:t>//std::</a:t>
+            </a:r>
+            <a:r>
+              <a:rPr lang="en-US" altLang="ko-KR" sz="1400" dirty="0" err="1">
+                <a:solidFill>
+                  <a:srgbClr val="008000"/>
+                </a:solidFill>
+                <a:latin typeface="돋움체" panose="020B0609000101010101" pitchFamily="49" charset="-127"/>
+                <a:ea typeface="돋움체" panose="020B0609000101010101" pitchFamily="49" charset="-127"/>
+              </a:rPr>
+              <a:t>ofstream</a:t>
+            </a:r>
+            <a:r>
+              <a:rPr lang="en-US" altLang="ko-KR" sz="1400" dirty="0">
+                <a:solidFill>
+                  <a:srgbClr val="008000"/>
+                </a:solidFill>
+                <a:latin typeface="돋움체" panose="020B0609000101010101" pitchFamily="49" charset="-127"/>
+                <a:ea typeface="돋움체" panose="020B0609000101010101" pitchFamily="49" charset="-127"/>
+              </a:rPr>
+              <a:t> </a:t>
+            </a:r>
+            <a:r>
+              <a:rPr lang="en-US" altLang="ko-KR" sz="1400" dirty="0" err="1">
+                <a:solidFill>
+                  <a:srgbClr val="008000"/>
+                </a:solidFill>
+                <a:latin typeface="돋움체" panose="020B0609000101010101" pitchFamily="49" charset="-127"/>
+                <a:ea typeface="돋움체" panose="020B0609000101010101" pitchFamily="49" charset="-127"/>
+              </a:rPr>
+              <a:t>square_file</a:t>
+            </a:r>
+            <a:r>
+              <a:rPr lang="en-US" altLang="ko-KR" sz="1400" dirty="0">
+                <a:solidFill>
+                  <a:srgbClr val="008000"/>
+                </a:solidFill>
+                <a:latin typeface="돋움체" panose="020B0609000101010101" pitchFamily="49" charset="-127"/>
+                <a:ea typeface="돋움체" panose="020B0609000101010101" pitchFamily="49" charset="-127"/>
+              </a:rPr>
+              <a:t>;</a:t>
+            </a:r>
+            <a:endParaRPr lang="en-US" altLang="ko-KR" sz="1400" dirty="0">
+              <a:solidFill>
+                <a:srgbClr val="000000"/>
+              </a:solidFill>
+              <a:latin typeface="돋움체" panose="020B0609000101010101" pitchFamily="49" charset="-127"/>
+              <a:ea typeface="돋움체" panose="020B0609000101010101" pitchFamily="49" charset="-127"/>
+            </a:endParaRPr>
+          </a:p>
+          <a:p>
+            <a:r>
+              <a:rPr lang="en-US" altLang="ko-KR" sz="1400" dirty="0">
+                <a:solidFill>
+                  <a:srgbClr val="008000"/>
+                </a:solidFill>
+                <a:latin typeface="돋움체" panose="020B0609000101010101" pitchFamily="49" charset="-127"/>
+                <a:ea typeface="돋움체" panose="020B0609000101010101" pitchFamily="49" charset="-127"/>
+              </a:rPr>
+              <a:t>//</a:t>
+            </a:r>
+            <a:r>
+              <a:rPr lang="en-US" altLang="ko-KR" sz="1400" dirty="0" err="1">
+                <a:solidFill>
+                  <a:srgbClr val="008000"/>
+                </a:solidFill>
+                <a:latin typeface="돋움체" panose="020B0609000101010101" pitchFamily="49" charset="-127"/>
+                <a:ea typeface="돋움체" panose="020B0609000101010101" pitchFamily="49" charset="-127"/>
+              </a:rPr>
+              <a:t>square_file.open</a:t>
+            </a:r>
+            <a:r>
+              <a:rPr lang="en-US" altLang="ko-KR" sz="1400" dirty="0">
+                <a:solidFill>
+                  <a:srgbClr val="008000"/>
+                </a:solidFill>
+                <a:latin typeface="돋움체" panose="020B0609000101010101" pitchFamily="49" charset="-127"/>
+                <a:ea typeface="돋움체" panose="020B0609000101010101" pitchFamily="49" charset="-127"/>
+              </a:rPr>
+              <a:t>("squares.txt");</a:t>
+            </a:r>
+            <a:endParaRPr lang="en-US" altLang="ko-KR" sz="1400" dirty="0">
+              <a:solidFill>
+                <a:srgbClr val="000000"/>
+              </a:solidFill>
+              <a:latin typeface="돋움체" panose="020B0609000101010101" pitchFamily="49" charset="-127"/>
+              <a:ea typeface="돋움체" panose="020B0609000101010101" pitchFamily="49" charset="-127"/>
+            </a:endParaRPr>
+          </a:p>
+          <a:p>
+            <a:endParaRPr lang="ko-KR" altLang="en-US" sz="1400" dirty="0">
+              <a:solidFill>
+                <a:srgbClr val="000000"/>
+              </a:solidFill>
+              <a:latin typeface="돋움체" panose="020B0609000101010101" pitchFamily="49" charset="-127"/>
+              <a:ea typeface="돋움체" panose="020B0609000101010101" pitchFamily="49" charset="-127"/>
+            </a:endParaRPr>
+          </a:p>
+          <a:p>
+            <a:r>
+              <a:rPr lang="en-US" altLang="ko-KR" sz="1400" dirty="0">
+                <a:solidFill>
+                  <a:srgbClr val="000000"/>
+                </a:solidFill>
+                <a:latin typeface="돋움체" panose="020B0609000101010101" pitchFamily="49" charset="-127"/>
+                <a:ea typeface="돋움체" panose="020B0609000101010101" pitchFamily="49" charset="-127"/>
+              </a:rPr>
+              <a:t>std::</a:t>
+            </a:r>
+            <a:r>
+              <a:rPr lang="en-US" altLang="ko-KR" sz="1400" dirty="0" err="1">
+                <a:solidFill>
+                  <a:srgbClr val="2B91AF"/>
+                </a:solidFill>
+                <a:latin typeface="돋움체" panose="020B0609000101010101" pitchFamily="49" charset="-127"/>
+                <a:ea typeface="돋움체" panose="020B0609000101010101" pitchFamily="49" charset="-127"/>
+              </a:rPr>
+              <a:t>ofstream</a:t>
+            </a:r>
+            <a:r>
+              <a:rPr lang="en-US" altLang="ko-KR" sz="1400" dirty="0">
+                <a:solidFill>
+                  <a:srgbClr val="000000"/>
+                </a:solidFill>
+                <a:latin typeface="돋움체" panose="020B0609000101010101" pitchFamily="49" charset="-127"/>
+                <a:ea typeface="돋움체" panose="020B0609000101010101" pitchFamily="49" charset="-127"/>
+              </a:rPr>
+              <a:t> </a:t>
+            </a:r>
+            <a:r>
+              <a:rPr lang="en-US" altLang="ko-KR" sz="1400" dirty="0" err="1">
+                <a:solidFill>
+                  <a:srgbClr val="000000"/>
+                </a:solidFill>
+                <a:latin typeface="돋움체" panose="020B0609000101010101" pitchFamily="49" charset="-127"/>
+                <a:ea typeface="돋움체" panose="020B0609000101010101" pitchFamily="49" charset="-127"/>
+              </a:rPr>
+              <a:t>square_file</a:t>
+            </a:r>
+            <a:r>
+              <a:rPr lang="en-US" altLang="ko-KR" sz="1400" dirty="0">
+                <a:solidFill>
+                  <a:srgbClr val="000000"/>
+                </a:solidFill>
+                <a:latin typeface="돋움체" panose="020B0609000101010101" pitchFamily="49" charset="-127"/>
+                <a:ea typeface="돋움체" panose="020B0609000101010101" pitchFamily="49" charset="-127"/>
+              </a:rPr>
+              <a:t>(</a:t>
+            </a:r>
+            <a:r>
+              <a:rPr lang="en-US" altLang="ko-KR" sz="1400" dirty="0">
+                <a:solidFill>
+                  <a:srgbClr val="A31515"/>
+                </a:solidFill>
+                <a:latin typeface="돋움체" panose="020B0609000101010101" pitchFamily="49" charset="-127"/>
+                <a:ea typeface="돋움체" panose="020B0609000101010101" pitchFamily="49" charset="-127"/>
+              </a:rPr>
+              <a:t>"squares.txt"</a:t>
+            </a:r>
+            <a:r>
+              <a:rPr lang="en-US" altLang="ko-KR" sz="1400" dirty="0">
+                <a:solidFill>
+                  <a:srgbClr val="000000"/>
+                </a:solidFill>
+                <a:latin typeface="돋움체" panose="020B0609000101010101" pitchFamily="49" charset="-127"/>
+                <a:ea typeface="돋움체" panose="020B0609000101010101" pitchFamily="49" charset="-127"/>
+              </a:rPr>
+              <a:t>);</a:t>
+            </a:r>
+          </a:p>
+          <a:p>
+            <a:endParaRPr lang="ko-KR" altLang="en-US" sz="1400" dirty="0">
+              <a:solidFill>
+                <a:srgbClr val="000000"/>
+              </a:solidFill>
+              <a:latin typeface="돋움체" panose="020B0609000101010101" pitchFamily="49" charset="-127"/>
+              <a:ea typeface="돋움체" panose="020B0609000101010101" pitchFamily="49" charset="-127"/>
+            </a:endParaRPr>
+          </a:p>
+          <a:p>
+            <a:r>
+              <a:rPr lang="nn-NO" altLang="ko-KR" sz="1400" dirty="0">
+                <a:solidFill>
+                  <a:srgbClr val="0000FF"/>
+                </a:solidFill>
+                <a:latin typeface="돋움체" panose="020B0609000101010101" pitchFamily="49" charset="-127"/>
+                <a:ea typeface="돋움체" panose="020B0609000101010101" pitchFamily="49" charset="-127"/>
+              </a:rPr>
+              <a:t>for</a:t>
+            </a:r>
+            <a:r>
+              <a:rPr lang="nn-NO" altLang="ko-KR" sz="1400" dirty="0">
+                <a:solidFill>
+                  <a:srgbClr val="000000"/>
+                </a:solidFill>
+                <a:latin typeface="돋움체" panose="020B0609000101010101" pitchFamily="49" charset="-127"/>
+                <a:ea typeface="돋움체" panose="020B0609000101010101" pitchFamily="49" charset="-127"/>
+              </a:rPr>
+              <a:t> (</a:t>
+            </a:r>
+            <a:r>
+              <a:rPr lang="nn-NO" altLang="ko-KR" sz="1400" dirty="0">
+                <a:solidFill>
+                  <a:srgbClr val="0000FF"/>
+                </a:solidFill>
+                <a:latin typeface="돋움체" panose="020B0609000101010101" pitchFamily="49" charset="-127"/>
+                <a:ea typeface="돋움체" panose="020B0609000101010101" pitchFamily="49" charset="-127"/>
+              </a:rPr>
+              <a:t>int</a:t>
+            </a:r>
+            <a:r>
+              <a:rPr lang="nn-NO" altLang="ko-KR" sz="1400" dirty="0">
+                <a:solidFill>
+                  <a:srgbClr val="000000"/>
+                </a:solidFill>
+                <a:latin typeface="돋움체" panose="020B0609000101010101" pitchFamily="49" charset="-127"/>
+                <a:ea typeface="돋움체" panose="020B0609000101010101" pitchFamily="49" charset="-127"/>
+              </a:rPr>
+              <a:t> i = 0; i &lt; 10; i++)</a:t>
+            </a:r>
+          </a:p>
+          <a:p>
+            <a:r>
+              <a:rPr lang="en-US" altLang="ko-KR" sz="1400" dirty="0">
+                <a:solidFill>
+                  <a:srgbClr val="000000"/>
+                </a:solidFill>
+                <a:latin typeface="돋움체" panose="020B0609000101010101" pitchFamily="49" charset="-127"/>
+                <a:ea typeface="돋움체" panose="020B0609000101010101" pitchFamily="49" charset="-127"/>
+              </a:rPr>
+              <a:t>{</a:t>
+            </a:r>
+          </a:p>
+          <a:p>
+            <a:r>
+              <a:rPr lang="en-US" altLang="ko-KR" sz="1400" dirty="0">
+                <a:solidFill>
+                  <a:srgbClr val="000000"/>
+                </a:solidFill>
+                <a:latin typeface="돋움체" panose="020B0609000101010101" pitchFamily="49" charset="-127"/>
+                <a:ea typeface="돋움체" panose="020B0609000101010101" pitchFamily="49" charset="-127"/>
+              </a:rPr>
+              <a:t>   </a:t>
+            </a:r>
+            <a:r>
+              <a:rPr lang="en-US" altLang="ko-KR" sz="1400" dirty="0" err="1">
+                <a:solidFill>
+                  <a:srgbClr val="000000"/>
+                </a:solidFill>
+                <a:latin typeface="돋움체" panose="020B0609000101010101" pitchFamily="49" charset="-127"/>
+                <a:ea typeface="돋움체" panose="020B0609000101010101" pitchFamily="49" charset="-127"/>
+              </a:rPr>
+              <a:t>square_file</a:t>
+            </a:r>
+            <a:r>
+              <a:rPr lang="en-US" altLang="ko-KR" sz="1400" dirty="0">
+                <a:solidFill>
+                  <a:srgbClr val="000000"/>
+                </a:solidFill>
+                <a:latin typeface="돋움체" panose="020B0609000101010101" pitchFamily="49" charset="-127"/>
+                <a:ea typeface="돋움체" panose="020B0609000101010101" pitchFamily="49" charset="-127"/>
+              </a:rPr>
+              <a:t> </a:t>
+            </a:r>
+            <a:r>
+              <a:rPr lang="en-US" altLang="ko-KR" sz="1400" dirty="0">
+                <a:solidFill>
+                  <a:srgbClr val="008080"/>
+                </a:solidFill>
+                <a:latin typeface="돋움체" panose="020B0609000101010101" pitchFamily="49" charset="-127"/>
+                <a:ea typeface="돋움체" panose="020B0609000101010101" pitchFamily="49" charset="-127"/>
+              </a:rPr>
+              <a:t>&lt;&lt;</a:t>
+            </a:r>
+            <a:r>
+              <a:rPr lang="en-US" altLang="ko-KR" sz="1400" dirty="0">
+                <a:solidFill>
+                  <a:srgbClr val="000000"/>
+                </a:solidFill>
+                <a:latin typeface="돋움체" panose="020B0609000101010101" pitchFamily="49" charset="-127"/>
+                <a:ea typeface="돋움체" panose="020B0609000101010101" pitchFamily="49" charset="-127"/>
+              </a:rPr>
+              <a:t> </a:t>
+            </a:r>
+            <a:r>
+              <a:rPr lang="en-US" altLang="ko-KR" sz="1400" dirty="0" err="1">
+                <a:solidFill>
+                  <a:srgbClr val="000000"/>
+                </a:solidFill>
+                <a:latin typeface="돋움체" panose="020B0609000101010101" pitchFamily="49" charset="-127"/>
+                <a:ea typeface="돋움체" panose="020B0609000101010101" pitchFamily="49" charset="-127"/>
+              </a:rPr>
+              <a:t>i</a:t>
+            </a:r>
+            <a:r>
+              <a:rPr lang="en-US" altLang="ko-KR" sz="1400" dirty="0">
+                <a:solidFill>
+                  <a:srgbClr val="000000"/>
+                </a:solidFill>
+                <a:latin typeface="돋움체" panose="020B0609000101010101" pitchFamily="49" charset="-127"/>
+                <a:ea typeface="돋움체" panose="020B0609000101010101" pitchFamily="49" charset="-127"/>
+              </a:rPr>
+              <a:t> </a:t>
+            </a:r>
+            <a:r>
+              <a:rPr lang="en-US" altLang="ko-KR" sz="1400" dirty="0">
+                <a:solidFill>
+                  <a:srgbClr val="008080"/>
+                </a:solidFill>
+                <a:latin typeface="돋움체" panose="020B0609000101010101" pitchFamily="49" charset="-127"/>
+                <a:ea typeface="돋움체" panose="020B0609000101010101" pitchFamily="49" charset="-127"/>
+              </a:rPr>
+              <a:t>&lt;&lt;</a:t>
+            </a:r>
+            <a:r>
+              <a:rPr lang="en-US" altLang="ko-KR" sz="1400" dirty="0">
+                <a:solidFill>
+                  <a:srgbClr val="000000"/>
+                </a:solidFill>
+                <a:latin typeface="돋움체" panose="020B0609000101010101" pitchFamily="49" charset="-127"/>
+                <a:ea typeface="돋움체" panose="020B0609000101010101" pitchFamily="49" charset="-127"/>
+              </a:rPr>
+              <a:t> </a:t>
+            </a:r>
+            <a:r>
+              <a:rPr lang="en-US" altLang="ko-KR" sz="1400" dirty="0">
+                <a:solidFill>
+                  <a:srgbClr val="A31515"/>
+                </a:solidFill>
+                <a:latin typeface="돋움체" panose="020B0609000101010101" pitchFamily="49" charset="-127"/>
+                <a:ea typeface="돋움체" panose="020B0609000101010101" pitchFamily="49" charset="-127"/>
+              </a:rPr>
+              <a:t>"^2 = "</a:t>
+            </a:r>
+            <a:r>
+              <a:rPr lang="en-US" altLang="ko-KR" sz="1400" dirty="0">
+                <a:solidFill>
+                  <a:srgbClr val="000000"/>
+                </a:solidFill>
+                <a:latin typeface="돋움체" panose="020B0609000101010101" pitchFamily="49" charset="-127"/>
+                <a:ea typeface="돋움체" panose="020B0609000101010101" pitchFamily="49" charset="-127"/>
+              </a:rPr>
+              <a:t> </a:t>
+            </a:r>
+            <a:r>
+              <a:rPr lang="en-US" altLang="ko-KR" sz="1400" dirty="0">
+                <a:solidFill>
+                  <a:srgbClr val="008080"/>
+                </a:solidFill>
+                <a:latin typeface="돋움체" panose="020B0609000101010101" pitchFamily="49" charset="-127"/>
+                <a:ea typeface="돋움체" panose="020B0609000101010101" pitchFamily="49" charset="-127"/>
+              </a:rPr>
+              <a:t>&lt;&lt;</a:t>
+            </a:r>
+            <a:r>
+              <a:rPr lang="en-US" altLang="ko-KR" sz="1400" dirty="0">
+                <a:solidFill>
+                  <a:srgbClr val="000000"/>
+                </a:solidFill>
+                <a:latin typeface="돋움체" panose="020B0609000101010101" pitchFamily="49" charset="-127"/>
+                <a:ea typeface="돋움체" panose="020B0609000101010101" pitchFamily="49" charset="-127"/>
+              </a:rPr>
+              <a:t> </a:t>
+            </a:r>
+            <a:r>
+              <a:rPr lang="en-US" altLang="ko-KR" sz="1400" dirty="0" err="1">
+                <a:solidFill>
+                  <a:srgbClr val="000000"/>
+                </a:solidFill>
+                <a:latin typeface="돋움체" panose="020B0609000101010101" pitchFamily="49" charset="-127"/>
+                <a:ea typeface="돋움체" panose="020B0609000101010101" pitchFamily="49" charset="-127"/>
+              </a:rPr>
+              <a:t>i</a:t>
+            </a:r>
+            <a:r>
+              <a:rPr lang="en-US" altLang="ko-KR" sz="1400" dirty="0">
+                <a:solidFill>
+                  <a:srgbClr val="000000"/>
+                </a:solidFill>
+                <a:latin typeface="돋움체" panose="020B0609000101010101" pitchFamily="49" charset="-127"/>
+                <a:ea typeface="돋움체" panose="020B0609000101010101" pitchFamily="49" charset="-127"/>
+              </a:rPr>
+              <a:t> * </a:t>
+            </a:r>
+            <a:r>
+              <a:rPr lang="en-US" altLang="ko-KR" sz="1400" dirty="0" err="1">
+                <a:solidFill>
+                  <a:srgbClr val="000000"/>
+                </a:solidFill>
+                <a:latin typeface="돋움체" panose="020B0609000101010101" pitchFamily="49" charset="-127"/>
+                <a:ea typeface="돋움체" panose="020B0609000101010101" pitchFamily="49" charset="-127"/>
+              </a:rPr>
+              <a:t>i</a:t>
+            </a:r>
+            <a:r>
+              <a:rPr lang="en-US" altLang="ko-KR" sz="1400" dirty="0">
+                <a:solidFill>
+                  <a:srgbClr val="000000"/>
+                </a:solidFill>
+                <a:latin typeface="돋움체" panose="020B0609000101010101" pitchFamily="49" charset="-127"/>
+                <a:ea typeface="돋움체" panose="020B0609000101010101" pitchFamily="49" charset="-127"/>
+              </a:rPr>
+              <a:t> </a:t>
+            </a:r>
+            <a:r>
+              <a:rPr lang="en-US" altLang="ko-KR" sz="1400" dirty="0">
+                <a:solidFill>
+                  <a:srgbClr val="008080"/>
+                </a:solidFill>
+                <a:latin typeface="돋움체" panose="020B0609000101010101" pitchFamily="49" charset="-127"/>
+                <a:ea typeface="돋움체" panose="020B0609000101010101" pitchFamily="49" charset="-127"/>
+              </a:rPr>
+              <a:t>&lt;&lt;</a:t>
+            </a:r>
+            <a:r>
+              <a:rPr lang="en-US" altLang="ko-KR" sz="1400" dirty="0">
+                <a:solidFill>
+                  <a:srgbClr val="000000"/>
+                </a:solidFill>
+                <a:latin typeface="돋움체" panose="020B0609000101010101" pitchFamily="49" charset="-127"/>
+                <a:ea typeface="돋움체" panose="020B0609000101010101" pitchFamily="49" charset="-127"/>
+              </a:rPr>
+              <a:t> std::</a:t>
+            </a:r>
+            <a:r>
+              <a:rPr lang="en-US" altLang="ko-KR" sz="1400" dirty="0" err="1">
+                <a:solidFill>
+                  <a:srgbClr val="000000"/>
+                </a:solidFill>
+                <a:latin typeface="돋움체" panose="020B0609000101010101" pitchFamily="49" charset="-127"/>
+                <a:ea typeface="돋움체" panose="020B0609000101010101" pitchFamily="49" charset="-127"/>
+              </a:rPr>
+              <a:t>endl</a:t>
+            </a:r>
+            <a:r>
+              <a:rPr lang="en-US" altLang="ko-KR" sz="1400" dirty="0">
+                <a:solidFill>
+                  <a:srgbClr val="000000"/>
+                </a:solidFill>
+                <a:latin typeface="돋움체" panose="020B0609000101010101" pitchFamily="49" charset="-127"/>
+                <a:ea typeface="돋움체" panose="020B0609000101010101" pitchFamily="49" charset="-127"/>
+              </a:rPr>
+              <a:t>;</a:t>
+            </a:r>
+          </a:p>
+          <a:p>
+            <a:r>
+              <a:rPr lang="en-US" altLang="ko-KR" sz="1400" dirty="0">
+                <a:solidFill>
+                  <a:srgbClr val="000000"/>
+                </a:solidFill>
+                <a:latin typeface="돋움체" panose="020B0609000101010101" pitchFamily="49" charset="-127"/>
+                <a:ea typeface="돋움체" panose="020B0609000101010101" pitchFamily="49" charset="-127"/>
+              </a:rPr>
+              <a:t>}</a:t>
+            </a:r>
+          </a:p>
+          <a:p>
+            <a:endParaRPr lang="ko-KR" altLang="en-US" sz="1400" dirty="0">
+              <a:solidFill>
+                <a:srgbClr val="000000"/>
+              </a:solidFill>
+              <a:latin typeface="돋움체" panose="020B0609000101010101" pitchFamily="49" charset="-127"/>
+              <a:ea typeface="돋움체" panose="020B0609000101010101" pitchFamily="49" charset="-127"/>
+            </a:endParaRPr>
+          </a:p>
+          <a:p>
+            <a:r>
+              <a:rPr lang="en-US" altLang="ko-KR" sz="1400" dirty="0">
+                <a:solidFill>
+                  <a:srgbClr val="000000"/>
+                </a:solidFill>
+                <a:latin typeface="돋움체" panose="020B0609000101010101" pitchFamily="49" charset="-127"/>
+                <a:ea typeface="돋움체" panose="020B0609000101010101" pitchFamily="49" charset="-127"/>
+              </a:rPr>
+              <a:t>   </a:t>
+            </a:r>
+            <a:r>
+              <a:rPr lang="en-US" altLang="ko-KR" sz="1400" dirty="0" err="1">
+                <a:solidFill>
+                  <a:srgbClr val="000000"/>
+                </a:solidFill>
+                <a:latin typeface="돋움체" panose="020B0609000101010101" pitchFamily="49" charset="-127"/>
+                <a:ea typeface="돋움체" panose="020B0609000101010101" pitchFamily="49" charset="-127"/>
+              </a:rPr>
+              <a:t>square_file.close</a:t>
+            </a:r>
+            <a:r>
+              <a:rPr lang="en-US" altLang="ko-KR" sz="1400" dirty="0">
+                <a:solidFill>
+                  <a:srgbClr val="000000"/>
+                </a:solidFill>
+                <a:latin typeface="돋움체" panose="020B0609000101010101" pitchFamily="49" charset="-127"/>
+                <a:ea typeface="돋움체" panose="020B0609000101010101" pitchFamily="49" charset="-127"/>
+              </a:rPr>
+              <a:t>();</a:t>
+            </a:r>
+          </a:p>
+          <a:p>
+            <a:r>
+              <a:rPr lang="en-US" altLang="ko-KR" sz="1400" dirty="0">
+                <a:solidFill>
+                  <a:srgbClr val="000000"/>
+                </a:solidFill>
+                <a:latin typeface="돋움체" panose="020B0609000101010101" pitchFamily="49" charset="-127"/>
+                <a:ea typeface="돋움체" panose="020B0609000101010101" pitchFamily="49" charset="-127"/>
+              </a:rPr>
+              <a:t>}</a:t>
+            </a:r>
+            <a:endParaRPr lang="ko-KR" altLang="en-US" sz="1400" dirty="0"/>
+          </a:p>
+        </p:txBody>
+      </p:sp>
+      <p:pic>
+        <p:nvPicPr>
+          <p:cNvPr id="8" name="그림 7">
+            <a:extLst>
+              <a:ext uri="{FF2B5EF4-FFF2-40B4-BE49-F238E27FC236}">
+                <a16:creationId xmlns:a16="http://schemas.microsoft.com/office/drawing/2014/main" id="{E81C7AA1-2DA1-49A5-AA09-1AE87167EF22}"/>
+              </a:ext>
+            </a:extLst>
+          </p:cNvPr>
+          <p:cNvPicPr>
+            <a:picLocks noChangeAspect="1"/>
+          </p:cNvPicPr>
+          <p:nvPr/>
+        </p:nvPicPr>
+        <p:blipFill>
+          <a:blip r:embed="rId3"/>
+          <a:stretch>
+            <a:fillRect/>
+          </a:stretch>
+        </p:blipFill>
+        <p:spPr>
+          <a:xfrm>
+            <a:off x="5923630" y="3206462"/>
+            <a:ext cx="2160926" cy="3221844"/>
+          </a:xfrm>
+          <a:prstGeom prst="rect">
+            <a:avLst/>
+          </a:prstGeom>
+        </p:spPr>
+      </p:pic>
+    </p:spTree>
+    <p:extLst>
+      <p:ext uri="{BB962C8B-B14F-4D97-AF65-F5344CB8AC3E}">
+        <p14:creationId xmlns:p14="http://schemas.microsoft.com/office/powerpoint/2010/main" val="4266001201"/>
+      </p:ext>
+    </p:extLst>
+  </p:cSld>
+  <p:clrMapOvr>
+    <a:masterClrMapping/>
+  </p:clrMapOvr>
+</p:sld>
+</file>
+
+<file path=ppt/slides/slide9.xml><?xml version="1.0" encoding="utf-8"?>
+<p:sld xmlns:a="http://schemas.openxmlformats.org/drawingml/2006/main" xmlns:r="http://schemas.openxmlformats.org/officeDocument/2006/relationships" xmlns:p="http://schemas.openxmlformats.org/presentationml/2006/main">
+  <p:cSld>
+    <p:spTree>
+      <p:nvGrpSpPr>
+        <p:cNvPr id="1" name=""/>
+        <p:cNvGrpSpPr/>
+        <p:nvPr/>
+      </p:nvGrpSpPr>
+      <p:grpSpPr>
+        <a:xfrm>
+          <a:off x="0" y="0"/>
+          <a:ext cx="0" cy="0"/>
+          <a:chOff x="0" y="0"/>
+          <a:chExt cx="0" cy="0"/>
+        </a:xfrm>
+      </p:grpSpPr>
+      <p:sp>
+        <p:nvSpPr>
+          <p:cNvPr id="2" name="제목 1">
+            <a:extLst>
+              <a:ext uri="{FF2B5EF4-FFF2-40B4-BE49-F238E27FC236}">
+                <a16:creationId xmlns:a16="http://schemas.microsoft.com/office/drawing/2014/main" id="{6F204F3F-D196-428C-AE74-238938FD8008}"/>
+              </a:ext>
+            </a:extLst>
+          </p:cNvPr>
+          <p:cNvSpPr>
+            <a:spLocks noGrp="1"/>
+          </p:cNvSpPr>
+          <p:nvPr>
+            <p:ph type="title"/>
+          </p:nvPr>
+        </p:nvSpPr>
+        <p:spPr/>
+        <p:txBody>
+          <a:bodyPr rtlCol="0"/>
+          <a:lstStyle/>
+          <a:p>
+            <a:pPr rtl="0"/>
+            <a:r>
+              <a:rPr lang="ko-KR" altLang="en-US" noProof="1"/>
+              <a:t>표준 입출력</a:t>
+            </a:r>
+            <a:r>
+              <a:rPr lang="en-US" altLang="ko-KR" noProof="1"/>
+              <a:t>(</a:t>
+            </a:r>
+            <a:r>
+              <a:rPr lang="ko-KR" altLang="en-US" noProof="1"/>
+              <a:t>서식 지정</a:t>
+            </a:r>
+            <a:r>
+              <a:rPr lang="en-US" altLang="ko-KR" noProof="1"/>
+              <a:t>)</a:t>
+            </a:r>
+            <a:endParaRPr lang="ko-KR" altLang="en-US" noProof="1">
+              <a:ea typeface="맑은 고딕" panose="020B0503020000020004" pitchFamily="50" charset="-127"/>
+            </a:endParaRPr>
+          </a:p>
+        </p:txBody>
+      </p:sp>
+      <p:sp>
+        <p:nvSpPr>
+          <p:cNvPr id="4" name="내용 개체 틀 3">
+            <a:extLst>
+              <a:ext uri="{FF2B5EF4-FFF2-40B4-BE49-F238E27FC236}">
+                <a16:creationId xmlns:a16="http://schemas.microsoft.com/office/drawing/2014/main" id="{96CE665F-14BA-4497-89D9-62FF51142EB8}"/>
+              </a:ext>
+            </a:extLst>
+          </p:cNvPr>
+          <p:cNvSpPr txBox="1">
+            <a:spLocks/>
+          </p:cNvSpPr>
+          <p:nvPr/>
+        </p:nvSpPr>
+        <p:spPr>
+          <a:xfrm>
+            <a:off x="581191" y="3216166"/>
+            <a:ext cx="10979765" cy="2939678"/>
+          </a:xfrm>
+          <a:prstGeom prst="rect">
+            <a:avLst/>
+          </a:prstGeom>
+        </p:spPr>
+        <p:txBody>
+          <a:bodyPr vert="horz" lIns="91440" tIns="45720" rIns="91440" bIns="45720" rtlCol="0" anchor="t">
+            <a:normAutofit/>
+          </a:bodyPr>
+          <a:lstStyle>
+            <a:lvl1pPr marL="306000" indent="-306000" algn="l" defTabSz="457200" rtl="0" eaLnBrk="1" latinLnBrk="1" hangingPunct="1">
+              <a:spcBef>
+                <a:spcPct val="20000"/>
+              </a:spcBef>
+              <a:spcAft>
+                <a:spcPts val="600"/>
+              </a:spcAft>
+              <a:buClr>
+                <a:schemeClr val="accent1"/>
+              </a:buClr>
+              <a:buSzPct val="92000"/>
+              <a:buFont typeface="Wingdings 2" panose="05020102010507070707" pitchFamily="18" charset="2"/>
+              <a:buChar char=""/>
+              <a:defRPr sz="1800" kern="1200" baseline="0">
+                <a:solidFill>
+                  <a:schemeClr val="tx1">
+                    <a:lumMod val="75000"/>
+                    <a:lumOff val="25000"/>
+                  </a:schemeClr>
+                </a:solidFill>
+                <a:latin typeface="맑은 고딕" panose="020B0503020000020004" pitchFamily="50" charset="-127"/>
+                <a:ea typeface="맑은 고딕" panose="020B0503020000020004" pitchFamily="50" charset="-127"/>
+                <a:cs typeface="+mn-cs"/>
+              </a:defRPr>
+            </a:lvl1pPr>
+            <a:lvl2pPr marL="630000" eaLnBrk="1" latinLnBrk="1" hangingPunct="1">
+              <a:buClr>
+                <a:schemeClr val="accent1"/>
+              </a:buClr>
+              <a:buSzPct val="92000"/>
+              <a:buFont typeface="Wingdings 2" panose="05020102010507070707" pitchFamily="18" charset="2"/>
+              <a:buChar char=""/>
+              <a:defRPr baseline="0">
+                <a:latin typeface="맑은 고딕" panose="020B0503020000020004" pitchFamily="50" charset="-127"/>
+                <a:ea typeface="맑은 고딕" panose="020B0503020000020004" pitchFamily="50" charset="-127"/>
+              </a:defRPr>
+            </a:lvl2pPr>
+            <a:lvl3pPr marL="900000" eaLnBrk="1" latinLnBrk="1" hangingPunct="1">
+              <a:buClr>
+                <a:schemeClr val="accent1"/>
+              </a:buClr>
+              <a:buSzPct val="92000"/>
+              <a:buFont typeface="Wingdings 2" panose="05020102010507070707" pitchFamily="18" charset="2"/>
+              <a:buChar char=""/>
+              <a:defRPr baseline="0">
+                <a:latin typeface="맑은 고딕" panose="020B0503020000020004" pitchFamily="50" charset="-127"/>
+                <a:ea typeface="맑은 고딕" panose="020B0503020000020004" pitchFamily="50" charset="-127"/>
+              </a:defRPr>
+            </a:lvl3pPr>
+            <a:lvl4pPr marL="1242000" eaLnBrk="1" latinLnBrk="1" hangingPunct="1">
+              <a:buClr>
+                <a:schemeClr val="accent1"/>
+              </a:buClr>
+              <a:buSzPct val="92000"/>
+              <a:buFont typeface="Wingdings 2" panose="05020102010507070707" pitchFamily="18" charset="2"/>
+              <a:buChar char=""/>
+              <a:defRPr baseline="0">
+                <a:latin typeface="맑은 고딕" panose="020B0503020000020004" pitchFamily="50" charset="-127"/>
+                <a:ea typeface="맑은 고딕" panose="020B0503020000020004" pitchFamily="50" charset="-127"/>
+              </a:defRPr>
+            </a:lvl4pPr>
+            <a:lvl5pPr marL="1602000" eaLnBrk="1" latinLnBrk="1" hangingPunct="1">
+              <a:buClr>
+                <a:schemeClr val="accent1"/>
+              </a:buClr>
+              <a:buSzPct val="92000"/>
+              <a:buFont typeface="Wingdings 2" panose="05020102010507070707" pitchFamily="18" charset="2"/>
+              <a:buChar char=""/>
+              <a:defRPr baseline="0">
+                <a:latin typeface="맑은 고딕" panose="020B0503020000020004" pitchFamily="50" charset="-127"/>
+                <a:ea typeface="맑은 고딕" panose="020B0503020000020004" pitchFamily="50" charset="-127"/>
+              </a:defRPr>
+            </a:lvl5pPr>
+          </a:lstStyle>
+          <a:p>
+            <a:pPr marL="0" indent="0">
+              <a:lnSpc>
+                <a:spcPct val="150000"/>
+              </a:lnSpc>
+              <a:buFont typeface="Wingdings 2" panose="05020102010507070707" pitchFamily="18" charset="2"/>
+              <a:buNone/>
+            </a:pPr>
+            <a:br>
+              <a:rPr lang="en-US" altLang="ko-KR" dirty="0"/>
+            </a:br>
+            <a:endParaRPr lang="en-US" altLang="ko-KR" dirty="0"/>
+          </a:p>
+        </p:txBody>
+      </p:sp>
+      <p:sp>
+        <p:nvSpPr>
+          <p:cNvPr id="13" name="내용 개체 틀 3">
+            <a:extLst>
+              <a:ext uri="{FF2B5EF4-FFF2-40B4-BE49-F238E27FC236}">
+                <a16:creationId xmlns:a16="http://schemas.microsoft.com/office/drawing/2014/main" id="{7BC142BD-59D9-496E-9CD1-A13E229BEEE9}"/>
+              </a:ext>
+            </a:extLst>
+          </p:cNvPr>
+          <p:cNvSpPr txBox="1">
+            <a:spLocks/>
+          </p:cNvSpPr>
+          <p:nvPr/>
+        </p:nvSpPr>
+        <p:spPr>
+          <a:xfrm>
+            <a:off x="581191" y="1688321"/>
+            <a:ext cx="10979765" cy="4467523"/>
+          </a:xfrm>
+          <a:prstGeom prst="rect">
+            <a:avLst/>
+          </a:prstGeom>
+        </p:spPr>
+        <p:txBody>
+          <a:bodyPr vert="horz" lIns="91440" tIns="45720" rIns="91440" bIns="45720" rtlCol="0" anchor="t">
+            <a:normAutofit fontScale="62500" lnSpcReduction="20000"/>
+          </a:bodyPr>
+          <a:lstStyle>
+            <a:lvl1pPr marL="306000" indent="-306000" algn="l" defTabSz="457200" rtl="0" eaLnBrk="1" latinLnBrk="1" hangingPunct="1">
+              <a:spcBef>
+                <a:spcPct val="20000"/>
+              </a:spcBef>
+              <a:spcAft>
+                <a:spcPts val="600"/>
+              </a:spcAft>
+              <a:buClr>
+                <a:schemeClr val="accent1"/>
+              </a:buClr>
+              <a:buSzPct val="92000"/>
+              <a:buFont typeface="Wingdings 2" panose="05020102010507070707" pitchFamily="18" charset="2"/>
+              <a:buChar char=""/>
+              <a:defRPr sz="1800" kern="1200" baseline="0">
+                <a:solidFill>
+                  <a:schemeClr val="tx1">
+                    <a:lumMod val="75000"/>
+                    <a:lumOff val="25000"/>
+                  </a:schemeClr>
+                </a:solidFill>
+                <a:latin typeface="맑은 고딕" panose="020B0503020000020004" pitchFamily="50" charset="-127"/>
+                <a:ea typeface="맑은 고딕" panose="020B0503020000020004" pitchFamily="50" charset="-127"/>
+                <a:cs typeface="+mn-cs"/>
+              </a:defRPr>
+            </a:lvl1pPr>
+            <a:lvl2pPr marL="630000" eaLnBrk="1" latinLnBrk="1" hangingPunct="1">
+              <a:buClr>
+                <a:schemeClr val="accent1"/>
+              </a:buClr>
+              <a:buSzPct val="92000"/>
+              <a:buFont typeface="Wingdings 2" panose="05020102010507070707" pitchFamily="18" charset="2"/>
+              <a:buChar char=""/>
+              <a:defRPr baseline="0">
+                <a:latin typeface="맑은 고딕" panose="020B0503020000020004" pitchFamily="50" charset="-127"/>
+                <a:ea typeface="맑은 고딕" panose="020B0503020000020004" pitchFamily="50" charset="-127"/>
+              </a:defRPr>
+            </a:lvl2pPr>
+            <a:lvl3pPr marL="900000" eaLnBrk="1" latinLnBrk="1" hangingPunct="1">
+              <a:buClr>
+                <a:schemeClr val="accent1"/>
+              </a:buClr>
+              <a:buSzPct val="92000"/>
+              <a:buFont typeface="Wingdings 2" panose="05020102010507070707" pitchFamily="18" charset="2"/>
+              <a:buChar char=""/>
+              <a:defRPr baseline="0">
+                <a:latin typeface="맑은 고딕" panose="020B0503020000020004" pitchFamily="50" charset="-127"/>
+                <a:ea typeface="맑은 고딕" panose="020B0503020000020004" pitchFamily="50" charset="-127"/>
+              </a:defRPr>
+            </a:lvl3pPr>
+            <a:lvl4pPr marL="1242000" eaLnBrk="1" latinLnBrk="1" hangingPunct="1">
+              <a:buClr>
+                <a:schemeClr val="accent1"/>
+              </a:buClr>
+              <a:buSzPct val="92000"/>
+              <a:buFont typeface="Wingdings 2" panose="05020102010507070707" pitchFamily="18" charset="2"/>
+              <a:buChar char=""/>
+              <a:defRPr baseline="0">
+                <a:latin typeface="맑은 고딕" panose="020B0503020000020004" pitchFamily="50" charset="-127"/>
+                <a:ea typeface="맑은 고딕" panose="020B0503020000020004" pitchFamily="50" charset="-127"/>
+              </a:defRPr>
+            </a:lvl4pPr>
+            <a:lvl5pPr marL="1602000" eaLnBrk="1" latinLnBrk="1" hangingPunct="1">
+              <a:buClr>
+                <a:schemeClr val="accent1"/>
+              </a:buClr>
+              <a:buSzPct val="92000"/>
+              <a:buFont typeface="Wingdings 2" panose="05020102010507070707" pitchFamily="18" charset="2"/>
+              <a:buChar char=""/>
+              <a:defRPr baseline="0">
+                <a:latin typeface="맑은 고딕" panose="020B0503020000020004" pitchFamily="50" charset="-127"/>
+                <a:ea typeface="맑은 고딕" panose="020B0503020000020004" pitchFamily="50" charset="-127"/>
+              </a:defRPr>
+            </a:lvl5pPr>
+          </a:lstStyle>
+          <a:p>
+            <a:r>
+              <a:rPr lang="ko-KR" altLang="en-US" sz="2200" dirty="0">
+                <a:latin typeface="Malgun Gothic Semilight" panose="020B0502040204020203" pitchFamily="50" charset="-127"/>
+                <a:ea typeface="Malgun Gothic Semilight" panose="020B0502040204020203" pitchFamily="50" charset="-127"/>
+                <a:cs typeface="Malgun Gothic Semilight" panose="020B0502040204020203" pitchFamily="50" charset="-127"/>
+              </a:rPr>
+              <a:t>부동소수점의 자리 수 결정</a:t>
+            </a:r>
+            <a:br>
+              <a:rPr lang="en-US" altLang="ko-KR" dirty="0">
+                <a:latin typeface="Malgun Gothic Semilight" panose="020B0502040204020203" pitchFamily="50" charset="-127"/>
+                <a:ea typeface="Malgun Gothic Semilight" panose="020B0502040204020203" pitchFamily="50" charset="-127"/>
+                <a:cs typeface="Malgun Gothic Semilight" panose="020B0502040204020203" pitchFamily="50" charset="-127"/>
+              </a:rPr>
+            </a:br>
+            <a:br>
+              <a:rPr lang="en-US" altLang="ko-KR" sz="1900" dirty="0">
+                <a:latin typeface="Malgun Gothic Semilight" panose="020B0502040204020203" pitchFamily="50" charset="-127"/>
+                <a:ea typeface="Malgun Gothic Semilight" panose="020B0502040204020203" pitchFamily="50" charset="-127"/>
+                <a:cs typeface="Malgun Gothic Semilight" panose="020B0502040204020203" pitchFamily="50" charset="-127"/>
+              </a:rPr>
+            </a:br>
+            <a:r>
+              <a:rPr lang="en-US" altLang="ko-KR" sz="2100" dirty="0" err="1">
+                <a:solidFill>
+                  <a:srgbClr val="000000"/>
+                </a:solidFill>
+                <a:latin typeface="Malgun Gothic Semilight" panose="020B0502040204020203" pitchFamily="50" charset="-127"/>
+                <a:ea typeface="Malgun Gothic Semilight" panose="020B0502040204020203" pitchFamily="50" charset="-127"/>
+                <a:cs typeface="Malgun Gothic Semilight" panose="020B0502040204020203" pitchFamily="50" charset="-127"/>
+              </a:rPr>
+              <a:t>cout</a:t>
+            </a:r>
+            <a:r>
+              <a:rPr lang="en-US" altLang="ko-KR" sz="2100" dirty="0">
+                <a:solidFill>
+                  <a:srgbClr val="000000"/>
+                </a:solidFill>
+                <a:latin typeface="Malgun Gothic Semilight" panose="020B0502040204020203" pitchFamily="50" charset="-127"/>
+                <a:ea typeface="Malgun Gothic Semilight" panose="020B0502040204020203" pitchFamily="50" charset="-127"/>
+                <a:cs typeface="Malgun Gothic Semilight" panose="020B0502040204020203" pitchFamily="50" charset="-127"/>
+              </a:rPr>
+              <a:t> </a:t>
+            </a:r>
+            <a:r>
+              <a:rPr lang="en-US" altLang="ko-KR" sz="2100" dirty="0">
+                <a:solidFill>
+                  <a:srgbClr val="008080"/>
+                </a:solidFill>
+                <a:latin typeface="Malgun Gothic Semilight" panose="020B0502040204020203" pitchFamily="50" charset="-127"/>
+                <a:ea typeface="Malgun Gothic Semilight" panose="020B0502040204020203" pitchFamily="50" charset="-127"/>
+                <a:cs typeface="Malgun Gothic Semilight" panose="020B0502040204020203" pitchFamily="50" charset="-127"/>
+              </a:rPr>
+              <a:t>&lt;&lt;</a:t>
+            </a:r>
+            <a:r>
+              <a:rPr lang="en-US" altLang="ko-KR" sz="2100" dirty="0">
+                <a:solidFill>
+                  <a:srgbClr val="000000"/>
+                </a:solidFill>
+                <a:latin typeface="Malgun Gothic Semilight" panose="020B0502040204020203" pitchFamily="50" charset="-127"/>
+                <a:ea typeface="Malgun Gothic Semilight" panose="020B0502040204020203" pitchFamily="50" charset="-127"/>
+                <a:cs typeface="Malgun Gothic Semilight" panose="020B0502040204020203" pitchFamily="50" charset="-127"/>
+              </a:rPr>
+              <a:t> </a:t>
+            </a:r>
+            <a:r>
+              <a:rPr lang="en-US" altLang="ko-KR" sz="2100" dirty="0">
+                <a:solidFill>
+                  <a:srgbClr val="A31515"/>
+                </a:solidFill>
+                <a:latin typeface="Malgun Gothic Semilight" panose="020B0502040204020203" pitchFamily="50" charset="-127"/>
+                <a:ea typeface="Malgun Gothic Semilight" panose="020B0502040204020203" pitchFamily="50" charset="-127"/>
+                <a:cs typeface="Malgun Gothic Semilight" panose="020B0502040204020203" pitchFamily="50" charset="-127"/>
+              </a:rPr>
+              <a:t>"pi is "</a:t>
+            </a:r>
+            <a:r>
+              <a:rPr lang="en-US" altLang="ko-KR" sz="2100" dirty="0">
+                <a:solidFill>
+                  <a:srgbClr val="000000"/>
+                </a:solidFill>
+                <a:latin typeface="Malgun Gothic Semilight" panose="020B0502040204020203" pitchFamily="50" charset="-127"/>
+                <a:ea typeface="Malgun Gothic Semilight" panose="020B0502040204020203" pitchFamily="50" charset="-127"/>
+                <a:cs typeface="Malgun Gothic Semilight" panose="020B0502040204020203" pitchFamily="50" charset="-127"/>
+              </a:rPr>
+              <a:t> </a:t>
+            </a:r>
+            <a:r>
+              <a:rPr lang="en-US" altLang="ko-KR" sz="2100" dirty="0">
+                <a:solidFill>
+                  <a:srgbClr val="008080"/>
+                </a:solidFill>
+                <a:latin typeface="Malgun Gothic Semilight" panose="020B0502040204020203" pitchFamily="50" charset="-127"/>
+                <a:ea typeface="Malgun Gothic Semilight" panose="020B0502040204020203" pitchFamily="50" charset="-127"/>
+                <a:cs typeface="Malgun Gothic Semilight" panose="020B0502040204020203" pitchFamily="50" charset="-127"/>
+              </a:rPr>
+              <a:t>&lt;&lt;</a:t>
+            </a:r>
+            <a:r>
+              <a:rPr lang="en-US" altLang="ko-KR" sz="2100" dirty="0">
+                <a:solidFill>
+                  <a:srgbClr val="000000"/>
+                </a:solidFill>
+                <a:latin typeface="Malgun Gothic Semilight" panose="020B0502040204020203" pitchFamily="50" charset="-127"/>
+                <a:ea typeface="Malgun Gothic Semilight" panose="020B0502040204020203" pitchFamily="50" charset="-127"/>
+                <a:cs typeface="Malgun Gothic Semilight" panose="020B0502040204020203" pitchFamily="50" charset="-127"/>
+              </a:rPr>
+              <a:t> pi </a:t>
+            </a:r>
+            <a:r>
+              <a:rPr lang="en-US" altLang="ko-KR" sz="2100" dirty="0">
+                <a:solidFill>
+                  <a:srgbClr val="008080"/>
+                </a:solidFill>
+                <a:latin typeface="Malgun Gothic Semilight" panose="020B0502040204020203" pitchFamily="50" charset="-127"/>
+                <a:ea typeface="Malgun Gothic Semilight" panose="020B0502040204020203" pitchFamily="50" charset="-127"/>
+                <a:cs typeface="Malgun Gothic Semilight" panose="020B0502040204020203" pitchFamily="50" charset="-127"/>
+              </a:rPr>
+              <a:t>&lt;&lt;</a:t>
+            </a:r>
+            <a:r>
+              <a:rPr lang="en-US" altLang="ko-KR" sz="2100" dirty="0">
+                <a:solidFill>
+                  <a:srgbClr val="000000"/>
+                </a:solidFill>
+                <a:latin typeface="Malgun Gothic Semilight" panose="020B0502040204020203" pitchFamily="50" charset="-127"/>
+                <a:ea typeface="Malgun Gothic Semilight" panose="020B0502040204020203" pitchFamily="50" charset="-127"/>
+                <a:cs typeface="Malgun Gothic Semilight" panose="020B0502040204020203" pitchFamily="50" charset="-127"/>
+              </a:rPr>
+              <a:t> </a:t>
+            </a:r>
+            <a:r>
+              <a:rPr lang="en-US" altLang="ko-KR" sz="2100" dirty="0">
+                <a:solidFill>
+                  <a:srgbClr val="A31515"/>
+                </a:solidFill>
+                <a:latin typeface="Malgun Gothic Semilight" panose="020B0502040204020203" pitchFamily="50" charset="-127"/>
+                <a:ea typeface="Malgun Gothic Semilight" panose="020B0502040204020203" pitchFamily="50" charset="-127"/>
+                <a:cs typeface="Malgun Gothic Semilight" panose="020B0502040204020203" pitchFamily="50" charset="-127"/>
+              </a:rPr>
+              <a:t>'\n'</a:t>
+            </a:r>
+            <a:r>
+              <a:rPr lang="en-US" altLang="ko-KR" sz="2100" dirty="0">
+                <a:solidFill>
+                  <a:srgbClr val="000000"/>
+                </a:solidFill>
+                <a:latin typeface="Malgun Gothic Semilight" panose="020B0502040204020203" pitchFamily="50" charset="-127"/>
+                <a:ea typeface="Malgun Gothic Semilight" panose="020B0502040204020203" pitchFamily="50" charset="-127"/>
+                <a:cs typeface="Malgun Gothic Semilight" panose="020B0502040204020203" pitchFamily="50" charset="-127"/>
+              </a:rPr>
+              <a:t>;</a:t>
+            </a:r>
+            <a:r>
+              <a:rPr lang="en-US" altLang="ko-KR" sz="2100" dirty="0">
+                <a:solidFill>
+                  <a:srgbClr val="008000"/>
+                </a:solidFill>
+                <a:latin typeface="Malgun Gothic Semilight" panose="020B0502040204020203" pitchFamily="50" charset="-127"/>
+                <a:ea typeface="Malgun Gothic Semilight" panose="020B0502040204020203" pitchFamily="50" charset="-127"/>
+                <a:cs typeface="Malgun Gothic Semilight" panose="020B0502040204020203" pitchFamily="50" charset="-127"/>
+              </a:rPr>
+              <a:t>//pi is 3.14159</a:t>
+            </a:r>
+            <a:br>
+              <a:rPr lang="en-US" altLang="ko-KR" sz="2100" dirty="0">
+                <a:solidFill>
+                  <a:srgbClr val="008000"/>
+                </a:solidFill>
+                <a:latin typeface="Malgun Gothic Semilight" panose="020B0502040204020203" pitchFamily="50" charset="-127"/>
+                <a:ea typeface="Malgun Gothic Semilight" panose="020B0502040204020203" pitchFamily="50" charset="-127"/>
+                <a:cs typeface="Malgun Gothic Semilight" panose="020B0502040204020203" pitchFamily="50" charset="-127"/>
+              </a:rPr>
+            </a:br>
+            <a:br>
+              <a:rPr lang="en-US" altLang="ko-KR" sz="2100" dirty="0">
+                <a:solidFill>
+                  <a:srgbClr val="008000"/>
+                </a:solidFill>
+                <a:latin typeface="Malgun Gothic Semilight" panose="020B0502040204020203" pitchFamily="50" charset="-127"/>
+                <a:ea typeface="Malgun Gothic Semilight" panose="020B0502040204020203" pitchFamily="50" charset="-127"/>
+                <a:cs typeface="Malgun Gothic Semilight" panose="020B0502040204020203" pitchFamily="50" charset="-127"/>
+              </a:rPr>
+            </a:br>
+            <a:r>
+              <a:rPr lang="en-US" altLang="ko-KR" sz="2100" dirty="0" err="1">
+                <a:solidFill>
+                  <a:srgbClr val="000000"/>
+                </a:solidFill>
+                <a:latin typeface="Malgun Gothic Semilight" panose="020B0502040204020203" pitchFamily="50" charset="-127"/>
+                <a:ea typeface="Malgun Gothic Semilight" panose="020B0502040204020203" pitchFamily="50" charset="-127"/>
+                <a:cs typeface="Malgun Gothic Semilight" panose="020B0502040204020203" pitchFamily="50" charset="-127"/>
+              </a:rPr>
+              <a:t>cout</a:t>
+            </a:r>
+            <a:r>
+              <a:rPr lang="en-US" altLang="ko-KR" sz="2100" dirty="0">
+                <a:solidFill>
+                  <a:srgbClr val="000000"/>
+                </a:solidFill>
+                <a:latin typeface="Malgun Gothic Semilight" panose="020B0502040204020203" pitchFamily="50" charset="-127"/>
+                <a:ea typeface="Malgun Gothic Semilight" panose="020B0502040204020203" pitchFamily="50" charset="-127"/>
+                <a:cs typeface="Malgun Gothic Semilight" panose="020B0502040204020203" pitchFamily="50" charset="-127"/>
+              </a:rPr>
+              <a:t> </a:t>
+            </a:r>
+            <a:r>
+              <a:rPr lang="en-US" altLang="ko-KR" sz="2100" dirty="0">
+                <a:solidFill>
+                  <a:srgbClr val="008080"/>
+                </a:solidFill>
+                <a:latin typeface="Malgun Gothic Semilight" panose="020B0502040204020203" pitchFamily="50" charset="-127"/>
+                <a:ea typeface="Malgun Gothic Semilight" panose="020B0502040204020203" pitchFamily="50" charset="-127"/>
+                <a:cs typeface="Malgun Gothic Semilight" panose="020B0502040204020203" pitchFamily="50" charset="-127"/>
+              </a:rPr>
+              <a:t>&lt;&lt;</a:t>
+            </a:r>
+            <a:r>
+              <a:rPr lang="en-US" altLang="ko-KR" sz="2100" dirty="0">
+                <a:solidFill>
+                  <a:srgbClr val="000000"/>
+                </a:solidFill>
+                <a:latin typeface="Malgun Gothic Semilight" panose="020B0502040204020203" pitchFamily="50" charset="-127"/>
+                <a:ea typeface="Malgun Gothic Semilight" panose="020B0502040204020203" pitchFamily="50" charset="-127"/>
+                <a:cs typeface="Malgun Gothic Semilight" panose="020B0502040204020203" pitchFamily="50" charset="-127"/>
+              </a:rPr>
+              <a:t> </a:t>
+            </a:r>
+            <a:r>
+              <a:rPr lang="en-US" altLang="ko-KR" sz="2100" dirty="0">
+                <a:solidFill>
+                  <a:srgbClr val="A31515"/>
+                </a:solidFill>
+                <a:latin typeface="Malgun Gothic Semilight" panose="020B0502040204020203" pitchFamily="50" charset="-127"/>
+                <a:ea typeface="Malgun Gothic Semilight" panose="020B0502040204020203" pitchFamily="50" charset="-127"/>
+                <a:cs typeface="Malgun Gothic Semilight" panose="020B0502040204020203" pitchFamily="50" charset="-127"/>
+              </a:rPr>
+              <a:t>"pi is "</a:t>
+            </a:r>
+            <a:r>
+              <a:rPr lang="en-US" altLang="ko-KR" sz="2100" dirty="0">
+                <a:solidFill>
+                  <a:srgbClr val="000000"/>
+                </a:solidFill>
+                <a:latin typeface="Malgun Gothic Semilight" panose="020B0502040204020203" pitchFamily="50" charset="-127"/>
+                <a:ea typeface="Malgun Gothic Semilight" panose="020B0502040204020203" pitchFamily="50" charset="-127"/>
+                <a:cs typeface="Malgun Gothic Semilight" panose="020B0502040204020203" pitchFamily="50" charset="-127"/>
+              </a:rPr>
+              <a:t> </a:t>
+            </a:r>
+            <a:r>
+              <a:rPr lang="en-US" altLang="ko-KR" sz="2100" dirty="0">
+                <a:solidFill>
+                  <a:srgbClr val="008080"/>
+                </a:solidFill>
+                <a:latin typeface="Malgun Gothic Semilight" panose="020B0502040204020203" pitchFamily="50" charset="-127"/>
+                <a:ea typeface="Malgun Gothic Semilight" panose="020B0502040204020203" pitchFamily="50" charset="-127"/>
+                <a:cs typeface="Malgun Gothic Semilight" panose="020B0502040204020203" pitchFamily="50" charset="-127"/>
+              </a:rPr>
+              <a:t>&lt;&lt;</a:t>
+            </a:r>
+            <a:r>
+              <a:rPr lang="en-US" altLang="ko-KR" sz="2100" dirty="0">
+                <a:solidFill>
+                  <a:srgbClr val="000000"/>
+                </a:solidFill>
+                <a:latin typeface="Malgun Gothic Semilight" panose="020B0502040204020203" pitchFamily="50" charset="-127"/>
+                <a:ea typeface="Malgun Gothic Semilight" panose="020B0502040204020203" pitchFamily="50" charset="-127"/>
+                <a:cs typeface="Malgun Gothic Semilight" panose="020B0502040204020203" pitchFamily="50" charset="-127"/>
+              </a:rPr>
+              <a:t> </a:t>
+            </a:r>
+            <a:r>
+              <a:rPr lang="en-US" altLang="ko-KR" sz="2100" dirty="0" err="1">
+                <a:solidFill>
+                  <a:srgbClr val="000000"/>
+                </a:solidFill>
+                <a:latin typeface="Malgun Gothic Semilight" panose="020B0502040204020203" pitchFamily="50" charset="-127"/>
+                <a:ea typeface="Malgun Gothic Semilight" panose="020B0502040204020203" pitchFamily="50" charset="-127"/>
+                <a:cs typeface="Malgun Gothic Semilight" panose="020B0502040204020203" pitchFamily="50" charset="-127"/>
+              </a:rPr>
+              <a:t>setprecision</a:t>
+            </a:r>
+            <a:r>
+              <a:rPr lang="en-US" altLang="ko-KR" sz="2100" dirty="0">
+                <a:solidFill>
+                  <a:srgbClr val="000000"/>
+                </a:solidFill>
+                <a:latin typeface="Malgun Gothic Semilight" panose="020B0502040204020203" pitchFamily="50" charset="-127"/>
+                <a:ea typeface="Malgun Gothic Semilight" panose="020B0502040204020203" pitchFamily="50" charset="-127"/>
+                <a:cs typeface="Malgun Gothic Semilight" panose="020B0502040204020203" pitchFamily="50" charset="-127"/>
+              </a:rPr>
+              <a:t>(16) </a:t>
+            </a:r>
+            <a:r>
+              <a:rPr lang="en-US" altLang="ko-KR" sz="2100" dirty="0">
+                <a:solidFill>
+                  <a:srgbClr val="008080"/>
+                </a:solidFill>
+                <a:latin typeface="Malgun Gothic Semilight" panose="020B0502040204020203" pitchFamily="50" charset="-127"/>
+                <a:ea typeface="Malgun Gothic Semilight" panose="020B0502040204020203" pitchFamily="50" charset="-127"/>
+                <a:cs typeface="Malgun Gothic Semilight" panose="020B0502040204020203" pitchFamily="50" charset="-127"/>
+              </a:rPr>
+              <a:t>&lt;&lt;</a:t>
+            </a:r>
+            <a:r>
+              <a:rPr lang="en-US" altLang="ko-KR" sz="2100" dirty="0">
+                <a:solidFill>
+                  <a:srgbClr val="000000"/>
+                </a:solidFill>
+                <a:latin typeface="Malgun Gothic Semilight" panose="020B0502040204020203" pitchFamily="50" charset="-127"/>
+                <a:ea typeface="Malgun Gothic Semilight" panose="020B0502040204020203" pitchFamily="50" charset="-127"/>
+                <a:cs typeface="Malgun Gothic Semilight" panose="020B0502040204020203" pitchFamily="50" charset="-127"/>
+              </a:rPr>
+              <a:t> pi </a:t>
+            </a:r>
+            <a:r>
+              <a:rPr lang="en-US" altLang="ko-KR" sz="2100" dirty="0">
+                <a:solidFill>
+                  <a:srgbClr val="008080"/>
+                </a:solidFill>
+                <a:latin typeface="Malgun Gothic Semilight" panose="020B0502040204020203" pitchFamily="50" charset="-127"/>
+                <a:ea typeface="Malgun Gothic Semilight" panose="020B0502040204020203" pitchFamily="50" charset="-127"/>
+                <a:cs typeface="Malgun Gothic Semilight" panose="020B0502040204020203" pitchFamily="50" charset="-127"/>
+              </a:rPr>
+              <a:t>&lt;&lt;</a:t>
+            </a:r>
+            <a:r>
+              <a:rPr lang="en-US" altLang="ko-KR" sz="2100" dirty="0">
+                <a:solidFill>
+                  <a:srgbClr val="000000"/>
+                </a:solidFill>
+                <a:latin typeface="Malgun Gothic Semilight" panose="020B0502040204020203" pitchFamily="50" charset="-127"/>
+                <a:ea typeface="Malgun Gothic Semilight" panose="020B0502040204020203" pitchFamily="50" charset="-127"/>
+                <a:cs typeface="Malgun Gothic Semilight" panose="020B0502040204020203" pitchFamily="50" charset="-127"/>
+              </a:rPr>
+              <a:t> </a:t>
+            </a:r>
+            <a:r>
+              <a:rPr lang="en-US" altLang="ko-KR" sz="2100" dirty="0">
+                <a:solidFill>
+                  <a:srgbClr val="A31515"/>
+                </a:solidFill>
+                <a:latin typeface="Malgun Gothic Semilight" panose="020B0502040204020203" pitchFamily="50" charset="-127"/>
+                <a:ea typeface="Malgun Gothic Semilight" panose="020B0502040204020203" pitchFamily="50" charset="-127"/>
+                <a:cs typeface="Malgun Gothic Semilight" panose="020B0502040204020203" pitchFamily="50" charset="-127"/>
+              </a:rPr>
+              <a:t>'\n'</a:t>
+            </a:r>
+            <a:r>
+              <a:rPr lang="en-US" altLang="ko-KR" sz="2100" dirty="0">
+                <a:solidFill>
+                  <a:srgbClr val="000000"/>
+                </a:solidFill>
+                <a:latin typeface="Malgun Gothic Semilight" panose="020B0502040204020203" pitchFamily="50" charset="-127"/>
+                <a:ea typeface="Malgun Gothic Semilight" panose="020B0502040204020203" pitchFamily="50" charset="-127"/>
+                <a:cs typeface="Malgun Gothic Semilight" panose="020B0502040204020203" pitchFamily="50" charset="-127"/>
+              </a:rPr>
+              <a:t>;</a:t>
+            </a:r>
+            <a:r>
+              <a:rPr lang="en-US" altLang="ko-KR" sz="2100" dirty="0">
+                <a:solidFill>
+                  <a:srgbClr val="008000"/>
+                </a:solidFill>
+                <a:latin typeface="Malgun Gothic Semilight" panose="020B0502040204020203" pitchFamily="50" charset="-127"/>
+                <a:ea typeface="Malgun Gothic Semilight" panose="020B0502040204020203" pitchFamily="50" charset="-127"/>
+                <a:cs typeface="Malgun Gothic Semilight" panose="020B0502040204020203" pitchFamily="50" charset="-127"/>
+              </a:rPr>
+              <a:t>//pi is 3.141592653589793</a:t>
+            </a:r>
+            <a:endParaRPr lang="en-US" altLang="ko-KR" sz="2100" dirty="0">
+              <a:solidFill>
+                <a:srgbClr val="000000"/>
+              </a:solidFill>
+              <a:latin typeface="Malgun Gothic Semilight" panose="020B0502040204020203" pitchFamily="50" charset="-127"/>
+              <a:ea typeface="Malgun Gothic Semilight" panose="020B0502040204020203" pitchFamily="50" charset="-127"/>
+              <a:cs typeface="Malgun Gothic Semilight" panose="020B0502040204020203" pitchFamily="50" charset="-127"/>
+            </a:endParaRPr>
+          </a:p>
+          <a:p>
+            <a:pPr marL="324000" lvl="1">
+              <a:buNone/>
+            </a:pPr>
+            <a:r>
+              <a:rPr lang="en-US" altLang="ko-KR" sz="1400" dirty="0">
+                <a:solidFill>
+                  <a:srgbClr val="000000"/>
+                </a:solidFill>
+                <a:latin typeface="Malgun Gothic Semilight" panose="020B0502040204020203" pitchFamily="50" charset="-127"/>
+                <a:ea typeface="Malgun Gothic Semilight" panose="020B0502040204020203" pitchFamily="50" charset="-127"/>
+                <a:cs typeface="Malgun Gothic Semilight" panose="020B0502040204020203" pitchFamily="50" charset="-127"/>
+              </a:rPr>
+              <a:t>  </a:t>
+            </a:r>
+            <a:endParaRPr lang="en-US" altLang="ko-KR" sz="1400" dirty="0">
+              <a:solidFill>
+                <a:srgbClr val="008000"/>
+              </a:solidFill>
+              <a:latin typeface="Malgun Gothic Semilight" panose="020B0502040204020203" pitchFamily="50" charset="-127"/>
+              <a:ea typeface="Malgun Gothic Semilight" panose="020B0502040204020203" pitchFamily="50" charset="-127"/>
+              <a:cs typeface="Malgun Gothic Semilight" panose="020B0502040204020203" pitchFamily="50" charset="-127"/>
+            </a:endParaRPr>
+          </a:p>
+          <a:p>
+            <a:pPr marL="324000" lvl="1">
+              <a:buNone/>
+            </a:pPr>
+            <a:endParaRPr lang="en-US" altLang="ko-KR" dirty="0">
+              <a:latin typeface="Malgun Gothic Semilight" panose="020B0502040204020203" pitchFamily="50" charset="-127"/>
+              <a:ea typeface="Malgun Gothic Semilight" panose="020B0502040204020203" pitchFamily="50" charset="-127"/>
+              <a:cs typeface="Malgun Gothic Semilight" panose="020B0502040204020203" pitchFamily="50" charset="-127"/>
+            </a:endParaRPr>
+          </a:p>
+          <a:p>
+            <a:r>
+              <a:rPr lang="ko-KR" altLang="en-US" sz="2200" dirty="0">
+                <a:latin typeface="Malgun Gothic Semilight" panose="020B0502040204020203" pitchFamily="50" charset="-127"/>
+                <a:ea typeface="Malgun Gothic Semilight" panose="020B0502040204020203" pitchFamily="50" charset="-127"/>
+                <a:cs typeface="Malgun Gothic Semilight" panose="020B0502040204020203" pitchFamily="50" charset="-127"/>
+              </a:rPr>
+              <a:t>가독성을 위한 정렬</a:t>
+            </a:r>
+            <a:br>
+              <a:rPr lang="en-US" altLang="ko-KR" dirty="0">
+                <a:latin typeface="Malgun Gothic Semilight" panose="020B0502040204020203" pitchFamily="50" charset="-127"/>
+                <a:ea typeface="Malgun Gothic Semilight" panose="020B0502040204020203" pitchFamily="50" charset="-127"/>
+                <a:cs typeface="Malgun Gothic Semilight" panose="020B0502040204020203" pitchFamily="50" charset="-127"/>
+              </a:rPr>
+            </a:br>
+            <a:br>
+              <a:rPr lang="en-US" altLang="ko-KR" dirty="0">
+                <a:latin typeface="Malgun Gothic Semilight" panose="020B0502040204020203" pitchFamily="50" charset="-127"/>
+                <a:ea typeface="Malgun Gothic Semilight" panose="020B0502040204020203" pitchFamily="50" charset="-127"/>
+                <a:cs typeface="Malgun Gothic Semilight" panose="020B0502040204020203" pitchFamily="50" charset="-127"/>
+              </a:rPr>
+            </a:br>
+            <a:r>
+              <a:rPr lang="en-US" altLang="ko-KR" sz="2100" dirty="0" err="1">
+                <a:solidFill>
+                  <a:srgbClr val="000000"/>
+                </a:solidFill>
+                <a:latin typeface="Malgun Gothic Semilight" panose="020B0502040204020203" pitchFamily="50" charset="-127"/>
+                <a:ea typeface="Malgun Gothic Semilight" panose="020B0502040204020203" pitchFamily="50" charset="-127"/>
+                <a:cs typeface="Malgun Gothic Semilight" panose="020B0502040204020203" pitchFamily="50" charset="-127"/>
+              </a:rPr>
+              <a:t>cout</a:t>
+            </a:r>
+            <a:r>
+              <a:rPr lang="en-US" altLang="ko-KR" sz="2100" dirty="0">
+                <a:solidFill>
+                  <a:srgbClr val="000000"/>
+                </a:solidFill>
+                <a:latin typeface="Malgun Gothic Semilight" panose="020B0502040204020203" pitchFamily="50" charset="-127"/>
+                <a:ea typeface="Malgun Gothic Semilight" panose="020B0502040204020203" pitchFamily="50" charset="-127"/>
+                <a:cs typeface="Malgun Gothic Semilight" panose="020B0502040204020203" pitchFamily="50" charset="-127"/>
+              </a:rPr>
+              <a:t> </a:t>
+            </a:r>
+            <a:r>
+              <a:rPr lang="en-US" altLang="ko-KR" sz="2100" dirty="0">
+                <a:solidFill>
+                  <a:srgbClr val="008080"/>
+                </a:solidFill>
+                <a:latin typeface="Malgun Gothic Semilight" panose="020B0502040204020203" pitchFamily="50" charset="-127"/>
+                <a:ea typeface="Malgun Gothic Semilight" panose="020B0502040204020203" pitchFamily="50" charset="-127"/>
+                <a:cs typeface="Malgun Gothic Semilight" panose="020B0502040204020203" pitchFamily="50" charset="-127"/>
+              </a:rPr>
+              <a:t>&lt;&lt;</a:t>
+            </a:r>
+            <a:r>
+              <a:rPr lang="en-US" altLang="ko-KR" sz="2100" dirty="0">
+                <a:solidFill>
+                  <a:srgbClr val="000000"/>
+                </a:solidFill>
+                <a:latin typeface="Malgun Gothic Semilight" panose="020B0502040204020203" pitchFamily="50" charset="-127"/>
+                <a:ea typeface="Malgun Gothic Semilight" panose="020B0502040204020203" pitchFamily="50" charset="-127"/>
+                <a:cs typeface="Malgun Gothic Semilight" panose="020B0502040204020203" pitchFamily="50" charset="-127"/>
+              </a:rPr>
+              <a:t> </a:t>
+            </a:r>
+            <a:r>
+              <a:rPr lang="en-US" altLang="ko-KR" sz="2100" dirty="0">
+                <a:solidFill>
+                  <a:srgbClr val="A31515"/>
+                </a:solidFill>
+                <a:latin typeface="Malgun Gothic Semilight" panose="020B0502040204020203" pitchFamily="50" charset="-127"/>
+                <a:ea typeface="Malgun Gothic Semilight" panose="020B0502040204020203" pitchFamily="50" charset="-127"/>
+                <a:cs typeface="Malgun Gothic Semilight" panose="020B0502040204020203" pitchFamily="50" charset="-127"/>
+              </a:rPr>
+              <a:t>"pi is "</a:t>
+            </a:r>
+            <a:r>
+              <a:rPr lang="en-US" altLang="ko-KR" sz="2100" dirty="0">
+                <a:solidFill>
+                  <a:srgbClr val="000000"/>
+                </a:solidFill>
+                <a:latin typeface="Malgun Gothic Semilight" panose="020B0502040204020203" pitchFamily="50" charset="-127"/>
+                <a:ea typeface="Malgun Gothic Semilight" panose="020B0502040204020203" pitchFamily="50" charset="-127"/>
+                <a:cs typeface="Malgun Gothic Semilight" panose="020B0502040204020203" pitchFamily="50" charset="-127"/>
+              </a:rPr>
+              <a:t> </a:t>
+            </a:r>
+            <a:r>
+              <a:rPr lang="en-US" altLang="ko-KR" sz="2100" dirty="0">
+                <a:solidFill>
+                  <a:srgbClr val="008080"/>
+                </a:solidFill>
+                <a:latin typeface="Malgun Gothic Semilight" panose="020B0502040204020203" pitchFamily="50" charset="-127"/>
+                <a:ea typeface="Malgun Gothic Semilight" panose="020B0502040204020203" pitchFamily="50" charset="-127"/>
+                <a:cs typeface="Malgun Gothic Semilight" panose="020B0502040204020203" pitchFamily="50" charset="-127"/>
+              </a:rPr>
+              <a:t>&lt;&lt;</a:t>
+            </a:r>
+            <a:r>
+              <a:rPr lang="en-US" altLang="ko-KR" sz="2100" dirty="0">
+                <a:solidFill>
+                  <a:srgbClr val="000000"/>
+                </a:solidFill>
+                <a:latin typeface="Malgun Gothic Semilight" panose="020B0502040204020203" pitchFamily="50" charset="-127"/>
+                <a:ea typeface="Malgun Gothic Semilight" panose="020B0502040204020203" pitchFamily="50" charset="-127"/>
+                <a:cs typeface="Malgun Gothic Semilight" panose="020B0502040204020203" pitchFamily="50" charset="-127"/>
+              </a:rPr>
+              <a:t> </a:t>
+            </a:r>
+            <a:r>
+              <a:rPr lang="en-US" altLang="ko-KR" sz="2100" dirty="0" err="1">
+                <a:solidFill>
+                  <a:srgbClr val="000000"/>
+                </a:solidFill>
+                <a:latin typeface="Malgun Gothic Semilight" panose="020B0502040204020203" pitchFamily="50" charset="-127"/>
+                <a:ea typeface="Malgun Gothic Semilight" panose="020B0502040204020203" pitchFamily="50" charset="-127"/>
+                <a:cs typeface="Malgun Gothic Semilight" panose="020B0502040204020203" pitchFamily="50" charset="-127"/>
+              </a:rPr>
+              <a:t>setw</a:t>
+            </a:r>
+            <a:r>
+              <a:rPr lang="en-US" altLang="ko-KR" sz="2100" dirty="0">
+                <a:solidFill>
+                  <a:srgbClr val="000000"/>
+                </a:solidFill>
+                <a:latin typeface="Malgun Gothic Semilight" panose="020B0502040204020203" pitchFamily="50" charset="-127"/>
+                <a:ea typeface="Malgun Gothic Semilight" panose="020B0502040204020203" pitchFamily="50" charset="-127"/>
+                <a:cs typeface="Malgun Gothic Semilight" panose="020B0502040204020203" pitchFamily="50" charset="-127"/>
+              </a:rPr>
+              <a:t>(30) </a:t>
+            </a:r>
+            <a:r>
+              <a:rPr lang="en-US" altLang="ko-KR" sz="2100" dirty="0">
+                <a:solidFill>
+                  <a:srgbClr val="008080"/>
+                </a:solidFill>
+                <a:latin typeface="Malgun Gothic Semilight" panose="020B0502040204020203" pitchFamily="50" charset="-127"/>
+                <a:ea typeface="Malgun Gothic Semilight" panose="020B0502040204020203" pitchFamily="50" charset="-127"/>
+                <a:cs typeface="Malgun Gothic Semilight" panose="020B0502040204020203" pitchFamily="50" charset="-127"/>
+              </a:rPr>
+              <a:t>&lt;&lt;</a:t>
+            </a:r>
+            <a:r>
+              <a:rPr lang="en-US" altLang="ko-KR" sz="2100" dirty="0">
+                <a:solidFill>
+                  <a:srgbClr val="000000"/>
+                </a:solidFill>
+                <a:latin typeface="Malgun Gothic Semilight" panose="020B0502040204020203" pitchFamily="50" charset="-127"/>
+                <a:ea typeface="Malgun Gothic Semilight" panose="020B0502040204020203" pitchFamily="50" charset="-127"/>
+                <a:cs typeface="Malgun Gothic Semilight" panose="020B0502040204020203" pitchFamily="50" charset="-127"/>
+              </a:rPr>
+              <a:t> pi </a:t>
+            </a:r>
+            <a:r>
+              <a:rPr lang="en-US" altLang="ko-KR" sz="2100" dirty="0">
+                <a:solidFill>
+                  <a:srgbClr val="008080"/>
+                </a:solidFill>
+                <a:latin typeface="Malgun Gothic Semilight" panose="020B0502040204020203" pitchFamily="50" charset="-127"/>
+                <a:ea typeface="Malgun Gothic Semilight" panose="020B0502040204020203" pitchFamily="50" charset="-127"/>
+                <a:cs typeface="Malgun Gothic Semilight" panose="020B0502040204020203" pitchFamily="50" charset="-127"/>
+              </a:rPr>
+              <a:t>&lt;&lt;</a:t>
+            </a:r>
+            <a:r>
+              <a:rPr lang="en-US" altLang="ko-KR" sz="2100" dirty="0">
+                <a:solidFill>
+                  <a:srgbClr val="000000"/>
+                </a:solidFill>
+                <a:latin typeface="Malgun Gothic Semilight" panose="020B0502040204020203" pitchFamily="50" charset="-127"/>
+                <a:ea typeface="Malgun Gothic Semilight" panose="020B0502040204020203" pitchFamily="50" charset="-127"/>
+                <a:cs typeface="Malgun Gothic Semilight" panose="020B0502040204020203" pitchFamily="50" charset="-127"/>
+              </a:rPr>
+              <a:t> </a:t>
+            </a:r>
+            <a:r>
+              <a:rPr lang="en-US" altLang="ko-KR" sz="2100" dirty="0">
+                <a:solidFill>
+                  <a:srgbClr val="A31515"/>
+                </a:solidFill>
+                <a:latin typeface="Malgun Gothic Semilight" panose="020B0502040204020203" pitchFamily="50" charset="-127"/>
+                <a:ea typeface="Malgun Gothic Semilight" panose="020B0502040204020203" pitchFamily="50" charset="-127"/>
+                <a:cs typeface="Malgun Gothic Semilight" panose="020B0502040204020203" pitchFamily="50" charset="-127"/>
+              </a:rPr>
+              <a:t>'\n'</a:t>
+            </a:r>
+            <a:r>
+              <a:rPr lang="en-US" altLang="ko-KR" sz="2100" dirty="0">
+                <a:solidFill>
+                  <a:srgbClr val="000000"/>
+                </a:solidFill>
+                <a:latin typeface="Malgun Gothic Semilight" panose="020B0502040204020203" pitchFamily="50" charset="-127"/>
+                <a:ea typeface="Malgun Gothic Semilight" panose="020B0502040204020203" pitchFamily="50" charset="-127"/>
+                <a:cs typeface="Malgun Gothic Semilight" panose="020B0502040204020203" pitchFamily="50" charset="-127"/>
+              </a:rPr>
+              <a:t>;</a:t>
+            </a:r>
+            <a:r>
+              <a:rPr lang="en-US" altLang="ko-KR" sz="2100" dirty="0">
+                <a:solidFill>
+                  <a:srgbClr val="008000"/>
+                </a:solidFill>
+                <a:latin typeface="Malgun Gothic Semilight" panose="020B0502040204020203" pitchFamily="50" charset="-127"/>
+                <a:ea typeface="Malgun Gothic Semilight" panose="020B0502040204020203" pitchFamily="50" charset="-127"/>
+                <a:cs typeface="Malgun Gothic Semilight" panose="020B0502040204020203" pitchFamily="50" charset="-127"/>
+              </a:rPr>
+              <a:t>//pi is              3.141592653589793</a:t>
+            </a:r>
+            <a:endParaRPr lang="en-US" altLang="ko-KR" sz="2100" dirty="0">
+              <a:latin typeface="Malgun Gothic Semilight" panose="020B0502040204020203" pitchFamily="50" charset="-127"/>
+              <a:ea typeface="Malgun Gothic Semilight" panose="020B0502040204020203" pitchFamily="50" charset="-127"/>
+              <a:cs typeface="Malgun Gothic Semilight" panose="020B0502040204020203" pitchFamily="50" charset="-127"/>
+            </a:endParaRPr>
+          </a:p>
+          <a:p>
+            <a:pPr marL="0" indent="0">
+              <a:buNone/>
+            </a:pPr>
+            <a:r>
+              <a:rPr lang="en-US" altLang="ko-KR" dirty="0">
+                <a:solidFill>
+                  <a:srgbClr val="000000"/>
+                </a:solidFill>
+                <a:latin typeface="Malgun Gothic Semilight" panose="020B0502040204020203" pitchFamily="50" charset="-127"/>
+                <a:ea typeface="Malgun Gothic Semilight" panose="020B0502040204020203" pitchFamily="50" charset="-127"/>
+                <a:cs typeface="Malgun Gothic Semilight" panose="020B0502040204020203" pitchFamily="50" charset="-127"/>
+              </a:rPr>
+              <a:t>       </a:t>
+            </a:r>
+            <a:endParaRPr lang="en-US" altLang="ko-KR" sz="1400" dirty="0">
+              <a:solidFill>
+                <a:srgbClr val="000000"/>
+              </a:solidFill>
+              <a:latin typeface="Malgun Gothic Semilight" panose="020B0502040204020203" pitchFamily="50" charset="-127"/>
+              <a:ea typeface="Malgun Gothic Semilight" panose="020B0502040204020203" pitchFamily="50" charset="-127"/>
+              <a:cs typeface="Malgun Gothic Semilight" panose="020B0502040204020203" pitchFamily="50" charset="-127"/>
+            </a:endParaRPr>
+          </a:p>
+          <a:p>
+            <a:pPr marL="0" indent="0">
+              <a:buNone/>
+            </a:pPr>
+            <a:endParaRPr lang="en-US" altLang="ko-KR" dirty="0">
+              <a:latin typeface="Malgun Gothic Semilight" panose="020B0502040204020203" pitchFamily="50" charset="-127"/>
+              <a:ea typeface="Malgun Gothic Semilight" panose="020B0502040204020203" pitchFamily="50" charset="-127"/>
+              <a:cs typeface="Malgun Gothic Semilight" panose="020B0502040204020203" pitchFamily="50" charset="-127"/>
+            </a:endParaRPr>
+          </a:p>
+          <a:p>
+            <a:r>
+              <a:rPr lang="ko-KR" altLang="en-US" sz="2200" dirty="0">
+                <a:latin typeface="Malgun Gothic Semilight" panose="020B0502040204020203" pitchFamily="50" charset="-127"/>
+                <a:ea typeface="Malgun Gothic Semilight" panose="020B0502040204020203" pitchFamily="50" charset="-127"/>
+                <a:cs typeface="Malgun Gothic Semilight" panose="020B0502040204020203" pitchFamily="50" charset="-127"/>
+              </a:rPr>
+              <a:t>정렬 및 </a:t>
+            </a:r>
+            <a:r>
+              <a:rPr lang="en-US" altLang="ko-KR" sz="2200" dirty="0">
+                <a:latin typeface="Malgun Gothic Semilight" panose="020B0502040204020203" pitchFamily="50" charset="-127"/>
+                <a:ea typeface="Malgun Gothic Semilight" panose="020B0502040204020203" pitchFamily="50" charset="-127"/>
+                <a:cs typeface="Malgun Gothic Semilight" panose="020B0502040204020203" pitchFamily="50" charset="-127"/>
+              </a:rPr>
+              <a:t>fill</a:t>
+            </a:r>
+            <a:br>
+              <a:rPr lang="en-US" altLang="ko-KR" dirty="0">
+                <a:latin typeface="Malgun Gothic Semilight" panose="020B0502040204020203" pitchFamily="50" charset="-127"/>
+                <a:ea typeface="Malgun Gothic Semilight" panose="020B0502040204020203" pitchFamily="50" charset="-127"/>
+                <a:cs typeface="Malgun Gothic Semilight" panose="020B0502040204020203" pitchFamily="50" charset="-127"/>
+              </a:rPr>
+            </a:br>
+            <a:br>
+              <a:rPr lang="en-US" altLang="ko-KR" dirty="0">
+                <a:latin typeface="Malgun Gothic Semilight" panose="020B0502040204020203" pitchFamily="50" charset="-127"/>
+                <a:ea typeface="Malgun Gothic Semilight" panose="020B0502040204020203" pitchFamily="50" charset="-127"/>
+                <a:cs typeface="Malgun Gothic Semilight" panose="020B0502040204020203" pitchFamily="50" charset="-127"/>
+              </a:rPr>
+            </a:br>
+            <a:r>
+              <a:rPr lang="en-US" altLang="ko-KR" sz="2100" dirty="0" err="1">
+                <a:solidFill>
+                  <a:srgbClr val="000000"/>
+                </a:solidFill>
+                <a:latin typeface="Malgun Gothic Semilight" panose="020B0502040204020203" pitchFamily="50" charset="-127"/>
+                <a:ea typeface="Malgun Gothic Semilight" panose="020B0502040204020203" pitchFamily="50" charset="-127"/>
+                <a:cs typeface="Malgun Gothic Semilight" panose="020B0502040204020203" pitchFamily="50" charset="-127"/>
+              </a:rPr>
+              <a:t>cout</a:t>
+            </a:r>
+            <a:r>
+              <a:rPr lang="en-US" altLang="ko-KR" sz="2100" dirty="0">
+                <a:solidFill>
+                  <a:srgbClr val="000000"/>
+                </a:solidFill>
+                <a:latin typeface="Malgun Gothic Semilight" panose="020B0502040204020203" pitchFamily="50" charset="-127"/>
+                <a:ea typeface="Malgun Gothic Semilight" panose="020B0502040204020203" pitchFamily="50" charset="-127"/>
+                <a:cs typeface="Malgun Gothic Semilight" panose="020B0502040204020203" pitchFamily="50" charset="-127"/>
+              </a:rPr>
+              <a:t> </a:t>
+            </a:r>
+            <a:r>
+              <a:rPr lang="en-US" altLang="ko-KR" sz="2100" dirty="0">
+                <a:solidFill>
+                  <a:srgbClr val="008080"/>
+                </a:solidFill>
+                <a:latin typeface="Malgun Gothic Semilight" panose="020B0502040204020203" pitchFamily="50" charset="-127"/>
+                <a:ea typeface="Malgun Gothic Semilight" panose="020B0502040204020203" pitchFamily="50" charset="-127"/>
+                <a:cs typeface="Malgun Gothic Semilight" panose="020B0502040204020203" pitchFamily="50" charset="-127"/>
+              </a:rPr>
+              <a:t>&lt;&lt;</a:t>
+            </a:r>
+            <a:r>
+              <a:rPr lang="en-US" altLang="ko-KR" sz="2100" dirty="0">
+                <a:solidFill>
+                  <a:srgbClr val="000000"/>
+                </a:solidFill>
+                <a:latin typeface="Malgun Gothic Semilight" panose="020B0502040204020203" pitchFamily="50" charset="-127"/>
+                <a:ea typeface="Malgun Gothic Semilight" panose="020B0502040204020203" pitchFamily="50" charset="-127"/>
+                <a:cs typeface="Malgun Gothic Semilight" panose="020B0502040204020203" pitchFamily="50" charset="-127"/>
+              </a:rPr>
+              <a:t> </a:t>
+            </a:r>
+            <a:r>
+              <a:rPr lang="en-US" altLang="ko-KR" sz="2100" dirty="0">
+                <a:solidFill>
+                  <a:srgbClr val="A31515"/>
+                </a:solidFill>
+                <a:latin typeface="Malgun Gothic Semilight" panose="020B0502040204020203" pitchFamily="50" charset="-127"/>
+                <a:ea typeface="Malgun Gothic Semilight" panose="020B0502040204020203" pitchFamily="50" charset="-127"/>
+                <a:cs typeface="Malgun Gothic Semilight" panose="020B0502040204020203" pitchFamily="50" charset="-127"/>
+              </a:rPr>
+              <a:t>"pi is "</a:t>
+            </a:r>
+            <a:r>
+              <a:rPr lang="en-US" altLang="ko-KR" sz="2100" dirty="0">
+                <a:solidFill>
+                  <a:srgbClr val="000000"/>
+                </a:solidFill>
+                <a:latin typeface="Malgun Gothic Semilight" panose="020B0502040204020203" pitchFamily="50" charset="-127"/>
+                <a:ea typeface="Malgun Gothic Semilight" panose="020B0502040204020203" pitchFamily="50" charset="-127"/>
+                <a:cs typeface="Malgun Gothic Semilight" panose="020B0502040204020203" pitchFamily="50" charset="-127"/>
+              </a:rPr>
+              <a:t> </a:t>
+            </a:r>
+            <a:r>
+              <a:rPr lang="en-US" altLang="ko-KR" sz="2100" dirty="0">
+                <a:solidFill>
+                  <a:srgbClr val="008080"/>
+                </a:solidFill>
+                <a:latin typeface="Malgun Gothic Semilight" panose="020B0502040204020203" pitchFamily="50" charset="-127"/>
+                <a:ea typeface="Malgun Gothic Semilight" panose="020B0502040204020203" pitchFamily="50" charset="-127"/>
+                <a:cs typeface="Malgun Gothic Semilight" panose="020B0502040204020203" pitchFamily="50" charset="-127"/>
+              </a:rPr>
+              <a:t>&lt;&lt;</a:t>
+            </a:r>
+            <a:r>
+              <a:rPr lang="en-US" altLang="ko-KR" sz="2100" dirty="0">
+                <a:solidFill>
+                  <a:srgbClr val="000000"/>
+                </a:solidFill>
+                <a:latin typeface="Malgun Gothic Semilight" panose="020B0502040204020203" pitchFamily="50" charset="-127"/>
+                <a:ea typeface="Malgun Gothic Semilight" panose="020B0502040204020203" pitchFamily="50" charset="-127"/>
+                <a:cs typeface="Malgun Gothic Semilight" panose="020B0502040204020203" pitchFamily="50" charset="-127"/>
+              </a:rPr>
+              <a:t> </a:t>
+            </a:r>
+            <a:r>
+              <a:rPr lang="en-US" altLang="ko-KR" sz="2100" dirty="0" err="1">
+                <a:solidFill>
+                  <a:srgbClr val="000000"/>
+                </a:solidFill>
+                <a:latin typeface="Malgun Gothic Semilight" panose="020B0502040204020203" pitchFamily="50" charset="-127"/>
+                <a:ea typeface="Malgun Gothic Semilight" panose="020B0502040204020203" pitchFamily="50" charset="-127"/>
+                <a:cs typeface="Malgun Gothic Semilight" panose="020B0502040204020203" pitchFamily="50" charset="-127"/>
+              </a:rPr>
+              <a:t>setfill</a:t>
+            </a:r>
+            <a:r>
+              <a:rPr lang="en-US" altLang="ko-KR" sz="2100" dirty="0">
+                <a:solidFill>
+                  <a:srgbClr val="000000"/>
+                </a:solidFill>
+                <a:latin typeface="Malgun Gothic Semilight" panose="020B0502040204020203" pitchFamily="50" charset="-127"/>
+                <a:ea typeface="Malgun Gothic Semilight" panose="020B0502040204020203" pitchFamily="50" charset="-127"/>
+                <a:cs typeface="Malgun Gothic Semilight" panose="020B0502040204020203" pitchFamily="50" charset="-127"/>
+              </a:rPr>
+              <a:t>(</a:t>
+            </a:r>
+            <a:r>
+              <a:rPr lang="en-US" altLang="ko-KR" sz="2100" dirty="0">
+                <a:solidFill>
+                  <a:srgbClr val="A31515"/>
+                </a:solidFill>
+                <a:latin typeface="Malgun Gothic Semilight" panose="020B0502040204020203" pitchFamily="50" charset="-127"/>
+                <a:ea typeface="Malgun Gothic Semilight" panose="020B0502040204020203" pitchFamily="50" charset="-127"/>
+                <a:cs typeface="Malgun Gothic Semilight" panose="020B0502040204020203" pitchFamily="50" charset="-127"/>
+              </a:rPr>
+              <a:t>'-'</a:t>
+            </a:r>
+            <a:r>
+              <a:rPr lang="en-US" altLang="ko-KR" sz="2100" dirty="0">
+                <a:solidFill>
+                  <a:srgbClr val="000000"/>
+                </a:solidFill>
+                <a:latin typeface="Malgun Gothic Semilight" panose="020B0502040204020203" pitchFamily="50" charset="-127"/>
+                <a:ea typeface="Malgun Gothic Semilight" panose="020B0502040204020203" pitchFamily="50" charset="-127"/>
+                <a:cs typeface="Malgun Gothic Semilight" panose="020B0502040204020203" pitchFamily="50" charset="-127"/>
+              </a:rPr>
+              <a:t>) </a:t>
+            </a:r>
+            <a:r>
+              <a:rPr lang="en-US" altLang="ko-KR" sz="2100" dirty="0">
+                <a:solidFill>
+                  <a:srgbClr val="008080"/>
+                </a:solidFill>
+                <a:latin typeface="Malgun Gothic Semilight" panose="020B0502040204020203" pitchFamily="50" charset="-127"/>
+                <a:ea typeface="Malgun Gothic Semilight" panose="020B0502040204020203" pitchFamily="50" charset="-127"/>
+                <a:cs typeface="Malgun Gothic Semilight" panose="020B0502040204020203" pitchFamily="50" charset="-127"/>
+              </a:rPr>
+              <a:t>&lt;&lt;</a:t>
+            </a:r>
+            <a:r>
+              <a:rPr lang="en-US" altLang="ko-KR" sz="2100" dirty="0">
+                <a:solidFill>
+                  <a:srgbClr val="000000"/>
+                </a:solidFill>
+                <a:latin typeface="Malgun Gothic Semilight" panose="020B0502040204020203" pitchFamily="50" charset="-127"/>
+                <a:ea typeface="Malgun Gothic Semilight" panose="020B0502040204020203" pitchFamily="50" charset="-127"/>
+                <a:cs typeface="Malgun Gothic Semilight" panose="020B0502040204020203" pitchFamily="50" charset="-127"/>
+              </a:rPr>
+              <a:t> left </a:t>
+            </a:r>
+            <a:r>
+              <a:rPr lang="en-US" altLang="ko-KR" sz="2100" dirty="0">
+                <a:solidFill>
+                  <a:srgbClr val="008080"/>
+                </a:solidFill>
+                <a:latin typeface="Malgun Gothic Semilight" panose="020B0502040204020203" pitchFamily="50" charset="-127"/>
+                <a:ea typeface="Malgun Gothic Semilight" panose="020B0502040204020203" pitchFamily="50" charset="-127"/>
+                <a:cs typeface="Malgun Gothic Semilight" panose="020B0502040204020203" pitchFamily="50" charset="-127"/>
+              </a:rPr>
+              <a:t>&lt;&lt;</a:t>
+            </a:r>
+            <a:r>
+              <a:rPr lang="en-US" altLang="ko-KR" sz="2100" dirty="0">
+                <a:solidFill>
+                  <a:srgbClr val="000000"/>
+                </a:solidFill>
+                <a:latin typeface="Malgun Gothic Semilight" panose="020B0502040204020203" pitchFamily="50" charset="-127"/>
+                <a:ea typeface="Malgun Gothic Semilight" panose="020B0502040204020203" pitchFamily="50" charset="-127"/>
+                <a:cs typeface="Malgun Gothic Semilight" panose="020B0502040204020203" pitchFamily="50" charset="-127"/>
+              </a:rPr>
+              <a:t> </a:t>
+            </a:r>
+            <a:r>
+              <a:rPr lang="en-US" altLang="ko-KR" sz="2100" dirty="0" err="1">
+                <a:solidFill>
+                  <a:srgbClr val="000000"/>
+                </a:solidFill>
+                <a:latin typeface="Malgun Gothic Semilight" panose="020B0502040204020203" pitchFamily="50" charset="-127"/>
+                <a:ea typeface="Malgun Gothic Semilight" panose="020B0502040204020203" pitchFamily="50" charset="-127"/>
+                <a:cs typeface="Malgun Gothic Semilight" panose="020B0502040204020203" pitchFamily="50" charset="-127"/>
+              </a:rPr>
+              <a:t>setw</a:t>
+            </a:r>
+            <a:r>
+              <a:rPr lang="en-US" altLang="ko-KR" sz="2100" dirty="0">
+                <a:solidFill>
+                  <a:srgbClr val="000000"/>
+                </a:solidFill>
+                <a:latin typeface="Malgun Gothic Semilight" panose="020B0502040204020203" pitchFamily="50" charset="-127"/>
+                <a:ea typeface="Malgun Gothic Semilight" panose="020B0502040204020203" pitchFamily="50" charset="-127"/>
+                <a:cs typeface="Malgun Gothic Semilight" panose="020B0502040204020203" pitchFamily="50" charset="-127"/>
+              </a:rPr>
+              <a:t>(30) </a:t>
+            </a:r>
+            <a:r>
+              <a:rPr lang="en-US" altLang="ko-KR" sz="2100" dirty="0">
+                <a:solidFill>
+                  <a:srgbClr val="008080"/>
+                </a:solidFill>
+                <a:latin typeface="Malgun Gothic Semilight" panose="020B0502040204020203" pitchFamily="50" charset="-127"/>
+                <a:ea typeface="Malgun Gothic Semilight" panose="020B0502040204020203" pitchFamily="50" charset="-127"/>
+                <a:cs typeface="Malgun Gothic Semilight" panose="020B0502040204020203" pitchFamily="50" charset="-127"/>
+              </a:rPr>
+              <a:t>&lt;&lt;</a:t>
+            </a:r>
+            <a:r>
+              <a:rPr lang="en-US" altLang="ko-KR" sz="2100" dirty="0">
+                <a:solidFill>
+                  <a:srgbClr val="000000"/>
+                </a:solidFill>
+                <a:latin typeface="Malgun Gothic Semilight" panose="020B0502040204020203" pitchFamily="50" charset="-127"/>
+                <a:ea typeface="Malgun Gothic Semilight" panose="020B0502040204020203" pitchFamily="50" charset="-127"/>
+                <a:cs typeface="Malgun Gothic Semilight" panose="020B0502040204020203" pitchFamily="50" charset="-127"/>
+              </a:rPr>
+              <a:t> pi </a:t>
+            </a:r>
+            <a:r>
+              <a:rPr lang="en-US" altLang="ko-KR" sz="2100" dirty="0">
+                <a:solidFill>
+                  <a:srgbClr val="008080"/>
+                </a:solidFill>
+                <a:latin typeface="Malgun Gothic Semilight" panose="020B0502040204020203" pitchFamily="50" charset="-127"/>
+                <a:ea typeface="Malgun Gothic Semilight" panose="020B0502040204020203" pitchFamily="50" charset="-127"/>
+                <a:cs typeface="Malgun Gothic Semilight" panose="020B0502040204020203" pitchFamily="50" charset="-127"/>
+              </a:rPr>
+              <a:t>&lt;&lt;</a:t>
+            </a:r>
+            <a:r>
+              <a:rPr lang="en-US" altLang="ko-KR" sz="2100" dirty="0">
+                <a:solidFill>
+                  <a:srgbClr val="000000"/>
+                </a:solidFill>
+                <a:latin typeface="Malgun Gothic Semilight" panose="020B0502040204020203" pitchFamily="50" charset="-127"/>
+                <a:ea typeface="Malgun Gothic Semilight" panose="020B0502040204020203" pitchFamily="50" charset="-127"/>
+                <a:cs typeface="Malgun Gothic Semilight" panose="020B0502040204020203" pitchFamily="50" charset="-127"/>
+              </a:rPr>
+              <a:t> </a:t>
+            </a:r>
+            <a:r>
+              <a:rPr lang="en-US" altLang="ko-KR" sz="2100" dirty="0">
+                <a:solidFill>
+                  <a:srgbClr val="A31515"/>
+                </a:solidFill>
+                <a:latin typeface="Malgun Gothic Semilight" panose="020B0502040204020203" pitchFamily="50" charset="-127"/>
+                <a:ea typeface="Malgun Gothic Semilight" panose="020B0502040204020203" pitchFamily="50" charset="-127"/>
+                <a:cs typeface="Malgun Gothic Semilight" panose="020B0502040204020203" pitchFamily="50" charset="-127"/>
+              </a:rPr>
+              <a:t>'\n'</a:t>
+            </a:r>
+            <a:r>
+              <a:rPr lang="en-US" altLang="ko-KR" sz="2100" dirty="0">
+                <a:solidFill>
+                  <a:srgbClr val="000000"/>
+                </a:solidFill>
+                <a:latin typeface="Malgun Gothic Semilight" panose="020B0502040204020203" pitchFamily="50" charset="-127"/>
+                <a:ea typeface="Malgun Gothic Semilight" panose="020B0502040204020203" pitchFamily="50" charset="-127"/>
+                <a:cs typeface="Malgun Gothic Semilight" panose="020B0502040204020203" pitchFamily="50" charset="-127"/>
+              </a:rPr>
+              <a:t>;</a:t>
+            </a:r>
+            <a:r>
+              <a:rPr lang="en-US" altLang="ko-KR" sz="2100" dirty="0">
+                <a:solidFill>
+                  <a:srgbClr val="008000"/>
+                </a:solidFill>
+                <a:latin typeface="Malgun Gothic Semilight" panose="020B0502040204020203" pitchFamily="50" charset="-127"/>
+                <a:ea typeface="Malgun Gothic Semilight" panose="020B0502040204020203" pitchFamily="50" charset="-127"/>
+                <a:cs typeface="Malgun Gothic Semilight" panose="020B0502040204020203" pitchFamily="50" charset="-127"/>
+              </a:rPr>
+              <a:t>//pi is 3.141592653589793-------------</a:t>
+            </a:r>
+            <a:endParaRPr lang="en-US" altLang="ko-KR" sz="2100" dirty="0">
+              <a:latin typeface="Malgun Gothic Semilight" panose="020B0502040204020203" pitchFamily="50" charset="-127"/>
+              <a:ea typeface="Malgun Gothic Semilight" panose="020B0502040204020203" pitchFamily="50" charset="-127"/>
+              <a:cs typeface="Malgun Gothic Semilight" panose="020B0502040204020203" pitchFamily="50" charset="-127"/>
+            </a:endParaRPr>
+          </a:p>
+          <a:p>
+            <a:pPr marL="0" indent="0">
+              <a:buNone/>
+            </a:pPr>
+            <a:r>
+              <a:rPr lang="en-US" altLang="ko-KR" sz="1400" dirty="0">
+                <a:solidFill>
+                  <a:srgbClr val="000000"/>
+                </a:solidFill>
+                <a:latin typeface="Malgun Gothic Semilight" panose="020B0502040204020203" pitchFamily="50" charset="-127"/>
+                <a:ea typeface="Malgun Gothic Semilight" panose="020B0502040204020203" pitchFamily="50" charset="-127"/>
+                <a:cs typeface="Malgun Gothic Semilight" panose="020B0502040204020203" pitchFamily="50" charset="-127"/>
+              </a:rPr>
+              <a:t>	</a:t>
+            </a:r>
+          </a:p>
+          <a:p>
+            <a:pPr marL="0" indent="0">
+              <a:buNone/>
+            </a:pPr>
+            <a:endParaRPr lang="en-US" altLang="ko-KR" dirty="0">
+              <a:latin typeface="Malgun Gothic Semilight" panose="020B0502040204020203" pitchFamily="50" charset="-127"/>
+              <a:ea typeface="Malgun Gothic Semilight" panose="020B0502040204020203" pitchFamily="50" charset="-127"/>
+              <a:cs typeface="Malgun Gothic Semilight" panose="020B0502040204020203" pitchFamily="50" charset="-127"/>
+            </a:endParaRPr>
+          </a:p>
+          <a:p>
+            <a:r>
+              <a:rPr lang="ko-KR" altLang="en-US" sz="2200" dirty="0">
+                <a:latin typeface="Malgun Gothic Semilight" panose="020B0502040204020203" pitchFamily="50" charset="-127"/>
+                <a:ea typeface="Malgun Gothic Semilight" panose="020B0502040204020203" pitchFamily="50" charset="-127"/>
+                <a:cs typeface="Malgun Gothic Semilight" panose="020B0502040204020203" pitchFamily="50" charset="-127"/>
+              </a:rPr>
+              <a:t>과학적 표기</a:t>
+            </a:r>
+            <a:endParaRPr lang="en-US" altLang="ko-KR" sz="2200" dirty="0">
+              <a:latin typeface="Malgun Gothic Semilight" panose="020B0502040204020203" pitchFamily="50" charset="-127"/>
+              <a:ea typeface="Malgun Gothic Semilight" panose="020B0502040204020203" pitchFamily="50" charset="-127"/>
+              <a:cs typeface="Malgun Gothic Semilight" panose="020B0502040204020203" pitchFamily="50" charset="-127"/>
+            </a:endParaRPr>
+          </a:p>
+          <a:p>
+            <a:pPr marL="324000" lvl="1">
+              <a:buNone/>
+            </a:pPr>
+            <a:r>
+              <a:rPr lang="en-US" altLang="ko-KR" sz="2100" dirty="0" err="1">
+                <a:solidFill>
+                  <a:srgbClr val="000000"/>
+                </a:solidFill>
+                <a:latin typeface="돋움체" panose="020B0609000101010101" pitchFamily="49" charset="-127"/>
+                <a:ea typeface="돋움체" panose="020B0609000101010101" pitchFamily="49" charset="-127"/>
+              </a:rPr>
+              <a:t>cout.setf</a:t>
+            </a:r>
+            <a:r>
+              <a:rPr lang="en-US" altLang="ko-KR" sz="2100" dirty="0">
+                <a:solidFill>
+                  <a:srgbClr val="000000"/>
+                </a:solidFill>
+                <a:latin typeface="돋움체" panose="020B0609000101010101" pitchFamily="49" charset="-127"/>
+                <a:ea typeface="돋움체" panose="020B0609000101010101" pitchFamily="49" charset="-127"/>
+              </a:rPr>
+              <a:t>(</a:t>
+            </a:r>
+            <a:r>
+              <a:rPr lang="en-US" altLang="ko-KR" sz="2100" dirty="0" err="1">
+                <a:solidFill>
+                  <a:srgbClr val="2B91AF"/>
+                </a:solidFill>
+                <a:latin typeface="돋움체" panose="020B0609000101010101" pitchFamily="49" charset="-127"/>
+                <a:ea typeface="돋움체" panose="020B0609000101010101" pitchFamily="49" charset="-127"/>
+              </a:rPr>
+              <a:t>ios_base</a:t>
+            </a:r>
+            <a:r>
+              <a:rPr lang="en-US" altLang="ko-KR" sz="2100" dirty="0">
+                <a:solidFill>
+                  <a:srgbClr val="000000"/>
+                </a:solidFill>
+                <a:latin typeface="돋움체" panose="020B0609000101010101" pitchFamily="49" charset="-127"/>
+                <a:ea typeface="돋움체" panose="020B0609000101010101" pitchFamily="49" charset="-127"/>
+              </a:rPr>
+              <a:t>::</a:t>
+            </a:r>
+            <a:r>
+              <a:rPr lang="en-US" altLang="ko-KR" sz="2100" dirty="0" err="1">
+                <a:solidFill>
+                  <a:srgbClr val="000000"/>
+                </a:solidFill>
+                <a:latin typeface="돋움체" panose="020B0609000101010101" pitchFamily="49" charset="-127"/>
+                <a:ea typeface="돋움체" panose="020B0609000101010101" pitchFamily="49" charset="-127"/>
+              </a:rPr>
+              <a:t>showpos</a:t>
+            </a:r>
+            <a:r>
+              <a:rPr lang="en-US" altLang="ko-KR" sz="2100" dirty="0">
+                <a:solidFill>
+                  <a:srgbClr val="000000"/>
+                </a:solidFill>
+                <a:latin typeface="돋움체" panose="020B0609000101010101" pitchFamily="49" charset="-127"/>
+                <a:ea typeface="돋움체" panose="020B0609000101010101" pitchFamily="49" charset="-127"/>
+              </a:rPr>
+              <a:t>);</a:t>
+            </a:r>
+            <a:r>
+              <a:rPr lang="en-US" altLang="ko-KR" sz="2100" dirty="0">
+                <a:solidFill>
+                  <a:srgbClr val="008000"/>
+                </a:solidFill>
+                <a:latin typeface="돋움체" panose="020B0609000101010101" pitchFamily="49" charset="-127"/>
+                <a:ea typeface="돋움체" panose="020B0609000101010101" pitchFamily="49" charset="-127"/>
+              </a:rPr>
+              <a:t>//</a:t>
+            </a:r>
+            <a:r>
+              <a:rPr lang="ko-KR" altLang="en-US" sz="2100" dirty="0">
+                <a:solidFill>
+                  <a:srgbClr val="008000"/>
+                </a:solidFill>
+                <a:latin typeface="돋움체" panose="020B0609000101010101" pitchFamily="49" charset="-127"/>
+                <a:ea typeface="돋움체" panose="020B0609000101010101" pitchFamily="49" charset="-127"/>
+              </a:rPr>
+              <a:t>앞으로 양수에도 부호를 표시</a:t>
+            </a:r>
+            <a:endParaRPr lang="en-US" altLang="ko-KR" sz="2100" dirty="0">
+              <a:solidFill>
+                <a:srgbClr val="008000"/>
+              </a:solidFill>
+              <a:latin typeface="돋움체" panose="020B0609000101010101" pitchFamily="49" charset="-127"/>
+              <a:ea typeface="돋움체" panose="020B0609000101010101" pitchFamily="49" charset="-127"/>
+            </a:endParaRPr>
+          </a:p>
+          <a:p>
+            <a:pPr marL="324000" lvl="1">
+              <a:buNone/>
+            </a:pPr>
+            <a:endParaRPr lang="en-US" altLang="ko-KR" sz="2100" dirty="0">
+              <a:solidFill>
+                <a:srgbClr val="008000"/>
+              </a:solidFill>
+              <a:latin typeface="돋움체" panose="020B0609000101010101" pitchFamily="49" charset="-127"/>
+              <a:ea typeface="돋움체" panose="020B0609000101010101" pitchFamily="49" charset="-127"/>
+            </a:endParaRPr>
+          </a:p>
+          <a:p>
+            <a:pPr marL="324000" lvl="1">
+              <a:buNone/>
+            </a:pPr>
+            <a:r>
+              <a:rPr lang="en-US" altLang="ko-KR" sz="2100" dirty="0" err="1">
+                <a:solidFill>
+                  <a:srgbClr val="000000"/>
+                </a:solidFill>
+                <a:latin typeface="돋움체" panose="020B0609000101010101" pitchFamily="49" charset="-127"/>
+                <a:ea typeface="돋움체" panose="020B0609000101010101" pitchFamily="49" charset="-127"/>
+              </a:rPr>
+              <a:t>cout</a:t>
+            </a:r>
+            <a:r>
+              <a:rPr lang="en-US" altLang="ko-KR" sz="2100" dirty="0">
+                <a:solidFill>
+                  <a:srgbClr val="000000"/>
+                </a:solidFill>
+                <a:latin typeface="돋움체" panose="020B0609000101010101" pitchFamily="49" charset="-127"/>
+                <a:ea typeface="돋움체" panose="020B0609000101010101" pitchFamily="49" charset="-127"/>
+              </a:rPr>
+              <a:t> </a:t>
+            </a:r>
+            <a:r>
+              <a:rPr lang="en-US" altLang="ko-KR" sz="2100" dirty="0">
+                <a:solidFill>
+                  <a:srgbClr val="008080"/>
+                </a:solidFill>
+                <a:latin typeface="돋움체" panose="020B0609000101010101" pitchFamily="49" charset="-127"/>
+                <a:ea typeface="돋움체" panose="020B0609000101010101" pitchFamily="49" charset="-127"/>
+              </a:rPr>
+              <a:t>&lt;&lt;</a:t>
+            </a:r>
+            <a:r>
+              <a:rPr lang="en-US" altLang="ko-KR" sz="2100" dirty="0">
+                <a:solidFill>
+                  <a:srgbClr val="000000"/>
+                </a:solidFill>
+                <a:latin typeface="돋움체" panose="020B0609000101010101" pitchFamily="49" charset="-127"/>
+                <a:ea typeface="돋움체" panose="020B0609000101010101" pitchFamily="49" charset="-127"/>
+              </a:rPr>
+              <a:t> </a:t>
+            </a:r>
+            <a:r>
+              <a:rPr lang="en-US" altLang="ko-KR" sz="2100" dirty="0">
+                <a:solidFill>
+                  <a:srgbClr val="A31515"/>
+                </a:solidFill>
+                <a:latin typeface="돋움체" panose="020B0609000101010101" pitchFamily="49" charset="-127"/>
+                <a:ea typeface="돋움체" panose="020B0609000101010101" pitchFamily="49" charset="-127"/>
+              </a:rPr>
+              <a:t>"pi is "</a:t>
+            </a:r>
+            <a:r>
+              <a:rPr lang="en-US" altLang="ko-KR" sz="2100" dirty="0">
+                <a:solidFill>
+                  <a:srgbClr val="000000"/>
+                </a:solidFill>
+                <a:latin typeface="돋움체" panose="020B0609000101010101" pitchFamily="49" charset="-127"/>
+                <a:ea typeface="돋움체" panose="020B0609000101010101" pitchFamily="49" charset="-127"/>
+              </a:rPr>
+              <a:t> </a:t>
+            </a:r>
+            <a:r>
+              <a:rPr lang="en-US" altLang="ko-KR" sz="2100" dirty="0">
+                <a:solidFill>
+                  <a:srgbClr val="008080"/>
+                </a:solidFill>
+                <a:latin typeface="돋움체" panose="020B0609000101010101" pitchFamily="49" charset="-127"/>
+                <a:ea typeface="돋움체" panose="020B0609000101010101" pitchFamily="49" charset="-127"/>
+              </a:rPr>
+              <a:t>&lt;&lt;</a:t>
+            </a:r>
+            <a:r>
+              <a:rPr lang="en-US" altLang="ko-KR" sz="2100" dirty="0">
+                <a:solidFill>
+                  <a:srgbClr val="000000"/>
+                </a:solidFill>
+                <a:latin typeface="돋움체" panose="020B0609000101010101" pitchFamily="49" charset="-127"/>
+                <a:ea typeface="돋움체" panose="020B0609000101010101" pitchFamily="49" charset="-127"/>
+              </a:rPr>
+              <a:t> scientific </a:t>
+            </a:r>
+            <a:r>
+              <a:rPr lang="en-US" altLang="ko-KR" sz="2100" dirty="0">
+                <a:solidFill>
+                  <a:srgbClr val="008080"/>
+                </a:solidFill>
+                <a:latin typeface="돋움체" panose="020B0609000101010101" pitchFamily="49" charset="-127"/>
+                <a:ea typeface="돋움체" panose="020B0609000101010101" pitchFamily="49" charset="-127"/>
+              </a:rPr>
+              <a:t>&lt;&lt;</a:t>
+            </a:r>
+            <a:r>
+              <a:rPr lang="en-US" altLang="ko-KR" sz="2100" dirty="0">
+                <a:solidFill>
+                  <a:srgbClr val="000000"/>
+                </a:solidFill>
+                <a:latin typeface="돋움체" panose="020B0609000101010101" pitchFamily="49" charset="-127"/>
+                <a:ea typeface="돋움체" panose="020B0609000101010101" pitchFamily="49" charset="-127"/>
+              </a:rPr>
+              <a:t> pi </a:t>
+            </a:r>
+            <a:r>
+              <a:rPr lang="en-US" altLang="ko-KR" sz="2100" dirty="0">
+                <a:solidFill>
+                  <a:srgbClr val="008080"/>
+                </a:solidFill>
+                <a:latin typeface="돋움체" panose="020B0609000101010101" pitchFamily="49" charset="-127"/>
+                <a:ea typeface="돋움체" panose="020B0609000101010101" pitchFamily="49" charset="-127"/>
+              </a:rPr>
+              <a:t>&lt;&lt;</a:t>
+            </a:r>
+            <a:r>
+              <a:rPr lang="en-US" altLang="ko-KR" sz="2100" dirty="0">
+                <a:solidFill>
+                  <a:srgbClr val="000000"/>
+                </a:solidFill>
+                <a:latin typeface="돋움체" panose="020B0609000101010101" pitchFamily="49" charset="-127"/>
+                <a:ea typeface="돋움체" panose="020B0609000101010101" pitchFamily="49" charset="-127"/>
+              </a:rPr>
+              <a:t> </a:t>
+            </a:r>
+            <a:r>
+              <a:rPr lang="en-US" altLang="ko-KR" sz="2100" dirty="0">
+                <a:solidFill>
+                  <a:srgbClr val="A31515"/>
+                </a:solidFill>
+                <a:latin typeface="돋움체" panose="020B0609000101010101" pitchFamily="49" charset="-127"/>
+                <a:ea typeface="돋움체" panose="020B0609000101010101" pitchFamily="49" charset="-127"/>
+              </a:rPr>
+              <a:t>'\n'</a:t>
+            </a:r>
+            <a:r>
+              <a:rPr lang="en-US" altLang="ko-KR" sz="2100" dirty="0">
+                <a:solidFill>
+                  <a:srgbClr val="000000"/>
+                </a:solidFill>
+                <a:latin typeface="돋움체" panose="020B0609000101010101" pitchFamily="49" charset="-127"/>
+                <a:ea typeface="돋움체" panose="020B0609000101010101" pitchFamily="49" charset="-127"/>
+              </a:rPr>
+              <a:t>;</a:t>
+            </a:r>
+            <a:r>
+              <a:rPr lang="en-US" altLang="ko-KR" sz="2100" dirty="0">
+                <a:solidFill>
+                  <a:srgbClr val="008000"/>
+                </a:solidFill>
+                <a:latin typeface="돋움체" panose="020B0609000101010101" pitchFamily="49" charset="-127"/>
+                <a:ea typeface="돋움체" panose="020B0609000101010101" pitchFamily="49" charset="-127"/>
+              </a:rPr>
+              <a:t>//pi is+3.1415926535897931e+00</a:t>
+            </a:r>
+            <a:endParaRPr lang="en-US" altLang="ko-KR" sz="2100" dirty="0">
+              <a:latin typeface="Malgun Gothic Semilight" panose="020B0502040204020203" pitchFamily="50" charset="-127"/>
+              <a:ea typeface="Malgun Gothic Semilight" panose="020B0502040204020203" pitchFamily="50" charset="-127"/>
+              <a:cs typeface="Malgun Gothic Semilight" panose="020B0502040204020203" pitchFamily="50" charset="-127"/>
+            </a:endParaRPr>
+          </a:p>
+          <a:p>
+            <a:pPr marL="0" indent="0">
+              <a:buNone/>
+            </a:pPr>
+            <a:r>
+              <a:rPr lang="en-US" altLang="ko-KR" dirty="0">
+                <a:latin typeface="Malgun Gothic Semilight" panose="020B0502040204020203" pitchFamily="50" charset="-127"/>
+                <a:ea typeface="Malgun Gothic Semilight" panose="020B0502040204020203" pitchFamily="50" charset="-127"/>
+                <a:cs typeface="Malgun Gothic Semilight" panose="020B0502040204020203" pitchFamily="50" charset="-127"/>
+              </a:rPr>
+              <a:t>	</a:t>
+            </a:r>
+            <a:br>
+              <a:rPr lang="en-US" altLang="ko-KR" dirty="0">
+                <a:latin typeface="Malgun Gothic Semilight" panose="020B0502040204020203" pitchFamily="50" charset="-127"/>
+                <a:ea typeface="Malgun Gothic Semilight" panose="020B0502040204020203" pitchFamily="50" charset="-127"/>
+                <a:cs typeface="Malgun Gothic Semilight" panose="020B0502040204020203" pitchFamily="50" charset="-127"/>
+              </a:rPr>
+            </a:br>
+            <a:endParaRPr lang="en-US" altLang="ko-KR" dirty="0">
+              <a:latin typeface="Malgun Gothic Semilight" panose="020B0502040204020203" pitchFamily="50" charset="-127"/>
+              <a:ea typeface="Malgun Gothic Semilight" panose="020B0502040204020203" pitchFamily="50" charset="-127"/>
+              <a:cs typeface="Malgun Gothic Semilight" panose="020B0502040204020203" pitchFamily="50" charset="-127"/>
+            </a:endParaRPr>
+          </a:p>
+        </p:txBody>
+      </p:sp>
+    </p:spTree>
+    <p:extLst>
+      <p:ext uri="{BB962C8B-B14F-4D97-AF65-F5344CB8AC3E}">
+        <p14:creationId xmlns:p14="http://schemas.microsoft.com/office/powerpoint/2010/main" val="1362530110"/>
       </p:ext>
     </p:extLst>
   </p:cSld>
@@ -14787,12 +19153,12 @@
 </file>
 
 <file path=customXml/item1.xml><?xml version="1.0" encoding="utf-8"?>
-<?mso-contentType ?>
-<FormTemplates xmlns="http://schemas.microsoft.com/sharepoint/v3/contenttype/forms">
-  <Display>DocumentLibraryForm</Display>
-  <Edit>DocumentLibraryForm</Edit>
-  <New>DocumentLibraryForm</New>
-</FormTemplates>
+<p:properties xmlns:p="http://schemas.microsoft.com/office/2006/metadata/properties" xmlns:xsi="http://www.w3.org/2001/XMLSchema-instance" xmlns:pc="http://schemas.microsoft.com/office/infopath/2007/PartnerControls">
+  <documentManagement>
+    <Status xmlns="71af3243-3dd4-4a8d-8c0d-dd76da1f02a5">Not started</Status>
+    <MediaServiceKeyPoints xmlns="71af3243-3dd4-4a8d-8c0d-dd76da1f02a5" xsi:nil="true"/>
+  </documentManagement>
+</p:properties>
 </file>
 
 <file path=customXml/item2.xml><?xml version="1.0" encoding="utf-8"?>
@@ -15017,18 +19383,20 @@
 </file>
 
 <file path=customXml/item3.xml><?xml version="1.0" encoding="utf-8"?>
-<p:properties xmlns:p="http://schemas.microsoft.com/office/2006/metadata/properties" xmlns:xsi="http://www.w3.org/2001/XMLSchema-instance" xmlns:pc="http://schemas.microsoft.com/office/infopath/2007/PartnerControls">
-  <documentManagement>
-    <Status xmlns="71af3243-3dd4-4a8d-8c0d-dd76da1f02a5">Not started</Status>
-    <MediaServiceKeyPoints xmlns="71af3243-3dd4-4a8d-8c0d-dd76da1f02a5" xsi:nil="true"/>
-  </documentManagement>
-</p:properties>
+<?mso-contentType ?>
+<FormTemplates xmlns="http://schemas.microsoft.com/sharepoint/v3/contenttype/forms">
+  <Display>DocumentLibraryForm</Display>
+  <Edit>DocumentLibraryForm</Edit>
+  <New>DocumentLibraryForm</New>
+</FormTemplates>
 </file>
 
 <file path=customXml/itemProps1.xml><?xml version="1.0" encoding="utf-8"?>
-<ds:datastoreItem xmlns:ds="http://schemas.openxmlformats.org/officeDocument/2006/customXml" ds:itemID="{8435A0B9-5F49-415F-9BEE-591FDACE98D1}">
+<ds:datastoreItem xmlns:ds="http://schemas.openxmlformats.org/officeDocument/2006/customXml" ds:itemID="{ADC43B05-D266-4257-98DE-FF9D8CEDAE76}">
   <ds:schemaRefs>
-    <ds:schemaRef ds:uri="http://schemas.microsoft.com/sharepoint/v3/contenttype/forms"/>
+    <ds:schemaRef ds:uri="http://schemas.microsoft.com/office/2006/metadata/properties"/>
+    <ds:schemaRef ds:uri="http://schemas.microsoft.com/office/infopath/2007/PartnerControls"/>
+    <ds:schemaRef ds:uri="71af3243-3dd4-4a8d-8c0d-dd76da1f02a5"/>
   </ds:schemaRefs>
 </ds:datastoreItem>
 </file>
@@ -15053,11 +19421,9 @@
 </file>
 
 <file path=customXml/itemProps3.xml><?xml version="1.0" encoding="utf-8"?>
-<ds:datastoreItem xmlns:ds="http://schemas.openxmlformats.org/officeDocument/2006/customXml" ds:itemID="{ADC43B05-D266-4257-98DE-FF9D8CEDAE76}">
+<ds:datastoreItem xmlns:ds="http://schemas.openxmlformats.org/officeDocument/2006/customXml" ds:itemID="{8435A0B9-5F49-415F-9BEE-591FDACE98D1}">
   <ds:schemaRefs>
-    <ds:schemaRef ds:uri="http://schemas.microsoft.com/office/2006/metadata/properties"/>
-    <ds:schemaRef ds:uri="http://schemas.microsoft.com/office/infopath/2007/PartnerControls"/>
-    <ds:schemaRef ds:uri="71af3243-3dd4-4a8d-8c0d-dd76da1f02a5"/>
+    <ds:schemaRef ds:uri="http://schemas.microsoft.com/sharepoint/v3/contenttype/forms"/>
   </ds:schemaRefs>
 </ds:datastoreItem>
 </file>
--- a/1st/[ModernCpp]1st.pptx
+++ b/1st/[ModernCpp]1st.pptx
@@ -232,7 +232,7 @@
                 <a:latin typeface="맑은 고딕" panose="020B0503020000020004" pitchFamily="50" charset="-127"/>
                 <a:ea typeface="맑은 고딕" panose="020B0503020000020004" pitchFamily="50" charset="-127"/>
               </a:rPr>
-              <a:t>2021-05-23</a:t>
+              <a:t>2021-05-24</a:t>
             </a:fld>
             <a:endParaRPr lang="ko-KR" altLang="en-US" noProof="1">
               <a:latin typeface="맑은 고딕" panose="020B0503020000020004" pitchFamily="50" charset="-127"/>
@@ -430,7 +430,7 @@
           <a:p>
             <a:fld id="{E1FD49E4-4598-4E6D-A4E7-609CDCD382BA}" type="datetime1">
               <a:rPr lang="ko-KR" altLang="en-US" noProof="1" smtClean="0"/>
-              <a:t>2021-05-23</a:t>
+              <a:t>2021-05-24</a:t>
             </a:fld>
             <a:endParaRPr lang="ko-KR" altLang="en-US" noProof="1"/>
           </a:p>
@@ -1814,7 +1814,7 @@
           <a:p>
             <a:fld id="{0B54A9C8-BA70-4B48-95E6-45E856F36760}" type="datetime1">
               <a:rPr lang="ko-KR" altLang="en-US" noProof="1" smtClean="0"/>
-              <a:t>2021-05-23</a:t>
+              <a:t>2021-05-24</a:t>
             </a:fld>
             <a:endParaRPr lang="ko-KR" altLang="en-US" noProof="1"/>
           </a:p>
@@ -1993,7 +1993,7 @@
           <a:p>
             <a:fld id="{938A1676-6EC2-44D1-A2DF-86C4DC62DF04}" type="datetime1">
               <a:rPr lang="ko-KR" altLang="en-US" noProof="1" smtClean="0"/>
-              <a:t>2021-05-23</a:t>
+              <a:t>2021-05-24</a:t>
             </a:fld>
             <a:endParaRPr lang="ko-KR" altLang="en-US" noProof="1"/>
           </a:p>
@@ -2470,7 +2470,7 @@
           <a:p>
             <a:fld id="{9B7F9021-0BB2-460F-937F-BCBDB2AC1996}" type="datetime1">
               <a:rPr lang="ko-KR" altLang="en-US" noProof="1" smtClean="0"/>
-              <a:t>2021-05-23</a:t>
+              <a:t>2021-05-24</a:t>
             </a:fld>
             <a:endParaRPr lang="ko-KR" altLang="en-US" noProof="1"/>
           </a:p>
@@ -3000,7 +3000,7 @@
           <a:p>
             <a:fld id="{FF634A02-0D94-4530-89BB-D2D454250511}" type="datetime1">
               <a:rPr lang="ko-KR" altLang="en-US" noProof="1" smtClean="0"/>
-              <a:t>2021-05-23</a:t>
+              <a:t>2021-05-24</a:t>
             </a:fld>
             <a:endParaRPr lang="ko-KR" altLang="en-US" noProof="1"/>
           </a:p>
@@ -3513,7 +3513,7 @@
             <a:pPr rtl="0"/>
             <a:fld id="{FA171D24-B9F8-4062-BF5C-53936FCAA97C}" type="datetime1">
               <a:rPr lang="ko-KR" altLang="en-US" noProof="1" smtClean="0"/>
-              <a:t>2021-05-23</a:t>
+              <a:t>2021-05-24</a:t>
             </a:fld>
             <a:endParaRPr lang="ko-KR" altLang="en-US" noProof="1"/>
           </a:p>
@@ -3762,7 +3762,7 @@
           <a:p>
             <a:fld id="{335F7840-18EC-4C69-BD04-F06CF802B6A4}" type="datetime1">
               <a:rPr lang="ko-KR" altLang="en-US" noProof="1" smtClean="0"/>
-              <a:t>2021-05-23</a:t>
+              <a:t>2021-05-24</a:t>
             </a:fld>
             <a:endParaRPr lang="ko-KR" altLang="en-US" noProof="1"/>
           </a:p>
@@ -4545,7 +4545,7 @@
           <a:p>
             <a:fld id="{F4AD115A-45C9-40C1-A582-B0BD24482304}" type="datetime1">
               <a:rPr lang="ko-KR" altLang="en-US" noProof="1" smtClean="0"/>
-              <a:t>2021-05-23</a:t>
+              <a:t>2021-05-24</a:t>
             </a:fld>
             <a:endParaRPr lang="ko-KR" altLang="en-US" noProof="1"/>
           </a:p>
@@ -4934,7 +4934,7 @@
           <a:p>
             <a:fld id="{B2479F49-6E7A-454B-84ED-9681F655C86B}" type="datetime1">
               <a:rPr lang="ko-KR" altLang="en-US" noProof="1" smtClean="0"/>
-              <a:t>2021-05-23</a:t>
+              <a:t>2021-05-24</a:t>
             </a:fld>
             <a:endParaRPr lang="ko-KR" altLang="en-US" noProof="1"/>
           </a:p>
@@ -5573,7 +5573,7 @@
           <a:p>
             <a:fld id="{122D1E9F-E6A0-49D1-8DEF-C6B1B027799D}" type="datetime1">
               <a:rPr lang="ko-KR" altLang="en-US" noProof="1" smtClean="0"/>
-              <a:t>2021-05-23</a:t>
+              <a:t>2021-05-24</a:t>
             </a:fld>
             <a:endParaRPr lang="ko-KR" altLang="en-US" noProof="1"/>
           </a:p>
@@ -5971,7 +5971,7 @@
           <a:p>
             <a:fld id="{5F451D80-7668-4748-B8EA-A22A4A431D43}" type="datetime1">
               <a:rPr lang="ko-KR" altLang="en-US" noProof="1" smtClean="0"/>
-              <a:t>2021-05-23</a:t>
+              <a:t>2021-05-24</a:t>
             </a:fld>
             <a:endParaRPr lang="ko-KR" altLang="en-US" noProof="1"/>
           </a:p>
@@ -6407,7 +6407,7 @@
           <a:p>
             <a:fld id="{F2946A5D-DE14-4244-B0F2-802DE334AAD0}" type="datetime1">
               <a:rPr lang="ko-KR" altLang="en-US" noProof="1" smtClean="0"/>
-              <a:t>2021-05-23</a:t>
+              <a:t>2021-05-24</a:t>
             </a:fld>
             <a:endParaRPr lang="ko-KR" altLang="en-US" noProof="1"/>
           </a:p>
@@ -6762,7 +6762,7 @@
           <a:p>
             <a:fld id="{51BD6E70-7DF4-4FDB-8095-7C5D5BD44452}" type="datetime1">
               <a:rPr lang="ko-KR" altLang="en-US" noProof="1" smtClean="0"/>
-              <a:t>2021-05-23</a:t>
+              <a:t>2021-05-24</a:t>
             </a:fld>
             <a:endParaRPr lang="ko-KR" altLang="en-US" noProof="1"/>
           </a:p>
@@ -7314,7 +7314,7 @@
           <a:p>
             <a:fld id="{396E87A6-9E32-4D89-B930-5FFC15180104}" type="datetime1">
               <a:rPr lang="ko-KR" altLang="en-US" noProof="1" smtClean="0"/>
-              <a:t>2021-05-23</a:t>
+              <a:t>2021-05-24</a:t>
             </a:fld>
             <a:endParaRPr lang="ko-KR" altLang="en-US" noProof="1"/>
           </a:p>
@@ -7641,7 +7641,7 @@
           <a:p>
             <a:fld id="{50CBE6E2-341C-40E0-A2FA-072549F49128}" type="datetime1">
               <a:rPr lang="ko-KR" altLang="en-US" noProof="1" smtClean="0"/>
-              <a:t>2021-05-23</a:t>
+              <a:t>2021-05-24</a:t>
             </a:fld>
             <a:endParaRPr lang="ko-KR" altLang="en-US" noProof="1"/>
           </a:p>
@@ -7850,7 +7850,7 @@
           <a:p>
             <a:fld id="{880BD98A-63B9-4719-840D-A81076C1799E}" type="datetime1">
               <a:rPr lang="ko-KR" altLang="en-US" noProof="1" smtClean="0"/>
-              <a:t>2021-05-23</a:t>
+              <a:t>2021-05-24</a:t>
             </a:fld>
             <a:endParaRPr lang="ko-KR" altLang="en-US" noProof="1"/>
           </a:p>
@@ -8087,7 +8087,7 @@
           <a:p>
             <a:fld id="{2DD75E35-6548-4B07-93E8-54893E945DC7}" type="datetime1">
               <a:rPr lang="ko-KR" altLang="en-US" noProof="1" smtClean="0"/>
-              <a:t>2021-05-23</a:t>
+              <a:t>2021-05-24</a:t>
             </a:fld>
             <a:endParaRPr lang="ko-KR" altLang="en-US" noProof="1"/>
           </a:p>
@@ -8562,7 +8562,7 @@
           <a:p>
             <a:fld id="{64163D32-71D9-452E-B996-1BBCCC0ADD0C}" type="datetime1">
               <a:rPr lang="ko-KR" altLang="en-US" noProof="1" smtClean="0"/>
-              <a:t>2021-05-23</a:t>
+              <a:t>2021-05-24</a:t>
             </a:fld>
             <a:endParaRPr lang="ko-KR" altLang="en-US" noProof="1"/>
           </a:p>
@@ -13505,7 +13505,9 @@
           </a:xfrm>
         </p:spPr>
         <p:txBody>
-          <a:bodyPr/>
+          <a:bodyPr>
+            <a:normAutofit fontScale="92500" lnSpcReduction="20000"/>
+          </a:bodyPr>
           <a:lstStyle/>
           <a:p>
             <a:pPr>
@@ -13589,6 +13591,394 @@
               <a:rPr lang="en-US" altLang="ko-KR" sz="1600" dirty="0"/>
               <a:t> &lt;&lt; “ “;</a:t>
             </a:r>
+          </a:p>
+          <a:p>
+            <a:pPr>
+              <a:lnSpc>
+                <a:spcPct val="150000"/>
+              </a:lnSpc>
+            </a:pPr>
+            <a:endParaRPr lang="en-US" altLang="ko-KR" sz="1600" dirty="0"/>
+          </a:p>
+          <a:p>
+            <a:pPr>
+              <a:lnSpc>
+                <a:spcPct val="150000"/>
+              </a:lnSpc>
+            </a:pPr>
+            <a:r>
+              <a:rPr lang="en-US" altLang="ko-KR" sz="1600" dirty="0"/>
+              <a:t>Example</a:t>
+            </a:r>
+          </a:p>
+          <a:p>
+            <a:pPr marL="324000" lvl="1">
+              <a:lnSpc>
+                <a:spcPct val="150000"/>
+              </a:lnSpc>
+              <a:buNone/>
+            </a:pPr>
+            <a:r>
+              <a:rPr lang="en-US" altLang="ko-KR" dirty="0">
+                <a:solidFill>
+                  <a:srgbClr val="0000FF"/>
+                </a:solidFill>
+                <a:latin typeface="Consolas" panose="020B0609020204030204" pitchFamily="49" charset="0"/>
+              </a:rPr>
+              <a:t>double</a:t>
+            </a:r>
+            <a:r>
+              <a:rPr lang="en-US" altLang="ko-KR" dirty="0">
+                <a:solidFill>
+                  <a:srgbClr val="000000"/>
+                </a:solidFill>
+                <a:latin typeface="Consolas" panose="020B0609020204030204" pitchFamily="49" charset="0"/>
+              </a:rPr>
+              <a:t> </a:t>
+            </a:r>
+            <a:r>
+              <a:rPr lang="en-US" altLang="ko-KR" dirty="0" err="1">
+                <a:solidFill>
+                  <a:srgbClr val="000080"/>
+                </a:solidFill>
+                <a:latin typeface="Consolas" panose="020B0609020204030204" pitchFamily="49" charset="0"/>
+              </a:rPr>
+              <a:t>m_dbCurveDepth</a:t>
+            </a:r>
+            <a:r>
+              <a:rPr lang="en-US" altLang="ko-KR" dirty="0">
+                <a:solidFill>
+                  <a:srgbClr val="000000"/>
+                </a:solidFill>
+                <a:latin typeface="Consolas" panose="020B0609020204030204" pitchFamily="49" charset="0"/>
+              </a:rPr>
+              <a:t>[</a:t>
+            </a:r>
+            <a:r>
+              <a:rPr lang="en-US" altLang="ko-KR" dirty="0" err="1">
+                <a:solidFill>
+                  <a:srgbClr val="A000A0"/>
+                </a:solidFill>
+                <a:latin typeface="Consolas" panose="020B0609020204030204" pitchFamily="49" charset="0"/>
+              </a:rPr>
+              <a:t>SIDE_MAX</a:t>
+            </a:r>
+            <a:r>
+              <a:rPr lang="en-US" altLang="ko-KR" dirty="0">
+                <a:solidFill>
+                  <a:srgbClr val="000000"/>
+                </a:solidFill>
+                <a:latin typeface="Consolas" panose="020B0609020204030204" pitchFamily="49" charset="0"/>
+              </a:rPr>
+              <a:t>];</a:t>
+            </a:r>
+            <a:br>
+              <a:rPr lang="en-US" altLang="ko-KR" dirty="0">
+                <a:solidFill>
+                  <a:srgbClr val="000000"/>
+                </a:solidFill>
+                <a:latin typeface="Consolas" panose="020B0609020204030204" pitchFamily="49" charset="0"/>
+              </a:rPr>
+            </a:br>
+            <a:endParaRPr lang="en-US" altLang="ko-KR" sz="1600" dirty="0"/>
+          </a:p>
+          <a:p>
+            <a:pPr marL="324000" lvl="1">
+              <a:buNone/>
+            </a:pPr>
+            <a:r>
+              <a:rPr lang="en-US" altLang="ko-KR" dirty="0">
+                <a:solidFill>
+                  <a:srgbClr val="0000FF"/>
+                </a:solidFill>
+                <a:latin typeface="Consolas" panose="020B0609020204030204" pitchFamily="49" charset="0"/>
+              </a:rPr>
+              <a:t>for</a:t>
+            </a:r>
+            <a:r>
+              <a:rPr lang="en-US" altLang="ko-KR" dirty="0">
+                <a:solidFill>
+                  <a:srgbClr val="000000"/>
+                </a:solidFill>
+                <a:latin typeface="Consolas" panose="020B0609020204030204" pitchFamily="49" charset="0"/>
+              </a:rPr>
+              <a:t> (</a:t>
+            </a:r>
+            <a:r>
+              <a:rPr lang="en-US" altLang="ko-KR" dirty="0">
+                <a:solidFill>
+                  <a:srgbClr val="0000FF"/>
+                </a:solidFill>
+                <a:latin typeface="Consolas" panose="020B0609020204030204" pitchFamily="49" charset="0"/>
+              </a:rPr>
+              <a:t>double</a:t>
+            </a:r>
+            <a:r>
+              <a:rPr lang="en-US" altLang="ko-KR" dirty="0">
+                <a:solidFill>
+                  <a:srgbClr val="000000"/>
+                </a:solidFill>
+                <a:latin typeface="Consolas" panose="020B0609020204030204" pitchFamily="49" charset="0"/>
+              </a:rPr>
+              <a:t> </a:t>
+            </a:r>
+            <a:r>
+              <a:rPr lang="en-US" altLang="ko-KR" dirty="0">
+                <a:solidFill>
+                  <a:srgbClr val="000080"/>
+                </a:solidFill>
+                <a:latin typeface="Consolas" panose="020B0609020204030204" pitchFamily="49" charset="0"/>
+              </a:rPr>
+              <a:t>d</a:t>
+            </a:r>
+            <a:r>
+              <a:rPr lang="en-US" altLang="ko-KR" dirty="0">
+                <a:solidFill>
+                  <a:srgbClr val="000000"/>
+                </a:solidFill>
+                <a:latin typeface="Consolas" panose="020B0609020204030204" pitchFamily="49" charset="0"/>
+              </a:rPr>
+              <a:t> : </a:t>
+            </a:r>
+            <a:r>
+              <a:rPr lang="en-US" altLang="ko-KR" dirty="0" err="1">
+                <a:solidFill>
+                  <a:srgbClr val="000080"/>
+                </a:solidFill>
+                <a:latin typeface="Consolas" panose="020B0609020204030204" pitchFamily="49" charset="0"/>
+              </a:rPr>
+              <a:t>m_CurrData</a:t>
+            </a:r>
+            <a:r>
+              <a:rPr lang="en-US" altLang="ko-KR" dirty="0" err="1">
+                <a:solidFill>
+                  <a:srgbClr val="000000"/>
+                </a:solidFill>
+                <a:latin typeface="Consolas" panose="020B0609020204030204" pitchFamily="49" charset="0"/>
+              </a:rPr>
+              <a:t>.</a:t>
+            </a:r>
+            <a:r>
+              <a:rPr lang="en-US" altLang="ko-KR" dirty="0" err="1">
+                <a:solidFill>
+                  <a:srgbClr val="000080"/>
+                </a:solidFill>
+                <a:latin typeface="Consolas" panose="020B0609020204030204" pitchFamily="49" charset="0"/>
+              </a:rPr>
+              <a:t>m_dbCurveDepth</a:t>
+            </a:r>
+            <a:r>
+              <a:rPr lang="en-US" altLang="ko-KR" dirty="0">
+                <a:solidFill>
+                  <a:srgbClr val="000000"/>
+                </a:solidFill>
+                <a:latin typeface="Consolas" panose="020B0609020204030204" pitchFamily="49" charset="0"/>
+              </a:rPr>
+              <a:t>)</a:t>
+            </a:r>
+          </a:p>
+          <a:p>
+            <a:pPr marL="324000" lvl="1">
+              <a:buNone/>
+            </a:pPr>
+            <a:r>
+              <a:rPr lang="en-US" altLang="ko-KR" dirty="0">
+                <a:solidFill>
+                  <a:srgbClr val="000000"/>
+                </a:solidFill>
+                <a:latin typeface="Consolas" panose="020B0609020204030204" pitchFamily="49" charset="0"/>
+              </a:rPr>
+              <a:t>{</a:t>
+            </a:r>
+          </a:p>
+          <a:p>
+            <a:pPr marL="324000" lvl="1">
+              <a:buNone/>
+            </a:pPr>
+            <a:r>
+              <a:rPr lang="en-US" altLang="ko-KR" dirty="0">
+                <a:solidFill>
+                  <a:srgbClr val="000080"/>
+                </a:solidFill>
+                <a:latin typeface="Consolas" panose="020B0609020204030204" pitchFamily="49" charset="0"/>
+              </a:rPr>
+              <a:t>	</a:t>
+            </a:r>
+            <a:r>
+              <a:rPr lang="en-US" altLang="ko-KR" dirty="0" err="1">
+                <a:solidFill>
+                  <a:srgbClr val="000080"/>
+                </a:solidFill>
+                <a:latin typeface="Consolas" panose="020B0609020204030204" pitchFamily="49" charset="0"/>
+              </a:rPr>
+              <a:t>strTmp</a:t>
+            </a:r>
+            <a:r>
+              <a:rPr lang="en-US" altLang="ko-KR" dirty="0" err="1">
+                <a:solidFill>
+                  <a:srgbClr val="000000"/>
+                </a:solidFill>
+                <a:latin typeface="Consolas" panose="020B0609020204030204" pitchFamily="49" charset="0"/>
+              </a:rPr>
+              <a:t>.</a:t>
+            </a:r>
+            <a:r>
+              <a:rPr lang="en-US" altLang="ko-KR" i="1" dirty="0" err="1">
+                <a:solidFill>
+                  <a:srgbClr val="880000"/>
+                </a:solidFill>
+                <a:latin typeface="Consolas" panose="020B0609020204030204" pitchFamily="49" charset="0"/>
+              </a:rPr>
+              <a:t>Format</a:t>
+            </a:r>
+            <a:r>
+              <a:rPr lang="en-US" altLang="ko-KR" i="0" dirty="0">
+                <a:solidFill>
+                  <a:srgbClr val="000000"/>
+                </a:solidFill>
+                <a:latin typeface="Consolas" panose="020B0609020204030204" pitchFamily="49" charset="0"/>
+              </a:rPr>
+              <a:t>(</a:t>
+            </a:r>
+            <a:r>
+              <a:rPr lang="en-US" altLang="ko-KR" i="1" dirty="0">
+                <a:solidFill>
+                  <a:srgbClr val="A000A0"/>
+                </a:solidFill>
+                <a:latin typeface="Consolas" panose="020B0609020204030204" pitchFamily="49" charset="0"/>
+              </a:rPr>
+              <a:t>_T</a:t>
+            </a:r>
+            <a:r>
+              <a:rPr lang="en-US" altLang="ko-KR" i="0" dirty="0">
+                <a:solidFill>
+                  <a:srgbClr val="000000"/>
+                </a:solidFill>
+                <a:latin typeface="Consolas" panose="020B0609020204030204" pitchFamily="49" charset="0"/>
+              </a:rPr>
+              <a:t>(</a:t>
+            </a:r>
+            <a:r>
+              <a:rPr lang="en-US" altLang="ko-KR" i="0" dirty="0">
+                <a:solidFill>
+                  <a:srgbClr val="A31515"/>
+                </a:solidFill>
+                <a:latin typeface="Consolas" panose="020B0609020204030204" pitchFamily="49" charset="0"/>
+              </a:rPr>
+              <a:t>"%.4f,"</a:t>
+            </a:r>
+            <a:r>
+              <a:rPr lang="en-US" altLang="ko-KR" i="0" dirty="0">
+                <a:solidFill>
+                  <a:srgbClr val="000000"/>
+                </a:solidFill>
+                <a:latin typeface="Consolas" panose="020B0609020204030204" pitchFamily="49" charset="0"/>
+              </a:rPr>
+              <a:t>), </a:t>
+            </a:r>
+            <a:r>
+              <a:rPr lang="en-US" altLang="ko-KR" i="0" dirty="0">
+                <a:solidFill>
+                  <a:srgbClr val="000080"/>
+                </a:solidFill>
+                <a:latin typeface="Consolas" panose="020B0609020204030204" pitchFamily="49" charset="0"/>
+              </a:rPr>
+              <a:t>d</a:t>
+            </a:r>
+            <a:r>
+              <a:rPr lang="en-US" altLang="ko-KR" i="0" dirty="0">
+                <a:solidFill>
+                  <a:srgbClr val="000000"/>
+                </a:solidFill>
+                <a:latin typeface="Consolas" panose="020B0609020204030204" pitchFamily="49" charset="0"/>
+              </a:rPr>
+              <a:t>);</a:t>
+            </a:r>
+          </a:p>
+          <a:p>
+            <a:pPr marL="324000" lvl="1">
+              <a:buNone/>
+            </a:pPr>
+            <a:r>
+              <a:rPr lang="en-US" altLang="ko-KR" i="0" dirty="0">
+                <a:solidFill>
+                  <a:srgbClr val="000080"/>
+                </a:solidFill>
+                <a:latin typeface="Consolas" panose="020B0609020204030204" pitchFamily="49" charset="0"/>
+              </a:rPr>
+              <a:t>	</a:t>
+            </a:r>
+            <a:r>
+              <a:rPr lang="en-US" altLang="ko-KR" i="0" dirty="0" err="1">
+                <a:solidFill>
+                  <a:srgbClr val="000080"/>
+                </a:solidFill>
+                <a:latin typeface="Consolas" panose="020B0609020204030204" pitchFamily="49" charset="0"/>
+              </a:rPr>
+              <a:t>strData</a:t>
+            </a:r>
+            <a:r>
+              <a:rPr lang="en-US" altLang="ko-KR" i="0" dirty="0">
+                <a:solidFill>
+                  <a:srgbClr val="000000"/>
+                </a:solidFill>
+                <a:latin typeface="Consolas" panose="020B0609020204030204" pitchFamily="49" charset="0"/>
+              </a:rPr>
+              <a:t> </a:t>
+            </a:r>
+            <a:r>
+              <a:rPr lang="en-US" altLang="ko-KR" i="0" dirty="0">
+                <a:solidFill>
+                  <a:srgbClr val="008080"/>
+                </a:solidFill>
+                <a:latin typeface="Consolas" panose="020B0609020204030204" pitchFamily="49" charset="0"/>
+              </a:rPr>
+              <a:t>+=</a:t>
+            </a:r>
+            <a:r>
+              <a:rPr lang="en-US" altLang="ko-KR" i="0" dirty="0">
+                <a:solidFill>
+                  <a:srgbClr val="000000"/>
+                </a:solidFill>
+                <a:latin typeface="Consolas" panose="020B0609020204030204" pitchFamily="49" charset="0"/>
+              </a:rPr>
+              <a:t> </a:t>
+            </a:r>
+            <a:r>
+              <a:rPr lang="en-US" altLang="ko-KR" i="0" dirty="0" err="1">
+                <a:solidFill>
+                  <a:srgbClr val="000080"/>
+                </a:solidFill>
+                <a:latin typeface="Consolas" panose="020B0609020204030204" pitchFamily="49" charset="0"/>
+              </a:rPr>
+              <a:t>strTmp</a:t>
+            </a:r>
+            <a:r>
+              <a:rPr lang="en-US" altLang="ko-KR" i="0" dirty="0">
+                <a:solidFill>
+                  <a:srgbClr val="000000"/>
+                </a:solidFill>
+                <a:latin typeface="Consolas" panose="020B0609020204030204" pitchFamily="49" charset="0"/>
+              </a:rPr>
+              <a:t>;</a:t>
+            </a:r>
+          </a:p>
+          <a:p>
+            <a:pPr marL="324000" lvl="1">
+              <a:buNone/>
+            </a:pPr>
+            <a:r>
+              <a:rPr lang="en-US" altLang="ko-KR" i="0" dirty="0">
+                <a:solidFill>
+                  <a:srgbClr val="000000"/>
+                </a:solidFill>
+                <a:latin typeface="Consolas" panose="020B0609020204030204" pitchFamily="49" charset="0"/>
+              </a:rPr>
+              <a:t>}</a:t>
+            </a:r>
+            <a:br>
+              <a:rPr lang="en-US" altLang="ko-KR" sz="1600" dirty="0"/>
+            </a:br>
             <a:endParaRPr lang="en-US" altLang="ko-KR" dirty="0"/>
           </a:p>
         </p:txBody>
@@ -19162,6 +19552,15 @@
 </file>
 
 <file path=customXml/item2.xml><?xml version="1.0" encoding="utf-8"?>
+<?mso-contentType ?>
+<FormTemplates xmlns="http://schemas.microsoft.com/sharepoint/v3/contenttype/forms">
+  <Display>DocumentLibraryForm</Display>
+  <Edit>DocumentLibraryForm</Edit>
+  <New>DocumentLibraryForm</New>
+</FormTemplates>
+</file>
+
+<file path=customXml/item3.xml><?xml version="1.0" encoding="utf-8"?>
 <ct:contentTypeSchema xmlns:ct="http://schemas.microsoft.com/office/2006/metadata/contentType" xmlns:ma="http://schemas.microsoft.com/office/2006/metadata/properties/metaAttributes" ct:_="" ma:_="" ma:contentTypeName="Document" ma:contentTypeID="0x01010079F111ED35F8CC479449609E8A0923A6" ma:contentTypeVersion="12" ma:contentTypeDescription="Create a new document." ma:contentTypeScope="" ma:versionID="fa6e671f1cd7e4d96ff9652be322dd5e">
   <xsd:schema xmlns:xsd="http://www.w3.org/2001/XMLSchema" xmlns:xs="http://www.w3.org/2001/XMLSchema" xmlns:p="http://schemas.microsoft.com/office/2006/metadata/properties" xmlns:ns2="71af3243-3dd4-4a8d-8c0d-dd76da1f02a5" xmlns:ns3="16c05727-aa75-4e4a-9b5f-8a80a1165891" targetNamespace="http://schemas.microsoft.com/office/2006/metadata/properties" ma:root="true" ma:fieldsID="4e2496f70b101db0b8013f30a071bbf7" ns2:_="" ns3:_="">
     <xsd:import namespace="71af3243-3dd4-4a8d-8c0d-dd76da1f02a5"/>
@@ -19382,15 +19781,6 @@
 </ct:contentTypeSchema>
 </file>
 
-<file path=customXml/item3.xml><?xml version="1.0" encoding="utf-8"?>
-<?mso-contentType ?>
-<FormTemplates xmlns="http://schemas.microsoft.com/sharepoint/v3/contenttype/forms">
-  <Display>DocumentLibraryForm</Display>
-  <Edit>DocumentLibraryForm</Edit>
-  <New>DocumentLibraryForm</New>
-</FormTemplates>
-</file>
-
 <file path=customXml/itemProps1.xml><?xml version="1.0" encoding="utf-8"?>
 <ds:datastoreItem xmlns:ds="http://schemas.openxmlformats.org/officeDocument/2006/customXml" ds:itemID="{ADC43B05-D266-4257-98DE-FF9D8CEDAE76}">
   <ds:schemaRefs>
@@ -19402,6 +19792,14 @@
 </file>
 
 <file path=customXml/itemProps2.xml><?xml version="1.0" encoding="utf-8"?>
+<ds:datastoreItem xmlns:ds="http://schemas.openxmlformats.org/officeDocument/2006/customXml" ds:itemID="{8435A0B9-5F49-415F-9BEE-591FDACE98D1}">
+  <ds:schemaRefs>
+    <ds:schemaRef ds:uri="http://schemas.microsoft.com/sharepoint/v3/contenttype/forms"/>
+  </ds:schemaRefs>
+</ds:datastoreItem>
+</file>
+
+<file path=customXml/itemProps3.xml><?xml version="1.0" encoding="utf-8"?>
 <ds:datastoreItem xmlns:ds="http://schemas.openxmlformats.org/officeDocument/2006/customXml" ds:itemID="{D76AEDE5-E9AF-4E9F-97C3-19B848D35AB4}">
   <ds:schemaRefs>
     <ds:schemaRef ds:uri="http://schemas.microsoft.com/office/2006/metadata/contentType"/>
@@ -19418,12 +19816,4 @@
     <ds:schemaRef ds:uri="http://schemas.microsoft.com/internal/obd"/>
   </ds:schemaRefs>
 </ds:datastoreItem>
-</file>
-
-<file path=customXml/itemProps3.xml><?xml version="1.0" encoding="utf-8"?>
-<ds:datastoreItem xmlns:ds="http://schemas.openxmlformats.org/officeDocument/2006/customXml" ds:itemID="{8435A0B9-5F49-415F-9BEE-591FDACE98D1}">
-  <ds:schemaRefs>
-    <ds:schemaRef ds:uri="http://schemas.microsoft.com/sharepoint/v3/contenttype/forms"/>
-  </ds:schemaRefs>
-</ds:datastoreItem>
 </file>
--- a/1st/[ModernCpp]1st.pptx
+++ b/1st/[ModernCpp]1st.pptx
@@ -13619,7 +13619,7 @@
               <a:buNone/>
             </a:pPr>
             <a:r>
-              <a:rPr lang="en-US" altLang="ko-KR" dirty="0">
+              <a:rPr lang="en-US" altLang="ko-KR" sz="1500" dirty="0">
                 <a:solidFill>
                   <a:srgbClr val="0000FF"/>
                 </a:solidFill>
@@ -13628,7 +13628,7 @@
               <a:t>double</a:t>
             </a:r>
             <a:r>
-              <a:rPr lang="en-US" altLang="ko-KR" dirty="0">
+              <a:rPr lang="en-US" altLang="ko-KR" sz="1500" dirty="0">
                 <a:solidFill>
                   <a:srgbClr val="000000"/>
                 </a:solidFill>
@@ -13637,7 +13637,7 @@
               <a:t> </a:t>
             </a:r>
             <a:r>
-              <a:rPr lang="en-US" altLang="ko-KR" dirty="0" err="1">
+              <a:rPr lang="en-US" altLang="ko-KR" sz="1500" dirty="0" err="1">
                 <a:solidFill>
                   <a:srgbClr val="000080"/>
                 </a:solidFill>
@@ -13646,7 +13646,7 @@
               <a:t>m_dbCurveDepth</a:t>
             </a:r>
             <a:r>
-              <a:rPr lang="en-US" altLang="ko-KR" dirty="0">
+              <a:rPr lang="en-US" altLang="ko-KR" sz="1500" dirty="0">
                 <a:solidFill>
                   <a:srgbClr val="000000"/>
                 </a:solidFill>
@@ -13655,7 +13655,7 @@
               <a:t>[</a:t>
             </a:r>
             <a:r>
-              <a:rPr lang="en-US" altLang="ko-KR" dirty="0" err="1">
+              <a:rPr lang="en-US" altLang="ko-KR" sz="1500" dirty="0" err="1">
                 <a:solidFill>
                   <a:srgbClr val="A000A0"/>
                 </a:solidFill>
@@ -13664,7 +13664,7 @@
               <a:t>SIDE_MAX</a:t>
             </a:r>
             <a:r>
-              <a:rPr lang="en-US" altLang="ko-KR" dirty="0">
+              <a:rPr lang="en-US" altLang="ko-KR" sz="1500" dirty="0">
                 <a:solidFill>
                   <a:srgbClr val="000000"/>
                 </a:solidFill>
@@ -13673,21 +13673,21 @@
               <a:t>];</a:t>
             </a:r>
             <a:br>
-              <a:rPr lang="en-US" altLang="ko-KR" dirty="0">
+              <a:rPr lang="en-US" altLang="ko-KR" sz="1500" dirty="0">
                 <a:solidFill>
                   <a:srgbClr val="000000"/>
                 </a:solidFill>
                 <a:latin typeface="Consolas" panose="020B0609020204030204" pitchFamily="49" charset="0"/>
               </a:rPr>
             </a:br>
-            <a:endParaRPr lang="en-US" altLang="ko-KR" sz="1600" dirty="0"/>
+            <a:endParaRPr lang="en-US" altLang="ko-KR" sz="1500" dirty="0"/>
           </a:p>
           <a:p>
             <a:pPr marL="324000" lvl="1">
               <a:buNone/>
             </a:pPr>
             <a:r>
-              <a:rPr lang="en-US" altLang="ko-KR" dirty="0">
+              <a:rPr lang="en-US" altLang="ko-KR" sz="1500" dirty="0">
                 <a:solidFill>
                   <a:srgbClr val="0000FF"/>
                 </a:solidFill>
@@ -13696,7 +13696,7 @@
               <a:t>for</a:t>
             </a:r>
             <a:r>
-              <a:rPr lang="en-US" altLang="ko-KR" dirty="0">
+              <a:rPr lang="en-US" altLang="ko-KR" sz="1500" dirty="0">
                 <a:solidFill>
                   <a:srgbClr val="000000"/>
                 </a:solidFill>
@@ -13705,7 +13705,7 @@
               <a:t> (</a:t>
             </a:r>
             <a:r>
-              <a:rPr lang="en-US" altLang="ko-KR" dirty="0">
+              <a:rPr lang="en-US" altLang="ko-KR" sz="1500" dirty="0">
                 <a:solidFill>
                   <a:srgbClr val="0000FF"/>
                 </a:solidFill>
@@ -13714,7 +13714,7 @@
               <a:t>double</a:t>
             </a:r>
             <a:r>
-              <a:rPr lang="en-US" altLang="ko-KR" dirty="0">
+              <a:rPr lang="en-US" altLang="ko-KR" sz="1500" dirty="0">
                 <a:solidFill>
                   <a:srgbClr val="000000"/>
                 </a:solidFill>
@@ -13723,7 +13723,7 @@
               <a:t> </a:t>
             </a:r>
             <a:r>
-              <a:rPr lang="en-US" altLang="ko-KR" dirty="0">
+              <a:rPr lang="en-US" altLang="ko-KR" sz="1500" dirty="0">
                 <a:solidFill>
                   <a:srgbClr val="000080"/>
                 </a:solidFill>
@@ -13732,7 +13732,7 @@
               <a:t>d</a:t>
             </a:r>
             <a:r>
-              <a:rPr lang="en-US" altLang="ko-KR" dirty="0">
+              <a:rPr lang="en-US" altLang="ko-KR" sz="1500" dirty="0">
                 <a:solidFill>
                   <a:srgbClr val="000000"/>
                 </a:solidFill>
@@ -13741,7 +13741,7 @@
               <a:t> : </a:t>
             </a:r>
             <a:r>
-              <a:rPr lang="en-US" altLang="ko-KR" dirty="0" err="1">
+              <a:rPr lang="en-US" altLang="ko-KR" sz="1500" dirty="0" err="1">
                 <a:solidFill>
                   <a:srgbClr val="000080"/>
                 </a:solidFill>
@@ -13750,7 +13750,7 @@
               <a:t>m_CurrData</a:t>
             </a:r>
             <a:r>
-              <a:rPr lang="en-US" altLang="ko-KR" dirty="0" err="1">
+              <a:rPr lang="en-US" altLang="ko-KR" sz="1500" dirty="0" err="1">
                 <a:solidFill>
                   <a:srgbClr val="000000"/>
                 </a:solidFill>
@@ -13759,7 +13759,7 @@
               <a:t>.</a:t>
             </a:r>
             <a:r>
-              <a:rPr lang="en-US" altLang="ko-KR" dirty="0" err="1">
+              <a:rPr lang="en-US" altLang="ko-KR" sz="1500" dirty="0" err="1">
                 <a:solidFill>
                   <a:srgbClr val="000080"/>
                 </a:solidFill>
@@ -13768,7 +13768,7 @@
               <a:t>m_dbCurveDepth</a:t>
             </a:r>
             <a:r>
-              <a:rPr lang="en-US" altLang="ko-KR" dirty="0">
+              <a:rPr lang="en-US" altLang="ko-KR" sz="1500" dirty="0">
                 <a:solidFill>
                   <a:srgbClr val="000000"/>
                 </a:solidFill>
@@ -13782,7 +13782,7 @@
               <a:buNone/>
             </a:pPr>
             <a:r>
-              <a:rPr lang="en-US" altLang="ko-KR" dirty="0">
+              <a:rPr lang="en-US" altLang="ko-KR" sz="1500" dirty="0">
                 <a:solidFill>
                   <a:srgbClr val="000000"/>
                 </a:solidFill>
@@ -13796,7 +13796,7 @@
               <a:buNone/>
             </a:pPr>
             <a:r>
-              <a:rPr lang="en-US" altLang="ko-KR" dirty="0">
+              <a:rPr lang="en-US" altLang="ko-KR" sz="1500" dirty="0">
                 <a:solidFill>
                   <a:srgbClr val="000080"/>
                 </a:solidFill>
@@ -13805,7 +13805,7 @@
               <a:t>	</a:t>
             </a:r>
             <a:r>
-              <a:rPr lang="en-US" altLang="ko-KR" dirty="0" err="1">
+              <a:rPr lang="en-US" altLang="ko-KR" sz="1500" dirty="0" err="1">
                 <a:solidFill>
                   <a:srgbClr val="000080"/>
                 </a:solidFill>
@@ -13814,7 +13814,7 @@
               <a:t>strTmp</a:t>
             </a:r>
             <a:r>
-              <a:rPr lang="en-US" altLang="ko-KR" dirty="0" err="1">
+              <a:rPr lang="en-US" altLang="ko-KR" sz="1500" dirty="0" err="1">
                 <a:solidFill>
                   <a:srgbClr val="000000"/>
                 </a:solidFill>
@@ -13823,7 +13823,7 @@
               <a:t>.</a:t>
             </a:r>
             <a:r>
-              <a:rPr lang="en-US" altLang="ko-KR" i="1" dirty="0" err="1">
+              <a:rPr lang="en-US" altLang="ko-KR" sz="1500" i="1" dirty="0" err="1">
                 <a:solidFill>
                   <a:srgbClr val="880000"/>
                 </a:solidFill>
@@ -13832,7 +13832,7 @@
               <a:t>Format</a:t>
             </a:r>
             <a:r>
-              <a:rPr lang="en-US" altLang="ko-KR" i="0" dirty="0">
+              <a:rPr lang="en-US" altLang="ko-KR" sz="1500" i="0" dirty="0">
                 <a:solidFill>
                   <a:srgbClr val="000000"/>
                 </a:solidFill>
@@ -13841,7 +13841,7 @@
               <a:t>(</a:t>
             </a:r>
             <a:r>
-              <a:rPr lang="en-US" altLang="ko-KR" i="1" dirty="0">
+              <a:rPr lang="en-US" altLang="ko-KR" sz="1500" i="1" dirty="0">
                 <a:solidFill>
                   <a:srgbClr val="A000A0"/>
                 </a:solidFill>
@@ -13850,7 +13850,7 @@
               <a:t>_T</a:t>
             </a:r>
             <a:r>
-              <a:rPr lang="en-US" altLang="ko-KR" i="0" dirty="0">
+              <a:rPr lang="en-US" altLang="ko-KR" sz="1500" i="0" dirty="0">
                 <a:solidFill>
                   <a:srgbClr val="000000"/>
                 </a:solidFill>
@@ -13859,7 +13859,7 @@
               <a:t>(</a:t>
             </a:r>
             <a:r>
-              <a:rPr lang="en-US" altLang="ko-KR" i="0" dirty="0">
+              <a:rPr lang="en-US" altLang="ko-KR" sz="1500" i="0" dirty="0">
                 <a:solidFill>
                   <a:srgbClr val="A31515"/>
                 </a:solidFill>
@@ -13868,7 +13868,7 @@
               <a:t>"%.4f,"</a:t>
             </a:r>
             <a:r>
-              <a:rPr lang="en-US" altLang="ko-KR" i="0" dirty="0">
+              <a:rPr lang="en-US" altLang="ko-KR" sz="1500" i="0" dirty="0">
                 <a:solidFill>
                   <a:srgbClr val="000000"/>
                 </a:solidFill>
@@ -13877,7 +13877,7 @@
               <a:t>), </a:t>
             </a:r>
             <a:r>
-              <a:rPr lang="en-US" altLang="ko-KR" i="0" dirty="0">
+              <a:rPr lang="en-US" altLang="ko-KR" sz="1500" i="0" dirty="0">
                 <a:solidFill>
                   <a:srgbClr val="000080"/>
                 </a:solidFill>
@@ -13886,7 +13886,7 @@
               <a:t>d</a:t>
             </a:r>
             <a:r>
-              <a:rPr lang="en-US" altLang="ko-KR" i="0" dirty="0">
+              <a:rPr lang="en-US" altLang="ko-KR" sz="1500" i="0" dirty="0">
                 <a:solidFill>
                   <a:srgbClr val="000000"/>
                 </a:solidFill>
@@ -13900,7 +13900,7 @@
               <a:buNone/>
             </a:pPr>
             <a:r>
-              <a:rPr lang="en-US" altLang="ko-KR" i="0" dirty="0">
+              <a:rPr lang="en-US" altLang="ko-KR" sz="1500" i="0" dirty="0">
                 <a:solidFill>
                   <a:srgbClr val="000080"/>
                 </a:solidFill>
@@ -13909,7 +13909,7 @@
               <a:t>	</a:t>
             </a:r>
             <a:r>
-              <a:rPr lang="en-US" altLang="ko-KR" i="0" dirty="0" err="1">
+              <a:rPr lang="en-US" altLang="ko-KR" sz="1500" i="0" dirty="0" err="1">
                 <a:solidFill>
                   <a:srgbClr val="000080"/>
                 </a:solidFill>
@@ -13918,7 +13918,7 @@
               <a:t>strData</a:t>
             </a:r>
             <a:r>
-              <a:rPr lang="en-US" altLang="ko-KR" i="0" dirty="0">
+              <a:rPr lang="en-US" altLang="ko-KR" sz="1500" i="0" dirty="0">
                 <a:solidFill>
                   <a:srgbClr val="000000"/>
                 </a:solidFill>
@@ -13927,7 +13927,7 @@
               <a:t> </a:t>
             </a:r>
             <a:r>
-              <a:rPr lang="en-US" altLang="ko-KR" i="0" dirty="0">
+              <a:rPr lang="en-US" altLang="ko-KR" sz="1500" i="0" dirty="0">
                 <a:solidFill>
                   <a:srgbClr val="008080"/>
                 </a:solidFill>
@@ -13936,7 +13936,7 @@
               <a:t>+=</a:t>
             </a:r>
             <a:r>
-              <a:rPr lang="en-US" altLang="ko-KR" i="0" dirty="0">
+              <a:rPr lang="en-US" altLang="ko-KR" sz="1500" i="0" dirty="0">
                 <a:solidFill>
                   <a:srgbClr val="000000"/>
                 </a:solidFill>
@@ -13945,7 +13945,7 @@
               <a:t> </a:t>
             </a:r>
             <a:r>
-              <a:rPr lang="en-US" altLang="ko-KR" i="0" dirty="0" err="1">
+              <a:rPr lang="en-US" altLang="ko-KR" sz="1500" i="0" dirty="0" err="1">
                 <a:solidFill>
                   <a:srgbClr val="000080"/>
                 </a:solidFill>
@@ -13954,7 +13954,7 @@
               <a:t>strTmp</a:t>
             </a:r>
             <a:r>
-              <a:rPr lang="en-US" altLang="ko-KR" i="0" dirty="0">
+              <a:rPr lang="en-US" altLang="ko-KR" sz="1500" i="0" dirty="0">
                 <a:solidFill>
                   <a:srgbClr val="000000"/>
                 </a:solidFill>
@@ -13968,7 +13968,7 @@
               <a:buNone/>
             </a:pPr>
             <a:r>
-              <a:rPr lang="en-US" altLang="ko-KR" i="0" dirty="0">
+              <a:rPr lang="en-US" altLang="ko-KR" sz="1500" i="0" dirty="0">
                 <a:solidFill>
                   <a:srgbClr val="000000"/>
                 </a:solidFill>
@@ -19552,15 +19552,6 @@
 </file>
 
 <file path=customXml/item2.xml><?xml version="1.0" encoding="utf-8"?>
-<?mso-contentType ?>
-<FormTemplates xmlns="http://schemas.microsoft.com/sharepoint/v3/contenttype/forms">
-  <Display>DocumentLibraryForm</Display>
-  <Edit>DocumentLibraryForm</Edit>
-  <New>DocumentLibraryForm</New>
-</FormTemplates>
-</file>
-
-<file path=customXml/item3.xml><?xml version="1.0" encoding="utf-8"?>
 <ct:contentTypeSchema xmlns:ct="http://schemas.microsoft.com/office/2006/metadata/contentType" xmlns:ma="http://schemas.microsoft.com/office/2006/metadata/properties/metaAttributes" ct:_="" ma:_="" ma:contentTypeName="Document" ma:contentTypeID="0x01010079F111ED35F8CC479449609E8A0923A6" ma:contentTypeVersion="12" ma:contentTypeDescription="Create a new document." ma:contentTypeScope="" ma:versionID="fa6e671f1cd7e4d96ff9652be322dd5e">
   <xsd:schema xmlns:xsd="http://www.w3.org/2001/XMLSchema" xmlns:xs="http://www.w3.org/2001/XMLSchema" xmlns:p="http://schemas.microsoft.com/office/2006/metadata/properties" xmlns:ns2="71af3243-3dd4-4a8d-8c0d-dd76da1f02a5" xmlns:ns3="16c05727-aa75-4e4a-9b5f-8a80a1165891" targetNamespace="http://schemas.microsoft.com/office/2006/metadata/properties" ma:root="true" ma:fieldsID="4e2496f70b101db0b8013f30a071bbf7" ns2:_="" ns3:_="">
     <xsd:import namespace="71af3243-3dd4-4a8d-8c0d-dd76da1f02a5"/>
@@ -19781,6 +19772,15 @@
 </ct:contentTypeSchema>
 </file>
 
+<file path=customXml/item3.xml><?xml version="1.0" encoding="utf-8"?>
+<?mso-contentType ?>
+<FormTemplates xmlns="http://schemas.microsoft.com/sharepoint/v3/contenttype/forms">
+  <Display>DocumentLibraryForm</Display>
+  <Edit>DocumentLibraryForm</Edit>
+  <New>DocumentLibraryForm</New>
+</FormTemplates>
+</file>
+
 <file path=customXml/itemProps1.xml><?xml version="1.0" encoding="utf-8"?>
 <ds:datastoreItem xmlns:ds="http://schemas.openxmlformats.org/officeDocument/2006/customXml" ds:itemID="{ADC43B05-D266-4257-98DE-FF9D8CEDAE76}">
   <ds:schemaRefs>
@@ -19792,14 +19792,6 @@
 </file>
 
 <file path=customXml/itemProps2.xml><?xml version="1.0" encoding="utf-8"?>
-<ds:datastoreItem xmlns:ds="http://schemas.openxmlformats.org/officeDocument/2006/customXml" ds:itemID="{8435A0B9-5F49-415F-9BEE-591FDACE98D1}">
-  <ds:schemaRefs>
-    <ds:schemaRef ds:uri="http://schemas.microsoft.com/sharepoint/v3/contenttype/forms"/>
-  </ds:schemaRefs>
-</ds:datastoreItem>
-</file>
-
-<file path=customXml/itemProps3.xml><?xml version="1.0" encoding="utf-8"?>
 <ds:datastoreItem xmlns:ds="http://schemas.openxmlformats.org/officeDocument/2006/customXml" ds:itemID="{D76AEDE5-E9AF-4E9F-97C3-19B848D35AB4}">
   <ds:schemaRefs>
     <ds:schemaRef ds:uri="http://schemas.microsoft.com/office/2006/metadata/contentType"/>
@@ -19816,4 +19808,12 @@
     <ds:schemaRef ds:uri="http://schemas.microsoft.com/internal/obd"/>
   </ds:schemaRefs>
 </ds:datastoreItem>
+</file>
+
+<file path=customXml/itemProps3.xml><?xml version="1.0" encoding="utf-8"?>
+<ds:datastoreItem xmlns:ds="http://schemas.openxmlformats.org/officeDocument/2006/customXml" ds:itemID="{8435A0B9-5F49-415F-9BEE-591FDACE98D1}">
+  <ds:schemaRefs>
+    <ds:schemaRef ds:uri="http://schemas.microsoft.com/sharepoint/v3/contenttype/forms"/>
+  </ds:schemaRefs>
+</ds:datastoreItem>
 </file>
--- a/1st/[ModernCpp]1st.pptx
+++ b/1st/[ModernCpp]1st.pptx
@@ -5,10 +5,10 @@
     <p:sldMasterId id="2147483685" r:id="rId4"/>
   </p:sldMasterIdLst>
   <p:notesMasterIdLst>
-    <p:notesMasterId r:id="rId15"/>
+    <p:notesMasterId r:id="rId19"/>
   </p:notesMasterIdLst>
   <p:handoutMasterIdLst>
-    <p:handoutMasterId r:id="rId16"/>
+    <p:handoutMasterId r:id="rId20"/>
   </p:handoutMasterIdLst>
   <p:sldIdLst>
     <p:sldId id="338" r:id="rId5"/>
@@ -21,6 +21,10 @@
     <p:sldId id="346" r:id="rId12"/>
     <p:sldId id="347" r:id="rId13"/>
     <p:sldId id="348" r:id="rId14"/>
+    <p:sldId id="349" r:id="rId15"/>
+    <p:sldId id="350" r:id="rId16"/>
+    <p:sldId id="351" r:id="rId17"/>
+    <p:sldId id="352" r:id="rId18"/>
   </p:sldIdLst>
   <p:sldSz cx="12192000" cy="6858000"/>
   <p:notesSz cx="6858000" cy="9144000"/>
@@ -232,7 +236,7 @@
                 <a:latin typeface="맑은 고딕" panose="020B0503020000020004" pitchFamily="50" charset="-127"/>
                 <a:ea typeface="맑은 고딕" panose="020B0503020000020004" pitchFamily="50" charset="-127"/>
               </a:rPr>
-              <a:t>2021-05-24</a:t>
+              <a:t>2021-06-13</a:t>
             </a:fld>
             <a:endParaRPr lang="ko-KR" altLang="en-US" noProof="1">
               <a:latin typeface="맑은 고딕" panose="020B0503020000020004" pitchFamily="50" charset="-127"/>
@@ -430,7 +434,7 @@
           <a:p>
             <a:fld id="{E1FD49E4-4598-4E6D-A4E7-609CDCD382BA}" type="datetime1">
               <a:rPr lang="ko-KR" altLang="en-US" noProof="1" smtClean="0"/>
-              <a:t>2021-05-24</a:t>
+              <a:t>2021-06-13</a:t>
             </a:fld>
             <a:endParaRPr lang="ko-KR" altLang="en-US" noProof="1"/>
           </a:p>
@@ -824,6 +828,374 @@
     <p:extLst>
       <p:ext uri="{BB962C8B-B14F-4D97-AF65-F5344CB8AC3E}">
         <p14:creationId xmlns:p14="http://schemas.microsoft.com/office/powerpoint/2010/main" val="916052171"/>
+      </p:ext>
+    </p:extLst>
+  </p:cSld>
+  <p:clrMapOvr>
+    <a:masterClrMapping/>
+  </p:clrMapOvr>
+</p:notes>
+</file>
+
+<file path=ppt/notesSlides/notesSlide11.xml><?xml version="1.0" encoding="utf-8"?>
+<p:notes xmlns:a="http://schemas.openxmlformats.org/drawingml/2006/main" xmlns:r="http://schemas.openxmlformats.org/officeDocument/2006/relationships" xmlns:p="http://schemas.openxmlformats.org/presentationml/2006/main">
+  <p:cSld>
+    <p:spTree>
+      <p:nvGrpSpPr>
+        <p:cNvPr id="1" name=""/>
+        <p:cNvGrpSpPr/>
+        <p:nvPr/>
+      </p:nvGrpSpPr>
+      <p:grpSpPr>
+        <a:xfrm>
+          <a:off x="0" y="0"/>
+          <a:ext cx="0" cy="0"/>
+          <a:chOff x="0" y="0"/>
+          <a:chExt cx="0" cy="0"/>
+        </a:xfrm>
+      </p:grpSpPr>
+      <p:sp>
+        <p:nvSpPr>
+          <p:cNvPr id="2" name="슬라이드 이미지 개체 틀 1"/>
+          <p:cNvSpPr>
+            <a:spLocks noGrp="1" noRot="1" noChangeAspect="1"/>
+          </p:cNvSpPr>
+          <p:nvPr>
+            <p:ph type="sldImg"/>
+          </p:nvPr>
+        </p:nvSpPr>
+        <p:spPr/>
+      </p:sp>
+      <p:sp>
+        <p:nvSpPr>
+          <p:cNvPr id="3" name="슬라이드 노트 개체 틀 2"/>
+          <p:cNvSpPr>
+            <a:spLocks noGrp="1"/>
+          </p:cNvSpPr>
+          <p:nvPr>
+            <p:ph type="body" idx="1"/>
+          </p:nvPr>
+        </p:nvSpPr>
+        <p:spPr/>
+        <p:txBody>
+          <a:bodyPr rtlCol="0"/>
+          <a:lstStyle/>
+          <a:p>
+            <a:pPr rtl="0"/>
+            <a:endParaRPr lang="ko-KR" altLang="en-US" noProof="1">
+              <a:ea typeface="맑은 고딕" panose="020B0503020000020004" pitchFamily="50" charset="-127"/>
+            </a:endParaRPr>
+          </a:p>
+        </p:txBody>
+      </p:sp>
+      <p:sp>
+        <p:nvSpPr>
+          <p:cNvPr id="4" name="슬라이드 번호 개체 틀 3"/>
+          <p:cNvSpPr>
+            <a:spLocks noGrp="1"/>
+          </p:cNvSpPr>
+          <p:nvPr>
+            <p:ph type="sldNum" sz="quarter" idx="5"/>
+          </p:nvPr>
+        </p:nvSpPr>
+        <p:spPr/>
+        <p:txBody>
+          <a:bodyPr rtlCol="0"/>
+          <a:lstStyle/>
+          <a:p>
+            <a:pPr rtl="0"/>
+            <a:fld id="{0F8442E7-1E35-4707-8504-AE37222ED57D}" type="slidenum">
+              <a:rPr lang="en-US" altLang="ko-KR" noProof="1" smtClean="0">
+                <a:ea typeface="맑은 고딕" panose="020B0503020000020004" pitchFamily="50" charset="-127"/>
+              </a:rPr>
+              <a:t>11</a:t>
+            </a:fld>
+            <a:endParaRPr lang="ko-KR" altLang="en-US" noProof="1">
+              <a:ea typeface="맑은 고딕" panose="020B0503020000020004" pitchFamily="50" charset="-127"/>
+            </a:endParaRPr>
+          </a:p>
+        </p:txBody>
+      </p:sp>
+    </p:spTree>
+    <p:extLst>
+      <p:ext uri="{BB962C8B-B14F-4D97-AF65-F5344CB8AC3E}">
+        <p14:creationId xmlns:p14="http://schemas.microsoft.com/office/powerpoint/2010/main" val="2662716938"/>
+      </p:ext>
+    </p:extLst>
+  </p:cSld>
+  <p:clrMapOvr>
+    <a:masterClrMapping/>
+  </p:clrMapOvr>
+</p:notes>
+</file>
+
+<file path=ppt/notesSlides/notesSlide12.xml><?xml version="1.0" encoding="utf-8"?>
+<p:notes xmlns:a="http://schemas.openxmlformats.org/drawingml/2006/main" xmlns:r="http://schemas.openxmlformats.org/officeDocument/2006/relationships" xmlns:p="http://schemas.openxmlformats.org/presentationml/2006/main">
+  <p:cSld>
+    <p:spTree>
+      <p:nvGrpSpPr>
+        <p:cNvPr id="1" name=""/>
+        <p:cNvGrpSpPr/>
+        <p:nvPr/>
+      </p:nvGrpSpPr>
+      <p:grpSpPr>
+        <a:xfrm>
+          <a:off x="0" y="0"/>
+          <a:ext cx="0" cy="0"/>
+          <a:chOff x="0" y="0"/>
+          <a:chExt cx="0" cy="0"/>
+        </a:xfrm>
+      </p:grpSpPr>
+      <p:sp>
+        <p:nvSpPr>
+          <p:cNvPr id="2" name="슬라이드 이미지 개체 틀 1"/>
+          <p:cNvSpPr>
+            <a:spLocks noGrp="1" noRot="1" noChangeAspect="1"/>
+          </p:cNvSpPr>
+          <p:nvPr>
+            <p:ph type="sldImg"/>
+          </p:nvPr>
+        </p:nvSpPr>
+        <p:spPr/>
+      </p:sp>
+      <p:sp>
+        <p:nvSpPr>
+          <p:cNvPr id="3" name="슬라이드 노트 개체 틀 2"/>
+          <p:cNvSpPr>
+            <a:spLocks noGrp="1"/>
+          </p:cNvSpPr>
+          <p:nvPr>
+            <p:ph type="body" idx="1"/>
+          </p:nvPr>
+        </p:nvSpPr>
+        <p:spPr/>
+        <p:txBody>
+          <a:bodyPr rtlCol="0"/>
+          <a:lstStyle/>
+          <a:p>
+            <a:pPr rtl="0"/>
+            <a:endParaRPr lang="ko-KR" altLang="en-US" noProof="1">
+              <a:ea typeface="맑은 고딕" panose="020B0503020000020004" pitchFamily="50" charset="-127"/>
+            </a:endParaRPr>
+          </a:p>
+        </p:txBody>
+      </p:sp>
+      <p:sp>
+        <p:nvSpPr>
+          <p:cNvPr id="4" name="슬라이드 번호 개체 틀 3"/>
+          <p:cNvSpPr>
+            <a:spLocks noGrp="1"/>
+          </p:cNvSpPr>
+          <p:nvPr>
+            <p:ph type="sldNum" sz="quarter" idx="5"/>
+          </p:nvPr>
+        </p:nvSpPr>
+        <p:spPr/>
+        <p:txBody>
+          <a:bodyPr rtlCol="0"/>
+          <a:lstStyle/>
+          <a:p>
+            <a:pPr rtl="0"/>
+            <a:fld id="{0F8442E7-1E35-4707-8504-AE37222ED57D}" type="slidenum">
+              <a:rPr lang="en-US" altLang="ko-KR" noProof="1" smtClean="0">
+                <a:ea typeface="맑은 고딕" panose="020B0503020000020004" pitchFamily="50" charset="-127"/>
+              </a:rPr>
+              <a:t>12</a:t>
+            </a:fld>
+            <a:endParaRPr lang="ko-KR" altLang="en-US" noProof="1">
+              <a:ea typeface="맑은 고딕" panose="020B0503020000020004" pitchFamily="50" charset="-127"/>
+            </a:endParaRPr>
+          </a:p>
+        </p:txBody>
+      </p:sp>
+    </p:spTree>
+    <p:extLst>
+      <p:ext uri="{BB962C8B-B14F-4D97-AF65-F5344CB8AC3E}">
+        <p14:creationId xmlns:p14="http://schemas.microsoft.com/office/powerpoint/2010/main" val="3687908648"/>
+      </p:ext>
+    </p:extLst>
+  </p:cSld>
+  <p:clrMapOvr>
+    <a:masterClrMapping/>
+  </p:clrMapOvr>
+</p:notes>
+</file>
+
+<file path=ppt/notesSlides/notesSlide13.xml><?xml version="1.0" encoding="utf-8"?>
+<p:notes xmlns:a="http://schemas.openxmlformats.org/drawingml/2006/main" xmlns:r="http://schemas.openxmlformats.org/officeDocument/2006/relationships" xmlns:p="http://schemas.openxmlformats.org/presentationml/2006/main">
+  <p:cSld>
+    <p:spTree>
+      <p:nvGrpSpPr>
+        <p:cNvPr id="1" name=""/>
+        <p:cNvGrpSpPr/>
+        <p:nvPr/>
+      </p:nvGrpSpPr>
+      <p:grpSpPr>
+        <a:xfrm>
+          <a:off x="0" y="0"/>
+          <a:ext cx="0" cy="0"/>
+          <a:chOff x="0" y="0"/>
+          <a:chExt cx="0" cy="0"/>
+        </a:xfrm>
+      </p:grpSpPr>
+      <p:sp>
+        <p:nvSpPr>
+          <p:cNvPr id="2" name="슬라이드 이미지 개체 틀 1"/>
+          <p:cNvSpPr>
+            <a:spLocks noGrp="1" noRot="1" noChangeAspect="1"/>
+          </p:cNvSpPr>
+          <p:nvPr>
+            <p:ph type="sldImg"/>
+          </p:nvPr>
+        </p:nvSpPr>
+        <p:spPr/>
+      </p:sp>
+      <p:sp>
+        <p:nvSpPr>
+          <p:cNvPr id="3" name="슬라이드 노트 개체 틀 2"/>
+          <p:cNvSpPr>
+            <a:spLocks noGrp="1"/>
+          </p:cNvSpPr>
+          <p:nvPr>
+            <p:ph type="body" idx="1"/>
+          </p:nvPr>
+        </p:nvSpPr>
+        <p:spPr/>
+        <p:txBody>
+          <a:bodyPr rtlCol="0"/>
+          <a:lstStyle/>
+          <a:p>
+            <a:pPr rtl="0"/>
+            <a:endParaRPr lang="ko-KR" altLang="en-US" noProof="1">
+              <a:ea typeface="맑은 고딕" panose="020B0503020000020004" pitchFamily="50" charset="-127"/>
+            </a:endParaRPr>
+          </a:p>
+        </p:txBody>
+      </p:sp>
+      <p:sp>
+        <p:nvSpPr>
+          <p:cNvPr id="4" name="슬라이드 번호 개체 틀 3"/>
+          <p:cNvSpPr>
+            <a:spLocks noGrp="1"/>
+          </p:cNvSpPr>
+          <p:nvPr>
+            <p:ph type="sldNum" sz="quarter" idx="5"/>
+          </p:nvPr>
+        </p:nvSpPr>
+        <p:spPr/>
+        <p:txBody>
+          <a:bodyPr rtlCol="0"/>
+          <a:lstStyle/>
+          <a:p>
+            <a:pPr rtl="0"/>
+            <a:fld id="{0F8442E7-1E35-4707-8504-AE37222ED57D}" type="slidenum">
+              <a:rPr lang="en-US" altLang="ko-KR" noProof="1" smtClean="0">
+                <a:ea typeface="맑은 고딕" panose="020B0503020000020004" pitchFamily="50" charset="-127"/>
+              </a:rPr>
+              <a:t>13</a:t>
+            </a:fld>
+            <a:endParaRPr lang="ko-KR" altLang="en-US" noProof="1">
+              <a:ea typeface="맑은 고딕" panose="020B0503020000020004" pitchFamily="50" charset="-127"/>
+            </a:endParaRPr>
+          </a:p>
+        </p:txBody>
+      </p:sp>
+    </p:spTree>
+    <p:extLst>
+      <p:ext uri="{BB962C8B-B14F-4D97-AF65-F5344CB8AC3E}">
+        <p14:creationId xmlns:p14="http://schemas.microsoft.com/office/powerpoint/2010/main" val="271787006"/>
+      </p:ext>
+    </p:extLst>
+  </p:cSld>
+  <p:clrMapOvr>
+    <a:masterClrMapping/>
+  </p:clrMapOvr>
+</p:notes>
+</file>
+
+<file path=ppt/notesSlides/notesSlide14.xml><?xml version="1.0" encoding="utf-8"?>
+<p:notes xmlns:a="http://schemas.openxmlformats.org/drawingml/2006/main" xmlns:r="http://schemas.openxmlformats.org/officeDocument/2006/relationships" xmlns:p="http://schemas.openxmlformats.org/presentationml/2006/main">
+  <p:cSld>
+    <p:spTree>
+      <p:nvGrpSpPr>
+        <p:cNvPr id="1" name=""/>
+        <p:cNvGrpSpPr/>
+        <p:nvPr/>
+      </p:nvGrpSpPr>
+      <p:grpSpPr>
+        <a:xfrm>
+          <a:off x="0" y="0"/>
+          <a:ext cx="0" cy="0"/>
+          <a:chOff x="0" y="0"/>
+          <a:chExt cx="0" cy="0"/>
+        </a:xfrm>
+      </p:grpSpPr>
+      <p:sp>
+        <p:nvSpPr>
+          <p:cNvPr id="2" name="슬라이드 이미지 개체 틀 1"/>
+          <p:cNvSpPr>
+            <a:spLocks noGrp="1" noRot="1" noChangeAspect="1"/>
+          </p:cNvSpPr>
+          <p:nvPr>
+            <p:ph type="sldImg"/>
+          </p:nvPr>
+        </p:nvSpPr>
+        <p:spPr/>
+      </p:sp>
+      <p:sp>
+        <p:nvSpPr>
+          <p:cNvPr id="3" name="슬라이드 노트 개체 틀 2"/>
+          <p:cNvSpPr>
+            <a:spLocks noGrp="1"/>
+          </p:cNvSpPr>
+          <p:nvPr>
+            <p:ph type="body" idx="1"/>
+          </p:nvPr>
+        </p:nvSpPr>
+        <p:spPr/>
+        <p:txBody>
+          <a:bodyPr rtlCol="0"/>
+          <a:lstStyle/>
+          <a:p>
+            <a:pPr rtl="0"/>
+            <a:endParaRPr lang="ko-KR" altLang="en-US" noProof="1">
+              <a:ea typeface="맑은 고딕" panose="020B0503020000020004" pitchFamily="50" charset="-127"/>
+            </a:endParaRPr>
+          </a:p>
+        </p:txBody>
+      </p:sp>
+      <p:sp>
+        <p:nvSpPr>
+          <p:cNvPr id="4" name="슬라이드 번호 개체 틀 3"/>
+          <p:cNvSpPr>
+            <a:spLocks noGrp="1"/>
+          </p:cNvSpPr>
+          <p:nvPr>
+            <p:ph type="sldNum" sz="quarter" idx="5"/>
+          </p:nvPr>
+        </p:nvSpPr>
+        <p:spPr/>
+        <p:txBody>
+          <a:bodyPr rtlCol="0"/>
+          <a:lstStyle/>
+          <a:p>
+            <a:pPr rtl="0"/>
+            <a:fld id="{0F8442E7-1E35-4707-8504-AE37222ED57D}" type="slidenum">
+              <a:rPr lang="en-US" altLang="ko-KR" noProof="1" smtClean="0">
+                <a:ea typeface="맑은 고딕" panose="020B0503020000020004" pitchFamily="50" charset="-127"/>
+              </a:rPr>
+              <a:t>14</a:t>
+            </a:fld>
+            <a:endParaRPr lang="ko-KR" altLang="en-US" noProof="1">
+              <a:ea typeface="맑은 고딕" panose="020B0503020000020004" pitchFamily="50" charset="-127"/>
+            </a:endParaRPr>
+          </a:p>
+        </p:txBody>
+      </p:sp>
+    </p:spTree>
+    <p:extLst>
+      <p:ext uri="{BB962C8B-B14F-4D97-AF65-F5344CB8AC3E}">
+        <p14:creationId xmlns:p14="http://schemas.microsoft.com/office/powerpoint/2010/main" val="3331645963"/>
       </p:ext>
     </p:extLst>
   </p:cSld>
@@ -1814,7 +2186,7 @@
           <a:p>
             <a:fld id="{0B54A9C8-BA70-4B48-95E6-45E856F36760}" type="datetime1">
               <a:rPr lang="ko-KR" altLang="en-US" noProof="1" smtClean="0"/>
-              <a:t>2021-05-24</a:t>
+              <a:t>2021-06-13</a:t>
             </a:fld>
             <a:endParaRPr lang="ko-KR" altLang="en-US" noProof="1"/>
           </a:p>
@@ -1993,7 +2365,7 @@
           <a:p>
             <a:fld id="{938A1676-6EC2-44D1-A2DF-86C4DC62DF04}" type="datetime1">
               <a:rPr lang="ko-KR" altLang="en-US" noProof="1" smtClean="0"/>
-              <a:t>2021-05-24</a:t>
+              <a:t>2021-06-13</a:t>
             </a:fld>
             <a:endParaRPr lang="ko-KR" altLang="en-US" noProof="1"/>
           </a:p>
@@ -2470,7 +2842,7 @@
           <a:p>
             <a:fld id="{9B7F9021-0BB2-460F-937F-BCBDB2AC1996}" type="datetime1">
               <a:rPr lang="ko-KR" altLang="en-US" noProof="1" smtClean="0"/>
-              <a:t>2021-05-24</a:t>
+              <a:t>2021-06-13</a:t>
             </a:fld>
             <a:endParaRPr lang="ko-KR" altLang="en-US" noProof="1"/>
           </a:p>
@@ -3000,7 +3372,7 @@
           <a:p>
             <a:fld id="{FF634A02-0D94-4530-89BB-D2D454250511}" type="datetime1">
               <a:rPr lang="ko-KR" altLang="en-US" noProof="1" smtClean="0"/>
-              <a:t>2021-05-24</a:t>
+              <a:t>2021-06-13</a:t>
             </a:fld>
             <a:endParaRPr lang="ko-KR" altLang="en-US" noProof="1"/>
           </a:p>
@@ -3513,7 +3885,7 @@
             <a:pPr rtl="0"/>
             <a:fld id="{FA171D24-B9F8-4062-BF5C-53936FCAA97C}" type="datetime1">
               <a:rPr lang="ko-KR" altLang="en-US" noProof="1" smtClean="0"/>
-              <a:t>2021-05-24</a:t>
+              <a:t>2021-06-13</a:t>
             </a:fld>
             <a:endParaRPr lang="ko-KR" altLang="en-US" noProof="1"/>
           </a:p>
@@ -3762,7 +4134,7 @@
           <a:p>
             <a:fld id="{335F7840-18EC-4C69-BD04-F06CF802B6A4}" type="datetime1">
               <a:rPr lang="ko-KR" altLang="en-US" noProof="1" smtClean="0"/>
-              <a:t>2021-05-24</a:t>
+              <a:t>2021-06-13</a:t>
             </a:fld>
             <a:endParaRPr lang="ko-KR" altLang="en-US" noProof="1"/>
           </a:p>
@@ -4545,7 +4917,7 @@
           <a:p>
             <a:fld id="{F4AD115A-45C9-40C1-A582-B0BD24482304}" type="datetime1">
               <a:rPr lang="ko-KR" altLang="en-US" noProof="1" smtClean="0"/>
-              <a:t>2021-05-24</a:t>
+              <a:t>2021-06-13</a:t>
             </a:fld>
             <a:endParaRPr lang="ko-KR" altLang="en-US" noProof="1"/>
           </a:p>
@@ -4934,7 +5306,7 @@
           <a:p>
             <a:fld id="{B2479F49-6E7A-454B-84ED-9681F655C86B}" type="datetime1">
               <a:rPr lang="ko-KR" altLang="en-US" noProof="1" smtClean="0"/>
-              <a:t>2021-05-24</a:t>
+              <a:t>2021-06-13</a:t>
             </a:fld>
             <a:endParaRPr lang="ko-KR" altLang="en-US" noProof="1"/>
           </a:p>
@@ -5573,7 +5945,7 @@
           <a:p>
             <a:fld id="{122D1E9F-E6A0-49D1-8DEF-C6B1B027799D}" type="datetime1">
               <a:rPr lang="ko-KR" altLang="en-US" noProof="1" smtClean="0"/>
-              <a:t>2021-05-24</a:t>
+              <a:t>2021-06-13</a:t>
             </a:fld>
             <a:endParaRPr lang="ko-KR" altLang="en-US" noProof="1"/>
           </a:p>
@@ -5971,7 +6343,7 @@
           <a:p>
             <a:fld id="{5F451D80-7668-4748-B8EA-A22A4A431D43}" type="datetime1">
               <a:rPr lang="ko-KR" altLang="en-US" noProof="1" smtClean="0"/>
-              <a:t>2021-05-24</a:t>
+              <a:t>2021-06-13</a:t>
             </a:fld>
             <a:endParaRPr lang="ko-KR" altLang="en-US" noProof="1"/>
           </a:p>
@@ -6407,7 +6779,7 @@
           <a:p>
             <a:fld id="{F2946A5D-DE14-4244-B0F2-802DE334AAD0}" type="datetime1">
               <a:rPr lang="ko-KR" altLang="en-US" noProof="1" smtClean="0"/>
-              <a:t>2021-05-24</a:t>
+              <a:t>2021-06-13</a:t>
             </a:fld>
             <a:endParaRPr lang="ko-KR" altLang="en-US" noProof="1"/>
           </a:p>
@@ -6762,7 +7134,7 @@
           <a:p>
             <a:fld id="{51BD6E70-7DF4-4FDB-8095-7C5D5BD44452}" type="datetime1">
               <a:rPr lang="ko-KR" altLang="en-US" noProof="1" smtClean="0"/>
-              <a:t>2021-05-24</a:t>
+              <a:t>2021-06-13</a:t>
             </a:fld>
             <a:endParaRPr lang="ko-KR" altLang="en-US" noProof="1"/>
           </a:p>
@@ -7314,7 +7686,7 @@
           <a:p>
             <a:fld id="{396E87A6-9E32-4D89-B930-5FFC15180104}" type="datetime1">
               <a:rPr lang="ko-KR" altLang="en-US" noProof="1" smtClean="0"/>
-              <a:t>2021-05-24</a:t>
+              <a:t>2021-06-13</a:t>
             </a:fld>
             <a:endParaRPr lang="ko-KR" altLang="en-US" noProof="1"/>
           </a:p>
@@ -7641,7 +8013,7 @@
           <a:p>
             <a:fld id="{50CBE6E2-341C-40E0-A2FA-072549F49128}" type="datetime1">
               <a:rPr lang="ko-KR" altLang="en-US" noProof="1" smtClean="0"/>
-              <a:t>2021-05-24</a:t>
+              <a:t>2021-06-13</a:t>
             </a:fld>
             <a:endParaRPr lang="ko-KR" altLang="en-US" noProof="1"/>
           </a:p>
@@ -7850,7 +8222,7 @@
           <a:p>
             <a:fld id="{880BD98A-63B9-4719-840D-A81076C1799E}" type="datetime1">
               <a:rPr lang="ko-KR" altLang="en-US" noProof="1" smtClean="0"/>
-              <a:t>2021-05-24</a:t>
+              <a:t>2021-06-13</a:t>
             </a:fld>
             <a:endParaRPr lang="ko-KR" altLang="en-US" noProof="1"/>
           </a:p>
@@ -8087,7 +8459,7 @@
           <a:p>
             <a:fld id="{2DD75E35-6548-4B07-93E8-54893E945DC7}" type="datetime1">
               <a:rPr lang="ko-KR" altLang="en-US" noProof="1" smtClean="0"/>
-              <a:t>2021-05-24</a:t>
+              <a:t>2021-06-13</a:t>
             </a:fld>
             <a:endParaRPr lang="ko-KR" altLang="en-US" noProof="1"/>
           </a:p>
@@ -8562,7 +8934,7 @@
           <a:p>
             <a:fld id="{64163D32-71D9-452E-B996-1BBCCC0ADD0C}" type="datetime1">
               <a:rPr lang="ko-KR" altLang="en-US" noProof="1" smtClean="0"/>
-              <a:t>2021-05-24</a:t>
+              <a:t>2021-06-13</a:t>
             </a:fld>
             <a:endParaRPr lang="ko-KR" altLang="en-US" noProof="1"/>
           </a:p>
@@ -10232,6 +10604,4123 @@
 </p:sld>
 </file>
 
+<file path=ppt/slides/slide11.xml><?xml version="1.0" encoding="utf-8"?>
+<p:sld xmlns:a="http://schemas.openxmlformats.org/drawingml/2006/main" xmlns:r="http://schemas.openxmlformats.org/officeDocument/2006/relationships" xmlns:p="http://schemas.openxmlformats.org/presentationml/2006/main">
+  <p:cSld>
+    <p:spTree>
+      <p:nvGrpSpPr>
+        <p:cNvPr id="1" name=""/>
+        <p:cNvGrpSpPr/>
+        <p:nvPr/>
+      </p:nvGrpSpPr>
+      <p:grpSpPr>
+        <a:xfrm>
+          <a:off x="0" y="0"/>
+          <a:ext cx="0" cy="0"/>
+          <a:chOff x="0" y="0"/>
+          <a:chExt cx="0" cy="0"/>
+        </a:xfrm>
+      </p:grpSpPr>
+      <p:sp>
+        <p:nvSpPr>
+          <p:cNvPr id="2" name="제목 1">
+            <a:extLst>
+              <a:ext uri="{FF2B5EF4-FFF2-40B4-BE49-F238E27FC236}">
+                <a16:creationId xmlns:a16="http://schemas.microsoft.com/office/drawing/2014/main" id="{6F204F3F-D196-428C-AE74-238938FD8008}"/>
+              </a:ext>
+            </a:extLst>
+          </p:cNvPr>
+          <p:cNvSpPr>
+            <a:spLocks noGrp="1"/>
+          </p:cNvSpPr>
+          <p:nvPr>
+            <p:ph type="title"/>
+          </p:nvPr>
+        </p:nvSpPr>
+        <p:spPr/>
+        <p:txBody>
+          <a:bodyPr rtlCol="0"/>
+          <a:lstStyle/>
+          <a:p>
+            <a:pPr rtl="0"/>
+            <a:r>
+              <a:rPr lang="ko-KR" altLang="en-US" noProof="1"/>
+              <a:t>표준 입출력</a:t>
+            </a:r>
+            <a:r>
+              <a:rPr lang="en-US" altLang="ko-KR" noProof="1"/>
+              <a:t>(</a:t>
+            </a:r>
+            <a:r>
+              <a:rPr lang="ko-KR" altLang="en-US" noProof="1"/>
+              <a:t>오류 처리</a:t>
+            </a:r>
+            <a:r>
+              <a:rPr lang="en-US" altLang="ko-KR" noProof="1"/>
+              <a:t>)</a:t>
+            </a:r>
+            <a:endParaRPr lang="ko-KR" altLang="en-US" noProof="1">
+              <a:ea typeface="맑은 고딕" panose="020B0503020000020004" pitchFamily="50" charset="-127"/>
+            </a:endParaRPr>
+          </a:p>
+        </p:txBody>
+      </p:sp>
+      <p:sp>
+        <p:nvSpPr>
+          <p:cNvPr id="4" name="내용 개체 틀 3">
+            <a:extLst>
+              <a:ext uri="{FF2B5EF4-FFF2-40B4-BE49-F238E27FC236}">
+                <a16:creationId xmlns:a16="http://schemas.microsoft.com/office/drawing/2014/main" id="{96CE665F-14BA-4497-89D9-62FF51142EB8}"/>
+              </a:ext>
+            </a:extLst>
+          </p:cNvPr>
+          <p:cNvSpPr txBox="1">
+            <a:spLocks/>
+          </p:cNvSpPr>
+          <p:nvPr/>
+        </p:nvSpPr>
+        <p:spPr>
+          <a:xfrm>
+            <a:off x="581191" y="3216166"/>
+            <a:ext cx="10979765" cy="2939678"/>
+          </a:xfrm>
+          <a:prstGeom prst="rect">
+            <a:avLst/>
+          </a:prstGeom>
+        </p:spPr>
+        <p:txBody>
+          <a:bodyPr vert="horz" lIns="91440" tIns="45720" rIns="91440" bIns="45720" rtlCol="0" anchor="t">
+            <a:normAutofit/>
+          </a:bodyPr>
+          <a:lstStyle>
+            <a:lvl1pPr marL="306000" indent="-306000" algn="l" defTabSz="457200" rtl="0" eaLnBrk="1" latinLnBrk="1" hangingPunct="1">
+              <a:spcBef>
+                <a:spcPct val="20000"/>
+              </a:spcBef>
+              <a:spcAft>
+                <a:spcPts val="600"/>
+              </a:spcAft>
+              <a:buClr>
+                <a:schemeClr val="accent1"/>
+              </a:buClr>
+              <a:buSzPct val="92000"/>
+              <a:buFont typeface="Wingdings 2" panose="05020102010507070707" pitchFamily="18" charset="2"/>
+              <a:buChar char=""/>
+              <a:defRPr sz="1800" kern="1200" baseline="0">
+                <a:solidFill>
+                  <a:schemeClr val="tx1">
+                    <a:lumMod val="75000"/>
+                    <a:lumOff val="25000"/>
+                  </a:schemeClr>
+                </a:solidFill>
+                <a:latin typeface="맑은 고딕" panose="020B0503020000020004" pitchFamily="50" charset="-127"/>
+                <a:ea typeface="맑은 고딕" panose="020B0503020000020004" pitchFamily="50" charset="-127"/>
+                <a:cs typeface="+mn-cs"/>
+              </a:defRPr>
+            </a:lvl1pPr>
+            <a:lvl2pPr marL="630000" eaLnBrk="1" latinLnBrk="1" hangingPunct="1">
+              <a:buClr>
+                <a:schemeClr val="accent1"/>
+              </a:buClr>
+              <a:buSzPct val="92000"/>
+              <a:buFont typeface="Wingdings 2" panose="05020102010507070707" pitchFamily="18" charset="2"/>
+              <a:buChar char=""/>
+              <a:defRPr baseline="0">
+                <a:latin typeface="맑은 고딕" panose="020B0503020000020004" pitchFamily="50" charset="-127"/>
+                <a:ea typeface="맑은 고딕" panose="020B0503020000020004" pitchFamily="50" charset="-127"/>
+              </a:defRPr>
+            </a:lvl2pPr>
+            <a:lvl3pPr marL="900000" eaLnBrk="1" latinLnBrk="1" hangingPunct="1">
+              <a:buClr>
+                <a:schemeClr val="accent1"/>
+              </a:buClr>
+              <a:buSzPct val="92000"/>
+              <a:buFont typeface="Wingdings 2" panose="05020102010507070707" pitchFamily="18" charset="2"/>
+              <a:buChar char=""/>
+              <a:defRPr baseline="0">
+                <a:latin typeface="맑은 고딕" panose="020B0503020000020004" pitchFamily="50" charset="-127"/>
+                <a:ea typeface="맑은 고딕" panose="020B0503020000020004" pitchFamily="50" charset="-127"/>
+              </a:defRPr>
+            </a:lvl3pPr>
+            <a:lvl4pPr marL="1242000" eaLnBrk="1" latinLnBrk="1" hangingPunct="1">
+              <a:buClr>
+                <a:schemeClr val="accent1"/>
+              </a:buClr>
+              <a:buSzPct val="92000"/>
+              <a:buFont typeface="Wingdings 2" panose="05020102010507070707" pitchFamily="18" charset="2"/>
+              <a:buChar char=""/>
+              <a:defRPr baseline="0">
+                <a:latin typeface="맑은 고딕" panose="020B0503020000020004" pitchFamily="50" charset="-127"/>
+                <a:ea typeface="맑은 고딕" panose="020B0503020000020004" pitchFamily="50" charset="-127"/>
+              </a:defRPr>
+            </a:lvl4pPr>
+            <a:lvl5pPr marL="1602000" eaLnBrk="1" latinLnBrk="1" hangingPunct="1">
+              <a:buClr>
+                <a:schemeClr val="accent1"/>
+              </a:buClr>
+              <a:buSzPct val="92000"/>
+              <a:buFont typeface="Wingdings 2" panose="05020102010507070707" pitchFamily="18" charset="2"/>
+              <a:buChar char=""/>
+              <a:defRPr baseline="0">
+                <a:latin typeface="맑은 고딕" panose="020B0503020000020004" pitchFamily="50" charset="-127"/>
+                <a:ea typeface="맑은 고딕" panose="020B0503020000020004" pitchFamily="50" charset="-127"/>
+              </a:defRPr>
+            </a:lvl5pPr>
+          </a:lstStyle>
+          <a:p>
+            <a:pPr marL="0" indent="0">
+              <a:lnSpc>
+                <a:spcPct val="150000"/>
+              </a:lnSpc>
+              <a:buFont typeface="Wingdings 2" panose="05020102010507070707" pitchFamily="18" charset="2"/>
+              <a:buNone/>
+            </a:pPr>
+            <a:br>
+              <a:rPr lang="en-US" altLang="ko-KR" dirty="0"/>
+            </a:br>
+            <a:endParaRPr lang="en-US" altLang="ko-KR" dirty="0"/>
+          </a:p>
+        </p:txBody>
+      </p:sp>
+      <p:sp>
+        <p:nvSpPr>
+          <p:cNvPr id="13" name="내용 개체 틀 3">
+            <a:extLst>
+              <a:ext uri="{FF2B5EF4-FFF2-40B4-BE49-F238E27FC236}">
+                <a16:creationId xmlns:a16="http://schemas.microsoft.com/office/drawing/2014/main" id="{7BC142BD-59D9-496E-9CD1-A13E229BEEE9}"/>
+              </a:ext>
+            </a:extLst>
+          </p:cNvPr>
+          <p:cNvSpPr txBox="1">
+            <a:spLocks/>
+          </p:cNvSpPr>
+          <p:nvPr/>
+        </p:nvSpPr>
+        <p:spPr>
+          <a:xfrm>
+            <a:off x="581191" y="1688321"/>
+            <a:ext cx="10979765" cy="4816711"/>
+          </a:xfrm>
+          <a:prstGeom prst="rect">
+            <a:avLst/>
+          </a:prstGeom>
+        </p:spPr>
+        <p:txBody>
+          <a:bodyPr vert="horz" lIns="91440" tIns="45720" rIns="91440" bIns="45720" rtlCol="0" anchor="t">
+            <a:noAutofit/>
+          </a:bodyPr>
+          <a:lstStyle>
+            <a:lvl1pPr marL="306000" indent="-306000" algn="l" defTabSz="457200" rtl="0" eaLnBrk="1" latinLnBrk="1" hangingPunct="1">
+              <a:spcBef>
+                <a:spcPct val="20000"/>
+              </a:spcBef>
+              <a:spcAft>
+                <a:spcPts val="600"/>
+              </a:spcAft>
+              <a:buClr>
+                <a:schemeClr val="accent1"/>
+              </a:buClr>
+              <a:buSzPct val="92000"/>
+              <a:buFont typeface="Wingdings 2" panose="05020102010507070707" pitchFamily="18" charset="2"/>
+              <a:buChar char=""/>
+              <a:defRPr sz="1800" kern="1200" baseline="0">
+                <a:solidFill>
+                  <a:schemeClr val="tx1">
+                    <a:lumMod val="75000"/>
+                    <a:lumOff val="25000"/>
+                  </a:schemeClr>
+                </a:solidFill>
+                <a:latin typeface="맑은 고딕" panose="020B0503020000020004" pitchFamily="50" charset="-127"/>
+                <a:ea typeface="맑은 고딕" panose="020B0503020000020004" pitchFamily="50" charset="-127"/>
+                <a:cs typeface="+mn-cs"/>
+              </a:defRPr>
+            </a:lvl1pPr>
+            <a:lvl2pPr marL="630000" eaLnBrk="1" latinLnBrk="1" hangingPunct="1">
+              <a:buClr>
+                <a:schemeClr val="accent1"/>
+              </a:buClr>
+              <a:buSzPct val="92000"/>
+              <a:buFont typeface="Wingdings 2" panose="05020102010507070707" pitchFamily="18" charset="2"/>
+              <a:buChar char=""/>
+              <a:defRPr baseline="0">
+                <a:latin typeface="맑은 고딕" panose="020B0503020000020004" pitchFamily="50" charset="-127"/>
+                <a:ea typeface="맑은 고딕" panose="020B0503020000020004" pitchFamily="50" charset="-127"/>
+              </a:defRPr>
+            </a:lvl2pPr>
+            <a:lvl3pPr marL="900000" eaLnBrk="1" latinLnBrk="1" hangingPunct="1">
+              <a:buClr>
+                <a:schemeClr val="accent1"/>
+              </a:buClr>
+              <a:buSzPct val="92000"/>
+              <a:buFont typeface="Wingdings 2" panose="05020102010507070707" pitchFamily="18" charset="2"/>
+              <a:buChar char=""/>
+              <a:defRPr baseline="0">
+                <a:latin typeface="맑은 고딕" panose="020B0503020000020004" pitchFamily="50" charset="-127"/>
+                <a:ea typeface="맑은 고딕" panose="020B0503020000020004" pitchFamily="50" charset="-127"/>
+              </a:defRPr>
+            </a:lvl3pPr>
+            <a:lvl4pPr marL="1242000" eaLnBrk="1" latinLnBrk="1" hangingPunct="1">
+              <a:buClr>
+                <a:schemeClr val="accent1"/>
+              </a:buClr>
+              <a:buSzPct val="92000"/>
+              <a:buFont typeface="Wingdings 2" panose="05020102010507070707" pitchFamily="18" charset="2"/>
+              <a:buChar char=""/>
+              <a:defRPr baseline="0">
+                <a:latin typeface="맑은 고딕" panose="020B0503020000020004" pitchFamily="50" charset="-127"/>
+                <a:ea typeface="맑은 고딕" panose="020B0503020000020004" pitchFamily="50" charset="-127"/>
+              </a:defRPr>
+            </a:lvl4pPr>
+            <a:lvl5pPr marL="1602000" eaLnBrk="1" latinLnBrk="1" hangingPunct="1">
+              <a:buClr>
+                <a:schemeClr val="accent1"/>
+              </a:buClr>
+              <a:buSzPct val="92000"/>
+              <a:buFont typeface="Wingdings 2" panose="05020102010507070707" pitchFamily="18" charset="2"/>
+              <a:buChar char=""/>
+              <a:defRPr baseline="0">
+                <a:latin typeface="맑은 고딕" panose="020B0503020000020004" pitchFamily="50" charset="-127"/>
+                <a:ea typeface="맑은 고딕" panose="020B0503020000020004" pitchFamily="50" charset="-127"/>
+              </a:defRPr>
+            </a:lvl5pPr>
+          </a:lstStyle>
+          <a:p>
+            <a:r>
+              <a:rPr lang="ko-KR" altLang="en-US" sz="1400" b="1" dirty="0">
+                <a:latin typeface="Malgun Gothic Semilight" panose="020B0503020000020004" pitchFamily="34" charset="-127"/>
+                <a:ea typeface="Malgun Gothic Semilight" panose="020B0503020000020004" pitchFamily="34" charset="-127"/>
+                <a:cs typeface="Malgun Gothic Semilight" panose="020B0503020000020004" pitchFamily="34" charset="-127"/>
+              </a:rPr>
+              <a:t>파일은 존재하지 않지만 열기 동작은 실패하지 않는다</a:t>
+            </a:r>
+            <a:r>
+              <a:rPr lang="en-US" altLang="ko-KR" sz="1400" b="1" dirty="0">
+                <a:latin typeface="Malgun Gothic Semilight" panose="020B0503020000020004" pitchFamily="34" charset="-127"/>
+                <a:ea typeface="Malgun Gothic Semilight" panose="020B0503020000020004" pitchFamily="34" charset="-127"/>
+                <a:cs typeface="Malgun Gothic Semilight" panose="020B0503020000020004" pitchFamily="34" charset="-127"/>
+              </a:rPr>
+              <a:t>. </a:t>
+            </a:r>
+            <a:r>
+              <a:rPr lang="ko-KR" altLang="en-US" sz="1400" b="1" dirty="0">
+                <a:latin typeface="Malgun Gothic Semilight" panose="020B0503020000020004" pitchFamily="34" charset="-127"/>
+                <a:ea typeface="Malgun Gothic Semilight" panose="020B0503020000020004" pitchFamily="34" charset="-127"/>
+                <a:cs typeface="Malgun Gothic Semilight" panose="020B0503020000020004" pitchFamily="34" charset="-127"/>
+              </a:rPr>
+              <a:t>존재하지 않는 파일을 읽을 수도 있으며</a:t>
+            </a:r>
+            <a:r>
+              <a:rPr lang="en-US" altLang="ko-KR" sz="1400" b="1" dirty="0">
+                <a:latin typeface="Malgun Gothic Semilight" panose="020B0503020000020004" pitchFamily="34" charset="-127"/>
+                <a:ea typeface="Malgun Gothic Semilight" panose="020B0503020000020004" pitchFamily="34" charset="-127"/>
+                <a:cs typeface="Malgun Gothic Semilight" panose="020B0503020000020004" pitchFamily="34" charset="-127"/>
+              </a:rPr>
+              <a:t>, </a:t>
+            </a:r>
+            <a:r>
+              <a:rPr lang="ko-KR" altLang="en-US" sz="1400" b="1" dirty="0">
+                <a:latin typeface="Malgun Gothic Semilight" panose="020B0503020000020004" pitchFamily="34" charset="-127"/>
+                <a:ea typeface="Malgun Gothic Semilight" panose="020B0503020000020004" pitchFamily="34" charset="-127"/>
+                <a:cs typeface="Malgun Gothic Semilight" panose="020B0503020000020004" pitchFamily="34" charset="-127"/>
+              </a:rPr>
+              <a:t>그 뒤에도 프로그램은 계속 진행된다</a:t>
+            </a:r>
+            <a:r>
+              <a:rPr lang="en-US" altLang="ko-KR" sz="1400" b="1" dirty="0">
+                <a:latin typeface="Malgun Gothic Semilight" panose="020B0503020000020004" pitchFamily="34" charset="-127"/>
+                <a:ea typeface="Malgun Gothic Semilight" panose="020B0503020000020004" pitchFamily="34" charset="-127"/>
+                <a:cs typeface="Malgun Gothic Semilight" panose="020B0503020000020004" pitchFamily="34" charset="-127"/>
+              </a:rPr>
+              <a:t>.</a:t>
+            </a:r>
+          </a:p>
+          <a:p>
+            <a:r>
+              <a:rPr lang="ko-KR" altLang="en-US" sz="1400" b="1" dirty="0">
+                <a:latin typeface="Malgun Gothic Semilight" panose="020B0503020000020004" pitchFamily="34" charset="-127"/>
+                <a:ea typeface="Malgun Gothic Semilight" panose="020B0503020000020004" pitchFamily="34" charset="-127"/>
+                <a:cs typeface="Malgun Gothic Semilight" panose="020B0503020000020004" pitchFamily="34" charset="-127"/>
+              </a:rPr>
+              <a:t>오류 플래그를 통해 파일이 정상적으로 </a:t>
+            </a:r>
+            <a:r>
+              <a:rPr lang="en-US" altLang="ko-KR" sz="1400" b="1" dirty="0">
+                <a:latin typeface="Malgun Gothic Semilight" panose="020B0503020000020004" pitchFamily="34" charset="-127"/>
+                <a:ea typeface="Malgun Gothic Semilight" panose="020B0503020000020004" pitchFamily="34" charset="-127"/>
+                <a:cs typeface="Malgun Gothic Semilight" panose="020B0503020000020004" pitchFamily="34" charset="-127"/>
+              </a:rPr>
+              <a:t>I/O </a:t>
+            </a:r>
+            <a:r>
+              <a:rPr lang="ko-KR" altLang="en-US" sz="1400" b="1" dirty="0">
+                <a:latin typeface="Malgun Gothic Semilight" panose="020B0503020000020004" pitchFamily="34" charset="-127"/>
+                <a:ea typeface="Malgun Gothic Semilight" panose="020B0503020000020004" pitchFamily="34" charset="-127"/>
+                <a:cs typeface="Malgun Gothic Semilight" panose="020B0503020000020004" pitchFamily="34" charset="-127"/>
+              </a:rPr>
+              <a:t>작업이 이루어 졌는지 확인이 필요하다</a:t>
+            </a:r>
+            <a:r>
+              <a:rPr lang="en-US" altLang="ko-KR" sz="1400" b="1" dirty="0">
+                <a:latin typeface="Malgun Gothic Semilight" panose="020B0503020000020004" pitchFamily="34" charset="-127"/>
+                <a:ea typeface="Malgun Gothic Semilight" panose="020B0503020000020004" pitchFamily="34" charset="-127"/>
+                <a:cs typeface="Malgun Gothic Semilight" panose="020B0503020000020004" pitchFamily="34" charset="-127"/>
+              </a:rPr>
+              <a:t>.</a:t>
+            </a:r>
+          </a:p>
+          <a:p>
+            <a:pPr marL="0" indent="0">
+              <a:buNone/>
+            </a:pPr>
+            <a:r>
+              <a:rPr lang="en-US" altLang="ko-KR" sz="1100" dirty="0">
+                <a:solidFill>
+                  <a:srgbClr val="000000"/>
+                </a:solidFill>
+                <a:latin typeface="돋움체" panose="020B0609000101010101" pitchFamily="49" charset="-127"/>
+                <a:ea typeface="돋움체" panose="020B0609000101010101" pitchFamily="49" charset="-127"/>
+              </a:rPr>
+              <a:t>std::</a:t>
+            </a:r>
+            <a:r>
+              <a:rPr lang="en-US" altLang="ko-KR" sz="1100" dirty="0" err="1">
+                <a:solidFill>
+                  <a:srgbClr val="2B91AF"/>
+                </a:solidFill>
+                <a:latin typeface="돋움체" panose="020B0609000101010101" pitchFamily="49" charset="-127"/>
+                <a:ea typeface="돋움체" panose="020B0609000101010101" pitchFamily="49" charset="-127"/>
+              </a:rPr>
+              <a:t>ifstream</a:t>
+            </a:r>
+            <a:r>
+              <a:rPr lang="en-US" altLang="ko-KR" sz="1100" dirty="0">
+                <a:solidFill>
+                  <a:srgbClr val="000000"/>
+                </a:solidFill>
+                <a:latin typeface="돋움체" panose="020B0609000101010101" pitchFamily="49" charset="-127"/>
+                <a:ea typeface="돋움체" panose="020B0609000101010101" pitchFamily="49" charset="-127"/>
+              </a:rPr>
+              <a:t> </a:t>
+            </a:r>
+            <a:r>
+              <a:rPr lang="en-US" altLang="ko-KR" sz="1100" dirty="0" err="1">
+                <a:solidFill>
+                  <a:srgbClr val="000000"/>
+                </a:solidFill>
+                <a:latin typeface="돋움체" panose="020B0609000101010101" pitchFamily="49" charset="-127"/>
+                <a:ea typeface="돋움체" panose="020B0609000101010101" pitchFamily="49" charset="-127"/>
+              </a:rPr>
+              <a:t>infile</a:t>
+            </a:r>
+            <a:r>
+              <a:rPr lang="en-US" altLang="ko-KR" sz="1100" dirty="0">
+                <a:solidFill>
+                  <a:srgbClr val="000000"/>
+                </a:solidFill>
+                <a:latin typeface="돋움체" panose="020B0609000101010101" pitchFamily="49" charset="-127"/>
+                <a:ea typeface="돋움체" panose="020B0609000101010101" pitchFamily="49" charset="-127"/>
+              </a:rPr>
+              <a:t>;</a:t>
+            </a:r>
+          </a:p>
+          <a:p>
+            <a:pPr marL="0" indent="0">
+              <a:buNone/>
+            </a:pPr>
+            <a:r>
+              <a:rPr lang="en-US" altLang="ko-KR" sz="1100" dirty="0">
+                <a:solidFill>
+                  <a:srgbClr val="000000"/>
+                </a:solidFill>
+                <a:latin typeface="돋움체" panose="020B0609000101010101" pitchFamily="49" charset="-127"/>
+                <a:ea typeface="돋움체" panose="020B0609000101010101" pitchFamily="49" charset="-127"/>
+              </a:rPr>
+              <a:t>std::</a:t>
+            </a:r>
+            <a:r>
+              <a:rPr lang="en-US" altLang="ko-KR" sz="1100" dirty="0">
+                <a:solidFill>
+                  <a:srgbClr val="2B91AF"/>
+                </a:solidFill>
+                <a:latin typeface="돋움체" panose="020B0609000101010101" pitchFamily="49" charset="-127"/>
+                <a:ea typeface="돋움체" panose="020B0609000101010101" pitchFamily="49" charset="-127"/>
+              </a:rPr>
+              <a:t>string</a:t>
+            </a:r>
+            <a:r>
+              <a:rPr lang="en-US" altLang="ko-KR" sz="1100" dirty="0">
+                <a:solidFill>
+                  <a:srgbClr val="000000"/>
+                </a:solidFill>
+                <a:latin typeface="돋움체" panose="020B0609000101010101" pitchFamily="49" charset="-127"/>
+                <a:ea typeface="돋움체" panose="020B0609000101010101" pitchFamily="49" charset="-127"/>
+              </a:rPr>
+              <a:t> filename(</a:t>
+            </a:r>
+            <a:r>
+              <a:rPr lang="en-US" altLang="ko-KR" sz="1100" dirty="0">
+                <a:solidFill>
+                  <a:srgbClr val="A31515"/>
+                </a:solidFill>
+                <a:latin typeface="돋움체" panose="020B0609000101010101" pitchFamily="49" charset="-127"/>
+                <a:ea typeface="돋움체" panose="020B0609000101010101" pitchFamily="49" charset="-127"/>
+              </a:rPr>
+              <a:t>＂</a:t>
+            </a:r>
+            <a:r>
+              <a:rPr lang="en-US" altLang="ko-KR" sz="1100" dirty="0" err="1">
+                <a:solidFill>
+                  <a:srgbClr val="A31515"/>
+                </a:solidFill>
+                <a:latin typeface="돋움체" panose="020B0609000101010101" pitchFamily="49" charset="-127"/>
+                <a:ea typeface="돋움체" panose="020B0609000101010101" pitchFamily="49" charset="-127"/>
+              </a:rPr>
+              <a:t>some_missing_file.xyz</a:t>
+            </a:r>
+            <a:r>
+              <a:rPr lang="en-US" altLang="ko-KR" sz="1100" dirty="0">
+                <a:solidFill>
+                  <a:srgbClr val="A31515"/>
+                </a:solidFill>
+                <a:latin typeface="돋움체" panose="020B0609000101010101" pitchFamily="49" charset="-127"/>
+                <a:ea typeface="돋움체" panose="020B0609000101010101" pitchFamily="49" charset="-127"/>
+              </a:rPr>
+              <a:t>＂</a:t>
+            </a:r>
+            <a:r>
+              <a:rPr lang="en-US" altLang="ko-KR" sz="1100" dirty="0">
+                <a:solidFill>
+                  <a:srgbClr val="000000"/>
+                </a:solidFill>
+                <a:latin typeface="돋움체" panose="020B0609000101010101" pitchFamily="49" charset="-127"/>
+                <a:ea typeface="돋움체" panose="020B0609000101010101" pitchFamily="49" charset="-127"/>
+              </a:rPr>
+              <a:t>);</a:t>
+            </a:r>
+          </a:p>
+          <a:p>
+            <a:pPr marL="0" indent="0">
+              <a:buNone/>
+            </a:pPr>
+            <a:r>
+              <a:rPr lang="en-US" altLang="ko-KR" sz="1100" dirty="0">
+                <a:solidFill>
+                  <a:srgbClr val="0000FF"/>
+                </a:solidFill>
+                <a:latin typeface="돋움체" panose="020B0609000101010101" pitchFamily="49" charset="-127"/>
+                <a:ea typeface="돋움체" panose="020B0609000101010101" pitchFamily="49" charset="-127"/>
+              </a:rPr>
+              <a:t>bool</a:t>
+            </a:r>
+            <a:r>
+              <a:rPr lang="en-US" altLang="ko-KR" sz="1100" dirty="0">
+                <a:solidFill>
+                  <a:srgbClr val="000000"/>
+                </a:solidFill>
+                <a:latin typeface="돋움체" panose="020B0609000101010101" pitchFamily="49" charset="-127"/>
+                <a:ea typeface="돋움체" panose="020B0609000101010101" pitchFamily="49" charset="-127"/>
+              </a:rPr>
+              <a:t> </a:t>
+            </a:r>
+            <a:r>
+              <a:rPr lang="en-US" altLang="ko-KR" sz="1100" dirty="0" err="1">
+                <a:solidFill>
+                  <a:srgbClr val="000000"/>
+                </a:solidFill>
+                <a:latin typeface="돋움체" panose="020B0609000101010101" pitchFamily="49" charset="-127"/>
+                <a:ea typeface="돋움체" panose="020B0609000101010101" pitchFamily="49" charset="-127"/>
+              </a:rPr>
+              <a:t>opend</a:t>
+            </a:r>
+            <a:r>
+              <a:rPr lang="en-US" altLang="ko-KR" sz="1100" dirty="0">
+                <a:solidFill>
+                  <a:srgbClr val="000000"/>
+                </a:solidFill>
+                <a:latin typeface="돋움체" panose="020B0609000101010101" pitchFamily="49" charset="-127"/>
+                <a:ea typeface="돋움체" panose="020B0609000101010101" pitchFamily="49" charset="-127"/>
+              </a:rPr>
+              <a:t> = </a:t>
+            </a:r>
+            <a:r>
+              <a:rPr lang="en-US" altLang="ko-KR" sz="1100" dirty="0">
+                <a:solidFill>
+                  <a:srgbClr val="0000FF"/>
+                </a:solidFill>
+                <a:latin typeface="돋움체" panose="020B0609000101010101" pitchFamily="49" charset="-127"/>
+                <a:ea typeface="돋움체" panose="020B0609000101010101" pitchFamily="49" charset="-127"/>
+              </a:rPr>
+              <a:t>false</a:t>
+            </a:r>
+            <a:r>
+              <a:rPr lang="en-US" altLang="ko-KR" sz="1100" dirty="0">
+                <a:solidFill>
+                  <a:srgbClr val="000000"/>
+                </a:solidFill>
+                <a:latin typeface="돋움체" panose="020B0609000101010101" pitchFamily="49" charset="-127"/>
+                <a:ea typeface="돋움체" panose="020B0609000101010101" pitchFamily="49" charset="-127"/>
+              </a:rPr>
+              <a:t>;</a:t>
+            </a:r>
+            <a:endParaRPr lang="ko-KR" altLang="en-US" sz="1100" dirty="0">
+              <a:solidFill>
+                <a:srgbClr val="000000"/>
+              </a:solidFill>
+              <a:latin typeface="돋움체" panose="020B0609000101010101" pitchFamily="49" charset="-127"/>
+              <a:ea typeface="돋움체" panose="020B0609000101010101" pitchFamily="49" charset="-127"/>
+            </a:endParaRPr>
+          </a:p>
+          <a:p>
+            <a:pPr marL="0" indent="0">
+              <a:buNone/>
+            </a:pPr>
+            <a:r>
+              <a:rPr lang="en-US" altLang="ko-KR" sz="1100" dirty="0">
+                <a:solidFill>
+                  <a:srgbClr val="0000FF"/>
+                </a:solidFill>
+                <a:latin typeface="돋움체" panose="020B0609000101010101" pitchFamily="49" charset="-127"/>
+                <a:ea typeface="돋움체" panose="020B0609000101010101" pitchFamily="49" charset="-127"/>
+              </a:rPr>
+              <a:t>while</a:t>
+            </a:r>
+            <a:r>
+              <a:rPr lang="en-US" altLang="ko-KR" sz="1100" dirty="0">
+                <a:solidFill>
+                  <a:srgbClr val="000000"/>
+                </a:solidFill>
+                <a:latin typeface="돋움체" panose="020B0609000101010101" pitchFamily="49" charset="-127"/>
+                <a:ea typeface="돋움체" panose="020B0609000101010101" pitchFamily="49" charset="-127"/>
+              </a:rPr>
+              <a:t> (!</a:t>
+            </a:r>
+            <a:r>
+              <a:rPr lang="en-US" altLang="ko-KR" sz="1100" dirty="0" err="1">
+                <a:solidFill>
+                  <a:srgbClr val="000000"/>
+                </a:solidFill>
+                <a:latin typeface="돋움체" panose="020B0609000101010101" pitchFamily="49" charset="-127"/>
+                <a:ea typeface="돋움체" panose="020B0609000101010101" pitchFamily="49" charset="-127"/>
+              </a:rPr>
+              <a:t>opend</a:t>
+            </a:r>
+            <a:r>
+              <a:rPr lang="en-US" altLang="ko-KR" sz="1100" dirty="0">
+                <a:solidFill>
+                  <a:srgbClr val="000000"/>
+                </a:solidFill>
+                <a:latin typeface="돋움체" panose="020B0609000101010101" pitchFamily="49" charset="-127"/>
+                <a:ea typeface="돋움체" panose="020B0609000101010101" pitchFamily="49" charset="-127"/>
+              </a:rPr>
+              <a:t>)</a:t>
+            </a:r>
+          </a:p>
+          <a:p>
+            <a:pPr marL="0" indent="0">
+              <a:buNone/>
+            </a:pPr>
+            <a:r>
+              <a:rPr lang="en-US" altLang="ko-KR" sz="1100" dirty="0">
+                <a:solidFill>
+                  <a:srgbClr val="000000"/>
+                </a:solidFill>
+                <a:latin typeface="돋움체" panose="020B0609000101010101" pitchFamily="49" charset="-127"/>
+                <a:ea typeface="돋움체" panose="020B0609000101010101" pitchFamily="49" charset="-127"/>
+              </a:rPr>
+              <a:t>{</a:t>
+            </a:r>
+          </a:p>
+          <a:p>
+            <a:pPr marL="0" indent="0">
+              <a:buNone/>
+            </a:pPr>
+            <a:r>
+              <a:rPr lang="en-US" altLang="ko-KR" sz="1100" dirty="0">
+                <a:solidFill>
+                  <a:srgbClr val="000000"/>
+                </a:solidFill>
+                <a:latin typeface="돋움체" panose="020B0609000101010101" pitchFamily="49" charset="-127"/>
+                <a:ea typeface="돋움체" panose="020B0609000101010101" pitchFamily="49" charset="-127"/>
+              </a:rPr>
+              <a:t>	</a:t>
+            </a:r>
+            <a:r>
+              <a:rPr lang="en-US" altLang="ko-KR" sz="1100" dirty="0" err="1">
+                <a:solidFill>
+                  <a:srgbClr val="000000"/>
+                </a:solidFill>
+                <a:latin typeface="돋움체" panose="020B0609000101010101" pitchFamily="49" charset="-127"/>
+                <a:ea typeface="돋움체" panose="020B0609000101010101" pitchFamily="49" charset="-127"/>
+              </a:rPr>
+              <a:t>infile.open</a:t>
+            </a:r>
+            <a:r>
+              <a:rPr lang="en-US" altLang="ko-KR" sz="1100" dirty="0">
+                <a:solidFill>
+                  <a:srgbClr val="000000"/>
+                </a:solidFill>
+                <a:latin typeface="돋움체" panose="020B0609000101010101" pitchFamily="49" charset="-127"/>
+                <a:ea typeface="돋움체" panose="020B0609000101010101" pitchFamily="49" charset="-127"/>
+              </a:rPr>
+              <a:t>(filename);</a:t>
+            </a:r>
+          </a:p>
+          <a:p>
+            <a:pPr marL="0" indent="0">
+              <a:buNone/>
+            </a:pPr>
+            <a:endParaRPr lang="ko-KR" altLang="en-US" sz="1100" dirty="0">
+              <a:solidFill>
+                <a:srgbClr val="000000"/>
+              </a:solidFill>
+              <a:latin typeface="돋움체" panose="020B0609000101010101" pitchFamily="49" charset="-127"/>
+              <a:ea typeface="돋움체" panose="020B0609000101010101" pitchFamily="49" charset="-127"/>
+            </a:endParaRPr>
+          </a:p>
+          <a:p>
+            <a:pPr marL="0" indent="0">
+              <a:buNone/>
+            </a:pPr>
+            <a:r>
+              <a:rPr lang="en-US" altLang="ko-KR" sz="1100" dirty="0">
+                <a:solidFill>
+                  <a:srgbClr val="0000FF"/>
+                </a:solidFill>
+                <a:latin typeface="돋움체" panose="020B0609000101010101" pitchFamily="49" charset="-127"/>
+                <a:ea typeface="돋움체" panose="020B0609000101010101" pitchFamily="49" charset="-127"/>
+              </a:rPr>
+              <a:t>	if</a:t>
+            </a:r>
+            <a:r>
+              <a:rPr lang="ko-KR" altLang="en-US" sz="1100" dirty="0">
+                <a:solidFill>
+                  <a:srgbClr val="000000"/>
+                </a:solidFill>
+                <a:latin typeface="돋움체" panose="020B0609000101010101" pitchFamily="49" charset="-127"/>
+                <a:ea typeface="돋움체" panose="020B0609000101010101" pitchFamily="49" charset="-127"/>
+              </a:rPr>
+              <a:t> </a:t>
+            </a:r>
+            <a:r>
+              <a:rPr lang="en-US" altLang="ko-KR" sz="1100" dirty="0">
+                <a:solidFill>
+                  <a:srgbClr val="000000"/>
+                </a:solidFill>
+                <a:latin typeface="돋움체" panose="020B0609000101010101" pitchFamily="49" charset="-127"/>
+                <a:ea typeface="돋움체" panose="020B0609000101010101" pitchFamily="49" charset="-127"/>
+              </a:rPr>
+              <a:t>(</a:t>
+            </a:r>
+            <a:r>
+              <a:rPr lang="en-US" altLang="ko-KR" sz="1100" dirty="0" err="1">
+                <a:solidFill>
+                  <a:srgbClr val="000000"/>
+                </a:solidFill>
+                <a:latin typeface="돋움체" panose="020B0609000101010101" pitchFamily="49" charset="-127"/>
+                <a:ea typeface="돋움체" panose="020B0609000101010101" pitchFamily="49" charset="-127"/>
+              </a:rPr>
+              <a:t>infile.good</a:t>
+            </a:r>
+            <a:r>
+              <a:rPr lang="en-US" altLang="ko-KR" sz="1100" dirty="0">
+                <a:solidFill>
+                  <a:srgbClr val="000000"/>
+                </a:solidFill>
+                <a:latin typeface="돋움체" panose="020B0609000101010101" pitchFamily="49" charset="-127"/>
+                <a:ea typeface="돋움체" panose="020B0609000101010101" pitchFamily="49" charset="-127"/>
+              </a:rPr>
+              <a:t>())</a:t>
+            </a:r>
+            <a:r>
+              <a:rPr lang="en-US" altLang="ko-KR" sz="1100" dirty="0">
+                <a:solidFill>
+                  <a:srgbClr val="008000"/>
+                </a:solidFill>
+                <a:latin typeface="돋움체" panose="020B0609000101010101" pitchFamily="49" charset="-127"/>
+                <a:ea typeface="돋움체" panose="020B0609000101010101" pitchFamily="49" charset="-127"/>
+              </a:rPr>
+              <a:t>//</a:t>
+            </a:r>
+            <a:r>
+              <a:rPr lang="ko-KR" altLang="en-US" sz="1100" dirty="0">
+                <a:solidFill>
+                  <a:srgbClr val="008000"/>
+                </a:solidFill>
+                <a:latin typeface="돋움체" panose="020B0609000101010101" pitchFamily="49" charset="-127"/>
+                <a:ea typeface="돋움체" panose="020B0609000101010101" pitchFamily="49" charset="-127"/>
+              </a:rPr>
+              <a:t>오류 플래그 확인</a:t>
+            </a:r>
+            <a:endParaRPr lang="en-US" altLang="ko-KR" sz="1100" dirty="0">
+              <a:solidFill>
+                <a:srgbClr val="008000"/>
+              </a:solidFill>
+              <a:latin typeface="돋움체" panose="020B0609000101010101" pitchFamily="49" charset="-127"/>
+              <a:ea typeface="돋움체" panose="020B0609000101010101" pitchFamily="49" charset="-127"/>
+            </a:endParaRPr>
+          </a:p>
+          <a:p>
+            <a:pPr marL="0" indent="0">
+              <a:buNone/>
+            </a:pPr>
+            <a:r>
+              <a:rPr lang="en-US" altLang="ko-KR" sz="1100" dirty="0">
+                <a:solidFill>
+                  <a:srgbClr val="000000"/>
+                </a:solidFill>
+                <a:latin typeface="돋움체" panose="020B0609000101010101" pitchFamily="49" charset="-127"/>
+                <a:ea typeface="돋움체" panose="020B0609000101010101" pitchFamily="49" charset="-127"/>
+              </a:rPr>
+              <a:t>		</a:t>
+            </a:r>
+            <a:r>
+              <a:rPr lang="en-US" altLang="ko-KR" sz="1100" dirty="0" err="1">
+                <a:solidFill>
+                  <a:srgbClr val="000000"/>
+                </a:solidFill>
+                <a:latin typeface="돋움체" panose="020B0609000101010101" pitchFamily="49" charset="-127"/>
+                <a:ea typeface="돋움체" panose="020B0609000101010101" pitchFamily="49" charset="-127"/>
+              </a:rPr>
+              <a:t>opend</a:t>
+            </a:r>
+            <a:r>
+              <a:rPr lang="en-US" altLang="ko-KR" sz="1100" dirty="0">
+                <a:solidFill>
+                  <a:srgbClr val="000000"/>
+                </a:solidFill>
+                <a:latin typeface="돋움체" panose="020B0609000101010101" pitchFamily="49" charset="-127"/>
+                <a:ea typeface="돋움체" panose="020B0609000101010101" pitchFamily="49" charset="-127"/>
+              </a:rPr>
+              <a:t> = </a:t>
+            </a:r>
+            <a:r>
+              <a:rPr lang="en-US" altLang="ko-KR" sz="1100" dirty="0">
+                <a:solidFill>
+                  <a:srgbClr val="0000FF"/>
+                </a:solidFill>
+                <a:latin typeface="돋움체" panose="020B0609000101010101" pitchFamily="49" charset="-127"/>
+                <a:ea typeface="돋움체" panose="020B0609000101010101" pitchFamily="49" charset="-127"/>
+              </a:rPr>
+              <a:t>true</a:t>
+            </a:r>
+            <a:r>
+              <a:rPr lang="en-US" altLang="ko-KR" sz="1100" dirty="0">
+                <a:solidFill>
+                  <a:srgbClr val="000000"/>
+                </a:solidFill>
+                <a:latin typeface="돋움체" panose="020B0609000101010101" pitchFamily="49" charset="-127"/>
+                <a:ea typeface="돋움체" panose="020B0609000101010101" pitchFamily="49" charset="-127"/>
+              </a:rPr>
+              <a:t>;</a:t>
+            </a:r>
+          </a:p>
+          <a:p>
+            <a:pPr marL="0" indent="0">
+              <a:buNone/>
+            </a:pPr>
+            <a:r>
+              <a:rPr lang="en-US" altLang="ko-KR" sz="1100" dirty="0">
+                <a:solidFill>
+                  <a:srgbClr val="0000FF"/>
+                </a:solidFill>
+                <a:latin typeface="돋움체" panose="020B0609000101010101" pitchFamily="49" charset="-127"/>
+                <a:ea typeface="돋움체" panose="020B0609000101010101" pitchFamily="49" charset="-127"/>
+              </a:rPr>
+              <a:t>	else</a:t>
+            </a:r>
+            <a:endParaRPr lang="en-US" altLang="ko-KR" sz="1100" dirty="0">
+              <a:solidFill>
+                <a:srgbClr val="000000"/>
+              </a:solidFill>
+              <a:latin typeface="돋움체" panose="020B0609000101010101" pitchFamily="49" charset="-127"/>
+              <a:ea typeface="돋움체" panose="020B0609000101010101" pitchFamily="49" charset="-127"/>
+            </a:endParaRPr>
+          </a:p>
+          <a:p>
+            <a:pPr marL="0" indent="0">
+              <a:buNone/>
+            </a:pPr>
+            <a:r>
+              <a:rPr lang="en-US" altLang="ko-KR" sz="1100" dirty="0">
+                <a:solidFill>
+                  <a:srgbClr val="000000"/>
+                </a:solidFill>
+                <a:latin typeface="돋움체" panose="020B0609000101010101" pitchFamily="49" charset="-127"/>
+                <a:ea typeface="돋움체" panose="020B0609000101010101" pitchFamily="49" charset="-127"/>
+              </a:rPr>
+              <a:t>	{</a:t>
+            </a:r>
+          </a:p>
+          <a:p>
+            <a:pPr marL="0" indent="0">
+              <a:buNone/>
+            </a:pPr>
+            <a:r>
+              <a:rPr lang="en-US" altLang="ko-KR" sz="1100" dirty="0">
+                <a:solidFill>
+                  <a:srgbClr val="000000"/>
+                </a:solidFill>
+                <a:latin typeface="돋움체" panose="020B0609000101010101" pitchFamily="49" charset="-127"/>
+                <a:ea typeface="돋움체" panose="020B0609000101010101" pitchFamily="49" charset="-127"/>
+              </a:rPr>
+              <a:t>		std::</a:t>
+            </a:r>
+            <a:r>
+              <a:rPr lang="en-US" altLang="ko-KR" sz="1100" dirty="0" err="1">
+                <a:solidFill>
+                  <a:srgbClr val="000000"/>
+                </a:solidFill>
+                <a:latin typeface="돋움체" panose="020B0609000101010101" pitchFamily="49" charset="-127"/>
+                <a:ea typeface="돋움체" panose="020B0609000101010101" pitchFamily="49" charset="-127"/>
+              </a:rPr>
+              <a:t>cout</a:t>
+            </a:r>
+            <a:r>
+              <a:rPr lang="en-US" altLang="ko-KR" sz="1100" dirty="0">
+                <a:solidFill>
+                  <a:srgbClr val="000000"/>
+                </a:solidFill>
+                <a:latin typeface="돋움체" panose="020B0609000101010101" pitchFamily="49" charset="-127"/>
+                <a:ea typeface="돋움체" panose="020B0609000101010101" pitchFamily="49" charset="-127"/>
+              </a:rPr>
+              <a:t> </a:t>
+            </a:r>
+            <a:r>
+              <a:rPr lang="en-US" altLang="ko-KR" sz="1100" dirty="0">
+                <a:solidFill>
+                  <a:srgbClr val="008080"/>
+                </a:solidFill>
+                <a:latin typeface="돋움체" panose="020B0609000101010101" pitchFamily="49" charset="-127"/>
+                <a:ea typeface="돋움체" panose="020B0609000101010101" pitchFamily="49" charset="-127"/>
+              </a:rPr>
+              <a:t>&lt;&lt;</a:t>
+            </a:r>
+            <a:r>
+              <a:rPr lang="en-US" altLang="ko-KR" sz="1100" dirty="0">
+                <a:solidFill>
+                  <a:srgbClr val="000000"/>
+                </a:solidFill>
+                <a:latin typeface="돋움체" panose="020B0609000101010101" pitchFamily="49" charset="-127"/>
+                <a:ea typeface="돋움체" panose="020B0609000101010101" pitchFamily="49" charset="-127"/>
+              </a:rPr>
+              <a:t> </a:t>
+            </a:r>
+            <a:r>
+              <a:rPr lang="en-US" altLang="ko-KR" sz="1100" dirty="0">
+                <a:solidFill>
+                  <a:srgbClr val="A31515"/>
+                </a:solidFill>
+                <a:latin typeface="돋움체" panose="020B0609000101010101" pitchFamily="49" charset="-127"/>
+                <a:ea typeface="돋움체" panose="020B0609000101010101" pitchFamily="49" charset="-127"/>
+              </a:rPr>
+              <a:t>"The file '"</a:t>
+            </a:r>
+            <a:r>
+              <a:rPr lang="en-US" altLang="ko-KR" sz="1100" dirty="0">
+                <a:solidFill>
+                  <a:srgbClr val="000000"/>
+                </a:solidFill>
+                <a:latin typeface="돋움체" panose="020B0609000101010101" pitchFamily="49" charset="-127"/>
+                <a:ea typeface="돋움체" panose="020B0609000101010101" pitchFamily="49" charset="-127"/>
+              </a:rPr>
+              <a:t> </a:t>
+            </a:r>
+            <a:r>
+              <a:rPr lang="en-US" altLang="ko-KR" sz="1100" dirty="0">
+                <a:solidFill>
+                  <a:srgbClr val="008080"/>
+                </a:solidFill>
+                <a:latin typeface="돋움체" panose="020B0609000101010101" pitchFamily="49" charset="-127"/>
+                <a:ea typeface="돋움체" panose="020B0609000101010101" pitchFamily="49" charset="-127"/>
+              </a:rPr>
+              <a:t>&lt;&lt;</a:t>
+            </a:r>
+            <a:r>
+              <a:rPr lang="en-US" altLang="ko-KR" sz="1100" dirty="0">
+                <a:solidFill>
+                  <a:srgbClr val="000000"/>
+                </a:solidFill>
+                <a:latin typeface="돋움체" panose="020B0609000101010101" pitchFamily="49" charset="-127"/>
+                <a:ea typeface="돋움체" panose="020B0609000101010101" pitchFamily="49" charset="-127"/>
+              </a:rPr>
+              <a:t> filename </a:t>
+            </a:r>
+            <a:r>
+              <a:rPr lang="en-US" altLang="ko-KR" sz="1100" dirty="0">
+                <a:solidFill>
+                  <a:srgbClr val="008080"/>
+                </a:solidFill>
+                <a:latin typeface="돋움체" panose="020B0609000101010101" pitchFamily="49" charset="-127"/>
+                <a:ea typeface="돋움체" panose="020B0609000101010101" pitchFamily="49" charset="-127"/>
+              </a:rPr>
+              <a:t>&lt;&lt;</a:t>
+            </a:r>
+            <a:r>
+              <a:rPr lang="en-US" altLang="ko-KR" sz="1100" dirty="0">
+                <a:solidFill>
+                  <a:srgbClr val="000000"/>
+                </a:solidFill>
+                <a:latin typeface="돋움체" panose="020B0609000101010101" pitchFamily="49" charset="-127"/>
+                <a:ea typeface="돋움체" panose="020B0609000101010101" pitchFamily="49" charset="-127"/>
+              </a:rPr>
+              <a:t> </a:t>
+            </a:r>
+            <a:r>
+              <a:rPr lang="en-US" altLang="ko-KR" sz="1100" dirty="0">
+                <a:solidFill>
+                  <a:srgbClr val="A31515"/>
+                </a:solidFill>
+                <a:latin typeface="돋움체" panose="020B0609000101010101" pitchFamily="49" charset="-127"/>
+                <a:ea typeface="돋움체" panose="020B0609000101010101" pitchFamily="49" charset="-127"/>
+              </a:rPr>
+              <a:t>"'doesn't exist, give a new file name:"</a:t>
+            </a:r>
+            <a:r>
+              <a:rPr lang="en-US" altLang="ko-KR" sz="1100" dirty="0">
+                <a:solidFill>
+                  <a:srgbClr val="000000"/>
+                </a:solidFill>
+                <a:latin typeface="돋움체" panose="020B0609000101010101" pitchFamily="49" charset="-127"/>
+                <a:ea typeface="돋움체" panose="020B0609000101010101" pitchFamily="49" charset="-127"/>
+              </a:rPr>
+              <a:t>;</a:t>
+            </a:r>
+          </a:p>
+          <a:p>
+            <a:pPr marL="0" indent="0">
+              <a:buNone/>
+            </a:pPr>
+            <a:r>
+              <a:rPr lang="en-US" altLang="ko-KR" sz="1100" dirty="0">
+                <a:solidFill>
+                  <a:srgbClr val="000000"/>
+                </a:solidFill>
+                <a:latin typeface="돋움체" panose="020B0609000101010101" pitchFamily="49" charset="-127"/>
+                <a:ea typeface="돋움체" panose="020B0609000101010101" pitchFamily="49" charset="-127"/>
+              </a:rPr>
+              <a:t>		std::</a:t>
+            </a:r>
+            <a:r>
+              <a:rPr lang="en-US" altLang="ko-KR" sz="1100" dirty="0" err="1">
+                <a:solidFill>
+                  <a:srgbClr val="000000"/>
+                </a:solidFill>
+                <a:latin typeface="돋움체" panose="020B0609000101010101" pitchFamily="49" charset="-127"/>
+                <a:ea typeface="돋움체" panose="020B0609000101010101" pitchFamily="49" charset="-127"/>
+              </a:rPr>
+              <a:t>cin</a:t>
+            </a:r>
+            <a:r>
+              <a:rPr lang="en-US" altLang="ko-KR" sz="1100" dirty="0">
+                <a:solidFill>
+                  <a:srgbClr val="000000"/>
+                </a:solidFill>
+                <a:latin typeface="돋움체" panose="020B0609000101010101" pitchFamily="49" charset="-127"/>
+                <a:ea typeface="돋움체" panose="020B0609000101010101" pitchFamily="49" charset="-127"/>
+              </a:rPr>
+              <a:t> </a:t>
+            </a:r>
+            <a:r>
+              <a:rPr lang="en-US" altLang="ko-KR" sz="1100" dirty="0">
+                <a:solidFill>
+                  <a:srgbClr val="008080"/>
+                </a:solidFill>
+                <a:latin typeface="돋움체" panose="020B0609000101010101" pitchFamily="49" charset="-127"/>
+                <a:ea typeface="돋움체" panose="020B0609000101010101" pitchFamily="49" charset="-127"/>
+              </a:rPr>
+              <a:t>&gt;&gt;</a:t>
+            </a:r>
+            <a:r>
+              <a:rPr lang="en-US" altLang="ko-KR" sz="1100" dirty="0">
+                <a:solidFill>
+                  <a:srgbClr val="000000"/>
+                </a:solidFill>
+                <a:latin typeface="돋움체" panose="020B0609000101010101" pitchFamily="49" charset="-127"/>
+                <a:ea typeface="돋움체" panose="020B0609000101010101" pitchFamily="49" charset="-127"/>
+              </a:rPr>
+              <a:t> filename;</a:t>
+            </a:r>
+          </a:p>
+          <a:p>
+            <a:pPr marL="0" indent="0">
+              <a:buNone/>
+            </a:pPr>
+            <a:r>
+              <a:rPr lang="en-US" altLang="ko-KR" sz="1100" dirty="0">
+                <a:solidFill>
+                  <a:srgbClr val="000000"/>
+                </a:solidFill>
+                <a:latin typeface="돋움체" panose="020B0609000101010101" pitchFamily="49" charset="-127"/>
+                <a:ea typeface="돋움체" panose="020B0609000101010101" pitchFamily="49" charset="-127"/>
+              </a:rPr>
+              <a:t>	}</a:t>
+            </a:r>
+          </a:p>
+          <a:p>
+            <a:pPr marL="0" indent="0">
+              <a:buNone/>
+            </a:pPr>
+            <a:r>
+              <a:rPr lang="en-US" altLang="ko-KR" sz="1100" dirty="0">
+                <a:solidFill>
+                  <a:srgbClr val="000000"/>
+                </a:solidFill>
+                <a:latin typeface="돋움체" panose="020B0609000101010101" pitchFamily="49" charset="-127"/>
+                <a:ea typeface="돋움체" panose="020B0609000101010101" pitchFamily="49" charset="-127"/>
+              </a:rPr>
+              <a:t>}</a:t>
+            </a:r>
+            <a:br>
+              <a:rPr lang="en-US" altLang="ko-KR" sz="1400" dirty="0">
+                <a:latin typeface="Malgun Gothic Semilight" panose="020B0503020000020004" pitchFamily="34" charset="-127"/>
+                <a:ea typeface="Malgun Gothic Semilight" panose="020B0503020000020004" pitchFamily="34" charset="-127"/>
+                <a:cs typeface="Malgun Gothic Semilight" panose="020B0503020000020004" pitchFamily="34" charset="-127"/>
+              </a:rPr>
+            </a:br>
+            <a:br>
+              <a:rPr lang="en-US" altLang="ko-KR" sz="1400" dirty="0">
+                <a:latin typeface="Malgun Gothic Semilight" panose="020B0503020000020004" pitchFamily="34" charset="-127"/>
+                <a:ea typeface="Malgun Gothic Semilight" panose="020B0503020000020004" pitchFamily="34" charset="-127"/>
+                <a:cs typeface="Malgun Gothic Semilight" panose="020B0503020000020004" pitchFamily="34" charset="-127"/>
+              </a:rPr>
+            </a:br>
+            <a:endParaRPr lang="en-US" altLang="ko-KR" sz="1400" dirty="0">
+              <a:latin typeface="Malgun Gothic Semilight" panose="020B0503020000020004" pitchFamily="34" charset="-127"/>
+              <a:ea typeface="Malgun Gothic Semilight" panose="020B0503020000020004" pitchFamily="34" charset="-127"/>
+              <a:cs typeface="Malgun Gothic Semilight" panose="020B0503020000020004" pitchFamily="34" charset="-127"/>
+            </a:endParaRPr>
+          </a:p>
+          <a:p>
+            <a:endParaRPr lang="en-US" altLang="ko-KR" sz="1800" dirty="0">
+              <a:latin typeface="Malgun Gothic Semilight" panose="020B0503020000020004" pitchFamily="34" charset="-127"/>
+              <a:ea typeface="Malgun Gothic Semilight" panose="020B0503020000020004" pitchFamily="34" charset="-127"/>
+              <a:cs typeface="Malgun Gothic Semilight" panose="020B0503020000020004" pitchFamily="34" charset="-127"/>
+            </a:endParaRPr>
+          </a:p>
+        </p:txBody>
+      </p:sp>
+    </p:spTree>
+    <p:extLst>
+      <p:ext uri="{BB962C8B-B14F-4D97-AF65-F5344CB8AC3E}">
+        <p14:creationId xmlns:p14="http://schemas.microsoft.com/office/powerpoint/2010/main" val="759048239"/>
+      </p:ext>
+    </p:extLst>
+  </p:cSld>
+  <p:clrMapOvr>
+    <a:masterClrMapping/>
+  </p:clrMapOvr>
+</p:sld>
+</file>
+
+<file path=ppt/slides/slide12.xml><?xml version="1.0" encoding="utf-8"?>
+<p:sld xmlns:a="http://schemas.openxmlformats.org/drawingml/2006/main" xmlns:r="http://schemas.openxmlformats.org/officeDocument/2006/relationships" xmlns:p="http://schemas.openxmlformats.org/presentationml/2006/main">
+  <p:cSld>
+    <p:spTree>
+      <p:nvGrpSpPr>
+        <p:cNvPr id="1" name=""/>
+        <p:cNvGrpSpPr/>
+        <p:nvPr/>
+      </p:nvGrpSpPr>
+      <p:grpSpPr>
+        <a:xfrm>
+          <a:off x="0" y="0"/>
+          <a:ext cx="0" cy="0"/>
+          <a:chOff x="0" y="0"/>
+          <a:chExt cx="0" cy="0"/>
+        </a:xfrm>
+      </p:grpSpPr>
+      <p:sp>
+        <p:nvSpPr>
+          <p:cNvPr id="2" name="제목 1">
+            <a:extLst>
+              <a:ext uri="{FF2B5EF4-FFF2-40B4-BE49-F238E27FC236}">
+                <a16:creationId xmlns:a16="http://schemas.microsoft.com/office/drawing/2014/main" id="{6F204F3F-D196-428C-AE74-238938FD8008}"/>
+              </a:ext>
+            </a:extLst>
+          </p:cNvPr>
+          <p:cNvSpPr>
+            <a:spLocks noGrp="1"/>
+          </p:cNvSpPr>
+          <p:nvPr>
+            <p:ph type="title"/>
+          </p:nvPr>
+        </p:nvSpPr>
+        <p:spPr/>
+        <p:txBody>
+          <a:bodyPr rtlCol="0"/>
+          <a:lstStyle/>
+          <a:p>
+            <a:pPr rtl="0"/>
+            <a:r>
+              <a:rPr lang="ko-KR" altLang="en-US" noProof="1"/>
+              <a:t>배열</a:t>
+            </a:r>
+            <a:endParaRPr lang="ko-KR" altLang="en-US" noProof="1">
+              <a:ea typeface="맑은 고딕" panose="020B0503020000020004" pitchFamily="50" charset="-127"/>
+            </a:endParaRPr>
+          </a:p>
+        </p:txBody>
+      </p:sp>
+      <p:sp>
+        <p:nvSpPr>
+          <p:cNvPr id="4" name="내용 개체 틀 3">
+            <a:extLst>
+              <a:ext uri="{FF2B5EF4-FFF2-40B4-BE49-F238E27FC236}">
+                <a16:creationId xmlns:a16="http://schemas.microsoft.com/office/drawing/2014/main" id="{96CE665F-14BA-4497-89D9-62FF51142EB8}"/>
+              </a:ext>
+            </a:extLst>
+          </p:cNvPr>
+          <p:cNvSpPr txBox="1">
+            <a:spLocks/>
+          </p:cNvSpPr>
+          <p:nvPr/>
+        </p:nvSpPr>
+        <p:spPr>
+          <a:xfrm>
+            <a:off x="631044" y="3216166"/>
+            <a:ext cx="10979765" cy="2939678"/>
+          </a:xfrm>
+          <a:prstGeom prst="rect">
+            <a:avLst/>
+          </a:prstGeom>
+        </p:spPr>
+        <p:txBody>
+          <a:bodyPr vert="horz" lIns="91440" tIns="45720" rIns="91440" bIns="45720" rtlCol="0" anchor="t">
+            <a:normAutofit/>
+          </a:bodyPr>
+          <a:lstStyle>
+            <a:lvl1pPr marL="306000" indent="-306000" algn="l" defTabSz="457200" rtl="0" eaLnBrk="1" latinLnBrk="1" hangingPunct="1">
+              <a:spcBef>
+                <a:spcPct val="20000"/>
+              </a:spcBef>
+              <a:spcAft>
+                <a:spcPts val="600"/>
+              </a:spcAft>
+              <a:buClr>
+                <a:schemeClr val="accent1"/>
+              </a:buClr>
+              <a:buSzPct val="92000"/>
+              <a:buFont typeface="Wingdings 2" panose="05020102010507070707" pitchFamily="18" charset="2"/>
+              <a:buChar char=""/>
+              <a:defRPr sz="1800" kern="1200" baseline="0">
+                <a:solidFill>
+                  <a:schemeClr val="tx1">
+                    <a:lumMod val="75000"/>
+                    <a:lumOff val="25000"/>
+                  </a:schemeClr>
+                </a:solidFill>
+                <a:latin typeface="맑은 고딕" panose="020B0503020000020004" pitchFamily="50" charset="-127"/>
+                <a:ea typeface="맑은 고딕" panose="020B0503020000020004" pitchFamily="50" charset="-127"/>
+                <a:cs typeface="+mn-cs"/>
+              </a:defRPr>
+            </a:lvl1pPr>
+            <a:lvl2pPr marL="630000" eaLnBrk="1" latinLnBrk="1" hangingPunct="1">
+              <a:buClr>
+                <a:schemeClr val="accent1"/>
+              </a:buClr>
+              <a:buSzPct val="92000"/>
+              <a:buFont typeface="Wingdings 2" panose="05020102010507070707" pitchFamily="18" charset="2"/>
+              <a:buChar char=""/>
+              <a:defRPr baseline="0">
+                <a:latin typeface="맑은 고딕" panose="020B0503020000020004" pitchFamily="50" charset="-127"/>
+                <a:ea typeface="맑은 고딕" panose="020B0503020000020004" pitchFamily="50" charset="-127"/>
+              </a:defRPr>
+            </a:lvl2pPr>
+            <a:lvl3pPr marL="900000" eaLnBrk="1" latinLnBrk="1" hangingPunct="1">
+              <a:buClr>
+                <a:schemeClr val="accent1"/>
+              </a:buClr>
+              <a:buSzPct val="92000"/>
+              <a:buFont typeface="Wingdings 2" panose="05020102010507070707" pitchFamily="18" charset="2"/>
+              <a:buChar char=""/>
+              <a:defRPr baseline="0">
+                <a:latin typeface="맑은 고딕" panose="020B0503020000020004" pitchFamily="50" charset="-127"/>
+                <a:ea typeface="맑은 고딕" panose="020B0503020000020004" pitchFamily="50" charset="-127"/>
+              </a:defRPr>
+            </a:lvl3pPr>
+            <a:lvl4pPr marL="1242000" eaLnBrk="1" latinLnBrk="1" hangingPunct="1">
+              <a:buClr>
+                <a:schemeClr val="accent1"/>
+              </a:buClr>
+              <a:buSzPct val="92000"/>
+              <a:buFont typeface="Wingdings 2" panose="05020102010507070707" pitchFamily="18" charset="2"/>
+              <a:buChar char=""/>
+              <a:defRPr baseline="0">
+                <a:latin typeface="맑은 고딕" panose="020B0503020000020004" pitchFamily="50" charset="-127"/>
+                <a:ea typeface="맑은 고딕" panose="020B0503020000020004" pitchFamily="50" charset="-127"/>
+              </a:defRPr>
+            </a:lvl4pPr>
+            <a:lvl5pPr marL="1602000" eaLnBrk="1" latinLnBrk="1" hangingPunct="1">
+              <a:buClr>
+                <a:schemeClr val="accent1"/>
+              </a:buClr>
+              <a:buSzPct val="92000"/>
+              <a:buFont typeface="Wingdings 2" panose="05020102010507070707" pitchFamily="18" charset="2"/>
+              <a:buChar char=""/>
+              <a:defRPr baseline="0">
+                <a:latin typeface="맑은 고딕" panose="020B0503020000020004" pitchFamily="50" charset="-127"/>
+                <a:ea typeface="맑은 고딕" panose="020B0503020000020004" pitchFamily="50" charset="-127"/>
+              </a:defRPr>
+            </a:lvl5pPr>
+          </a:lstStyle>
+          <a:p>
+            <a:pPr marL="0" indent="0">
+              <a:lnSpc>
+                <a:spcPct val="150000"/>
+              </a:lnSpc>
+              <a:buFont typeface="Wingdings 2" panose="05020102010507070707" pitchFamily="18" charset="2"/>
+              <a:buNone/>
+            </a:pPr>
+            <a:br>
+              <a:rPr lang="en-US" altLang="ko-KR" dirty="0"/>
+            </a:br>
+            <a:endParaRPr lang="en-US" altLang="ko-KR" dirty="0"/>
+          </a:p>
+        </p:txBody>
+      </p:sp>
+      <p:sp>
+        <p:nvSpPr>
+          <p:cNvPr id="13" name="내용 개체 틀 3">
+            <a:extLst>
+              <a:ext uri="{FF2B5EF4-FFF2-40B4-BE49-F238E27FC236}">
+                <a16:creationId xmlns:a16="http://schemas.microsoft.com/office/drawing/2014/main" id="{7BC142BD-59D9-496E-9CD1-A13E229BEEE9}"/>
+              </a:ext>
+            </a:extLst>
+          </p:cNvPr>
+          <p:cNvSpPr txBox="1">
+            <a:spLocks/>
+          </p:cNvSpPr>
+          <p:nvPr/>
+        </p:nvSpPr>
+        <p:spPr>
+          <a:xfrm>
+            <a:off x="581191" y="1688321"/>
+            <a:ext cx="10979765" cy="4816711"/>
+          </a:xfrm>
+          <a:prstGeom prst="rect">
+            <a:avLst/>
+          </a:prstGeom>
+        </p:spPr>
+        <p:txBody>
+          <a:bodyPr vert="horz" lIns="91440" tIns="45720" rIns="91440" bIns="45720" rtlCol="0" anchor="t">
+            <a:noAutofit/>
+          </a:bodyPr>
+          <a:lstStyle>
+            <a:lvl1pPr marL="306000" indent="-306000" algn="l" defTabSz="457200" rtl="0" eaLnBrk="1" latinLnBrk="1" hangingPunct="1">
+              <a:spcBef>
+                <a:spcPct val="20000"/>
+              </a:spcBef>
+              <a:spcAft>
+                <a:spcPts val="600"/>
+              </a:spcAft>
+              <a:buClr>
+                <a:schemeClr val="accent1"/>
+              </a:buClr>
+              <a:buSzPct val="92000"/>
+              <a:buFont typeface="Wingdings 2" panose="05020102010507070707" pitchFamily="18" charset="2"/>
+              <a:buChar char=""/>
+              <a:defRPr sz="1800" kern="1200" baseline="0">
+                <a:solidFill>
+                  <a:schemeClr val="tx1">
+                    <a:lumMod val="75000"/>
+                    <a:lumOff val="25000"/>
+                  </a:schemeClr>
+                </a:solidFill>
+                <a:latin typeface="맑은 고딕" panose="020B0503020000020004" pitchFamily="50" charset="-127"/>
+                <a:ea typeface="맑은 고딕" panose="020B0503020000020004" pitchFamily="50" charset="-127"/>
+                <a:cs typeface="+mn-cs"/>
+              </a:defRPr>
+            </a:lvl1pPr>
+            <a:lvl2pPr marL="630000" eaLnBrk="1" latinLnBrk="1" hangingPunct="1">
+              <a:buClr>
+                <a:schemeClr val="accent1"/>
+              </a:buClr>
+              <a:buSzPct val="92000"/>
+              <a:buFont typeface="Wingdings 2" panose="05020102010507070707" pitchFamily="18" charset="2"/>
+              <a:buChar char=""/>
+              <a:defRPr baseline="0">
+                <a:latin typeface="맑은 고딕" panose="020B0503020000020004" pitchFamily="50" charset="-127"/>
+                <a:ea typeface="맑은 고딕" panose="020B0503020000020004" pitchFamily="50" charset="-127"/>
+              </a:defRPr>
+            </a:lvl2pPr>
+            <a:lvl3pPr marL="900000" eaLnBrk="1" latinLnBrk="1" hangingPunct="1">
+              <a:buClr>
+                <a:schemeClr val="accent1"/>
+              </a:buClr>
+              <a:buSzPct val="92000"/>
+              <a:buFont typeface="Wingdings 2" panose="05020102010507070707" pitchFamily="18" charset="2"/>
+              <a:buChar char=""/>
+              <a:defRPr baseline="0">
+                <a:latin typeface="맑은 고딕" panose="020B0503020000020004" pitchFamily="50" charset="-127"/>
+                <a:ea typeface="맑은 고딕" panose="020B0503020000020004" pitchFamily="50" charset="-127"/>
+              </a:defRPr>
+            </a:lvl3pPr>
+            <a:lvl4pPr marL="1242000" eaLnBrk="1" latinLnBrk="1" hangingPunct="1">
+              <a:buClr>
+                <a:schemeClr val="accent1"/>
+              </a:buClr>
+              <a:buSzPct val="92000"/>
+              <a:buFont typeface="Wingdings 2" panose="05020102010507070707" pitchFamily="18" charset="2"/>
+              <a:buChar char=""/>
+              <a:defRPr baseline="0">
+                <a:latin typeface="맑은 고딕" panose="020B0503020000020004" pitchFamily="50" charset="-127"/>
+                <a:ea typeface="맑은 고딕" panose="020B0503020000020004" pitchFamily="50" charset="-127"/>
+              </a:defRPr>
+            </a:lvl4pPr>
+            <a:lvl5pPr marL="1602000" eaLnBrk="1" latinLnBrk="1" hangingPunct="1">
+              <a:buClr>
+                <a:schemeClr val="accent1"/>
+              </a:buClr>
+              <a:buSzPct val="92000"/>
+              <a:buFont typeface="Wingdings 2" panose="05020102010507070707" pitchFamily="18" charset="2"/>
+              <a:buChar char=""/>
+              <a:defRPr baseline="0">
+                <a:latin typeface="맑은 고딕" panose="020B0503020000020004" pitchFamily="50" charset="-127"/>
+                <a:ea typeface="맑은 고딕" panose="020B0503020000020004" pitchFamily="50" charset="-127"/>
+              </a:defRPr>
+            </a:lvl5pPr>
+          </a:lstStyle>
+          <a:p>
+            <a:r>
+              <a:rPr lang="ko-KR" altLang="en-US" sz="1400" dirty="0">
+                <a:latin typeface="Malgun Gothic Semilight" panose="020B0503020000020004" pitchFamily="34" charset="-127"/>
+                <a:ea typeface="Malgun Gothic Semilight" panose="020B0503020000020004" pitchFamily="34" charset="-127"/>
+                <a:cs typeface="Malgun Gothic Semilight" panose="020B0503020000020004" pitchFamily="34" charset="-127"/>
+              </a:rPr>
+              <a:t>배열 선언 </a:t>
+            </a:r>
+            <a:r>
+              <a:rPr lang="en-US" altLang="ko-KR" sz="1400" dirty="0">
+                <a:latin typeface="Malgun Gothic Semilight" panose="020B0503020000020004" pitchFamily="34" charset="-127"/>
+                <a:ea typeface="Malgun Gothic Semilight" panose="020B0503020000020004" pitchFamily="34" charset="-127"/>
+                <a:cs typeface="Malgun Gothic Semilight" panose="020B0503020000020004" pitchFamily="34" charset="-127"/>
+              </a:rPr>
+              <a:t>: int x</a:t>
+            </a:r>
+            <a:r>
+              <a:rPr lang="en-US" altLang="ko-KR" sz="1400" dirty="0">
+                <a:solidFill>
+                  <a:srgbClr val="DE2F22"/>
+                </a:solidFill>
+                <a:latin typeface="Malgun Gothic Semilight" panose="020B0503020000020004" pitchFamily="34" charset="-127"/>
+                <a:ea typeface="Malgun Gothic Semilight" panose="020B0503020000020004" pitchFamily="34" charset="-127"/>
+                <a:cs typeface="Malgun Gothic Semilight" panose="020B0503020000020004" pitchFamily="34" charset="-127"/>
+              </a:rPr>
+              <a:t>[10]</a:t>
+            </a:r>
+          </a:p>
+          <a:p>
+            <a:endParaRPr lang="en-US" altLang="ko-KR" sz="1400" dirty="0">
+              <a:solidFill>
+                <a:srgbClr val="DE2F22"/>
+              </a:solidFill>
+              <a:latin typeface="Malgun Gothic Semilight" panose="020B0503020000020004" pitchFamily="34" charset="-127"/>
+              <a:ea typeface="Malgun Gothic Semilight" panose="020B0503020000020004" pitchFamily="34" charset="-127"/>
+              <a:cs typeface="Malgun Gothic Semilight" panose="020B0503020000020004" pitchFamily="34" charset="-127"/>
+            </a:endParaRPr>
+          </a:p>
+          <a:p>
+            <a:r>
+              <a:rPr lang="ko-KR" altLang="en-US" sz="1400" dirty="0">
+                <a:latin typeface="Malgun Gothic Semilight" panose="020B0503020000020004" pitchFamily="34" charset="-127"/>
+                <a:ea typeface="Malgun Gothic Semilight" panose="020B0503020000020004" pitchFamily="34" charset="-127"/>
+                <a:cs typeface="Malgun Gothic Semilight" panose="020B0503020000020004" pitchFamily="34" charset="-127"/>
+              </a:rPr>
+              <a:t>배열 초기화 </a:t>
+            </a:r>
+            <a:r>
+              <a:rPr lang="en-US" altLang="ko-KR" sz="1400" dirty="0">
+                <a:latin typeface="Malgun Gothic Semilight" panose="020B0503020000020004" pitchFamily="34" charset="-127"/>
+                <a:ea typeface="Malgun Gothic Semilight" panose="020B0503020000020004" pitchFamily="34" charset="-127"/>
+                <a:cs typeface="Malgun Gothic Semilight" panose="020B0503020000020004" pitchFamily="34" charset="-127"/>
+              </a:rPr>
+              <a:t>: float v[] = </a:t>
+            </a:r>
+            <a:r>
+              <a:rPr lang="en-US" altLang="ko-KR" sz="1400" dirty="0">
+                <a:solidFill>
+                  <a:srgbClr val="DE2F22"/>
+                </a:solidFill>
+                <a:latin typeface="Malgun Gothic Semilight" panose="020B0503020000020004" pitchFamily="34" charset="-127"/>
+                <a:ea typeface="Malgun Gothic Semilight" panose="020B0503020000020004" pitchFamily="34" charset="-127"/>
+                <a:cs typeface="Malgun Gothic Semilight" panose="020B0503020000020004" pitchFamily="34" charset="-127"/>
+              </a:rPr>
+              <a:t>{ 1.0, 2.0, 3.0 }, </a:t>
+            </a:r>
+            <a:r>
+              <a:rPr lang="en-US" altLang="ko-KR" sz="1400" dirty="0">
+                <a:latin typeface="Malgun Gothic Semilight" panose="020B0503020000020004" pitchFamily="34" charset="-127"/>
+                <a:ea typeface="Malgun Gothic Semilight" panose="020B0503020000020004" pitchFamily="34" charset="-127"/>
+                <a:cs typeface="Malgun Gothic Semilight" panose="020B0503020000020004" pitchFamily="34" charset="-127"/>
+              </a:rPr>
+              <a:t>w[] </a:t>
+            </a:r>
+            <a:r>
+              <a:rPr lang="en-US" altLang="ko-KR" sz="1400" dirty="0">
+                <a:solidFill>
+                  <a:srgbClr val="DE2F22"/>
+                </a:solidFill>
+                <a:latin typeface="Malgun Gothic Semilight" panose="020B0503020000020004" pitchFamily="34" charset="-127"/>
+                <a:ea typeface="Malgun Gothic Semilight" panose="020B0503020000020004" pitchFamily="34" charset="-127"/>
+                <a:cs typeface="Malgun Gothic Semilight" panose="020B0503020000020004" pitchFamily="34" charset="-127"/>
+              </a:rPr>
+              <a:t>{ 7.0, 8.0, 9.0 }</a:t>
+            </a:r>
+          </a:p>
+          <a:p>
+            <a:endParaRPr lang="en-US" altLang="ko-KR" sz="1400" dirty="0">
+              <a:solidFill>
+                <a:srgbClr val="DE2F22"/>
+              </a:solidFill>
+              <a:latin typeface="Malgun Gothic Semilight" panose="020B0503020000020004" pitchFamily="34" charset="-127"/>
+              <a:ea typeface="Malgun Gothic Semilight" panose="020B0503020000020004" pitchFamily="34" charset="-127"/>
+              <a:cs typeface="Malgun Gothic Semilight" panose="020B0503020000020004" pitchFamily="34" charset="-127"/>
+            </a:endParaRPr>
+          </a:p>
+          <a:p>
+            <a:r>
+              <a:rPr lang="ko-KR" altLang="en-US" sz="1400" dirty="0">
+                <a:latin typeface="Malgun Gothic Semilight" panose="020B0503020000020004" pitchFamily="34" charset="-127"/>
+                <a:ea typeface="Malgun Gothic Semilight" panose="020B0503020000020004" pitchFamily="34" charset="-127"/>
+                <a:cs typeface="Malgun Gothic Semilight" panose="020B0503020000020004" pitchFamily="34" charset="-127"/>
+              </a:rPr>
+              <a:t>초기화 오류 </a:t>
+            </a:r>
+            <a:r>
+              <a:rPr lang="en-US" altLang="ko-KR" sz="1400" dirty="0">
+                <a:latin typeface="Malgun Gothic Semilight" panose="020B0503020000020004" pitchFamily="34" charset="-127"/>
+                <a:ea typeface="Malgun Gothic Semilight" panose="020B0503020000020004" pitchFamily="34" charset="-127"/>
+                <a:cs typeface="Malgun Gothic Semilight" panose="020B0503020000020004" pitchFamily="34" charset="-127"/>
+              </a:rPr>
+              <a:t>: int v[] </a:t>
+            </a:r>
+            <a:r>
+              <a:rPr lang="en-US" altLang="ko-KR" sz="1400" dirty="0">
+                <a:solidFill>
+                  <a:srgbClr val="DE2F22"/>
+                </a:solidFill>
+                <a:latin typeface="Malgun Gothic Semilight" panose="020B0503020000020004" pitchFamily="34" charset="-127"/>
+                <a:ea typeface="Malgun Gothic Semilight" panose="020B0503020000020004" pitchFamily="34" charset="-127"/>
+                <a:cs typeface="Malgun Gothic Semilight" panose="020B0503020000020004" pitchFamily="34" charset="-127"/>
+              </a:rPr>
+              <a:t>{ 1.0, 2.0, 3.0 }</a:t>
+            </a:r>
+            <a:r>
+              <a:rPr lang="en-US" altLang="ko-KR" sz="1400" dirty="0">
+                <a:latin typeface="Malgun Gothic Semilight" panose="020B0503020000020004" pitchFamily="34" charset="-127"/>
+                <a:ea typeface="Malgun Gothic Semilight" panose="020B0503020000020004" pitchFamily="34" charset="-127"/>
+                <a:cs typeface="Malgun Gothic Semilight" panose="020B0503020000020004" pitchFamily="34" charset="-127"/>
+              </a:rPr>
+              <a:t> </a:t>
+            </a:r>
+            <a:r>
+              <a:rPr lang="en-US" altLang="ko-KR" sz="1400" dirty="0">
+                <a:solidFill>
+                  <a:srgbClr val="00B050"/>
+                </a:solidFill>
+                <a:latin typeface="Malgun Gothic Semilight" panose="020B0503020000020004" pitchFamily="34" charset="-127"/>
+                <a:ea typeface="Malgun Gothic Semilight" panose="020B0503020000020004" pitchFamily="34" charset="-127"/>
+                <a:cs typeface="Malgun Gothic Semilight" panose="020B0503020000020004" pitchFamily="34" charset="-127"/>
+              </a:rPr>
+              <a:t>// </a:t>
+            </a:r>
+            <a:r>
+              <a:rPr lang="en-US" altLang="ko-KR" sz="1400" dirty="0" err="1">
+                <a:solidFill>
+                  <a:srgbClr val="00B050"/>
+                </a:solidFill>
+                <a:latin typeface="Malgun Gothic Semilight" panose="020B0503020000020004" pitchFamily="34" charset="-127"/>
+                <a:ea typeface="Malgun Gothic Semilight" panose="020B0503020000020004" pitchFamily="34" charset="-127"/>
+                <a:cs typeface="Malgun Gothic Semilight" panose="020B0503020000020004" pitchFamily="34" charset="-127"/>
+              </a:rPr>
+              <a:t>c++</a:t>
+            </a:r>
+            <a:r>
+              <a:rPr lang="en-US" altLang="ko-KR" sz="1400" dirty="0">
+                <a:solidFill>
+                  <a:srgbClr val="00B050"/>
+                </a:solidFill>
+                <a:latin typeface="Malgun Gothic Semilight" panose="020B0503020000020004" pitchFamily="34" charset="-127"/>
+                <a:ea typeface="Malgun Gothic Semilight" panose="020B0503020000020004" pitchFamily="34" charset="-127"/>
+                <a:cs typeface="Malgun Gothic Semilight" panose="020B0503020000020004" pitchFamily="34" charset="-127"/>
+              </a:rPr>
+              <a:t>11 </a:t>
+            </a:r>
+            <a:r>
+              <a:rPr lang="ko-KR" altLang="en-US" sz="1400" dirty="0">
+                <a:solidFill>
+                  <a:srgbClr val="00B050"/>
+                </a:solidFill>
+                <a:latin typeface="Malgun Gothic Semilight" panose="020B0503020000020004" pitchFamily="34" charset="-127"/>
+                <a:ea typeface="Malgun Gothic Semilight" panose="020B0503020000020004" pitchFamily="34" charset="-127"/>
+                <a:cs typeface="Malgun Gothic Semilight" panose="020B0503020000020004" pitchFamily="34" charset="-127"/>
+              </a:rPr>
+              <a:t>에서 오류 </a:t>
+            </a:r>
+            <a:r>
+              <a:rPr lang="en-US" altLang="ko-KR" sz="1400" dirty="0">
+                <a:solidFill>
+                  <a:srgbClr val="00B050"/>
+                </a:solidFill>
+                <a:latin typeface="Malgun Gothic Semilight" panose="020B0503020000020004" pitchFamily="34" charset="-127"/>
+                <a:ea typeface="Malgun Gothic Semilight" panose="020B0503020000020004" pitchFamily="34" charset="-127"/>
+                <a:cs typeface="Malgun Gothic Semilight" panose="020B0503020000020004" pitchFamily="34" charset="-127"/>
+              </a:rPr>
+              <a:t>: </a:t>
+            </a:r>
+            <a:r>
+              <a:rPr lang="ko-KR" altLang="en-US" sz="1400" dirty="0">
+                <a:solidFill>
+                  <a:srgbClr val="00B050"/>
+                </a:solidFill>
+                <a:latin typeface="Malgun Gothic Semilight" panose="020B0503020000020004" pitchFamily="34" charset="-127"/>
+                <a:ea typeface="Malgun Gothic Semilight" panose="020B0503020000020004" pitchFamily="34" charset="-127"/>
+                <a:cs typeface="Malgun Gothic Semilight" panose="020B0503020000020004" pitchFamily="34" charset="-127"/>
+              </a:rPr>
+              <a:t>축소</a:t>
+            </a:r>
+            <a:endParaRPr lang="en-US" altLang="ko-KR" sz="1400" dirty="0">
+              <a:solidFill>
+                <a:srgbClr val="DE2F22"/>
+              </a:solidFill>
+              <a:latin typeface="Malgun Gothic Semilight" panose="020B0503020000020004" pitchFamily="34" charset="-127"/>
+              <a:ea typeface="Malgun Gothic Semilight" panose="020B0503020000020004" pitchFamily="34" charset="-127"/>
+              <a:cs typeface="Malgun Gothic Semilight" panose="020B0503020000020004" pitchFamily="34" charset="-127"/>
+            </a:endParaRPr>
+          </a:p>
+          <a:p>
+            <a:pPr marL="0" indent="0">
+              <a:buNone/>
+            </a:pPr>
+            <a:br>
+              <a:rPr lang="en-US" altLang="ko-KR" sz="1400" dirty="0">
+                <a:latin typeface="Malgun Gothic Semilight" panose="020B0503020000020004" pitchFamily="34" charset="-127"/>
+                <a:ea typeface="Malgun Gothic Semilight" panose="020B0503020000020004" pitchFamily="34" charset="-127"/>
+                <a:cs typeface="Malgun Gothic Semilight" panose="020B0503020000020004" pitchFamily="34" charset="-127"/>
+              </a:rPr>
+            </a:br>
+            <a:br>
+              <a:rPr lang="en-US" altLang="ko-KR" sz="1400" dirty="0">
+                <a:latin typeface="Malgun Gothic Semilight" panose="020B0503020000020004" pitchFamily="34" charset="-127"/>
+                <a:ea typeface="Malgun Gothic Semilight" panose="020B0503020000020004" pitchFamily="34" charset="-127"/>
+                <a:cs typeface="Malgun Gothic Semilight" panose="020B0503020000020004" pitchFamily="34" charset="-127"/>
+              </a:rPr>
+            </a:br>
+            <a:endParaRPr lang="en-US" altLang="ko-KR" sz="1400" dirty="0">
+              <a:latin typeface="Malgun Gothic Semilight" panose="020B0503020000020004" pitchFamily="34" charset="-127"/>
+              <a:ea typeface="Malgun Gothic Semilight" panose="020B0503020000020004" pitchFamily="34" charset="-127"/>
+              <a:cs typeface="Malgun Gothic Semilight" panose="020B0503020000020004" pitchFamily="34" charset="-127"/>
+            </a:endParaRPr>
+          </a:p>
+          <a:p>
+            <a:endParaRPr lang="en-US" altLang="ko-KR" sz="1800" dirty="0">
+              <a:latin typeface="Malgun Gothic Semilight" panose="020B0503020000020004" pitchFamily="34" charset="-127"/>
+              <a:ea typeface="Malgun Gothic Semilight" panose="020B0503020000020004" pitchFamily="34" charset="-127"/>
+              <a:cs typeface="Malgun Gothic Semilight" panose="020B0503020000020004" pitchFamily="34" charset="-127"/>
+            </a:endParaRPr>
+          </a:p>
+        </p:txBody>
+      </p:sp>
+    </p:spTree>
+    <p:extLst>
+      <p:ext uri="{BB962C8B-B14F-4D97-AF65-F5344CB8AC3E}">
+        <p14:creationId xmlns:p14="http://schemas.microsoft.com/office/powerpoint/2010/main" val="682937460"/>
+      </p:ext>
+    </p:extLst>
+  </p:cSld>
+  <p:clrMapOvr>
+    <a:masterClrMapping/>
+  </p:clrMapOvr>
+</p:sld>
+</file>
+
+<file path=ppt/slides/slide13.xml><?xml version="1.0" encoding="utf-8"?>
+<p:sld xmlns:a="http://schemas.openxmlformats.org/drawingml/2006/main" xmlns:r="http://schemas.openxmlformats.org/officeDocument/2006/relationships" xmlns:p="http://schemas.openxmlformats.org/presentationml/2006/main">
+  <p:cSld>
+    <p:spTree>
+      <p:nvGrpSpPr>
+        <p:cNvPr id="1" name=""/>
+        <p:cNvGrpSpPr/>
+        <p:nvPr/>
+      </p:nvGrpSpPr>
+      <p:grpSpPr>
+        <a:xfrm>
+          <a:off x="0" y="0"/>
+          <a:ext cx="0" cy="0"/>
+          <a:chOff x="0" y="0"/>
+          <a:chExt cx="0" cy="0"/>
+        </a:xfrm>
+      </p:grpSpPr>
+      <p:sp>
+        <p:nvSpPr>
+          <p:cNvPr id="2" name="제목 1">
+            <a:extLst>
+              <a:ext uri="{FF2B5EF4-FFF2-40B4-BE49-F238E27FC236}">
+                <a16:creationId xmlns:a16="http://schemas.microsoft.com/office/drawing/2014/main" id="{6F204F3F-D196-428C-AE74-238938FD8008}"/>
+              </a:ext>
+            </a:extLst>
+          </p:cNvPr>
+          <p:cNvSpPr>
+            <a:spLocks noGrp="1"/>
+          </p:cNvSpPr>
+          <p:nvPr>
+            <p:ph type="title"/>
+          </p:nvPr>
+        </p:nvSpPr>
+        <p:spPr/>
+        <p:txBody>
+          <a:bodyPr rtlCol="0"/>
+          <a:lstStyle/>
+          <a:p>
+            <a:pPr rtl="0"/>
+            <a:r>
+              <a:rPr lang="ko-KR" altLang="en-US" noProof="1">
+                <a:ea typeface="맑은 고딕" panose="020B0503020000020004" pitchFamily="50" charset="-127"/>
+              </a:rPr>
+              <a:t>포인터</a:t>
+            </a:r>
+          </a:p>
+        </p:txBody>
+      </p:sp>
+      <p:sp>
+        <p:nvSpPr>
+          <p:cNvPr id="4" name="내용 개체 틀 3">
+            <a:extLst>
+              <a:ext uri="{FF2B5EF4-FFF2-40B4-BE49-F238E27FC236}">
+                <a16:creationId xmlns:a16="http://schemas.microsoft.com/office/drawing/2014/main" id="{96CE665F-14BA-4497-89D9-62FF51142EB8}"/>
+              </a:ext>
+            </a:extLst>
+          </p:cNvPr>
+          <p:cNvSpPr txBox="1">
+            <a:spLocks/>
+          </p:cNvSpPr>
+          <p:nvPr/>
+        </p:nvSpPr>
+        <p:spPr>
+          <a:xfrm>
+            <a:off x="631044" y="3216166"/>
+            <a:ext cx="10979765" cy="2939678"/>
+          </a:xfrm>
+          <a:prstGeom prst="rect">
+            <a:avLst/>
+          </a:prstGeom>
+        </p:spPr>
+        <p:txBody>
+          <a:bodyPr vert="horz" lIns="91440" tIns="45720" rIns="91440" bIns="45720" rtlCol="0" anchor="t">
+            <a:normAutofit/>
+          </a:bodyPr>
+          <a:lstStyle>
+            <a:lvl1pPr marL="306000" indent="-306000" algn="l" defTabSz="457200" rtl="0" eaLnBrk="1" latinLnBrk="1" hangingPunct="1">
+              <a:spcBef>
+                <a:spcPct val="20000"/>
+              </a:spcBef>
+              <a:spcAft>
+                <a:spcPts val="600"/>
+              </a:spcAft>
+              <a:buClr>
+                <a:schemeClr val="accent1"/>
+              </a:buClr>
+              <a:buSzPct val="92000"/>
+              <a:buFont typeface="Wingdings 2" panose="05020102010507070707" pitchFamily="18" charset="2"/>
+              <a:buChar char=""/>
+              <a:defRPr sz="1800" kern="1200" baseline="0">
+                <a:solidFill>
+                  <a:schemeClr val="tx1">
+                    <a:lumMod val="75000"/>
+                    <a:lumOff val="25000"/>
+                  </a:schemeClr>
+                </a:solidFill>
+                <a:latin typeface="맑은 고딕" panose="020B0503020000020004" pitchFamily="50" charset="-127"/>
+                <a:ea typeface="맑은 고딕" panose="020B0503020000020004" pitchFamily="50" charset="-127"/>
+                <a:cs typeface="+mn-cs"/>
+              </a:defRPr>
+            </a:lvl1pPr>
+            <a:lvl2pPr marL="630000" eaLnBrk="1" latinLnBrk="1" hangingPunct="1">
+              <a:buClr>
+                <a:schemeClr val="accent1"/>
+              </a:buClr>
+              <a:buSzPct val="92000"/>
+              <a:buFont typeface="Wingdings 2" panose="05020102010507070707" pitchFamily="18" charset="2"/>
+              <a:buChar char=""/>
+              <a:defRPr baseline="0">
+                <a:latin typeface="맑은 고딕" panose="020B0503020000020004" pitchFamily="50" charset="-127"/>
+                <a:ea typeface="맑은 고딕" panose="020B0503020000020004" pitchFamily="50" charset="-127"/>
+              </a:defRPr>
+            </a:lvl2pPr>
+            <a:lvl3pPr marL="900000" eaLnBrk="1" latinLnBrk="1" hangingPunct="1">
+              <a:buClr>
+                <a:schemeClr val="accent1"/>
+              </a:buClr>
+              <a:buSzPct val="92000"/>
+              <a:buFont typeface="Wingdings 2" panose="05020102010507070707" pitchFamily="18" charset="2"/>
+              <a:buChar char=""/>
+              <a:defRPr baseline="0">
+                <a:latin typeface="맑은 고딕" panose="020B0503020000020004" pitchFamily="50" charset="-127"/>
+                <a:ea typeface="맑은 고딕" panose="020B0503020000020004" pitchFamily="50" charset="-127"/>
+              </a:defRPr>
+            </a:lvl3pPr>
+            <a:lvl4pPr marL="1242000" eaLnBrk="1" latinLnBrk="1" hangingPunct="1">
+              <a:buClr>
+                <a:schemeClr val="accent1"/>
+              </a:buClr>
+              <a:buSzPct val="92000"/>
+              <a:buFont typeface="Wingdings 2" panose="05020102010507070707" pitchFamily="18" charset="2"/>
+              <a:buChar char=""/>
+              <a:defRPr baseline="0">
+                <a:latin typeface="맑은 고딕" panose="020B0503020000020004" pitchFamily="50" charset="-127"/>
+                <a:ea typeface="맑은 고딕" panose="020B0503020000020004" pitchFamily="50" charset="-127"/>
+              </a:defRPr>
+            </a:lvl4pPr>
+            <a:lvl5pPr marL="1602000" eaLnBrk="1" latinLnBrk="1" hangingPunct="1">
+              <a:buClr>
+                <a:schemeClr val="accent1"/>
+              </a:buClr>
+              <a:buSzPct val="92000"/>
+              <a:buFont typeface="Wingdings 2" panose="05020102010507070707" pitchFamily="18" charset="2"/>
+              <a:buChar char=""/>
+              <a:defRPr baseline="0">
+                <a:latin typeface="맑은 고딕" panose="020B0503020000020004" pitchFamily="50" charset="-127"/>
+                <a:ea typeface="맑은 고딕" panose="020B0503020000020004" pitchFamily="50" charset="-127"/>
+              </a:defRPr>
+            </a:lvl5pPr>
+          </a:lstStyle>
+          <a:p>
+            <a:pPr marL="0" indent="0">
+              <a:lnSpc>
+                <a:spcPct val="150000"/>
+              </a:lnSpc>
+              <a:buFont typeface="Wingdings 2" panose="05020102010507070707" pitchFamily="18" charset="2"/>
+              <a:buNone/>
+            </a:pPr>
+            <a:br>
+              <a:rPr lang="en-US" altLang="ko-KR" dirty="0"/>
+            </a:br>
+            <a:endParaRPr lang="en-US" altLang="ko-KR" dirty="0"/>
+          </a:p>
+        </p:txBody>
+      </p:sp>
+      <p:sp>
+        <p:nvSpPr>
+          <p:cNvPr id="13" name="내용 개체 틀 3">
+            <a:extLst>
+              <a:ext uri="{FF2B5EF4-FFF2-40B4-BE49-F238E27FC236}">
+                <a16:creationId xmlns:a16="http://schemas.microsoft.com/office/drawing/2014/main" id="{7BC142BD-59D9-496E-9CD1-A13E229BEEE9}"/>
+              </a:ext>
+            </a:extLst>
+          </p:cNvPr>
+          <p:cNvSpPr txBox="1">
+            <a:spLocks/>
+          </p:cNvSpPr>
+          <p:nvPr/>
+        </p:nvSpPr>
+        <p:spPr>
+          <a:xfrm>
+            <a:off x="581191" y="1688321"/>
+            <a:ext cx="10979765" cy="4816711"/>
+          </a:xfrm>
+          <a:prstGeom prst="rect">
+            <a:avLst/>
+          </a:prstGeom>
+        </p:spPr>
+        <p:txBody>
+          <a:bodyPr vert="horz" lIns="91440" tIns="45720" rIns="91440" bIns="45720" rtlCol="0" anchor="t">
+            <a:noAutofit/>
+          </a:bodyPr>
+          <a:lstStyle>
+            <a:lvl1pPr marL="306000" indent="-306000" algn="l" defTabSz="457200" rtl="0" eaLnBrk="1" latinLnBrk="1" hangingPunct="1">
+              <a:spcBef>
+                <a:spcPct val="20000"/>
+              </a:spcBef>
+              <a:spcAft>
+                <a:spcPts val="600"/>
+              </a:spcAft>
+              <a:buClr>
+                <a:schemeClr val="accent1"/>
+              </a:buClr>
+              <a:buSzPct val="92000"/>
+              <a:buFont typeface="Wingdings 2" panose="05020102010507070707" pitchFamily="18" charset="2"/>
+              <a:buChar char=""/>
+              <a:defRPr sz="1800" kern="1200" baseline="0">
+                <a:solidFill>
+                  <a:schemeClr val="tx1">
+                    <a:lumMod val="75000"/>
+                    <a:lumOff val="25000"/>
+                  </a:schemeClr>
+                </a:solidFill>
+                <a:latin typeface="맑은 고딕" panose="020B0503020000020004" pitchFamily="50" charset="-127"/>
+                <a:ea typeface="맑은 고딕" panose="020B0503020000020004" pitchFamily="50" charset="-127"/>
+                <a:cs typeface="+mn-cs"/>
+              </a:defRPr>
+            </a:lvl1pPr>
+            <a:lvl2pPr marL="630000" eaLnBrk="1" latinLnBrk="1" hangingPunct="1">
+              <a:buClr>
+                <a:schemeClr val="accent1"/>
+              </a:buClr>
+              <a:buSzPct val="92000"/>
+              <a:buFont typeface="Wingdings 2" panose="05020102010507070707" pitchFamily="18" charset="2"/>
+              <a:buChar char=""/>
+              <a:defRPr baseline="0">
+                <a:latin typeface="맑은 고딕" panose="020B0503020000020004" pitchFamily="50" charset="-127"/>
+                <a:ea typeface="맑은 고딕" panose="020B0503020000020004" pitchFamily="50" charset="-127"/>
+              </a:defRPr>
+            </a:lvl2pPr>
+            <a:lvl3pPr marL="900000" eaLnBrk="1" latinLnBrk="1" hangingPunct="1">
+              <a:buClr>
+                <a:schemeClr val="accent1"/>
+              </a:buClr>
+              <a:buSzPct val="92000"/>
+              <a:buFont typeface="Wingdings 2" panose="05020102010507070707" pitchFamily="18" charset="2"/>
+              <a:buChar char=""/>
+              <a:defRPr baseline="0">
+                <a:latin typeface="맑은 고딕" panose="020B0503020000020004" pitchFamily="50" charset="-127"/>
+                <a:ea typeface="맑은 고딕" panose="020B0503020000020004" pitchFamily="50" charset="-127"/>
+              </a:defRPr>
+            </a:lvl3pPr>
+            <a:lvl4pPr marL="1242000" eaLnBrk="1" latinLnBrk="1" hangingPunct="1">
+              <a:buClr>
+                <a:schemeClr val="accent1"/>
+              </a:buClr>
+              <a:buSzPct val="92000"/>
+              <a:buFont typeface="Wingdings 2" panose="05020102010507070707" pitchFamily="18" charset="2"/>
+              <a:buChar char=""/>
+              <a:defRPr baseline="0">
+                <a:latin typeface="맑은 고딕" panose="020B0503020000020004" pitchFamily="50" charset="-127"/>
+                <a:ea typeface="맑은 고딕" panose="020B0503020000020004" pitchFamily="50" charset="-127"/>
+              </a:defRPr>
+            </a:lvl4pPr>
+            <a:lvl5pPr marL="1602000" eaLnBrk="1" latinLnBrk="1" hangingPunct="1">
+              <a:buClr>
+                <a:schemeClr val="accent1"/>
+              </a:buClr>
+              <a:buSzPct val="92000"/>
+              <a:buFont typeface="Wingdings 2" panose="05020102010507070707" pitchFamily="18" charset="2"/>
+              <a:buChar char=""/>
+              <a:defRPr baseline="0">
+                <a:latin typeface="맑은 고딕" panose="020B0503020000020004" pitchFamily="50" charset="-127"/>
+                <a:ea typeface="맑은 고딕" panose="020B0503020000020004" pitchFamily="50" charset="-127"/>
+              </a:defRPr>
+            </a:lvl5pPr>
+          </a:lstStyle>
+          <a:p>
+            <a:r>
+              <a:rPr lang="ko-KR" altLang="en-US" sz="1400" b="1" dirty="0">
+                <a:latin typeface="Malgun Gothic Semilight" panose="020B0503020000020004" pitchFamily="34" charset="-127"/>
+                <a:ea typeface="Malgun Gothic Semilight" panose="020B0503020000020004" pitchFamily="34" charset="-127"/>
+                <a:cs typeface="Malgun Gothic Semilight" panose="020B0503020000020004" pitchFamily="34" charset="-127"/>
+              </a:rPr>
+              <a:t>포인터는 메모리 주소를 포함하는 변수이다</a:t>
+            </a:r>
+            <a:r>
+              <a:rPr lang="en-US" altLang="ko-KR" sz="1400" b="1" dirty="0">
+                <a:latin typeface="Malgun Gothic Semilight" panose="020B0503020000020004" pitchFamily="34" charset="-127"/>
+                <a:ea typeface="Malgun Gothic Semilight" panose="020B0503020000020004" pitchFamily="34" charset="-127"/>
+                <a:cs typeface="Malgun Gothic Semilight" panose="020B0503020000020004" pitchFamily="34" charset="-127"/>
+              </a:rPr>
+              <a:t>.</a:t>
+            </a:r>
+          </a:p>
+          <a:p>
+            <a:pPr>
+              <a:lnSpc>
+                <a:spcPct val="150000"/>
+              </a:lnSpc>
+              <a:spcBef>
+                <a:spcPts val="0"/>
+              </a:spcBef>
+            </a:pPr>
+            <a:r>
+              <a:rPr lang="ko-KR" altLang="en-US" sz="1400" b="1" dirty="0">
+                <a:latin typeface="Malgun Gothic Semilight" panose="020B0503020000020004" pitchFamily="34" charset="-127"/>
+                <a:ea typeface="Malgun Gothic Semilight" panose="020B0503020000020004" pitchFamily="34" charset="-127"/>
+                <a:cs typeface="Malgun Gothic Semilight" panose="020B0503020000020004" pitchFamily="34" charset="-127"/>
+              </a:rPr>
+              <a:t>선언</a:t>
+            </a:r>
+            <a:br>
+              <a:rPr lang="en-US" altLang="ko-KR" sz="1400" dirty="0">
+                <a:latin typeface="Malgun Gothic Semilight" panose="020B0503020000020004" pitchFamily="34" charset="-127"/>
+                <a:ea typeface="Malgun Gothic Semilight" panose="020B0503020000020004" pitchFamily="34" charset="-127"/>
+                <a:cs typeface="Malgun Gothic Semilight" panose="020B0503020000020004" pitchFamily="34" charset="-127"/>
+              </a:rPr>
+            </a:br>
+            <a:r>
+              <a:rPr lang="ko-KR" altLang="en-US" sz="1200" dirty="0">
+                <a:latin typeface="Malgun Gothic Semilight" panose="020B0503020000020004" pitchFamily="34" charset="-127"/>
+                <a:ea typeface="Malgun Gothic Semilight" panose="020B0503020000020004" pitchFamily="34" charset="-127"/>
+                <a:cs typeface="Malgun Gothic Semilight" panose="020B0503020000020004" pitchFamily="34" charset="-127"/>
+              </a:rPr>
+              <a:t>할당 </a:t>
+            </a:r>
+            <a:r>
+              <a:rPr lang="en-US" altLang="ko-KR" sz="1200" dirty="0">
+                <a:latin typeface="Malgun Gothic Semilight" panose="020B0503020000020004" pitchFamily="34" charset="-127"/>
+                <a:ea typeface="Malgun Gothic Semilight" panose="020B0503020000020004" pitchFamily="34" charset="-127"/>
+                <a:cs typeface="Malgun Gothic Semilight" panose="020B0503020000020004" pitchFamily="34" charset="-127"/>
+              </a:rPr>
+              <a:t>: </a:t>
+            </a:r>
+            <a:r>
+              <a:rPr lang="en-US" altLang="ko-KR" sz="1200" dirty="0">
+                <a:solidFill>
+                  <a:srgbClr val="C00000"/>
+                </a:solidFill>
+                <a:latin typeface="Malgun Gothic Semilight" panose="020B0503020000020004" pitchFamily="34" charset="-127"/>
+                <a:ea typeface="Malgun Gothic Semilight" panose="020B0503020000020004" pitchFamily="34" charset="-127"/>
+                <a:cs typeface="Malgun Gothic Semilight" panose="020B0503020000020004" pitchFamily="34" charset="-127"/>
+              </a:rPr>
+              <a:t>int *</a:t>
+            </a:r>
+            <a:r>
+              <a:rPr lang="en-US" altLang="ko-KR" sz="1200" dirty="0" err="1">
+                <a:latin typeface="Malgun Gothic Semilight" panose="020B0503020000020004" pitchFamily="34" charset="-127"/>
+                <a:ea typeface="Malgun Gothic Semilight" panose="020B0503020000020004" pitchFamily="34" charset="-127"/>
+                <a:cs typeface="Malgun Gothic Semilight" panose="020B0503020000020004" pitchFamily="34" charset="-127"/>
+              </a:rPr>
+              <a:t>ip</a:t>
+            </a:r>
+            <a:r>
+              <a:rPr lang="en-US" altLang="ko-KR" sz="1200" dirty="0">
+                <a:latin typeface="Malgun Gothic Semilight" panose="020B0503020000020004" pitchFamily="34" charset="-127"/>
+                <a:ea typeface="Malgun Gothic Semilight" panose="020B0503020000020004" pitchFamily="34" charset="-127"/>
+                <a:cs typeface="Malgun Gothic Semilight" panose="020B0503020000020004" pitchFamily="34" charset="-127"/>
+              </a:rPr>
+              <a:t> = </a:t>
+            </a:r>
+            <a:r>
+              <a:rPr lang="en-US" altLang="ko-KR" sz="1200" dirty="0">
+                <a:solidFill>
+                  <a:srgbClr val="C00000"/>
+                </a:solidFill>
+                <a:latin typeface="Malgun Gothic Semilight" panose="020B0503020000020004" pitchFamily="34" charset="-127"/>
+                <a:ea typeface="Malgun Gothic Semilight" panose="020B0503020000020004" pitchFamily="34" charset="-127"/>
+                <a:cs typeface="Malgun Gothic Semilight" panose="020B0503020000020004" pitchFamily="34" charset="-127"/>
+              </a:rPr>
+              <a:t>new</a:t>
+            </a:r>
+            <a:r>
+              <a:rPr lang="en-US" altLang="ko-KR" sz="1200" dirty="0">
+                <a:latin typeface="Malgun Gothic Semilight" panose="020B0503020000020004" pitchFamily="34" charset="-127"/>
+                <a:ea typeface="Malgun Gothic Semilight" panose="020B0503020000020004" pitchFamily="34" charset="-127"/>
+                <a:cs typeface="Malgun Gothic Semilight" panose="020B0503020000020004" pitchFamily="34" charset="-127"/>
+              </a:rPr>
+              <a:t> int;</a:t>
+            </a:r>
+            <a:br>
+              <a:rPr lang="en-US" altLang="ko-KR" sz="1200" dirty="0">
+                <a:latin typeface="Malgun Gothic Semilight" panose="020B0503020000020004" pitchFamily="34" charset="-127"/>
+                <a:ea typeface="Malgun Gothic Semilight" panose="020B0503020000020004" pitchFamily="34" charset="-127"/>
+                <a:cs typeface="Malgun Gothic Semilight" panose="020B0503020000020004" pitchFamily="34" charset="-127"/>
+              </a:rPr>
+            </a:br>
+            <a:r>
+              <a:rPr lang="ko-KR" altLang="en-US" sz="1200" dirty="0">
+                <a:latin typeface="Malgun Gothic Semilight" panose="020B0503020000020004" pitchFamily="34" charset="-127"/>
+                <a:ea typeface="Malgun Gothic Semilight" panose="020B0503020000020004" pitchFamily="34" charset="-127"/>
+                <a:cs typeface="Malgun Gothic Semilight" panose="020B0503020000020004" pitchFamily="34" charset="-127"/>
+              </a:rPr>
+              <a:t>해제 </a:t>
+            </a:r>
+            <a:r>
+              <a:rPr lang="en-US" altLang="ko-KR" sz="1200" dirty="0">
+                <a:latin typeface="Malgun Gothic Semilight" panose="020B0503020000020004" pitchFamily="34" charset="-127"/>
+                <a:ea typeface="Malgun Gothic Semilight" panose="020B0503020000020004" pitchFamily="34" charset="-127"/>
+                <a:cs typeface="Malgun Gothic Semilight" panose="020B0503020000020004" pitchFamily="34" charset="-127"/>
+              </a:rPr>
+              <a:t>: </a:t>
+            </a:r>
+            <a:r>
+              <a:rPr lang="en-US" altLang="ko-KR" sz="1200" dirty="0">
+                <a:solidFill>
+                  <a:srgbClr val="C00000"/>
+                </a:solidFill>
+                <a:latin typeface="Malgun Gothic Semilight" panose="020B0503020000020004" pitchFamily="34" charset="-127"/>
+                <a:ea typeface="Malgun Gothic Semilight" panose="020B0503020000020004" pitchFamily="34" charset="-127"/>
+                <a:cs typeface="Malgun Gothic Semilight" panose="020B0503020000020004" pitchFamily="34" charset="-127"/>
+              </a:rPr>
+              <a:t>delete</a:t>
+            </a:r>
+            <a:r>
+              <a:rPr lang="en-US" altLang="ko-KR" sz="1200" dirty="0">
+                <a:latin typeface="Malgun Gothic Semilight" panose="020B0503020000020004" pitchFamily="34" charset="-127"/>
+                <a:ea typeface="Malgun Gothic Semilight" panose="020B0503020000020004" pitchFamily="34" charset="-127"/>
+                <a:cs typeface="Malgun Gothic Semilight" panose="020B0503020000020004" pitchFamily="34" charset="-127"/>
+              </a:rPr>
+              <a:t> </a:t>
+            </a:r>
+            <a:r>
+              <a:rPr lang="en-US" altLang="ko-KR" sz="1200" dirty="0" err="1">
+                <a:latin typeface="Malgun Gothic Semilight" panose="020B0503020000020004" pitchFamily="34" charset="-127"/>
+                <a:ea typeface="Malgun Gothic Semilight" panose="020B0503020000020004" pitchFamily="34" charset="-127"/>
+                <a:cs typeface="Malgun Gothic Semilight" panose="020B0503020000020004" pitchFamily="34" charset="-127"/>
+              </a:rPr>
+              <a:t>ip</a:t>
+            </a:r>
+            <a:r>
+              <a:rPr lang="en-US" altLang="ko-KR" sz="1200" dirty="0">
+                <a:latin typeface="Malgun Gothic Semilight" panose="020B0503020000020004" pitchFamily="34" charset="-127"/>
+                <a:ea typeface="Malgun Gothic Semilight" panose="020B0503020000020004" pitchFamily="34" charset="-127"/>
+                <a:cs typeface="Malgun Gothic Semilight" panose="020B0503020000020004" pitchFamily="34" charset="-127"/>
+              </a:rPr>
+              <a:t>;</a:t>
+            </a:r>
+          </a:p>
+          <a:p>
+            <a:pPr>
+              <a:lnSpc>
+                <a:spcPct val="150000"/>
+              </a:lnSpc>
+              <a:spcBef>
+                <a:spcPts val="0"/>
+              </a:spcBef>
+            </a:pPr>
+            <a:r>
+              <a:rPr lang="ko-KR" altLang="en-US" sz="1400" b="1" dirty="0">
+                <a:latin typeface="Malgun Gothic Semilight" panose="020B0503020000020004" pitchFamily="34" charset="-127"/>
+                <a:ea typeface="Malgun Gothic Semilight" panose="020B0503020000020004" pitchFamily="34" charset="-127"/>
+                <a:cs typeface="Malgun Gothic Semilight" panose="020B0503020000020004" pitchFamily="34" charset="-127"/>
+              </a:rPr>
+              <a:t>반환 연산자</a:t>
+            </a:r>
+            <a:br>
+              <a:rPr lang="en-US" altLang="ko-KR" sz="1400" dirty="0">
+                <a:latin typeface="Malgun Gothic Semilight" panose="020B0503020000020004" pitchFamily="34" charset="-127"/>
+                <a:ea typeface="Malgun Gothic Semilight" panose="020B0503020000020004" pitchFamily="34" charset="-127"/>
+                <a:cs typeface="Malgun Gothic Semilight" panose="020B0503020000020004" pitchFamily="34" charset="-127"/>
+              </a:rPr>
+            </a:br>
+            <a:r>
+              <a:rPr lang="en-US" altLang="ko-KR" sz="1200" dirty="0">
+                <a:latin typeface="Malgun Gothic Semilight" panose="020B0503020000020004" pitchFamily="34" charset="-127"/>
+                <a:ea typeface="Malgun Gothic Semilight" panose="020B0503020000020004" pitchFamily="34" charset="-127"/>
+                <a:cs typeface="Malgun Gothic Semilight" panose="020B0503020000020004" pitchFamily="34" charset="-127"/>
+              </a:rPr>
+              <a:t>int </a:t>
+            </a:r>
+            <a:r>
+              <a:rPr lang="en-US" altLang="ko-KR" sz="1200" dirty="0" err="1">
+                <a:latin typeface="Malgun Gothic Semilight" panose="020B0503020000020004" pitchFamily="34" charset="-127"/>
+                <a:ea typeface="Malgun Gothic Semilight" panose="020B0503020000020004" pitchFamily="34" charset="-127"/>
+                <a:cs typeface="Malgun Gothic Semilight" panose="020B0503020000020004" pitchFamily="34" charset="-127"/>
+              </a:rPr>
+              <a:t>i</a:t>
+            </a:r>
+            <a:r>
+              <a:rPr lang="en-US" altLang="ko-KR" sz="1200" dirty="0">
+                <a:latin typeface="Malgun Gothic Semilight" panose="020B0503020000020004" pitchFamily="34" charset="-127"/>
+                <a:ea typeface="Malgun Gothic Semilight" panose="020B0503020000020004" pitchFamily="34" charset="-127"/>
+                <a:cs typeface="Malgun Gothic Semilight" panose="020B0503020000020004" pitchFamily="34" charset="-127"/>
+              </a:rPr>
+              <a:t>  = 3;</a:t>
+            </a:r>
+            <a:br>
+              <a:rPr lang="en-US" altLang="ko-KR" sz="1200" dirty="0">
+                <a:latin typeface="Malgun Gothic Semilight" panose="020B0503020000020004" pitchFamily="34" charset="-127"/>
+                <a:ea typeface="Malgun Gothic Semilight" panose="020B0503020000020004" pitchFamily="34" charset="-127"/>
+                <a:cs typeface="Malgun Gothic Semilight" panose="020B0503020000020004" pitchFamily="34" charset="-127"/>
+              </a:rPr>
+            </a:br>
+            <a:r>
+              <a:rPr lang="en-US" altLang="ko-KR" sz="1200" dirty="0">
+                <a:latin typeface="Malgun Gothic Semilight" panose="020B0503020000020004" pitchFamily="34" charset="-127"/>
+                <a:ea typeface="Malgun Gothic Semilight" panose="020B0503020000020004" pitchFamily="34" charset="-127"/>
+                <a:cs typeface="Malgun Gothic Semilight" panose="020B0503020000020004" pitchFamily="34" charset="-127"/>
+              </a:rPr>
+              <a:t>int *ip2 = </a:t>
+            </a:r>
+            <a:r>
+              <a:rPr lang="en-US" altLang="ko-KR" sz="1200" dirty="0">
+                <a:solidFill>
+                  <a:srgbClr val="C00000"/>
+                </a:solidFill>
+                <a:latin typeface="Malgun Gothic Semilight" panose="020B0503020000020004" pitchFamily="34" charset="-127"/>
+                <a:ea typeface="Malgun Gothic Semilight" panose="020B0503020000020004" pitchFamily="34" charset="-127"/>
+                <a:cs typeface="Malgun Gothic Semilight" panose="020B0503020000020004" pitchFamily="34" charset="-127"/>
+              </a:rPr>
+              <a:t>&amp;</a:t>
+            </a:r>
+            <a:r>
+              <a:rPr lang="en-US" altLang="ko-KR" sz="1200" dirty="0" err="1">
+                <a:solidFill>
+                  <a:srgbClr val="C00000"/>
+                </a:solidFill>
+                <a:latin typeface="Malgun Gothic Semilight" panose="020B0503020000020004" pitchFamily="34" charset="-127"/>
+                <a:ea typeface="Malgun Gothic Semilight" panose="020B0503020000020004" pitchFamily="34" charset="-127"/>
+                <a:cs typeface="Malgun Gothic Semilight" panose="020B0503020000020004" pitchFamily="34" charset="-127"/>
+              </a:rPr>
+              <a:t>i</a:t>
+            </a:r>
+            <a:r>
+              <a:rPr lang="en-US" altLang="ko-KR" sz="1200" dirty="0">
+                <a:latin typeface="Malgun Gothic Semilight" panose="020B0503020000020004" pitchFamily="34" charset="-127"/>
+                <a:ea typeface="Malgun Gothic Semilight" panose="020B0503020000020004" pitchFamily="34" charset="-127"/>
+                <a:cs typeface="Malgun Gothic Semilight" panose="020B0503020000020004" pitchFamily="34" charset="-127"/>
+              </a:rPr>
+              <a:t>;  ( &amp; </a:t>
+            </a:r>
+            <a:r>
+              <a:rPr lang="ko-KR" altLang="en-US" sz="1200" dirty="0">
+                <a:latin typeface="Malgun Gothic Semilight" panose="020B0503020000020004" pitchFamily="34" charset="-127"/>
+                <a:ea typeface="Malgun Gothic Semilight" panose="020B0503020000020004" pitchFamily="34" charset="-127"/>
+                <a:cs typeface="Malgun Gothic Semilight" panose="020B0503020000020004" pitchFamily="34" charset="-127"/>
+              </a:rPr>
+              <a:t>연산자는 개체를 가져와서 주소를 반환</a:t>
+            </a:r>
+            <a:r>
+              <a:rPr lang="en-US" altLang="ko-KR" sz="1200" dirty="0">
+                <a:latin typeface="Malgun Gothic Semilight" panose="020B0503020000020004" pitchFamily="34" charset="-127"/>
+                <a:ea typeface="Malgun Gothic Semilight" panose="020B0503020000020004" pitchFamily="34" charset="-127"/>
+                <a:cs typeface="Malgun Gothic Semilight" panose="020B0503020000020004" pitchFamily="34" charset="-127"/>
+              </a:rPr>
+              <a:t> )</a:t>
+            </a:r>
+            <a:br>
+              <a:rPr lang="en-US" altLang="ko-KR" sz="1200" dirty="0">
+                <a:latin typeface="Malgun Gothic Semilight" panose="020B0503020000020004" pitchFamily="34" charset="-127"/>
+                <a:ea typeface="Malgun Gothic Semilight" panose="020B0503020000020004" pitchFamily="34" charset="-127"/>
+                <a:cs typeface="Malgun Gothic Semilight" panose="020B0503020000020004" pitchFamily="34" charset="-127"/>
+              </a:rPr>
+            </a:br>
+            <a:r>
+              <a:rPr lang="en-US" altLang="ko-KR" sz="1200" dirty="0">
+                <a:latin typeface="Malgun Gothic Semilight" panose="020B0503020000020004" pitchFamily="34" charset="-127"/>
+                <a:ea typeface="Malgun Gothic Semilight" panose="020B0503020000020004" pitchFamily="34" charset="-127"/>
+                <a:cs typeface="Malgun Gothic Semilight" panose="020B0503020000020004" pitchFamily="34" charset="-127"/>
+              </a:rPr>
+              <a:t>int j = </a:t>
+            </a:r>
+            <a:r>
+              <a:rPr lang="en-US" altLang="ko-KR" sz="1200" dirty="0">
+                <a:solidFill>
+                  <a:srgbClr val="C00000"/>
+                </a:solidFill>
+                <a:latin typeface="Malgun Gothic Semilight" panose="020B0503020000020004" pitchFamily="34" charset="-127"/>
+                <a:ea typeface="Malgun Gothic Semilight" panose="020B0503020000020004" pitchFamily="34" charset="-127"/>
+                <a:cs typeface="Malgun Gothic Semilight" panose="020B0503020000020004" pitchFamily="34" charset="-127"/>
+              </a:rPr>
+              <a:t>*ip2</a:t>
+            </a:r>
+            <a:r>
+              <a:rPr lang="en-US" altLang="ko-KR" sz="1200" dirty="0">
+                <a:latin typeface="Malgun Gothic Semilight" panose="020B0503020000020004" pitchFamily="34" charset="-127"/>
+                <a:ea typeface="Malgun Gothic Semilight" panose="020B0503020000020004" pitchFamily="34" charset="-127"/>
+                <a:cs typeface="Malgun Gothic Semilight" panose="020B0503020000020004" pitchFamily="34" charset="-127"/>
+              </a:rPr>
+              <a:t>; (</a:t>
+            </a:r>
+            <a:r>
+              <a:rPr lang="ko-KR" altLang="en-US" sz="1200" dirty="0">
+                <a:latin typeface="Malgun Gothic Semilight" panose="020B0503020000020004" pitchFamily="34" charset="-127"/>
+                <a:ea typeface="Malgun Gothic Semilight" panose="020B0503020000020004" pitchFamily="34" charset="-127"/>
+                <a:cs typeface="Malgun Gothic Semilight" panose="020B0503020000020004" pitchFamily="34" charset="-127"/>
+              </a:rPr>
+              <a:t> </a:t>
+            </a:r>
+            <a:r>
+              <a:rPr lang="en-US" altLang="ko-KR" sz="1200" dirty="0">
+                <a:latin typeface="Malgun Gothic Semilight" panose="020B0503020000020004" pitchFamily="34" charset="-127"/>
+                <a:ea typeface="Malgun Gothic Semilight" panose="020B0503020000020004" pitchFamily="34" charset="-127"/>
+                <a:cs typeface="Malgun Gothic Semilight" panose="020B0503020000020004" pitchFamily="34" charset="-127"/>
+              </a:rPr>
+              <a:t>*</a:t>
+            </a:r>
+            <a:r>
+              <a:rPr lang="ko-KR" altLang="en-US" sz="1200" dirty="0">
+                <a:latin typeface="Malgun Gothic Semilight" panose="020B0503020000020004" pitchFamily="34" charset="-127"/>
+                <a:ea typeface="Malgun Gothic Semilight" panose="020B0503020000020004" pitchFamily="34" charset="-127"/>
+                <a:cs typeface="Malgun Gothic Semilight" panose="020B0503020000020004" pitchFamily="34" charset="-127"/>
+              </a:rPr>
+              <a:t>연산자는 주소를 가져와서 개체를 반환 </a:t>
+            </a:r>
+            <a:r>
+              <a:rPr lang="en-US" altLang="ko-KR" sz="1200" dirty="0">
+                <a:latin typeface="Malgun Gothic Semilight" panose="020B0503020000020004" pitchFamily="34" charset="-127"/>
+                <a:ea typeface="Malgun Gothic Semilight" panose="020B0503020000020004" pitchFamily="34" charset="-127"/>
+                <a:cs typeface="Malgun Gothic Semilight" panose="020B0503020000020004" pitchFamily="34" charset="-127"/>
+              </a:rPr>
+              <a:t>: </a:t>
+            </a:r>
+            <a:r>
+              <a:rPr lang="ko-KR" altLang="en-US" sz="1200" dirty="0" err="1">
+                <a:latin typeface="Malgun Gothic Semilight" panose="020B0503020000020004" pitchFamily="34" charset="-127"/>
+                <a:ea typeface="Malgun Gothic Semilight" panose="020B0503020000020004" pitchFamily="34" charset="-127"/>
+                <a:cs typeface="Malgun Gothic Semilight" panose="020B0503020000020004" pitchFamily="34" charset="-127"/>
+              </a:rPr>
+              <a:t>역참조</a:t>
+            </a:r>
+            <a:r>
+              <a:rPr lang="ko-KR" altLang="en-US" sz="1200" dirty="0">
+                <a:latin typeface="Malgun Gothic Semilight" panose="020B0503020000020004" pitchFamily="34" charset="-127"/>
+                <a:ea typeface="Malgun Gothic Semilight" panose="020B0503020000020004" pitchFamily="34" charset="-127"/>
+                <a:cs typeface="Malgun Gothic Semilight" panose="020B0503020000020004" pitchFamily="34" charset="-127"/>
+              </a:rPr>
+              <a:t> </a:t>
+            </a:r>
+            <a:r>
+              <a:rPr lang="en-US" altLang="ko-KR" sz="1200" dirty="0">
+                <a:latin typeface="Malgun Gothic Semilight" panose="020B0503020000020004" pitchFamily="34" charset="-127"/>
+                <a:ea typeface="Malgun Gothic Semilight" panose="020B0503020000020004" pitchFamily="34" charset="-127"/>
+                <a:cs typeface="Malgun Gothic Semilight" panose="020B0503020000020004" pitchFamily="34" charset="-127"/>
+              </a:rPr>
+              <a:t>)</a:t>
+            </a:r>
+          </a:p>
+          <a:p>
+            <a:pPr>
+              <a:lnSpc>
+                <a:spcPct val="150000"/>
+              </a:lnSpc>
+              <a:spcBef>
+                <a:spcPts val="0"/>
+              </a:spcBef>
+            </a:pPr>
+            <a:r>
+              <a:rPr lang="ko-KR" altLang="en-US" sz="1400" b="1" dirty="0">
+                <a:latin typeface="Malgun Gothic Semilight" panose="020B0503020000020004" pitchFamily="34" charset="-127"/>
+                <a:ea typeface="Malgun Gothic Semilight" panose="020B0503020000020004" pitchFamily="34" charset="-127"/>
+                <a:cs typeface="Malgun Gothic Semilight" panose="020B0503020000020004" pitchFamily="34" charset="-127"/>
+              </a:rPr>
+              <a:t>포인터 초기화</a:t>
+            </a:r>
+            <a:br>
+              <a:rPr lang="en-US" altLang="ko-KR" sz="1400" dirty="0">
+                <a:latin typeface="Malgun Gothic Semilight" panose="020B0503020000020004" pitchFamily="34" charset="-127"/>
+                <a:ea typeface="Malgun Gothic Semilight" panose="020B0503020000020004" pitchFamily="34" charset="-127"/>
+                <a:cs typeface="Malgun Gothic Semilight" panose="020B0503020000020004" pitchFamily="34" charset="-127"/>
+              </a:rPr>
+            </a:br>
+            <a:r>
+              <a:rPr lang="en-US" altLang="ko-KR" sz="1200" dirty="0">
+                <a:latin typeface="Malgun Gothic Semilight" panose="020B0503020000020004" pitchFamily="34" charset="-127"/>
+                <a:ea typeface="Malgun Gothic Semilight" panose="020B0503020000020004" pitchFamily="34" charset="-127"/>
+                <a:cs typeface="Malgun Gothic Semilight" panose="020B0503020000020004" pitchFamily="34" charset="-127"/>
+              </a:rPr>
+              <a:t>int* ip3 = </a:t>
+            </a:r>
+            <a:r>
+              <a:rPr lang="en-US" altLang="ko-KR" sz="1200" dirty="0" err="1">
+                <a:solidFill>
+                  <a:srgbClr val="C00000"/>
+                </a:solidFill>
+                <a:latin typeface="Malgun Gothic Semilight" panose="020B0503020000020004" pitchFamily="34" charset="-127"/>
+                <a:ea typeface="Malgun Gothic Semilight" panose="020B0503020000020004" pitchFamily="34" charset="-127"/>
+                <a:cs typeface="Malgun Gothic Semilight" panose="020B0503020000020004" pitchFamily="34" charset="-127"/>
+              </a:rPr>
+              <a:t>nullptr</a:t>
+            </a:r>
+            <a:r>
+              <a:rPr lang="en-US" altLang="ko-KR" sz="1200" dirty="0">
+                <a:latin typeface="Malgun Gothic Semilight" panose="020B0503020000020004" pitchFamily="34" charset="-127"/>
+                <a:ea typeface="Malgun Gothic Semilight" panose="020B0503020000020004" pitchFamily="34" charset="-127"/>
+                <a:cs typeface="Malgun Gothic Semilight" panose="020B0503020000020004" pitchFamily="34" charset="-127"/>
+              </a:rPr>
+              <a:t>;	</a:t>
+            </a:r>
+            <a:r>
+              <a:rPr lang="en-US" altLang="ko-KR" sz="1200" dirty="0">
+                <a:solidFill>
+                  <a:srgbClr val="00B050"/>
+                </a:solidFill>
+                <a:latin typeface="Malgun Gothic Semilight" panose="020B0503020000020004" pitchFamily="34" charset="-127"/>
+                <a:ea typeface="Malgun Gothic Semilight" panose="020B0503020000020004" pitchFamily="34" charset="-127"/>
+                <a:cs typeface="Malgun Gothic Semilight" panose="020B0503020000020004" pitchFamily="34" charset="-127"/>
+              </a:rPr>
+              <a:t>// </a:t>
+            </a:r>
+            <a:r>
+              <a:rPr lang="en-US" altLang="ko-KR" sz="1200" dirty="0" err="1">
+                <a:solidFill>
+                  <a:srgbClr val="00B050"/>
+                </a:solidFill>
+                <a:latin typeface="Malgun Gothic Semilight" panose="020B0503020000020004" pitchFamily="34" charset="-127"/>
+                <a:ea typeface="Malgun Gothic Semilight" panose="020B0503020000020004" pitchFamily="34" charset="-127"/>
+                <a:cs typeface="Malgun Gothic Semilight" panose="020B0503020000020004" pitchFamily="34" charset="-127"/>
+              </a:rPr>
+              <a:t>c++</a:t>
+            </a:r>
+            <a:r>
+              <a:rPr lang="en-US" altLang="ko-KR" sz="1200" dirty="0">
+                <a:solidFill>
+                  <a:srgbClr val="00B050"/>
+                </a:solidFill>
+                <a:latin typeface="Malgun Gothic Semilight" panose="020B0503020000020004" pitchFamily="34" charset="-127"/>
+                <a:ea typeface="Malgun Gothic Semilight" panose="020B0503020000020004" pitchFamily="34" charset="-127"/>
+                <a:cs typeface="Malgun Gothic Semilight" panose="020B0503020000020004" pitchFamily="34" charset="-127"/>
+              </a:rPr>
+              <a:t>11 </a:t>
+            </a:r>
+            <a:r>
+              <a:rPr lang="ko-KR" altLang="en-US" sz="1200" dirty="0">
+                <a:solidFill>
+                  <a:srgbClr val="00B050"/>
+                </a:solidFill>
+                <a:latin typeface="Malgun Gothic Semilight" panose="020B0503020000020004" pitchFamily="34" charset="-127"/>
+                <a:ea typeface="Malgun Gothic Semilight" panose="020B0503020000020004" pitchFamily="34" charset="-127"/>
+                <a:cs typeface="Malgun Gothic Semilight" panose="020B0503020000020004" pitchFamily="34" charset="-127"/>
+              </a:rPr>
+              <a:t>이상</a:t>
+            </a:r>
+            <a:br>
+              <a:rPr lang="en-US" altLang="ko-KR" sz="1200" dirty="0">
+                <a:solidFill>
+                  <a:srgbClr val="00B050"/>
+                </a:solidFill>
+                <a:latin typeface="Malgun Gothic Semilight" panose="020B0503020000020004" pitchFamily="34" charset="-127"/>
+                <a:ea typeface="Malgun Gothic Semilight" panose="020B0503020000020004" pitchFamily="34" charset="-127"/>
+                <a:cs typeface="Malgun Gothic Semilight" panose="020B0503020000020004" pitchFamily="34" charset="-127"/>
+              </a:rPr>
+            </a:br>
+            <a:r>
+              <a:rPr lang="en-US" altLang="ko-KR" sz="1200" dirty="0">
+                <a:solidFill>
+                  <a:schemeClr val="tx1"/>
+                </a:solidFill>
+                <a:latin typeface="Malgun Gothic Semilight" panose="020B0503020000020004" pitchFamily="34" charset="-127"/>
+                <a:ea typeface="Malgun Gothic Semilight" panose="020B0503020000020004" pitchFamily="34" charset="-127"/>
+                <a:cs typeface="Malgun Gothic Semilight" panose="020B0503020000020004" pitchFamily="34" charset="-127"/>
+              </a:rPr>
+              <a:t>int*</a:t>
+            </a:r>
+            <a:r>
+              <a:rPr lang="ko-KR" altLang="en-US" sz="1200" dirty="0">
+                <a:solidFill>
+                  <a:schemeClr val="tx1"/>
+                </a:solidFill>
+                <a:latin typeface="Malgun Gothic Semilight" panose="020B0503020000020004" pitchFamily="34" charset="-127"/>
+                <a:ea typeface="Malgun Gothic Semilight" panose="020B0503020000020004" pitchFamily="34" charset="-127"/>
+                <a:cs typeface="Malgun Gothic Semilight" panose="020B0503020000020004" pitchFamily="34" charset="-127"/>
+              </a:rPr>
+              <a:t> </a:t>
+            </a:r>
+            <a:r>
+              <a:rPr lang="en-US" altLang="ko-KR" sz="1200" dirty="0">
+                <a:solidFill>
+                  <a:srgbClr val="C00000"/>
+                </a:solidFill>
+                <a:latin typeface="Malgun Gothic Semilight" panose="020B0503020000020004" pitchFamily="34" charset="-127"/>
+                <a:ea typeface="Malgun Gothic Semilight" panose="020B0503020000020004" pitchFamily="34" charset="-127"/>
+                <a:cs typeface="Malgun Gothic Semilight" panose="020B0503020000020004" pitchFamily="34" charset="-127"/>
+              </a:rPr>
+              <a:t>ip4{}</a:t>
+            </a:r>
+            <a:r>
+              <a:rPr lang="en-US" altLang="ko-KR" sz="1200" dirty="0">
+                <a:solidFill>
+                  <a:schemeClr val="tx1"/>
+                </a:solidFill>
+                <a:latin typeface="Malgun Gothic Semilight" panose="020B0503020000020004" pitchFamily="34" charset="-127"/>
+                <a:ea typeface="Malgun Gothic Semilight" panose="020B0503020000020004" pitchFamily="34" charset="-127"/>
+                <a:cs typeface="Malgun Gothic Semilight" panose="020B0503020000020004" pitchFamily="34" charset="-127"/>
+              </a:rPr>
+              <a:t>;</a:t>
+            </a:r>
+            <a:r>
+              <a:rPr lang="en-US" altLang="ko-KR" sz="1200" dirty="0">
+                <a:solidFill>
+                  <a:srgbClr val="00B050"/>
+                </a:solidFill>
+                <a:latin typeface="Malgun Gothic Semilight" panose="020B0503020000020004" pitchFamily="34" charset="-127"/>
+                <a:ea typeface="Malgun Gothic Semilight" panose="020B0503020000020004" pitchFamily="34" charset="-127"/>
+                <a:cs typeface="Malgun Gothic Semilight" panose="020B0503020000020004" pitchFamily="34" charset="-127"/>
+              </a:rPr>
+              <a:t>	//</a:t>
+            </a:r>
+            <a:r>
+              <a:rPr lang="ko-KR" altLang="en-US" sz="1200" dirty="0">
+                <a:solidFill>
+                  <a:srgbClr val="00B050"/>
+                </a:solidFill>
+                <a:latin typeface="Malgun Gothic Semilight" panose="020B0503020000020004" pitchFamily="34" charset="-127"/>
+                <a:ea typeface="Malgun Gothic Semilight" panose="020B0503020000020004" pitchFamily="34" charset="-127"/>
+                <a:cs typeface="Malgun Gothic Semilight" panose="020B0503020000020004" pitchFamily="34" charset="-127"/>
+              </a:rPr>
+              <a:t> </a:t>
+            </a:r>
+            <a:r>
+              <a:rPr lang="en-US" altLang="ko-KR" sz="1200" dirty="0" err="1">
+                <a:solidFill>
+                  <a:srgbClr val="00B050"/>
+                </a:solidFill>
+                <a:latin typeface="Malgun Gothic Semilight" panose="020B0503020000020004" pitchFamily="34" charset="-127"/>
+                <a:ea typeface="Malgun Gothic Semilight" panose="020B0503020000020004" pitchFamily="34" charset="-127"/>
+                <a:cs typeface="Malgun Gothic Semilight" panose="020B0503020000020004" pitchFamily="34" charset="-127"/>
+              </a:rPr>
+              <a:t>c++</a:t>
+            </a:r>
+            <a:r>
+              <a:rPr lang="en-US" altLang="ko-KR" sz="1200" dirty="0">
+                <a:solidFill>
+                  <a:srgbClr val="00B050"/>
+                </a:solidFill>
+                <a:latin typeface="Malgun Gothic Semilight" panose="020B0503020000020004" pitchFamily="34" charset="-127"/>
+                <a:ea typeface="Malgun Gothic Semilight" panose="020B0503020000020004" pitchFamily="34" charset="-127"/>
+                <a:cs typeface="Malgun Gothic Semilight" panose="020B0503020000020004" pitchFamily="34" charset="-127"/>
+              </a:rPr>
+              <a:t> </a:t>
+            </a:r>
+            <a:r>
+              <a:rPr lang="ko-KR" altLang="en-US" sz="1200" dirty="0">
+                <a:solidFill>
+                  <a:srgbClr val="00B050"/>
+                </a:solidFill>
+                <a:latin typeface="Malgun Gothic Semilight" panose="020B0503020000020004" pitchFamily="34" charset="-127"/>
+                <a:ea typeface="Malgun Gothic Semilight" panose="020B0503020000020004" pitchFamily="34" charset="-127"/>
+                <a:cs typeface="Malgun Gothic Semilight" panose="020B0503020000020004" pitchFamily="34" charset="-127"/>
+              </a:rPr>
+              <a:t>이상</a:t>
+            </a:r>
+            <a:br>
+              <a:rPr lang="en-US" altLang="ko-KR" sz="1400" dirty="0">
+                <a:solidFill>
+                  <a:srgbClr val="00B050"/>
+                </a:solidFill>
+                <a:latin typeface="Malgun Gothic Semilight" panose="020B0503020000020004" pitchFamily="34" charset="-127"/>
+                <a:ea typeface="Malgun Gothic Semilight" panose="020B0503020000020004" pitchFamily="34" charset="-127"/>
+                <a:cs typeface="Malgun Gothic Semilight" panose="020B0503020000020004" pitchFamily="34" charset="-127"/>
+              </a:rPr>
+            </a:br>
+            <a:br>
+              <a:rPr lang="en-US" altLang="ko-KR" sz="1400" dirty="0">
+                <a:solidFill>
+                  <a:srgbClr val="00B050"/>
+                </a:solidFill>
+                <a:latin typeface="Malgun Gothic Semilight" panose="020B0503020000020004" pitchFamily="34" charset="-127"/>
+                <a:ea typeface="Malgun Gothic Semilight" panose="020B0503020000020004" pitchFamily="34" charset="-127"/>
+                <a:cs typeface="Malgun Gothic Semilight" panose="020B0503020000020004" pitchFamily="34" charset="-127"/>
+              </a:rPr>
+            </a:br>
+            <a:r>
+              <a:rPr lang="en-US" altLang="ko-KR" sz="1200" dirty="0">
+                <a:solidFill>
+                  <a:schemeClr val="tx1"/>
+                </a:solidFill>
+                <a:latin typeface="Malgun Gothic Semilight" panose="020B0503020000020004" pitchFamily="34" charset="-127"/>
+                <a:ea typeface="Malgun Gothic Semilight" panose="020B0503020000020004" pitchFamily="34" charset="-127"/>
+                <a:cs typeface="Malgun Gothic Semilight" panose="020B0503020000020004" pitchFamily="34" charset="-127"/>
+              </a:rPr>
+              <a:t>int* ip3 = </a:t>
+            </a:r>
+            <a:r>
+              <a:rPr lang="en-US" altLang="ko-KR" sz="1200" dirty="0">
+                <a:solidFill>
+                  <a:srgbClr val="C00000"/>
+                </a:solidFill>
+                <a:latin typeface="Malgun Gothic Semilight" panose="020B0503020000020004" pitchFamily="34" charset="-127"/>
+                <a:ea typeface="Malgun Gothic Semilight" panose="020B0503020000020004" pitchFamily="34" charset="-127"/>
+                <a:cs typeface="Malgun Gothic Semilight" panose="020B0503020000020004" pitchFamily="34" charset="-127"/>
+              </a:rPr>
+              <a:t>0;</a:t>
+            </a:r>
+            <a:r>
+              <a:rPr lang="en-US" altLang="ko-KR" sz="1200" dirty="0">
+                <a:solidFill>
+                  <a:srgbClr val="00B050"/>
+                </a:solidFill>
+                <a:latin typeface="Malgun Gothic Semilight" panose="020B0503020000020004" pitchFamily="34" charset="-127"/>
+                <a:ea typeface="Malgun Gothic Semilight" panose="020B0503020000020004" pitchFamily="34" charset="-127"/>
+                <a:cs typeface="Malgun Gothic Semilight" panose="020B0503020000020004" pitchFamily="34" charset="-127"/>
+              </a:rPr>
+              <a:t>	//</a:t>
+            </a:r>
+            <a:r>
+              <a:rPr lang="en-US" altLang="ko-KR" sz="1200" dirty="0" err="1">
+                <a:solidFill>
+                  <a:srgbClr val="00B050"/>
+                </a:solidFill>
+                <a:latin typeface="Malgun Gothic Semilight" panose="020B0503020000020004" pitchFamily="34" charset="-127"/>
+                <a:ea typeface="Malgun Gothic Semilight" panose="020B0503020000020004" pitchFamily="34" charset="-127"/>
+                <a:cs typeface="Malgun Gothic Semilight" panose="020B0503020000020004" pitchFamily="34" charset="-127"/>
+              </a:rPr>
+              <a:t>c++</a:t>
+            </a:r>
+            <a:r>
+              <a:rPr lang="en-US" altLang="ko-KR" sz="1200" dirty="0">
+                <a:solidFill>
+                  <a:srgbClr val="00B050"/>
+                </a:solidFill>
+                <a:latin typeface="Malgun Gothic Semilight" panose="020B0503020000020004" pitchFamily="34" charset="-127"/>
+                <a:ea typeface="Malgun Gothic Semilight" panose="020B0503020000020004" pitchFamily="34" charset="-127"/>
+                <a:cs typeface="Malgun Gothic Semilight" panose="020B0503020000020004" pitchFamily="34" charset="-127"/>
+              </a:rPr>
+              <a:t>11 </a:t>
+            </a:r>
+            <a:r>
+              <a:rPr lang="ko-KR" altLang="en-US" sz="1200" dirty="0">
+                <a:solidFill>
+                  <a:srgbClr val="00B050"/>
+                </a:solidFill>
+                <a:latin typeface="Malgun Gothic Semilight" panose="020B0503020000020004" pitchFamily="34" charset="-127"/>
+                <a:ea typeface="Malgun Gothic Semilight" panose="020B0503020000020004" pitchFamily="34" charset="-127"/>
+                <a:cs typeface="Malgun Gothic Semilight" panose="020B0503020000020004" pitchFamily="34" charset="-127"/>
+              </a:rPr>
+              <a:t>이상에서는 좋지 않은 방법</a:t>
+            </a:r>
+            <a:br>
+              <a:rPr lang="en-US" altLang="ko-KR" sz="1200" dirty="0">
+                <a:solidFill>
+                  <a:srgbClr val="00B050"/>
+                </a:solidFill>
+                <a:latin typeface="Malgun Gothic Semilight" panose="020B0503020000020004" pitchFamily="34" charset="-127"/>
+                <a:ea typeface="Malgun Gothic Semilight" panose="020B0503020000020004" pitchFamily="34" charset="-127"/>
+                <a:cs typeface="Malgun Gothic Semilight" panose="020B0503020000020004" pitchFamily="34" charset="-127"/>
+              </a:rPr>
+            </a:br>
+            <a:r>
+              <a:rPr lang="en-US" altLang="ko-KR" sz="1200" dirty="0">
+                <a:solidFill>
+                  <a:schemeClr val="tx1"/>
+                </a:solidFill>
+                <a:latin typeface="Malgun Gothic Semilight" panose="020B0503020000020004" pitchFamily="34" charset="-127"/>
+                <a:ea typeface="Malgun Gothic Semilight" panose="020B0503020000020004" pitchFamily="34" charset="-127"/>
+                <a:cs typeface="Malgun Gothic Semilight" panose="020B0503020000020004" pitchFamily="34" charset="-127"/>
+              </a:rPr>
+              <a:t>int* ip4 = </a:t>
+            </a:r>
+            <a:r>
+              <a:rPr lang="en-US" altLang="ko-KR" sz="1200" dirty="0">
+                <a:solidFill>
+                  <a:srgbClr val="C00000"/>
+                </a:solidFill>
+                <a:latin typeface="Malgun Gothic Semilight" panose="020B0503020000020004" pitchFamily="34" charset="-127"/>
+                <a:ea typeface="Malgun Gothic Semilight" panose="020B0503020000020004" pitchFamily="34" charset="-127"/>
+                <a:cs typeface="Malgun Gothic Semilight" panose="020B0503020000020004" pitchFamily="34" charset="-127"/>
+              </a:rPr>
+              <a:t>NULL;</a:t>
+            </a:r>
+            <a:r>
+              <a:rPr lang="en-US" altLang="ko-KR" sz="1200" dirty="0">
+                <a:solidFill>
+                  <a:srgbClr val="00B050"/>
+                </a:solidFill>
+                <a:latin typeface="Malgun Gothic Semilight" panose="020B0503020000020004" pitchFamily="34" charset="-127"/>
+                <a:ea typeface="Malgun Gothic Semilight" panose="020B0503020000020004" pitchFamily="34" charset="-127"/>
+                <a:cs typeface="Malgun Gothic Semilight" panose="020B0503020000020004" pitchFamily="34" charset="-127"/>
+              </a:rPr>
+              <a:t>	 //</a:t>
+            </a:r>
+            <a:r>
+              <a:rPr lang="en-US" altLang="ko-KR" sz="1200" dirty="0" err="1">
+                <a:solidFill>
+                  <a:srgbClr val="00B050"/>
+                </a:solidFill>
+                <a:latin typeface="Malgun Gothic Semilight" panose="020B0503020000020004" pitchFamily="34" charset="-127"/>
+                <a:ea typeface="Malgun Gothic Semilight" panose="020B0503020000020004" pitchFamily="34" charset="-127"/>
+                <a:cs typeface="Malgun Gothic Semilight" panose="020B0503020000020004" pitchFamily="34" charset="-127"/>
+              </a:rPr>
+              <a:t>c++</a:t>
+            </a:r>
+            <a:r>
+              <a:rPr lang="en-US" altLang="ko-KR" sz="1200" dirty="0">
+                <a:solidFill>
+                  <a:srgbClr val="00B050"/>
+                </a:solidFill>
+                <a:latin typeface="Malgun Gothic Semilight" panose="020B0503020000020004" pitchFamily="34" charset="-127"/>
+                <a:ea typeface="Malgun Gothic Semilight" panose="020B0503020000020004" pitchFamily="34" charset="-127"/>
+                <a:cs typeface="Malgun Gothic Semilight" panose="020B0503020000020004" pitchFamily="34" charset="-127"/>
+              </a:rPr>
+              <a:t>11 </a:t>
+            </a:r>
+            <a:r>
+              <a:rPr lang="ko-KR" altLang="en-US" sz="1200" dirty="0">
+                <a:solidFill>
+                  <a:srgbClr val="00B050"/>
+                </a:solidFill>
+                <a:latin typeface="Malgun Gothic Semilight" panose="020B0503020000020004" pitchFamily="34" charset="-127"/>
+                <a:ea typeface="Malgun Gothic Semilight" panose="020B0503020000020004" pitchFamily="34" charset="-127"/>
+                <a:cs typeface="Malgun Gothic Semilight" panose="020B0503020000020004" pitchFamily="34" charset="-127"/>
+              </a:rPr>
+              <a:t>이상에서는 좋지 않은 방법</a:t>
+            </a:r>
+            <a:br>
+              <a:rPr lang="en-US" altLang="ko-KR" sz="1400" dirty="0">
+                <a:latin typeface="Malgun Gothic Semilight" panose="020B0503020000020004" pitchFamily="34" charset="-127"/>
+                <a:ea typeface="Malgun Gothic Semilight" panose="020B0503020000020004" pitchFamily="34" charset="-127"/>
+                <a:cs typeface="Malgun Gothic Semilight" panose="020B0503020000020004" pitchFamily="34" charset="-127"/>
+              </a:rPr>
+            </a:br>
+            <a:br>
+              <a:rPr lang="en-US" altLang="ko-KR" sz="1400" dirty="0">
+                <a:latin typeface="Malgun Gothic Semilight" panose="020B0503020000020004" pitchFamily="34" charset="-127"/>
+                <a:ea typeface="Malgun Gothic Semilight" panose="020B0503020000020004" pitchFamily="34" charset="-127"/>
+                <a:cs typeface="Malgun Gothic Semilight" panose="020B0503020000020004" pitchFamily="34" charset="-127"/>
+              </a:rPr>
+            </a:br>
+            <a:endParaRPr lang="en-US" altLang="ko-KR" sz="1400" dirty="0">
+              <a:latin typeface="Malgun Gothic Semilight" panose="020B0503020000020004" pitchFamily="34" charset="-127"/>
+              <a:ea typeface="Malgun Gothic Semilight" panose="020B0503020000020004" pitchFamily="34" charset="-127"/>
+              <a:cs typeface="Malgun Gothic Semilight" panose="020B0503020000020004" pitchFamily="34" charset="-127"/>
+            </a:endParaRPr>
+          </a:p>
+          <a:p>
+            <a:endParaRPr lang="en-US" altLang="ko-KR" sz="1800" dirty="0">
+              <a:latin typeface="Malgun Gothic Semilight" panose="020B0503020000020004" pitchFamily="34" charset="-127"/>
+              <a:ea typeface="Malgun Gothic Semilight" panose="020B0503020000020004" pitchFamily="34" charset="-127"/>
+              <a:cs typeface="Malgun Gothic Semilight" panose="020B0503020000020004" pitchFamily="34" charset="-127"/>
+            </a:endParaRPr>
+          </a:p>
+        </p:txBody>
+      </p:sp>
+    </p:spTree>
+    <p:extLst>
+      <p:ext uri="{BB962C8B-B14F-4D97-AF65-F5344CB8AC3E}">
+        <p14:creationId xmlns:p14="http://schemas.microsoft.com/office/powerpoint/2010/main" val="2904629337"/>
+      </p:ext>
+    </p:extLst>
+  </p:cSld>
+  <p:clrMapOvr>
+    <a:masterClrMapping/>
+  </p:clrMapOvr>
+</p:sld>
+</file>
+
+<file path=ppt/slides/slide14.xml><?xml version="1.0" encoding="utf-8"?>
+<p:sld xmlns:a="http://schemas.openxmlformats.org/drawingml/2006/main" xmlns:r="http://schemas.openxmlformats.org/officeDocument/2006/relationships" xmlns:p="http://schemas.openxmlformats.org/presentationml/2006/main">
+  <p:cSld>
+    <p:spTree>
+      <p:nvGrpSpPr>
+        <p:cNvPr id="1" name=""/>
+        <p:cNvGrpSpPr/>
+        <p:nvPr/>
+      </p:nvGrpSpPr>
+      <p:grpSpPr>
+        <a:xfrm>
+          <a:off x="0" y="0"/>
+          <a:ext cx="0" cy="0"/>
+          <a:chOff x="0" y="0"/>
+          <a:chExt cx="0" cy="0"/>
+        </a:xfrm>
+      </p:grpSpPr>
+      <p:sp>
+        <p:nvSpPr>
+          <p:cNvPr id="2" name="제목 1">
+            <a:extLst>
+              <a:ext uri="{FF2B5EF4-FFF2-40B4-BE49-F238E27FC236}">
+                <a16:creationId xmlns:a16="http://schemas.microsoft.com/office/drawing/2014/main" id="{6F204F3F-D196-428C-AE74-238938FD8008}"/>
+              </a:ext>
+            </a:extLst>
+          </p:cNvPr>
+          <p:cNvSpPr>
+            <a:spLocks noGrp="1"/>
+          </p:cNvSpPr>
+          <p:nvPr>
+            <p:ph type="title"/>
+          </p:nvPr>
+        </p:nvSpPr>
+        <p:spPr/>
+        <p:txBody>
+          <a:bodyPr rtlCol="0"/>
+          <a:lstStyle/>
+          <a:p>
+            <a:pPr rtl="0"/>
+            <a:r>
+              <a:rPr lang="ko-KR" altLang="en-US" noProof="1"/>
+              <a:t>스마트 포인터</a:t>
+            </a:r>
+            <a:endParaRPr lang="ko-KR" altLang="en-US" noProof="1">
+              <a:ea typeface="맑은 고딕" panose="020B0503020000020004" pitchFamily="50" charset="-127"/>
+            </a:endParaRPr>
+          </a:p>
+        </p:txBody>
+      </p:sp>
+      <p:sp>
+        <p:nvSpPr>
+          <p:cNvPr id="4" name="내용 개체 틀 3">
+            <a:extLst>
+              <a:ext uri="{FF2B5EF4-FFF2-40B4-BE49-F238E27FC236}">
+                <a16:creationId xmlns:a16="http://schemas.microsoft.com/office/drawing/2014/main" id="{96CE665F-14BA-4497-89D9-62FF51142EB8}"/>
+              </a:ext>
+            </a:extLst>
+          </p:cNvPr>
+          <p:cNvSpPr txBox="1">
+            <a:spLocks/>
+          </p:cNvSpPr>
+          <p:nvPr/>
+        </p:nvSpPr>
+        <p:spPr>
+          <a:xfrm>
+            <a:off x="631044" y="3216166"/>
+            <a:ext cx="10979765" cy="2939678"/>
+          </a:xfrm>
+          <a:prstGeom prst="rect">
+            <a:avLst/>
+          </a:prstGeom>
+        </p:spPr>
+        <p:txBody>
+          <a:bodyPr vert="horz" lIns="91440" tIns="45720" rIns="91440" bIns="45720" rtlCol="0" anchor="t">
+            <a:normAutofit/>
+          </a:bodyPr>
+          <a:lstStyle>
+            <a:lvl1pPr marL="306000" indent="-306000" algn="l" defTabSz="457200" rtl="0" eaLnBrk="1" latinLnBrk="1" hangingPunct="1">
+              <a:spcBef>
+                <a:spcPct val="20000"/>
+              </a:spcBef>
+              <a:spcAft>
+                <a:spcPts val="600"/>
+              </a:spcAft>
+              <a:buClr>
+                <a:schemeClr val="accent1"/>
+              </a:buClr>
+              <a:buSzPct val="92000"/>
+              <a:buFont typeface="Wingdings 2" panose="05020102010507070707" pitchFamily="18" charset="2"/>
+              <a:buChar char=""/>
+              <a:defRPr sz="1800" kern="1200" baseline="0">
+                <a:solidFill>
+                  <a:schemeClr val="tx1">
+                    <a:lumMod val="75000"/>
+                    <a:lumOff val="25000"/>
+                  </a:schemeClr>
+                </a:solidFill>
+                <a:latin typeface="맑은 고딕" panose="020B0503020000020004" pitchFamily="50" charset="-127"/>
+                <a:ea typeface="맑은 고딕" panose="020B0503020000020004" pitchFamily="50" charset="-127"/>
+                <a:cs typeface="+mn-cs"/>
+              </a:defRPr>
+            </a:lvl1pPr>
+            <a:lvl2pPr marL="630000" eaLnBrk="1" latinLnBrk="1" hangingPunct="1">
+              <a:buClr>
+                <a:schemeClr val="accent1"/>
+              </a:buClr>
+              <a:buSzPct val="92000"/>
+              <a:buFont typeface="Wingdings 2" panose="05020102010507070707" pitchFamily="18" charset="2"/>
+              <a:buChar char=""/>
+              <a:defRPr baseline="0">
+                <a:latin typeface="맑은 고딕" panose="020B0503020000020004" pitchFamily="50" charset="-127"/>
+                <a:ea typeface="맑은 고딕" panose="020B0503020000020004" pitchFamily="50" charset="-127"/>
+              </a:defRPr>
+            </a:lvl2pPr>
+            <a:lvl3pPr marL="900000" eaLnBrk="1" latinLnBrk="1" hangingPunct="1">
+              <a:buClr>
+                <a:schemeClr val="accent1"/>
+              </a:buClr>
+              <a:buSzPct val="92000"/>
+              <a:buFont typeface="Wingdings 2" panose="05020102010507070707" pitchFamily="18" charset="2"/>
+              <a:buChar char=""/>
+              <a:defRPr baseline="0">
+                <a:latin typeface="맑은 고딕" panose="020B0503020000020004" pitchFamily="50" charset="-127"/>
+                <a:ea typeface="맑은 고딕" panose="020B0503020000020004" pitchFamily="50" charset="-127"/>
+              </a:defRPr>
+            </a:lvl3pPr>
+            <a:lvl4pPr marL="1242000" eaLnBrk="1" latinLnBrk="1" hangingPunct="1">
+              <a:buClr>
+                <a:schemeClr val="accent1"/>
+              </a:buClr>
+              <a:buSzPct val="92000"/>
+              <a:buFont typeface="Wingdings 2" panose="05020102010507070707" pitchFamily="18" charset="2"/>
+              <a:buChar char=""/>
+              <a:defRPr baseline="0">
+                <a:latin typeface="맑은 고딕" panose="020B0503020000020004" pitchFamily="50" charset="-127"/>
+                <a:ea typeface="맑은 고딕" panose="020B0503020000020004" pitchFamily="50" charset="-127"/>
+              </a:defRPr>
+            </a:lvl4pPr>
+            <a:lvl5pPr marL="1602000" eaLnBrk="1" latinLnBrk="1" hangingPunct="1">
+              <a:buClr>
+                <a:schemeClr val="accent1"/>
+              </a:buClr>
+              <a:buSzPct val="92000"/>
+              <a:buFont typeface="Wingdings 2" panose="05020102010507070707" pitchFamily="18" charset="2"/>
+              <a:buChar char=""/>
+              <a:defRPr baseline="0">
+                <a:latin typeface="맑은 고딕" panose="020B0503020000020004" pitchFamily="50" charset="-127"/>
+                <a:ea typeface="맑은 고딕" panose="020B0503020000020004" pitchFamily="50" charset="-127"/>
+              </a:defRPr>
+            </a:lvl5pPr>
+          </a:lstStyle>
+          <a:p>
+            <a:pPr marL="0" indent="0">
+              <a:lnSpc>
+                <a:spcPct val="150000"/>
+              </a:lnSpc>
+              <a:buFont typeface="Wingdings 2" panose="05020102010507070707" pitchFamily="18" charset="2"/>
+              <a:buNone/>
+            </a:pPr>
+            <a:br>
+              <a:rPr lang="en-US" altLang="ko-KR" dirty="0"/>
+            </a:br>
+            <a:endParaRPr lang="en-US" altLang="ko-KR" dirty="0"/>
+          </a:p>
+        </p:txBody>
+      </p:sp>
+      <p:sp>
+        <p:nvSpPr>
+          <p:cNvPr id="13" name="내용 개체 틀 3">
+            <a:extLst>
+              <a:ext uri="{FF2B5EF4-FFF2-40B4-BE49-F238E27FC236}">
+                <a16:creationId xmlns:a16="http://schemas.microsoft.com/office/drawing/2014/main" id="{7BC142BD-59D9-496E-9CD1-A13E229BEEE9}"/>
+              </a:ext>
+            </a:extLst>
+          </p:cNvPr>
+          <p:cNvSpPr txBox="1">
+            <a:spLocks/>
+          </p:cNvSpPr>
+          <p:nvPr/>
+        </p:nvSpPr>
+        <p:spPr>
+          <a:xfrm>
+            <a:off x="581191" y="1688321"/>
+            <a:ext cx="10979765" cy="4816711"/>
+          </a:xfrm>
+          <a:prstGeom prst="rect">
+            <a:avLst/>
+          </a:prstGeom>
+        </p:spPr>
+        <p:txBody>
+          <a:bodyPr vert="horz" lIns="91440" tIns="45720" rIns="91440" bIns="45720" rtlCol="0" anchor="t">
+            <a:noAutofit/>
+          </a:bodyPr>
+          <a:lstStyle>
+            <a:lvl1pPr marL="306000" indent="-306000" algn="l" defTabSz="457200" rtl="0" eaLnBrk="1" latinLnBrk="1" hangingPunct="1">
+              <a:spcBef>
+                <a:spcPct val="20000"/>
+              </a:spcBef>
+              <a:spcAft>
+                <a:spcPts val="600"/>
+              </a:spcAft>
+              <a:buClr>
+                <a:schemeClr val="accent1"/>
+              </a:buClr>
+              <a:buSzPct val="92000"/>
+              <a:buFont typeface="Wingdings 2" panose="05020102010507070707" pitchFamily="18" charset="2"/>
+              <a:buChar char=""/>
+              <a:defRPr sz="1800" kern="1200" baseline="0">
+                <a:solidFill>
+                  <a:schemeClr val="tx1">
+                    <a:lumMod val="75000"/>
+                    <a:lumOff val="25000"/>
+                  </a:schemeClr>
+                </a:solidFill>
+                <a:latin typeface="맑은 고딕" panose="020B0503020000020004" pitchFamily="50" charset="-127"/>
+                <a:ea typeface="맑은 고딕" panose="020B0503020000020004" pitchFamily="50" charset="-127"/>
+                <a:cs typeface="+mn-cs"/>
+              </a:defRPr>
+            </a:lvl1pPr>
+            <a:lvl2pPr marL="630000" eaLnBrk="1" latinLnBrk="1" hangingPunct="1">
+              <a:buClr>
+                <a:schemeClr val="accent1"/>
+              </a:buClr>
+              <a:buSzPct val="92000"/>
+              <a:buFont typeface="Wingdings 2" panose="05020102010507070707" pitchFamily="18" charset="2"/>
+              <a:buChar char=""/>
+              <a:defRPr baseline="0">
+                <a:latin typeface="맑은 고딕" panose="020B0503020000020004" pitchFamily="50" charset="-127"/>
+                <a:ea typeface="맑은 고딕" panose="020B0503020000020004" pitchFamily="50" charset="-127"/>
+              </a:defRPr>
+            </a:lvl2pPr>
+            <a:lvl3pPr marL="900000" eaLnBrk="1" latinLnBrk="1" hangingPunct="1">
+              <a:buClr>
+                <a:schemeClr val="accent1"/>
+              </a:buClr>
+              <a:buSzPct val="92000"/>
+              <a:buFont typeface="Wingdings 2" panose="05020102010507070707" pitchFamily="18" charset="2"/>
+              <a:buChar char=""/>
+              <a:defRPr baseline="0">
+                <a:latin typeface="맑은 고딕" panose="020B0503020000020004" pitchFamily="50" charset="-127"/>
+                <a:ea typeface="맑은 고딕" panose="020B0503020000020004" pitchFamily="50" charset="-127"/>
+              </a:defRPr>
+            </a:lvl3pPr>
+            <a:lvl4pPr marL="1242000" eaLnBrk="1" latinLnBrk="1" hangingPunct="1">
+              <a:buClr>
+                <a:schemeClr val="accent1"/>
+              </a:buClr>
+              <a:buSzPct val="92000"/>
+              <a:buFont typeface="Wingdings 2" panose="05020102010507070707" pitchFamily="18" charset="2"/>
+              <a:buChar char=""/>
+              <a:defRPr baseline="0">
+                <a:latin typeface="맑은 고딕" panose="020B0503020000020004" pitchFamily="50" charset="-127"/>
+                <a:ea typeface="맑은 고딕" panose="020B0503020000020004" pitchFamily="50" charset="-127"/>
+              </a:defRPr>
+            </a:lvl4pPr>
+            <a:lvl5pPr marL="1602000" eaLnBrk="1" latinLnBrk="1" hangingPunct="1">
+              <a:buClr>
+                <a:schemeClr val="accent1"/>
+              </a:buClr>
+              <a:buSzPct val="92000"/>
+              <a:buFont typeface="Wingdings 2" panose="05020102010507070707" pitchFamily="18" charset="2"/>
+              <a:buChar char=""/>
+              <a:defRPr baseline="0">
+                <a:latin typeface="맑은 고딕" panose="020B0503020000020004" pitchFamily="50" charset="-127"/>
+                <a:ea typeface="맑은 고딕" panose="020B0503020000020004" pitchFamily="50" charset="-127"/>
+              </a:defRPr>
+            </a:lvl5pPr>
+          </a:lstStyle>
+          <a:p>
+            <a:r>
+              <a:rPr lang="en-US" altLang="ko-KR" sz="1400" b="1" dirty="0">
+                <a:latin typeface="Malgun Gothic Semilight" panose="020B0503020000020004" pitchFamily="34" charset="-127"/>
+                <a:ea typeface="Malgun Gothic Semilight" panose="020B0503020000020004" pitchFamily="34" charset="-127"/>
+                <a:cs typeface="Malgun Gothic Semilight" panose="020B0503020000020004" pitchFamily="34" charset="-127"/>
+              </a:rPr>
+              <a:t>&lt;memory&gt;</a:t>
+            </a:r>
+            <a:r>
+              <a:rPr lang="ko-KR" altLang="en-US" sz="1400" b="1" dirty="0">
+                <a:latin typeface="Malgun Gothic Semilight" panose="020B0503020000020004" pitchFamily="34" charset="-127"/>
+                <a:ea typeface="Malgun Gothic Semilight" panose="020B0503020000020004" pitchFamily="34" charset="-127"/>
+                <a:cs typeface="Malgun Gothic Semilight" panose="020B0503020000020004" pitchFamily="34" charset="-127"/>
+              </a:rPr>
+              <a:t>  헤더에 정의되어 있는 </a:t>
+            </a:r>
+            <a:r>
+              <a:rPr lang="en-US" altLang="ko-KR" sz="1400" b="1" dirty="0" err="1">
+                <a:solidFill>
+                  <a:srgbClr val="C00000"/>
+                </a:solidFill>
+                <a:latin typeface="Malgun Gothic Semilight" panose="020B0503020000020004" pitchFamily="34" charset="-127"/>
+                <a:ea typeface="Malgun Gothic Semilight" panose="020B0503020000020004" pitchFamily="34" charset="-127"/>
+                <a:cs typeface="Malgun Gothic Semilight" panose="020B0503020000020004" pitchFamily="34" charset="-127"/>
+              </a:rPr>
+              <a:t>unique_ptr</a:t>
+            </a:r>
+            <a:r>
+              <a:rPr lang="en-US" altLang="ko-KR" sz="1400" b="1" dirty="0">
+                <a:solidFill>
+                  <a:srgbClr val="C00000"/>
+                </a:solidFill>
+                <a:latin typeface="Malgun Gothic Semilight" panose="020B0503020000020004" pitchFamily="34" charset="-127"/>
+                <a:ea typeface="Malgun Gothic Semilight" panose="020B0503020000020004" pitchFamily="34" charset="-127"/>
+                <a:cs typeface="Malgun Gothic Semilight" panose="020B0503020000020004" pitchFamily="34" charset="-127"/>
+              </a:rPr>
+              <a:t>, </a:t>
+            </a:r>
+            <a:r>
+              <a:rPr lang="en-US" altLang="ko-KR" sz="1400" b="1" dirty="0" err="1">
+                <a:solidFill>
+                  <a:srgbClr val="C00000"/>
+                </a:solidFill>
+                <a:latin typeface="Malgun Gothic Semilight" panose="020B0503020000020004" pitchFamily="34" charset="-127"/>
+                <a:ea typeface="Malgun Gothic Semilight" panose="020B0503020000020004" pitchFamily="34" charset="-127"/>
+                <a:cs typeface="Malgun Gothic Semilight" panose="020B0503020000020004" pitchFamily="34" charset="-127"/>
+              </a:rPr>
+              <a:t>shared_ptr</a:t>
+            </a:r>
+            <a:r>
+              <a:rPr lang="en-US" altLang="ko-KR" sz="1400" b="1" dirty="0">
+                <a:solidFill>
+                  <a:srgbClr val="C00000"/>
+                </a:solidFill>
+                <a:latin typeface="Malgun Gothic Semilight" panose="020B0503020000020004" pitchFamily="34" charset="-127"/>
+                <a:ea typeface="Malgun Gothic Semilight" panose="020B0503020000020004" pitchFamily="34" charset="-127"/>
+                <a:cs typeface="Malgun Gothic Semilight" panose="020B0503020000020004" pitchFamily="34" charset="-127"/>
+              </a:rPr>
+              <a:t>, </a:t>
+            </a:r>
+            <a:r>
+              <a:rPr lang="en-US" altLang="ko-KR" sz="1400" b="1" dirty="0" err="1">
+                <a:solidFill>
+                  <a:srgbClr val="C00000"/>
+                </a:solidFill>
+                <a:latin typeface="Malgun Gothic Semilight" panose="020B0503020000020004" pitchFamily="34" charset="-127"/>
+                <a:ea typeface="Malgun Gothic Semilight" panose="020B0503020000020004" pitchFamily="34" charset="-127"/>
+                <a:cs typeface="Malgun Gothic Semilight" panose="020B0503020000020004" pitchFamily="34" charset="-127"/>
+              </a:rPr>
+              <a:t>weak_ptr</a:t>
+            </a:r>
+            <a:r>
+              <a:rPr lang="en-US" altLang="ko-KR" sz="1400" b="1" dirty="0">
+                <a:solidFill>
+                  <a:srgbClr val="C00000"/>
+                </a:solidFill>
+                <a:latin typeface="Malgun Gothic Semilight" panose="020B0503020000020004" pitchFamily="34" charset="-127"/>
+                <a:ea typeface="Malgun Gothic Semilight" panose="020B0503020000020004" pitchFamily="34" charset="-127"/>
+                <a:cs typeface="Malgun Gothic Semilight" panose="020B0503020000020004" pitchFamily="34" charset="-127"/>
+              </a:rPr>
+              <a:t> </a:t>
+            </a:r>
+            <a:r>
+              <a:rPr lang="en-US" altLang="ko-KR" sz="1400" b="1" dirty="0">
+                <a:latin typeface="Malgun Gothic Semilight" panose="020B0503020000020004" pitchFamily="34" charset="-127"/>
+                <a:ea typeface="Malgun Gothic Semilight" panose="020B0503020000020004" pitchFamily="34" charset="-127"/>
+                <a:cs typeface="Malgun Gothic Semilight" panose="020B0503020000020004" pitchFamily="34" charset="-127"/>
+              </a:rPr>
+              <a:t>(</a:t>
+            </a:r>
+            <a:r>
+              <a:rPr lang="en-US" altLang="ko-KR" sz="1400" b="1" dirty="0" err="1">
+                <a:latin typeface="Malgun Gothic Semilight" panose="020B0503020000020004" pitchFamily="34" charset="-127"/>
+                <a:ea typeface="Malgun Gothic Semilight" panose="020B0503020000020004" pitchFamily="34" charset="-127"/>
+                <a:cs typeface="Malgun Gothic Semilight" panose="020B0503020000020004" pitchFamily="34" charset="-127"/>
+              </a:rPr>
+              <a:t>c++</a:t>
+            </a:r>
+            <a:r>
+              <a:rPr lang="en-US" altLang="ko-KR" sz="1400" b="1" dirty="0">
+                <a:latin typeface="Malgun Gothic Semilight" panose="020B0503020000020004" pitchFamily="34" charset="-127"/>
+                <a:ea typeface="Malgun Gothic Semilight" panose="020B0503020000020004" pitchFamily="34" charset="-127"/>
+                <a:cs typeface="Malgun Gothic Semilight" panose="020B0503020000020004" pitchFamily="34" charset="-127"/>
+              </a:rPr>
+              <a:t>11 </a:t>
+            </a:r>
+            <a:r>
+              <a:rPr lang="ko-KR" altLang="en-US" sz="1400" b="1" dirty="0">
+                <a:latin typeface="Malgun Gothic Semilight" panose="020B0503020000020004" pitchFamily="34" charset="-127"/>
+                <a:ea typeface="Malgun Gothic Semilight" panose="020B0503020000020004" pitchFamily="34" charset="-127"/>
+                <a:cs typeface="Malgun Gothic Semilight" panose="020B0503020000020004" pitchFamily="34" charset="-127"/>
+              </a:rPr>
+              <a:t>이상</a:t>
+            </a:r>
+            <a:r>
+              <a:rPr lang="en-US" altLang="ko-KR" sz="1400" b="1" dirty="0">
+                <a:latin typeface="Malgun Gothic Semilight" panose="020B0503020000020004" pitchFamily="34" charset="-127"/>
+                <a:ea typeface="Malgun Gothic Semilight" panose="020B0503020000020004" pitchFamily="34" charset="-127"/>
+                <a:cs typeface="Malgun Gothic Semilight" panose="020B0503020000020004" pitchFamily="34" charset="-127"/>
+              </a:rPr>
+              <a:t>)</a:t>
+            </a:r>
+          </a:p>
+          <a:p>
+            <a:pPr>
+              <a:lnSpc>
+                <a:spcPct val="150000"/>
+              </a:lnSpc>
+              <a:spcBef>
+                <a:spcPts val="0"/>
+              </a:spcBef>
+            </a:pPr>
+            <a:r>
+              <a:rPr lang="en-US" altLang="ko-KR" sz="1400" b="1" dirty="0" err="1">
+                <a:solidFill>
+                  <a:srgbClr val="C00000"/>
+                </a:solidFill>
+                <a:latin typeface="Malgun Gothic Semilight" panose="020B0503020000020004" pitchFamily="34" charset="-127"/>
+                <a:ea typeface="Malgun Gothic Semilight" panose="020B0503020000020004" pitchFamily="34" charset="-127"/>
+                <a:cs typeface="Malgun Gothic Semilight" panose="020B0503020000020004" pitchFamily="34" charset="-127"/>
+              </a:rPr>
+              <a:t>unique_ptr</a:t>
+            </a:r>
+            <a:r>
+              <a:rPr lang="en-US" altLang="ko-KR" sz="1400" b="1" dirty="0">
+                <a:solidFill>
+                  <a:srgbClr val="C00000"/>
+                </a:solidFill>
+                <a:latin typeface="Malgun Gothic Semilight" panose="020B0503020000020004" pitchFamily="34" charset="-127"/>
+                <a:ea typeface="Malgun Gothic Semilight" panose="020B0503020000020004" pitchFamily="34" charset="-127"/>
+                <a:cs typeface="Malgun Gothic Semilight" panose="020B0503020000020004" pitchFamily="34" charset="-127"/>
+              </a:rPr>
+              <a:t> : </a:t>
+            </a:r>
+            <a:r>
+              <a:rPr lang="ko-KR" altLang="en-US" sz="1400" b="1" dirty="0">
+                <a:solidFill>
+                  <a:schemeClr val="tx1"/>
+                </a:solidFill>
+                <a:latin typeface="Malgun Gothic Semilight" panose="020B0503020000020004" pitchFamily="34" charset="-127"/>
+                <a:ea typeface="Malgun Gothic Semilight" panose="020B0503020000020004" pitchFamily="34" charset="-127"/>
+                <a:cs typeface="Malgun Gothic Semilight" panose="020B0503020000020004" pitchFamily="34" charset="-127"/>
+              </a:rPr>
+              <a:t>참조한 데이터의 고유 소유권</a:t>
+            </a:r>
+            <a:r>
+              <a:rPr lang="en-US" altLang="ko-KR" sz="1400" b="1" dirty="0">
+                <a:solidFill>
+                  <a:schemeClr val="tx1"/>
+                </a:solidFill>
+                <a:latin typeface="Malgun Gothic Semilight" panose="020B0503020000020004" pitchFamily="34" charset="-127"/>
+                <a:ea typeface="Malgun Gothic Semilight" panose="020B0503020000020004" pitchFamily="34" charset="-127"/>
+                <a:cs typeface="Malgun Gothic Semilight" panose="020B0503020000020004" pitchFamily="34" charset="-127"/>
+              </a:rPr>
+              <a:t>(Unique Ownership)</a:t>
+            </a:r>
+            <a:br>
+              <a:rPr lang="en-US" altLang="ko-KR" sz="1400" dirty="0">
+                <a:solidFill>
+                  <a:schemeClr val="tx1"/>
+                </a:solidFill>
+                <a:latin typeface="Malgun Gothic Semilight" panose="020B0503020000020004" pitchFamily="34" charset="-127"/>
+                <a:ea typeface="Malgun Gothic Semilight" panose="020B0503020000020004" pitchFamily="34" charset="-127"/>
+                <a:cs typeface="Malgun Gothic Semilight" panose="020B0503020000020004" pitchFamily="34" charset="-127"/>
+              </a:rPr>
+            </a:br>
+            <a:r>
+              <a:rPr lang="en-US" altLang="ko-KR" sz="1200" dirty="0">
+                <a:solidFill>
+                  <a:schemeClr val="tx1"/>
+                </a:solidFill>
+                <a:latin typeface="Malgun Gothic Semilight" panose="020B0503020000020004" pitchFamily="34" charset="-127"/>
+                <a:ea typeface="Malgun Gothic Semilight" panose="020B0503020000020004" pitchFamily="34" charset="-127"/>
+                <a:cs typeface="Malgun Gothic Semilight" panose="020B0503020000020004" pitchFamily="34" charset="-127"/>
+              </a:rPr>
+              <a:t>- </a:t>
+            </a:r>
+            <a:r>
+              <a:rPr lang="ko-KR" altLang="en-US" sz="1200" dirty="0">
+                <a:solidFill>
+                  <a:schemeClr val="tx1"/>
+                </a:solidFill>
+                <a:latin typeface="Malgun Gothic Semilight" panose="020B0503020000020004" pitchFamily="34" charset="-127"/>
+                <a:ea typeface="Malgun Gothic Semilight" panose="020B0503020000020004" pitchFamily="34" charset="-127"/>
+                <a:cs typeface="Malgun Gothic Semilight" panose="020B0503020000020004" pitchFamily="34" charset="-127"/>
+              </a:rPr>
+              <a:t>선언 </a:t>
+            </a:r>
+            <a:r>
+              <a:rPr lang="en-US" altLang="ko-KR" sz="1200" dirty="0">
+                <a:solidFill>
+                  <a:schemeClr val="tx1"/>
+                </a:solidFill>
+                <a:latin typeface="Malgun Gothic Semilight" panose="020B0503020000020004" pitchFamily="34" charset="-127"/>
+                <a:ea typeface="Malgun Gothic Semilight" panose="020B0503020000020004" pitchFamily="34" charset="-127"/>
+                <a:cs typeface="Malgun Gothic Semilight" panose="020B0503020000020004" pitchFamily="34" charset="-127"/>
+              </a:rPr>
+              <a:t>: </a:t>
+            </a:r>
+            <a:r>
+              <a:rPr lang="en-US" altLang="ko-KR" sz="1200" dirty="0" err="1">
+                <a:solidFill>
+                  <a:srgbClr val="C00000"/>
+                </a:solidFill>
+                <a:latin typeface="Malgun Gothic Semilight" panose="020B0503020000020004" pitchFamily="34" charset="-127"/>
+                <a:ea typeface="Malgun Gothic Semilight" panose="020B0503020000020004" pitchFamily="34" charset="-127"/>
+                <a:cs typeface="Malgun Gothic Semilight" panose="020B0503020000020004" pitchFamily="34" charset="-127"/>
+              </a:rPr>
+              <a:t>unique_ptr</a:t>
+            </a:r>
+            <a:r>
+              <a:rPr lang="en-US" altLang="ko-KR" sz="1200" dirty="0">
+                <a:solidFill>
+                  <a:schemeClr val="tx1"/>
+                </a:solidFill>
+                <a:latin typeface="Malgun Gothic Semilight" panose="020B0503020000020004" pitchFamily="34" charset="-127"/>
+                <a:ea typeface="Malgun Gothic Semilight" panose="020B0503020000020004" pitchFamily="34" charset="-127"/>
+                <a:cs typeface="Malgun Gothic Semilight" panose="020B0503020000020004" pitchFamily="34" charset="-127"/>
+              </a:rPr>
+              <a:t>&lt;double&gt; </a:t>
+            </a:r>
+            <a:r>
+              <a:rPr lang="en-US" altLang="ko-KR" sz="1200" dirty="0" err="1">
+                <a:solidFill>
+                  <a:schemeClr val="tx1"/>
+                </a:solidFill>
+                <a:latin typeface="Malgun Gothic Semilight" panose="020B0503020000020004" pitchFamily="34" charset="-127"/>
+                <a:ea typeface="Malgun Gothic Semilight" panose="020B0503020000020004" pitchFamily="34" charset="-127"/>
+                <a:cs typeface="Malgun Gothic Semilight" panose="020B0503020000020004" pitchFamily="34" charset="-127"/>
+              </a:rPr>
+              <a:t>dp</a:t>
+            </a:r>
+            <a:r>
+              <a:rPr lang="en-US" altLang="ko-KR" sz="1200" dirty="0">
+                <a:solidFill>
+                  <a:schemeClr val="tx1"/>
+                </a:solidFill>
+                <a:latin typeface="Malgun Gothic Semilight" panose="020B0503020000020004" pitchFamily="34" charset="-127"/>
+                <a:ea typeface="Malgun Gothic Semilight" panose="020B0503020000020004" pitchFamily="34" charset="-127"/>
+                <a:cs typeface="Malgun Gothic Semilight" panose="020B0503020000020004" pitchFamily="34" charset="-127"/>
+              </a:rPr>
+              <a:t> { </a:t>
+            </a:r>
+            <a:r>
+              <a:rPr lang="en-US" altLang="ko-KR" sz="1200" dirty="0">
+                <a:solidFill>
+                  <a:srgbClr val="C00000"/>
+                </a:solidFill>
+                <a:latin typeface="Malgun Gothic Semilight" panose="020B0503020000020004" pitchFamily="34" charset="-127"/>
+                <a:ea typeface="Malgun Gothic Semilight" panose="020B0503020000020004" pitchFamily="34" charset="-127"/>
+                <a:cs typeface="Malgun Gothic Semilight" panose="020B0503020000020004" pitchFamily="34" charset="-127"/>
+              </a:rPr>
+              <a:t>new double </a:t>
+            </a:r>
+            <a:r>
+              <a:rPr lang="en-US" altLang="ko-KR" sz="1200" dirty="0">
+                <a:solidFill>
+                  <a:schemeClr val="tx1"/>
+                </a:solidFill>
+                <a:latin typeface="Malgun Gothic Semilight" panose="020B0503020000020004" pitchFamily="34" charset="-127"/>
+                <a:ea typeface="Malgun Gothic Semilight" panose="020B0503020000020004" pitchFamily="34" charset="-127"/>
+                <a:cs typeface="Malgun Gothic Semilight" panose="020B0503020000020004" pitchFamily="34" charset="-127"/>
+              </a:rPr>
+              <a:t>};</a:t>
+            </a:r>
+            <a:br>
+              <a:rPr lang="en-US" altLang="ko-KR" sz="1200" dirty="0">
+                <a:solidFill>
+                  <a:schemeClr val="tx1"/>
+                </a:solidFill>
+                <a:latin typeface="Malgun Gothic Semilight" panose="020B0503020000020004" pitchFamily="34" charset="-127"/>
+                <a:ea typeface="Malgun Gothic Semilight" panose="020B0503020000020004" pitchFamily="34" charset="-127"/>
+                <a:cs typeface="Malgun Gothic Semilight" panose="020B0503020000020004" pitchFamily="34" charset="-127"/>
+              </a:rPr>
+            </a:br>
+            <a:r>
+              <a:rPr lang="en-US" altLang="ko-KR" sz="1200" dirty="0">
+                <a:solidFill>
+                  <a:schemeClr val="tx1"/>
+                </a:solidFill>
+                <a:latin typeface="Malgun Gothic Semilight" panose="020B0503020000020004" pitchFamily="34" charset="-127"/>
+                <a:ea typeface="Malgun Gothic Semilight" panose="020B0503020000020004" pitchFamily="34" charset="-127"/>
+                <a:cs typeface="Malgun Gothic Semilight" panose="020B0503020000020004" pitchFamily="34" charset="-127"/>
+              </a:rPr>
+              <a:t>- </a:t>
+            </a:r>
+            <a:r>
+              <a:rPr lang="ko-KR" altLang="en-US" sz="1200" dirty="0">
+                <a:solidFill>
+                  <a:schemeClr val="tx1"/>
+                </a:solidFill>
+                <a:latin typeface="Malgun Gothic Semilight" panose="020B0503020000020004" pitchFamily="34" charset="-127"/>
+                <a:ea typeface="Malgun Gothic Semilight" panose="020B0503020000020004" pitchFamily="34" charset="-127"/>
+                <a:cs typeface="Malgun Gothic Semilight" panose="020B0503020000020004" pitchFamily="34" charset="-127"/>
+              </a:rPr>
+              <a:t>포인터가 만료되면 메모리가 자동으로 해제된다</a:t>
+            </a:r>
+            <a:r>
+              <a:rPr lang="en-US" altLang="ko-KR" sz="1200" dirty="0">
+                <a:solidFill>
+                  <a:schemeClr val="tx1"/>
+                </a:solidFill>
+                <a:latin typeface="Malgun Gothic Semilight" panose="020B0503020000020004" pitchFamily="34" charset="-127"/>
+                <a:ea typeface="Malgun Gothic Semilight" panose="020B0503020000020004" pitchFamily="34" charset="-127"/>
+                <a:cs typeface="Malgun Gothic Semilight" panose="020B0503020000020004" pitchFamily="34" charset="-127"/>
+              </a:rPr>
+              <a:t>.</a:t>
+            </a:r>
+            <a:br>
+              <a:rPr lang="en-US" altLang="ko-KR" sz="1200" dirty="0">
+                <a:solidFill>
+                  <a:schemeClr val="tx1"/>
+                </a:solidFill>
+                <a:latin typeface="Malgun Gothic Semilight" panose="020B0503020000020004" pitchFamily="34" charset="-127"/>
+                <a:ea typeface="Malgun Gothic Semilight" panose="020B0503020000020004" pitchFamily="34" charset="-127"/>
+                <a:cs typeface="Malgun Gothic Semilight" panose="020B0503020000020004" pitchFamily="34" charset="-127"/>
+              </a:rPr>
+            </a:br>
+            <a:r>
+              <a:rPr lang="en-US" altLang="ko-KR" sz="1200" dirty="0">
+                <a:solidFill>
+                  <a:schemeClr val="tx1"/>
+                </a:solidFill>
+                <a:latin typeface="Malgun Gothic Semilight" panose="020B0503020000020004" pitchFamily="34" charset="-127"/>
+                <a:ea typeface="Malgun Gothic Semilight" panose="020B0503020000020004" pitchFamily="34" charset="-127"/>
+                <a:cs typeface="Malgun Gothic Semilight" panose="020B0503020000020004" pitchFamily="34" charset="-127"/>
+              </a:rPr>
+              <a:t>- </a:t>
+            </a:r>
+            <a:r>
+              <a:rPr lang="ko-KR" altLang="en-US" sz="1200" dirty="0">
+                <a:solidFill>
+                  <a:schemeClr val="tx1"/>
+                </a:solidFill>
+                <a:latin typeface="Malgun Gothic Semilight" panose="020B0503020000020004" pitchFamily="34" charset="-127"/>
+                <a:ea typeface="Malgun Gothic Semilight" panose="020B0503020000020004" pitchFamily="34" charset="-127"/>
+                <a:cs typeface="Malgun Gothic Semilight" panose="020B0503020000020004" pitchFamily="34" charset="-127"/>
+              </a:rPr>
+              <a:t>다른 포인터 타입에 할당되거나 암시적으로 변환할 수 없다</a:t>
+            </a:r>
+            <a:r>
+              <a:rPr lang="en-US" altLang="ko-KR" sz="1200" dirty="0">
+                <a:solidFill>
+                  <a:schemeClr val="tx1"/>
+                </a:solidFill>
+                <a:latin typeface="Malgun Gothic Semilight" panose="020B0503020000020004" pitchFamily="34" charset="-127"/>
+                <a:ea typeface="Malgun Gothic Semilight" panose="020B0503020000020004" pitchFamily="34" charset="-127"/>
+                <a:cs typeface="Malgun Gothic Semilight" panose="020B0503020000020004" pitchFamily="34" charset="-127"/>
+              </a:rPr>
+              <a:t>.</a:t>
+            </a:r>
+            <a:br>
+              <a:rPr lang="en-US" altLang="ko-KR" sz="1200" dirty="0">
+                <a:solidFill>
+                  <a:schemeClr val="tx1"/>
+                </a:solidFill>
+                <a:latin typeface="Malgun Gothic Semilight" panose="020B0503020000020004" pitchFamily="34" charset="-127"/>
+                <a:ea typeface="Malgun Gothic Semilight" panose="020B0503020000020004" pitchFamily="34" charset="-127"/>
+                <a:cs typeface="Malgun Gothic Semilight" panose="020B0503020000020004" pitchFamily="34" charset="-127"/>
+              </a:rPr>
+            </a:br>
+            <a:r>
+              <a:rPr lang="en-US" altLang="ko-KR" sz="1200" dirty="0">
+                <a:solidFill>
+                  <a:schemeClr val="tx1"/>
+                </a:solidFill>
+                <a:latin typeface="Malgun Gothic Semilight" panose="020B0503020000020004" pitchFamily="34" charset="-127"/>
+                <a:ea typeface="Malgun Gothic Semilight" panose="020B0503020000020004" pitchFamily="34" charset="-127"/>
+                <a:cs typeface="Malgun Gothic Semilight" panose="020B0503020000020004" pitchFamily="34" charset="-127"/>
+              </a:rPr>
+              <a:t>- </a:t>
+            </a:r>
+            <a:r>
+              <a:rPr lang="ko-KR" altLang="en-US" sz="1200" dirty="0">
+                <a:solidFill>
+                  <a:schemeClr val="tx1"/>
+                </a:solidFill>
+                <a:latin typeface="Malgun Gothic Semilight" panose="020B0503020000020004" pitchFamily="34" charset="-127"/>
+                <a:ea typeface="Malgun Gothic Semilight" panose="020B0503020000020004" pitchFamily="34" charset="-127"/>
+                <a:cs typeface="Malgun Gothic Semilight" panose="020B0503020000020004" pitchFamily="34" charset="-127"/>
+              </a:rPr>
+              <a:t>포인터의 데이터를 얻고 싶다면 멤버 함수 </a:t>
+            </a:r>
+            <a:r>
+              <a:rPr lang="en-US" altLang="ko-KR" sz="1200" dirty="0">
+                <a:solidFill>
+                  <a:srgbClr val="C00000"/>
+                </a:solidFill>
+                <a:latin typeface="Malgun Gothic Semilight" panose="020B0503020000020004" pitchFamily="34" charset="-127"/>
+                <a:ea typeface="Malgun Gothic Semilight" panose="020B0503020000020004" pitchFamily="34" charset="-127"/>
+                <a:cs typeface="Malgun Gothic Semilight" panose="020B0503020000020004" pitchFamily="34" charset="-127"/>
+              </a:rPr>
+              <a:t>get</a:t>
+            </a:r>
+            <a:r>
+              <a:rPr lang="ko-KR" altLang="en-US" sz="1200" dirty="0">
+                <a:solidFill>
+                  <a:schemeClr val="tx1"/>
+                </a:solidFill>
+                <a:latin typeface="Malgun Gothic Semilight" panose="020B0503020000020004" pitchFamily="34" charset="-127"/>
+                <a:ea typeface="Malgun Gothic Semilight" panose="020B0503020000020004" pitchFamily="34" charset="-127"/>
+                <a:cs typeface="Malgun Gothic Semilight" panose="020B0503020000020004" pitchFamily="34" charset="-127"/>
+              </a:rPr>
+              <a:t>을 사용</a:t>
+            </a:r>
+            <a:br>
+              <a:rPr lang="en-US" altLang="ko-KR" sz="1200" dirty="0">
+                <a:solidFill>
+                  <a:schemeClr val="tx1"/>
+                </a:solidFill>
+                <a:latin typeface="Malgun Gothic Semilight" panose="020B0503020000020004" pitchFamily="34" charset="-127"/>
+                <a:ea typeface="Malgun Gothic Semilight" panose="020B0503020000020004" pitchFamily="34" charset="-127"/>
+                <a:cs typeface="Malgun Gothic Semilight" panose="020B0503020000020004" pitchFamily="34" charset="-127"/>
+              </a:rPr>
+            </a:br>
+            <a:r>
+              <a:rPr lang="en-US" altLang="ko-KR" sz="1200" dirty="0">
+                <a:solidFill>
+                  <a:schemeClr val="tx1"/>
+                </a:solidFill>
+                <a:latin typeface="Malgun Gothic Semilight" panose="020B0503020000020004" pitchFamily="34" charset="-127"/>
+                <a:ea typeface="Malgun Gothic Semilight" panose="020B0503020000020004" pitchFamily="34" charset="-127"/>
+                <a:cs typeface="Malgun Gothic Semilight" panose="020B0503020000020004" pitchFamily="34" charset="-127"/>
+              </a:rPr>
+              <a:t>  double* </a:t>
+            </a:r>
+            <a:r>
+              <a:rPr lang="en-US" altLang="ko-KR" sz="1200" dirty="0" err="1">
+                <a:solidFill>
+                  <a:schemeClr val="tx1"/>
+                </a:solidFill>
+                <a:latin typeface="Malgun Gothic Semilight" panose="020B0503020000020004" pitchFamily="34" charset="-127"/>
+                <a:ea typeface="Malgun Gothic Semilight" panose="020B0503020000020004" pitchFamily="34" charset="-127"/>
+                <a:cs typeface="Malgun Gothic Semilight" panose="020B0503020000020004" pitchFamily="34" charset="-127"/>
+              </a:rPr>
+              <a:t>raw_dp</a:t>
+            </a:r>
+            <a:r>
+              <a:rPr lang="en-US" altLang="ko-KR" sz="1200" dirty="0">
+                <a:solidFill>
+                  <a:schemeClr val="tx1"/>
+                </a:solidFill>
+                <a:latin typeface="Malgun Gothic Semilight" panose="020B0503020000020004" pitchFamily="34" charset="-127"/>
+                <a:ea typeface="Malgun Gothic Semilight" panose="020B0503020000020004" pitchFamily="34" charset="-127"/>
+                <a:cs typeface="Malgun Gothic Semilight" panose="020B0503020000020004" pitchFamily="34" charset="-127"/>
+              </a:rPr>
+              <a:t> = </a:t>
+            </a:r>
+            <a:r>
+              <a:rPr lang="en-US" altLang="ko-KR" sz="1200" dirty="0" err="1">
+                <a:solidFill>
+                  <a:schemeClr val="tx1"/>
+                </a:solidFill>
+                <a:latin typeface="Malgun Gothic Semilight" panose="020B0503020000020004" pitchFamily="34" charset="-127"/>
+                <a:ea typeface="Malgun Gothic Semilight" panose="020B0503020000020004" pitchFamily="34" charset="-127"/>
+                <a:cs typeface="Malgun Gothic Semilight" panose="020B0503020000020004" pitchFamily="34" charset="-127"/>
+              </a:rPr>
+              <a:t>dp.</a:t>
+            </a:r>
+            <a:r>
+              <a:rPr lang="en-US" altLang="ko-KR" sz="1200" dirty="0" err="1">
+                <a:solidFill>
+                  <a:srgbClr val="C00000"/>
+                </a:solidFill>
+                <a:latin typeface="Malgun Gothic Semilight" panose="020B0503020000020004" pitchFamily="34" charset="-127"/>
+                <a:ea typeface="Malgun Gothic Semilight" panose="020B0503020000020004" pitchFamily="34" charset="-127"/>
+                <a:cs typeface="Malgun Gothic Semilight" panose="020B0503020000020004" pitchFamily="34" charset="-127"/>
+              </a:rPr>
+              <a:t>get</a:t>
+            </a:r>
+            <a:r>
+              <a:rPr lang="en-US" altLang="ko-KR" sz="1200" dirty="0">
+                <a:solidFill>
+                  <a:srgbClr val="C00000"/>
+                </a:solidFill>
+                <a:latin typeface="Malgun Gothic Semilight" panose="020B0503020000020004" pitchFamily="34" charset="-127"/>
+                <a:ea typeface="Malgun Gothic Semilight" panose="020B0503020000020004" pitchFamily="34" charset="-127"/>
+                <a:cs typeface="Malgun Gothic Semilight" panose="020B0503020000020004" pitchFamily="34" charset="-127"/>
+              </a:rPr>
+              <a:t>()</a:t>
+            </a:r>
+            <a:r>
+              <a:rPr lang="en-US" altLang="ko-KR" sz="1200" dirty="0">
+                <a:solidFill>
+                  <a:schemeClr val="tx1"/>
+                </a:solidFill>
+                <a:latin typeface="Malgun Gothic Semilight" panose="020B0503020000020004" pitchFamily="34" charset="-127"/>
+                <a:ea typeface="Malgun Gothic Semilight" panose="020B0503020000020004" pitchFamily="34" charset="-127"/>
+                <a:cs typeface="Malgun Gothic Semilight" panose="020B0503020000020004" pitchFamily="34" charset="-127"/>
+              </a:rPr>
+              <a:t>;</a:t>
+            </a:r>
+            <a:br>
+              <a:rPr lang="en-US" altLang="ko-KR" sz="1200" dirty="0">
+                <a:solidFill>
+                  <a:schemeClr val="tx1"/>
+                </a:solidFill>
+                <a:latin typeface="Malgun Gothic Semilight" panose="020B0503020000020004" pitchFamily="34" charset="-127"/>
+                <a:ea typeface="Malgun Gothic Semilight" panose="020B0503020000020004" pitchFamily="34" charset="-127"/>
+                <a:cs typeface="Malgun Gothic Semilight" panose="020B0503020000020004" pitchFamily="34" charset="-127"/>
+              </a:rPr>
+            </a:br>
+            <a:r>
+              <a:rPr lang="en-US" altLang="ko-KR" sz="1200" dirty="0">
+                <a:solidFill>
+                  <a:schemeClr val="tx1"/>
+                </a:solidFill>
+                <a:latin typeface="Malgun Gothic Semilight" panose="020B0503020000020004" pitchFamily="34" charset="-127"/>
+                <a:ea typeface="Malgun Gothic Semilight" panose="020B0503020000020004" pitchFamily="34" charset="-127"/>
+                <a:cs typeface="Malgun Gothic Semilight" panose="020B0503020000020004" pitchFamily="34" charset="-127"/>
+              </a:rPr>
+              <a:t>- </a:t>
+            </a:r>
+            <a:r>
+              <a:rPr lang="ko-KR" altLang="en-US" sz="1200" dirty="0">
+                <a:solidFill>
+                  <a:schemeClr val="tx1"/>
+                </a:solidFill>
+                <a:latin typeface="Malgun Gothic Semilight" panose="020B0503020000020004" pitchFamily="34" charset="-127"/>
+                <a:ea typeface="Malgun Gothic Semilight" panose="020B0503020000020004" pitchFamily="34" charset="-127"/>
+                <a:cs typeface="Malgun Gothic Semilight" panose="020B0503020000020004" pitchFamily="34" charset="-127"/>
+              </a:rPr>
+              <a:t>다른 </a:t>
+            </a:r>
+            <a:r>
+              <a:rPr lang="en-US" altLang="ko-KR" sz="1200" dirty="0" err="1">
+                <a:solidFill>
+                  <a:schemeClr val="tx1"/>
+                </a:solidFill>
+                <a:latin typeface="Malgun Gothic Semilight" panose="020B0503020000020004" pitchFamily="34" charset="-127"/>
+                <a:ea typeface="Malgun Gothic Semilight" panose="020B0503020000020004" pitchFamily="34" charset="-127"/>
+                <a:cs typeface="Malgun Gothic Semilight" panose="020B0503020000020004" pitchFamily="34" charset="-127"/>
+              </a:rPr>
+              <a:t>unique_ptr</a:t>
+            </a:r>
+            <a:r>
+              <a:rPr lang="ko-KR" altLang="en-US" sz="1200" dirty="0">
+                <a:solidFill>
+                  <a:schemeClr val="tx1"/>
+                </a:solidFill>
+                <a:latin typeface="Malgun Gothic Semilight" panose="020B0503020000020004" pitchFamily="34" charset="-127"/>
+                <a:ea typeface="Malgun Gothic Semilight" panose="020B0503020000020004" pitchFamily="34" charset="-127"/>
+                <a:cs typeface="Malgun Gothic Semilight" panose="020B0503020000020004" pitchFamily="34" charset="-127"/>
+              </a:rPr>
+              <a:t>에 할당할 수도 없다</a:t>
+            </a:r>
+            <a:r>
+              <a:rPr lang="en-US" altLang="ko-KR" sz="1200" dirty="0">
+                <a:solidFill>
+                  <a:schemeClr val="tx1"/>
+                </a:solidFill>
+                <a:latin typeface="Malgun Gothic Semilight" panose="020B0503020000020004" pitchFamily="34" charset="-127"/>
+                <a:ea typeface="Malgun Gothic Semilight" panose="020B0503020000020004" pitchFamily="34" charset="-127"/>
+                <a:cs typeface="Malgun Gothic Semilight" panose="020B0503020000020004" pitchFamily="34" charset="-127"/>
+              </a:rPr>
+              <a:t>.</a:t>
+            </a:r>
+            <a:br>
+              <a:rPr lang="en-US" altLang="ko-KR" sz="1200" dirty="0">
+                <a:solidFill>
+                  <a:schemeClr val="tx1"/>
+                </a:solidFill>
+                <a:latin typeface="Malgun Gothic Semilight" panose="020B0503020000020004" pitchFamily="34" charset="-127"/>
+                <a:ea typeface="Malgun Gothic Semilight" panose="020B0503020000020004" pitchFamily="34" charset="-127"/>
+                <a:cs typeface="Malgun Gothic Semilight" panose="020B0503020000020004" pitchFamily="34" charset="-127"/>
+              </a:rPr>
+            </a:br>
+            <a:r>
+              <a:rPr lang="en-US" altLang="ko-KR" sz="1200" dirty="0">
+                <a:solidFill>
+                  <a:schemeClr val="tx1"/>
+                </a:solidFill>
+                <a:latin typeface="Malgun Gothic Semilight" panose="020B0503020000020004" pitchFamily="34" charset="-127"/>
+                <a:ea typeface="Malgun Gothic Semilight" panose="020B0503020000020004" pitchFamily="34" charset="-127"/>
+                <a:cs typeface="Malgun Gothic Semilight" panose="020B0503020000020004" pitchFamily="34" charset="-127"/>
+              </a:rPr>
+              <a:t> </a:t>
+            </a:r>
+            <a:r>
+              <a:rPr lang="en-US" altLang="ko-KR" sz="1200" dirty="0" err="1">
+                <a:solidFill>
+                  <a:schemeClr val="tx1"/>
+                </a:solidFill>
+                <a:latin typeface="Malgun Gothic Semilight" panose="020B0503020000020004" pitchFamily="34" charset="-127"/>
+                <a:ea typeface="Malgun Gothic Semilight" panose="020B0503020000020004" pitchFamily="34" charset="-127"/>
+                <a:cs typeface="Malgun Gothic Semilight" panose="020B0503020000020004" pitchFamily="34" charset="-127"/>
+              </a:rPr>
+              <a:t>unique_ptr</a:t>
+            </a:r>
+            <a:r>
+              <a:rPr lang="en-US" altLang="ko-KR" sz="1200" dirty="0">
+                <a:solidFill>
+                  <a:schemeClr val="tx1"/>
+                </a:solidFill>
+                <a:latin typeface="Malgun Gothic Semilight" panose="020B0503020000020004" pitchFamily="34" charset="-127"/>
+                <a:ea typeface="Malgun Gothic Semilight" panose="020B0503020000020004" pitchFamily="34" charset="-127"/>
+                <a:cs typeface="Malgun Gothic Semilight" panose="020B0503020000020004" pitchFamily="34" charset="-127"/>
+              </a:rPr>
+              <a:t>&lt;double&gt; </a:t>
+            </a:r>
+            <a:r>
+              <a:rPr lang="en-US" altLang="ko-KR" sz="1200" dirty="0">
+                <a:solidFill>
+                  <a:srgbClr val="C00000"/>
+                </a:solidFill>
+                <a:latin typeface="Malgun Gothic Semilight" panose="020B0503020000020004" pitchFamily="34" charset="-127"/>
+                <a:ea typeface="Malgun Gothic Semilight" panose="020B0503020000020004" pitchFamily="34" charset="-127"/>
+                <a:cs typeface="Malgun Gothic Semilight" panose="020B0503020000020004" pitchFamily="34" charset="-127"/>
+              </a:rPr>
+              <a:t>dp2{</a:t>
+            </a:r>
+            <a:r>
+              <a:rPr lang="en-US" altLang="ko-KR" sz="1200" dirty="0" err="1">
+                <a:solidFill>
+                  <a:srgbClr val="C00000"/>
+                </a:solidFill>
+                <a:latin typeface="Malgun Gothic Semilight" panose="020B0503020000020004" pitchFamily="34" charset="-127"/>
+                <a:ea typeface="Malgun Gothic Semilight" panose="020B0503020000020004" pitchFamily="34" charset="-127"/>
+                <a:cs typeface="Malgun Gothic Semilight" panose="020B0503020000020004" pitchFamily="34" charset="-127"/>
+              </a:rPr>
+              <a:t>dp</a:t>
+            </a:r>
+            <a:r>
+              <a:rPr lang="en-US" altLang="ko-KR" sz="1200" dirty="0">
+                <a:solidFill>
+                  <a:srgbClr val="C00000"/>
+                </a:solidFill>
+                <a:latin typeface="Malgun Gothic Semilight" panose="020B0503020000020004" pitchFamily="34" charset="-127"/>
+                <a:ea typeface="Malgun Gothic Semilight" panose="020B0503020000020004" pitchFamily="34" charset="-127"/>
+                <a:cs typeface="Malgun Gothic Semilight" panose="020B0503020000020004" pitchFamily="34" charset="-127"/>
+              </a:rPr>
+              <a:t>}</a:t>
+            </a:r>
+            <a:r>
+              <a:rPr lang="en-US" altLang="ko-KR" sz="1200" dirty="0">
+                <a:solidFill>
+                  <a:schemeClr val="tx1"/>
+                </a:solidFill>
+                <a:latin typeface="Malgun Gothic Semilight" panose="020B0503020000020004" pitchFamily="34" charset="-127"/>
+                <a:ea typeface="Malgun Gothic Semilight" panose="020B0503020000020004" pitchFamily="34" charset="-127"/>
+                <a:cs typeface="Malgun Gothic Semilight" panose="020B0503020000020004" pitchFamily="34" charset="-127"/>
+              </a:rPr>
+              <a:t>;		</a:t>
+            </a:r>
+            <a:r>
+              <a:rPr lang="en-US" altLang="ko-KR" sz="1200" dirty="0">
+                <a:solidFill>
+                  <a:srgbClr val="179933"/>
+                </a:solidFill>
+                <a:latin typeface="Malgun Gothic Semilight" panose="020B0503020000020004" pitchFamily="34" charset="-127"/>
+                <a:ea typeface="Malgun Gothic Semilight" panose="020B0503020000020004" pitchFamily="34" charset="-127"/>
+                <a:cs typeface="Malgun Gothic Semilight" panose="020B0503020000020004" pitchFamily="34" charset="-127"/>
+              </a:rPr>
+              <a:t>//</a:t>
+            </a:r>
+            <a:r>
+              <a:rPr lang="ko-KR" altLang="en-US" sz="1200" dirty="0">
+                <a:solidFill>
+                  <a:srgbClr val="179933"/>
+                </a:solidFill>
+                <a:latin typeface="Malgun Gothic Semilight" panose="020B0503020000020004" pitchFamily="34" charset="-127"/>
+                <a:ea typeface="Malgun Gothic Semilight" panose="020B0503020000020004" pitchFamily="34" charset="-127"/>
+                <a:cs typeface="Malgun Gothic Semilight" panose="020B0503020000020004" pitchFamily="34" charset="-127"/>
+              </a:rPr>
+              <a:t>오류 </a:t>
+            </a:r>
+            <a:r>
+              <a:rPr lang="en-US" altLang="ko-KR" sz="1200" dirty="0">
+                <a:solidFill>
+                  <a:srgbClr val="179933"/>
+                </a:solidFill>
+                <a:latin typeface="Malgun Gothic Semilight" panose="020B0503020000020004" pitchFamily="34" charset="-127"/>
+                <a:ea typeface="Malgun Gothic Semilight" panose="020B0503020000020004" pitchFamily="34" charset="-127"/>
+                <a:cs typeface="Malgun Gothic Semilight" panose="020B0503020000020004" pitchFamily="34" charset="-127"/>
+              </a:rPr>
+              <a:t>: </a:t>
+            </a:r>
+            <a:r>
+              <a:rPr lang="ko-KR" altLang="en-US" sz="1200" dirty="0">
+                <a:solidFill>
+                  <a:srgbClr val="179933"/>
+                </a:solidFill>
+                <a:latin typeface="Malgun Gothic Semilight" panose="020B0503020000020004" pitchFamily="34" charset="-127"/>
+                <a:ea typeface="Malgun Gothic Semilight" panose="020B0503020000020004" pitchFamily="34" charset="-127"/>
+                <a:cs typeface="Malgun Gothic Semilight" panose="020B0503020000020004" pitchFamily="34" charset="-127"/>
+              </a:rPr>
+              <a:t>복사 금지</a:t>
+            </a:r>
+            <a:br>
+              <a:rPr lang="en-US" altLang="ko-KR" sz="1200" dirty="0">
+                <a:solidFill>
+                  <a:schemeClr val="tx1"/>
+                </a:solidFill>
+                <a:latin typeface="Malgun Gothic Semilight" panose="020B0503020000020004" pitchFamily="34" charset="-127"/>
+                <a:ea typeface="Malgun Gothic Semilight" panose="020B0503020000020004" pitchFamily="34" charset="-127"/>
+                <a:cs typeface="Malgun Gothic Semilight" panose="020B0503020000020004" pitchFamily="34" charset="-127"/>
+              </a:rPr>
+            </a:br>
+            <a:r>
+              <a:rPr lang="en-US" altLang="ko-KR" sz="1200" dirty="0">
+                <a:solidFill>
+                  <a:schemeClr val="tx1"/>
+                </a:solidFill>
+                <a:latin typeface="Malgun Gothic Semilight" panose="020B0503020000020004" pitchFamily="34" charset="-127"/>
+                <a:ea typeface="Malgun Gothic Semilight" panose="020B0503020000020004" pitchFamily="34" charset="-127"/>
+                <a:cs typeface="Malgun Gothic Semilight" panose="020B0503020000020004" pitchFamily="34" charset="-127"/>
+              </a:rPr>
+              <a:t> dp2 = </a:t>
+            </a:r>
+            <a:r>
+              <a:rPr lang="en-US" altLang="ko-KR" sz="1200" dirty="0" err="1">
+                <a:solidFill>
+                  <a:srgbClr val="C00000"/>
+                </a:solidFill>
+                <a:latin typeface="Malgun Gothic Semilight" panose="020B0503020000020004" pitchFamily="34" charset="-127"/>
+                <a:ea typeface="Malgun Gothic Semilight" panose="020B0503020000020004" pitchFamily="34" charset="-127"/>
+                <a:cs typeface="Malgun Gothic Semilight" panose="020B0503020000020004" pitchFamily="34" charset="-127"/>
+              </a:rPr>
+              <a:t>dp</a:t>
+            </a:r>
+            <a:r>
+              <a:rPr lang="en-US" altLang="ko-KR" sz="1200" dirty="0">
+                <a:solidFill>
+                  <a:srgbClr val="C00000"/>
+                </a:solidFill>
+                <a:latin typeface="Malgun Gothic Semilight" panose="020B0503020000020004" pitchFamily="34" charset="-127"/>
+                <a:ea typeface="Malgun Gothic Semilight" panose="020B0503020000020004" pitchFamily="34" charset="-127"/>
+                <a:cs typeface="Malgun Gothic Semilight" panose="020B0503020000020004" pitchFamily="34" charset="-127"/>
+              </a:rPr>
+              <a:t>;</a:t>
+            </a:r>
+            <a:r>
+              <a:rPr lang="en-US" altLang="ko-KR" sz="1200" dirty="0">
+                <a:solidFill>
+                  <a:schemeClr val="tx1"/>
+                </a:solidFill>
+                <a:latin typeface="Malgun Gothic Semilight" panose="020B0503020000020004" pitchFamily="34" charset="-127"/>
+                <a:ea typeface="Malgun Gothic Semilight" panose="020B0503020000020004" pitchFamily="34" charset="-127"/>
+                <a:cs typeface="Malgun Gothic Semilight" panose="020B0503020000020004" pitchFamily="34" charset="-127"/>
+              </a:rPr>
+              <a:t>	</a:t>
+            </a:r>
+            <a:r>
+              <a:rPr lang="en-US" altLang="ko-KR" sz="1200" dirty="0">
+                <a:solidFill>
+                  <a:srgbClr val="179933"/>
+                </a:solidFill>
+                <a:latin typeface="Malgun Gothic Semilight" panose="020B0503020000020004" pitchFamily="34" charset="-127"/>
+                <a:ea typeface="Malgun Gothic Semilight" panose="020B0503020000020004" pitchFamily="34" charset="-127"/>
+                <a:cs typeface="Malgun Gothic Semilight" panose="020B0503020000020004" pitchFamily="34" charset="-127"/>
+              </a:rPr>
+              <a:t>// </a:t>
+            </a:r>
+            <a:r>
+              <a:rPr lang="ko-KR" altLang="en-US" sz="1200" dirty="0">
+                <a:solidFill>
+                  <a:srgbClr val="179933"/>
+                </a:solidFill>
+                <a:latin typeface="Malgun Gothic Semilight" panose="020B0503020000020004" pitchFamily="34" charset="-127"/>
+                <a:ea typeface="Malgun Gothic Semilight" panose="020B0503020000020004" pitchFamily="34" charset="-127"/>
+                <a:cs typeface="Malgun Gothic Semilight" panose="020B0503020000020004" pitchFamily="34" charset="-127"/>
+              </a:rPr>
+              <a:t>오류</a:t>
+            </a:r>
+            <a:br>
+              <a:rPr lang="en-US" altLang="ko-KR" sz="1200" dirty="0">
+                <a:solidFill>
+                  <a:srgbClr val="179933"/>
+                </a:solidFill>
+                <a:latin typeface="Malgun Gothic Semilight" panose="020B0503020000020004" pitchFamily="34" charset="-127"/>
+                <a:ea typeface="Malgun Gothic Semilight" panose="020B0503020000020004" pitchFamily="34" charset="-127"/>
+                <a:cs typeface="Malgun Gothic Semilight" panose="020B0503020000020004" pitchFamily="34" charset="-127"/>
+              </a:rPr>
+            </a:br>
+            <a:r>
+              <a:rPr lang="en-US" altLang="ko-KR" sz="1200" dirty="0">
+                <a:solidFill>
+                  <a:schemeClr val="tx1"/>
+                </a:solidFill>
+                <a:latin typeface="Malgun Gothic Semilight" panose="020B0503020000020004" pitchFamily="34" charset="-127"/>
+                <a:ea typeface="Malgun Gothic Semilight" panose="020B0503020000020004" pitchFamily="34" charset="-127"/>
+                <a:cs typeface="Malgun Gothic Semilight" panose="020B0503020000020004" pitchFamily="34" charset="-127"/>
+              </a:rPr>
+              <a:t>- </a:t>
+            </a:r>
+            <a:r>
+              <a:rPr lang="en-US" altLang="ko-KR" sz="1200" dirty="0" err="1">
+                <a:solidFill>
+                  <a:schemeClr val="tx1"/>
+                </a:solidFill>
+                <a:latin typeface="Malgun Gothic Semilight" panose="020B0503020000020004" pitchFamily="34" charset="-127"/>
+                <a:ea typeface="Malgun Gothic Semilight" panose="020B0503020000020004" pitchFamily="34" charset="-127"/>
+                <a:cs typeface="Malgun Gothic Semilight" panose="020B0503020000020004" pitchFamily="34" charset="-127"/>
+              </a:rPr>
+              <a:t>unique_ptr</a:t>
+            </a:r>
+            <a:r>
+              <a:rPr lang="en-US" altLang="ko-KR" sz="1200" dirty="0">
+                <a:solidFill>
+                  <a:schemeClr val="tx1"/>
+                </a:solidFill>
+                <a:latin typeface="Malgun Gothic Semilight" panose="020B0503020000020004" pitchFamily="34" charset="-127"/>
+                <a:ea typeface="Malgun Gothic Semilight" panose="020B0503020000020004" pitchFamily="34" charset="-127"/>
+                <a:cs typeface="Malgun Gothic Semilight" panose="020B0503020000020004" pitchFamily="34" charset="-127"/>
+              </a:rPr>
+              <a:t> </a:t>
+            </a:r>
+            <a:r>
+              <a:rPr lang="ko-KR" altLang="en-US" sz="1200" dirty="0">
+                <a:solidFill>
+                  <a:schemeClr val="tx1"/>
+                </a:solidFill>
+                <a:latin typeface="Malgun Gothic Semilight" panose="020B0503020000020004" pitchFamily="34" charset="-127"/>
+                <a:ea typeface="Malgun Gothic Semilight" panose="020B0503020000020004" pitchFamily="34" charset="-127"/>
+                <a:cs typeface="Malgun Gothic Semilight" panose="020B0503020000020004" pitchFamily="34" charset="-127"/>
+              </a:rPr>
+              <a:t>은 오직 이동만 가능하다</a:t>
+            </a:r>
+            <a:r>
+              <a:rPr lang="en-US" altLang="ko-KR" sz="1200" dirty="0">
+                <a:solidFill>
+                  <a:schemeClr val="tx1"/>
+                </a:solidFill>
+                <a:latin typeface="Malgun Gothic Semilight" panose="020B0503020000020004" pitchFamily="34" charset="-127"/>
+                <a:ea typeface="Malgun Gothic Semilight" panose="020B0503020000020004" pitchFamily="34" charset="-127"/>
+                <a:cs typeface="Malgun Gothic Semilight" panose="020B0503020000020004" pitchFamily="34" charset="-127"/>
+              </a:rPr>
+              <a:t>. </a:t>
+            </a:r>
+            <a:br>
+              <a:rPr lang="en-US" altLang="ko-KR" sz="1200" dirty="0">
+                <a:solidFill>
+                  <a:schemeClr val="tx1"/>
+                </a:solidFill>
+                <a:latin typeface="Malgun Gothic Semilight" panose="020B0503020000020004" pitchFamily="34" charset="-127"/>
+                <a:ea typeface="Malgun Gothic Semilight" panose="020B0503020000020004" pitchFamily="34" charset="-127"/>
+                <a:cs typeface="Malgun Gothic Semilight" panose="020B0503020000020004" pitchFamily="34" charset="-127"/>
+              </a:rPr>
+            </a:br>
+            <a:r>
+              <a:rPr lang="en-US" altLang="ko-KR" sz="1200" dirty="0">
+                <a:solidFill>
+                  <a:schemeClr val="tx1"/>
+                </a:solidFill>
+                <a:latin typeface="Malgun Gothic Semilight" panose="020B0503020000020004" pitchFamily="34" charset="-127"/>
+                <a:ea typeface="Malgun Gothic Semilight" panose="020B0503020000020004" pitchFamily="34" charset="-127"/>
+                <a:cs typeface="Malgun Gothic Semilight" panose="020B0503020000020004" pitchFamily="34" charset="-127"/>
+              </a:rPr>
+              <a:t> </a:t>
+            </a:r>
+            <a:r>
+              <a:rPr lang="en-US" altLang="ko-KR" sz="1200" dirty="0" err="1">
+                <a:solidFill>
+                  <a:schemeClr val="tx1"/>
+                </a:solidFill>
+                <a:latin typeface="Malgun Gothic Semilight" panose="020B0503020000020004" pitchFamily="34" charset="-127"/>
+                <a:ea typeface="Malgun Gothic Semilight" panose="020B0503020000020004" pitchFamily="34" charset="-127"/>
+                <a:cs typeface="Malgun Gothic Semilight" panose="020B0503020000020004" pitchFamily="34" charset="-127"/>
+              </a:rPr>
+              <a:t>uique_ptr</a:t>
+            </a:r>
+            <a:r>
+              <a:rPr lang="en-US" altLang="ko-KR" sz="1200" dirty="0">
+                <a:solidFill>
+                  <a:schemeClr val="tx1"/>
+                </a:solidFill>
+                <a:latin typeface="Malgun Gothic Semilight" panose="020B0503020000020004" pitchFamily="34" charset="-127"/>
+                <a:ea typeface="Malgun Gothic Semilight" panose="020B0503020000020004" pitchFamily="34" charset="-127"/>
+                <a:cs typeface="Malgun Gothic Semilight" panose="020B0503020000020004" pitchFamily="34" charset="-127"/>
+              </a:rPr>
+              <a:t>&lt;double&gt; dp2{ </a:t>
+            </a:r>
+            <a:r>
+              <a:rPr lang="en-US" altLang="ko-KR" sz="1200" dirty="0">
+                <a:solidFill>
+                  <a:srgbClr val="C00000"/>
+                </a:solidFill>
+                <a:latin typeface="Malgun Gothic Semilight" panose="020B0503020000020004" pitchFamily="34" charset="-127"/>
+                <a:ea typeface="Malgun Gothic Semilight" panose="020B0503020000020004" pitchFamily="34" charset="-127"/>
+                <a:cs typeface="Malgun Gothic Semilight" panose="020B0503020000020004" pitchFamily="34" charset="-127"/>
+              </a:rPr>
+              <a:t>move(</a:t>
+            </a:r>
+            <a:r>
+              <a:rPr lang="en-US" altLang="ko-KR" sz="1200" dirty="0" err="1">
+                <a:solidFill>
+                  <a:srgbClr val="C00000"/>
+                </a:solidFill>
+                <a:latin typeface="Malgun Gothic Semilight" panose="020B0503020000020004" pitchFamily="34" charset="-127"/>
+                <a:ea typeface="Malgun Gothic Semilight" panose="020B0503020000020004" pitchFamily="34" charset="-127"/>
+                <a:cs typeface="Malgun Gothic Semilight" panose="020B0503020000020004" pitchFamily="34" charset="-127"/>
+              </a:rPr>
+              <a:t>dp</a:t>
+            </a:r>
+            <a:r>
+              <a:rPr lang="en-US" altLang="ko-KR" sz="1200" dirty="0">
+                <a:solidFill>
+                  <a:srgbClr val="C00000"/>
+                </a:solidFill>
+                <a:latin typeface="Malgun Gothic Semilight" panose="020B0503020000020004" pitchFamily="34" charset="-127"/>
+                <a:ea typeface="Malgun Gothic Semilight" panose="020B0503020000020004" pitchFamily="34" charset="-127"/>
+                <a:cs typeface="Malgun Gothic Semilight" panose="020B0503020000020004" pitchFamily="34" charset="-127"/>
+              </a:rPr>
+              <a:t>)</a:t>
+            </a:r>
+            <a:r>
+              <a:rPr lang="en-US" altLang="ko-KR" sz="1200" dirty="0">
+                <a:solidFill>
+                  <a:schemeClr val="tx1"/>
+                </a:solidFill>
+                <a:latin typeface="Malgun Gothic Semilight" panose="020B0503020000020004" pitchFamily="34" charset="-127"/>
+                <a:ea typeface="Malgun Gothic Semilight" panose="020B0503020000020004" pitchFamily="34" charset="-127"/>
+                <a:cs typeface="Malgun Gothic Semilight" panose="020B0503020000020004" pitchFamily="34" charset="-127"/>
+              </a:rPr>
+              <a:t> }, dp3;</a:t>
+            </a:r>
+            <a:br>
+              <a:rPr lang="en-US" altLang="ko-KR" sz="1200" dirty="0">
+                <a:solidFill>
+                  <a:schemeClr val="tx1"/>
+                </a:solidFill>
+                <a:latin typeface="Malgun Gothic Semilight" panose="020B0503020000020004" pitchFamily="34" charset="-127"/>
+                <a:ea typeface="Malgun Gothic Semilight" panose="020B0503020000020004" pitchFamily="34" charset="-127"/>
+                <a:cs typeface="Malgun Gothic Semilight" panose="020B0503020000020004" pitchFamily="34" charset="-127"/>
+              </a:rPr>
+            </a:br>
+            <a:r>
+              <a:rPr lang="en-US" altLang="ko-KR" sz="1200" dirty="0">
+                <a:solidFill>
+                  <a:schemeClr val="tx1"/>
+                </a:solidFill>
+                <a:latin typeface="Malgun Gothic Semilight" panose="020B0503020000020004" pitchFamily="34" charset="-127"/>
+                <a:ea typeface="Malgun Gothic Semilight" panose="020B0503020000020004" pitchFamily="34" charset="-127"/>
+                <a:cs typeface="Malgun Gothic Semilight" panose="020B0503020000020004" pitchFamily="34" charset="-127"/>
+              </a:rPr>
+              <a:t> dp3 = </a:t>
+            </a:r>
+            <a:r>
+              <a:rPr lang="en-US" altLang="ko-KR" sz="1200" dirty="0">
+                <a:solidFill>
+                  <a:srgbClr val="C00000"/>
+                </a:solidFill>
+                <a:latin typeface="Malgun Gothic Semilight" panose="020B0503020000020004" pitchFamily="34" charset="-127"/>
+                <a:ea typeface="Malgun Gothic Semilight" panose="020B0503020000020004" pitchFamily="34" charset="-127"/>
+                <a:cs typeface="Malgun Gothic Semilight" panose="020B0503020000020004" pitchFamily="34" charset="-127"/>
+              </a:rPr>
+              <a:t>move(dp2);</a:t>
+            </a:r>
+            <a:br>
+              <a:rPr lang="en-US" altLang="ko-KR" sz="1200" dirty="0">
+                <a:solidFill>
+                  <a:srgbClr val="C00000"/>
+                </a:solidFill>
+                <a:latin typeface="Malgun Gothic Semilight" panose="020B0503020000020004" pitchFamily="34" charset="-127"/>
+                <a:ea typeface="Malgun Gothic Semilight" panose="020B0503020000020004" pitchFamily="34" charset="-127"/>
+                <a:cs typeface="Malgun Gothic Semilight" panose="020B0503020000020004" pitchFamily="34" charset="-127"/>
+              </a:rPr>
+            </a:br>
+            <a:r>
+              <a:rPr lang="en-US" altLang="ko-KR" sz="1200" dirty="0">
+                <a:solidFill>
+                  <a:srgbClr val="C00000"/>
+                </a:solidFill>
+                <a:latin typeface="Malgun Gothic Semilight" panose="020B0503020000020004" pitchFamily="34" charset="-127"/>
+                <a:ea typeface="Malgun Gothic Semilight" panose="020B0503020000020004" pitchFamily="34" charset="-127"/>
+                <a:cs typeface="Malgun Gothic Semilight" panose="020B0503020000020004" pitchFamily="34" charset="-127"/>
+              </a:rPr>
+              <a:t> </a:t>
+            </a:r>
+            <a:r>
+              <a:rPr lang="ko-KR" altLang="en-US" sz="1200" dirty="0">
+                <a:solidFill>
+                  <a:schemeClr val="tx1"/>
+                </a:solidFill>
+                <a:latin typeface="Malgun Gothic Semilight" panose="020B0503020000020004" pitchFamily="34" charset="-127"/>
+                <a:ea typeface="Malgun Gothic Semilight" panose="020B0503020000020004" pitchFamily="34" charset="-127"/>
+                <a:cs typeface="Malgun Gothic Semilight" panose="020B0503020000020004" pitchFamily="34" charset="-127"/>
+              </a:rPr>
+              <a:t>메모리의 소유권 </a:t>
+            </a:r>
+            <a:r>
+              <a:rPr lang="en-US" altLang="ko-KR" sz="1200" dirty="0" err="1">
+                <a:solidFill>
+                  <a:schemeClr val="tx1"/>
+                </a:solidFill>
+                <a:latin typeface="Malgun Gothic Semilight" panose="020B0503020000020004" pitchFamily="34" charset="-127"/>
+                <a:ea typeface="Malgun Gothic Semilight" panose="020B0503020000020004" pitchFamily="34" charset="-127"/>
+                <a:cs typeface="Malgun Gothic Semilight" panose="020B0503020000020004" pitchFamily="34" charset="-127"/>
+              </a:rPr>
+              <a:t>dp</a:t>
+            </a:r>
+            <a:r>
+              <a:rPr lang="en-US" altLang="ko-KR" sz="1200" dirty="0">
+                <a:solidFill>
+                  <a:schemeClr val="tx1"/>
+                </a:solidFill>
+                <a:latin typeface="Malgun Gothic Semilight" panose="020B0503020000020004" pitchFamily="34" charset="-127"/>
+                <a:ea typeface="Malgun Gothic Semilight" panose="020B0503020000020004" pitchFamily="34" charset="-127"/>
+                <a:cs typeface="Malgun Gothic Semilight" panose="020B0503020000020004" pitchFamily="34" charset="-127"/>
+              </a:rPr>
+              <a:t> -&gt; dp2 -&gt; dp3 </a:t>
+            </a:r>
+            <a:r>
+              <a:rPr lang="ko-KR" altLang="en-US" sz="1200" dirty="0">
+                <a:solidFill>
+                  <a:schemeClr val="tx1"/>
+                </a:solidFill>
+                <a:latin typeface="Malgun Gothic Semilight" panose="020B0503020000020004" pitchFamily="34" charset="-127"/>
+                <a:ea typeface="Malgun Gothic Semilight" panose="020B0503020000020004" pitchFamily="34" charset="-127"/>
+                <a:cs typeface="Malgun Gothic Semilight" panose="020B0503020000020004" pitchFamily="34" charset="-127"/>
+              </a:rPr>
+              <a:t>으로 변경</a:t>
+            </a:r>
+            <a:r>
+              <a:rPr lang="en-US" altLang="ko-KR" sz="1200" dirty="0">
+                <a:solidFill>
+                  <a:schemeClr val="tx1"/>
+                </a:solidFill>
+                <a:latin typeface="Malgun Gothic Semilight" panose="020B0503020000020004" pitchFamily="34" charset="-127"/>
+                <a:ea typeface="Malgun Gothic Semilight" panose="020B0503020000020004" pitchFamily="34" charset="-127"/>
+                <a:cs typeface="Malgun Gothic Semilight" panose="020B0503020000020004" pitchFamily="34" charset="-127"/>
+              </a:rPr>
+              <a:t>. </a:t>
+            </a:r>
+            <a:r>
+              <a:rPr lang="en-US" altLang="ko-KR" sz="1200" dirty="0" err="1">
+                <a:solidFill>
+                  <a:schemeClr val="tx1"/>
+                </a:solidFill>
+                <a:latin typeface="Malgun Gothic Semilight" panose="020B0503020000020004" pitchFamily="34" charset="-127"/>
+                <a:ea typeface="Malgun Gothic Semilight" panose="020B0503020000020004" pitchFamily="34" charset="-127"/>
+                <a:cs typeface="Malgun Gothic Semilight" panose="020B0503020000020004" pitchFamily="34" charset="-127"/>
+              </a:rPr>
+              <a:t>dp</a:t>
+            </a:r>
+            <a:r>
+              <a:rPr lang="ko-KR" altLang="en-US" sz="1200" dirty="0">
+                <a:solidFill>
+                  <a:schemeClr val="tx1"/>
+                </a:solidFill>
+                <a:latin typeface="Malgun Gothic Semilight" panose="020B0503020000020004" pitchFamily="34" charset="-127"/>
+                <a:ea typeface="Malgun Gothic Semilight" panose="020B0503020000020004" pitchFamily="34" charset="-127"/>
+                <a:cs typeface="Malgun Gothic Semilight" panose="020B0503020000020004" pitchFamily="34" charset="-127"/>
+              </a:rPr>
+              <a:t>와 </a:t>
+            </a:r>
+            <a:r>
+              <a:rPr lang="en-US" altLang="ko-KR" sz="1200" dirty="0">
+                <a:solidFill>
+                  <a:schemeClr val="tx1"/>
+                </a:solidFill>
+                <a:latin typeface="Malgun Gothic Semilight" panose="020B0503020000020004" pitchFamily="34" charset="-127"/>
+                <a:ea typeface="Malgun Gothic Semilight" panose="020B0503020000020004" pitchFamily="34" charset="-127"/>
+                <a:cs typeface="Malgun Gothic Semilight" panose="020B0503020000020004" pitchFamily="34" charset="-127"/>
+              </a:rPr>
+              <a:t>dp2 </a:t>
+            </a:r>
+            <a:r>
+              <a:rPr lang="ko-KR" altLang="en-US" sz="1200" dirty="0">
+                <a:solidFill>
+                  <a:schemeClr val="tx1"/>
+                </a:solidFill>
+                <a:latin typeface="Malgun Gothic Semilight" panose="020B0503020000020004" pitchFamily="34" charset="-127"/>
+                <a:ea typeface="Malgun Gothic Semilight" panose="020B0503020000020004" pitchFamily="34" charset="-127"/>
+                <a:cs typeface="Malgun Gothic Semilight" panose="020B0503020000020004" pitchFamily="34" charset="-127"/>
+              </a:rPr>
+              <a:t>는 후에 </a:t>
+            </a:r>
+            <a:r>
+              <a:rPr lang="en-US" altLang="ko-KR" sz="1200" dirty="0" err="1">
+                <a:solidFill>
+                  <a:schemeClr val="tx1"/>
+                </a:solidFill>
+                <a:latin typeface="Malgun Gothic Semilight" panose="020B0503020000020004" pitchFamily="34" charset="-127"/>
+                <a:ea typeface="Malgun Gothic Semilight" panose="020B0503020000020004" pitchFamily="34" charset="-127"/>
+                <a:cs typeface="Malgun Gothic Semilight" panose="020B0503020000020004" pitchFamily="34" charset="-127"/>
+              </a:rPr>
+              <a:t>nullptr</a:t>
+            </a:r>
+            <a:r>
+              <a:rPr lang="ko-KR" altLang="en-US" sz="1200" dirty="0">
+                <a:solidFill>
+                  <a:schemeClr val="tx1"/>
+                </a:solidFill>
+                <a:latin typeface="Malgun Gothic Semilight" panose="020B0503020000020004" pitchFamily="34" charset="-127"/>
+                <a:ea typeface="Malgun Gothic Semilight" panose="020B0503020000020004" pitchFamily="34" charset="-127"/>
+                <a:cs typeface="Malgun Gothic Semilight" panose="020B0503020000020004" pitchFamily="34" charset="-127"/>
+              </a:rPr>
+              <a:t>이 됨</a:t>
+            </a:r>
+            <a:r>
+              <a:rPr lang="en-US" altLang="ko-KR" sz="1200" dirty="0">
+                <a:solidFill>
+                  <a:schemeClr val="tx1"/>
+                </a:solidFill>
+                <a:latin typeface="Malgun Gothic Semilight" panose="020B0503020000020004" pitchFamily="34" charset="-127"/>
+                <a:ea typeface="Malgun Gothic Semilight" panose="020B0503020000020004" pitchFamily="34" charset="-127"/>
+                <a:cs typeface="Malgun Gothic Semilight" panose="020B0503020000020004" pitchFamily="34" charset="-127"/>
+              </a:rPr>
+              <a:t>.</a:t>
+            </a:r>
+            <a:br>
+              <a:rPr lang="en-US" altLang="ko-KR" sz="1400" dirty="0">
+                <a:solidFill>
+                  <a:schemeClr val="tx1"/>
+                </a:solidFill>
+                <a:latin typeface="Malgun Gothic Semilight" panose="020B0503020000020004" pitchFamily="34" charset="-127"/>
+                <a:ea typeface="Malgun Gothic Semilight" panose="020B0503020000020004" pitchFamily="34" charset="-127"/>
+                <a:cs typeface="Malgun Gothic Semilight" panose="020B0503020000020004" pitchFamily="34" charset="-127"/>
+              </a:rPr>
+            </a:br>
+            <a:br>
+              <a:rPr lang="en-US" altLang="ko-KR" sz="1400" dirty="0">
+                <a:latin typeface="Malgun Gothic Semilight" panose="020B0503020000020004" pitchFamily="34" charset="-127"/>
+                <a:ea typeface="Malgun Gothic Semilight" panose="020B0503020000020004" pitchFamily="34" charset="-127"/>
+                <a:cs typeface="Malgun Gothic Semilight" panose="020B0503020000020004" pitchFamily="34" charset="-127"/>
+              </a:rPr>
+            </a:br>
+            <a:br>
+              <a:rPr lang="en-US" altLang="ko-KR" sz="1400" dirty="0">
+                <a:latin typeface="Malgun Gothic Semilight" panose="020B0503020000020004" pitchFamily="34" charset="-127"/>
+                <a:ea typeface="Malgun Gothic Semilight" panose="020B0503020000020004" pitchFamily="34" charset="-127"/>
+                <a:cs typeface="Malgun Gothic Semilight" panose="020B0503020000020004" pitchFamily="34" charset="-127"/>
+              </a:rPr>
+            </a:br>
+            <a:br>
+              <a:rPr lang="en-US" altLang="ko-KR" sz="1400" dirty="0">
+                <a:latin typeface="Malgun Gothic Semilight" panose="020B0503020000020004" pitchFamily="34" charset="-127"/>
+                <a:ea typeface="Malgun Gothic Semilight" panose="020B0503020000020004" pitchFamily="34" charset="-127"/>
+                <a:cs typeface="Malgun Gothic Semilight" panose="020B0503020000020004" pitchFamily="34" charset="-127"/>
+              </a:rPr>
+            </a:br>
+            <a:endParaRPr lang="en-US" altLang="ko-KR" sz="1400" dirty="0">
+              <a:latin typeface="Malgun Gothic Semilight" panose="020B0503020000020004" pitchFamily="34" charset="-127"/>
+              <a:ea typeface="Malgun Gothic Semilight" panose="020B0503020000020004" pitchFamily="34" charset="-127"/>
+              <a:cs typeface="Malgun Gothic Semilight" panose="020B0503020000020004" pitchFamily="34" charset="-127"/>
+            </a:endParaRPr>
+          </a:p>
+          <a:p>
+            <a:endParaRPr lang="en-US" altLang="ko-KR" sz="1800" dirty="0">
+              <a:latin typeface="Malgun Gothic Semilight" panose="020B0503020000020004" pitchFamily="34" charset="-127"/>
+              <a:ea typeface="Malgun Gothic Semilight" panose="020B0503020000020004" pitchFamily="34" charset="-127"/>
+              <a:cs typeface="Malgun Gothic Semilight" panose="020B0503020000020004" pitchFamily="34" charset="-127"/>
+            </a:endParaRPr>
+          </a:p>
+        </p:txBody>
+      </p:sp>
+    </p:spTree>
+    <p:extLst>
+      <p:ext uri="{BB962C8B-B14F-4D97-AF65-F5344CB8AC3E}">
+        <p14:creationId xmlns:p14="http://schemas.microsoft.com/office/powerpoint/2010/main" val="83472679"/>
+      </p:ext>
+    </p:extLst>
+  </p:cSld>
+  <p:clrMapOvr>
+    <a:masterClrMapping/>
+  </p:clrMapOvr>
+</p:sld>
+</file>
+
 <file path=ppt/slides/slide2.xml><?xml version="1.0" encoding="utf-8"?>
 <p:sld xmlns:a="http://schemas.openxmlformats.org/drawingml/2006/main" xmlns:r="http://schemas.openxmlformats.org/officeDocument/2006/relationships" xmlns:p="http://schemas.openxmlformats.org/presentationml/2006/main">
   <p:cSld>
@@ -10388,6 +14877,36 @@
             <a:r>
               <a:rPr lang="ko-KR" altLang="en-US" noProof="1"/>
               <a:t>표준 입출력</a:t>
+            </a:r>
+            <a:endParaRPr lang="en-US" altLang="ko-KR" noProof="1"/>
+          </a:p>
+          <a:p>
+            <a:pPr rtl="0"/>
+            <a:endParaRPr lang="en-US" altLang="ko-KR" noProof="1">
+              <a:ea typeface="맑은 고딕" panose="020B0503020000020004" pitchFamily="50" charset="-127"/>
+            </a:endParaRPr>
+          </a:p>
+          <a:p>
+            <a:pPr rtl="0"/>
+            <a:r>
+              <a:rPr lang="ko-KR" altLang="en-US" noProof="1"/>
+              <a:t>배열</a:t>
+            </a:r>
+            <a:r>
+              <a:rPr lang="en-US" altLang="ko-KR" noProof="1"/>
+              <a:t>, </a:t>
+            </a:r>
+            <a:r>
+              <a:rPr lang="ko-KR" altLang="en-US" noProof="1"/>
+              <a:t>포인터</a:t>
+            </a:r>
+            <a:r>
+              <a:rPr lang="en-US" altLang="ko-KR" noProof="1"/>
+              <a:t>, </a:t>
+            </a:r>
+            <a:r>
+              <a:rPr lang="ko-KR" altLang="en-US" noProof="1"/>
+              <a:t>레퍼런스</a:t>
             </a:r>
             <a:endParaRPr lang="en-US" altLang="ko-KR" noProof="1">
               <a:ea typeface="맑은 고딕" panose="020B0503020000020004" pitchFamily="50" charset="-127"/>
@@ -19552,6 +24071,15 @@
 </file>
 
 <file path=customXml/item2.xml><?xml version="1.0" encoding="utf-8"?>
+<?mso-contentType ?>
+<FormTemplates xmlns="http://schemas.microsoft.com/sharepoint/v3/contenttype/forms">
+  <Display>DocumentLibraryForm</Display>
+  <Edit>DocumentLibraryForm</Edit>
+  <New>DocumentLibraryForm</New>
+</FormTemplates>
+</file>
+
+<file path=customXml/item3.xml><?xml version="1.0" encoding="utf-8"?>
 <ct:contentTypeSchema xmlns:ct="http://schemas.microsoft.com/office/2006/metadata/contentType" xmlns:ma="http://schemas.microsoft.com/office/2006/metadata/properties/metaAttributes" ct:_="" ma:_="" ma:contentTypeName="Document" ma:contentTypeID="0x01010079F111ED35F8CC479449609E8A0923A6" ma:contentTypeVersion="12" ma:contentTypeDescription="Create a new document." ma:contentTypeScope="" ma:versionID="fa6e671f1cd7e4d96ff9652be322dd5e">
   <xsd:schema xmlns:xsd="http://www.w3.org/2001/XMLSchema" xmlns:xs="http://www.w3.org/2001/XMLSchema" xmlns:p="http://schemas.microsoft.com/office/2006/metadata/properties" xmlns:ns2="71af3243-3dd4-4a8d-8c0d-dd76da1f02a5" xmlns:ns3="16c05727-aa75-4e4a-9b5f-8a80a1165891" targetNamespace="http://schemas.microsoft.com/office/2006/metadata/properties" ma:root="true" ma:fieldsID="4e2496f70b101db0b8013f30a071bbf7" ns2:_="" ns3:_="">
     <xsd:import namespace="71af3243-3dd4-4a8d-8c0d-dd76da1f02a5"/>
@@ -19772,15 +24300,6 @@
 </ct:contentTypeSchema>
 </file>
 
-<file path=customXml/item3.xml><?xml version="1.0" encoding="utf-8"?>
-<?mso-contentType ?>
-<FormTemplates xmlns="http://schemas.microsoft.com/sharepoint/v3/contenttype/forms">
-  <Display>DocumentLibraryForm</Display>
-  <Edit>DocumentLibraryForm</Edit>
-  <New>DocumentLibraryForm</New>
-</FormTemplates>
-</file>
-
 <file path=customXml/itemProps1.xml><?xml version="1.0" encoding="utf-8"?>
 <ds:datastoreItem xmlns:ds="http://schemas.openxmlformats.org/officeDocument/2006/customXml" ds:itemID="{ADC43B05-D266-4257-98DE-FF9D8CEDAE76}">
   <ds:schemaRefs>
@@ -19792,6 +24311,14 @@
 </file>
 
 <file path=customXml/itemProps2.xml><?xml version="1.0" encoding="utf-8"?>
+<ds:datastoreItem xmlns:ds="http://schemas.openxmlformats.org/officeDocument/2006/customXml" ds:itemID="{8435A0B9-5F49-415F-9BEE-591FDACE98D1}">
+  <ds:schemaRefs>
+    <ds:schemaRef ds:uri="http://schemas.microsoft.com/sharepoint/v3/contenttype/forms"/>
+  </ds:schemaRefs>
+</ds:datastoreItem>
+</file>
+
+<file path=customXml/itemProps3.xml><?xml version="1.0" encoding="utf-8"?>
 <ds:datastoreItem xmlns:ds="http://schemas.openxmlformats.org/officeDocument/2006/customXml" ds:itemID="{D76AEDE5-E9AF-4E9F-97C3-19B848D35AB4}">
   <ds:schemaRefs>
     <ds:schemaRef ds:uri="http://schemas.microsoft.com/office/2006/metadata/contentType"/>
@@ -19808,12 +24335,4 @@
     <ds:schemaRef ds:uri="http://schemas.microsoft.com/internal/obd"/>
   </ds:schemaRefs>
 </ds:datastoreItem>
-</file>
-
-<file path=customXml/itemProps3.xml><?xml version="1.0" encoding="utf-8"?>
-<ds:datastoreItem xmlns:ds="http://schemas.openxmlformats.org/officeDocument/2006/customXml" ds:itemID="{8435A0B9-5F49-415F-9BEE-591FDACE98D1}">
-  <ds:schemaRefs>
-    <ds:schemaRef ds:uri="http://schemas.microsoft.com/sharepoint/v3/contenttype/forms"/>
-  </ds:schemaRefs>
-</ds:datastoreItem>
 </file>